--- a/Introduction.pptx
+++ b/Introduction.pptx
@@ -5,10 +5,11 @@
     <p:sldMasterId id="2147483648" r:id="rId1"/>
   </p:sldMasterIdLst>
   <p:sldIdLst>
-    <p:sldId id="260" r:id="rId2"/>
-    <p:sldId id="259" r:id="rId3"/>
-    <p:sldId id="257" r:id="rId4"/>
-    <p:sldId id="258" r:id="rId5"/>
+    <p:sldId id="261" r:id="rId2"/>
+    <p:sldId id="262" r:id="rId3"/>
+    <p:sldId id="264" r:id="rId4"/>
+    <p:sldId id="265" r:id="rId5"/>
+    <p:sldId id="266" r:id="rId6"/>
   </p:sldIdLst>
   <p:sldSz cx="9144000" cy="6858000" type="screen4x3"/>
   <p:notesSz cx="6858000" cy="9144000"/>
@@ -291,7 +292,8 @@
           <a:p>
             <a:fld id="{01B41F80-CB50-44AE-8443-B6A662D174DC}" type="datetimeFigureOut">
               <a:rPr lang="en-US" smtClean="0"/>
-              <a:t>11/7/2019</a:t>
+              <a:pPr/>
+              <a:t>11/13/2019</a:t>
             </a:fld>
             <a:endParaRPr lang="en-US"/>
           </a:p>
@@ -333,6 +335,7 @@
           <a:p>
             <a:fld id="{651F7325-88A6-4FB9-B5D1-C7DAE7335ECF}" type="slidenum">
               <a:rPr lang="en-US" smtClean="0"/>
+              <a:pPr/>
               <a:t>‹#›</a:t>
             </a:fld>
             <a:endParaRPr lang="en-US"/>
@@ -456,7 +459,8 @@
           <a:p>
             <a:fld id="{01B41F80-CB50-44AE-8443-B6A662D174DC}" type="datetimeFigureOut">
               <a:rPr lang="en-US" smtClean="0"/>
-              <a:t>11/7/2019</a:t>
+              <a:pPr/>
+              <a:t>11/13/2019</a:t>
             </a:fld>
             <a:endParaRPr lang="en-US"/>
           </a:p>
@@ -498,6 +502,7 @@
           <a:p>
             <a:fld id="{651F7325-88A6-4FB9-B5D1-C7DAE7335ECF}" type="slidenum">
               <a:rPr lang="en-US" smtClean="0"/>
+              <a:pPr/>
               <a:t>‹#›</a:t>
             </a:fld>
             <a:endParaRPr lang="en-US"/>
@@ -631,7 +636,8 @@
           <a:p>
             <a:fld id="{01B41F80-CB50-44AE-8443-B6A662D174DC}" type="datetimeFigureOut">
               <a:rPr lang="en-US" smtClean="0"/>
-              <a:t>11/7/2019</a:t>
+              <a:pPr/>
+              <a:t>11/13/2019</a:t>
             </a:fld>
             <a:endParaRPr lang="en-US"/>
           </a:p>
@@ -673,6 +679,7 @@
           <a:p>
             <a:fld id="{651F7325-88A6-4FB9-B5D1-C7DAE7335ECF}" type="slidenum">
               <a:rPr lang="en-US" smtClean="0"/>
+              <a:pPr/>
               <a:t>‹#›</a:t>
             </a:fld>
             <a:endParaRPr lang="en-US"/>
@@ -680,6 +687,426 @@
         </p:txBody>
       </p:sp>
     </p:spTree>
+  </p:cSld>
+  <p:clrMapOvr>
+    <a:masterClrMapping/>
+  </p:clrMapOvr>
+</p:sldLayout>
+</file>
+
+<file path=ppt/slideLayouts/slideLayout12.xml><?xml version="1.0" encoding="utf-8"?>
+<p:sldLayout xmlns:a="http://schemas.openxmlformats.org/drawingml/2006/main" xmlns:r="http://schemas.openxmlformats.org/officeDocument/2006/relationships" xmlns:p="http://schemas.openxmlformats.org/presentationml/2006/main" userDrawn="1">
+  <p:cSld name="Cover slide layout">
+    <p:bg>
+      <p:bgPr>
+        <a:blipFill dpi="0" rotWithShape="1">
+          <a:blip r:embed="rId2">
+            <a:lum/>
+          </a:blip>
+          <a:srcRect/>
+          <a:stretch>
+            <a:fillRect/>
+          </a:stretch>
+        </a:blipFill>
+        <a:effectLst/>
+      </p:bgPr>
+    </p:bg>
+    <p:spTree>
+      <p:nvGrpSpPr>
+        <p:cNvPr id="1" name=""/>
+        <p:cNvGrpSpPr/>
+        <p:nvPr/>
+      </p:nvGrpSpPr>
+      <p:grpSpPr>
+        <a:xfrm>
+          <a:off x="0" y="0"/>
+          <a:ext cx="0" cy="0"/>
+          <a:chOff x="0" y="0"/>
+          <a:chExt cx="0" cy="0"/>
+        </a:xfrm>
+      </p:grpSpPr>
+      <p:sp>
+        <p:nvSpPr>
+          <p:cNvPr id="220" name="Rectangle 219">
+            <a:extLst>
+              <a:ext uri="{FF2B5EF4-FFF2-40B4-BE49-F238E27FC236}">
+                <a16:creationId xmlns="" xmlns:a16="http://schemas.microsoft.com/office/drawing/2014/main" id="{E970CBB1-3F25-44EF-A6B8-2219DE80F1E6}"/>
+              </a:ext>
+            </a:extLst>
+          </p:cNvPr>
+          <p:cNvSpPr/>
+          <p:nvPr userDrawn="1"/>
+        </p:nvSpPr>
+        <p:spPr>
+          <a:xfrm>
+            <a:off x="0" y="0"/>
+            <a:ext cx="9144000" cy="6858000"/>
+          </a:xfrm>
+          <a:prstGeom prst="rect">
+            <a:avLst/>
+          </a:prstGeom>
+          <a:solidFill>
+            <a:schemeClr val="accent1">
+              <a:alpha val="56000"/>
+            </a:schemeClr>
+          </a:solidFill>
+          <a:ln>
+            <a:noFill/>
+          </a:ln>
+        </p:spPr>
+        <p:style>
+          <a:lnRef idx="2">
+            <a:schemeClr val="accent1">
+              <a:shade val="50000"/>
+            </a:schemeClr>
+          </a:lnRef>
+          <a:fillRef idx="1">
+            <a:schemeClr val="accent1"/>
+          </a:fillRef>
+          <a:effectRef idx="0">
+            <a:schemeClr val="accent1"/>
+          </a:effectRef>
+          <a:fontRef idx="minor">
+            <a:schemeClr val="lt1"/>
+          </a:fontRef>
+        </p:style>
+        <p:txBody>
+          <a:bodyPr rtlCol="0" anchor="ctr"/>
+          <a:lstStyle/>
+          <a:p>
+            <a:pPr algn="ctr"/>
+            <a:endParaRPr lang="en-US"/>
+          </a:p>
+        </p:txBody>
+      </p:sp>
+      <p:sp>
+        <p:nvSpPr>
+          <p:cNvPr id="221" name="Arc 220">
+            <a:extLst>
+              <a:ext uri="{FF2B5EF4-FFF2-40B4-BE49-F238E27FC236}">
+                <a16:creationId xmlns="" xmlns:a16="http://schemas.microsoft.com/office/drawing/2014/main" id="{32E2B889-41FC-4724-93F6-48A4DEF90230}"/>
+              </a:ext>
+            </a:extLst>
+          </p:cNvPr>
+          <p:cNvSpPr/>
+          <p:nvPr userDrawn="1"/>
+        </p:nvSpPr>
+        <p:spPr>
+          <a:xfrm>
+            <a:off x="6226342" y="-866273"/>
+            <a:ext cx="3050005" cy="4066673"/>
+          </a:xfrm>
+          <a:prstGeom prst="arc">
+            <a:avLst>
+              <a:gd name="adj1" fmla="val 1409913"/>
+              <a:gd name="adj2" fmla="val 12880072"/>
+            </a:avLst>
+          </a:prstGeom>
+          <a:ln w="19050">
+            <a:solidFill>
+              <a:schemeClr val="bg1">
+                <a:alpha val="12000"/>
+              </a:schemeClr>
+            </a:solidFill>
+          </a:ln>
+        </p:spPr>
+        <p:style>
+          <a:lnRef idx="1">
+            <a:schemeClr val="accent1"/>
+          </a:lnRef>
+          <a:fillRef idx="0">
+            <a:schemeClr val="accent1"/>
+          </a:fillRef>
+          <a:effectRef idx="0">
+            <a:schemeClr val="accent1"/>
+          </a:effectRef>
+          <a:fontRef idx="minor">
+            <a:schemeClr val="tx1"/>
+          </a:fontRef>
+        </p:style>
+        <p:txBody>
+          <a:bodyPr rtlCol="0" anchor="ctr"/>
+          <a:lstStyle/>
+          <a:p>
+            <a:pPr algn="ctr"/>
+            <a:endParaRPr lang="en-US"/>
+          </a:p>
+        </p:txBody>
+      </p:sp>
+    </p:spTree>
+    <p:extLst>
+      <p:ext uri="{BB962C8B-B14F-4D97-AF65-F5344CB8AC3E}">
+        <p14:creationId xmlns="" xmlns:p14="http://schemas.microsoft.com/office/powerpoint/2010/main" val="936750200"/>
+      </p:ext>
+    </p:extLst>
+  </p:cSld>
+  <p:clrMapOvr>
+    <a:masterClrMapping/>
+  </p:clrMapOvr>
+</p:sldLayout>
+</file>
+
+<file path=ppt/slideLayouts/slideLayout13.xml><?xml version="1.0" encoding="utf-8"?>
+<p:sldLayout xmlns:a="http://schemas.openxmlformats.org/drawingml/2006/main" xmlns:r="http://schemas.openxmlformats.org/officeDocument/2006/relationships" xmlns:p="http://schemas.openxmlformats.org/presentationml/2006/main" userDrawn="1">
+  <p:cSld name="End slide layout">
+    <p:bg>
+      <p:bgPr>
+        <a:blipFill dpi="0" rotWithShape="1">
+          <a:blip r:embed="rId2">
+            <a:lum/>
+          </a:blip>
+          <a:srcRect/>
+          <a:stretch>
+            <a:fillRect/>
+          </a:stretch>
+        </a:blipFill>
+        <a:effectLst/>
+      </p:bgPr>
+    </p:bg>
+    <p:spTree>
+      <p:nvGrpSpPr>
+        <p:cNvPr id="1" name=""/>
+        <p:cNvGrpSpPr/>
+        <p:nvPr/>
+      </p:nvGrpSpPr>
+      <p:grpSpPr>
+        <a:xfrm>
+          <a:off x="0" y="0"/>
+          <a:ext cx="0" cy="0"/>
+          <a:chOff x="0" y="0"/>
+          <a:chExt cx="0" cy="0"/>
+        </a:xfrm>
+      </p:grpSpPr>
+      <p:sp>
+        <p:nvSpPr>
+          <p:cNvPr id="2" name="Graphic 2">
+            <a:extLst>
+              <a:ext uri="{FF2B5EF4-FFF2-40B4-BE49-F238E27FC236}">
+                <a16:creationId xmlns="" xmlns:a16="http://schemas.microsoft.com/office/drawing/2014/main" id="{C6032FB9-BC74-4D22-9490-C57A3761EB46}"/>
+              </a:ext>
+            </a:extLst>
+          </p:cNvPr>
+          <p:cNvSpPr/>
+          <p:nvPr userDrawn="1"/>
+        </p:nvSpPr>
+        <p:spPr>
+          <a:xfrm flipH="1">
+            <a:off x="2995741" y="809154"/>
+            <a:ext cx="3320837" cy="5323880"/>
+          </a:xfrm>
+          <a:custGeom>
+            <a:avLst/>
+            <a:gdLst>
+              <a:gd name="connsiteX0" fmla="*/ 198332 w 800100"/>
+              <a:gd name="connsiteY0" fmla="*/ 961703 h 962025"/>
+              <a:gd name="connsiteX1" fmla="*/ 646959 w 800100"/>
+              <a:gd name="connsiteY1" fmla="*/ 961703 h 962025"/>
+              <a:gd name="connsiteX2" fmla="*/ 610764 w 800100"/>
+              <a:gd name="connsiteY2" fmla="*/ 885503 h 962025"/>
+              <a:gd name="connsiteX3" fmla="*/ 686964 w 800100"/>
+              <a:gd name="connsiteY3" fmla="*/ 625471 h 962025"/>
+              <a:gd name="connsiteX4" fmla="*/ 786024 w 800100"/>
+              <a:gd name="connsiteY4" fmla="*/ 283523 h 962025"/>
+              <a:gd name="connsiteX5" fmla="*/ 359304 w 800100"/>
+              <a:gd name="connsiteY5" fmla="*/ 14918 h 962025"/>
+              <a:gd name="connsiteX6" fmla="*/ 124037 w 800100"/>
+              <a:gd name="connsiteY6" fmla="*/ 211133 h 962025"/>
+              <a:gd name="connsiteX7" fmla="*/ 116417 w 800100"/>
+              <a:gd name="connsiteY7" fmla="*/ 270188 h 962025"/>
+              <a:gd name="connsiteX8" fmla="*/ 59267 w 800100"/>
+              <a:gd name="connsiteY8" fmla="*/ 367343 h 962025"/>
+              <a:gd name="connsiteX9" fmla="*/ 13547 w 800100"/>
+              <a:gd name="connsiteY9" fmla="*/ 427351 h 962025"/>
+              <a:gd name="connsiteX10" fmla="*/ 24024 w 800100"/>
+              <a:gd name="connsiteY10" fmla="*/ 515933 h 962025"/>
+              <a:gd name="connsiteX11" fmla="*/ 63077 w 800100"/>
+              <a:gd name="connsiteY11" fmla="*/ 552128 h 962025"/>
+              <a:gd name="connsiteX12" fmla="*/ 18309 w 800100"/>
+              <a:gd name="connsiteY12" fmla="*/ 570226 h 962025"/>
+              <a:gd name="connsiteX13" fmla="*/ 30692 w 800100"/>
+              <a:gd name="connsiteY13" fmla="*/ 609278 h 962025"/>
+              <a:gd name="connsiteX14" fmla="*/ 29739 w 800100"/>
+              <a:gd name="connsiteY14" fmla="*/ 673096 h 962025"/>
+              <a:gd name="connsiteX15" fmla="*/ 85937 w 800100"/>
+              <a:gd name="connsiteY15" fmla="*/ 744533 h 962025"/>
+              <a:gd name="connsiteX16" fmla="*/ 225002 w 800100"/>
+              <a:gd name="connsiteY16" fmla="*/ 764536 h 962025"/>
+              <a:gd name="connsiteX17" fmla="*/ 198332 w 800100"/>
+              <a:gd name="connsiteY17" fmla="*/ 961703 h 962025"/>
+            </a:gdLst>
+            <a:ahLst/>
+            <a:cxnLst>
+              <a:cxn ang="0">
+                <a:pos x="connsiteX0" y="connsiteY0"/>
+              </a:cxn>
+              <a:cxn ang="0">
+                <a:pos x="connsiteX1" y="connsiteY1"/>
+              </a:cxn>
+              <a:cxn ang="0">
+                <a:pos x="connsiteX2" y="connsiteY2"/>
+              </a:cxn>
+              <a:cxn ang="0">
+                <a:pos x="connsiteX3" y="connsiteY3"/>
+              </a:cxn>
+              <a:cxn ang="0">
+                <a:pos x="connsiteX4" y="connsiteY4"/>
+              </a:cxn>
+              <a:cxn ang="0">
+                <a:pos x="connsiteX5" y="connsiteY5"/>
+              </a:cxn>
+              <a:cxn ang="0">
+                <a:pos x="connsiteX6" y="connsiteY6"/>
+              </a:cxn>
+              <a:cxn ang="0">
+                <a:pos x="connsiteX7" y="connsiteY7"/>
+              </a:cxn>
+              <a:cxn ang="0">
+                <a:pos x="connsiteX8" y="connsiteY8"/>
+              </a:cxn>
+              <a:cxn ang="0">
+                <a:pos x="connsiteX9" y="connsiteY9"/>
+              </a:cxn>
+              <a:cxn ang="0">
+                <a:pos x="connsiteX10" y="connsiteY10"/>
+              </a:cxn>
+              <a:cxn ang="0">
+                <a:pos x="connsiteX11" y="connsiteY11"/>
+              </a:cxn>
+              <a:cxn ang="0">
+                <a:pos x="connsiteX12" y="connsiteY12"/>
+              </a:cxn>
+              <a:cxn ang="0">
+                <a:pos x="connsiteX13" y="connsiteY13"/>
+              </a:cxn>
+              <a:cxn ang="0">
+                <a:pos x="connsiteX14" y="connsiteY14"/>
+              </a:cxn>
+              <a:cxn ang="0">
+                <a:pos x="connsiteX15" y="connsiteY15"/>
+              </a:cxn>
+              <a:cxn ang="0">
+                <a:pos x="connsiteX16" y="connsiteY16"/>
+              </a:cxn>
+              <a:cxn ang="0">
+                <a:pos x="connsiteX17" y="connsiteY17"/>
+              </a:cxn>
+            </a:cxnLst>
+            <a:rect l="l" t="t" r="r" b="b"/>
+            <a:pathLst>
+              <a:path w="800100" h="962025">
+                <a:moveTo>
+                  <a:pt x="198332" y="961703"/>
+                </a:moveTo>
+                <a:lnTo>
+                  <a:pt x="646959" y="961703"/>
+                </a:lnTo>
+                <a:cubicBezTo>
+                  <a:pt x="633624" y="935986"/>
+                  <a:pt x="619337" y="903601"/>
+                  <a:pt x="610764" y="885503"/>
+                </a:cubicBezTo>
+                <a:cubicBezTo>
+                  <a:pt x="586952" y="829306"/>
+                  <a:pt x="604097" y="706433"/>
+                  <a:pt x="686964" y="625471"/>
+                </a:cubicBezTo>
+                <a:cubicBezTo>
+                  <a:pt x="766022" y="548318"/>
+                  <a:pt x="817457" y="398776"/>
+                  <a:pt x="786024" y="283523"/>
+                </a:cubicBezTo>
+                <a:cubicBezTo>
+                  <a:pt x="734589" y="93023"/>
+                  <a:pt x="563139" y="-25087"/>
+                  <a:pt x="359304" y="14918"/>
+                </a:cubicBezTo>
+                <a:cubicBezTo>
+                  <a:pt x="359304" y="14918"/>
+                  <a:pt x="183092" y="36826"/>
+                  <a:pt x="124037" y="211133"/>
+                </a:cubicBezTo>
+                <a:cubicBezTo>
+                  <a:pt x="124037" y="211133"/>
+                  <a:pt x="114512" y="236851"/>
+                  <a:pt x="116417" y="270188"/>
+                </a:cubicBezTo>
+                <a:cubicBezTo>
+                  <a:pt x="121179" y="323528"/>
+                  <a:pt x="83079" y="354961"/>
+                  <a:pt x="59267" y="367343"/>
+                </a:cubicBezTo>
+                <a:cubicBezTo>
+                  <a:pt x="34502" y="380678"/>
+                  <a:pt x="-9313" y="402586"/>
+                  <a:pt x="13547" y="427351"/>
+                </a:cubicBezTo>
+                <a:cubicBezTo>
+                  <a:pt x="41169" y="457831"/>
+                  <a:pt x="39264" y="496883"/>
+                  <a:pt x="24024" y="515933"/>
+                </a:cubicBezTo>
+                <a:cubicBezTo>
+                  <a:pt x="4974" y="538793"/>
+                  <a:pt x="60219" y="539746"/>
+                  <a:pt x="63077" y="552128"/>
+                </a:cubicBezTo>
+                <a:cubicBezTo>
+                  <a:pt x="65934" y="565463"/>
+                  <a:pt x="22119" y="554986"/>
+                  <a:pt x="18309" y="570226"/>
+                </a:cubicBezTo>
+                <a:cubicBezTo>
+                  <a:pt x="14499" y="586418"/>
+                  <a:pt x="26882" y="590228"/>
+                  <a:pt x="30692" y="609278"/>
+                </a:cubicBezTo>
+                <a:cubicBezTo>
+                  <a:pt x="34502" y="628328"/>
+                  <a:pt x="31644" y="663571"/>
+                  <a:pt x="29739" y="673096"/>
+                </a:cubicBezTo>
+                <a:cubicBezTo>
+                  <a:pt x="27834" y="682621"/>
+                  <a:pt x="33549" y="739771"/>
+                  <a:pt x="85937" y="744533"/>
+                </a:cubicBezTo>
+                <a:cubicBezTo>
+                  <a:pt x="138324" y="749296"/>
+                  <a:pt x="204047" y="738818"/>
+                  <a:pt x="225002" y="764536"/>
+                </a:cubicBezTo>
+                <a:cubicBezTo>
+                  <a:pt x="244052" y="790253"/>
+                  <a:pt x="222144" y="890266"/>
+                  <a:pt x="198332" y="961703"/>
+                </a:cubicBezTo>
+                <a:close/>
+              </a:path>
+            </a:pathLst>
+          </a:custGeom>
+          <a:solidFill>
+            <a:schemeClr val="bg1"/>
+          </a:solidFill>
+          <a:ln w="9525" cap="flat">
+            <a:noFill/>
+            <a:prstDash val="solid"/>
+            <a:miter/>
+          </a:ln>
+        </p:spPr>
+        <p:txBody>
+          <a:bodyPr rtlCol="0" anchor="ctr"/>
+          <a:lstStyle/>
+          <a:p>
+            <a:endParaRPr lang="en-US"/>
+          </a:p>
+        </p:txBody>
+      </p:sp>
+    </p:spTree>
+    <p:extLst>
+      <p:ext uri="{BB962C8B-B14F-4D97-AF65-F5344CB8AC3E}">
+        <p14:creationId xmlns="" xmlns:p14="http://schemas.microsoft.com/office/powerpoint/2010/main" val="2395023768"/>
+      </p:ext>
+    </p:extLst>
   </p:cSld>
   <p:clrMapOvr>
     <a:masterClrMapping/>
@@ -796,7 +1223,8 @@
           <a:p>
             <a:fld id="{01B41F80-CB50-44AE-8443-B6A662D174DC}" type="datetimeFigureOut">
               <a:rPr lang="en-US" smtClean="0"/>
-              <a:t>11/7/2019</a:t>
+              <a:pPr/>
+              <a:t>11/13/2019</a:t>
             </a:fld>
             <a:endParaRPr lang="en-US"/>
           </a:p>
@@ -838,6 +1266,7 @@
           <a:p>
             <a:fld id="{651F7325-88A6-4FB9-B5D1-C7DAE7335ECF}" type="slidenum">
               <a:rPr lang="en-US" smtClean="0"/>
+              <a:pPr/>
               <a:t>‹#›</a:t>
             </a:fld>
             <a:endParaRPr lang="en-US"/>
@@ -1037,7 +1466,8 @@
           <a:p>
             <a:fld id="{01B41F80-CB50-44AE-8443-B6A662D174DC}" type="datetimeFigureOut">
               <a:rPr lang="en-US" smtClean="0"/>
-              <a:t>11/7/2019</a:t>
+              <a:pPr/>
+              <a:t>11/13/2019</a:t>
             </a:fld>
             <a:endParaRPr lang="en-US"/>
           </a:p>
@@ -1079,6 +1509,7 @@
           <a:p>
             <a:fld id="{651F7325-88A6-4FB9-B5D1-C7DAE7335ECF}" type="slidenum">
               <a:rPr lang="en-US" smtClean="0"/>
+              <a:pPr/>
               <a:t>‹#›</a:t>
             </a:fld>
             <a:endParaRPr lang="en-US"/>
@@ -1320,7 +1751,8 @@
           <a:p>
             <a:fld id="{01B41F80-CB50-44AE-8443-B6A662D174DC}" type="datetimeFigureOut">
               <a:rPr lang="en-US" smtClean="0"/>
-              <a:t>11/7/2019</a:t>
+              <a:pPr/>
+              <a:t>11/13/2019</a:t>
             </a:fld>
             <a:endParaRPr lang="en-US"/>
           </a:p>
@@ -1362,6 +1794,7 @@
           <a:p>
             <a:fld id="{651F7325-88A6-4FB9-B5D1-C7DAE7335ECF}" type="slidenum">
               <a:rPr lang="en-US" smtClean="0"/>
+              <a:pPr/>
               <a:t>‹#›</a:t>
             </a:fld>
             <a:endParaRPr lang="en-US"/>
@@ -1737,7 +2170,8 @@
           <a:p>
             <a:fld id="{01B41F80-CB50-44AE-8443-B6A662D174DC}" type="datetimeFigureOut">
               <a:rPr lang="en-US" smtClean="0"/>
-              <a:t>11/7/2019</a:t>
+              <a:pPr/>
+              <a:t>11/13/2019</a:t>
             </a:fld>
             <a:endParaRPr lang="en-US"/>
           </a:p>
@@ -1779,6 +2213,7 @@
           <a:p>
             <a:fld id="{651F7325-88A6-4FB9-B5D1-C7DAE7335ECF}" type="slidenum">
               <a:rPr lang="en-US" smtClean="0"/>
+              <a:pPr/>
               <a:t>‹#›</a:t>
             </a:fld>
             <a:endParaRPr lang="en-US"/>
@@ -1850,7 +2285,8 @@
           <a:p>
             <a:fld id="{01B41F80-CB50-44AE-8443-B6A662D174DC}" type="datetimeFigureOut">
               <a:rPr lang="en-US" smtClean="0"/>
-              <a:t>11/7/2019</a:t>
+              <a:pPr/>
+              <a:t>11/13/2019</a:t>
             </a:fld>
             <a:endParaRPr lang="en-US"/>
           </a:p>
@@ -1892,6 +2328,7 @@
           <a:p>
             <a:fld id="{651F7325-88A6-4FB9-B5D1-C7DAE7335ECF}" type="slidenum">
               <a:rPr lang="en-US" smtClean="0"/>
+              <a:pPr/>
               <a:t>‹#›</a:t>
             </a:fld>
             <a:endParaRPr lang="en-US"/>
@@ -1940,7 +2377,8 @@
           <a:p>
             <a:fld id="{01B41F80-CB50-44AE-8443-B6A662D174DC}" type="datetimeFigureOut">
               <a:rPr lang="en-US" smtClean="0"/>
-              <a:t>11/7/2019</a:t>
+              <a:pPr/>
+              <a:t>11/13/2019</a:t>
             </a:fld>
             <a:endParaRPr lang="en-US"/>
           </a:p>
@@ -1982,6 +2420,7 @@
           <a:p>
             <a:fld id="{651F7325-88A6-4FB9-B5D1-C7DAE7335ECF}" type="slidenum">
               <a:rPr lang="en-US" smtClean="0"/>
+              <a:pPr/>
               <a:t>‹#›</a:t>
             </a:fld>
             <a:endParaRPr lang="en-US"/>
@@ -2212,7 +2651,8 @@
           <a:p>
             <a:fld id="{01B41F80-CB50-44AE-8443-B6A662D174DC}" type="datetimeFigureOut">
               <a:rPr lang="en-US" smtClean="0"/>
-              <a:t>11/7/2019</a:t>
+              <a:pPr/>
+              <a:t>11/13/2019</a:t>
             </a:fld>
             <a:endParaRPr lang="en-US"/>
           </a:p>
@@ -2254,6 +2694,7 @@
           <a:p>
             <a:fld id="{651F7325-88A6-4FB9-B5D1-C7DAE7335ECF}" type="slidenum">
               <a:rPr lang="en-US" smtClean="0"/>
+              <a:pPr/>
               <a:t>‹#›</a:t>
             </a:fld>
             <a:endParaRPr lang="en-US"/>
@@ -2460,7 +2901,8 @@
           <a:p>
             <a:fld id="{01B41F80-CB50-44AE-8443-B6A662D174DC}" type="datetimeFigureOut">
               <a:rPr lang="en-US" smtClean="0"/>
-              <a:t>11/7/2019</a:t>
+              <a:pPr/>
+              <a:t>11/13/2019</a:t>
             </a:fld>
             <a:endParaRPr lang="en-US"/>
           </a:p>
@@ -2502,6 +2944,7 @@
           <a:p>
             <a:fld id="{651F7325-88A6-4FB9-B5D1-C7DAE7335ECF}" type="slidenum">
               <a:rPr lang="en-US" smtClean="0"/>
+              <a:pPr/>
               <a:t>‹#›</a:t>
             </a:fld>
             <a:endParaRPr lang="en-US"/>
@@ -2668,7 +3111,8 @@
           <a:p>
             <a:fld id="{01B41F80-CB50-44AE-8443-B6A662D174DC}" type="datetimeFigureOut">
               <a:rPr lang="en-US" smtClean="0"/>
-              <a:t>11/7/2019</a:t>
+              <a:pPr/>
+              <a:t>11/13/2019</a:t>
             </a:fld>
             <a:endParaRPr lang="en-US"/>
           </a:p>
@@ -2746,6 +3190,7 @@
           <a:p>
             <a:fld id="{651F7325-88A6-4FB9-B5D1-C7DAE7335ECF}" type="slidenum">
               <a:rPr lang="en-US" smtClean="0"/>
+              <a:pPr/>
               <a:t>‹#›</a:t>
             </a:fld>
             <a:endParaRPr lang="en-US"/>
@@ -2767,6 +3212,8 @@
     <p:sldLayoutId id="2147483657" r:id="rId9"/>
     <p:sldLayoutId id="2147483658" r:id="rId10"/>
     <p:sldLayoutId id="2147483659" r:id="rId11"/>
+    <p:sldLayoutId id="2147483660" r:id="rId12"/>
+    <p:sldLayoutId id="2147483661" r:id="rId13"/>
   </p:sldLayoutIdLst>
   <p:txStyles>
     <p:titleStyle>
@@ -3040,15 +3487,20 @@
       </p:grpSpPr>
       <p:sp>
         <p:nvSpPr>
-          <p:cNvPr id="2" name="Title 1"/>
-          <p:cNvSpPr>
-            <a:spLocks noGrp="1"/>
-          </p:cNvSpPr>
-          <p:nvPr>
-            <p:ph type="title"/>
-          </p:nvPr>
+          <p:cNvPr id="238" name="Title 1"/>
+          <p:cNvSpPr txBox="1">
+            <a:spLocks/>
+          </p:cNvSpPr>
+          <p:nvPr/>
         </p:nvSpPr>
         <p:spPr>
+          <a:xfrm>
+            <a:off x="457200" y="274638"/>
+            <a:ext cx="8229600" cy="1143000"/>
+          </a:xfrm>
+          <a:prstGeom prst="rect">
+            <a:avLst/>
+          </a:prstGeom>
           <a:ln>
             <a:noFill/>
           </a:ln>
@@ -3059,48 +3511,60 @@
           </a:bodyPr>
           <a:lstStyle/>
           <a:p>
-            <a:r>
-              <a:rPr lang="en-US" dirty="0">
+            <a:pPr marL="0" marR="0" lvl="0" indent="0" algn="ctr" defTabSz="914400" rtl="0" eaLnBrk="1" fontAlgn="auto" latinLnBrk="0" hangingPunct="1">
+              <a:lnSpc>
+                <a:spcPct val="100000"/>
+              </a:lnSpc>
+              <a:spcBef>
+                <a:spcPct val="0"/>
+              </a:spcBef>
+              <a:spcAft>
+                <a:spcPts val="0"/>
+              </a:spcAft>
+              <a:buClrTx/>
+              <a:buSzTx/>
+              <a:buFontTx/>
+              <a:buNone/>
+              <a:tabLst/>
+              <a:defRPr/>
+            </a:pPr>
+            <a:r>
+              <a:rPr kumimoji="0" lang="en-US" sz="4400" b="0" i="0" u="none" strike="noStrike" kern="1200" cap="none" spc="0" normalizeH="0" baseline="0" noProof="0" dirty="0" smtClean="0">
+                <a:ln>
+                  <a:noFill/>
+                </a:ln>
                 <a:solidFill>
-                  <a:schemeClr val="accent1"/>
+                  <a:schemeClr val="bg1"/>
                 </a:solidFill>
+                <a:effectLst/>
+                <a:uLnTx/>
+                <a:uFillTx/>
+                <a:latin typeface="+mj-lt"/>
+                <a:ea typeface="+mj-ea"/>
+                <a:cs typeface="+mj-cs"/>
               </a:rPr>
               <a:t>Welcome</a:t>
             </a:r>
-          </a:p>
-        </p:txBody>
-      </p:sp>
-      <p:pic>
-        <p:nvPicPr>
-          <p:cNvPr id="3077" name="Picture 5" descr="C:\Users\hi\Downloads\IMG-20191022-WA0015.jpg"/>
-          <p:cNvPicPr>
-            <a:picLocks noGrp="1" noChangeAspect="1" noChangeArrowheads="1"/>
-          </p:cNvPicPr>
-          <p:nvPr>
-            <p:ph idx="1"/>
-          </p:nvPr>
-        </p:nvPicPr>
-        <p:blipFill>
-          <a:blip r:embed="rId2"/>
-          <a:srcRect/>
-          <a:stretch>
-            <a:fillRect/>
-          </a:stretch>
-        </p:blipFill>
-        <p:spPr bwMode="auto">
-          <a:xfrm>
-            <a:off x="543326" y="1600200"/>
-            <a:ext cx="8057347" cy="4525963"/>
-          </a:xfrm>
-          <a:prstGeom prst="rect">
-            <a:avLst/>
-          </a:prstGeom>
-          <a:noFill/>
-        </p:spPr>
-      </p:pic>
+            <a:endParaRPr kumimoji="0" lang="en-US" sz="4400" b="0" i="0" u="none" strike="noStrike" kern="1200" cap="none" spc="0" normalizeH="0" baseline="0" noProof="0" dirty="0">
+              <a:ln>
+                <a:noFill/>
+              </a:ln>
+              <a:solidFill>
+                <a:schemeClr val="bg1"/>
+              </a:solidFill>
+              <a:effectLst/>
+              <a:uLnTx/>
+              <a:uFillTx/>
+              <a:latin typeface="+mj-lt"/>
+              <a:ea typeface="+mj-ea"/>
+              <a:cs typeface="+mj-cs"/>
+            </a:endParaRPr>
+          </a:p>
+        </p:txBody>
+      </p:sp>
       <p:cxnSp>
         <p:nvCxnSpPr>
-          <p:cNvPr id="11" name="Straight Connector 10"/>
+          <p:cNvPr id="240" name="Straight Connector 239"/>
           <p:cNvCxnSpPr/>
           <p:nvPr/>
         </p:nvCxnSpPr>
@@ -3130,7 +3594,40 @@
       </p:cxnSp>
       <p:pic>
         <p:nvPicPr>
-          <p:cNvPr id="3083" name="Picture 11"/>
+          <p:cNvPr id="1026" name="Picture 2"/>
+          <p:cNvPicPr>
+            <a:picLocks noChangeAspect="1" noChangeArrowheads="1"/>
+          </p:cNvPicPr>
+          <p:nvPr/>
+        </p:nvPicPr>
+        <p:blipFill>
+          <a:blip r:embed="rId2"/>
+          <a:srcRect/>
+          <a:stretch>
+            <a:fillRect/>
+          </a:stretch>
+        </p:blipFill>
+        <p:spPr bwMode="auto">
+          <a:xfrm>
+            <a:off x="381000" y="2133600"/>
+            <a:ext cx="7715250" cy="1866900"/>
+          </a:xfrm>
+          <a:prstGeom prst="rect">
+            <a:avLst/>
+          </a:prstGeom>
+          <a:noFill/>
+          <a:ln w="9525">
+            <a:noFill/>
+            <a:miter lim="800000"/>
+            <a:headEnd/>
+            <a:tailEnd/>
+          </a:ln>
+          <a:effectLst/>
+        </p:spPr>
+      </p:pic>
+      <p:pic>
+        <p:nvPicPr>
+          <p:cNvPr id="6" name="Picture 9" descr="C:\Users\hi\Desktop\1.png"/>
           <p:cNvPicPr>
             <a:picLocks noChangeAspect="1" noChangeArrowheads="1"/>
           </p:cNvPicPr>
@@ -3145,23 +3642,47 @@
         </p:blipFill>
         <p:spPr bwMode="auto">
           <a:xfrm>
-            <a:off x="6819900" y="5867400"/>
-            <a:ext cx="2324100" cy="990600"/>
+            <a:off x="7772400" y="5867400"/>
+            <a:ext cx="523875" cy="523875"/>
           </a:xfrm>
           <a:prstGeom prst="rect">
             <a:avLst/>
           </a:prstGeom>
           <a:noFill/>
-          <a:ln w="9525">
-            <a:noFill/>
-            <a:miter lim="800000"/>
-            <a:headEnd/>
-            <a:tailEnd/>
-          </a:ln>
-          <a:effectLst/>
+        </p:spPr>
+      </p:pic>
+      <p:pic>
+        <p:nvPicPr>
+          <p:cNvPr id="7" name="Picture 10" descr="C:\Users\hi\Desktop\2.png"/>
+          <p:cNvPicPr>
+            <a:picLocks noChangeAspect="1" noChangeArrowheads="1"/>
+          </p:cNvPicPr>
+          <p:nvPr/>
+        </p:nvPicPr>
+        <p:blipFill>
+          <a:blip r:embed="rId4"/>
+          <a:srcRect/>
+          <a:stretch>
+            <a:fillRect/>
+          </a:stretch>
+        </p:blipFill>
+        <p:spPr bwMode="auto">
+          <a:xfrm>
+            <a:off x="6096000" y="6353175"/>
+            <a:ext cx="2324100" cy="504825"/>
+          </a:xfrm>
+          <a:prstGeom prst="rect">
+            <a:avLst/>
+          </a:prstGeom>
+          <a:noFill/>
         </p:spPr>
       </p:pic>
     </p:spTree>
+    <p:extLst>
+      <p:ext uri="{BB962C8B-B14F-4D97-AF65-F5344CB8AC3E}">
+        <p14:creationId xmlns="" xmlns:p14="http://schemas.microsoft.com/office/powerpoint/2010/main" val="4032476198"/>
+      </p:ext>
+    </p:extLst>
   </p:cSld>
   <p:clrMapOvr>
     <a:masterClrMapping/>
@@ -3195,185 +3716,460 @@
       </p:grpSpPr>
       <p:sp>
         <p:nvSpPr>
-          <p:cNvPr id="2" name="Title 1"/>
-          <p:cNvSpPr>
-            <a:spLocks noGrp="1"/>
-          </p:cNvSpPr>
-          <p:nvPr>
-            <p:ph type="title"/>
-          </p:nvPr>
-        </p:nvSpPr>
-        <p:spPr/>
+          <p:cNvPr id="6" name="Title 1"/>
+          <p:cNvSpPr txBox="1">
+            <a:spLocks/>
+          </p:cNvSpPr>
+          <p:nvPr/>
+        </p:nvSpPr>
+        <p:spPr>
+          <a:xfrm>
+            <a:off x="457200" y="274638"/>
+            <a:ext cx="8229600" cy="1143000"/>
+          </a:xfrm>
+          <a:prstGeom prst="rect">
+            <a:avLst/>
+          </a:prstGeom>
+        </p:spPr>
         <p:txBody>
           <a:bodyPr/>
           <a:lstStyle/>
           <a:p>
-            <a:r>
-              <a:rPr lang="en-US" dirty="0" smtClean="0"/>
+            <a:pPr marL="0" marR="0" lvl="0" indent="0" algn="ctr" defTabSz="914400" rtl="0" eaLnBrk="1" fontAlgn="auto" latinLnBrk="0" hangingPunct="1">
+              <a:lnSpc>
+                <a:spcPct val="100000"/>
+              </a:lnSpc>
+              <a:spcBef>
+                <a:spcPct val="0"/>
+              </a:spcBef>
+              <a:spcAft>
+                <a:spcPts val="0"/>
+              </a:spcAft>
+              <a:buClrTx/>
+              <a:buSzTx/>
+              <a:buFontTx/>
+              <a:buNone/>
+              <a:tabLst/>
+              <a:defRPr/>
+            </a:pPr>
+            <a:r>
+              <a:rPr kumimoji="0" lang="en-US" sz="4400" b="0" i="0" u="none" strike="noStrike" kern="1200" cap="none" spc="0" normalizeH="0" baseline="0" noProof="0" dirty="0" smtClean="0">
+                <a:ln>
+                  <a:noFill/>
+                </a:ln>
+                <a:solidFill>
+                  <a:schemeClr val="bg1"/>
+                </a:solidFill>
+                <a:effectLst/>
+                <a:uLnTx/>
+                <a:uFillTx/>
+                <a:latin typeface="+mj-lt"/>
+                <a:ea typeface="+mj-ea"/>
+                <a:cs typeface="+mj-cs"/>
+              </a:rPr>
               <a:t>AI Statistics</a:t>
             </a:r>
-            <a:endParaRPr lang="en-US" dirty="0"/>
-          </a:p>
-        </p:txBody>
-      </p:sp>
-      <p:sp>
-        <p:nvSpPr>
-          <p:cNvPr id="3" name="Content Placeholder 2"/>
-          <p:cNvSpPr>
-            <a:spLocks noGrp="1"/>
-          </p:cNvSpPr>
-          <p:nvPr>
-            <p:ph idx="1"/>
-          </p:nvPr>
-        </p:nvSpPr>
-        <p:spPr/>
+            <a:endParaRPr kumimoji="0" lang="en-US" sz="4400" b="0" i="0" u="none" strike="noStrike" kern="1200" cap="none" spc="0" normalizeH="0" baseline="0" noProof="0" dirty="0">
+              <a:ln>
+                <a:noFill/>
+              </a:ln>
+              <a:solidFill>
+                <a:schemeClr val="bg1"/>
+              </a:solidFill>
+              <a:effectLst/>
+              <a:uLnTx/>
+              <a:uFillTx/>
+              <a:latin typeface="+mj-lt"/>
+              <a:ea typeface="+mj-ea"/>
+              <a:cs typeface="+mj-cs"/>
+            </a:endParaRPr>
+          </a:p>
+        </p:txBody>
+      </p:sp>
+      <p:sp>
+        <p:nvSpPr>
+          <p:cNvPr id="7" name="Content Placeholder 2"/>
+          <p:cNvSpPr txBox="1">
+            <a:spLocks/>
+          </p:cNvSpPr>
+          <p:nvPr/>
+        </p:nvSpPr>
+        <p:spPr>
+          <a:xfrm>
+            <a:off x="457200" y="1600200"/>
+            <a:ext cx="8229600" cy="4525963"/>
+          </a:xfrm>
+          <a:prstGeom prst="rect">
+            <a:avLst/>
+          </a:prstGeom>
+        </p:spPr>
         <p:txBody>
           <a:bodyPr>
             <a:normAutofit lnSpcReduction="10000"/>
           </a:bodyPr>
           <a:lstStyle/>
           <a:p>
-            <a:r>
-              <a:rPr lang="en-US" sz="2000" dirty="0">
+            <a:pPr marL="342900" marR="0" lvl="0" indent="-342900" algn="l" defTabSz="914400" rtl="0" eaLnBrk="1" fontAlgn="auto" latinLnBrk="0" hangingPunct="1">
+              <a:lnSpc>
+                <a:spcPct val="100000"/>
+              </a:lnSpc>
+              <a:spcBef>
+                <a:spcPct val="20000"/>
+              </a:spcBef>
+              <a:spcAft>
+                <a:spcPts val="0"/>
+              </a:spcAft>
+              <a:buClrTx/>
+              <a:buSzTx/>
+              <a:buFont typeface="Arial" pitchFamily="34" charset="0"/>
+              <a:buChar char="•"/>
+              <a:tabLst/>
+              <a:defRPr/>
+            </a:pPr>
+            <a:r>
+              <a:rPr kumimoji="0" lang="en-US" sz="2000" b="0" i="0" u="none" strike="noStrike" kern="1200" cap="none" spc="0" normalizeH="0" baseline="0" noProof="0" dirty="0" smtClean="0">
+                <a:ln>
+                  <a:noFill/>
+                </a:ln>
                 <a:solidFill>
-                  <a:schemeClr val="tx2">
-                    <a:lumMod val="75000"/>
-                  </a:schemeClr>
+                  <a:schemeClr val="bg1"/>
                 </a:solidFill>
+                <a:effectLst/>
+                <a:uLnTx/>
+                <a:uFillTx/>
+                <a:latin typeface="+mn-lt"/>
+                <a:ea typeface="+mn-ea"/>
+                <a:cs typeface="+mn-cs"/>
               </a:rPr>
               <a:t>The AI market will grow to a $190 billion industry by 2025, according to research firm Markets and Markets (source).</a:t>
             </a:r>
           </a:p>
           <a:p>
-            <a:r>
-              <a:rPr lang="en-US" sz="2000" dirty="0">
+            <a:pPr marL="342900" marR="0" lvl="0" indent="-342900" algn="l" defTabSz="914400" rtl="0" eaLnBrk="1" fontAlgn="auto" latinLnBrk="0" hangingPunct="1">
+              <a:lnSpc>
+                <a:spcPct val="100000"/>
+              </a:lnSpc>
+              <a:spcBef>
+                <a:spcPct val="20000"/>
+              </a:spcBef>
+              <a:spcAft>
+                <a:spcPts val="0"/>
+              </a:spcAft>
+              <a:buClrTx/>
+              <a:buSzTx/>
+              <a:buFont typeface="Arial" pitchFamily="34" charset="0"/>
+              <a:buChar char="•"/>
+              <a:tabLst/>
+              <a:defRPr/>
+            </a:pPr>
+            <a:r>
+              <a:rPr kumimoji="0" lang="en-US" sz="2000" b="0" i="0" u="none" strike="noStrike" kern="1200" cap="none" spc="0" normalizeH="0" baseline="0" noProof="0" dirty="0" smtClean="0">
+                <a:ln>
+                  <a:noFill/>
+                </a:ln>
                 <a:solidFill>
-                  <a:schemeClr val="tx2">
-                    <a:lumMod val="75000"/>
-                  </a:schemeClr>
+                  <a:schemeClr val="bg1"/>
                 </a:solidFill>
+                <a:effectLst/>
+                <a:uLnTx/>
+                <a:uFillTx/>
+                <a:latin typeface="+mn-lt"/>
+                <a:ea typeface="+mn-ea"/>
+                <a:cs typeface="+mn-cs"/>
               </a:rPr>
               <a:t> Global spending on cognitive and AI systems will reach $57.6 billion in 2021, according to market research firm IDC (source)</a:t>
             </a:r>
           </a:p>
           <a:p>
-            <a:r>
-              <a:rPr lang="en-US" sz="2000" dirty="0">
+            <a:pPr marL="342900" marR="0" lvl="0" indent="-342900" algn="l" defTabSz="914400" rtl="0" eaLnBrk="1" fontAlgn="auto" latinLnBrk="0" hangingPunct="1">
+              <a:lnSpc>
+                <a:spcPct val="100000"/>
+              </a:lnSpc>
+              <a:spcBef>
+                <a:spcPct val="20000"/>
+              </a:spcBef>
+              <a:spcAft>
+                <a:spcPts val="0"/>
+              </a:spcAft>
+              <a:buClrTx/>
+              <a:buSzTx/>
+              <a:buFont typeface="Arial" pitchFamily="34" charset="0"/>
+              <a:buChar char="•"/>
+              <a:tabLst/>
+              <a:defRPr/>
+            </a:pPr>
+            <a:r>
+              <a:rPr kumimoji="0" lang="en-US" sz="2000" b="0" i="0" u="none" strike="noStrike" kern="1200" cap="none" spc="0" normalizeH="0" baseline="0" noProof="0" dirty="0" smtClean="0">
+                <a:ln>
+                  <a:noFill/>
+                </a:ln>
                 <a:solidFill>
-                  <a:schemeClr val="tx2">
-                    <a:lumMod val="75000"/>
-                  </a:schemeClr>
+                  <a:schemeClr val="bg1"/>
                 </a:solidFill>
+                <a:effectLst/>
+                <a:uLnTx/>
+                <a:uFillTx/>
+                <a:latin typeface="+mn-lt"/>
+                <a:ea typeface="+mn-ea"/>
+                <a:cs typeface="+mn-cs"/>
               </a:rPr>
               <a:t>IDC forecasts 75% of commercial enterprise apps will use AI by 2021 (source)</a:t>
             </a:r>
           </a:p>
           <a:p>
-            <a:r>
-              <a:rPr lang="en-US" sz="2000" dirty="0">
+            <a:pPr marL="342900" marR="0" lvl="0" indent="-342900" algn="l" defTabSz="914400" rtl="0" eaLnBrk="1" fontAlgn="auto" latinLnBrk="0" hangingPunct="1">
+              <a:lnSpc>
+                <a:spcPct val="100000"/>
+              </a:lnSpc>
+              <a:spcBef>
+                <a:spcPct val="20000"/>
+              </a:spcBef>
+              <a:spcAft>
+                <a:spcPts val="0"/>
+              </a:spcAft>
+              <a:buClrTx/>
+              <a:buSzTx/>
+              <a:buFont typeface="Arial" pitchFamily="34" charset="0"/>
+              <a:buChar char="•"/>
+              <a:tabLst/>
+              <a:defRPr/>
+            </a:pPr>
+            <a:r>
+              <a:rPr kumimoji="0" lang="en-US" sz="2000" b="0" i="0" u="none" strike="noStrike" kern="1200" cap="none" spc="0" normalizeH="0" baseline="0" noProof="0" dirty="0" smtClean="0">
+                <a:ln>
+                  <a:noFill/>
+                </a:ln>
                 <a:solidFill>
-                  <a:schemeClr val="tx2">
-                    <a:lumMod val="75000"/>
-                  </a:schemeClr>
+                  <a:schemeClr val="bg1"/>
                 </a:solidFill>
+                <a:effectLst/>
+                <a:uLnTx/>
+                <a:uFillTx/>
+                <a:latin typeface="+mn-lt"/>
+                <a:ea typeface="+mn-ea"/>
+                <a:cs typeface="+mn-cs"/>
               </a:rPr>
               <a:t>AI Could Increase Productivity by 40%</a:t>
             </a:r>
           </a:p>
           <a:p>
-            <a:r>
-              <a:rPr lang="en-US" sz="2000" dirty="0">
+            <a:pPr marL="342900" marR="0" lvl="0" indent="-342900" algn="l" defTabSz="914400" rtl="0" eaLnBrk="1" fontAlgn="auto" latinLnBrk="0" hangingPunct="1">
+              <a:lnSpc>
+                <a:spcPct val="100000"/>
+              </a:lnSpc>
+              <a:spcBef>
+                <a:spcPct val="20000"/>
+              </a:spcBef>
+              <a:spcAft>
+                <a:spcPts val="0"/>
+              </a:spcAft>
+              <a:buClrTx/>
+              <a:buSzTx/>
+              <a:buFont typeface="Arial" pitchFamily="34" charset="0"/>
+              <a:buChar char="•"/>
+              <a:tabLst/>
+              <a:defRPr/>
+            </a:pPr>
+            <a:r>
+              <a:rPr kumimoji="0" lang="en-US" sz="2000" b="0" i="0" u="none" strike="noStrike" kern="1200" cap="none" spc="0" normalizeH="0" baseline="0" noProof="0" dirty="0" smtClean="0">
+                <a:ln>
+                  <a:noFill/>
+                </a:ln>
                 <a:solidFill>
-                  <a:schemeClr val="tx2">
-                    <a:lumMod val="75000"/>
-                  </a:schemeClr>
+                  <a:schemeClr val="bg1"/>
                 </a:solidFill>
+                <a:effectLst/>
+                <a:uLnTx/>
+                <a:uFillTx/>
+                <a:latin typeface="+mn-lt"/>
+                <a:ea typeface="+mn-ea"/>
+                <a:cs typeface="+mn-cs"/>
               </a:rPr>
               <a:t>The Use of AI Chatbots Will Increase 136% by 2021</a:t>
             </a:r>
           </a:p>
           <a:p>
-            <a:r>
-              <a:rPr lang="en-US" sz="2000" dirty="0">
+            <a:pPr marL="342900" marR="0" lvl="0" indent="-342900" algn="l" defTabSz="914400" rtl="0" eaLnBrk="1" fontAlgn="auto" latinLnBrk="0" hangingPunct="1">
+              <a:lnSpc>
+                <a:spcPct val="100000"/>
+              </a:lnSpc>
+              <a:spcBef>
+                <a:spcPct val="20000"/>
+              </a:spcBef>
+              <a:spcAft>
+                <a:spcPts val="0"/>
+              </a:spcAft>
+              <a:buClrTx/>
+              <a:buSzTx/>
+              <a:buFont typeface="Arial" pitchFamily="34" charset="0"/>
+              <a:buChar char="•"/>
+              <a:tabLst/>
+              <a:defRPr/>
+            </a:pPr>
+            <a:r>
+              <a:rPr kumimoji="0" lang="en-US" sz="2000" b="0" i="0" u="none" strike="noStrike" kern="1200" cap="none" spc="0" normalizeH="0" baseline="0" noProof="0" dirty="0" smtClean="0">
+                <a:ln>
+                  <a:noFill/>
+                </a:ln>
                 <a:solidFill>
-                  <a:schemeClr val="tx2">
-                    <a:lumMod val="75000"/>
-                  </a:schemeClr>
+                  <a:schemeClr val="bg1"/>
                 </a:solidFill>
+                <a:effectLst/>
+                <a:uLnTx/>
+                <a:uFillTx/>
+                <a:latin typeface="+mn-lt"/>
+                <a:ea typeface="+mn-ea"/>
+                <a:cs typeface="+mn-cs"/>
               </a:rPr>
               <a:t>65.8% of Smartphone Owners Have Used an AI-Voice Assistant</a:t>
             </a:r>
           </a:p>
           <a:p>
-            <a:r>
-              <a:rPr lang="en-US" sz="2000" dirty="0">
+            <a:pPr marL="342900" marR="0" lvl="0" indent="-342900" algn="l" defTabSz="914400" rtl="0" eaLnBrk="1" fontAlgn="auto" latinLnBrk="0" hangingPunct="1">
+              <a:lnSpc>
+                <a:spcPct val="100000"/>
+              </a:lnSpc>
+              <a:spcBef>
+                <a:spcPct val="20000"/>
+              </a:spcBef>
+              <a:spcAft>
+                <a:spcPts val="0"/>
+              </a:spcAft>
+              <a:buClrTx/>
+              <a:buSzTx/>
+              <a:buFont typeface="Arial" pitchFamily="34" charset="0"/>
+              <a:buChar char="•"/>
+              <a:tabLst/>
+              <a:defRPr/>
+            </a:pPr>
+            <a:r>
+              <a:rPr kumimoji="0" lang="en-US" sz="2000" b="0" i="0" u="none" strike="noStrike" kern="1200" cap="none" spc="0" normalizeH="0" baseline="0" noProof="0" dirty="0" smtClean="0">
+                <a:ln>
+                  <a:noFill/>
+                </a:ln>
                 <a:solidFill>
-                  <a:schemeClr val="tx2">
-                    <a:lumMod val="75000"/>
-                  </a:schemeClr>
+                  <a:schemeClr val="bg1"/>
                 </a:solidFill>
+                <a:effectLst/>
+                <a:uLnTx/>
+                <a:uFillTx/>
+                <a:latin typeface="+mn-lt"/>
+                <a:ea typeface="+mn-ea"/>
+                <a:cs typeface="+mn-cs"/>
               </a:rPr>
-              <a:t>27% of Executives Plan to Incorporate AI Into Their </a:t>
-            </a:r>
-            <a:r>
-              <a:rPr lang="en-US" sz="2000" dirty="0" smtClean="0">
+              <a:t>27% of Executives Plan to Incorporate AI Into Their Cyber security Strategy</a:t>
+            </a:r>
+          </a:p>
+          <a:p>
+            <a:pPr marL="342900" marR="0" lvl="0" indent="-342900" algn="l" defTabSz="914400" rtl="0" eaLnBrk="1" fontAlgn="auto" latinLnBrk="0" hangingPunct="1">
+              <a:lnSpc>
+                <a:spcPct val="100000"/>
+              </a:lnSpc>
+              <a:spcBef>
+                <a:spcPct val="20000"/>
+              </a:spcBef>
+              <a:spcAft>
+                <a:spcPts val="0"/>
+              </a:spcAft>
+              <a:buClrTx/>
+              <a:buSzTx/>
+              <a:buFont typeface="Arial" pitchFamily="34" charset="0"/>
+              <a:buChar char="•"/>
+              <a:tabLst/>
+              <a:defRPr/>
+            </a:pPr>
+            <a:r>
+              <a:rPr kumimoji="0" lang="en-US" sz="2000" b="0" i="0" u="none" strike="noStrike" kern="1200" cap="none" spc="0" normalizeH="0" baseline="0" noProof="0" dirty="0" smtClean="0">
+                <a:ln>
+                  <a:noFill/>
+                </a:ln>
                 <a:solidFill>
-                  <a:schemeClr val="tx2">
-                    <a:lumMod val="75000"/>
-                  </a:schemeClr>
+                  <a:schemeClr val="bg1"/>
                 </a:solidFill>
-              </a:rPr>
-              <a:t>Cyber security </a:t>
-            </a:r>
-            <a:r>
-              <a:rPr lang="en-US" sz="2000" dirty="0">
-                <a:solidFill>
-                  <a:schemeClr val="tx2">
-                    <a:lumMod val="75000"/>
-                  </a:schemeClr>
-                </a:solidFill>
-              </a:rPr>
-              <a:t>Strategy</a:t>
-            </a:r>
-          </a:p>
-          <a:p>
-            <a:r>
-              <a:rPr lang="en-US" sz="2000" dirty="0">
-                <a:solidFill>
-                  <a:schemeClr val="tx2">
-                    <a:lumMod val="75000"/>
-                  </a:schemeClr>
-                </a:solidFill>
+                <a:effectLst/>
+                <a:uLnTx/>
+                <a:uFillTx/>
+                <a:latin typeface="+mn-lt"/>
+                <a:ea typeface="+mn-ea"/>
+                <a:cs typeface="+mn-cs"/>
               </a:rPr>
               <a:t>Google analysts believe that next year, 2020, robots will be smart enough to mimic complex human behavior like jokes and flirting</a:t>
             </a:r>
           </a:p>
           <a:p>
-            <a:r>
-              <a:rPr lang="en-US" sz="2000" dirty="0">
+            <a:pPr marL="342900" marR="0" lvl="0" indent="-342900" algn="l" defTabSz="914400" rtl="0" eaLnBrk="1" fontAlgn="auto" latinLnBrk="0" hangingPunct="1">
+              <a:lnSpc>
+                <a:spcPct val="100000"/>
+              </a:lnSpc>
+              <a:spcBef>
+                <a:spcPct val="20000"/>
+              </a:spcBef>
+              <a:spcAft>
+                <a:spcPts val="0"/>
+              </a:spcAft>
+              <a:buClrTx/>
+              <a:buSzTx/>
+              <a:buFont typeface="Arial" pitchFamily="34" charset="0"/>
+              <a:buChar char="•"/>
+              <a:tabLst/>
+              <a:defRPr/>
+            </a:pPr>
+            <a:r>
+              <a:rPr kumimoji="0" lang="en-US" sz="2000" b="0" i="0" u="none" strike="noStrike" kern="1200" cap="none" spc="0" normalizeH="0" baseline="0" noProof="0" dirty="0" smtClean="0">
+                <a:ln>
+                  <a:noFill/>
+                </a:ln>
                 <a:solidFill>
-                  <a:schemeClr val="tx2">
-                    <a:lumMod val="75000"/>
-                  </a:schemeClr>
+                  <a:schemeClr val="bg1"/>
                 </a:solidFill>
+                <a:effectLst/>
+                <a:uLnTx/>
+                <a:uFillTx/>
+                <a:latin typeface="+mn-lt"/>
+                <a:ea typeface="+mn-ea"/>
+                <a:cs typeface="+mn-cs"/>
               </a:rPr>
               <a:t>AI startups grew 14 times over the last two decades</a:t>
             </a:r>
           </a:p>
           <a:p>
-            <a:endParaRPr lang="en-US" sz="2000" dirty="0">
+            <a:pPr marL="342900" marR="0" lvl="0" indent="-342900" algn="l" defTabSz="914400" rtl="0" eaLnBrk="1" fontAlgn="auto" latinLnBrk="0" hangingPunct="1">
+              <a:lnSpc>
+                <a:spcPct val="100000"/>
+              </a:lnSpc>
+              <a:spcBef>
+                <a:spcPct val="20000"/>
+              </a:spcBef>
+              <a:spcAft>
+                <a:spcPts val="0"/>
+              </a:spcAft>
+              <a:buClrTx/>
+              <a:buSzTx/>
+              <a:buFont typeface="Arial" pitchFamily="34" charset="0"/>
+              <a:buChar char="•"/>
+              <a:tabLst/>
+              <a:defRPr/>
+            </a:pPr>
+            <a:endParaRPr kumimoji="0" lang="en-US" sz="2000" b="0" i="0" u="none" strike="noStrike" kern="1200" cap="none" spc="0" normalizeH="0" baseline="0" noProof="0" dirty="0">
+              <a:ln>
+                <a:noFill/>
+              </a:ln>
               <a:solidFill>
-                <a:schemeClr val="tx2">
-                  <a:lumMod val="75000"/>
-                </a:schemeClr>
+                <a:schemeClr val="bg1"/>
               </a:solidFill>
+              <a:effectLst/>
+              <a:uLnTx/>
+              <a:uFillTx/>
+              <a:latin typeface="+mn-lt"/>
+              <a:ea typeface="+mn-ea"/>
+              <a:cs typeface="+mn-cs"/>
             </a:endParaRPr>
           </a:p>
         </p:txBody>
       </p:sp>
       <p:cxnSp>
         <p:nvCxnSpPr>
-          <p:cNvPr id="5" name="Straight Connector 4"/>
+          <p:cNvPr id="8" name="Straight Connector 7"/>
           <p:cNvCxnSpPr/>
           <p:nvPr/>
         </p:nvCxnSpPr>
@@ -3385,6 +4181,11 @@
           <a:prstGeom prst="line">
             <a:avLst/>
           </a:prstGeom>
+          <a:ln>
+            <a:solidFill>
+              <a:schemeClr val="tx1"/>
+            </a:solidFill>
+          </a:ln>
         </p:spPr>
         <p:style>
           <a:lnRef idx="1">
@@ -3403,7 +4204,7 @@
       </p:cxnSp>
       <p:pic>
         <p:nvPicPr>
-          <p:cNvPr id="4099" name="Picture 3"/>
+          <p:cNvPr id="10" name="Picture 9" descr="C:\Users\hi\Desktop\1.png"/>
           <p:cNvPicPr>
             <a:picLocks noChangeAspect="1" noChangeArrowheads="1"/>
           </p:cNvPicPr>
@@ -3418,23 +4219,47 @@
         </p:blipFill>
         <p:spPr bwMode="auto">
           <a:xfrm>
-            <a:off x="6819900" y="5867400"/>
-            <a:ext cx="2324100" cy="990600"/>
+            <a:off x="7772400" y="5867400"/>
+            <a:ext cx="523875" cy="523875"/>
           </a:xfrm>
           <a:prstGeom prst="rect">
             <a:avLst/>
           </a:prstGeom>
           <a:noFill/>
-          <a:ln w="9525">
-            <a:noFill/>
-            <a:miter lim="800000"/>
-            <a:headEnd/>
-            <a:tailEnd/>
-          </a:ln>
-          <a:effectLst/>
+        </p:spPr>
+      </p:pic>
+      <p:pic>
+        <p:nvPicPr>
+          <p:cNvPr id="11" name="Picture 10" descr="C:\Users\hi\Desktop\2.png"/>
+          <p:cNvPicPr>
+            <a:picLocks noChangeAspect="1" noChangeArrowheads="1"/>
+          </p:cNvPicPr>
+          <p:nvPr/>
+        </p:nvPicPr>
+        <p:blipFill>
+          <a:blip r:embed="rId3"/>
+          <a:srcRect/>
+          <a:stretch>
+            <a:fillRect/>
+          </a:stretch>
+        </p:blipFill>
+        <p:spPr bwMode="auto">
+          <a:xfrm>
+            <a:off x="6096000" y="6353175"/>
+            <a:ext cx="2324100" cy="504825"/>
+          </a:xfrm>
+          <a:prstGeom prst="rect">
+            <a:avLst/>
+          </a:prstGeom>
+          <a:noFill/>
         </p:spPr>
       </p:pic>
     </p:spTree>
+    <p:extLst>
+      <p:ext uri="{BB962C8B-B14F-4D97-AF65-F5344CB8AC3E}">
+        <p14:creationId xmlns="" xmlns:p14="http://schemas.microsoft.com/office/powerpoint/2010/main" val="4032476198"/>
+      </p:ext>
+    </p:extLst>
   </p:cSld>
   <p:clrMapOvr>
     <a:masterClrMapping/>
@@ -3466,225 +4291,9 @@
           <a:chExt cx="0" cy="0"/>
         </a:xfrm>
       </p:grpSpPr>
-      <p:sp>
-        <p:nvSpPr>
-          <p:cNvPr id="2" name="Title 1"/>
-          <p:cNvSpPr>
-            <a:spLocks noGrp="1"/>
-          </p:cNvSpPr>
-          <p:nvPr>
-            <p:ph type="title"/>
-          </p:nvPr>
-        </p:nvSpPr>
-        <p:spPr/>
-        <p:txBody>
-          <a:bodyPr/>
-          <a:lstStyle/>
-          <a:p>
-            <a:r>
-              <a:rPr lang="en-US" dirty="0" smtClean="0"/>
-              <a:t>Introduction</a:t>
-            </a:r>
-            <a:endParaRPr lang="en-US" dirty="0"/>
-          </a:p>
-        </p:txBody>
-      </p:sp>
-      <p:sp>
-        <p:nvSpPr>
-          <p:cNvPr id="3" name="Content Placeholder 2"/>
-          <p:cNvSpPr>
-            <a:spLocks noGrp="1"/>
-          </p:cNvSpPr>
-          <p:nvPr>
-            <p:ph idx="1"/>
-          </p:nvPr>
-        </p:nvSpPr>
-        <p:spPr/>
-        <p:txBody>
-          <a:bodyPr>
-            <a:normAutofit fontScale="62500" lnSpcReduction="20000"/>
-          </a:bodyPr>
-          <a:lstStyle/>
-          <a:p>
-            <a:r>
-              <a:rPr lang="en-US" dirty="0" smtClean="0">
-                <a:solidFill>
-                  <a:schemeClr val="tx2">
-                    <a:lumMod val="75000"/>
-                  </a:schemeClr>
-                </a:solidFill>
-              </a:rPr>
-              <a:t>ARTIFICIAL INTELLIGENCE</a:t>
-            </a:r>
-          </a:p>
-          <a:p>
-            <a:r>
-              <a:rPr lang="en-US" dirty="0" smtClean="0">
-                <a:solidFill>
-                  <a:schemeClr val="tx2">
-                    <a:lumMod val="75000"/>
-                  </a:schemeClr>
-                </a:solidFill>
-              </a:rPr>
-              <a:t>MACHINE LEARNING</a:t>
-            </a:r>
-          </a:p>
-          <a:p>
-            <a:r>
-              <a:rPr lang="en-US" dirty="0" smtClean="0">
-                <a:solidFill>
-                  <a:schemeClr val="tx2">
-                    <a:lumMod val="75000"/>
-                  </a:schemeClr>
-                </a:solidFill>
-              </a:rPr>
-              <a:t>DATA SCIENCE</a:t>
-            </a:r>
-          </a:p>
-          <a:p>
-            <a:r>
-              <a:rPr lang="en-US" dirty="0" smtClean="0">
-                <a:solidFill>
-                  <a:schemeClr val="tx2">
-                    <a:lumMod val="75000"/>
-                  </a:schemeClr>
-                </a:solidFill>
-              </a:rPr>
-              <a:t>DEEP LEARNING</a:t>
-            </a:r>
-          </a:p>
-          <a:p>
-            <a:r>
-              <a:rPr lang="en-US" dirty="0" smtClean="0">
-                <a:solidFill>
-                  <a:schemeClr val="tx2">
-                    <a:lumMod val="75000"/>
-                  </a:schemeClr>
-                </a:solidFill>
-              </a:rPr>
-              <a:t>DATA VISUALIZATION</a:t>
-            </a:r>
-          </a:p>
-          <a:p>
-            <a:r>
-              <a:rPr lang="en-US" dirty="0" smtClean="0">
-                <a:solidFill>
-                  <a:schemeClr val="tx2">
-                    <a:lumMod val="75000"/>
-                  </a:schemeClr>
-                </a:solidFill>
-              </a:rPr>
-              <a:t>EXPLORATORY DATA ANALYSIS (EDA)</a:t>
-            </a:r>
-          </a:p>
-          <a:p>
-            <a:r>
-              <a:rPr lang="en-US" dirty="0" smtClean="0">
-                <a:solidFill>
-                  <a:schemeClr val="tx2">
-                    <a:lumMod val="75000"/>
-                  </a:schemeClr>
-                </a:solidFill>
-              </a:rPr>
-              <a:t>PYTHON</a:t>
-            </a:r>
-          </a:p>
-          <a:p>
-            <a:r>
-              <a:rPr lang="en-US" dirty="0" smtClean="0">
-                <a:solidFill>
-                  <a:schemeClr val="tx2">
-                    <a:lumMod val="75000"/>
-                  </a:schemeClr>
-                </a:solidFill>
-              </a:rPr>
-              <a:t>PANDAS</a:t>
-            </a:r>
-          </a:p>
-          <a:p>
-            <a:r>
-              <a:rPr lang="en-US" dirty="0" smtClean="0">
-                <a:solidFill>
-                  <a:schemeClr val="tx2">
-                    <a:lumMod val="75000"/>
-                  </a:schemeClr>
-                </a:solidFill>
-              </a:rPr>
-              <a:t>SCIPY, SCIKIT-LEARN</a:t>
-            </a:r>
-          </a:p>
-          <a:p>
-            <a:r>
-              <a:rPr lang="en-US" dirty="0" smtClean="0">
-                <a:solidFill>
-                  <a:schemeClr val="tx2">
-                    <a:lumMod val="75000"/>
-                  </a:schemeClr>
-                </a:solidFill>
-              </a:rPr>
-              <a:t>NUMPY</a:t>
-            </a:r>
-          </a:p>
-          <a:p>
-            <a:r>
-              <a:rPr lang="en-US" dirty="0" smtClean="0">
-                <a:solidFill>
-                  <a:schemeClr val="tx2">
-                    <a:lumMod val="75000"/>
-                  </a:schemeClr>
-                </a:solidFill>
-              </a:rPr>
-              <a:t>MATPLOTLIB</a:t>
-            </a:r>
-          </a:p>
-          <a:p>
-            <a:r>
-              <a:rPr lang="en-US" dirty="0" smtClean="0">
-                <a:solidFill>
-                  <a:schemeClr val="tx2">
-                    <a:lumMod val="75000"/>
-                  </a:schemeClr>
-                </a:solidFill>
-              </a:rPr>
-              <a:t>SEABORN</a:t>
-            </a:r>
-          </a:p>
-          <a:p>
-            <a:r>
-              <a:rPr lang="en-US" dirty="0" smtClean="0">
-                <a:solidFill>
-                  <a:schemeClr val="tx2">
-                    <a:lumMod val="75000"/>
-                  </a:schemeClr>
-                </a:solidFill>
-              </a:rPr>
-              <a:t>STATISTICS</a:t>
-            </a:r>
-          </a:p>
-          <a:p>
-            <a:r>
-              <a:rPr lang="en-US" dirty="0" smtClean="0">
-                <a:solidFill>
-                  <a:schemeClr val="tx2">
-                    <a:lumMod val="75000"/>
-                  </a:schemeClr>
-                </a:solidFill>
-              </a:rPr>
-              <a:t>NLP AND NLTK</a:t>
-            </a:r>
-            <a:endParaRPr lang="en-US" dirty="0">
-              <a:solidFill>
-                <a:schemeClr val="tx2">
-                  <a:lumMod val="75000"/>
-                </a:schemeClr>
-              </a:solidFill>
-            </a:endParaRPr>
-          </a:p>
-        </p:txBody>
-      </p:sp>
       <p:cxnSp>
         <p:nvCxnSpPr>
-          <p:cNvPr id="5" name="Straight Connector 4"/>
+          <p:cNvPr id="8" name="Straight Connector 7"/>
           <p:cNvCxnSpPr/>
           <p:nvPr/>
         </p:nvCxnSpPr>
@@ -3696,6 +4305,11 @@
           <a:prstGeom prst="line">
             <a:avLst/>
           </a:prstGeom>
+          <a:ln>
+            <a:solidFill>
+              <a:schemeClr val="tx1"/>
+            </a:solidFill>
+          </a:ln>
         </p:spPr>
         <p:style>
           <a:lnRef idx="1">
@@ -3712,9 +4326,623 @@
           </a:fontRef>
         </p:style>
       </p:cxnSp>
+      <p:sp>
+        <p:nvSpPr>
+          <p:cNvPr id="10" name="Content Placeholder 2"/>
+          <p:cNvSpPr txBox="1">
+            <a:spLocks/>
+          </p:cNvSpPr>
+          <p:nvPr/>
+        </p:nvSpPr>
+        <p:spPr>
+          <a:xfrm>
+            <a:off x="457200" y="1600200"/>
+            <a:ext cx="8229600" cy="4525963"/>
+          </a:xfrm>
+          <a:prstGeom prst="rect">
+            <a:avLst/>
+          </a:prstGeom>
+        </p:spPr>
+        <p:txBody>
+          <a:bodyPr>
+            <a:normAutofit fontScale="62500" lnSpcReduction="20000"/>
+          </a:bodyPr>
+          <a:lstStyle/>
+          <a:p>
+            <a:pPr marL="342900" marR="0" lvl="0" indent="-342900" algn="l" defTabSz="914400" rtl="0" eaLnBrk="1" fontAlgn="auto" latinLnBrk="0" hangingPunct="1">
+              <a:lnSpc>
+                <a:spcPct val="100000"/>
+              </a:lnSpc>
+              <a:spcBef>
+                <a:spcPct val="20000"/>
+              </a:spcBef>
+              <a:spcAft>
+                <a:spcPts val="0"/>
+              </a:spcAft>
+              <a:buClrTx/>
+              <a:buSzTx/>
+              <a:buFont typeface="Arial" pitchFamily="34" charset="0"/>
+              <a:buChar char="•"/>
+              <a:tabLst/>
+              <a:defRPr/>
+            </a:pPr>
+            <a:r>
+              <a:rPr kumimoji="0" lang="en-US" sz="3200" b="0" i="0" u="none" strike="noStrike" kern="1200" cap="none" spc="0" normalizeH="0" baseline="0" noProof="0" dirty="0" smtClean="0">
+                <a:ln>
+                  <a:noFill/>
+                </a:ln>
+                <a:solidFill>
+                  <a:schemeClr val="bg1"/>
+                </a:solidFill>
+                <a:effectLst/>
+                <a:uLnTx/>
+                <a:uFillTx/>
+                <a:latin typeface="+mn-lt"/>
+                <a:ea typeface="+mn-ea"/>
+                <a:cs typeface="+mn-cs"/>
+              </a:rPr>
+              <a:t>ARTIFICIAL INTELLIGENCE</a:t>
+            </a:r>
+          </a:p>
+          <a:p>
+            <a:pPr marL="342900" marR="0" lvl="0" indent="-342900" algn="l" defTabSz="914400" rtl="0" eaLnBrk="1" fontAlgn="auto" latinLnBrk="0" hangingPunct="1">
+              <a:lnSpc>
+                <a:spcPct val="100000"/>
+              </a:lnSpc>
+              <a:spcBef>
+                <a:spcPct val="20000"/>
+              </a:spcBef>
+              <a:spcAft>
+                <a:spcPts val="0"/>
+              </a:spcAft>
+              <a:buClrTx/>
+              <a:buSzTx/>
+              <a:buFont typeface="Arial" pitchFamily="34" charset="0"/>
+              <a:buChar char="•"/>
+              <a:tabLst/>
+              <a:defRPr/>
+            </a:pPr>
+            <a:r>
+              <a:rPr kumimoji="0" lang="en-US" sz="3200" b="0" i="0" u="none" strike="noStrike" kern="1200" cap="none" spc="0" normalizeH="0" baseline="0" noProof="0" dirty="0" smtClean="0">
+                <a:ln>
+                  <a:noFill/>
+                </a:ln>
+                <a:solidFill>
+                  <a:schemeClr val="bg1"/>
+                </a:solidFill>
+                <a:effectLst/>
+                <a:uLnTx/>
+                <a:uFillTx/>
+                <a:latin typeface="+mn-lt"/>
+                <a:ea typeface="+mn-ea"/>
+                <a:cs typeface="+mn-cs"/>
+              </a:rPr>
+              <a:t>MACHINE LEARNING</a:t>
+            </a:r>
+          </a:p>
+          <a:p>
+            <a:pPr marL="342900" marR="0" lvl="0" indent="-342900" algn="l" defTabSz="914400" rtl="0" eaLnBrk="1" fontAlgn="auto" latinLnBrk="0" hangingPunct="1">
+              <a:lnSpc>
+                <a:spcPct val="100000"/>
+              </a:lnSpc>
+              <a:spcBef>
+                <a:spcPct val="20000"/>
+              </a:spcBef>
+              <a:spcAft>
+                <a:spcPts val="0"/>
+              </a:spcAft>
+              <a:buClrTx/>
+              <a:buSzTx/>
+              <a:buFont typeface="Arial" pitchFamily="34" charset="0"/>
+              <a:buChar char="•"/>
+              <a:tabLst/>
+              <a:defRPr/>
+            </a:pPr>
+            <a:r>
+              <a:rPr kumimoji="0" lang="en-US" sz="3200" b="0" i="0" u="none" strike="noStrike" kern="1200" cap="none" spc="0" normalizeH="0" baseline="0" noProof="0" dirty="0" smtClean="0">
+                <a:ln>
+                  <a:noFill/>
+                </a:ln>
+                <a:solidFill>
+                  <a:schemeClr val="bg1"/>
+                </a:solidFill>
+                <a:effectLst/>
+                <a:uLnTx/>
+                <a:uFillTx/>
+                <a:latin typeface="+mn-lt"/>
+                <a:ea typeface="+mn-ea"/>
+                <a:cs typeface="+mn-cs"/>
+              </a:rPr>
+              <a:t>DATA SCIENCE</a:t>
+            </a:r>
+          </a:p>
+          <a:p>
+            <a:pPr marL="342900" marR="0" lvl="0" indent="-342900" algn="l" defTabSz="914400" rtl="0" eaLnBrk="1" fontAlgn="auto" latinLnBrk="0" hangingPunct="1">
+              <a:lnSpc>
+                <a:spcPct val="100000"/>
+              </a:lnSpc>
+              <a:spcBef>
+                <a:spcPct val="20000"/>
+              </a:spcBef>
+              <a:spcAft>
+                <a:spcPts val="0"/>
+              </a:spcAft>
+              <a:buClrTx/>
+              <a:buSzTx/>
+              <a:buFont typeface="Arial" pitchFamily="34" charset="0"/>
+              <a:buChar char="•"/>
+              <a:tabLst/>
+              <a:defRPr/>
+            </a:pPr>
+            <a:r>
+              <a:rPr kumimoji="0" lang="en-US" sz="3200" b="0" i="0" u="none" strike="noStrike" kern="1200" cap="none" spc="0" normalizeH="0" baseline="0" noProof="0" dirty="0" smtClean="0">
+                <a:ln>
+                  <a:noFill/>
+                </a:ln>
+                <a:solidFill>
+                  <a:schemeClr val="bg1"/>
+                </a:solidFill>
+                <a:effectLst/>
+                <a:uLnTx/>
+                <a:uFillTx/>
+                <a:latin typeface="+mn-lt"/>
+                <a:ea typeface="+mn-ea"/>
+                <a:cs typeface="+mn-cs"/>
+              </a:rPr>
+              <a:t>DEEP LEARNING</a:t>
+            </a:r>
+          </a:p>
+          <a:p>
+            <a:pPr marL="342900" marR="0" lvl="0" indent="-342900" algn="l" defTabSz="914400" rtl="0" eaLnBrk="1" fontAlgn="auto" latinLnBrk="0" hangingPunct="1">
+              <a:lnSpc>
+                <a:spcPct val="100000"/>
+              </a:lnSpc>
+              <a:spcBef>
+                <a:spcPct val="20000"/>
+              </a:spcBef>
+              <a:spcAft>
+                <a:spcPts val="0"/>
+              </a:spcAft>
+              <a:buClrTx/>
+              <a:buSzTx/>
+              <a:buFont typeface="Arial" pitchFamily="34" charset="0"/>
+              <a:buChar char="•"/>
+              <a:tabLst/>
+              <a:defRPr/>
+            </a:pPr>
+            <a:r>
+              <a:rPr kumimoji="0" lang="en-US" sz="3200" b="0" i="0" u="none" strike="noStrike" kern="1200" cap="none" spc="0" normalizeH="0" baseline="0" noProof="0" dirty="0" smtClean="0">
+                <a:ln>
+                  <a:noFill/>
+                </a:ln>
+                <a:solidFill>
+                  <a:schemeClr val="bg1"/>
+                </a:solidFill>
+                <a:effectLst/>
+                <a:uLnTx/>
+                <a:uFillTx/>
+                <a:latin typeface="+mn-lt"/>
+                <a:ea typeface="+mn-ea"/>
+                <a:cs typeface="+mn-cs"/>
+              </a:rPr>
+              <a:t>DATA VISUALIZATION</a:t>
+            </a:r>
+          </a:p>
+          <a:p>
+            <a:pPr marL="342900" marR="0" lvl="0" indent="-342900" algn="l" defTabSz="914400" rtl="0" eaLnBrk="1" fontAlgn="auto" latinLnBrk="0" hangingPunct="1">
+              <a:lnSpc>
+                <a:spcPct val="100000"/>
+              </a:lnSpc>
+              <a:spcBef>
+                <a:spcPct val="20000"/>
+              </a:spcBef>
+              <a:spcAft>
+                <a:spcPts val="0"/>
+              </a:spcAft>
+              <a:buClrTx/>
+              <a:buSzTx/>
+              <a:buFont typeface="Arial" pitchFamily="34" charset="0"/>
+              <a:buChar char="•"/>
+              <a:tabLst/>
+              <a:defRPr/>
+            </a:pPr>
+            <a:r>
+              <a:rPr kumimoji="0" lang="en-US" sz="3200" b="0" i="0" u="none" strike="noStrike" kern="1200" cap="none" spc="0" normalizeH="0" baseline="0" noProof="0" dirty="0" smtClean="0">
+                <a:ln>
+                  <a:noFill/>
+                </a:ln>
+                <a:solidFill>
+                  <a:schemeClr val="bg1"/>
+                </a:solidFill>
+                <a:effectLst/>
+                <a:uLnTx/>
+                <a:uFillTx/>
+                <a:latin typeface="+mn-lt"/>
+                <a:ea typeface="+mn-ea"/>
+                <a:cs typeface="+mn-cs"/>
+              </a:rPr>
+              <a:t>EXPLORATORY DATA ANALYSIS (EDA)</a:t>
+            </a:r>
+          </a:p>
+          <a:p>
+            <a:pPr marL="342900" marR="0" lvl="0" indent="-342900" algn="l" defTabSz="914400" rtl="0" eaLnBrk="1" fontAlgn="auto" latinLnBrk="0" hangingPunct="1">
+              <a:lnSpc>
+                <a:spcPct val="100000"/>
+              </a:lnSpc>
+              <a:spcBef>
+                <a:spcPct val="20000"/>
+              </a:spcBef>
+              <a:spcAft>
+                <a:spcPts val="0"/>
+              </a:spcAft>
+              <a:buClrTx/>
+              <a:buSzTx/>
+              <a:buFont typeface="Arial" pitchFamily="34" charset="0"/>
+              <a:buChar char="•"/>
+              <a:tabLst/>
+              <a:defRPr/>
+            </a:pPr>
+            <a:r>
+              <a:rPr kumimoji="0" lang="en-US" sz="3200" b="0" i="0" u="none" strike="noStrike" kern="1200" cap="none" spc="0" normalizeH="0" baseline="0" noProof="0" dirty="0" smtClean="0">
+                <a:ln>
+                  <a:noFill/>
+                </a:ln>
+                <a:solidFill>
+                  <a:schemeClr val="bg1"/>
+                </a:solidFill>
+                <a:effectLst/>
+                <a:uLnTx/>
+                <a:uFillTx/>
+                <a:latin typeface="+mn-lt"/>
+                <a:ea typeface="+mn-ea"/>
+                <a:cs typeface="+mn-cs"/>
+              </a:rPr>
+              <a:t>PYTHON</a:t>
+            </a:r>
+          </a:p>
+          <a:p>
+            <a:pPr marL="342900" marR="0" lvl="0" indent="-342900" algn="l" defTabSz="914400" rtl="0" eaLnBrk="1" fontAlgn="auto" latinLnBrk="0" hangingPunct="1">
+              <a:lnSpc>
+                <a:spcPct val="100000"/>
+              </a:lnSpc>
+              <a:spcBef>
+                <a:spcPct val="20000"/>
+              </a:spcBef>
+              <a:spcAft>
+                <a:spcPts val="0"/>
+              </a:spcAft>
+              <a:buClrTx/>
+              <a:buSzTx/>
+              <a:buFont typeface="Arial" pitchFamily="34" charset="0"/>
+              <a:buChar char="•"/>
+              <a:tabLst/>
+              <a:defRPr/>
+            </a:pPr>
+            <a:r>
+              <a:rPr kumimoji="0" lang="en-US" sz="3200" b="0" i="0" u="none" strike="noStrike" kern="1200" cap="none" spc="0" normalizeH="0" baseline="0" noProof="0" dirty="0" smtClean="0">
+                <a:ln>
+                  <a:noFill/>
+                </a:ln>
+                <a:solidFill>
+                  <a:schemeClr val="bg1"/>
+                </a:solidFill>
+                <a:effectLst/>
+                <a:uLnTx/>
+                <a:uFillTx/>
+                <a:latin typeface="+mn-lt"/>
+                <a:ea typeface="+mn-ea"/>
+                <a:cs typeface="+mn-cs"/>
+              </a:rPr>
+              <a:t>PANDAS</a:t>
+            </a:r>
+          </a:p>
+          <a:p>
+            <a:pPr marL="342900" marR="0" lvl="0" indent="-342900" algn="l" defTabSz="914400" rtl="0" eaLnBrk="1" fontAlgn="auto" latinLnBrk="0" hangingPunct="1">
+              <a:lnSpc>
+                <a:spcPct val="100000"/>
+              </a:lnSpc>
+              <a:spcBef>
+                <a:spcPct val="20000"/>
+              </a:spcBef>
+              <a:spcAft>
+                <a:spcPts val="0"/>
+              </a:spcAft>
+              <a:buClrTx/>
+              <a:buSzTx/>
+              <a:buFont typeface="Arial" pitchFamily="34" charset="0"/>
+              <a:buChar char="•"/>
+              <a:tabLst/>
+              <a:defRPr/>
+            </a:pPr>
+            <a:r>
+              <a:rPr kumimoji="0" lang="en-US" sz="3200" b="0" i="0" u="none" strike="noStrike" kern="1200" cap="none" spc="0" normalizeH="0" baseline="0" noProof="0" dirty="0" smtClean="0">
+                <a:ln>
+                  <a:noFill/>
+                </a:ln>
+                <a:solidFill>
+                  <a:schemeClr val="bg1"/>
+                </a:solidFill>
+                <a:effectLst/>
+                <a:uLnTx/>
+                <a:uFillTx/>
+                <a:latin typeface="+mn-lt"/>
+                <a:ea typeface="+mn-ea"/>
+                <a:cs typeface="+mn-cs"/>
+              </a:rPr>
+              <a:t>SCIPY, SCIKIT-LEARN</a:t>
+            </a:r>
+          </a:p>
+          <a:p>
+            <a:pPr marL="342900" marR="0" lvl="0" indent="-342900" algn="l" defTabSz="914400" rtl="0" eaLnBrk="1" fontAlgn="auto" latinLnBrk="0" hangingPunct="1">
+              <a:lnSpc>
+                <a:spcPct val="100000"/>
+              </a:lnSpc>
+              <a:spcBef>
+                <a:spcPct val="20000"/>
+              </a:spcBef>
+              <a:spcAft>
+                <a:spcPts val="0"/>
+              </a:spcAft>
+              <a:buClrTx/>
+              <a:buSzTx/>
+              <a:buFont typeface="Arial" pitchFamily="34" charset="0"/>
+              <a:buChar char="•"/>
+              <a:tabLst/>
+              <a:defRPr/>
+            </a:pPr>
+            <a:r>
+              <a:rPr kumimoji="0" lang="en-US" sz="3200" b="0" i="0" u="none" strike="noStrike" kern="1200" cap="none" spc="0" normalizeH="0" baseline="0" noProof="0" dirty="0" smtClean="0">
+                <a:ln>
+                  <a:noFill/>
+                </a:ln>
+                <a:solidFill>
+                  <a:schemeClr val="bg1"/>
+                </a:solidFill>
+                <a:effectLst/>
+                <a:uLnTx/>
+                <a:uFillTx/>
+                <a:latin typeface="+mn-lt"/>
+                <a:ea typeface="+mn-ea"/>
+                <a:cs typeface="+mn-cs"/>
+              </a:rPr>
+              <a:t>NUMPY</a:t>
+            </a:r>
+          </a:p>
+          <a:p>
+            <a:pPr marL="342900" marR="0" lvl="0" indent="-342900" algn="l" defTabSz="914400" rtl="0" eaLnBrk="1" fontAlgn="auto" latinLnBrk="0" hangingPunct="1">
+              <a:lnSpc>
+                <a:spcPct val="100000"/>
+              </a:lnSpc>
+              <a:spcBef>
+                <a:spcPct val="20000"/>
+              </a:spcBef>
+              <a:spcAft>
+                <a:spcPts val="0"/>
+              </a:spcAft>
+              <a:buClrTx/>
+              <a:buSzTx/>
+              <a:buFont typeface="Arial" pitchFamily="34" charset="0"/>
+              <a:buChar char="•"/>
+              <a:tabLst/>
+              <a:defRPr/>
+            </a:pPr>
+            <a:r>
+              <a:rPr kumimoji="0" lang="en-US" sz="3200" b="0" i="0" u="none" strike="noStrike" kern="1200" cap="none" spc="0" normalizeH="0" baseline="0" noProof="0" dirty="0" smtClean="0">
+                <a:ln>
+                  <a:noFill/>
+                </a:ln>
+                <a:solidFill>
+                  <a:schemeClr val="bg1"/>
+                </a:solidFill>
+                <a:effectLst/>
+                <a:uLnTx/>
+                <a:uFillTx/>
+                <a:latin typeface="+mn-lt"/>
+                <a:ea typeface="+mn-ea"/>
+                <a:cs typeface="+mn-cs"/>
+              </a:rPr>
+              <a:t>MATPLOTLIB</a:t>
+            </a:r>
+          </a:p>
+          <a:p>
+            <a:pPr marL="342900" marR="0" lvl="0" indent="-342900" algn="l" defTabSz="914400" rtl="0" eaLnBrk="1" fontAlgn="auto" latinLnBrk="0" hangingPunct="1">
+              <a:lnSpc>
+                <a:spcPct val="100000"/>
+              </a:lnSpc>
+              <a:spcBef>
+                <a:spcPct val="20000"/>
+              </a:spcBef>
+              <a:spcAft>
+                <a:spcPts val="0"/>
+              </a:spcAft>
+              <a:buClrTx/>
+              <a:buSzTx/>
+              <a:buFont typeface="Arial" pitchFamily="34" charset="0"/>
+              <a:buChar char="•"/>
+              <a:tabLst/>
+              <a:defRPr/>
+            </a:pPr>
+            <a:r>
+              <a:rPr kumimoji="0" lang="en-US" sz="3200" b="0" i="0" u="none" strike="noStrike" kern="1200" cap="none" spc="0" normalizeH="0" baseline="0" noProof="0" dirty="0" smtClean="0">
+                <a:ln>
+                  <a:noFill/>
+                </a:ln>
+                <a:solidFill>
+                  <a:schemeClr val="bg1"/>
+                </a:solidFill>
+                <a:effectLst/>
+                <a:uLnTx/>
+                <a:uFillTx/>
+                <a:latin typeface="+mn-lt"/>
+                <a:ea typeface="+mn-ea"/>
+                <a:cs typeface="+mn-cs"/>
+              </a:rPr>
+              <a:t>SEABORN</a:t>
+            </a:r>
+          </a:p>
+          <a:p>
+            <a:pPr marL="342900" marR="0" lvl="0" indent="-342900" algn="l" defTabSz="914400" rtl="0" eaLnBrk="1" fontAlgn="auto" latinLnBrk="0" hangingPunct="1">
+              <a:lnSpc>
+                <a:spcPct val="100000"/>
+              </a:lnSpc>
+              <a:spcBef>
+                <a:spcPct val="20000"/>
+              </a:spcBef>
+              <a:spcAft>
+                <a:spcPts val="0"/>
+              </a:spcAft>
+              <a:buClrTx/>
+              <a:buSzTx/>
+              <a:buFont typeface="Arial" pitchFamily="34" charset="0"/>
+              <a:buChar char="•"/>
+              <a:tabLst/>
+              <a:defRPr/>
+            </a:pPr>
+            <a:r>
+              <a:rPr kumimoji="0" lang="en-US" sz="3200" b="0" i="0" u="none" strike="noStrike" kern="1200" cap="none" spc="0" normalizeH="0" baseline="0" noProof="0" dirty="0" smtClean="0">
+                <a:ln>
+                  <a:noFill/>
+                </a:ln>
+                <a:solidFill>
+                  <a:schemeClr val="bg1"/>
+                </a:solidFill>
+                <a:effectLst/>
+                <a:uLnTx/>
+                <a:uFillTx/>
+                <a:latin typeface="+mn-lt"/>
+                <a:ea typeface="+mn-ea"/>
+                <a:cs typeface="+mn-cs"/>
+              </a:rPr>
+              <a:t>STATISTICS</a:t>
+            </a:r>
+          </a:p>
+          <a:p>
+            <a:pPr marL="342900" marR="0" lvl="0" indent="-342900" algn="l" defTabSz="914400" rtl="0" eaLnBrk="1" fontAlgn="auto" latinLnBrk="0" hangingPunct="1">
+              <a:lnSpc>
+                <a:spcPct val="100000"/>
+              </a:lnSpc>
+              <a:spcBef>
+                <a:spcPct val="20000"/>
+              </a:spcBef>
+              <a:spcAft>
+                <a:spcPts val="0"/>
+              </a:spcAft>
+              <a:buClrTx/>
+              <a:buSzTx/>
+              <a:buFont typeface="Arial" pitchFamily="34" charset="0"/>
+              <a:buChar char="•"/>
+              <a:tabLst/>
+              <a:defRPr/>
+            </a:pPr>
+            <a:r>
+              <a:rPr kumimoji="0" lang="en-US" sz="3200" b="0" i="0" u="none" strike="noStrike" kern="1200" cap="none" spc="0" normalizeH="0" baseline="0" noProof="0" dirty="0" smtClean="0">
+                <a:ln>
+                  <a:noFill/>
+                </a:ln>
+                <a:solidFill>
+                  <a:schemeClr val="bg1"/>
+                </a:solidFill>
+                <a:effectLst/>
+                <a:uLnTx/>
+                <a:uFillTx/>
+                <a:latin typeface="+mn-lt"/>
+                <a:ea typeface="+mn-ea"/>
+                <a:cs typeface="+mn-cs"/>
+              </a:rPr>
+              <a:t>NLP AND NLTK</a:t>
+            </a:r>
+            <a:endParaRPr kumimoji="0" lang="en-US" sz="3200" b="0" i="0" u="none" strike="noStrike" kern="1200" cap="none" spc="0" normalizeH="0" baseline="0" noProof="0" dirty="0">
+              <a:ln>
+                <a:noFill/>
+              </a:ln>
+              <a:solidFill>
+                <a:schemeClr val="bg1"/>
+              </a:solidFill>
+              <a:effectLst/>
+              <a:uLnTx/>
+              <a:uFillTx/>
+              <a:latin typeface="+mn-lt"/>
+              <a:ea typeface="+mn-ea"/>
+              <a:cs typeface="+mn-cs"/>
+            </a:endParaRPr>
+          </a:p>
+        </p:txBody>
+      </p:sp>
+      <p:sp>
+        <p:nvSpPr>
+          <p:cNvPr id="11" name="Title 1"/>
+          <p:cNvSpPr txBox="1">
+            <a:spLocks/>
+          </p:cNvSpPr>
+          <p:nvPr/>
+        </p:nvSpPr>
+        <p:spPr>
+          <a:xfrm>
+            <a:off x="457200" y="274638"/>
+            <a:ext cx="8229600" cy="1143000"/>
+          </a:xfrm>
+          <a:prstGeom prst="rect">
+            <a:avLst/>
+          </a:prstGeom>
+        </p:spPr>
+        <p:txBody>
+          <a:bodyPr/>
+          <a:lstStyle/>
+          <a:p>
+            <a:pPr marL="0" marR="0" lvl="0" indent="0" algn="ctr" defTabSz="914400" rtl="0" eaLnBrk="1" fontAlgn="auto" latinLnBrk="0" hangingPunct="1">
+              <a:lnSpc>
+                <a:spcPct val="100000"/>
+              </a:lnSpc>
+              <a:spcBef>
+                <a:spcPct val="0"/>
+              </a:spcBef>
+              <a:spcAft>
+                <a:spcPts val="0"/>
+              </a:spcAft>
+              <a:buClrTx/>
+              <a:buSzTx/>
+              <a:buFontTx/>
+              <a:buNone/>
+              <a:tabLst/>
+              <a:defRPr/>
+            </a:pPr>
+            <a:r>
+              <a:rPr kumimoji="0" lang="en-US" sz="4400" b="0" i="0" u="none" strike="noStrike" kern="1200" cap="none" spc="0" normalizeH="0" baseline="0" noProof="0" dirty="0" smtClean="0">
+                <a:ln>
+                  <a:noFill/>
+                </a:ln>
+                <a:solidFill>
+                  <a:schemeClr val="bg1"/>
+                </a:solidFill>
+                <a:effectLst/>
+                <a:uLnTx/>
+                <a:uFillTx/>
+                <a:latin typeface="+mj-lt"/>
+                <a:ea typeface="+mj-ea"/>
+                <a:cs typeface="+mj-cs"/>
+              </a:rPr>
+              <a:t>Introduction</a:t>
+            </a:r>
+            <a:endParaRPr kumimoji="0" lang="en-US" sz="4400" b="0" i="0" u="none" strike="noStrike" kern="1200" cap="none" spc="0" normalizeH="0" baseline="0" noProof="0" dirty="0">
+              <a:ln>
+                <a:noFill/>
+              </a:ln>
+              <a:solidFill>
+                <a:schemeClr val="bg1"/>
+              </a:solidFill>
+              <a:effectLst/>
+              <a:uLnTx/>
+              <a:uFillTx/>
+              <a:latin typeface="+mj-lt"/>
+              <a:ea typeface="+mj-ea"/>
+              <a:cs typeface="+mj-cs"/>
+            </a:endParaRPr>
+          </a:p>
+        </p:txBody>
+      </p:sp>
       <p:pic>
         <p:nvPicPr>
-          <p:cNvPr id="5122" name="Picture 2"/>
+          <p:cNvPr id="6" name="Picture 9" descr="C:\Users\hi\Desktop\1.png"/>
           <p:cNvPicPr>
             <a:picLocks noChangeAspect="1" noChangeArrowheads="1"/>
           </p:cNvPicPr>
@@ -3729,23 +4957,47 @@
         </p:blipFill>
         <p:spPr bwMode="auto">
           <a:xfrm>
-            <a:off x="6819900" y="5867400"/>
-            <a:ext cx="2324100" cy="990600"/>
+            <a:off x="7772400" y="5867400"/>
+            <a:ext cx="523875" cy="523875"/>
           </a:xfrm>
           <a:prstGeom prst="rect">
             <a:avLst/>
           </a:prstGeom>
           <a:noFill/>
-          <a:ln w="9525">
-            <a:noFill/>
-            <a:miter lim="800000"/>
-            <a:headEnd/>
-            <a:tailEnd/>
-          </a:ln>
-          <a:effectLst/>
+        </p:spPr>
+      </p:pic>
+      <p:pic>
+        <p:nvPicPr>
+          <p:cNvPr id="7" name="Picture 10" descr="C:\Users\hi\Desktop\2.png"/>
+          <p:cNvPicPr>
+            <a:picLocks noChangeAspect="1" noChangeArrowheads="1"/>
+          </p:cNvPicPr>
+          <p:nvPr/>
+        </p:nvPicPr>
+        <p:blipFill>
+          <a:blip r:embed="rId3"/>
+          <a:srcRect/>
+          <a:stretch>
+            <a:fillRect/>
+          </a:stretch>
+        </p:blipFill>
+        <p:spPr bwMode="auto">
+          <a:xfrm>
+            <a:off x="6096000" y="6353175"/>
+            <a:ext cx="2324100" cy="504825"/>
+          </a:xfrm>
+          <a:prstGeom prst="rect">
+            <a:avLst/>
+          </a:prstGeom>
+          <a:noFill/>
         </p:spPr>
       </p:pic>
     </p:spTree>
+    <p:extLst>
+      <p:ext uri="{BB962C8B-B14F-4D97-AF65-F5344CB8AC3E}">
+        <p14:creationId xmlns="" xmlns:p14="http://schemas.microsoft.com/office/powerpoint/2010/main" val="4032476198"/>
+      </p:ext>
+    </p:extLst>
   </p:cSld>
   <p:clrMapOvr>
     <a:masterClrMapping/>
@@ -3777,32 +5029,9 @@
           <a:chExt cx="0" cy="0"/>
         </a:xfrm>
       </p:grpSpPr>
-      <p:sp>
-        <p:nvSpPr>
-          <p:cNvPr id="2" name="Title 1"/>
-          <p:cNvSpPr>
-            <a:spLocks noGrp="1"/>
-          </p:cNvSpPr>
-          <p:nvPr>
-            <p:ph type="title"/>
-          </p:nvPr>
-        </p:nvSpPr>
-        <p:spPr/>
-        <p:txBody>
-          <a:bodyPr/>
-          <a:lstStyle/>
-          <a:p>
-            <a:r>
-              <a:rPr lang="en-US" dirty="0" smtClean="0"/>
-              <a:t>Overview</a:t>
-            </a:r>
-            <a:endParaRPr lang="en-US" dirty="0"/>
-          </a:p>
-        </p:txBody>
-      </p:sp>
       <p:cxnSp>
         <p:nvCxnSpPr>
-          <p:cNvPr id="6" name="Straight Connector 5"/>
+          <p:cNvPr id="8" name="Straight Connector 7"/>
           <p:cNvCxnSpPr/>
           <p:nvPr/>
         </p:nvCxnSpPr>
@@ -3814,6 +5043,11 @@
           <a:prstGeom prst="line">
             <a:avLst/>
           </a:prstGeom>
+          <a:ln>
+            <a:solidFill>
+              <a:schemeClr val="tx1"/>
+            </a:solidFill>
+          </a:ln>
         </p:spPr>
         <p:style>
           <a:lnRef idx="1">
@@ -3830,9 +5064,81 @@
           </a:fontRef>
         </p:style>
       </p:cxnSp>
+      <p:sp>
+        <p:nvSpPr>
+          <p:cNvPr id="11" name="Title 1"/>
+          <p:cNvSpPr txBox="1">
+            <a:spLocks/>
+          </p:cNvSpPr>
+          <p:nvPr/>
+        </p:nvSpPr>
+        <p:spPr>
+          <a:xfrm>
+            <a:off x="457200" y="274638"/>
+            <a:ext cx="8229600" cy="1143000"/>
+          </a:xfrm>
+          <a:prstGeom prst="rect">
+            <a:avLst/>
+          </a:prstGeom>
+        </p:spPr>
+        <p:txBody>
+          <a:bodyPr/>
+          <a:lstStyle/>
+          <a:p>
+            <a:pPr marL="0" marR="0" lvl="0" indent="0" algn="ctr" defTabSz="914400" rtl="0" eaLnBrk="1" fontAlgn="auto" latinLnBrk="0" hangingPunct="1">
+              <a:lnSpc>
+                <a:spcPct val="100000"/>
+              </a:lnSpc>
+              <a:spcBef>
+                <a:spcPct val="0"/>
+              </a:spcBef>
+              <a:spcAft>
+                <a:spcPts val="0"/>
+              </a:spcAft>
+              <a:buClrTx/>
+              <a:buSzTx/>
+              <a:buFontTx/>
+              <a:buNone/>
+              <a:tabLst/>
+              <a:defRPr/>
+            </a:pPr>
+            <a:r>
+              <a:rPr kumimoji="0" lang="en-US" sz="4400" b="0" i="0" u="none" strike="noStrike" kern="1200" cap="none" spc="0" normalizeH="0" baseline="0" noProof="0" dirty="0" smtClean="0">
+                <a:ln>
+                  <a:noFill/>
+                </a:ln>
+                <a:solidFill>
+                  <a:schemeClr val="bg1"/>
+                </a:solidFill>
+                <a:effectLst/>
+                <a:uLnTx/>
+                <a:uFillTx/>
+                <a:latin typeface="+mj-lt"/>
+                <a:ea typeface="+mj-ea"/>
+                <a:cs typeface="+mj-cs"/>
+              </a:rPr>
+              <a:t>Introduction</a:t>
+            </a:r>
+            <a:endParaRPr kumimoji="0" lang="en-US" sz="4400" b="0" i="0" u="none" strike="noStrike" kern="1200" cap="none" spc="0" normalizeH="0" baseline="0" noProof="0" dirty="0">
+              <a:ln>
+                <a:noFill/>
+              </a:ln>
+              <a:solidFill>
+                <a:schemeClr val="bg1"/>
+              </a:solidFill>
+              <a:effectLst/>
+              <a:uLnTx/>
+              <a:uFillTx/>
+              <a:latin typeface="+mj-lt"/>
+              <a:ea typeface="+mj-ea"/>
+              <a:cs typeface="+mj-cs"/>
+            </a:endParaRPr>
+          </a:p>
+        </p:txBody>
+      </p:sp>
       <p:pic>
         <p:nvPicPr>
-          <p:cNvPr id="2051" name="Picture 3"/>
+          <p:cNvPr id="6" name="Picture 2" descr="C:\Users\hi\Downloads\IMG-20191028-WA0009.jpg"/>
           <p:cNvPicPr>
             <a:picLocks noChangeAspect="1" noChangeArrowheads="1"/>
           </p:cNvPicPr>
@@ -3840,41 +5146,6 @@
         </p:nvPicPr>
         <p:blipFill>
           <a:blip r:embed="rId2"/>
-          <a:srcRect/>
-          <a:stretch>
-            <a:fillRect/>
-          </a:stretch>
-        </p:blipFill>
-        <p:spPr bwMode="auto">
-          <a:xfrm>
-            <a:off x="6819900" y="5867400"/>
-            <a:ext cx="2324100" cy="990600"/>
-          </a:xfrm>
-          <a:prstGeom prst="rect">
-            <a:avLst/>
-          </a:prstGeom>
-          <a:noFill/>
-          <a:ln w="9525">
-            <a:noFill/>
-            <a:miter lim="800000"/>
-            <a:headEnd/>
-            <a:tailEnd/>
-          </a:ln>
-          <a:effectLst/>
-        </p:spPr>
-      </p:pic>
-      <p:pic>
-        <p:nvPicPr>
-          <p:cNvPr id="2050" name="Picture 2" descr="C:\Users\hi\Downloads\IMG-20191028-WA0009.jpg"/>
-          <p:cNvPicPr>
-            <a:picLocks noGrp="1" noChangeAspect="1" noChangeArrowheads="1"/>
-          </p:cNvPicPr>
-          <p:nvPr>
-            <p:ph idx="1"/>
-          </p:nvPr>
-        </p:nvPicPr>
-        <p:blipFill>
-          <a:blip r:embed="rId3"/>
           <a:srcRect/>
           <a:stretch>
             <a:fillRect/>
@@ -3891,7 +5162,204 @@
           <a:noFill/>
         </p:spPr>
       </p:pic>
+      <p:pic>
+        <p:nvPicPr>
+          <p:cNvPr id="7" name="Picture 9" descr="C:\Users\hi\Desktop\1.png"/>
+          <p:cNvPicPr>
+            <a:picLocks noChangeAspect="1" noChangeArrowheads="1"/>
+          </p:cNvPicPr>
+          <p:nvPr/>
+        </p:nvPicPr>
+        <p:blipFill>
+          <a:blip r:embed="rId3"/>
+          <a:srcRect/>
+          <a:stretch>
+            <a:fillRect/>
+          </a:stretch>
+        </p:blipFill>
+        <p:spPr bwMode="auto">
+          <a:xfrm>
+            <a:off x="7772400" y="5867400"/>
+            <a:ext cx="523875" cy="523875"/>
+          </a:xfrm>
+          <a:prstGeom prst="rect">
+            <a:avLst/>
+          </a:prstGeom>
+          <a:noFill/>
+        </p:spPr>
+      </p:pic>
+      <p:pic>
+        <p:nvPicPr>
+          <p:cNvPr id="10" name="Picture 10" descr="C:\Users\hi\Desktop\2.png"/>
+          <p:cNvPicPr>
+            <a:picLocks noChangeAspect="1" noChangeArrowheads="1"/>
+          </p:cNvPicPr>
+          <p:nvPr/>
+        </p:nvPicPr>
+        <p:blipFill>
+          <a:blip r:embed="rId4"/>
+          <a:srcRect/>
+          <a:stretch>
+            <a:fillRect/>
+          </a:stretch>
+        </p:blipFill>
+        <p:spPr bwMode="auto">
+          <a:xfrm>
+            <a:off x="6096000" y="6353175"/>
+            <a:ext cx="2324100" cy="504825"/>
+          </a:xfrm>
+          <a:prstGeom prst="rect">
+            <a:avLst/>
+          </a:prstGeom>
+          <a:noFill/>
+        </p:spPr>
+      </p:pic>
     </p:spTree>
+    <p:extLst>
+      <p:ext uri="{BB962C8B-B14F-4D97-AF65-F5344CB8AC3E}">
+        <p14:creationId xmlns="" xmlns:p14="http://schemas.microsoft.com/office/powerpoint/2010/main" val="4032476198"/>
+      </p:ext>
+    </p:extLst>
+  </p:cSld>
+  <p:clrMapOvr>
+    <a:masterClrMapping/>
+  </p:clrMapOvr>
+  <p:timing>
+    <p:tnLst>
+      <p:par>
+        <p:cTn id="1" dur="indefinite" restart="never" nodeType="tmRoot"/>
+      </p:par>
+    </p:tnLst>
+  </p:timing>
+</p:sld>
+</file>
+
+<file path=ppt/slides/slide5.xml><?xml version="1.0" encoding="utf-8"?>
+<p:sld xmlns:a="http://schemas.openxmlformats.org/drawingml/2006/main" xmlns:r="http://schemas.openxmlformats.org/officeDocument/2006/relationships" xmlns:p="http://schemas.openxmlformats.org/presentationml/2006/main">
+  <p:cSld>
+    <p:spTree>
+      <p:nvGrpSpPr>
+        <p:cNvPr id="1" name=""/>
+        <p:cNvGrpSpPr/>
+        <p:nvPr/>
+      </p:nvGrpSpPr>
+      <p:grpSpPr>
+        <a:xfrm>
+          <a:off x="0" y="0"/>
+          <a:ext cx="0" cy="0"/>
+          <a:chOff x="0" y="0"/>
+          <a:chExt cx="0" cy="0"/>
+        </a:xfrm>
+      </p:grpSpPr>
+      <p:sp>
+        <p:nvSpPr>
+          <p:cNvPr id="4" name="TextBox 3">
+            <a:extLst>
+              <a:ext uri="{FF2B5EF4-FFF2-40B4-BE49-F238E27FC236}">
+                <a16:creationId xmlns="" xmlns:a16="http://schemas.microsoft.com/office/drawing/2014/main" id="{DF691C40-340A-44BC-A6B3-C3A20A9ED913}"/>
+              </a:ext>
+            </a:extLst>
+          </p:cNvPr>
+          <p:cNvSpPr txBox="1"/>
+          <p:nvPr/>
+        </p:nvSpPr>
+        <p:spPr>
+          <a:xfrm>
+            <a:off x="2819400" y="2649826"/>
+            <a:ext cx="3443037" cy="923330"/>
+          </a:xfrm>
+          <a:prstGeom prst="rect">
+            <a:avLst/>
+          </a:prstGeom>
+          <a:noFill/>
+        </p:spPr>
+        <p:txBody>
+          <a:bodyPr wrap="square" rtlCol="0" anchor="ctr">
+            <a:spAutoFit/>
+          </a:bodyPr>
+          <a:lstStyle/>
+          <a:p>
+            <a:pPr algn="ctr"/>
+            <a:r>
+              <a:rPr lang="en-US" altLang="ko-KR" sz="5400" dirty="0">
+                <a:solidFill>
+                  <a:schemeClr val="accent1">
+                    <a:lumMod val="75000"/>
+                  </a:schemeClr>
+                </a:solidFill>
+                <a:cs typeface="Arial" pitchFamily="34" charset="0"/>
+              </a:rPr>
+              <a:t>Thank You</a:t>
+            </a:r>
+            <a:endParaRPr lang="ko-KR" altLang="en-US" sz="5400" dirty="0">
+              <a:solidFill>
+                <a:schemeClr val="accent1">
+                  <a:lumMod val="75000"/>
+                </a:schemeClr>
+              </a:solidFill>
+              <a:cs typeface="Arial" pitchFamily="34" charset="0"/>
+            </a:endParaRPr>
+          </a:p>
+        </p:txBody>
+      </p:sp>
+      <p:pic>
+        <p:nvPicPr>
+          <p:cNvPr id="3" name="Picture 9" descr="C:\Users\hi\Desktop\1.png"/>
+          <p:cNvPicPr>
+            <a:picLocks noChangeAspect="1" noChangeArrowheads="1"/>
+          </p:cNvPicPr>
+          <p:nvPr/>
+        </p:nvPicPr>
+        <p:blipFill>
+          <a:blip r:embed="rId2"/>
+          <a:srcRect/>
+          <a:stretch>
+            <a:fillRect/>
+          </a:stretch>
+        </p:blipFill>
+        <p:spPr bwMode="auto">
+          <a:xfrm>
+            <a:off x="7772400" y="5867400"/>
+            <a:ext cx="523875" cy="523875"/>
+          </a:xfrm>
+          <a:prstGeom prst="rect">
+            <a:avLst/>
+          </a:prstGeom>
+          <a:noFill/>
+        </p:spPr>
+      </p:pic>
+      <p:pic>
+        <p:nvPicPr>
+          <p:cNvPr id="5" name="Picture 10" descr="C:\Users\hi\Desktop\2.png"/>
+          <p:cNvPicPr>
+            <a:picLocks noChangeAspect="1" noChangeArrowheads="1"/>
+          </p:cNvPicPr>
+          <p:nvPr/>
+        </p:nvPicPr>
+        <p:blipFill>
+          <a:blip r:embed="rId3"/>
+          <a:srcRect/>
+          <a:stretch>
+            <a:fillRect/>
+          </a:stretch>
+        </p:blipFill>
+        <p:spPr bwMode="auto">
+          <a:xfrm>
+            <a:off x="6096000" y="6353175"/>
+            <a:ext cx="2324100" cy="504825"/>
+          </a:xfrm>
+          <a:prstGeom prst="rect">
+            <a:avLst/>
+          </a:prstGeom>
+          <a:noFill/>
+        </p:spPr>
+      </p:pic>
+    </p:spTree>
+    <p:extLst>
+      <p:ext uri="{BB962C8B-B14F-4D97-AF65-F5344CB8AC3E}">
+        <p14:creationId xmlns="" xmlns:p14="http://schemas.microsoft.com/office/powerpoint/2010/main" val="2582224218"/>
+      </p:ext>
+    </p:extLst>
   </p:cSld>
   <p:clrMapOvr>
     <a:masterClrMapping/>

--- a/Introduction.pptx
+++ b/Introduction.pptx
@@ -8,8 +8,10 @@
     <p:sldId id="261" r:id="rId2"/>
     <p:sldId id="262" r:id="rId3"/>
     <p:sldId id="264" r:id="rId4"/>
-    <p:sldId id="265" r:id="rId5"/>
-    <p:sldId id="266" r:id="rId6"/>
+    <p:sldId id="268" r:id="rId5"/>
+    <p:sldId id="265" r:id="rId6"/>
+    <p:sldId id="266" r:id="rId7"/>
+    <p:sldId id="269" r:id="rId8"/>
   </p:sldIdLst>
   <p:sldSz cx="9144000" cy="6858000" type="screen4x3"/>
   <p:notesSz cx="6858000" cy="9144000"/>
@@ -293,7 +295,7 @@
             <a:fld id="{01B41F80-CB50-44AE-8443-B6A662D174DC}" type="datetimeFigureOut">
               <a:rPr lang="en-US" smtClean="0"/>
               <a:pPr/>
-              <a:t>11/13/2019</a:t>
+              <a:t>11/16/2019</a:t>
             </a:fld>
             <a:endParaRPr lang="en-US"/>
           </a:p>
@@ -460,7 +462,7 @@
             <a:fld id="{01B41F80-CB50-44AE-8443-B6A662D174DC}" type="datetimeFigureOut">
               <a:rPr lang="en-US" smtClean="0"/>
               <a:pPr/>
-              <a:t>11/13/2019</a:t>
+              <a:t>11/16/2019</a:t>
             </a:fld>
             <a:endParaRPr lang="en-US"/>
           </a:p>
@@ -637,7 +639,7 @@
             <a:fld id="{01B41F80-CB50-44AE-8443-B6A662D174DC}" type="datetimeFigureOut">
               <a:rPr lang="en-US" smtClean="0"/>
               <a:pPr/>
-              <a:t>11/13/2019</a:t>
+              <a:t>11/16/2019</a:t>
             </a:fld>
             <a:endParaRPr lang="en-US"/>
           </a:p>
@@ -730,7 +732,7 @@
           <p:cNvPr id="220" name="Rectangle 219">
             <a:extLst>
               <a:ext uri="{FF2B5EF4-FFF2-40B4-BE49-F238E27FC236}">
-                <a16:creationId xmlns="" xmlns:a16="http://schemas.microsoft.com/office/drawing/2014/main" id="{E970CBB1-3F25-44EF-A6B8-2219DE80F1E6}"/>
+                <a16:creationId xmlns:a16="http://schemas.microsoft.com/office/drawing/2014/main" xmlns="" id="{E970CBB1-3F25-44EF-A6B8-2219DE80F1E6}"/>
               </a:ext>
             </a:extLst>
           </p:cNvPr>
@@ -784,7 +786,7 @@
           <p:cNvPr id="221" name="Arc 220">
             <a:extLst>
               <a:ext uri="{FF2B5EF4-FFF2-40B4-BE49-F238E27FC236}">
-                <a16:creationId xmlns="" xmlns:a16="http://schemas.microsoft.com/office/drawing/2014/main" id="{32E2B889-41FC-4724-93F6-48A4DEF90230}"/>
+                <a16:creationId xmlns:a16="http://schemas.microsoft.com/office/drawing/2014/main" xmlns="" id="{32E2B889-41FC-4724-93F6-48A4DEF90230}"/>
               </a:ext>
             </a:extLst>
           </p:cNvPr>
@@ -836,7 +838,7 @@
     </p:spTree>
     <p:extLst>
       <p:ext uri="{BB962C8B-B14F-4D97-AF65-F5344CB8AC3E}">
-        <p14:creationId xmlns="" xmlns:p14="http://schemas.microsoft.com/office/powerpoint/2010/main" val="936750200"/>
+        <p14:creationId xmlns:p14="http://schemas.microsoft.com/office/powerpoint/2010/main" xmlns="" val="936750200"/>
       </p:ext>
     </p:extLst>
   </p:cSld>
@@ -882,7 +884,7 @@
           <p:cNvPr id="2" name="Graphic 2">
             <a:extLst>
               <a:ext uri="{FF2B5EF4-FFF2-40B4-BE49-F238E27FC236}">
-                <a16:creationId xmlns="" xmlns:a16="http://schemas.microsoft.com/office/drawing/2014/main" id="{C6032FB9-BC74-4D22-9490-C57A3761EB46}"/>
+                <a16:creationId xmlns:a16="http://schemas.microsoft.com/office/drawing/2014/main" xmlns="" id="{C6032FB9-BC74-4D22-9490-C57A3761EB46}"/>
               </a:ext>
             </a:extLst>
           </p:cNvPr>
@@ -1104,7 +1106,7 @@
     </p:spTree>
     <p:extLst>
       <p:ext uri="{BB962C8B-B14F-4D97-AF65-F5344CB8AC3E}">
-        <p14:creationId xmlns="" xmlns:p14="http://schemas.microsoft.com/office/powerpoint/2010/main" val="2395023768"/>
+        <p14:creationId xmlns:p14="http://schemas.microsoft.com/office/powerpoint/2010/main" xmlns="" val="2395023768"/>
       </p:ext>
     </p:extLst>
   </p:cSld>
@@ -1224,7 +1226,7 @@
             <a:fld id="{01B41F80-CB50-44AE-8443-B6A662D174DC}" type="datetimeFigureOut">
               <a:rPr lang="en-US" smtClean="0"/>
               <a:pPr/>
-              <a:t>11/13/2019</a:t>
+              <a:t>11/16/2019</a:t>
             </a:fld>
             <a:endParaRPr lang="en-US"/>
           </a:p>
@@ -1467,7 +1469,7 @@
             <a:fld id="{01B41F80-CB50-44AE-8443-B6A662D174DC}" type="datetimeFigureOut">
               <a:rPr lang="en-US" smtClean="0"/>
               <a:pPr/>
-              <a:t>11/13/2019</a:t>
+              <a:t>11/16/2019</a:t>
             </a:fld>
             <a:endParaRPr lang="en-US"/>
           </a:p>
@@ -1752,7 +1754,7 @@
             <a:fld id="{01B41F80-CB50-44AE-8443-B6A662D174DC}" type="datetimeFigureOut">
               <a:rPr lang="en-US" smtClean="0"/>
               <a:pPr/>
-              <a:t>11/13/2019</a:t>
+              <a:t>11/16/2019</a:t>
             </a:fld>
             <a:endParaRPr lang="en-US"/>
           </a:p>
@@ -2171,7 +2173,7 @@
             <a:fld id="{01B41F80-CB50-44AE-8443-B6A662D174DC}" type="datetimeFigureOut">
               <a:rPr lang="en-US" smtClean="0"/>
               <a:pPr/>
-              <a:t>11/13/2019</a:t>
+              <a:t>11/16/2019</a:t>
             </a:fld>
             <a:endParaRPr lang="en-US"/>
           </a:p>
@@ -2286,7 +2288,7 @@
             <a:fld id="{01B41F80-CB50-44AE-8443-B6A662D174DC}" type="datetimeFigureOut">
               <a:rPr lang="en-US" smtClean="0"/>
               <a:pPr/>
-              <a:t>11/13/2019</a:t>
+              <a:t>11/16/2019</a:t>
             </a:fld>
             <a:endParaRPr lang="en-US"/>
           </a:p>
@@ -2378,7 +2380,7 @@
             <a:fld id="{01B41F80-CB50-44AE-8443-B6A662D174DC}" type="datetimeFigureOut">
               <a:rPr lang="en-US" smtClean="0"/>
               <a:pPr/>
-              <a:t>11/13/2019</a:t>
+              <a:t>11/16/2019</a:t>
             </a:fld>
             <a:endParaRPr lang="en-US"/>
           </a:p>
@@ -2652,7 +2654,7 @@
             <a:fld id="{01B41F80-CB50-44AE-8443-B6A662D174DC}" type="datetimeFigureOut">
               <a:rPr lang="en-US" smtClean="0"/>
               <a:pPr/>
-              <a:t>11/13/2019</a:t>
+              <a:t>11/16/2019</a:t>
             </a:fld>
             <a:endParaRPr lang="en-US"/>
           </a:p>
@@ -2902,7 +2904,7 @@
             <a:fld id="{01B41F80-CB50-44AE-8443-B6A662D174DC}" type="datetimeFigureOut">
               <a:rPr lang="en-US" smtClean="0"/>
               <a:pPr/>
-              <a:t>11/13/2019</a:t>
+              <a:t>11/16/2019</a:t>
             </a:fld>
             <a:endParaRPr lang="en-US"/>
           </a:p>
@@ -3112,7 +3114,7 @@
             <a:fld id="{01B41F80-CB50-44AE-8443-B6A662D174DC}" type="datetimeFigureOut">
               <a:rPr lang="en-US" smtClean="0"/>
               <a:pPr/>
-              <a:t>11/13/2019</a:t>
+              <a:t>11/16/2019</a:t>
             </a:fld>
             <a:endParaRPr lang="en-US"/>
           </a:p>
@@ -3680,7 +3682,7 @@
     </p:spTree>
     <p:extLst>
       <p:ext uri="{BB962C8B-B14F-4D97-AF65-F5344CB8AC3E}">
-        <p14:creationId xmlns="" xmlns:p14="http://schemas.microsoft.com/office/powerpoint/2010/main" val="4032476198"/>
+        <p14:creationId xmlns:p14="http://schemas.microsoft.com/office/powerpoint/2010/main" xmlns="" val="4032476198"/>
       </p:ext>
     </p:extLst>
   </p:cSld>
@@ -4211,7 +4213,7 @@
           <p:nvPr/>
         </p:nvPicPr>
         <p:blipFill>
-          <a:blip r:embed="rId2"/>
+          <a:blip r:embed="rId3"/>
           <a:srcRect/>
           <a:stretch>
             <a:fillRect/>
@@ -4237,7 +4239,7 @@
           <p:nvPr/>
         </p:nvPicPr>
         <p:blipFill>
-          <a:blip r:embed="rId3"/>
+          <a:blip r:embed="rId4"/>
           <a:srcRect/>
           <a:stretch>
             <a:fillRect/>
@@ -4254,10 +4256,38 @@
           <a:noFill/>
         </p:spPr>
       </p:pic>
+      <p:pic>
+        <p:nvPicPr>
+          <p:cNvPr id="9" name="Recording.m4a">
+            <a:hlinkClick r:id="" action="ppaction://media"/>
+          </p:cNvPr>
+          <p:cNvPicPr>
+            <a:picLocks noRot="1" noChangeAspect="1"/>
+          </p:cNvPicPr>
+          <p:nvPr>
+            <a:audioFile r:link="rId1"/>
+          </p:nvPr>
+        </p:nvPicPr>
+        <p:blipFill>
+          <a:blip r:embed="rId5"/>
+          <a:stretch>
+            <a:fillRect/>
+          </a:stretch>
+        </p:blipFill>
+        <p:spPr>
+          <a:xfrm>
+            <a:off x="4419600" y="3276600"/>
+            <a:ext cx="304800" cy="304800"/>
+          </a:xfrm>
+          <a:prstGeom prst="rect">
+            <a:avLst/>
+          </a:prstGeom>
+        </p:spPr>
+      </p:pic>
     </p:spTree>
     <p:extLst>
       <p:ext uri="{BB962C8B-B14F-4D97-AF65-F5344CB8AC3E}">
-        <p14:creationId xmlns="" xmlns:p14="http://schemas.microsoft.com/office/powerpoint/2010/main" val="4032476198"/>
+        <p14:creationId xmlns:p14="http://schemas.microsoft.com/office/powerpoint/2010/main" xmlns="" val="4032476198"/>
       </p:ext>
     </p:extLst>
   </p:cSld>
@@ -4267,7 +4297,97 @@
   <p:timing>
     <p:tnLst>
       <p:par>
-        <p:cTn id="1" dur="indefinite" restart="never" nodeType="tmRoot"/>
+        <p:cTn id="1" dur="indefinite" restart="never" nodeType="tmRoot">
+          <p:childTnLst>
+            <p:seq concurrent="1" nextAc="seek">
+              <p:cTn id="2" restart="whenNotActive" fill="hold" evtFilter="cancelBubble" nodeType="interactiveSeq">
+                <p:stCondLst>
+                  <p:cond evt="onClick" delay="0">
+                    <p:tgtEl>
+                      <p:spTgt spid="9"/>
+                    </p:tgtEl>
+                  </p:cond>
+                </p:stCondLst>
+                <p:endSync evt="end" delay="0">
+                  <p:rtn val="all"/>
+                </p:endSync>
+                <p:childTnLst>
+                  <p:par>
+                    <p:cTn id="3" fill="hold">
+                      <p:stCondLst>
+                        <p:cond delay="0"/>
+                      </p:stCondLst>
+                      <p:childTnLst>
+                        <p:par>
+                          <p:cTn id="4" fill="hold">
+                            <p:stCondLst>
+                              <p:cond delay="0"/>
+                            </p:stCondLst>
+                            <p:childTnLst>
+                              <p:par>
+                                <p:cTn id="5" presetID="1" presetClass="mediacall" presetSubtype="0" fill="hold" nodeType="clickEffect">
+                                  <p:stCondLst>
+                                    <p:cond delay="0"/>
+                                  </p:stCondLst>
+                                  <p:childTnLst>
+                                    <p:cmd type="call" cmd="playFrom(0.0)">
+                                      <p:cBhvr>
+                                        <p:cTn id="6" dur="1" fill="hold"/>
+                                        <p:tgtEl>
+                                          <p:spTgt spid="9"/>
+                                        </p:tgtEl>
+                                      </p:cBhvr>
+                                    </p:cmd>
+                                  </p:childTnLst>
+                                </p:cTn>
+                              </p:par>
+                            </p:childTnLst>
+                          </p:cTn>
+                        </p:par>
+                      </p:childTnLst>
+                    </p:cTn>
+                  </p:par>
+                </p:childTnLst>
+              </p:cTn>
+              <p:nextCondLst>
+                <p:cond evt="onClick" delay="0">
+                  <p:tgtEl>
+                    <p:spTgt spid="9"/>
+                  </p:tgtEl>
+                </p:cond>
+              </p:nextCondLst>
+            </p:seq>
+            <p:audio>
+              <p:cMediaNode>
+                <p:cTn id="7" fill="hold" display="0">
+                  <p:stCondLst>
+                    <p:cond delay="indefinite"/>
+                  </p:stCondLst>
+                  <p:endCondLst>
+                    <p:cond evt="onNext" delay="0">
+                      <p:tgtEl>
+                        <p:sldTgt/>
+                      </p:tgtEl>
+                    </p:cond>
+                    <p:cond evt="onPrev" delay="0">
+                      <p:tgtEl>
+                        <p:sldTgt/>
+                      </p:tgtEl>
+                    </p:cond>
+                    <p:cond evt="onStopAudio" delay="0">
+                      <p:tgtEl>
+                        <p:sldTgt/>
+                      </p:tgtEl>
+                    </p:cond>
+                  </p:endCondLst>
+                </p:cTn>
+                <p:tgtEl>
+                  <p:spTgt spid="9"/>
+                </p:tgtEl>
+              </p:cMediaNode>
+            </p:audio>
+          </p:childTnLst>
+        </p:cTn>
       </p:par>
     </p:tnLst>
   </p:timing>
@@ -4995,7 +5115,7 @@
     </p:spTree>
     <p:extLst>
       <p:ext uri="{BB962C8B-B14F-4D97-AF65-F5344CB8AC3E}">
-        <p14:creationId xmlns="" xmlns:p14="http://schemas.microsoft.com/office/powerpoint/2010/main" val="4032476198"/>
+        <p14:creationId xmlns:p14="http://schemas.microsoft.com/office/powerpoint/2010/main" xmlns="" val="4032476198"/>
       </p:ext>
     </p:extLst>
   </p:cSld>
@@ -5013,6 +5133,2837 @@
 </file>
 
 <file path=ppt/slides/slide4.xml><?xml version="1.0" encoding="utf-8"?>
+<p:sld xmlns:a="http://schemas.openxmlformats.org/drawingml/2006/main" xmlns:r="http://schemas.openxmlformats.org/officeDocument/2006/relationships" xmlns:p="http://schemas.openxmlformats.org/presentationml/2006/main">
+  <p:cSld>
+    <p:spTree>
+      <p:nvGrpSpPr>
+        <p:cNvPr id="1" name=""/>
+        <p:cNvGrpSpPr/>
+        <p:nvPr/>
+      </p:nvGrpSpPr>
+      <p:grpSpPr>
+        <a:xfrm>
+          <a:off x="0" y="0"/>
+          <a:ext cx="0" cy="0"/>
+          <a:chOff x="0" y="0"/>
+          <a:chExt cx="0" cy="0"/>
+        </a:xfrm>
+      </p:grpSpPr>
+      <p:sp>
+        <p:nvSpPr>
+          <p:cNvPr id="238" name="Title 1"/>
+          <p:cNvSpPr txBox="1">
+            <a:spLocks/>
+          </p:cNvSpPr>
+          <p:nvPr/>
+        </p:nvSpPr>
+        <p:spPr>
+          <a:xfrm>
+            <a:off x="457200" y="274638"/>
+            <a:ext cx="8229600" cy="1143000"/>
+          </a:xfrm>
+          <a:prstGeom prst="rect">
+            <a:avLst/>
+          </a:prstGeom>
+          <a:ln>
+            <a:noFill/>
+          </a:ln>
+        </p:spPr>
+        <p:txBody>
+          <a:bodyPr>
+            <a:normAutofit/>
+          </a:bodyPr>
+          <a:lstStyle/>
+          <a:p>
+            <a:pPr marL="0" marR="0" lvl="0" indent="0" algn="ctr" defTabSz="914400" rtl="0" eaLnBrk="1" fontAlgn="auto" latinLnBrk="0" hangingPunct="1">
+              <a:lnSpc>
+                <a:spcPct val="100000"/>
+              </a:lnSpc>
+              <a:spcBef>
+                <a:spcPct val="0"/>
+              </a:spcBef>
+              <a:spcAft>
+                <a:spcPts val="0"/>
+              </a:spcAft>
+              <a:buClrTx/>
+              <a:buSzTx/>
+              <a:buFontTx/>
+              <a:buNone/>
+              <a:tabLst/>
+              <a:defRPr/>
+            </a:pPr>
+            <a:r>
+              <a:rPr kumimoji="0" lang="en-US" sz="4400" b="0" i="0" u="none" strike="noStrike" kern="1200" cap="none" spc="0" normalizeH="0" baseline="0" noProof="0" dirty="0" smtClean="0">
+                <a:ln>
+                  <a:noFill/>
+                </a:ln>
+                <a:solidFill>
+                  <a:schemeClr val="bg1"/>
+                </a:solidFill>
+                <a:effectLst/>
+                <a:uLnTx/>
+                <a:uFillTx/>
+                <a:latin typeface="+mj-lt"/>
+                <a:ea typeface="+mj-ea"/>
+                <a:cs typeface="+mj-cs"/>
+              </a:rPr>
+              <a:t>Learning Flow</a:t>
+            </a:r>
+            <a:endParaRPr kumimoji="0" lang="en-US" sz="4400" b="0" i="0" u="none" strike="noStrike" kern="1200" cap="none" spc="0" normalizeH="0" baseline="0" noProof="0" dirty="0">
+              <a:ln>
+                <a:noFill/>
+              </a:ln>
+              <a:solidFill>
+                <a:schemeClr val="bg1"/>
+              </a:solidFill>
+              <a:effectLst/>
+              <a:uLnTx/>
+              <a:uFillTx/>
+              <a:latin typeface="+mj-lt"/>
+              <a:ea typeface="+mj-ea"/>
+              <a:cs typeface="+mj-cs"/>
+            </a:endParaRPr>
+          </a:p>
+        </p:txBody>
+      </p:sp>
+      <p:cxnSp>
+        <p:nvCxnSpPr>
+          <p:cNvPr id="240" name="Straight Connector 239"/>
+          <p:cNvCxnSpPr/>
+          <p:nvPr/>
+        </p:nvCxnSpPr>
+        <p:spPr>
+          <a:xfrm>
+            <a:off x="0" y="1447800"/>
+            <a:ext cx="9144000" cy="1588"/>
+          </a:xfrm>
+          <a:prstGeom prst="line">
+            <a:avLst/>
+          </a:prstGeom>
+        </p:spPr>
+        <p:style>
+          <a:lnRef idx="1">
+            <a:schemeClr val="accent1"/>
+          </a:lnRef>
+          <a:fillRef idx="0">
+            <a:schemeClr val="accent1"/>
+          </a:fillRef>
+          <a:effectRef idx="0">
+            <a:schemeClr val="accent1"/>
+          </a:effectRef>
+          <a:fontRef idx="minor">
+            <a:schemeClr val="tx1"/>
+          </a:fontRef>
+        </p:style>
+      </p:cxnSp>
+      <p:pic>
+        <p:nvPicPr>
+          <p:cNvPr id="6" name="Picture 9" descr="C:\Users\hi\Desktop\1.png"/>
+          <p:cNvPicPr>
+            <a:picLocks noChangeAspect="1" noChangeArrowheads="1"/>
+          </p:cNvPicPr>
+          <p:nvPr/>
+        </p:nvPicPr>
+        <p:blipFill>
+          <a:blip r:embed="rId2"/>
+          <a:srcRect/>
+          <a:stretch>
+            <a:fillRect/>
+          </a:stretch>
+        </p:blipFill>
+        <p:spPr bwMode="auto">
+          <a:xfrm>
+            <a:off x="7772400" y="5867400"/>
+            <a:ext cx="523875" cy="523875"/>
+          </a:xfrm>
+          <a:prstGeom prst="rect">
+            <a:avLst/>
+          </a:prstGeom>
+          <a:noFill/>
+        </p:spPr>
+      </p:pic>
+      <p:pic>
+        <p:nvPicPr>
+          <p:cNvPr id="7" name="Picture 10" descr="C:\Users\hi\Desktop\2.png"/>
+          <p:cNvPicPr>
+            <a:picLocks noChangeAspect="1" noChangeArrowheads="1"/>
+          </p:cNvPicPr>
+          <p:nvPr/>
+        </p:nvPicPr>
+        <p:blipFill>
+          <a:blip r:embed="rId3"/>
+          <a:srcRect/>
+          <a:stretch>
+            <a:fillRect/>
+          </a:stretch>
+        </p:blipFill>
+        <p:spPr bwMode="auto">
+          <a:xfrm>
+            <a:off x="6096000" y="6353175"/>
+            <a:ext cx="2324100" cy="504825"/>
+          </a:xfrm>
+          <a:prstGeom prst="rect">
+            <a:avLst/>
+          </a:prstGeom>
+          <a:noFill/>
+        </p:spPr>
+      </p:pic>
+      <p:sp>
+        <p:nvSpPr>
+          <p:cNvPr id="9" name="Freeform 5">
+            <a:extLst>
+              <a:ext uri="{FF2B5EF4-FFF2-40B4-BE49-F238E27FC236}">
+                <a16:creationId xmlns="" xmlns:a16="http://schemas.microsoft.com/office/drawing/2014/main" id="{768FB9FD-508C-45FB-B9A4-5A199142D858}"/>
+              </a:ext>
+            </a:extLst>
+          </p:cNvPr>
+          <p:cNvSpPr>
+            <a:spLocks/>
+          </p:cNvSpPr>
+          <p:nvPr/>
+        </p:nvSpPr>
+        <p:spPr bwMode="auto">
+          <a:xfrm rot="16200000">
+            <a:off x="-43884" y="3736935"/>
+            <a:ext cx="4207960" cy="1190027"/>
+          </a:xfrm>
+          <a:custGeom>
+            <a:avLst/>
+            <a:gdLst>
+              <a:gd name="T0" fmla="*/ 2969 w 3735"/>
+              <a:gd name="T1" fmla="*/ 207 h 1395"/>
+              <a:gd name="T2" fmla="*/ 2969 w 3735"/>
+              <a:gd name="T3" fmla="*/ 206 h 1395"/>
+              <a:gd name="T4" fmla="*/ 2969 w 3735"/>
+              <a:gd name="T5" fmla="*/ 206 h 1395"/>
+              <a:gd name="T6" fmla="*/ 3317 w 3735"/>
+              <a:gd name="T7" fmla="*/ 350 h 1395"/>
+              <a:gd name="T8" fmla="*/ 3317 w 3735"/>
+              <a:gd name="T9" fmla="*/ 1045 h 1395"/>
+              <a:gd name="T10" fmla="*/ 2969 w 3735"/>
+              <a:gd name="T11" fmla="*/ 1189 h 1395"/>
+              <a:gd name="T12" fmla="*/ 2622 w 3735"/>
+              <a:gd name="T13" fmla="*/ 1045 h 1395"/>
+              <a:gd name="T14" fmla="*/ 2476 w 3735"/>
+              <a:gd name="T15" fmla="*/ 1191 h 1395"/>
+              <a:gd name="T16" fmla="*/ 2969 w 3735"/>
+              <a:gd name="T17" fmla="*/ 1395 h 1395"/>
+              <a:gd name="T18" fmla="*/ 3462 w 3735"/>
+              <a:gd name="T19" fmla="*/ 1191 h 1395"/>
+              <a:gd name="T20" fmla="*/ 3462 w 3735"/>
+              <a:gd name="T21" fmla="*/ 204 h 1395"/>
+              <a:gd name="T22" fmla="*/ 2969 w 3735"/>
+              <a:gd name="T23" fmla="*/ 0 h 1395"/>
+              <a:gd name="T24" fmla="*/ 2969 w 3735"/>
+              <a:gd name="T25" fmla="*/ 0 h 1395"/>
+              <a:gd name="T26" fmla="*/ 2969 w 3735"/>
+              <a:gd name="T27" fmla="*/ 0 h 1395"/>
+              <a:gd name="T28" fmla="*/ 0 w 3735"/>
+              <a:gd name="T29" fmla="*/ 0 h 1395"/>
+              <a:gd name="T30" fmla="*/ 0 w 3735"/>
+              <a:gd name="T31" fmla="*/ 207 h 1395"/>
+              <a:gd name="T32" fmla="*/ 2969 w 3735"/>
+              <a:gd name="T33" fmla="*/ 207 h 1395"/>
+            </a:gdLst>
+            <a:ahLst/>
+            <a:cxnLst>
+              <a:cxn ang="0">
+                <a:pos x="T0" y="T1"/>
+              </a:cxn>
+              <a:cxn ang="0">
+                <a:pos x="T2" y="T3"/>
+              </a:cxn>
+              <a:cxn ang="0">
+                <a:pos x="T4" y="T5"/>
+              </a:cxn>
+              <a:cxn ang="0">
+                <a:pos x="T6" y="T7"/>
+              </a:cxn>
+              <a:cxn ang="0">
+                <a:pos x="T8" y="T9"/>
+              </a:cxn>
+              <a:cxn ang="0">
+                <a:pos x="T10" y="T11"/>
+              </a:cxn>
+              <a:cxn ang="0">
+                <a:pos x="T12" y="T13"/>
+              </a:cxn>
+              <a:cxn ang="0">
+                <a:pos x="T14" y="T15"/>
+              </a:cxn>
+              <a:cxn ang="0">
+                <a:pos x="T16" y="T17"/>
+              </a:cxn>
+              <a:cxn ang="0">
+                <a:pos x="T18" y="T19"/>
+              </a:cxn>
+              <a:cxn ang="0">
+                <a:pos x="T20" y="T21"/>
+              </a:cxn>
+              <a:cxn ang="0">
+                <a:pos x="T22" y="T23"/>
+              </a:cxn>
+              <a:cxn ang="0">
+                <a:pos x="T24" y="T25"/>
+              </a:cxn>
+              <a:cxn ang="0">
+                <a:pos x="T26" y="T27"/>
+              </a:cxn>
+              <a:cxn ang="0">
+                <a:pos x="T28" y="T29"/>
+              </a:cxn>
+              <a:cxn ang="0">
+                <a:pos x="T30" y="T31"/>
+              </a:cxn>
+              <a:cxn ang="0">
+                <a:pos x="T32" y="T33"/>
+              </a:cxn>
+            </a:cxnLst>
+            <a:rect l="0" t="0" r="r" b="b"/>
+            <a:pathLst>
+              <a:path w="3735" h="1395">
+                <a:moveTo>
+                  <a:pt x="2969" y="207"/>
+                </a:moveTo>
+                <a:cubicBezTo>
+                  <a:pt x="2969" y="206"/>
+                  <a:pt x="2969" y="206"/>
+                  <a:pt x="2969" y="206"/>
+                </a:cubicBezTo>
+                <a:cubicBezTo>
+                  <a:pt x="2969" y="206"/>
+                  <a:pt x="2969" y="206"/>
+                  <a:pt x="2969" y="206"/>
+                </a:cubicBezTo>
+                <a:cubicBezTo>
+                  <a:pt x="3095" y="206"/>
+                  <a:pt x="3221" y="254"/>
+                  <a:pt x="3317" y="350"/>
+                </a:cubicBezTo>
+                <a:cubicBezTo>
+                  <a:pt x="3508" y="542"/>
+                  <a:pt x="3508" y="853"/>
+                  <a:pt x="3317" y="1045"/>
+                </a:cubicBezTo>
+                <a:cubicBezTo>
+                  <a:pt x="3221" y="1141"/>
+                  <a:pt x="3095" y="1188"/>
+                  <a:pt x="2969" y="1189"/>
+                </a:cubicBezTo>
+                <a:cubicBezTo>
+                  <a:pt x="2844" y="1189"/>
+                  <a:pt x="2718" y="1141"/>
+                  <a:pt x="2622" y="1045"/>
+                </a:cubicBezTo>
+                <a:cubicBezTo>
+                  <a:pt x="2476" y="1191"/>
+                  <a:pt x="2476" y="1191"/>
+                  <a:pt x="2476" y="1191"/>
+                </a:cubicBezTo>
+                <a:cubicBezTo>
+                  <a:pt x="2612" y="1327"/>
+                  <a:pt x="2791" y="1395"/>
+                  <a:pt x="2969" y="1395"/>
+                </a:cubicBezTo>
+                <a:cubicBezTo>
+                  <a:pt x="3148" y="1395"/>
+                  <a:pt x="3326" y="1327"/>
+                  <a:pt x="3462" y="1191"/>
+                </a:cubicBezTo>
+                <a:cubicBezTo>
+                  <a:pt x="3735" y="918"/>
+                  <a:pt x="3735" y="477"/>
+                  <a:pt x="3462" y="204"/>
+                </a:cubicBezTo>
+                <a:cubicBezTo>
+                  <a:pt x="3326" y="68"/>
+                  <a:pt x="3148" y="0"/>
+                  <a:pt x="2969" y="0"/>
+                </a:cubicBezTo>
+                <a:cubicBezTo>
+                  <a:pt x="2969" y="0"/>
+                  <a:pt x="2969" y="0"/>
+                  <a:pt x="2969" y="0"/>
+                </a:cubicBezTo>
+                <a:cubicBezTo>
+                  <a:pt x="2969" y="0"/>
+                  <a:pt x="2969" y="0"/>
+                  <a:pt x="2969" y="0"/>
+                </a:cubicBezTo>
+                <a:cubicBezTo>
+                  <a:pt x="0" y="0"/>
+                  <a:pt x="0" y="0"/>
+                  <a:pt x="0" y="0"/>
+                </a:cubicBezTo>
+                <a:cubicBezTo>
+                  <a:pt x="0" y="207"/>
+                  <a:pt x="0" y="207"/>
+                  <a:pt x="0" y="207"/>
+                </a:cubicBezTo>
+                <a:lnTo>
+                  <a:pt x="2969" y="207"/>
+                </a:lnTo>
+                <a:close/>
+              </a:path>
+            </a:pathLst>
+          </a:custGeom>
+          <a:solidFill>
+            <a:schemeClr val="accent2"/>
+          </a:solidFill>
+          <a:ln>
+            <a:noFill/>
+          </a:ln>
+        </p:spPr>
+        <p:txBody>
+          <a:bodyPr vert="horz" wrap="square" lIns="91440" tIns="45720" rIns="91440" bIns="45720" numCol="1" anchor="t" anchorCtr="0" compatLnSpc="1">
+            <a:prstTxWarp prst="textNoShape">
+              <a:avLst/>
+            </a:prstTxWarp>
+          </a:bodyPr>
+          <a:lstStyle/>
+          <a:p>
+            <a:endParaRPr lang="en-GB"/>
+          </a:p>
+        </p:txBody>
+      </p:sp>
+      <p:sp>
+        <p:nvSpPr>
+          <p:cNvPr id="10" name="Freeform 9">
+            <a:extLst>
+              <a:ext uri="{FF2B5EF4-FFF2-40B4-BE49-F238E27FC236}">
+                <a16:creationId xmlns="" xmlns:a16="http://schemas.microsoft.com/office/drawing/2014/main" id="{AD7D17C0-A22A-4CE5-84C6-BED275614EBE}"/>
+              </a:ext>
+            </a:extLst>
+          </p:cNvPr>
+          <p:cNvSpPr>
+            <a:spLocks/>
+          </p:cNvSpPr>
+          <p:nvPr/>
+        </p:nvSpPr>
+        <p:spPr bwMode="auto">
+          <a:xfrm rot="16200000">
+            <a:off x="2066933" y="3539901"/>
+            <a:ext cx="1419316" cy="1305107"/>
+          </a:xfrm>
+          <a:custGeom>
+            <a:avLst/>
+            <a:gdLst>
+              <a:gd name="T0" fmla="*/ 1113 w 1258"/>
+              <a:gd name="T1" fmla="*/ 1112 h 1530"/>
+              <a:gd name="T2" fmla="*/ 418 w 1258"/>
+              <a:gd name="T3" fmla="*/ 1112 h 1530"/>
+              <a:gd name="T4" fmla="*/ 418 w 1258"/>
+              <a:gd name="T5" fmla="*/ 418 h 1530"/>
+              <a:gd name="T6" fmla="*/ 1113 w 1258"/>
+              <a:gd name="T7" fmla="*/ 418 h 1530"/>
+              <a:gd name="T8" fmla="*/ 1258 w 1258"/>
+              <a:gd name="T9" fmla="*/ 272 h 1530"/>
+              <a:gd name="T10" fmla="*/ 272 w 1258"/>
+              <a:gd name="T11" fmla="*/ 272 h 1530"/>
+              <a:gd name="T12" fmla="*/ 272 w 1258"/>
+              <a:gd name="T13" fmla="*/ 1258 h 1530"/>
+              <a:gd name="T14" fmla="*/ 1258 w 1258"/>
+              <a:gd name="T15" fmla="*/ 1258 h 1530"/>
+              <a:gd name="T16" fmla="*/ 1258 w 1258"/>
+              <a:gd name="T17" fmla="*/ 1258 h 1530"/>
+              <a:gd name="T18" fmla="*/ 1113 w 1258"/>
+              <a:gd name="T19" fmla="*/ 1112 h 1530"/>
+            </a:gdLst>
+            <a:ahLst/>
+            <a:cxnLst>
+              <a:cxn ang="0">
+                <a:pos x="T0" y="T1"/>
+              </a:cxn>
+              <a:cxn ang="0">
+                <a:pos x="T2" y="T3"/>
+              </a:cxn>
+              <a:cxn ang="0">
+                <a:pos x="T4" y="T5"/>
+              </a:cxn>
+              <a:cxn ang="0">
+                <a:pos x="T6" y="T7"/>
+              </a:cxn>
+              <a:cxn ang="0">
+                <a:pos x="T8" y="T9"/>
+              </a:cxn>
+              <a:cxn ang="0">
+                <a:pos x="T10" y="T11"/>
+              </a:cxn>
+              <a:cxn ang="0">
+                <a:pos x="T12" y="T13"/>
+              </a:cxn>
+              <a:cxn ang="0">
+                <a:pos x="T14" y="T15"/>
+              </a:cxn>
+              <a:cxn ang="0">
+                <a:pos x="T16" y="T17"/>
+              </a:cxn>
+              <a:cxn ang="0">
+                <a:pos x="T18" y="T19"/>
+              </a:cxn>
+            </a:cxnLst>
+            <a:rect l="0" t="0" r="r" b="b"/>
+            <a:pathLst>
+              <a:path w="1258" h="1530">
+                <a:moveTo>
+                  <a:pt x="1113" y="1112"/>
+                </a:moveTo>
+                <a:cubicBezTo>
+                  <a:pt x="921" y="1304"/>
+                  <a:pt x="610" y="1304"/>
+                  <a:pt x="418" y="1112"/>
+                </a:cubicBezTo>
+                <a:cubicBezTo>
+                  <a:pt x="226" y="920"/>
+                  <a:pt x="226" y="609"/>
+                  <a:pt x="418" y="418"/>
+                </a:cubicBezTo>
+                <a:cubicBezTo>
+                  <a:pt x="610" y="226"/>
+                  <a:pt x="921" y="226"/>
+                  <a:pt x="1113" y="418"/>
+                </a:cubicBezTo>
+                <a:cubicBezTo>
+                  <a:pt x="1258" y="272"/>
+                  <a:pt x="1258" y="272"/>
+                  <a:pt x="1258" y="272"/>
+                </a:cubicBezTo>
+                <a:cubicBezTo>
+                  <a:pt x="986" y="0"/>
+                  <a:pt x="545" y="0"/>
+                  <a:pt x="272" y="272"/>
+                </a:cubicBezTo>
+                <a:cubicBezTo>
+                  <a:pt x="0" y="544"/>
+                  <a:pt x="0" y="986"/>
+                  <a:pt x="272" y="1258"/>
+                </a:cubicBezTo>
+                <a:cubicBezTo>
+                  <a:pt x="545" y="1530"/>
+                  <a:pt x="986" y="1530"/>
+                  <a:pt x="1258" y="1258"/>
+                </a:cubicBezTo>
+                <a:cubicBezTo>
+                  <a:pt x="1258" y="1258"/>
+                  <a:pt x="1258" y="1258"/>
+                  <a:pt x="1258" y="1258"/>
+                </a:cubicBezTo>
+                <a:cubicBezTo>
+                  <a:pt x="1113" y="1112"/>
+                  <a:pt x="1113" y="1112"/>
+                  <a:pt x="1113" y="1112"/>
+                </a:cubicBezTo>
+                <a:close/>
+              </a:path>
+            </a:pathLst>
+          </a:custGeom>
+          <a:solidFill>
+            <a:schemeClr val="accent5"/>
+          </a:solidFill>
+          <a:ln>
+            <a:noFill/>
+          </a:ln>
+        </p:spPr>
+        <p:txBody>
+          <a:bodyPr vert="horz" wrap="square" lIns="91440" tIns="45720" rIns="91440" bIns="45720" numCol="1" anchor="t" anchorCtr="0" compatLnSpc="1">
+            <a:prstTxWarp prst="textNoShape">
+              <a:avLst/>
+            </a:prstTxWarp>
+          </a:bodyPr>
+          <a:lstStyle/>
+          <a:p>
+            <a:endParaRPr lang="en-GB"/>
+          </a:p>
+        </p:txBody>
+      </p:sp>
+      <p:sp>
+        <p:nvSpPr>
+          <p:cNvPr id="11" name="Freeform 9">
+            <a:extLst>
+              <a:ext uri="{FF2B5EF4-FFF2-40B4-BE49-F238E27FC236}">
+                <a16:creationId xmlns="" xmlns:a16="http://schemas.microsoft.com/office/drawing/2014/main" id="{3B8477D8-C61C-4124-90F8-8E57DF85ABA7}"/>
+              </a:ext>
+            </a:extLst>
+          </p:cNvPr>
+          <p:cNvSpPr>
+            <a:spLocks/>
+          </p:cNvSpPr>
+          <p:nvPr/>
+        </p:nvSpPr>
+        <p:spPr bwMode="auto">
+          <a:xfrm rot="5400000">
+            <a:off x="2783434" y="2285074"/>
+            <a:ext cx="1419316" cy="1305107"/>
+          </a:xfrm>
+          <a:custGeom>
+            <a:avLst/>
+            <a:gdLst>
+              <a:gd name="T0" fmla="*/ 1113 w 1258"/>
+              <a:gd name="T1" fmla="*/ 1112 h 1530"/>
+              <a:gd name="T2" fmla="*/ 418 w 1258"/>
+              <a:gd name="T3" fmla="*/ 1112 h 1530"/>
+              <a:gd name="T4" fmla="*/ 418 w 1258"/>
+              <a:gd name="T5" fmla="*/ 418 h 1530"/>
+              <a:gd name="T6" fmla="*/ 1113 w 1258"/>
+              <a:gd name="T7" fmla="*/ 418 h 1530"/>
+              <a:gd name="T8" fmla="*/ 1258 w 1258"/>
+              <a:gd name="T9" fmla="*/ 272 h 1530"/>
+              <a:gd name="T10" fmla="*/ 272 w 1258"/>
+              <a:gd name="T11" fmla="*/ 272 h 1530"/>
+              <a:gd name="T12" fmla="*/ 272 w 1258"/>
+              <a:gd name="T13" fmla="*/ 1258 h 1530"/>
+              <a:gd name="T14" fmla="*/ 1258 w 1258"/>
+              <a:gd name="T15" fmla="*/ 1258 h 1530"/>
+              <a:gd name="T16" fmla="*/ 1258 w 1258"/>
+              <a:gd name="T17" fmla="*/ 1258 h 1530"/>
+              <a:gd name="T18" fmla="*/ 1113 w 1258"/>
+              <a:gd name="T19" fmla="*/ 1112 h 1530"/>
+            </a:gdLst>
+            <a:ahLst/>
+            <a:cxnLst>
+              <a:cxn ang="0">
+                <a:pos x="T0" y="T1"/>
+              </a:cxn>
+              <a:cxn ang="0">
+                <a:pos x="T2" y="T3"/>
+              </a:cxn>
+              <a:cxn ang="0">
+                <a:pos x="T4" y="T5"/>
+              </a:cxn>
+              <a:cxn ang="0">
+                <a:pos x="T6" y="T7"/>
+              </a:cxn>
+              <a:cxn ang="0">
+                <a:pos x="T8" y="T9"/>
+              </a:cxn>
+              <a:cxn ang="0">
+                <a:pos x="T10" y="T11"/>
+              </a:cxn>
+              <a:cxn ang="0">
+                <a:pos x="T12" y="T13"/>
+              </a:cxn>
+              <a:cxn ang="0">
+                <a:pos x="T14" y="T15"/>
+              </a:cxn>
+              <a:cxn ang="0">
+                <a:pos x="T16" y="T17"/>
+              </a:cxn>
+              <a:cxn ang="0">
+                <a:pos x="T18" y="T19"/>
+              </a:cxn>
+            </a:cxnLst>
+            <a:rect l="0" t="0" r="r" b="b"/>
+            <a:pathLst>
+              <a:path w="1258" h="1530">
+                <a:moveTo>
+                  <a:pt x="1113" y="1112"/>
+                </a:moveTo>
+                <a:cubicBezTo>
+                  <a:pt x="921" y="1304"/>
+                  <a:pt x="610" y="1304"/>
+                  <a:pt x="418" y="1112"/>
+                </a:cubicBezTo>
+                <a:cubicBezTo>
+                  <a:pt x="226" y="920"/>
+                  <a:pt x="226" y="609"/>
+                  <a:pt x="418" y="418"/>
+                </a:cubicBezTo>
+                <a:cubicBezTo>
+                  <a:pt x="610" y="226"/>
+                  <a:pt x="921" y="226"/>
+                  <a:pt x="1113" y="418"/>
+                </a:cubicBezTo>
+                <a:cubicBezTo>
+                  <a:pt x="1258" y="272"/>
+                  <a:pt x="1258" y="272"/>
+                  <a:pt x="1258" y="272"/>
+                </a:cubicBezTo>
+                <a:cubicBezTo>
+                  <a:pt x="986" y="0"/>
+                  <a:pt x="545" y="0"/>
+                  <a:pt x="272" y="272"/>
+                </a:cubicBezTo>
+                <a:cubicBezTo>
+                  <a:pt x="0" y="544"/>
+                  <a:pt x="0" y="986"/>
+                  <a:pt x="272" y="1258"/>
+                </a:cubicBezTo>
+                <a:cubicBezTo>
+                  <a:pt x="545" y="1530"/>
+                  <a:pt x="986" y="1530"/>
+                  <a:pt x="1258" y="1258"/>
+                </a:cubicBezTo>
+                <a:cubicBezTo>
+                  <a:pt x="1258" y="1258"/>
+                  <a:pt x="1258" y="1258"/>
+                  <a:pt x="1258" y="1258"/>
+                </a:cubicBezTo>
+                <a:cubicBezTo>
+                  <a:pt x="1113" y="1112"/>
+                  <a:pt x="1113" y="1112"/>
+                  <a:pt x="1113" y="1112"/>
+                </a:cubicBezTo>
+                <a:close/>
+              </a:path>
+            </a:pathLst>
+          </a:custGeom>
+          <a:solidFill>
+            <a:schemeClr val="accent4"/>
+          </a:solidFill>
+          <a:ln>
+            <a:noFill/>
+          </a:ln>
+        </p:spPr>
+        <p:txBody>
+          <a:bodyPr vert="horz" wrap="square" lIns="91440" tIns="45720" rIns="91440" bIns="45720" numCol="1" anchor="t" anchorCtr="0" compatLnSpc="1">
+            <a:prstTxWarp prst="textNoShape">
+              <a:avLst/>
+            </a:prstTxWarp>
+          </a:bodyPr>
+          <a:lstStyle/>
+          <a:p>
+            <a:endParaRPr lang="en-GB"/>
+          </a:p>
+        </p:txBody>
+      </p:sp>
+      <p:sp>
+        <p:nvSpPr>
+          <p:cNvPr id="12" name="Freeform 5">
+            <a:extLst>
+              <a:ext uri="{FF2B5EF4-FFF2-40B4-BE49-F238E27FC236}">
+                <a16:creationId xmlns="" xmlns:a16="http://schemas.microsoft.com/office/drawing/2014/main" id="{67F0108F-9039-4399-9773-91DE2C3041A0}"/>
+              </a:ext>
+            </a:extLst>
+          </p:cNvPr>
+          <p:cNvSpPr>
+            <a:spLocks/>
+          </p:cNvSpPr>
+          <p:nvPr/>
+        </p:nvSpPr>
+        <p:spPr bwMode="auto">
+          <a:xfrm rot="5400000">
+            <a:off x="4973947" y="2201537"/>
+            <a:ext cx="4207960" cy="1190027"/>
+          </a:xfrm>
+          <a:custGeom>
+            <a:avLst/>
+            <a:gdLst>
+              <a:gd name="T0" fmla="*/ 2969 w 3735"/>
+              <a:gd name="T1" fmla="*/ 207 h 1395"/>
+              <a:gd name="T2" fmla="*/ 2969 w 3735"/>
+              <a:gd name="T3" fmla="*/ 206 h 1395"/>
+              <a:gd name="T4" fmla="*/ 2969 w 3735"/>
+              <a:gd name="T5" fmla="*/ 206 h 1395"/>
+              <a:gd name="T6" fmla="*/ 3317 w 3735"/>
+              <a:gd name="T7" fmla="*/ 350 h 1395"/>
+              <a:gd name="T8" fmla="*/ 3317 w 3735"/>
+              <a:gd name="T9" fmla="*/ 1045 h 1395"/>
+              <a:gd name="T10" fmla="*/ 2969 w 3735"/>
+              <a:gd name="T11" fmla="*/ 1189 h 1395"/>
+              <a:gd name="T12" fmla="*/ 2622 w 3735"/>
+              <a:gd name="T13" fmla="*/ 1045 h 1395"/>
+              <a:gd name="T14" fmla="*/ 2476 w 3735"/>
+              <a:gd name="T15" fmla="*/ 1191 h 1395"/>
+              <a:gd name="T16" fmla="*/ 2969 w 3735"/>
+              <a:gd name="T17" fmla="*/ 1395 h 1395"/>
+              <a:gd name="T18" fmla="*/ 3462 w 3735"/>
+              <a:gd name="T19" fmla="*/ 1191 h 1395"/>
+              <a:gd name="T20" fmla="*/ 3462 w 3735"/>
+              <a:gd name="T21" fmla="*/ 204 h 1395"/>
+              <a:gd name="T22" fmla="*/ 2969 w 3735"/>
+              <a:gd name="T23" fmla="*/ 0 h 1395"/>
+              <a:gd name="T24" fmla="*/ 2969 w 3735"/>
+              <a:gd name="T25" fmla="*/ 0 h 1395"/>
+              <a:gd name="T26" fmla="*/ 2969 w 3735"/>
+              <a:gd name="T27" fmla="*/ 0 h 1395"/>
+              <a:gd name="T28" fmla="*/ 0 w 3735"/>
+              <a:gd name="T29" fmla="*/ 0 h 1395"/>
+              <a:gd name="T30" fmla="*/ 0 w 3735"/>
+              <a:gd name="T31" fmla="*/ 207 h 1395"/>
+              <a:gd name="T32" fmla="*/ 2969 w 3735"/>
+              <a:gd name="T33" fmla="*/ 207 h 1395"/>
+            </a:gdLst>
+            <a:ahLst/>
+            <a:cxnLst>
+              <a:cxn ang="0">
+                <a:pos x="T0" y="T1"/>
+              </a:cxn>
+              <a:cxn ang="0">
+                <a:pos x="T2" y="T3"/>
+              </a:cxn>
+              <a:cxn ang="0">
+                <a:pos x="T4" y="T5"/>
+              </a:cxn>
+              <a:cxn ang="0">
+                <a:pos x="T6" y="T7"/>
+              </a:cxn>
+              <a:cxn ang="0">
+                <a:pos x="T8" y="T9"/>
+              </a:cxn>
+              <a:cxn ang="0">
+                <a:pos x="T10" y="T11"/>
+              </a:cxn>
+              <a:cxn ang="0">
+                <a:pos x="T12" y="T13"/>
+              </a:cxn>
+              <a:cxn ang="0">
+                <a:pos x="T14" y="T15"/>
+              </a:cxn>
+              <a:cxn ang="0">
+                <a:pos x="T16" y="T17"/>
+              </a:cxn>
+              <a:cxn ang="0">
+                <a:pos x="T18" y="T19"/>
+              </a:cxn>
+              <a:cxn ang="0">
+                <a:pos x="T20" y="T21"/>
+              </a:cxn>
+              <a:cxn ang="0">
+                <a:pos x="T22" y="T23"/>
+              </a:cxn>
+              <a:cxn ang="0">
+                <a:pos x="T24" y="T25"/>
+              </a:cxn>
+              <a:cxn ang="0">
+                <a:pos x="T26" y="T27"/>
+              </a:cxn>
+              <a:cxn ang="0">
+                <a:pos x="T28" y="T29"/>
+              </a:cxn>
+              <a:cxn ang="0">
+                <a:pos x="T30" y="T31"/>
+              </a:cxn>
+              <a:cxn ang="0">
+                <a:pos x="T32" y="T33"/>
+              </a:cxn>
+            </a:cxnLst>
+            <a:rect l="0" t="0" r="r" b="b"/>
+            <a:pathLst>
+              <a:path w="3735" h="1395">
+                <a:moveTo>
+                  <a:pt x="2969" y="207"/>
+                </a:moveTo>
+                <a:cubicBezTo>
+                  <a:pt x="2969" y="206"/>
+                  <a:pt x="2969" y="206"/>
+                  <a:pt x="2969" y="206"/>
+                </a:cubicBezTo>
+                <a:cubicBezTo>
+                  <a:pt x="2969" y="206"/>
+                  <a:pt x="2969" y="206"/>
+                  <a:pt x="2969" y="206"/>
+                </a:cubicBezTo>
+                <a:cubicBezTo>
+                  <a:pt x="3095" y="206"/>
+                  <a:pt x="3221" y="254"/>
+                  <a:pt x="3317" y="350"/>
+                </a:cubicBezTo>
+                <a:cubicBezTo>
+                  <a:pt x="3508" y="542"/>
+                  <a:pt x="3508" y="853"/>
+                  <a:pt x="3317" y="1045"/>
+                </a:cubicBezTo>
+                <a:cubicBezTo>
+                  <a:pt x="3221" y="1141"/>
+                  <a:pt x="3095" y="1188"/>
+                  <a:pt x="2969" y="1189"/>
+                </a:cubicBezTo>
+                <a:cubicBezTo>
+                  <a:pt x="2844" y="1189"/>
+                  <a:pt x="2718" y="1141"/>
+                  <a:pt x="2622" y="1045"/>
+                </a:cubicBezTo>
+                <a:cubicBezTo>
+                  <a:pt x="2476" y="1191"/>
+                  <a:pt x="2476" y="1191"/>
+                  <a:pt x="2476" y="1191"/>
+                </a:cubicBezTo>
+                <a:cubicBezTo>
+                  <a:pt x="2612" y="1327"/>
+                  <a:pt x="2791" y="1395"/>
+                  <a:pt x="2969" y="1395"/>
+                </a:cubicBezTo>
+                <a:cubicBezTo>
+                  <a:pt x="3148" y="1395"/>
+                  <a:pt x="3326" y="1327"/>
+                  <a:pt x="3462" y="1191"/>
+                </a:cubicBezTo>
+                <a:cubicBezTo>
+                  <a:pt x="3735" y="918"/>
+                  <a:pt x="3735" y="477"/>
+                  <a:pt x="3462" y="204"/>
+                </a:cubicBezTo>
+                <a:cubicBezTo>
+                  <a:pt x="3326" y="68"/>
+                  <a:pt x="3148" y="0"/>
+                  <a:pt x="2969" y="0"/>
+                </a:cubicBezTo>
+                <a:cubicBezTo>
+                  <a:pt x="2969" y="0"/>
+                  <a:pt x="2969" y="0"/>
+                  <a:pt x="2969" y="0"/>
+                </a:cubicBezTo>
+                <a:cubicBezTo>
+                  <a:pt x="2969" y="0"/>
+                  <a:pt x="2969" y="0"/>
+                  <a:pt x="2969" y="0"/>
+                </a:cubicBezTo>
+                <a:cubicBezTo>
+                  <a:pt x="0" y="0"/>
+                  <a:pt x="0" y="0"/>
+                  <a:pt x="0" y="0"/>
+                </a:cubicBezTo>
+                <a:cubicBezTo>
+                  <a:pt x="0" y="207"/>
+                  <a:pt x="0" y="207"/>
+                  <a:pt x="0" y="207"/>
+                </a:cubicBezTo>
+                <a:lnTo>
+                  <a:pt x="2969" y="207"/>
+                </a:lnTo>
+                <a:close/>
+              </a:path>
+            </a:pathLst>
+          </a:custGeom>
+          <a:solidFill>
+            <a:schemeClr val="accent6"/>
+          </a:solidFill>
+          <a:ln>
+            <a:noFill/>
+          </a:ln>
+        </p:spPr>
+        <p:txBody>
+          <a:bodyPr vert="horz" wrap="square" lIns="91440" tIns="45720" rIns="91440" bIns="45720" numCol="1" anchor="t" anchorCtr="0" compatLnSpc="1">
+            <a:prstTxWarp prst="textNoShape">
+              <a:avLst/>
+            </a:prstTxWarp>
+          </a:bodyPr>
+          <a:lstStyle/>
+          <a:p>
+            <a:endParaRPr lang="en-GB"/>
+          </a:p>
+        </p:txBody>
+      </p:sp>
+      <p:sp>
+        <p:nvSpPr>
+          <p:cNvPr id="13" name="Freeform 9">
+            <a:extLst>
+              <a:ext uri="{FF2B5EF4-FFF2-40B4-BE49-F238E27FC236}">
+                <a16:creationId xmlns="" xmlns:a16="http://schemas.microsoft.com/office/drawing/2014/main" id="{320A28BC-AE81-4C0B-AB73-E7F89498D279}"/>
+              </a:ext>
+            </a:extLst>
+          </p:cNvPr>
+          <p:cNvSpPr>
+            <a:spLocks/>
+          </p:cNvSpPr>
+          <p:nvPr/>
+        </p:nvSpPr>
+        <p:spPr bwMode="auto">
+          <a:xfrm rot="16200000">
+            <a:off x="3500968" y="3539901"/>
+            <a:ext cx="1419316" cy="1305107"/>
+          </a:xfrm>
+          <a:custGeom>
+            <a:avLst/>
+            <a:gdLst>
+              <a:gd name="T0" fmla="*/ 1113 w 1258"/>
+              <a:gd name="T1" fmla="*/ 1112 h 1530"/>
+              <a:gd name="T2" fmla="*/ 418 w 1258"/>
+              <a:gd name="T3" fmla="*/ 1112 h 1530"/>
+              <a:gd name="T4" fmla="*/ 418 w 1258"/>
+              <a:gd name="T5" fmla="*/ 418 h 1530"/>
+              <a:gd name="T6" fmla="*/ 1113 w 1258"/>
+              <a:gd name="T7" fmla="*/ 418 h 1530"/>
+              <a:gd name="T8" fmla="*/ 1258 w 1258"/>
+              <a:gd name="T9" fmla="*/ 272 h 1530"/>
+              <a:gd name="T10" fmla="*/ 272 w 1258"/>
+              <a:gd name="T11" fmla="*/ 272 h 1530"/>
+              <a:gd name="T12" fmla="*/ 272 w 1258"/>
+              <a:gd name="T13" fmla="*/ 1258 h 1530"/>
+              <a:gd name="T14" fmla="*/ 1258 w 1258"/>
+              <a:gd name="T15" fmla="*/ 1258 h 1530"/>
+              <a:gd name="T16" fmla="*/ 1258 w 1258"/>
+              <a:gd name="T17" fmla="*/ 1258 h 1530"/>
+              <a:gd name="T18" fmla="*/ 1113 w 1258"/>
+              <a:gd name="T19" fmla="*/ 1112 h 1530"/>
+            </a:gdLst>
+            <a:ahLst/>
+            <a:cxnLst>
+              <a:cxn ang="0">
+                <a:pos x="T0" y="T1"/>
+              </a:cxn>
+              <a:cxn ang="0">
+                <a:pos x="T2" y="T3"/>
+              </a:cxn>
+              <a:cxn ang="0">
+                <a:pos x="T4" y="T5"/>
+              </a:cxn>
+              <a:cxn ang="0">
+                <a:pos x="T6" y="T7"/>
+              </a:cxn>
+              <a:cxn ang="0">
+                <a:pos x="T8" y="T9"/>
+              </a:cxn>
+              <a:cxn ang="0">
+                <a:pos x="T10" y="T11"/>
+              </a:cxn>
+              <a:cxn ang="0">
+                <a:pos x="T12" y="T13"/>
+              </a:cxn>
+              <a:cxn ang="0">
+                <a:pos x="T14" y="T15"/>
+              </a:cxn>
+              <a:cxn ang="0">
+                <a:pos x="T16" y="T17"/>
+              </a:cxn>
+              <a:cxn ang="0">
+                <a:pos x="T18" y="T19"/>
+              </a:cxn>
+            </a:cxnLst>
+            <a:rect l="0" t="0" r="r" b="b"/>
+            <a:pathLst>
+              <a:path w="1258" h="1530">
+                <a:moveTo>
+                  <a:pt x="1113" y="1112"/>
+                </a:moveTo>
+                <a:cubicBezTo>
+                  <a:pt x="921" y="1304"/>
+                  <a:pt x="610" y="1304"/>
+                  <a:pt x="418" y="1112"/>
+                </a:cubicBezTo>
+                <a:cubicBezTo>
+                  <a:pt x="226" y="920"/>
+                  <a:pt x="226" y="609"/>
+                  <a:pt x="418" y="418"/>
+                </a:cubicBezTo>
+                <a:cubicBezTo>
+                  <a:pt x="610" y="226"/>
+                  <a:pt x="921" y="226"/>
+                  <a:pt x="1113" y="418"/>
+                </a:cubicBezTo>
+                <a:cubicBezTo>
+                  <a:pt x="1258" y="272"/>
+                  <a:pt x="1258" y="272"/>
+                  <a:pt x="1258" y="272"/>
+                </a:cubicBezTo>
+                <a:cubicBezTo>
+                  <a:pt x="986" y="0"/>
+                  <a:pt x="545" y="0"/>
+                  <a:pt x="272" y="272"/>
+                </a:cubicBezTo>
+                <a:cubicBezTo>
+                  <a:pt x="0" y="544"/>
+                  <a:pt x="0" y="986"/>
+                  <a:pt x="272" y="1258"/>
+                </a:cubicBezTo>
+                <a:cubicBezTo>
+                  <a:pt x="545" y="1530"/>
+                  <a:pt x="986" y="1530"/>
+                  <a:pt x="1258" y="1258"/>
+                </a:cubicBezTo>
+                <a:cubicBezTo>
+                  <a:pt x="1258" y="1258"/>
+                  <a:pt x="1258" y="1258"/>
+                  <a:pt x="1258" y="1258"/>
+                </a:cubicBezTo>
+                <a:cubicBezTo>
+                  <a:pt x="1113" y="1112"/>
+                  <a:pt x="1113" y="1112"/>
+                  <a:pt x="1113" y="1112"/>
+                </a:cubicBezTo>
+                <a:close/>
+              </a:path>
+            </a:pathLst>
+          </a:custGeom>
+          <a:solidFill>
+            <a:schemeClr val="accent3"/>
+          </a:solidFill>
+          <a:ln>
+            <a:noFill/>
+          </a:ln>
+        </p:spPr>
+        <p:txBody>
+          <a:bodyPr vert="horz" wrap="square" lIns="91440" tIns="45720" rIns="91440" bIns="45720" numCol="1" anchor="t" anchorCtr="0" compatLnSpc="1">
+            <a:prstTxWarp prst="textNoShape">
+              <a:avLst/>
+            </a:prstTxWarp>
+          </a:bodyPr>
+          <a:lstStyle/>
+          <a:p>
+            <a:endParaRPr lang="en-GB"/>
+          </a:p>
+        </p:txBody>
+      </p:sp>
+      <p:sp>
+        <p:nvSpPr>
+          <p:cNvPr id="14" name="Freeform 9">
+            <a:extLst>
+              <a:ext uri="{FF2B5EF4-FFF2-40B4-BE49-F238E27FC236}">
+                <a16:creationId xmlns="" xmlns:a16="http://schemas.microsoft.com/office/drawing/2014/main" id="{C3A22756-C715-4C00-916F-5C1529273802}"/>
+              </a:ext>
+            </a:extLst>
+          </p:cNvPr>
+          <p:cNvSpPr>
+            <a:spLocks/>
+          </p:cNvSpPr>
+          <p:nvPr/>
+        </p:nvSpPr>
+        <p:spPr bwMode="auto">
+          <a:xfrm rot="5400000">
+            <a:off x="4218502" y="2285074"/>
+            <a:ext cx="1419316" cy="1305107"/>
+          </a:xfrm>
+          <a:custGeom>
+            <a:avLst/>
+            <a:gdLst>
+              <a:gd name="T0" fmla="*/ 1113 w 1258"/>
+              <a:gd name="T1" fmla="*/ 1112 h 1530"/>
+              <a:gd name="T2" fmla="*/ 418 w 1258"/>
+              <a:gd name="T3" fmla="*/ 1112 h 1530"/>
+              <a:gd name="T4" fmla="*/ 418 w 1258"/>
+              <a:gd name="T5" fmla="*/ 418 h 1530"/>
+              <a:gd name="T6" fmla="*/ 1113 w 1258"/>
+              <a:gd name="T7" fmla="*/ 418 h 1530"/>
+              <a:gd name="T8" fmla="*/ 1258 w 1258"/>
+              <a:gd name="T9" fmla="*/ 272 h 1530"/>
+              <a:gd name="T10" fmla="*/ 272 w 1258"/>
+              <a:gd name="T11" fmla="*/ 272 h 1530"/>
+              <a:gd name="T12" fmla="*/ 272 w 1258"/>
+              <a:gd name="T13" fmla="*/ 1258 h 1530"/>
+              <a:gd name="T14" fmla="*/ 1258 w 1258"/>
+              <a:gd name="T15" fmla="*/ 1258 h 1530"/>
+              <a:gd name="T16" fmla="*/ 1258 w 1258"/>
+              <a:gd name="T17" fmla="*/ 1258 h 1530"/>
+              <a:gd name="T18" fmla="*/ 1113 w 1258"/>
+              <a:gd name="T19" fmla="*/ 1112 h 1530"/>
+            </a:gdLst>
+            <a:ahLst/>
+            <a:cxnLst>
+              <a:cxn ang="0">
+                <a:pos x="T0" y="T1"/>
+              </a:cxn>
+              <a:cxn ang="0">
+                <a:pos x="T2" y="T3"/>
+              </a:cxn>
+              <a:cxn ang="0">
+                <a:pos x="T4" y="T5"/>
+              </a:cxn>
+              <a:cxn ang="0">
+                <a:pos x="T6" y="T7"/>
+              </a:cxn>
+              <a:cxn ang="0">
+                <a:pos x="T8" y="T9"/>
+              </a:cxn>
+              <a:cxn ang="0">
+                <a:pos x="T10" y="T11"/>
+              </a:cxn>
+              <a:cxn ang="0">
+                <a:pos x="T12" y="T13"/>
+              </a:cxn>
+              <a:cxn ang="0">
+                <a:pos x="T14" y="T15"/>
+              </a:cxn>
+              <a:cxn ang="0">
+                <a:pos x="T16" y="T17"/>
+              </a:cxn>
+              <a:cxn ang="0">
+                <a:pos x="T18" y="T19"/>
+              </a:cxn>
+            </a:cxnLst>
+            <a:rect l="0" t="0" r="r" b="b"/>
+            <a:pathLst>
+              <a:path w="1258" h="1530">
+                <a:moveTo>
+                  <a:pt x="1113" y="1112"/>
+                </a:moveTo>
+                <a:cubicBezTo>
+                  <a:pt x="921" y="1304"/>
+                  <a:pt x="610" y="1304"/>
+                  <a:pt x="418" y="1112"/>
+                </a:cubicBezTo>
+                <a:cubicBezTo>
+                  <a:pt x="226" y="920"/>
+                  <a:pt x="226" y="609"/>
+                  <a:pt x="418" y="418"/>
+                </a:cubicBezTo>
+                <a:cubicBezTo>
+                  <a:pt x="610" y="226"/>
+                  <a:pt x="921" y="226"/>
+                  <a:pt x="1113" y="418"/>
+                </a:cubicBezTo>
+                <a:cubicBezTo>
+                  <a:pt x="1258" y="272"/>
+                  <a:pt x="1258" y="272"/>
+                  <a:pt x="1258" y="272"/>
+                </a:cubicBezTo>
+                <a:cubicBezTo>
+                  <a:pt x="986" y="0"/>
+                  <a:pt x="545" y="0"/>
+                  <a:pt x="272" y="272"/>
+                </a:cubicBezTo>
+                <a:cubicBezTo>
+                  <a:pt x="0" y="544"/>
+                  <a:pt x="0" y="986"/>
+                  <a:pt x="272" y="1258"/>
+                </a:cubicBezTo>
+                <a:cubicBezTo>
+                  <a:pt x="545" y="1530"/>
+                  <a:pt x="986" y="1530"/>
+                  <a:pt x="1258" y="1258"/>
+                </a:cubicBezTo>
+                <a:cubicBezTo>
+                  <a:pt x="1258" y="1258"/>
+                  <a:pt x="1258" y="1258"/>
+                  <a:pt x="1258" y="1258"/>
+                </a:cubicBezTo>
+                <a:cubicBezTo>
+                  <a:pt x="1113" y="1112"/>
+                  <a:pt x="1113" y="1112"/>
+                  <a:pt x="1113" y="1112"/>
+                </a:cubicBezTo>
+                <a:close/>
+              </a:path>
+            </a:pathLst>
+          </a:custGeom>
+          <a:solidFill>
+            <a:schemeClr val="accent1"/>
+          </a:solidFill>
+          <a:ln>
+            <a:noFill/>
+          </a:ln>
+        </p:spPr>
+        <p:txBody>
+          <a:bodyPr vert="horz" wrap="square" lIns="91440" tIns="45720" rIns="91440" bIns="45720" numCol="1" anchor="t" anchorCtr="0" compatLnSpc="1">
+            <a:prstTxWarp prst="textNoShape">
+              <a:avLst/>
+            </a:prstTxWarp>
+          </a:bodyPr>
+          <a:lstStyle/>
+          <a:p>
+            <a:endParaRPr lang="en-GB"/>
+          </a:p>
+        </p:txBody>
+      </p:sp>
+      <p:sp>
+        <p:nvSpPr>
+          <p:cNvPr id="15" name="Freeform 9">
+            <a:extLst>
+              <a:ext uri="{FF2B5EF4-FFF2-40B4-BE49-F238E27FC236}">
+                <a16:creationId xmlns="" xmlns:a16="http://schemas.microsoft.com/office/drawing/2014/main" id="{A29FB220-28A5-4D27-ADA3-21E1B897EF58}"/>
+              </a:ext>
+            </a:extLst>
+          </p:cNvPr>
+          <p:cNvSpPr>
+            <a:spLocks/>
+          </p:cNvSpPr>
+          <p:nvPr/>
+        </p:nvSpPr>
+        <p:spPr bwMode="auto">
+          <a:xfrm rot="16200000">
+            <a:off x="4933459" y="3539901"/>
+            <a:ext cx="1419316" cy="1305107"/>
+          </a:xfrm>
+          <a:custGeom>
+            <a:avLst/>
+            <a:gdLst>
+              <a:gd name="T0" fmla="*/ 1113 w 1258"/>
+              <a:gd name="T1" fmla="*/ 1112 h 1530"/>
+              <a:gd name="T2" fmla="*/ 418 w 1258"/>
+              <a:gd name="T3" fmla="*/ 1112 h 1530"/>
+              <a:gd name="T4" fmla="*/ 418 w 1258"/>
+              <a:gd name="T5" fmla="*/ 418 h 1530"/>
+              <a:gd name="T6" fmla="*/ 1113 w 1258"/>
+              <a:gd name="T7" fmla="*/ 418 h 1530"/>
+              <a:gd name="T8" fmla="*/ 1258 w 1258"/>
+              <a:gd name="T9" fmla="*/ 272 h 1530"/>
+              <a:gd name="T10" fmla="*/ 272 w 1258"/>
+              <a:gd name="T11" fmla="*/ 272 h 1530"/>
+              <a:gd name="T12" fmla="*/ 272 w 1258"/>
+              <a:gd name="T13" fmla="*/ 1258 h 1530"/>
+              <a:gd name="T14" fmla="*/ 1258 w 1258"/>
+              <a:gd name="T15" fmla="*/ 1258 h 1530"/>
+              <a:gd name="T16" fmla="*/ 1258 w 1258"/>
+              <a:gd name="T17" fmla="*/ 1258 h 1530"/>
+              <a:gd name="T18" fmla="*/ 1113 w 1258"/>
+              <a:gd name="T19" fmla="*/ 1112 h 1530"/>
+            </a:gdLst>
+            <a:ahLst/>
+            <a:cxnLst>
+              <a:cxn ang="0">
+                <a:pos x="T0" y="T1"/>
+              </a:cxn>
+              <a:cxn ang="0">
+                <a:pos x="T2" y="T3"/>
+              </a:cxn>
+              <a:cxn ang="0">
+                <a:pos x="T4" y="T5"/>
+              </a:cxn>
+              <a:cxn ang="0">
+                <a:pos x="T6" y="T7"/>
+              </a:cxn>
+              <a:cxn ang="0">
+                <a:pos x="T8" y="T9"/>
+              </a:cxn>
+              <a:cxn ang="0">
+                <a:pos x="T10" y="T11"/>
+              </a:cxn>
+              <a:cxn ang="0">
+                <a:pos x="T12" y="T13"/>
+              </a:cxn>
+              <a:cxn ang="0">
+                <a:pos x="T14" y="T15"/>
+              </a:cxn>
+              <a:cxn ang="0">
+                <a:pos x="T16" y="T17"/>
+              </a:cxn>
+              <a:cxn ang="0">
+                <a:pos x="T18" y="T19"/>
+              </a:cxn>
+            </a:cxnLst>
+            <a:rect l="0" t="0" r="r" b="b"/>
+            <a:pathLst>
+              <a:path w="1258" h="1530">
+                <a:moveTo>
+                  <a:pt x="1113" y="1112"/>
+                </a:moveTo>
+                <a:cubicBezTo>
+                  <a:pt x="921" y="1304"/>
+                  <a:pt x="610" y="1304"/>
+                  <a:pt x="418" y="1112"/>
+                </a:cubicBezTo>
+                <a:cubicBezTo>
+                  <a:pt x="226" y="920"/>
+                  <a:pt x="226" y="609"/>
+                  <a:pt x="418" y="418"/>
+                </a:cubicBezTo>
+                <a:cubicBezTo>
+                  <a:pt x="610" y="226"/>
+                  <a:pt x="921" y="226"/>
+                  <a:pt x="1113" y="418"/>
+                </a:cubicBezTo>
+                <a:cubicBezTo>
+                  <a:pt x="1258" y="272"/>
+                  <a:pt x="1258" y="272"/>
+                  <a:pt x="1258" y="272"/>
+                </a:cubicBezTo>
+                <a:cubicBezTo>
+                  <a:pt x="986" y="0"/>
+                  <a:pt x="545" y="0"/>
+                  <a:pt x="272" y="272"/>
+                </a:cubicBezTo>
+                <a:cubicBezTo>
+                  <a:pt x="0" y="544"/>
+                  <a:pt x="0" y="986"/>
+                  <a:pt x="272" y="1258"/>
+                </a:cubicBezTo>
+                <a:cubicBezTo>
+                  <a:pt x="545" y="1530"/>
+                  <a:pt x="986" y="1530"/>
+                  <a:pt x="1258" y="1258"/>
+                </a:cubicBezTo>
+                <a:cubicBezTo>
+                  <a:pt x="1258" y="1258"/>
+                  <a:pt x="1258" y="1258"/>
+                  <a:pt x="1258" y="1258"/>
+                </a:cubicBezTo>
+                <a:cubicBezTo>
+                  <a:pt x="1113" y="1112"/>
+                  <a:pt x="1113" y="1112"/>
+                  <a:pt x="1113" y="1112"/>
+                </a:cubicBezTo>
+                <a:close/>
+              </a:path>
+            </a:pathLst>
+          </a:custGeom>
+          <a:solidFill>
+            <a:schemeClr val="accent4"/>
+          </a:solidFill>
+          <a:ln>
+            <a:noFill/>
+          </a:ln>
+        </p:spPr>
+        <p:txBody>
+          <a:bodyPr vert="horz" wrap="square" lIns="91440" tIns="45720" rIns="91440" bIns="45720" numCol="1" anchor="t" anchorCtr="0" compatLnSpc="1">
+            <a:prstTxWarp prst="textNoShape">
+              <a:avLst/>
+            </a:prstTxWarp>
+          </a:bodyPr>
+          <a:lstStyle/>
+          <a:p>
+            <a:endParaRPr lang="en-GB"/>
+          </a:p>
+        </p:txBody>
+      </p:sp>
+      <p:sp>
+        <p:nvSpPr>
+          <p:cNvPr id="16" name="Freeform 9">
+            <a:extLst>
+              <a:ext uri="{FF2B5EF4-FFF2-40B4-BE49-F238E27FC236}">
+                <a16:creationId xmlns="" xmlns:a16="http://schemas.microsoft.com/office/drawing/2014/main" id="{BC83BD00-A1EF-4D37-AAC7-5990B201595C}"/>
+              </a:ext>
+            </a:extLst>
+          </p:cNvPr>
+          <p:cNvSpPr>
+            <a:spLocks/>
+          </p:cNvSpPr>
+          <p:nvPr/>
+        </p:nvSpPr>
+        <p:spPr bwMode="auto">
+          <a:xfrm rot="5400000">
+            <a:off x="5650993" y="2285074"/>
+            <a:ext cx="1419316" cy="1305107"/>
+          </a:xfrm>
+          <a:custGeom>
+            <a:avLst/>
+            <a:gdLst>
+              <a:gd name="T0" fmla="*/ 1113 w 1258"/>
+              <a:gd name="T1" fmla="*/ 1112 h 1530"/>
+              <a:gd name="T2" fmla="*/ 418 w 1258"/>
+              <a:gd name="T3" fmla="*/ 1112 h 1530"/>
+              <a:gd name="T4" fmla="*/ 418 w 1258"/>
+              <a:gd name="T5" fmla="*/ 418 h 1530"/>
+              <a:gd name="T6" fmla="*/ 1113 w 1258"/>
+              <a:gd name="T7" fmla="*/ 418 h 1530"/>
+              <a:gd name="T8" fmla="*/ 1258 w 1258"/>
+              <a:gd name="T9" fmla="*/ 272 h 1530"/>
+              <a:gd name="T10" fmla="*/ 272 w 1258"/>
+              <a:gd name="T11" fmla="*/ 272 h 1530"/>
+              <a:gd name="T12" fmla="*/ 272 w 1258"/>
+              <a:gd name="T13" fmla="*/ 1258 h 1530"/>
+              <a:gd name="T14" fmla="*/ 1258 w 1258"/>
+              <a:gd name="T15" fmla="*/ 1258 h 1530"/>
+              <a:gd name="T16" fmla="*/ 1258 w 1258"/>
+              <a:gd name="T17" fmla="*/ 1258 h 1530"/>
+              <a:gd name="T18" fmla="*/ 1113 w 1258"/>
+              <a:gd name="T19" fmla="*/ 1112 h 1530"/>
+            </a:gdLst>
+            <a:ahLst/>
+            <a:cxnLst>
+              <a:cxn ang="0">
+                <a:pos x="T0" y="T1"/>
+              </a:cxn>
+              <a:cxn ang="0">
+                <a:pos x="T2" y="T3"/>
+              </a:cxn>
+              <a:cxn ang="0">
+                <a:pos x="T4" y="T5"/>
+              </a:cxn>
+              <a:cxn ang="0">
+                <a:pos x="T6" y="T7"/>
+              </a:cxn>
+              <a:cxn ang="0">
+                <a:pos x="T8" y="T9"/>
+              </a:cxn>
+              <a:cxn ang="0">
+                <a:pos x="T10" y="T11"/>
+              </a:cxn>
+              <a:cxn ang="0">
+                <a:pos x="T12" y="T13"/>
+              </a:cxn>
+              <a:cxn ang="0">
+                <a:pos x="T14" y="T15"/>
+              </a:cxn>
+              <a:cxn ang="0">
+                <a:pos x="T16" y="T17"/>
+              </a:cxn>
+              <a:cxn ang="0">
+                <a:pos x="T18" y="T19"/>
+              </a:cxn>
+            </a:cxnLst>
+            <a:rect l="0" t="0" r="r" b="b"/>
+            <a:pathLst>
+              <a:path w="1258" h="1530">
+                <a:moveTo>
+                  <a:pt x="1113" y="1112"/>
+                </a:moveTo>
+                <a:cubicBezTo>
+                  <a:pt x="921" y="1304"/>
+                  <a:pt x="610" y="1304"/>
+                  <a:pt x="418" y="1112"/>
+                </a:cubicBezTo>
+                <a:cubicBezTo>
+                  <a:pt x="226" y="920"/>
+                  <a:pt x="226" y="609"/>
+                  <a:pt x="418" y="418"/>
+                </a:cubicBezTo>
+                <a:cubicBezTo>
+                  <a:pt x="610" y="226"/>
+                  <a:pt x="921" y="226"/>
+                  <a:pt x="1113" y="418"/>
+                </a:cubicBezTo>
+                <a:cubicBezTo>
+                  <a:pt x="1258" y="272"/>
+                  <a:pt x="1258" y="272"/>
+                  <a:pt x="1258" y="272"/>
+                </a:cubicBezTo>
+                <a:cubicBezTo>
+                  <a:pt x="986" y="0"/>
+                  <a:pt x="545" y="0"/>
+                  <a:pt x="272" y="272"/>
+                </a:cubicBezTo>
+                <a:cubicBezTo>
+                  <a:pt x="0" y="544"/>
+                  <a:pt x="0" y="986"/>
+                  <a:pt x="272" y="1258"/>
+                </a:cubicBezTo>
+                <a:cubicBezTo>
+                  <a:pt x="545" y="1530"/>
+                  <a:pt x="986" y="1530"/>
+                  <a:pt x="1258" y="1258"/>
+                </a:cubicBezTo>
+                <a:cubicBezTo>
+                  <a:pt x="1258" y="1258"/>
+                  <a:pt x="1258" y="1258"/>
+                  <a:pt x="1258" y="1258"/>
+                </a:cubicBezTo>
+                <a:cubicBezTo>
+                  <a:pt x="1113" y="1112"/>
+                  <a:pt x="1113" y="1112"/>
+                  <a:pt x="1113" y="1112"/>
+                </a:cubicBezTo>
+                <a:close/>
+              </a:path>
+            </a:pathLst>
+          </a:custGeom>
+          <a:solidFill>
+            <a:schemeClr val="accent2"/>
+          </a:solidFill>
+          <a:ln>
+            <a:noFill/>
+          </a:ln>
+        </p:spPr>
+        <p:txBody>
+          <a:bodyPr vert="horz" wrap="square" lIns="91440" tIns="45720" rIns="91440" bIns="45720" numCol="1" anchor="t" anchorCtr="0" compatLnSpc="1">
+            <a:prstTxWarp prst="textNoShape">
+              <a:avLst/>
+            </a:prstTxWarp>
+          </a:bodyPr>
+          <a:lstStyle/>
+          <a:p>
+            <a:endParaRPr lang="en-GB"/>
+          </a:p>
+        </p:txBody>
+      </p:sp>
+      <p:sp>
+        <p:nvSpPr>
+          <p:cNvPr id="17" name="Oval 16">
+            <a:extLst>
+              <a:ext uri="{FF2B5EF4-FFF2-40B4-BE49-F238E27FC236}">
+                <a16:creationId xmlns="" xmlns:a16="http://schemas.microsoft.com/office/drawing/2014/main" id="{B234739F-137F-4F62-9B52-DCFB13D83C1C}"/>
+              </a:ext>
+            </a:extLst>
+          </p:cNvPr>
+          <p:cNvSpPr/>
+          <p:nvPr/>
+        </p:nvSpPr>
+        <p:spPr>
+          <a:xfrm>
+            <a:off x="3199349" y="2705441"/>
+            <a:ext cx="586839" cy="782452"/>
+          </a:xfrm>
+          <a:prstGeom prst="ellipse">
+            <a:avLst/>
+          </a:prstGeom>
+          <a:solidFill>
+            <a:schemeClr val="accent4">
+              <a:lumMod val="75000"/>
+            </a:schemeClr>
+          </a:solidFill>
+          <a:ln>
+            <a:noFill/>
+          </a:ln>
+        </p:spPr>
+        <p:style>
+          <a:lnRef idx="2">
+            <a:schemeClr val="accent1">
+              <a:shade val="50000"/>
+            </a:schemeClr>
+          </a:lnRef>
+          <a:fillRef idx="1">
+            <a:schemeClr val="accent1"/>
+          </a:fillRef>
+          <a:effectRef idx="0">
+            <a:schemeClr val="accent1"/>
+          </a:effectRef>
+          <a:fontRef idx="minor">
+            <a:schemeClr val="lt1"/>
+          </a:fontRef>
+        </p:style>
+        <p:txBody>
+          <a:bodyPr rtlCol="0" anchor="ctr"/>
+          <a:lstStyle/>
+          <a:p>
+            <a:pPr algn="ctr"/>
+            <a:r>
+              <a:rPr lang="en-GB" sz="3000" b="1" dirty="0">
+                <a:latin typeface="Noto Sans" panose="020B0502040504020204" pitchFamily="34"/>
+                <a:ea typeface="Noto Sans" panose="020B0502040504020204" pitchFamily="34"/>
+                <a:cs typeface="Noto Sans" panose="020B0502040504020204" pitchFamily="34"/>
+              </a:rPr>
+              <a:t>3</a:t>
+            </a:r>
+          </a:p>
+        </p:txBody>
+      </p:sp>
+      <p:sp>
+        <p:nvSpPr>
+          <p:cNvPr id="18" name="Oval 17">
+            <a:extLst>
+              <a:ext uri="{FF2B5EF4-FFF2-40B4-BE49-F238E27FC236}">
+                <a16:creationId xmlns="" xmlns:a16="http://schemas.microsoft.com/office/drawing/2014/main" id="{5636EE2E-9B2C-48F7-83F4-AB4F1F6244B3}"/>
+              </a:ext>
+            </a:extLst>
+          </p:cNvPr>
+          <p:cNvSpPr/>
+          <p:nvPr/>
+        </p:nvSpPr>
+        <p:spPr>
+          <a:xfrm>
+            <a:off x="1770599" y="2705441"/>
+            <a:ext cx="586839" cy="782452"/>
+          </a:xfrm>
+          <a:prstGeom prst="ellipse">
+            <a:avLst/>
+          </a:prstGeom>
+          <a:solidFill>
+            <a:schemeClr val="accent2">
+              <a:lumMod val="75000"/>
+            </a:schemeClr>
+          </a:solidFill>
+          <a:ln>
+            <a:noFill/>
+          </a:ln>
+        </p:spPr>
+        <p:style>
+          <a:lnRef idx="2">
+            <a:schemeClr val="accent1">
+              <a:shade val="50000"/>
+            </a:schemeClr>
+          </a:lnRef>
+          <a:fillRef idx="1">
+            <a:schemeClr val="accent1"/>
+          </a:fillRef>
+          <a:effectRef idx="0">
+            <a:schemeClr val="accent1"/>
+          </a:effectRef>
+          <a:fontRef idx="minor">
+            <a:schemeClr val="lt1"/>
+          </a:fontRef>
+        </p:style>
+        <p:txBody>
+          <a:bodyPr rtlCol="0" anchor="ctr"/>
+          <a:lstStyle/>
+          <a:p>
+            <a:pPr algn="ctr"/>
+            <a:r>
+              <a:rPr lang="en-GB" sz="3000" b="1" dirty="0">
+                <a:latin typeface="Noto Sans" panose="020B0502040504020204" pitchFamily="34"/>
+                <a:ea typeface="Noto Sans" panose="020B0502040504020204" pitchFamily="34"/>
+                <a:cs typeface="Noto Sans" panose="020B0502040504020204" pitchFamily="34"/>
+              </a:rPr>
+              <a:t>1</a:t>
+            </a:r>
+          </a:p>
+        </p:txBody>
+      </p:sp>
+      <p:sp>
+        <p:nvSpPr>
+          <p:cNvPr id="19" name="Oval 18">
+            <a:extLst>
+              <a:ext uri="{FF2B5EF4-FFF2-40B4-BE49-F238E27FC236}">
+                <a16:creationId xmlns="" xmlns:a16="http://schemas.microsoft.com/office/drawing/2014/main" id="{D104A93C-8179-48EB-AABC-80CB03EBE7B2}"/>
+              </a:ext>
+            </a:extLst>
+          </p:cNvPr>
+          <p:cNvSpPr/>
+          <p:nvPr/>
+        </p:nvSpPr>
+        <p:spPr>
+          <a:xfrm>
+            <a:off x="6056849" y="2705441"/>
+            <a:ext cx="586839" cy="782452"/>
+          </a:xfrm>
+          <a:prstGeom prst="ellipse">
+            <a:avLst/>
+          </a:prstGeom>
+          <a:solidFill>
+            <a:schemeClr val="accent2">
+              <a:lumMod val="75000"/>
+            </a:schemeClr>
+          </a:solidFill>
+          <a:ln>
+            <a:noFill/>
+          </a:ln>
+        </p:spPr>
+        <p:style>
+          <a:lnRef idx="2">
+            <a:schemeClr val="accent1">
+              <a:shade val="50000"/>
+            </a:schemeClr>
+          </a:lnRef>
+          <a:fillRef idx="1">
+            <a:schemeClr val="accent1"/>
+          </a:fillRef>
+          <a:effectRef idx="0">
+            <a:schemeClr val="accent1"/>
+          </a:effectRef>
+          <a:fontRef idx="minor">
+            <a:schemeClr val="lt1"/>
+          </a:fontRef>
+        </p:style>
+        <p:txBody>
+          <a:bodyPr rtlCol="0" anchor="ctr"/>
+          <a:lstStyle/>
+          <a:p>
+            <a:pPr algn="ctr"/>
+            <a:r>
+              <a:rPr lang="en-GB" sz="3000" b="1" dirty="0">
+                <a:latin typeface="Noto Sans" panose="020B0502040504020204" pitchFamily="34"/>
+                <a:ea typeface="Noto Sans" panose="020B0502040504020204" pitchFamily="34"/>
+                <a:cs typeface="Noto Sans" panose="020B0502040504020204" pitchFamily="34"/>
+              </a:rPr>
+              <a:t>7</a:t>
+            </a:r>
+          </a:p>
+        </p:txBody>
+      </p:sp>
+      <p:sp>
+        <p:nvSpPr>
+          <p:cNvPr id="20" name="Oval 19">
+            <a:extLst>
+              <a:ext uri="{FF2B5EF4-FFF2-40B4-BE49-F238E27FC236}">
+                <a16:creationId xmlns="" xmlns:a16="http://schemas.microsoft.com/office/drawing/2014/main" id="{A9A48D46-CBA8-4B56-91FF-07438AF0E3FF}"/>
+              </a:ext>
+            </a:extLst>
+          </p:cNvPr>
+          <p:cNvSpPr/>
+          <p:nvPr/>
+        </p:nvSpPr>
+        <p:spPr>
+          <a:xfrm>
+            <a:off x="4628099" y="2705441"/>
+            <a:ext cx="586839" cy="782452"/>
+          </a:xfrm>
+          <a:prstGeom prst="ellipse">
+            <a:avLst/>
+          </a:prstGeom>
+          <a:solidFill>
+            <a:schemeClr val="accent1">
+              <a:lumMod val="75000"/>
+            </a:schemeClr>
+          </a:solidFill>
+          <a:ln>
+            <a:noFill/>
+          </a:ln>
+        </p:spPr>
+        <p:style>
+          <a:lnRef idx="2">
+            <a:schemeClr val="accent1">
+              <a:shade val="50000"/>
+            </a:schemeClr>
+          </a:lnRef>
+          <a:fillRef idx="1">
+            <a:schemeClr val="accent1"/>
+          </a:fillRef>
+          <a:effectRef idx="0">
+            <a:schemeClr val="accent1"/>
+          </a:effectRef>
+          <a:fontRef idx="minor">
+            <a:schemeClr val="lt1"/>
+          </a:fontRef>
+        </p:style>
+        <p:txBody>
+          <a:bodyPr rtlCol="0" anchor="ctr"/>
+          <a:lstStyle/>
+          <a:p>
+            <a:pPr algn="ctr"/>
+            <a:r>
+              <a:rPr lang="en-GB" sz="3000" b="1" dirty="0">
+                <a:latin typeface="Noto Sans" panose="020B0502040504020204" pitchFamily="34"/>
+                <a:ea typeface="Noto Sans" panose="020B0502040504020204" pitchFamily="34"/>
+                <a:cs typeface="Noto Sans" panose="020B0502040504020204" pitchFamily="34"/>
+              </a:rPr>
+              <a:t>5</a:t>
+            </a:r>
+          </a:p>
+        </p:txBody>
+      </p:sp>
+      <p:sp>
+        <p:nvSpPr>
+          <p:cNvPr id="21" name="Oval 20">
+            <a:extLst>
+              <a:ext uri="{FF2B5EF4-FFF2-40B4-BE49-F238E27FC236}">
+                <a16:creationId xmlns="" xmlns:a16="http://schemas.microsoft.com/office/drawing/2014/main" id="{811A07DF-A3C0-42E0-90E8-C6F5026DD306}"/>
+              </a:ext>
+            </a:extLst>
+          </p:cNvPr>
+          <p:cNvSpPr/>
+          <p:nvPr/>
+        </p:nvSpPr>
+        <p:spPr>
+          <a:xfrm>
+            <a:off x="2484974" y="3657941"/>
+            <a:ext cx="586839" cy="782452"/>
+          </a:xfrm>
+          <a:prstGeom prst="ellipse">
+            <a:avLst/>
+          </a:prstGeom>
+          <a:solidFill>
+            <a:schemeClr val="accent5">
+              <a:lumMod val="75000"/>
+            </a:schemeClr>
+          </a:solidFill>
+          <a:ln>
+            <a:noFill/>
+          </a:ln>
+        </p:spPr>
+        <p:style>
+          <a:lnRef idx="2">
+            <a:schemeClr val="accent1">
+              <a:shade val="50000"/>
+            </a:schemeClr>
+          </a:lnRef>
+          <a:fillRef idx="1">
+            <a:schemeClr val="accent1"/>
+          </a:fillRef>
+          <a:effectRef idx="0">
+            <a:schemeClr val="accent1"/>
+          </a:effectRef>
+          <a:fontRef idx="minor">
+            <a:schemeClr val="lt1"/>
+          </a:fontRef>
+        </p:style>
+        <p:txBody>
+          <a:bodyPr rtlCol="0" anchor="ctr"/>
+          <a:lstStyle/>
+          <a:p>
+            <a:pPr algn="ctr"/>
+            <a:r>
+              <a:rPr lang="en-GB" sz="3000" b="1" dirty="0">
+                <a:latin typeface="Noto Sans" panose="020B0502040504020204" pitchFamily="34"/>
+                <a:ea typeface="Noto Sans" panose="020B0502040504020204" pitchFamily="34"/>
+                <a:cs typeface="Noto Sans" panose="020B0502040504020204" pitchFamily="34"/>
+              </a:rPr>
+              <a:t>2</a:t>
+            </a:r>
+          </a:p>
+        </p:txBody>
+      </p:sp>
+      <p:sp>
+        <p:nvSpPr>
+          <p:cNvPr id="22" name="Oval 21">
+            <a:extLst>
+              <a:ext uri="{FF2B5EF4-FFF2-40B4-BE49-F238E27FC236}">
+                <a16:creationId xmlns="" xmlns:a16="http://schemas.microsoft.com/office/drawing/2014/main" id="{0B0341B7-8D48-478C-B9E3-628E56FFD7F9}"/>
+              </a:ext>
+            </a:extLst>
+          </p:cNvPr>
+          <p:cNvSpPr/>
+          <p:nvPr/>
+        </p:nvSpPr>
+        <p:spPr>
+          <a:xfrm>
+            <a:off x="3932774" y="3657941"/>
+            <a:ext cx="586839" cy="782452"/>
+          </a:xfrm>
+          <a:prstGeom prst="ellipse">
+            <a:avLst/>
+          </a:prstGeom>
+          <a:solidFill>
+            <a:schemeClr val="accent3">
+              <a:lumMod val="50000"/>
+            </a:schemeClr>
+          </a:solidFill>
+          <a:ln>
+            <a:noFill/>
+          </a:ln>
+        </p:spPr>
+        <p:style>
+          <a:lnRef idx="2">
+            <a:schemeClr val="accent1">
+              <a:shade val="50000"/>
+            </a:schemeClr>
+          </a:lnRef>
+          <a:fillRef idx="1">
+            <a:schemeClr val="accent1"/>
+          </a:fillRef>
+          <a:effectRef idx="0">
+            <a:schemeClr val="accent1"/>
+          </a:effectRef>
+          <a:fontRef idx="minor">
+            <a:schemeClr val="lt1"/>
+          </a:fontRef>
+        </p:style>
+        <p:txBody>
+          <a:bodyPr rtlCol="0" anchor="ctr"/>
+          <a:lstStyle/>
+          <a:p>
+            <a:pPr algn="ctr"/>
+            <a:r>
+              <a:rPr lang="en-GB" sz="3000" b="1" dirty="0">
+                <a:latin typeface="Noto Sans" panose="020B0502040504020204" pitchFamily="34"/>
+                <a:ea typeface="Noto Sans" panose="020B0502040504020204" pitchFamily="34"/>
+                <a:cs typeface="Noto Sans" panose="020B0502040504020204" pitchFamily="34"/>
+              </a:rPr>
+              <a:t>4</a:t>
+            </a:r>
+          </a:p>
+        </p:txBody>
+      </p:sp>
+      <p:sp>
+        <p:nvSpPr>
+          <p:cNvPr id="23" name="Oval 22">
+            <a:extLst>
+              <a:ext uri="{FF2B5EF4-FFF2-40B4-BE49-F238E27FC236}">
+                <a16:creationId xmlns="" xmlns:a16="http://schemas.microsoft.com/office/drawing/2014/main" id="{DE87EE82-E6FC-4E13-8748-4212CE5C8594}"/>
+              </a:ext>
+            </a:extLst>
+          </p:cNvPr>
+          <p:cNvSpPr/>
+          <p:nvPr/>
+        </p:nvSpPr>
+        <p:spPr>
+          <a:xfrm>
+            <a:off x="5332949" y="3657941"/>
+            <a:ext cx="586839" cy="782452"/>
+          </a:xfrm>
+          <a:prstGeom prst="ellipse">
+            <a:avLst/>
+          </a:prstGeom>
+          <a:solidFill>
+            <a:schemeClr val="accent4">
+              <a:lumMod val="75000"/>
+            </a:schemeClr>
+          </a:solidFill>
+          <a:ln>
+            <a:noFill/>
+          </a:ln>
+        </p:spPr>
+        <p:style>
+          <a:lnRef idx="2">
+            <a:schemeClr val="accent1">
+              <a:shade val="50000"/>
+            </a:schemeClr>
+          </a:lnRef>
+          <a:fillRef idx="1">
+            <a:schemeClr val="accent1"/>
+          </a:fillRef>
+          <a:effectRef idx="0">
+            <a:schemeClr val="accent1"/>
+          </a:effectRef>
+          <a:fontRef idx="minor">
+            <a:schemeClr val="lt1"/>
+          </a:fontRef>
+        </p:style>
+        <p:txBody>
+          <a:bodyPr rtlCol="0" anchor="ctr"/>
+          <a:lstStyle/>
+          <a:p>
+            <a:pPr algn="ctr"/>
+            <a:r>
+              <a:rPr lang="en-GB" sz="3000" b="1" dirty="0">
+                <a:latin typeface="Noto Sans" panose="020B0502040504020204" pitchFamily="34"/>
+                <a:ea typeface="Noto Sans" panose="020B0502040504020204" pitchFamily="34"/>
+                <a:cs typeface="Noto Sans" panose="020B0502040504020204" pitchFamily="34"/>
+              </a:rPr>
+              <a:t>6</a:t>
+            </a:r>
+          </a:p>
+        </p:txBody>
+      </p:sp>
+      <p:sp>
+        <p:nvSpPr>
+          <p:cNvPr id="24" name="Oval 23">
+            <a:extLst>
+              <a:ext uri="{FF2B5EF4-FFF2-40B4-BE49-F238E27FC236}">
+                <a16:creationId xmlns="" xmlns:a16="http://schemas.microsoft.com/office/drawing/2014/main" id="{00A0E844-2ADE-4280-A67B-DEFE37A04949}"/>
+              </a:ext>
+            </a:extLst>
+          </p:cNvPr>
+          <p:cNvSpPr/>
+          <p:nvPr/>
+        </p:nvSpPr>
+        <p:spPr>
+          <a:xfrm>
+            <a:off x="6780749" y="3657941"/>
+            <a:ext cx="586839" cy="782452"/>
+          </a:xfrm>
+          <a:prstGeom prst="ellipse">
+            <a:avLst/>
+          </a:prstGeom>
+          <a:solidFill>
+            <a:schemeClr val="accent6">
+              <a:lumMod val="75000"/>
+            </a:schemeClr>
+          </a:solidFill>
+          <a:ln>
+            <a:noFill/>
+          </a:ln>
+        </p:spPr>
+        <p:style>
+          <a:lnRef idx="2">
+            <a:schemeClr val="accent1">
+              <a:shade val="50000"/>
+            </a:schemeClr>
+          </a:lnRef>
+          <a:fillRef idx="1">
+            <a:schemeClr val="accent1"/>
+          </a:fillRef>
+          <a:effectRef idx="0">
+            <a:schemeClr val="accent1"/>
+          </a:effectRef>
+          <a:fontRef idx="minor">
+            <a:schemeClr val="lt1"/>
+          </a:fontRef>
+        </p:style>
+        <p:txBody>
+          <a:bodyPr rtlCol="0" anchor="ctr"/>
+          <a:lstStyle/>
+          <a:p>
+            <a:pPr algn="ctr"/>
+            <a:r>
+              <a:rPr lang="en-GB" sz="3000" b="1" dirty="0">
+                <a:latin typeface="Noto Sans" panose="020B0502040504020204" pitchFamily="34"/>
+                <a:ea typeface="Noto Sans" panose="020B0502040504020204" pitchFamily="34"/>
+                <a:cs typeface="Noto Sans" panose="020B0502040504020204" pitchFamily="34"/>
+              </a:rPr>
+              <a:t>8</a:t>
+            </a:r>
+          </a:p>
+        </p:txBody>
+      </p:sp>
+      <p:sp>
+        <p:nvSpPr>
+          <p:cNvPr id="25" name="TextBox 24">
+            <a:extLst>
+              <a:ext uri="{FF2B5EF4-FFF2-40B4-BE49-F238E27FC236}">
+                <a16:creationId xmlns="" xmlns:a16="http://schemas.microsoft.com/office/drawing/2014/main" id="{C6498E4F-91B4-4D6C-8874-BADEA5D6EF9C}"/>
+              </a:ext>
+            </a:extLst>
+          </p:cNvPr>
+          <p:cNvSpPr txBox="1"/>
+          <p:nvPr/>
+        </p:nvSpPr>
+        <p:spPr>
+          <a:xfrm>
+            <a:off x="304800" y="6035819"/>
+            <a:ext cx="1060049" cy="400110"/>
+          </a:xfrm>
+          <a:prstGeom prst="rect">
+            <a:avLst/>
+          </a:prstGeom>
+          <a:noFill/>
+        </p:spPr>
+        <p:txBody>
+          <a:bodyPr wrap="square" rtlCol="0">
+            <a:spAutoFit/>
+          </a:bodyPr>
+          <a:lstStyle/>
+          <a:p>
+            <a:pPr marL="0" marR="0" lvl="0" indent="0" algn="ctr" defTabSz="914400" rtl="0" eaLnBrk="1" fontAlgn="auto" latinLnBrk="0" hangingPunct="1">
+              <a:lnSpc>
+                <a:spcPct val="100000"/>
+              </a:lnSpc>
+              <a:spcBef>
+                <a:spcPts val="0"/>
+              </a:spcBef>
+              <a:spcAft>
+                <a:spcPts val="0"/>
+              </a:spcAft>
+              <a:buClrTx/>
+              <a:buSzTx/>
+              <a:buFontTx/>
+              <a:buNone/>
+              <a:tabLst/>
+              <a:defRPr/>
+            </a:pPr>
+            <a:r>
+              <a:rPr kumimoji="0" lang="en-GB" sz="2000" b="0" i="0" u="none" strike="noStrike" kern="1200" cap="none" spc="0" normalizeH="0" baseline="0" noProof="0" dirty="0">
+                <a:ln>
+                  <a:noFill/>
+                </a:ln>
+                <a:solidFill>
+                  <a:srgbClr val="C00000"/>
+                </a:solidFill>
+                <a:effectLst/>
+                <a:uLnTx/>
+                <a:uFillTx/>
+                <a:latin typeface="Noto Sans" panose="020B0502040504020204" pitchFamily="34"/>
+                <a:ea typeface="Noto Sans" panose="020B0502040504020204" pitchFamily="34"/>
+                <a:cs typeface="Noto Sans" panose="020B0502040504020204" pitchFamily="34"/>
+              </a:rPr>
+              <a:t>START</a:t>
+            </a:r>
+          </a:p>
+        </p:txBody>
+      </p:sp>
+      <p:sp>
+        <p:nvSpPr>
+          <p:cNvPr id="26" name="TextBox 25">
+            <a:extLst>
+              <a:ext uri="{FF2B5EF4-FFF2-40B4-BE49-F238E27FC236}">
+                <a16:creationId xmlns="" xmlns:a16="http://schemas.microsoft.com/office/drawing/2014/main" id="{9733E881-F96F-4ED4-B46F-556D8861301E}"/>
+              </a:ext>
+            </a:extLst>
+          </p:cNvPr>
+          <p:cNvSpPr txBox="1"/>
+          <p:nvPr/>
+        </p:nvSpPr>
+        <p:spPr>
+          <a:xfrm>
+            <a:off x="7792272" y="701819"/>
+            <a:ext cx="1046928" cy="400110"/>
+          </a:xfrm>
+          <a:prstGeom prst="rect">
+            <a:avLst/>
+          </a:prstGeom>
+          <a:noFill/>
+        </p:spPr>
+        <p:txBody>
+          <a:bodyPr wrap="square" rtlCol="0">
+            <a:spAutoFit/>
+          </a:bodyPr>
+          <a:lstStyle/>
+          <a:p>
+            <a:pPr lvl="0" algn="ctr">
+              <a:defRPr/>
+            </a:pPr>
+            <a:r>
+              <a:rPr lang="en-GB" sz="2000" dirty="0">
+                <a:solidFill>
+                  <a:srgbClr val="FFC000"/>
+                </a:solidFill>
+                <a:latin typeface="Noto Sans" panose="020B0502040504020204" pitchFamily="34"/>
+                <a:ea typeface="Noto Sans" panose="020B0502040504020204" pitchFamily="34"/>
+                <a:cs typeface="Noto Sans" panose="020B0502040504020204" pitchFamily="34"/>
+              </a:rPr>
+              <a:t>FINISH</a:t>
+            </a:r>
+            <a:endParaRPr kumimoji="0" lang="en-GB" sz="2000" b="0" i="0" u="none" strike="noStrike" kern="1200" cap="none" spc="0" normalizeH="0" baseline="0" noProof="0" dirty="0">
+              <a:ln>
+                <a:noFill/>
+              </a:ln>
+              <a:solidFill>
+                <a:srgbClr val="FFC000"/>
+              </a:solidFill>
+              <a:effectLst/>
+              <a:uLnTx/>
+              <a:uFillTx/>
+              <a:latin typeface="Noto Sans" panose="020B0502040504020204" pitchFamily="34"/>
+              <a:ea typeface="Noto Sans" panose="020B0502040504020204" pitchFamily="34"/>
+              <a:cs typeface="Noto Sans" panose="020B0502040504020204" pitchFamily="34"/>
+            </a:endParaRPr>
+          </a:p>
+        </p:txBody>
+      </p:sp>
+      <p:sp>
+        <p:nvSpPr>
+          <p:cNvPr id="27" name="TextBox 26">
+            <a:extLst>
+              <a:ext uri="{FF2B5EF4-FFF2-40B4-BE49-F238E27FC236}">
+                <a16:creationId xmlns="" xmlns:a16="http://schemas.microsoft.com/office/drawing/2014/main" id="{D15115CF-F0E3-449F-88AB-FE290723C434}"/>
+              </a:ext>
+            </a:extLst>
+          </p:cNvPr>
+          <p:cNvSpPr txBox="1"/>
+          <p:nvPr/>
+        </p:nvSpPr>
+        <p:spPr>
+          <a:xfrm>
+            <a:off x="1295400" y="1752600"/>
+            <a:ext cx="1219200" cy="553998"/>
+          </a:xfrm>
+          <a:prstGeom prst="rect">
+            <a:avLst/>
+          </a:prstGeom>
+          <a:noFill/>
+        </p:spPr>
+        <p:txBody>
+          <a:bodyPr wrap="square" rtlCol="0">
+            <a:spAutoFit/>
+          </a:bodyPr>
+          <a:lstStyle/>
+          <a:p>
+            <a:pPr marL="0" marR="0" lvl="0" indent="0" algn="ctr" defTabSz="914400" rtl="0" eaLnBrk="1" fontAlgn="auto" latinLnBrk="0" hangingPunct="1">
+              <a:lnSpc>
+                <a:spcPct val="100000"/>
+              </a:lnSpc>
+              <a:spcBef>
+                <a:spcPts val="0"/>
+              </a:spcBef>
+              <a:spcAft>
+                <a:spcPts val="0"/>
+              </a:spcAft>
+              <a:buClrTx/>
+              <a:buSzTx/>
+              <a:buFontTx/>
+              <a:buNone/>
+              <a:tabLst/>
+              <a:defRPr/>
+            </a:pPr>
+            <a:r>
+              <a:rPr kumimoji="0" lang="en-GB" sz="1500" b="0" i="0" u="none" strike="noStrike" kern="1200" cap="none" spc="0" normalizeH="0" baseline="0" noProof="0" dirty="0" smtClean="0">
+                <a:ln>
+                  <a:noFill/>
+                </a:ln>
+                <a:solidFill>
+                  <a:schemeClr val="bg1"/>
+                </a:solidFill>
+                <a:effectLst/>
+                <a:uLnTx/>
+                <a:uFillTx/>
+                <a:latin typeface="Noto Sans" panose="020B0502040504020204" pitchFamily="34"/>
+                <a:ea typeface="Noto Sans" panose="020B0502040504020204" pitchFamily="34"/>
+                <a:cs typeface="Noto Sans" panose="020B0502040504020204" pitchFamily="34"/>
+              </a:rPr>
+              <a:t>Introduction</a:t>
+            </a:r>
+            <a:r>
+              <a:rPr kumimoji="0" lang="en-GB" sz="1500" b="0" i="0" u="none" strike="noStrike" kern="1200" cap="none" spc="0" normalizeH="0" noProof="0" dirty="0" smtClean="0">
+                <a:ln>
+                  <a:noFill/>
+                </a:ln>
+                <a:solidFill>
+                  <a:schemeClr val="bg1"/>
+                </a:solidFill>
+                <a:effectLst/>
+                <a:uLnTx/>
+                <a:uFillTx/>
+                <a:latin typeface="Noto Sans" panose="020B0502040504020204" pitchFamily="34"/>
+                <a:ea typeface="Noto Sans" panose="020B0502040504020204" pitchFamily="34"/>
+                <a:cs typeface="Noto Sans" panose="020B0502040504020204" pitchFamily="34"/>
+              </a:rPr>
+              <a:t> to AI/ML/DS</a:t>
+            </a:r>
+            <a:endParaRPr kumimoji="0" lang="en-GB" sz="1500" b="0" i="0" u="none" strike="noStrike" kern="1200" cap="none" spc="0" normalizeH="0" baseline="0" noProof="0" dirty="0">
+              <a:ln>
+                <a:noFill/>
+              </a:ln>
+              <a:solidFill>
+                <a:schemeClr val="bg1"/>
+              </a:solidFill>
+              <a:effectLst/>
+              <a:uLnTx/>
+              <a:uFillTx/>
+              <a:latin typeface="Noto Sans" panose="020B0502040504020204" pitchFamily="34"/>
+              <a:ea typeface="Noto Sans" panose="020B0502040504020204" pitchFamily="34"/>
+              <a:cs typeface="Noto Sans" panose="020B0502040504020204" pitchFamily="34"/>
+            </a:endParaRPr>
+          </a:p>
+        </p:txBody>
+      </p:sp>
+      <p:sp>
+        <p:nvSpPr>
+          <p:cNvPr id="28" name="TextBox 27">
+            <a:extLst>
+              <a:ext uri="{FF2B5EF4-FFF2-40B4-BE49-F238E27FC236}">
+                <a16:creationId xmlns="" xmlns:a16="http://schemas.microsoft.com/office/drawing/2014/main" id="{E5E54607-3BEC-458E-B4FE-7DB065A67E2C}"/>
+              </a:ext>
+            </a:extLst>
+          </p:cNvPr>
+          <p:cNvSpPr txBox="1"/>
+          <p:nvPr/>
+        </p:nvSpPr>
+        <p:spPr>
+          <a:xfrm>
+            <a:off x="2895600" y="1905000"/>
+            <a:ext cx="1070826" cy="323165"/>
+          </a:xfrm>
+          <a:prstGeom prst="rect">
+            <a:avLst/>
+          </a:prstGeom>
+          <a:noFill/>
+        </p:spPr>
+        <p:txBody>
+          <a:bodyPr wrap="square" rtlCol="0">
+            <a:spAutoFit/>
+          </a:bodyPr>
+          <a:lstStyle/>
+          <a:p>
+            <a:pPr marL="0" marR="0" lvl="0" indent="0" algn="ctr" defTabSz="914400" rtl="0" eaLnBrk="1" fontAlgn="auto" latinLnBrk="0" hangingPunct="1">
+              <a:lnSpc>
+                <a:spcPct val="100000"/>
+              </a:lnSpc>
+              <a:spcBef>
+                <a:spcPts val="0"/>
+              </a:spcBef>
+              <a:spcAft>
+                <a:spcPts val="0"/>
+              </a:spcAft>
+              <a:buClrTx/>
+              <a:buSzTx/>
+              <a:buFontTx/>
+              <a:buNone/>
+              <a:tabLst/>
+              <a:defRPr/>
+            </a:pPr>
+            <a:r>
+              <a:rPr kumimoji="0" lang="en-GB" sz="1500" b="0" i="0" u="none" strike="noStrike" kern="1200" cap="none" spc="0" normalizeH="0" baseline="0" noProof="0" dirty="0" smtClean="0">
+                <a:ln>
+                  <a:noFill/>
+                </a:ln>
+                <a:solidFill>
+                  <a:schemeClr val="bg1"/>
+                </a:solidFill>
+                <a:effectLst/>
+                <a:uLnTx/>
+                <a:uFillTx/>
+                <a:latin typeface="Noto Sans" panose="020B0502040504020204" pitchFamily="34"/>
+                <a:ea typeface="Noto Sans" panose="020B0502040504020204" pitchFamily="34"/>
+                <a:cs typeface="Noto Sans" panose="020B0502040504020204" pitchFamily="34"/>
+              </a:rPr>
+              <a:t>Statistics</a:t>
+            </a:r>
+            <a:endParaRPr kumimoji="0" lang="en-GB" sz="1500" b="0" i="0" u="none" strike="noStrike" kern="1200" cap="none" spc="0" normalizeH="0" baseline="0" noProof="0" dirty="0">
+              <a:ln>
+                <a:noFill/>
+              </a:ln>
+              <a:solidFill>
+                <a:schemeClr val="bg1"/>
+              </a:solidFill>
+              <a:effectLst/>
+              <a:uLnTx/>
+              <a:uFillTx/>
+              <a:latin typeface="Noto Sans" panose="020B0502040504020204" pitchFamily="34"/>
+              <a:ea typeface="Noto Sans" panose="020B0502040504020204" pitchFamily="34"/>
+              <a:cs typeface="Noto Sans" panose="020B0502040504020204" pitchFamily="34"/>
+            </a:endParaRPr>
+          </a:p>
+        </p:txBody>
+      </p:sp>
+      <p:sp>
+        <p:nvSpPr>
+          <p:cNvPr id="29" name="TextBox 28">
+            <a:extLst>
+              <a:ext uri="{FF2B5EF4-FFF2-40B4-BE49-F238E27FC236}">
+                <a16:creationId xmlns="" xmlns:a16="http://schemas.microsoft.com/office/drawing/2014/main" id="{BCA5FBD4-D95A-432E-AEEB-614C3B9DA45B}"/>
+              </a:ext>
+            </a:extLst>
+          </p:cNvPr>
+          <p:cNvSpPr txBox="1"/>
+          <p:nvPr/>
+        </p:nvSpPr>
+        <p:spPr>
+          <a:xfrm>
+            <a:off x="4191000" y="1600200"/>
+            <a:ext cx="1752600" cy="855619"/>
+          </a:xfrm>
+          <a:prstGeom prst="rect">
+            <a:avLst/>
+          </a:prstGeom>
+          <a:noFill/>
+        </p:spPr>
+        <p:txBody>
+          <a:bodyPr wrap="square" rtlCol="0">
+            <a:spAutoFit/>
+          </a:bodyPr>
+          <a:lstStyle/>
+          <a:p>
+            <a:pPr marL="342900" lvl="0" indent="-342900">
+              <a:spcBef>
+                <a:spcPct val="20000"/>
+              </a:spcBef>
+              <a:defRPr/>
+            </a:pPr>
+            <a:r>
+              <a:rPr lang="en-US" sz="1600" dirty="0" smtClean="0">
+                <a:solidFill>
+                  <a:schemeClr val="bg1"/>
+                </a:solidFill>
+              </a:rPr>
+              <a:t>DATA </a:t>
+            </a:r>
+          </a:p>
+          <a:p>
+            <a:pPr marL="342900" lvl="0" indent="-342900">
+              <a:spcBef>
+                <a:spcPct val="20000"/>
+              </a:spcBef>
+              <a:defRPr/>
+            </a:pPr>
+            <a:r>
+              <a:rPr lang="en-US" sz="1600" dirty="0" smtClean="0">
+                <a:solidFill>
+                  <a:schemeClr val="bg1"/>
+                </a:solidFill>
+              </a:rPr>
+              <a:t>VISUALIZATION</a:t>
+            </a:r>
+          </a:p>
+          <a:p>
+            <a:pPr marL="342900" lvl="0" indent="-342900">
+              <a:spcBef>
+                <a:spcPct val="20000"/>
+              </a:spcBef>
+              <a:defRPr/>
+            </a:pPr>
+            <a:r>
+              <a:rPr lang="en-US" sz="1200" b="1" dirty="0" smtClean="0">
+                <a:solidFill>
+                  <a:schemeClr val="bg1"/>
+                </a:solidFill>
+              </a:rPr>
+              <a:t>MATPLOTLIB/SEABORN</a:t>
+            </a:r>
+          </a:p>
+        </p:txBody>
+      </p:sp>
+      <p:sp>
+        <p:nvSpPr>
+          <p:cNvPr id="30" name="TextBox 29">
+            <a:extLst>
+              <a:ext uri="{FF2B5EF4-FFF2-40B4-BE49-F238E27FC236}">
+                <a16:creationId xmlns="" xmlns:a16="http://schemas.microsoft.com/office/drawing/2014/main" id="{EEC460DC-FAB8-413E-B445-7D5FEAAA4BE3}"/>
+              </a:ext>
+            </a:extLst>
+          </p:cNvPr>
+          <p:cNvSpPr txBox="1"/>
+          <p:nvPr/>
+        </p:nvSpPr>
+        <p:spPr>
+          <a:xfrm>
+            <a:off x="5901474" y="1634250"/>
+            <a:ext cx="1032726" cy="553998"/>
+          </a:xfrm>
+          <a:prstGeom prst="rect">
+            <a:avLst/>
+          </a:prstGeom>
+          <a:noFill/>
+        </p:spPr>
+        <p:txBody>
+          <a:bodyPr wrap="square" rtlCol="0">
+            <a:spAutoFit/>
+          </a:bodyPr>
+          <a:lstStyle/>
+          <a:p>
+            <a:pPr lvl="0" algn="ctr">
+              <a:defRPr/>
+            </a:pPr>
+            <a:r>
+              <a:rPr lang="en-GB" sz="1500" dirty="0" smtClean="0">
+                <a:solidFill>
+                  <a:schemeClr val="bg1"/>
+                </a:solidFill>
+                <a:latin typeface="Noto Sans" panose="020B0502040504020204" pitchFamily="34"/>
+                <a:ea typeface="Noto Sans" panose="020B0502040504020204" pitchFamily="34"/>
+                <a:cs typeface="Noto Sans" panose="020B0502040504020204" pitchFamily="34"/>
+              </a:rPr>
+              <a:t>Deep Learning</a:t>
+            </a:r>
+            <a:endParaRPr lang="en-GB" sz="1500" dirty="0">
+              <a:solidFill>
+                <a:schemeClr val="bg1"/>
+              </a:solidFill>
+              <a:latin typeface="Noto Sans" panose="020B0502040504020204" pitchFamily="34"/>
+              <a:ea typeface="Noto Sans" panose="020B0502040504020204" pitchFamily="34"/>
+              <a:cs typeface="Noto Sans" panose="020B0502040504020204" pitchFamily="34"/>
+            </a:endParaRPr>
+          </a:p>
+        </p:txBody>
+      </p:sp>
+      <p:sp>
+        <p:nvSpPr>
+          <p:cNvPr id="31" name="TextBox 30">
+            <a:extLst>
+              <a:ext uri="{FF2B5EF4-FFF2-40B4-BE49-F238E27FC236}">
+                <a16:creationId xmlns="" xmlns:a16="http://schemas.microsoft.com/office/drawing/2014/main" id="{BF88C297-16B0-4D4B-8967-03E94E623EA4}"/>
+              </a:ext>
+            </a:extLst>
+          </p:cNvPr>
+          <p:cNvSpPr txBox="1"/>
+          <p:nvPr/>
+        </p:nvSpPr>
+        <p:spPr>
+          <a:xfrm>
+            <a:off x="2287317" y="4944885"/>
+            <a:ext cx="898325" cy="323165"/>
+          </a:xfrm>
+          <a:prstGeom prst="rect">
+            <a:avLst/>
+          </a:prstGeom>
+          <a:noFill/>
+        </p:spPr>
+        <p:txBody>
+          <a:bodyPr wrap="square" rtlCol="0">
+            <a:spAutoFit/>
+          </a:bodyPr>
+          <a:lstStyle/>
+          <a:p>
+            <a:pPr marL="0" marR="0" lvl="0" indent="0" algn="ctr" defTabSz="914400" rtl="0" eaLnBrk="1" fontAlgn="auto" latinLnBrk="0" hangingPunct="1">
+              <a:lnSpc>
+                <a:spcPct val="100000"/>
+              </a:lnSpc>
+              <a:spcBef>
+                <a:spcPts val="0"/>
+              </a:spcBef>
+              <a:spcAft>
+                <a:spcPts val="0"/>
+              </a:spcAft>
+              <a:buClrTx/>
+              <a:buSzTx/>
+              <a:buFontTx/>
+              <a:buNone/>
+              <a:tabLst/>
+              <a:defRPr/>
+            </a:pPr>
+            <a:r>
+              <a:rPr kumimoji="0" lang="en-GB" sz="1500" b="0" i="0" u="none" strike="noStrike" kern="1200" cap="none" spc="0" normalizeH="0" baseline="0" noProof="0" dirty="0" smtClean="0">
+                <a:ln>
+                  <a:noFill/>
+                </a:ln>
+                <a:solidFill>
+                  <a:schemeClr val="bg1"/>
+                </a:solidFill>
+                <a:effectLst/>
+                <a:uLnTx/>
+                <a:uFillTx/>
+                <a:latin typeface="Noto Sans" panose="020B0502040504020204" pitchFamily="34"/>
+                <a:ea typeface="Noto Sans" panose="020B0502040504020204" pitchFamily="34"/>
+                <a:cs typeface="Noto Sans" panose="020B0502040504020204" pitchFamily="34"/>
+              </a:rPr>
+              <a:t>Python</a:t>
+            </a:r>
+            <a:endParaRPr kumimoji="0" lang="en-GB" sz="1500" b="0" i="0" u="none" strike="noStrike" kern="1200" cap="none" spc="0" normalizeH="0" baseline="0" noProof="0" dirty="0">
+              <a:ln>
+                <a:noFill/>
+              </a:ln>
+              <a:solidFill>
+                <a:schemeClr val="bg1"/>
+              </a:solidFill>
+              <a:effectLst/>
+              <a:uLnTx/>
+              <a:uFillTx/>
+              <a:latin typeface="Noto Sans" panose="020B0502040504020204" pitchFamily="34"/>
+              <a:ea typeface="Noto Sans" panose="020B0502040504020204" pitchFamily="34"/>
+              <a:cs typeface="Noto Sans" panose="020B0502040504020204" pitchFamily="34"/>
+            </a:endParaRPr>
+          </a:p>
+        </p:txBody>
+      </p:sp>
+      <p:sp>
+        <p:nvSpPr>
+          <p:cNvPr id="32" name="TextBox 31">
+            <a:extLst>
+              <a:ext uri="{FF2B5EF4-FFF2-40B4-BE49-F238E27FC236}">
+                <a16:creationId xmlns="" xmlns:a16="http://schemas.microsoft.com/office/drawing/2014/main" id="{103E2CD6-3F36-4312-8299-A62A8CECD383}"/>
+              </a:ext>
+            </a:extLst>
+          </p:cNvPr>
+          <p:cNvSpPr txBox="1"/>
+          <p:nvPr/>
+        </p:nvSpPr>
+        <p:spPr>
+          <a:xfrm>
+            <a:off x="3744642" y="4944885"/>
+            <a:ext cx="1055958" cy="661720"/>
+          </a:xfrm>
+          <a:prstGeom prst="rect">
+            <a:avLst/>
+          </a:prstGeom>
+          <a:noFill/>
+        </p:spPr>
+        <p:txBody>
+          <a:bodyPr wrap="square" rtlCol="0">
+            <a:spAutoFit/>
+          </a:bodyPr>
+          <a:lstStyle/>
+          <a:p>
+            <a:pPr marL="0" marR="0" lvl="0" indent="0" algn="ctr" defTabSz="914400" rtl="0" eaLnBrk="1" fontAlgn="auto" latinLnBrk="0" hangingPunct="1">
+              <a:lnSpc>
+                <a:spcPct val="100000"/>
+              </a:lnSpc>
+              <a:spcBef>
+                <a:spcPts val="0"/>
+              </a:spcBef>
+              <a:spcAft>
+                <a:spcPts val="0"/>
+              </a:spcAft>
+              <a:buClrTx/>
+              <a:buSzTx/>
+              <a:buFontTx/>
+              <a:buNone/>
+              <a:tabLst/>
+              <a:defRPr/>
+            </a:pPr>
+            <a:r>
+              <a:rPr kumimoji="0" lang="en-GB" sz="1500" b="0" i="0" u="none" strike="noStrike" kern="1200" cap="none" spc="0" normalizeH="0" baseline="0" noProof="0" dirty="0" smtClean="0">
+                <a:ln>
+                  <a:noFill/>
+                </a:ln>
+                <a:solidFill>
+                  <a:schemeClr val="bg1"/>
+                </a:solidFill>
+                <a:effectLst/>
+                <a:uLnTx/>
+                <a:uFillTx/>
+                <a:latin typeface="Noto Sans" panose="020B0502040504020204" pitchFamily="34"/>
+                <a:ea typeface="Noto Sans" panose="020B0502040504020204" pitchFamily="34"/>
+                <a:cs typeface="Noto Sans" panose="020B0502040504020204" pitchFamily="34"/>
+              </a:rPr>
+              <a:t>EDA</a:t>
+            </a:r>
+          </a:p>
+          <a:p>
+            <a:pPr marL="0" marR="0" lvl="0" indent="0" algn="ctr" defTabSz="914400" rtl="0" eaLnBrk="1" fontAlgn="auto" latinLnBrk="0" hangingPunct="1">
+              <a:lnSpc>
+                <a:spcPct val="100000"/>
+              </a:lnSpc>
+              <a:spcBef>
+                <a:spcPts val="0"/>
+              </a:spcBef>
+              <a:spcAft>
+                <a:spcPts val="0"/>
+              </a:spcAft>
+              <a:buClrTx/>
+              <a:buSzTx/>
+              <a:buFontTx/>
+              <a:buNone/>
+              <a:tabLst/>
+              <a:defRPr/>
+            </a:pPr>
+            <a:r>
+              <a:rPr lang="en-GB" sz="1100" b="1" dirty="0" smtClean="0">
+                <a:solidFill>
+                  <a:schemeClr val="bg1"/>
+                </a:solidFill>
+                <a:latin typeface="Noto Sans" panose="020B0502040504020204" pitchFamily="34"/>
+                <a:ea typeface="Noto Sans" panose="020B0502040504020204" pitchFamily="34"/>
+                <a:cs typeface="Noto Sans" panose="020B0502040504020204" pitchFamily="34"/>
+              </a:rPr>
+              <a:t>PANDAS</a:t>
+            </a:r>
+          </a:p>
+          <a:p>
+            <a:pPr marL="0" marR="0" lvl="0" indent="0" algn="ctr" defTabSz="914400" rtl="0" eaLnBrk="1" fontAlgn="auto" latinLnBrk="0" hangingPunct="1">
+              <a:lnSpc>
+                <a:spcPct val="100000"/>
+              </a:lnSpc>
+              <a:spcBef>
+                <a:spcPts val="0"/>
+              </a:spcBef>
+              <a:spcAft>
+                <a:spcPts val="0"/>
+              </a:spcAft>
+              <a:buClrTx/>
+              <a:buSzTx/>
+              <a:buFontTx/>
+              <a:buNone/>
+              <a:tabLst/>
+              <a:defRPr/>
+            </a:pPr>
+            <a:r>
+              <a:rPr kumimoji="0" lang="en-GB" sz="1100" b="1" i="0" u="none" strike="noStrike" kern="1200" cap="none" spc="0" normalizeH="0" baseline="0" noProof="0" dirty="0" smtClean="0">
+                <a:ln>
+                  <a:noFill/>
+                </a:ln>
+                <a:solidFill>
+                  <a:schemeClr val="bg1"/>
+                </a:solidFill>
+                <a:effectLst/>
+                <a:uLnTx/>
+                <a:uFillTx/>
+                <a:latin typeface="Noto Sans" panose="020B0502040504020204" pitchFamily="34"/>
+                <a:ea typeface="Noto Sans" panose="020B0502040504020204" pitchFamily="34"/>
+                <a:cs typeface="Noto Sans" panose="020B0502040504020204" pitchFamily="34"/>
+              </a:rPr>
+              <a:t>NUMPY</a:t>
+            </a:r>
+            <a:endParaRPr kumimoji="0" lang="en-GB" sz="1100" b="1" i="0" u="none" strike="noStrike" kern="1200" cap="none" spc="0" normalizeH="0" baseline="0" noProof="0" dirty="0">
+              <a:ln>
+                <a:noFill/>
+              </a:ln>
+              <a:solidFill>
+                <a:schemeClr val="bg1"/>
+              </a:solidFill>
+              <a:effectLst/>
+              <a:uLnTx/>
+              <a:uFillTx/>
+              <a:latin typeface="Noto Sans" panose="020B0502040504020204" pitchFamily="34"/>
+              <a:ea typeface="Noto Sans" panose="020B0502040504020204" pitchFamily="34"/>
+              <a:cs typeface="Noto Sans" panose="020B0502040504020204" pitchFamily="34"/>
+            </a:endParaRPr>
+          </a:p>
+        </p:txBody>
+      </p:sp>
+      <p:sp>
+        <p:nvSpPr>
+          <p:cNvPr id="33" name="TextBox 32">
+            <a:extLst>
+              <a:ext uri="{FF2B5EF4-FFF2-40B4-BE49-F238E27FC236}">
+                <a16:creationId xmlns="" xmlns:a16="http://schemas.microsoft.com/office/drawing/2014/main" id="{57B49B69-B9A3-40BA-8CA5-3E250C770847}"/>
+              </a:ext>
+            </a:extLst>
+          </p:cNvPr>
+          <p:cNvSpPr txBox="1"/>
+          <p:nvPr/>
+        </p:nvSpPr>
+        <p:spPr>
+          <a:xfrm>
+            <a:off x="5144817" y="4944885"/>
+            <a:ext cx="1027383" cy="553998"/>
+          </a:xfrm>
+          <a:prstGeom prst="rect">
+            <a:avLst/>
+          </a:prstGeom>
+          <a:noFill/>
+        </p:spPr>
+        <p:txBody>
+          <a:bodyPr wrap="square" rtlCol="0">
+            <a:spAutoFit/>
+          </a:bodyPr>
+          <a:lstStyle/>
+          <a:p>
+            <a:pPr marL="0" marR="0" lvl="0" indent="0" algn="ctr" defTabSz="914400" rtl="0" eaLnBrk="1" fontAlgn="auto" latinLnBrk="0" hangingPunct="1">
+              <a:lnSpc>
+                <a:spcPct val="100000"/>
+              </a:lnSpc>
+              <a:spcBef>
+                <a:spcPts val="0"/>
+              </a:spcBef>
+              <a:spcAft>
+                <a:spcPts val="0"/>
+              </a:spcAft>
+              <a:buClrTx/>
+              <a:buSzTx/>
+              <a:buFontTx/>
+              <a:buNone/>
+              <a:tabLst/>
+              <a:defRPr/>
+            </a:pPr>
+            <a:r>
+              <a:rPr kumimoji="0" lang="en-GB" sz="1500" b="0" i="0" u="none" strike="noStrike" kern="1200" cap="none" spc="0" normalizeH="0" baseline="0" noProof="0" dirty="0" smtClean="0">
+                <a:ln>
+                  <a:noFill/>
+                </a:ln>
+                <a:solidFill>
+                  <a:schemeClr val="bg1"/>
+                </a:solidFill>
+                <a:effectLst/>
+                <a:uLnTx/>
+                <a:uFillTx/>
+                <a:latin typeface="Noto Sans" panose="020B0502040504020204" pitchFamily="34"/>
+                <a:ea typeface="Noto Sans" panose="020B0502040504020204" pitchFamily="34"/>
+                <a:cs typeface="Noto Sans" panose="020B0502040504020204" pitchFamily="34"/>
+              </a:rPr>
+              <a:t>Machine Learning</a:t>
+            </a:r>
+            <a:endParaRPr kumimoji="0" lang="en-GB" sz="1500" b="0" i="0" u="none" strike="noStrike" kern="1200" cap="none" spc="0" normalizeH="0" baseline="0" noProof="0" dirty="0">
+              <a:ln>
+                <a:noFill/>
+              </a:ln>
+              <a:solidFill>
+                <a:schemeClr val="bg1"/>
+              </a:solidFill>
+              <a:effectLst/>
+              <a:uLnTx/>
+              <a:uFillTx/>
+              <a:latin typeface="Noto Sans" panose="020B0502040504020204" pitchFamily="34"/>
+              <a:ea typeface="Noto Sans" panose="020B0502040504020204" pitchFamily="34"/>
+              <a:cs typeface="Noto Sans" panose="020B0502040504020204" pitchFamily="34"/>
+            </a:endParaRPr>
+          </a:p>
+        </p:txBody>
+      </p:sp>
+      <p:sp>
+        <p:nvSpPr>
+          <p:cNvPr id="34" name="TextBox 33">
+            <a:extLst>
+              <a:ext uri="{FF2B5EF4-FFF2-40B4-BE49-F238E27FC236}">
+                <a16:creationId xmlns="" xmlns:a16="http://schemas.microsoft.com/office/drawing/2014/main" id="{8C5DCBA2-575B-4A72-881F-2E187D3FF7CA}"/>
+              </a:ext>
+            </a:extLst>
+          </p:cNvPr>
+          <p:cNvSpPr txBox="1"/>
+          <p:nvPr/>
+        </p:nvSpPr>
+        <p:spPr>
+          <a:xfrm>
+            <a:off x="6602142" y="4944885"/>
+            <a:ext cx="1094058" cy="323165"/>
+          </a:xfrm>
+          <a:prstGeom prst="rect">
+            <a:avLst/>
+          </a:prstGeom>
+          <a:noFill/>
+        </p:spPr>
+        <p:txBody>
+          <a:bodyPr wrap="square" rtlCol="0">
+            <a:spAutoFit/>
+          </a:bodyPr>
+          <a:lstStyle/>
+          <a:p>
+            <a:pPr marL="0" marR="0" lvl="0" indent="0" algn="ctr" defTabSz="914400" rtl="0" eaLnBrk="1" fontAlgn="auto" latinLnBrk="0" hangingPunct="1">
+              <a:lnSpc>
+                <a:spcPct val="100000"/>
+              </a:lnSpc>
+              <a:spcBef>
+                <a:spcPts val="0"/>
+              </a:spcBef>
+              <a:spcAft>
+                <a:spcPts val="0"/>
+              </a:spcAft>
+              <a:buClrTx/>
+              <a:buSzTx/>
+              <a:buFontTx/>
+              <a:buNone/>
+              <a:tabLst/>
+              <a:defRPr/>
+            </a:pPr>
+            <a:r>
+              <a:rPr kumimoji="0" lang="en-GB" sz="1500" b="0" i="0" u="none" strike="noStrike" kern="1200" cap="none" spc="0" normalizeH="0" baseline="0" noProof="0" dirty="0" smtClean="0">
+                <a:ln>
+                  <a:noFill/>
+                </a:ln>
+                <a:solidFill>
+                  <a:schemeClr val="bg1"/>
+                </a:solidFill>
+                <a:effectLst/>
+                <a:uLnTx/>
+                <a:uFillTx/>
+                <a:latin typeface="Noto Sans" panose="020B0502040504020204" pitchFamily="34"/>
+                <a:ea typeface="Noto Sans" panose="020B0502040504020204" pitchFamily="34"/>
+                <a:cs typeface="Noto Sans" panose="020B0502040504020204" pitchFamily="34"/>
+              </a:rPr>
+              <a:t>NLP/NLTK</a:t>
+            </a:r>
+            <a:endParaRPr kumimoji="0" lang="en-GB" sz="1500" b="0" i="0" u="none" strike="noStrike" kern="1200" cap="none" spc="0" normalizeH="0" baseline="0" noProof="0" dirty="0">
+              <a:ln>
+                <a:noFill/>
+              </a:ln>
+              <a:solidFill>
+                <a:schemeClr val="bg1"/>
+              </a:solidFill>
+              <a:effectLst/>
+              <a:uLnTx/>
+              <a:uFillTx/>
+              <a:latin typeface="Noto Sans" panose="020B0502040504020204" pitchFamily="34"/>
+              <a:ea typeface="Noto Sans" panose="020B0502040504020204" pitchFamily="34"/>
+              <a:cs typeface="Noto Sans" panose="020B0502040504020204" pitchFamily="34"/>
+            </a:endParaRPr>
+          </a:p>
+        </p:txBody>
+      </p:sp>
+    </p:spTree>
+    <p:extLst>
+      <p:ext uri="{BB962C8B-B14F-4D97-AF65-F5344CB8AC3E}">
+        <p14:creationId xmlns:p14="http://schemas.microsoft.com/office/powerpoint/2010/main" xmlns="" val="4032476198"/>
+      </p:ext>
+    </p:extLst>
+  </p:cSld>
+  <p:clrMapOvr>
+    <a:masterClrMapping/>
+  </p:clrMapOvr>
+  <p:timing>
+    <p:tnLst>
+      <p:par>
+        <p:cTn id="1" dur="indefinite" restart="never" nodeType="tmRoot"/>
+      </p:par>
+    </p:tnLst>
+  </p:timing>
+</p:sld>
+</file>
+
+<file path=ppt/slides/slide5.xml><?xml version="1.0" encoding="utf-8"?>
 <p:sld xmlns:a="http://schemas.openxmlformats.org/drawingml/2006/main" xmlns:r="http://schemas.openxmlformats.org/officeDocument/2006/relationships" xmlns:p="http://schemas.openxmlformats.org/presentationml/2006/main">
   <p:cSld>
     <p:spTree>
@@ -5217,7 +8168,7 @@
     </p:spTree>
     <p:extLst>
       <p:ext uri="{BB962C8B-B14F-4D97-AF65-F5344CB8AC3E}">
-        <p14:creationId xmlns="" xmlns:p14="http://schemas.microsoft.com/office/powerpoint/2010/main" val="4032476198"/>
+        <p14:creationId xmlns:p14="http://schemas.microsoft.com/office/powerpoint/2010/main" xmlns="" val="4032476198"/>
       </p:ext>
     </p:extLst>
   </p:cSld>
@@ -5234,7 +8185,7 @@
 </p:sld>
 </file>
 
-<file path=ppt/slides/slide5.xml><?xml version="1.0" encoding="utf-8"?>
+<file path=ppt/slides/slide6.xml><?xml version="1.0" encoding="utf-8"?>
 <p:sld xmlns:a="http://schemas.openxmlformats.org/drawingml/2006/main" xmlns:r="http://schemas.openxmlformats.org/officeDocument/2006/relationships" xmlns:p="http://schemas.openxmlformats.org/presentationml/2006/main">
   <p:cSld>
     <p:spTree>
@@ -5256,7 +8207,7 @@
           <p:cNvPr id="4" name="TextBox 3">
             <a:extLst>
               <a:ext uri="{FF2B5EF4-FFF2-40B4-BE49-F238E27FC236}">
-                <a16:creationId xmlns="" xmlns:a16="http://schemas.microsoft.com/office/drawing/2014/main" id="{DF691C40-340A-44BC-A6B3-C3A20A9ED913}"/>
+                <a16:creationId xmlns:a16="http://schemas.microsoft.com/office/drawing/2014/main" xmlns="" id="{DF691C40-340A-44BC-A6B3-C3A20A9ED913}"/>
               </a:ext>
             </a:extLst>
           </p:cNvPr>
@@ -5357,9 +8308,2183 @@
     </p:spTree>
     <p:extLst>
       <p:ext uri="{BB962C8B-B14F-4D97-AF65-F5344CB8AC3E}">
-        <p14:creationId xmlns="" xmlns:p14="http://schemas.microsoft.com/office/powerpoint/2010/main" val="2582224218"/>
+        <p14:creationId xmlns:p14="http://schemas.microsoft.com/office/powerpoint/2010/main" xmlns="" val="2582224218"/>
       </p:ext>
     </p:extLst>
+  </p:cSld>
+  <p:clrMapOvr>
+    <a:masterClrMapping/>
+  </p:clrMapOvr>
+  <p:timing>
+    <p:tnLst>
+      <p:par>
+        <p:cTn id="1" dur="indefinite" restart="never" nodeType="tmRoot"/>
+      </p:par>
+    </p:tnLst>
+  </p:timing>
+</p:sld>
+</file>
+
+<file path=ppt/slides/slide7.xml><?xml version="1.0" encoding="utf-8"?>
+<p:sld xmlns:a="http://schemas.openxmlformats.org/drawingml/2006/main" xmlns:r="http://schemas.openxmlformats.org/officeDocument/2006/relationships" xmlns:p="http://schemas.openxmlformats.org/presentationml/2006/main">
+  <p:cSld>
+    <p:spTree>
+      <p:nvGrpSpPr>
+        <p:cNvPr id="1" name=""/>
+        <p:cNvGrpSpPr/>
+        <p:nvPr/>
+      </p:nvGrpSpPr>
+      <p:grpSpPr>
+        <a:xfrm>
+          <a:off x="0" y="0"/>
+          <a:ext cx="0" cy="0"/>
+          <a:chOff x="0" y="0"/>
+          <a:chExt cx="0" cy="0"/>
+        </a:xfrm>
+      </p:grpSpPr>
+      <p:grpSp>
+        <p:nvGrpSpPr>
+          <p:cNvPr id="2" name="Group 1">
+            <a:extLst>
+              <a:ext uri="{FF2B5EF4-FFF2-40B4-BE49-F238E27FC236}">
+                <a16:creationId xmlns:a16="http://schemas.microsoft.com/office/drawing/2014/main" xmlns="" id="{02F57185-A285-4D92-B8BA-00F8775D5B18}"/>
+              </a:ext>
+            </a:extLst>
+          </p:cNvPr>
+          <p:cNvGrpSpPr/>
+          <p:nvPr/>
+        </p:nvGrpSpPr>
+        <p:grpSpPr>
+          <a:xfrm>
+            <a:off x="1447800" y="1905000"/>
+            <a:ext cx="5421336" cy="3505226"/>
+            <a:chOff x="1875629" y="2488979"/>
+            <a:chExt cx="4667412" cy="3017770"/>
+          </a:xfrm>
+        </p:grpSpPr>
+        <p:sp>
+          <p:nvSpPr>
+            <p:cNvPr id="3" name="Freeform 6">
+              <a:extLst>
+                <a:ext uri="{FF2B5EF4-FFF2-40B4-BE49-F238E27FC236}">
+                  <a16:creationId xmlns:a16="http://schemas.microsoft.com/office/drawing/2014/main" xmlns="" id="{2F738D6F-C3CA-4BE9-BDC0-B06998C6E892}"/>
+                </a:ext>
+              </a:extLst>
+            </p:cNvPr>
+            <p:cNvSpPr>
+              <a:spLocks/>
+            </p:cNvSpPr>
+            <p:nvPr/>
+          </p:nvSpPr>
+          <p:spPr bwMode="auto">
+            <a:xfrm>
+              <a:off x="2511150" y="3040735"/>
+              <a:ext cx="3062989" cy="2426604"/>
+            </a:xfrm>
+            <a:custGeom>
+              <a:avLst/>
+              <a:gdLst>
+                <a:gd name="T0" fmla="*/ 323 w 664"/>
+                <a:gd name="T1" fmla="*/ 471 h 486"/>
+                <a:gd name="T2" fmla="*/ 332 w 664"/>
+                <a:gd name="T3" fmla="*/ 458 h 486"/>
+                <a:gd name="T4" fmla="*/ 302 w 664"/>
+                <a:gd name="T5" fmla="*/ 385 h 486"/>
+                <a:gd name="T6" fmla="*/ 299 w 664"/>
+                <a:gd name="T7" fmla="*/ 384 h 486"/>
+                <a:gd name="T8" fmla="*/ 293 w 664"/>
+                <a:gd name="T9" fmla="*/ 334 h 486"/>
+                <a:gd name="T10" fmla="*/ 248 w 664"/>
+                <a:gd name="T11" fmla="*/ 312 h 486"/>
+                <a:gd name="T12" fmla="*/ 212 w 664"/>
+                <a:gd name="T13" fmla="*/ 256 h 486"/>
+                <a:gd name="T14" fmla="*/ 150 w 664"/>
+                <a:gd name="T15" fmla="*/ 282 h 486"/>
+                <a:gd name="T16" fmla="*/ 63 w 664"/>
+                <a:gd name="T17" fmla="*/ 271 h 486"/>
+                <a:gd name="T18" fmla="*/ 44 w 664"/>
+                <a:gd name="T19" fmla="*/ 246 h 486"/>
+                <a:gd name="T20" fmla="*/ 2 w 664"/>
+                <a:gd name="T21" fmla="*/ 191 h 486"/>
+                <a:gd name="T22" fmla="*/ 2 w 664"/>
+                <a:gd name="T23" fmla="*/ 183 h 486"/>
+                <a:gd name="T24" fmla="*/ 67 w 664"/>
+                <a:gd name="T25" fmla="*/ 80 h 486"/>
+                <a:gd name="T26" fmla="*/ 116 w 664"/>
+                <a:gd name="T27" fmla="*/ 3 h 486"/>
+                <a:gd name="T28" fmla="*/ 122 w 664"/>
+                <a:gd name="T29" fmla="*/ 2 h 486"/>
+                <a:gd name="T30" fmla="*/ 155 w 664"/>
+                <a:gd name="T31" fmla="*/ 19 h 486"/>
+                <a:gd name="T32" fmla="*/ 181 w 664"/>
+                <a:gd name="T33" fmla="*/ 26 h 486"/>
+                <a:gd name="T34" fmla="*/ 217 w 664"/>
+                <a:gd name="T35" fmla="*/ 32 h 486"/>
+                <a:gd name="T36" fmla="*/ 223 w 664"/>
+                <a:gd name="T37" fmla="*/ 33 h 486"/>
+                <a:gd name="T38" fmla="*/ 214 w 664"/>
+                <a:gd name="T39" fmla="*/ 44 h 486"/>
+                <a:gd name="T40" fmla="*/ 170 w 664"/>
+                <a:gd name="T41" fmla="*/ 102 h 486"/>
+                <a:gd name="T42" fmla="*/ 171 w 664"/>
+                <a:gd name="T43" fmla="*/ 151 h 486"/>
+                <a:gd name="T44" fmla="*/ 217 w 664"/>
+                <a:gd name="T45" fmla="*/ 166 h 486"/>
+                <a:gd name="T46" fmla="*/ 245 w 664"/>
+                <a:gd name="T47" fmla="*/ 152 h 486"/>
+                <a:gd name="T48" fmla="*/ 308 w 664"/>
+                <a:gd name="T49" fmla="*/ 119 h 486"/>
+                <a:gd name="T50" fmla="*/ 353 w 664"/>
+                <a:gd name="T51" fmla="*/ 96 h 486"/>
+                <a:gd name="T52" fmla="*/ 372 w 664"/>
+                <a:gd name="T53" fmla="*/ 97 h 486"/>
+                <a:gd name="T54" fmla="*/ 538 w 664"/>
+                <a:gd name="T55" fmla="*/ 205 h 486"/>
+                <a:gd name="T56" fmla="*/ 647 w 664"/>
+                <a:gd name="T57" fmla="*/ 275 h 486"/>
+                <a:gd name="T58" fmla="*/ 663 w 664"/>
+                <a:gd name="T59" fmla="*/ 308 h 486"/>
+                <a:gd name="T60" fmla="*/ 643 w 664"/>
+                <a:gd name="T61" fmla="*/ 334 h 486"/>
+                <a:gd name="T62" fmla="*/ 612 w 664"/>
+                <a:gd name="T63" fmla="*/ 331 h 486"/>
+                <a:gd name="T64" fmla="*/ 483 w 664"/>
+                <a:gd name="T65" fmla="*/ 254 h 486"/>
+                <a:gd name="T66" fmla="*/ 463 w 664"/>
+                <a:gd name="T67" fmla="*/ 242 h 486"/>
+                <a:gd name="T68" fmla="*/ 448 w 664"/>
+                <a:gd name="T69" fmla="*/ 247 h 486"/>
+                <a:gd name="T70" fmla="*/ 451 w 664"/>
+                <a:gd name="T71" fmla="*/ 262 h 486"/>
+                <a:gd name="T72" fmla="*/ 496 w 664"/>
+                <a:gd name="T73" fmla="*/ 289 h 486"/>
+                <a:gd name="T74" fmla="*/ 527 w 664"/>
+                <a:gd name="T75" fmla="*/ 307 h 486"/>
+                <a:gd name="T76" fmla="*/ 571 w 664"/>
+                <a:gd name="T77" fmla="*/ 333 h 486"/>
+                <a:gd name="T78" fmla="*/ 588 w 664"/>
+                <a:gd name="T79" fmla="*/ 344 h 486"/>
+                <a:gd name="T80" fmla="*/ 586 w 664"/>
+                <a:gd name="T81" fmla="*/ 384 h 486"/>
+                <a:gd name="T82" fmla="*/ 544 w 664"/>
+                <a:gd name="T83" fmla="*/ 388 h 486"/>
+                <a:gd name="T84" fmla="*/ 455 w 664"/>
+                <a:gd name="T85" fmla="*/ 339 h 486"/>
+                <a:gd name="T86" fmla="*/ 428 w 664"/>
+                <a:gd name="T87" fmla="*/ 325 h 486"/>
+                <a:gd name="T88" fmla="*/ 411 w 664"/>
+                <a:gd name="T89" fmla="*/ 329 h 486"/>
+                <a:gd name="T90" fmla="*/ 416 w 664"/>
+                <a:gd name="T91" fmla="*/ 345 h 486"/>
+                <a:gd name="T92" fmla="*/ 482 w 664"/>
+                <a:gd name="T93" fmla="*/ 381 h 486"/>
+                <a:gd name="T94" fmla="*/ 522 w 664"/>
+                <a:gd name="T95" fmla="*/ 404 h 486"/>
+                <a:gd name="T96" fmla="*/ 529 w 664"/>
+                <a:gd name="T97" fmla="*/ 433 h 486"/>
+                <a:gd name="T98" fmla="*/ 486 w 664"/>
+                <a:gd name="T99" fmla="*/ 450 h 486"/>
+                <a:gd name="T100" fmla="*/ 461 w 664"/>
+                <a:gd name="T101" fmla="*/ 438 h 486"/>
+                <a:gd name="T102" fmla="*/ 407 w 664"/>
+                <a:gd name="T103" fmla="*/ 410 h 486"/>
+                <a:gd name="T104" fmla="*/ 393 w 664"/>
+                <a:gd name="T105" fmla="*/ 403 h 486"/>
+                <a:gd name="T106" fmla="*/ 376 w 664"/>
+                <a:gd name="T107" fmla="*/ 407 h 486"/>
+                <a:gd name="T108" fmla="*/ 382 w 664"/>
+                <a:gd name="T109" fmla="*/ 424 h 486"/>
+                <a:gd name="T110" fmla="*/ 435 w 664"/>
+                <a:gd name="T111" fmla="*/ 451 h 486"/>
+                <a:gd name="T112" fmla="*/ 464 w 664"/>
+                <a:gd name="T113" fmla="*/ 466 h 486"/>
+                <a:gd name="T114" fmla="*/ 441 w 664"/>
+                <a:gd name="T115" fmla="*/ 479 h 486"/>
+                <a:gd name="T116" fmla="*/ 387 w 664"/>
+                <a:gd name="T117" fmla="*/ 481 h 486"/>
+                <a:gd name="T118" fmla="*/ 335 w 664"/>
+                <a:gd name="T119" fmla="*/ 473 h 486"/>
+                <a:gd name="T120" fmla="*/ 323 w 664"/>
+                <a:gd name="T121" fmla="*/ 471 h 486"/>
+              </a:gdLst>
+              <a:ahLst/>
+              <a:cxnLst>
+                <a:cxn ang="0">
+                  <a:pos x="T0" y="T1"/>
+                </a:cxn>
+                <a:cxn ang="0">
+                  <a:pos x="T2" y="T3"/>
+                </a:cxn>
+                <a:cxn ang="0">
+                  <a:pos x="T4" y="T5"/>
+                </a:cxn>
+                <a:cxn ang="0">
+                  <a:pos x="T6" y="T7"/>
+                </a:cxn>
+                <a:cxn ang="0">
+                  <a:pos x="T8" y="T9"/>
+                </a:cxn>
+                <a:cxn ang="0">
+                  <a:pos x="T10" y="T11"/>
+                </a:cxn>
+                <a:cxn ang="0">
+                  <a:pos x="T12" y="T13"/>
+                </a:cxn>
+                <a:cxn ang="0">
+                  <a:pos x="T14" y="T15"/>
+                </a:cxn>
+                <a:cxn ang="0">
+                  <a:pos x="T16" y="T17"/>
+                </a:cxn>
+                <a:cxn ang="0">
+                  <a:pos x="T18" y="T19"/>
+                </a:cxn>
+                <a:cxn ang="0">
+                  <a:pos x="T20" y="T21"/>
+                </a:cxn>
+                <a:cxn ang="0">
+                  <a:pos x="T22" y="T23"/>
+                </a:cxn>
+                <a:cxn ang="0">
+                  <a:pos x="T24" y="T25"/>
+                </a:cxn>
+                <a:cxn ang="0">
+                  <a:pos x="T26" y="T27"/>
+                </a:cxn>
+                <a:cxn ang="0">
+                  <a:pos x="T28" y="T29"/>
+                </a:cxn>
+                <a:cxn ang="0">
+                  <a:pos x="T30" y="T31"/>
+                </a:cxn>
+                <a:cxn ang="0">
+                  <a:pos x="T32" y="T33"/>
+                </a:cxn>
+                <a:cxn ang="0">
+                  <a:pos x="T34" y="T35"/>
+                </a:cxn>
+                <a:cxn ang="0">
+                  <a:pos x="T36" y="T37"/>
+                </a:cxn>
+                <a:cxn ang="0">
+                  <a:pos x="T38" y="T39"/>
+                </a:cxn>
+                <a:cxn ang="0">
+                  <a:pos x="T40" y="T41"/>
+                </a:cxn>
+                <a:cxn ang="0">
+                  <a:pos x="T42" y="T43"/>
+                </a:cxn>
+                <a:cxn ang="0">
+                  <a:pos x="T44" y="T45"/>
+                </a:cxn>
+                <a:cxn ang="0">
+                  <a:pos x="T46" y="T47"/>
+                </a:cxn>
+                <a:cxn ang="0">
+                  <a:pos x="T48" y="T49"/>
+                </a:cxn>
+                <a:cxn ang="0">
+                  <a:pos x="T50" y="T51"/>
+                </a:cxn>
+                <a:cxn ang="0">
+                  <a:pos x="T52" y="T53"/>
+                </a:cxn>
+                <a:cxn ang="0">
+                  <a:pos x="T54" y="T55"/>
+                </a:cxn>
+                <a:cxn ang="0">
+                  <a:pos x="T56" y="T57"/>
+                </a:cxn>
+                <a:cxn ang="0">
+                  <a:pos x="T58" y="T59"/>
+                </a:cxn>
+                <a:cxn ang="0">
+                  <a:pos x="T60" y="T61"/>
+                </a:cxn>
+                <a:cxn ang="0">
+                  <a:pos x="T62" y="T63"/>
+                </a:cxn>
+                <a:cxn ang="0">
+                  <a:pos x="T64" y="T65"/>
+                </a:cxn>
+                <a:cxn ang="0">
+                  <a:pos x="T66" y="T67"/>
+                </a:cxn>
+                <a:cxn ang="0">
+                  <a:pos x="T68" y="T69"/>
+                </a:cxn>
+                <a:cxn ang="0">
+                  <a:pos x="T70" y="T71"/>
+                </a:cxn>
+                <a:cxn ang="0">
+                  <a:pos x="T72" y="T73"/>
+                </a:cxn>
+                <a:cxn ang="0">
+                  <a:pos x="T74" y="T75"/>
+                </a:cxn>
+                <a:cxn ang="0">
+                  <a:pos x="T76" y="T77"/>
+                </a:cxn>
+                <a:cxn ang="0">
+                  <a:pos x="T78" y="T79"/>
+                </a:cxn>
+                <a:cxn ang="0">
+                  <a:pos x="T80" y="T81"/>
+                </a:cxn>
+                <a:cxn ang="0">
+                  <a:pos x="T82" y="T83"/>
+                </a:cxn>
+                <a:cxn ang="0">
+                  <a:pos x="T84" y="T85"/>
+                </a:cxn>
+                <a:cxn ang="0">
+                  <a:pos x="T86" y="T87"/>
+                </a:cxn>
+                <a:cxn ang="0">
+                  <a:pos x="T88" y="T89"/>
+                </a:cxn>
+                <a:cxn ang="0">
+                  <a:pos x="T90" y="T91"/>
+                </a:cxn>
+                <a:cxn ang="0">
+                  <a:pos x="T92" y="T93"/>
+                </a:cxn>
+                <a:cxn ang="0">
+                  <a:pos x="T94" y="T95"/>
+                </a:cxn>
+                <a:cxn ang="0">
+                  <a:pos x="T96" y="T97"/>
+                </a:cxn>
+                <a:cxn ang="0">
+                  <a:pos x="T98" y="T99"/>
+                </a:cxn>
+                <a:cxn ang="0">
+                  <a:pos x="T100" y="T101"/>
+                </a:cxn>
+                <a:cxn ang="0">
+                  <a:pos x="T102" y="T103"/>
+                </a:cxn>
+                <a:cxn ang="0">
+                  <a:pos x="T104" y="T105"/>
+                </a:cxn>
+                <a:cxn ang="0">
+                  <a:pos x="T106" y="T107"/>
+                </a:cxn>
+                <a:cxn ang="0">
+                  <a:pos x="T108" y="T109"/>
+                </a:cxn>
+                <a:cxn ang="0">
+                  <a:pos x="T110" y="T111"/>
+                </a:cxn>
+                <a:cxn ang="0">
+                  <a:pos x="T112" y="T113"/>
+                </a:cxn>
+                <a:cxn ang="0">
+                  <a:pos x="T114" y="T115"/>
+                </a:cxn>
+                <a:cxn ang="0">
+                  <a:pos x="T116" y="T117"/>
+                </a:cxn>
+                <a:cxn ang="0">
+                  <a:pos x="T118" y="T119"/>
+                </a:cxn>
+                <a:cxn ang="0">
+                  <a:pos x="T120" y="T121"/>
+                </a:cxn>
+              </a:cxnLst>
+              <a:rect l="0" t="0" r="r" b="b"/>
+              <a:pathLst>
+                <a:path w="664" h="486">
+                  <a:moveTo>
+                    <a:pt x="323" y="471"/>
+                  </a:moveTo>
+                  <a:cubicBezTo>
+                    <a:pt x="326" y="467"/>
+                    <a:pt x="329" y="462"/>
+                    <a:pt x="332" y="458"/>
+                  </a:cubicBezTo>
+                  <a:cubicBezTo>
+                    <a:pt x="352" y="431"/>
+                    <a:pt x="338" y="391"/>
+                    <a:pt x="302" y="385"/>
+                  </a:cubicBezTo>
+                  <a:cubicBezTo>
+                    <a:pt x="301" y="385"/>
+                    <a:pt x="300" y="384"/>
+                    <a:pt x="299" y="384"/>
+                  </a:cubicBezTo>
+                  <a:cubicBezTo>
+                    <a:pt x="306" y="366"/>
+                    <a:pt x="304" y="349"/>
+                    <a:pt x="293" y="334"/>
+                  </a:cubicBezTo>
+                  <a:cubicBezTo>
+                    <a:pt x="282" y="319"/>
+                    <a:pt x="267" y="312"/>
+                    <a:pt x="248" y="312"/>
+                  </a:cubicBezTo>
+                  <a:cubicBezTo>
+                    <a:pt x="250" y="285"/>
+                    <a:pt x="239" y="264"/>
+                    <a:pt x="212" y="256"/>
+                  </a:cubicBezTo>
+                  <a:cubicBezTo>
+                    <a:pt x="185" y="247"/>
+                    <a:pt x="165" y="258"/>
+                    <a:pt x="150" y="282"/>
+                  </a:cubicBezTo>
+                  <a:cubicBezTo>
+                    <a:pt x="132" y="246"/>
+                    <a:pt x="87" y="242"/>
+                    <a:pt x="63" y="271"/>
+                  </a:cubicBezTo>
+                  <a:cubicBezTo>
+                    <a:pt x="56" y="262"/>
+                    <a:pt x="50" y="254"/>
+                    <a:pt x="44" y="246"/>
+                  </a:cubicBezTo>
+                  <a:cubicBezTo>
+                    <a:pt x="30" y="227"/>
+                    <a:pt x="16" y="209"/>
+                    <a:pt x="2" y="191"/>
+                  </a:cubicBezTo>
+                  <a:cubicBezTo>
+                    <a:pt x="0" y="188"/>
+                    <a:pt x="0" y="186"/>
+                    <a:pt x="2" y="183"/>
+                  </a:cubicBezTo>
+                  <a:cubicBezTo>
+                    <a:pt x="24" y="149"/>
+                    <a:pt x="45" y="115"/>
+                    <a:pt x="67" y="80"/>
+                  </a:cubicBezTo>
+                  <a:cubicBezTo>
+                    <a:pt x="83" y="54"/>
+                    <a:pt x="99" y="29"/>
+                    <a:pt x="116" y="3"/>
+                  </a:cubicBezTo>
+                  <a:cubicBezTo>
+                    <a:pt x="118" y="0"/>
+                    <a:pt x="120" y="1"/>
+                    <a:pt x="122" y="2"/>
+                  </a:cubicBezTo>
+                  <a:cubicBezTo>
+                    <a:pt x="133" y="8"/>
+                    <a:pt x="143" y="14"/>
+                    <a:pt x="155" y="19"/>
+                  </a:cubicBezTo>
+                  <a:cubicBezTo>
+                    <a:pt x="163" y="22"/>
+                    <a:pt x="172" y="24"/>
+                    <a:pt x="181" y="26"/>
+                  </a:cubicBezTo>
+                  <a:cubicBezTo>
+                    <a:pt x="193" y="28"/>
+                    <a:pt x="205" y="30"/>
+                    <a:pt x="217" y="32"/>
+                  </a:cubicBezTo>
+                  <a:cubicBezTo>
+                    <a:pt x="219" y="32"/>
+                    <a:pt x="220" y="32"/>
+                    <a:pt x="223" y="33"/>
+                  </a:cubicBezTo>
+                  <a:cubicBezTo>
+                    <a:pt x="220" y="37"/>
+                    <a:pt x="217" y="41"/>
+                    <a:pt x="214" y="44"/>
+                  </a:cubicBezTo>
+                  <a:cubicBezTo>
+                    <a:pt x="199" y="64"/>
+                    <a:pt x="184" y="83"/>
+                    <a:pt x="170" y="102"/>
+                  </a:cubicBezTo>
+                  <a:cubicBezTo>
+                    <a:pt x="159" y="117"/>
+                    <a:pt x="160" y="137"/>
+                    <a:pt x="171" y="151"/>
+                  </a:cubicBezTo>
+                  <a:cubicBezTo>
+                    <a:pt x="181" y="165"/>
+                    <a:pt x="202" y="172"/>
+                    <a:pt x="217" y="166"/>
+                  </a:cubicBezTo>
+                  <a:cubicBezTo>
+                    <a:pt x="226" y="162"/>
+                    <a:pt x="236" y="157"/>
+                    <a:pt x="245" y="152"/>
+                  </a:cubicBezTo>
+                  <a:cubicBezTo>
+                    <a:pt x="266" y="141"/>
+                    <a:pt x="287" y="130"/>
+                    <a:pt x="308" y="119"/>
+                  </a:cubicBezTo>
+                  <a:cubicBezTo>
+                    <a:pt x="323" y="111"/>
+                    <a:pt x="338" y="104"/>
+                    <a:pt x="353" y="96"/>
+                  </a:cubicBezTo>
+                  <a:cubicBezTo>
+                    <a:pt x="360" y="92"/>
+                    <a:pt x="366" y="93"/>
+                    <a:pt x="372" y="97"/>
+                  </a:cubicBezTo>
+                  <a:cubicBezTo>
+                    <a:pt x="428" y="133"/>
+                    <a:pt x="483" y="169"/>
+                    <a:pt x="538" y="205"/>
+                  </a:cubicBezTo>
+                  <a:cubicBezTo>
+                    <a:pt x="575" y="228"/>
+                    <a:pt x="611" y="252"/>
+                    <a:pt x="647" y="275"/>
+                  </a:cubicBezTo>
+                  <a:cubicBezTo>
+                    <a:pt x="659" y="283"/>
+                    <a:pt x="664" y="294"/>
+                    <a:pt x="663" y="308"/>
+                  </a:cubicBezTo>
+                  <a:cubicBezTo>
+                    <a:pt x="662" y="320"/>
+                    <a:pt x="655" y="329"/>
+                    <a:pt x="643" y="334"/>
+                  </a:cubicBezTo>
+                  <a:cubicBezTo>
+                    <a:pt x="632" y="339"/>
+                    <a:pt x="622" y="337"/>
+                    <a:pt x="612" y="331"/>
+                  </a:cubicBezTo>
+                  <a:cubicBezTo>
+                    <a:pt x="569" y="306"/>
+                    <a:pt x="526" y="280"/>
+                    <a:pt x="483" y="254"/>
+                  </a:cubicBezTo>
+                  <a:cubicBezTo>
+                    <a:pt x="477" y="250"/>
+                    <a:pt x="470" y="246"/>
+                    <a:pt x="463" y="242"/>
+                  </a:cubicBezTo>
+                  <a:cubicBezTo>
+                    <a:pt x="457" y="239"/>
+                    <a:pt x="451" y="241"/>
+                    <a:pt x="448" y="247"/>
+                  </a:cubicBezTo>
+                  <a:cubicBezTo>
+                    <a:pt x="445" y="252"/>
+                    <a:pt x="446" y="259"/>
+                    <a:pt x="451" y="262"/>
+                  </a:cubicBezTo>
+                  <a:cubicBezTo>
+                    <a:pt x="466" y="271"/>
+                    <a:pt x="481" y="280"/>
+                    <a:pt x="496" y="289"/>
+                  </a:cubicBezTo>
+                  <a:cubicBezTo>
+                    <a:pt x="506" y="295"/>
+                    <a:pt x="516" y="301"/>
+                    <a:pt x="527" y="307"/>
+                  </a:cubicBezTo>
+                  <a:cubicBezTo>
+                    <a:pt x="541" y="316"/>
+                    <a:pt x="556" y="325"/>
+                    <a:pt x="571" y="333"/>
+                  </a:cubicBezTo>
+                  <a:cubicBezTo>
+                    <a:pt x="577" y="337"/>
+                    <a:pt x="583" y="340"/>
+                    <a:pt x="588" y="344"/>
+                  </a:cubicBezTo>
+                  <a:cubicBezTo>
+                    <a:pt x="600" y="354"/>
+                    <a:pt x="601" y="372"/>
+                    <a:pt x="586" y="384"/>
+                  </a:cubicBezTo>
+                  <a:cubicBezTo>
+                    <a:pt x="573" y="394"/>
+                    <a:pt x="559" y="396"/>
+                    <a:pt x="544" y="388"/>
+                  </a:cubicBezTo>
+                  <a:cubicBezTo>
+                    <a:pt x="514" y="372"/>
+                    <a:pt x="484" y="355"/>
+                    <a:pt x="455" y="339"/>
+                  </a:cubicBezTo>
+                  <a:cubicBezTo>
+                    <a:pt x="446" y="334"/>
+                    <a:pt x="437" y="329"/>
+                    <a:pt x="428" y="325"/>
+                  </a:cubicBezTo>
+                  <a:cubicBezTo>
+                    <a:pt x="421" y="321"/>
+                    <a:pt x="414" y="323"/>
+                    <a:pt x="411" y="329"/>
+                  </a:cubicBezTo>
+                  <a:cubicBezTo>
+                    <a:pt x="407" y="335"/>
+                    <a:pt x="410" y="341"/>
+                    <a:pt x="416" y="345"/>
+                  </a:cubicBezTo>
+                  <a:cubicBezTo>
+                    <a:pt x="438" y="357"/>
+                    <a:pt x="460" y="369"/>
+                    <a:pt x="482" y="381"/>
+                  </a:cubicBezTo>
+                  <a:cubicBezTo>
+                    <a:pt x="496" y="389"/>
+                    <a:pt x="509" y="396"/>
+                    <a:pt x="522" y="404"/>
+                  </a:cubicBezTo>
+                  <a:cubicBezTo>
+                    <a:pt x="531" y="410"/>
+                    <a:pt x="534" y="423"/>
+                    <a:pt x="529" y="433"/>
+                  </a:cubicBezTo>
+                  <a:cubicBezTo>
+                    <a:pt x="519" y="449"/>
+                    <a:pt x="503" y="456"/>
+                    <a:pt x="486" y="450"/>
+                  </a:cubicBezTo>
+                  <a:cubicBezTo>
+                    <a:pt x="478" y="447"/>
+                    <a:pt x="469" y="442"/>
+                    <a:pt x="461" y="438"/>
+                  </a:cubicBezTo>
+                  <a:cubicBezTo>
+                    <a:pt x="443" y="429"/>
+                    <a:pt x="425" y="419"/>
+                    <a:pt x="407" y="410"/>
+                  </a:cubicBezTo>
+                  <a:cubicBezTo>
+                    <a:pt x="402" y="408"/>
+                    <a:pt x="398" y="406"/>
+                    <a:pt x="393" y="403"/>
+                  </a:cubicBezTo>
+                  <a:cubicBezTo>
+                    <a:pt x="386" y="400"/>
+                    <a:pt x="379" y="401"/>
+                    <a:pt x="376" y="407"/>
+                  </a:cubicBezTo>
+                  <a:cubicBezTo>
+                    <a:pt x="372" y="413"/>
+                    <a:pt x="375" y="420"/>
+                    <a:pt x="382" y="424"/>
+                  </a:cubicBezTo>
+                  <a:cubicBezTo>
+                    <a:pt x="399" y="433"/>
+                    <a:pt x="417" y="442"/>
+                    <a:pt x="435" y="451"/>
+                  </a:cubicBezTo>
+                  <a:cubicBezTo>
+                    <a:pt x="445" y="456"/>
+                    <a:pt x="454" y="461"/>
+                    <a:pt x="464" y="466"/>
+                  </a:cubicBezTo>
+                  <a:cubicBezTo>
+                    <a:pt x="457" y="472"/>
+                    <a:pt x="449" y="476"/>
+                    <a:pt x="441" y="479"/>
+                  </a:cubicBezTo>
+                  <a:cubicBezTo>
+                    <a:pt x="423" y="486"/>
+                    <a:pt x="405" y="484"/>
+                    <a:pt x="387" y="481"/>
+                  </a:cubicBezTo>
+                  <a:cubicBezTo>
+                    <a:pt x="370" y="479"/>
+                    <a:pt x="352" y="476"/>
+                    <a:pt x="335" y="473"/>
+                  </a:cubicBezTo>
+                  <a:cubicBezTo>
+                    <a:pt x="331" y="473"/>
+                    <a:pt x="327" y="472"/>
+                    <a:pt x="323" y="471"/>
+                  </a:cubicBezTo>
+                  <a:close/>
+                </a:path>
+              </a:pathLst>
+            </a:custGeom>
+            <a:solidFill>
+              <a:schemeClr val="accent2"/>
+            </a:solidFill>
+            <a:ln>
+              <a:noFill/>
+            </a:ln>
+            <a:extLst>
+              <a:ext uri="{91240B29-F687-4F45-9708-019B960494DF}">
+                <a14:hiddenLine xmlns:a14="http://schemas.microsoft.com/office/drawing/2010/main" xmlns="" w="9525">
+                  <a:solidFill>
+                    <a:srgbClr val="000000"/>
+                  </a:solidFill>
+                  <a:round/>
+                  <a:headEnd/>
+                  <a:tailEnd/>
+                </a14:hiddenLine>
+              </a:ext>
+            </a:extLst>
+          </p:spPr>
+          <p:txBody>
+            <a:bodyPr vert="horz" wrap="square" lIns="91440" tIns="45720" rIns="91440" bIns="45720" numCol="1" anchor="t" anchorCtr="0" compatLnSpc="1">
+              <a:prstTxWarp prst="textNoShape">
+                <a:avLst/>
+              </a:prstTxWarp>
+            </a:bodyPr>
+            <a:lstStyle/>
+            <a:p>
+              <a:pPr marL="0" marR="0" lvl="0" indent="0" algn="l" defTabSz="914400" rtl="0" eaLnBrk="1" fontAlgn="auto" latinLnBrk="0" hangingPunct="1">
+                <a:lnSpc>
+                  <a:spcPct val="100000"/>
+                </a:lnSpc>
+                <a:spcBef>
+                  <a:spcPts val="0"/>
+                </a:spcBef>
+                <a:spcAft>
+                  <a:spcPts val="0"/>
+                </a:spcAft>
+                <a:buClrTx/>
+                <a:buSzTx/>
+                <a:buFontTx/>
+                <a:buNone/>
+                <a:tabLst/>
+                <a:defRPr/>
+              </a:pPr>
+              <a:endParaRPr kumimoji="0" lang="en-US" sz="1800" b="0" i="0" u="none" strike="noStrike" kern="1200" cap="none" spc="0" normalizeH="0" baseline="0" noProof="0" dirty="0">
+                <a:ln>
+                  <a:noFill/>
+                </a:ln>
+                <a:solidFill>
+                  <a:srgbClr val="282F39"/>
+                </a:solidFill>
+                <a:effectLst/>
+                <a:uLnTx/>
+                <a:uFillTx/>
+                <a:latin typeface="Calibri" panose="020F0502020204030204"/>
+                <a:ea typeface="+mn-ea"/>
+                <a:cs typeface="+mn-cs"/>
+              </a:endParaRPr>
+            </a:p>
+          </p:txBody>
+        </p:sp>
+        <p:sp>
+          <p:nvSpPr>
+            <p:cNvPr id="4" name="Freeform 7">
+              <a:extLst>
+                <a:ext uri="{FF2B5EF4-FFF2-40B4-BE49-F238E27FC236}">
+                  <a16:creationId xmlns:a16="http://schemas.microsoft.com/office/drawing/2014/main" xmlns="" id="{2B800FA1-78EE-45EF-9E28-46BDFC6E0112}"/>
+                </a:ext>
+              </a:extLst>
+            </p:cNvPr>
+            <p:cNvSpPr>
+              <a:spLocks/>
+            </p:cNvSpPr>
+            <p:nvPr/>
+          </p:nvSpPr>
+          <p:spPr bwMode="auto">
+            <a:xfrm>
+              <a:off x="3365454" y="2978805"/>
+              <a:ext cx="2583746" cy="1373761"/>
+            </a:xfrm>
+            <a:custGeom>
+              <a:avLst/>
+              <a:gdLst>
+                <a:gd name="T0" fmla="*/ 486 w 561"/>
+                <a:gd name="T1" fmla="*/ 275 h 275"/>
+                <a:gd name="T2" fmla="*/ 413 w 561"/>
+                <a:gd name="T3" fmla="*/ 228 h 275"/>
+                <a:gd name="T4" fmla="*/ 330 w 561"/>
+                <a:gd name="T5" fmla="*/ 174 h 275"/>
+                <a:gd name="T6" fmla="*/ 229 w 561"/>
+                <a:gd name="T7" fmla="*/ 109 h 275"/>
+                <a:gd name="T8" fmla="*/ 203 w 561"/>
+                <a:gd name="T9" fmla="*/ 92 h 275"/>
+                <a:gd name="T10" fmla="*/ 154 w 561"/>
+                <a:gd name="T11" fmla="*/ 90 h 275"/>
+                <a:gd name="T12" fmla="*/ 78 w 561"/>
+                <a:gd name="T13" fmla="*/ 130 h 275"/>
+                <a:gd name="T14" fmla="*/ 32 w 561"/>
+                <a:gd name="T15" fmla="*/ 154 h 275"/>
+                <a:gd name="T16" fmla="*/ 7 w 561"/>
+                <a:gd name="T17" fmla="*/ 151 h 275"/>
+                <a:gd name="T18" fmla="*/ 7 w 561"/>
+                <a:gd name="T19" fmla="*/ 126 h 275"/>
+                <a:gd name="T20" fmla="*/ 57 w 561"/>
+                <a:gd name="T21" fmla="*/ 61 h 275"/>
+                <a:gd name="T22" fmla="*/ 82 w 561"/>
+                <a:gd name="T23" fmla="*/ 33 h 275"/>
+                <a:gd name="T24" fmla="*/ 117 w 561"/>
+                <a:gd name="T25" fmla="*/ 20 h 275"/>
+                <a:gd name="T26" fmla="*/ 158 w 561"/>
+                <a:gd name="T27" fmla="*/ 12 h 275"/>
+                <a:gd name="T28" fmla="*/ 260 w 561"/>
+                <a:gd name="T29" fmla="*/ 3 h 275"/>
+                <a:gd name="T30" fmla="*/ 309 w 561"/>
+                <a:gd name="T31" fmla="*/ 11 h 275"/>
+                <a:gd name="T32" fmla="*/ 380 w 561"/>
+                <a:gd name="T33" fmla="*/ 25 h 275"/>
+                <a:gd name="T34" fmla="*/ 405 w 561"/>
+                <a:gd name="T35" fmla="*/ 22 h 275"/>
+                <a:gd name="T36" fmla="*/ 432 w 561"/>
+                <a:gd name="T37" fmla="*/ 10 h 275"/>
+                <a:gd name="T38" fmla="*/ 440 w 561"/>
+                <a:gd name="T39" fmla="*/ 12 h 275"/>
+                <a:gd name="T40" fmla="*/ 481 w 561"/>
+                <a:gd name="T41" fmla="*/ 78 h 275"/>
+                <a:gd name="T42" fmla="*/ 535 w 561"/>
+                <a:gd name="T43" fmla="*/ 164 h 275"/>
+                <a:gd name="T44" fmla="*/ 559 w 561"/>
+                <a:gd name="T45" fmla="*/ 201 h 275"/>
+                <a:gd name="T46" fmla="*/ 559 w 561"/>
+                <a:gd name="T47" fmla="*/ 207 h 275"/>
+                <a:gd name="T48" fmla="*/ 487 w 561"/>
+                <a:gd name="T49" fmla="*/ 275 h 275"/>
+                <a:gd name="T50" fmla="*/ 486 w 561"/>
+                <a:gd name="T51" fmla="*/ 275 h 275"/>
+              </a:gdLst>
+              <a:ahLst/>
+              <a:cxnLst>
+                <a:cxn ang="0">
+                  <a:pos x="T0" y="T1"/>
+                </a:cxn>
+                <a:cxn ang="0">
+                  <a:pos x="T2" y="T3"/>
+                </a:cxn>
+                <a:cxn ang="0">
+                  <a:pos x="T4" y="T5"/>
+                </a:cxn>
+                <a:cxn ang="0">
+                  <a:pos x="T6" y="T7"/>
+                </a:cxn>
+                <a:cxn ang="0">
+                  <a:pos x="T8" y="T9"/>
+                </a:cxn>
+                <a:cxn ang="0">
+                  <a:pos x="T10" y="T11"/>
+                </a:cxn>
+                <a:cxn ang="0">
+                  <a:pos x="T12" y="T13"/>
+                </a:cxn>
+                <a:cxn ang="0">
+                  <a:pos x="T14" y="T15"/>
+                </a:cxn>
+                <a:cxn ang="0">
+                  <a:pos x="T16" y="T17"/>
+                </a:cxn>
+                <a:cxn ang="0">
+                  <a:pos x="T18" y="T19"/>
+                </a:cxn>
+                <a:cxn ang="0">
+                  <a:pos x="T20" y="T21"/>
+                </a:cxn>
+                <a:cxn ang="0">
+                  <a:pos x="T22" y="T23"/>
+                </a:cxn>
+                <a:cxn ang="0">
+                  <a:pos x="T24" y="T25"/>
+                </a:cxn>
+                <a:cxn ang="0">
+                  <a:pos x="T26" y="T27"/>
+                </a:cxn>
+                <a:cxn ang="0">
+                  <a:pos x="T28" y="T29"/>
+                </a:cxn>
+                <a:cxn ang="0">
+                  <a:pos x="T30" y="T31"/>
+                </a:cxn>
+                <a:cxn ang="0">
+                  <a:pos x="T32" y="T33"/>
+                </a:cxn>
+                <a:cxn ang="0">
+                  <a:pos x="T34" y="T35"/>
+                </a:cxn>
+                <a:cxn ang="0">
+                  <a:pos x="T36" y="T37"/>
+                </a:cxn>
+                <a:cxn ang="0">
+                  <a:pos x="T38" y="T39"/>
+                </a:cxn>
+                <a:cxn ang="0">
+                  <a:pos x="T40" y="T41"/>
+                </a:cxn>
+                <a:cxn ang="0">
+                  <a:pos x="T42" y="T43"/>
+                </a:cxn>
+                <a:cxn ang="0">
+                  <a:pos x="T44" y="T45"/>
+                </a:cxn>
+                <a:cxn ang="0">
+                  <a:pos x="T46" y="T47"/>
+                </a:cxn>
+                <a:cxn ang="0">
+                  <a:pos x="T48" y="T49"/>
+                </a:cxn>
+                <a:cxn ang="0">
+                  <a:pos x="T50" y="T51"/>
+                </a:cxn>
+              </a:cxnLst>
+              <a:rect l="0" t="0" r="r" b="b"/>
+              <a:pathLst>
+                <a:path w="561" h="275">
+                  <a:moveTo>
+                    <a:pt x="486" y="275"/>
+                  </a:moveTo>
+                  <a:cubicBezTo>
+                    <a:pt x="461" y="259"/>
+                    <a:pt x="437" y="244"/>
+                    <a:pt x="413" y="228"/>
+                  </a:cubicBezTo>
+                  <a:cubicBezTo>
+                    <a:pt x="385" y="210"/>
+                    <a:pt x="357" y="192"/>
+                    <a:pt x="330" y="174"/>
+                  </a:cubicBezTo>
+                  <a:cubicBezTo>
+                    <a:pt x="296" y="152"/>
+                    <a:pt x="263" y="131"/>
+                    <a:pt x="229" y="109"/>
+                  </a:cubicBezTo>
+                  <a:cubicBezTo>
+                    <a:pt x="220" y="103"/>
+                    <a:pt x="211" y="98"/>
+                    <a:pt x="203" y="92"/>
+                  </a:cubicBezTo>
+                  <a:cubicBezTo>
+                    <a:pt x="187" y="81"/>
+                    <a:pt x="171" y="81"/>
+                    <a:pt x="154" y="90"/>
+                  </a:cubicBezTo>
+                  <a:cubicBezTo>
+                    <a:pt x="129" y="104"/>
+                    <a:pt x="103" y="117"/>
+                    <a:pt x="78" y="130"/>
+                  </a:cubicBezTo>
+                  <a:cubicBezTo>
+                    <a:pt x="63" y="138"/>
+                    <a:pt x="47" y="146"/>
+                    <a:pt x="32" y="154"/>
+                  </a:cubicBezTo>
+                  <a:cubicBezTo>
+                    <a:pt x="23" y="159"/>
+                    <a:pt x="13" y="158"/>
+                    <a:pt x="7" y="151"/>
+                  </a:cubicBezTo>
+                  <a:cubicBezTo>
+                    <a:pt x="0" y="144"/>
+                    <a:pt x="0" y="134"/>
+                    <a:pt x="7" y="126"/>
+                  </a:cubicBezTo>
+                  <a:cubicBezTo>
+                    <a:pt x="23" y="104"/>
+                    <a:pt x="40" y="83"/>
+                    <a:pt x="57" y="61"/>
+                  </a:cubicBezTo>
+                  <a:cubicBezTo>
+                    <a:pt x="64" y="51"/>
+                    <a:pt x="72" y="41"/>
+                    <a:pt x="82" y="33"/>
+                  </a:cubicBezTo>
+                  <a:cubicBezTo>
+                    <a:pt x="93" y="26"/>
+                    <a:pt x="105" y="22"/>
+                    <a:pt x="117" y="20"/>
+                  </a:cubicBezTo>
+                  <a:cubicBezTo>
+                    <a:pt x="131" y="18"/>
+                    <a:pt x="145" y="15"/>
+                    <a:pt x="158" y="12"/>
+                  </a:cubicBezTo>
+                  <a:cubicBezTo>
+                    <a:pt x="192" y="5"/>
+                    <a:pt x="225" y="0"/>
+                    <a:pt x="260" y="3"/>
+                  </a:cubicBezTo>
+                  <a:cubicBezTo>
+                    <a:pt x="276" y="5"/>
+                    <a:pt x="293" y="8"/>
+                    <a:pt x="309" y="11"/>
+                  </a:cubicBezTo>
+                  <a:cubicBezTo>
+                    <a:pt x="332" y="15"/>
+                    <a:pt x="356" y="21"/>
+                    <a:pt x="380" y="25"/>
+                  </a:cubicBezTo>
+                  <a:cubicBezTo>
+                    <a:pt x="388" y="27"/>
+                    <a:pt x="397" y="26"/>
+                    <a:pt x="405" y="22"/>
+                  </a:cubicBezTo>
+                  <a:cubicBezTo>
+                    <a:pt x="414" y="18"/>
+                    <a:pt x="423" y="14"/>
+                    <a:pt x="432" y="10"/>
+                  </a:cubicBezTo>
+                  <a:cubicBezTo>
+                    <a:pt x="435" y="8"/>
+                    <a:pt x="438" y="9"/>
+                    <a:pt x="440" y="12"/>
+                  </a:cubicBezTo>
+                  <a:cubicBezTo>
+                    <a:pt x="454" y="34"/>
+                    <a:pt x="468" y="56"/>
+                    <a:pt x="481" y="78"/>
+                  </a:cubicBezTo>
+                  <a:cubicBezTo>
+                    <a:pt x="499" y="107"/>
+                    <a:pt x="517" y="135"/>
+                    <a:pt x="535" y="164"/>
+                  </a:cubicBezTo>
+                  <a:cubicBezTo>
+                    <a:pt x="543" y="176"/>
+                    <a:pt x="551" y="188"/>
+                    <a:pt x="559" y="201"/>
+                  </a:cubicBezTo>
+                  <a:cubicBezTo>
+                    <a:pt x="560" y="203"/>
+                    <a:pt x="561" y="205"/>
+                    <a:pt x="559" y="207"/>
+                  </a:cubicBezTo>
+                  <a:cubicBezTo>
+                    <a:pt x="535" y="230"/>
+                    <a:pt x="511" y="252"/>
+                    <a:pt x="487" y="275"/>
+                  </a:cubicBezTo>
+                  <a:cubicBezTo>
+                    <a:pt x="486" y="275"/>
+                    <a:pt x="486" y="275"/>
+                    <a:pt x="486" y="275"/>
+                  </a:cubicBezTo>
+                  <a:close/>
+                </a:path>
+              </a:pathLst>
+            </a:custGeom>
+            <a:solidFill>
+              <a:schemeClr val="accent4"/>
+            </a:solidFill>
+            <a:ln>
+              <a:noFill/>
+            </a:ln>
+          </p:spPr>
+          <p:txBody>
+            <a:bodyPr vert="horz" wrap="square" lIns="91440" tIns="45720" rIns="91440" bIns="45720" numCol="1" anchor="t" anchorCtr="0" compatLnSpc="1">
+              <a:prstTxWarp prst="textNoShape">
+                <a:avLst/>
+              </a:prstTxWarp>
+            </a:bodyPr>
+            <a:lstStyle/>
+            <a:p>
+              <a:pPr marL="0" marR="0" lvl="0" indent="0" algn="l" defTabSz="914400" rtl="0" eaLnBrk="1" fontAlgn="auto" latinLnBrk="0" hangingPunct="1">
+                <a:lnSpc>
+                  <a:spcPct val="100000"/>
+                </a:lnSpc>
+                <a:spcBef>
+                  <a:spcPts val="0"/>
+                </a:spcBef>
+                <a:spcAft>
+                  <a:spcPts val="0"/>
+                </a:spcAft>
+                <a:buClrTx/>
+                <a:buSzTx/>
+                <a:buFontTx/>
+                <a:buNone/>
+                <a:tabLst/>
+                <a:defRPr/>
+              </a:pPr>
+              <a:endParaRPr kumimoji="0" lang="en-US" sz="1800" b="0" i="0" u="none" strike="noStrike" kern="1200" cap="none" spc="0" normalizeH="0" baseline="0" noProof="0" dirty="0">
+                <a:ln>
+                  <a:noFill/>
+                </a:ln>
+                <a:solidFill>
+                  <a:srgbClr val="282F39"/>
+                </a:solidFill>
+                <a:effectLst/>
+                <a:uLnTx/>
+                <a:uFillTx/>
+                <a:latin typeface="Calibri" panose="020F0502020204030204"/>
+                <a:ea typeface="+mn-ea"/>
+                <a:cs typeface="+mn-cs"/>
+              </a:endParaRPr>
+            </a:p>
+          </p:txBody>
+        </p:sp>
+        <p:sp>
+          <p:nvSpPr>
+            <p:cNvPr id="5" name="Freeform 8">
+              <a:extLst>
+                <a:ext uri="{FF2B5EF4-FFF2-40B4-BE49-F238E27FC236}">
+                  <a16:creationId xmlns:a16="http://schemas.microsoft.com/office/drawing/2014/main" xmlns="" id="{DB5D56FA-A606-4E29-9CD7-95A53B5F3308}"/>
+                </a:ext>
+              </a:extLst>
+            </p:cNvPr>
+            <p:cNvSpPr>
+              <a:spLocks/>
+            </p:cNvSpPr>
+            <p:nvPr/>
+          </p:nvSpPr>
+          <p:spPr bwMode="auto">
+            <a:xfrm>
+              <a:off x="5376188" y="2488979"/>
+              <a:ext cx="1166853" cy="1542666"/>
+            </a:xfrm>
+            <a:custGeom>
+              <a:avLst/>
+              <a:gdLst>
+                <a:gd name="T0" fmla="*/ 99 w 254"/>
+                <a:gd name="T1" fmla="*/ 0 h 309"/>
+                <a:gd name="T2" fmla="*/ 254 w 254"/>
+                <a:gd name="T3" fmla="*/ 246 h 309"/>
+                <a:gd name="T4" fmla="*/ 234 w 254"/>
+                <a:gd name="T5" fmla="*/ 259 h 309"/>
+                <a:gd name="T6" fmla="*/ 160 w 254"/>
+                <a:gd name="T7" fmla="*/ 307 h 309"/>
+                <a:gd name="T8" fmla="*/ 154 w 254"/>
+                <a:gd name="T9" fmla="*/ 306 h 309"/>
+                <a:gd name="T10" fmla="*/ 71 w 254"/>
+                <a:gd name="T11" fmla="*/ 175 h 309"/>
+                <a:gd name="T12" fmla="*/ 22 w 254"/>
+                <a:gd name="T13" fmla="*/ 96 h 309"/>
+                <a:gd name="T14" fmla="*/ 2 w 254"/>
+                <a:gd name="T15" fmla="*/ 66 h 309"/>
+                <a:gd name="T16" fmla="*/ 3 w 254"/>
+                <a:gd name="T17" fmla="*/ 60 h 309"/>
+                <a:gd name="T18" fmla="*/ 52 w 254"/>
+                <a:gd name="T19" fmla="*/ 29 h 309"/>
+                <a:gd name="T20" fmla="*/ 90 w 254"/>
+                <a:gd name="T21" fmla="*/ 4 h 309"/>
+                <a:gd name="T22" fmla="*/ 99 w 254"/>
+                <a:gd name="T23" fmla="*/ 0 h 309"/>
+              </a:gdLst>
+              <a:ahLst/>
+              <a:cxnLst>
+                <a:cxn ang="0">
+                  <a:pos x="T0" y="T1"/>
+                </a:cxn>
+                <a:cxn ang="0">
+                  <a:pos x="T2" y="T3"/>
+                </a:cxn>
+                <a:cxn ang="0">
+                  <a:pos x="T4" y="T5"/>
+                </a:cxn>
+                <a:cxn ang="0">
+                  <a:pos x="T6" y="T7"/>
+                </a:cxn>
+                <a:cxn ang="0">
+                  <a:pos x="T8" y="T9"/>
+                </a:cxn>
+                <a:cxn ang="0">
+                  <a:pos x="T10" y="T11"/>
+                </a:cxn>
+                <a:cxn ang="0">
+                  <a:pos x="T12" y="T13"/>
+                </a:cxn>
+                <a:cxn ang="0">
+                  <a:pos x="T14" y="T15"/>
+                </a:cxn>
+                <a:cxn ang="0">
+                  <a:pos x="T16" y="T17"/>
+                </a:cxn>
+                <a:cxn ang="0">
+                  <a:pos x="T18" y="T19"/>
+                </a:cxn>
+                <a:cxn ang="0">
+                  <a:pos x="T20" y="T21"/>
+                </a:cxn>
+                <a:cxn ang="0">
+                  <a:pos x="T22" y="T23"/>
+                </a:cxn>
+              </a:cxnLst>
+              <a:rect l="0" t="0" r="r" b="b"/>
+              <a:pathLst>
+                <a:path w="254" h="309">
+                  <a:moveTo>
+                    <a:pt x="99" y="0"/>
+                  </a:moveTo>
+                  <a:cubicBezTo>
+                    <a:pt x="151" y="82"/>
+                    <a:pt x="203" y="164"/>
+                    <a:pt x="254" y="246"/>
+                  </a:cubicBezTo>
+                  <a:cubicBezTo>
+                    <a:pt x="248" y="250"/>
+                    <a:pt x="241" y="255"/>
+                    <a:pt x="234" y="259"/>
+                  </a:cubicBezTo>
+                  <a:cubicBezTo>
+                    <a:pt x="210" y="275"/>
+                    <a:pt x="185" y="291"/>
+                    <a:pt x="160" y="307"/>
+                  </a:cubicBezTo>
+                  <a:cubicBezTo>
+                    <a:pt x="157" y="308"/>
+                    <a:pt x="156" y="309"/>
+                    <a:pt x="154" y="306"/>
+                  </a:cubicBezTo>
+                  <a:cubicBezTo>
+                    <a:pt x="126" y="262"/>
+                    <a:pt x="99" y="219"/>
+                    <a:pt x="71" y="175"/>
+                  </a:cubicBezTo>
+                  <a:cubicBezTo>
+                    <a:pt x="55" y="149"/>
+                    <a:pt x="38" y="123"/>
+                    <a:pt x="22" y="96"/>
+                  </a:cubicBezTo>
+                  <a:cubicBezTo>
+                    <a:pt x="15" y="86"/>
+                    <a:pt x="9" y="76"/>
+                    <a:pt x="2" y="66"/>
+                  </a:cubicBezTo>
+                  <a:cubicBezTo>
+                    <a:pt x="0" y="63"/>
+                    <a:pt x="1" y="62"/>
+                    <a:pt x="3" y="60"/>
+                  </a:cubicBezTo>
+                  <a:cubicBezTo>
+                    <a:pt x="19" y="50"/>
+                    <a:pt x="36" y="39"/>
+                    <a:pt x="52" y="29"/>
+                  </a:cubicBezTo>
+                  <a:cubicBezTo>
+                    <a:pt x="65" y="21"/>
+                    <a:pt x="77" y="13"/>
+                    <a:pt x="90" y="4"/>
+                  </a:cubicBezTo>
+                  <a:cubicBezTo>
+                    <a:pt x="93" y="3"/>
+                    <a:pt x="96" y="1"/>
+                    <a:pt x="99" y="0"/>
+                  </a:cubicBezTo>
+                  <a:close/>
+                </a:path>
+              </a:pathLst>
+            </a:custGeom>
+            <a:solidFill>
+              <a:schemeClr val="accent4"/>
+            </a:solidFill>
+            <a:ln>
+              <a:noFill/>
+            </a:ln>
+          </p:spPr>
+          <p:txBody>
+            <a:bodyPr vert="horz" wrap="square" lIns="91440" tIns="45720" rIns="91440" bIns="45720" numCol="1" anchor="t" anchorCtr="0" compatLnSpc="1">
+              <a:prstTxWarp prst="textNoShape">
+                <a:avLst/>
+              </a:prstTxWarp>
+            </a:bodyPr>
+            <a:lstStyle/>
+            <a:p>
+              <a:pPr marL="0" marR="0" lvl="0" indent="0" algn="l" defTabSz="914400" rtl="0" eaLnBrk="1" fontAlgn="auto" latinLnBrk="0" hangingPunct="1">
+                <a:lnSpc>
+                  <a:spcPct val="100000"/>
+                </a:lnSpc>
+                <a:spcBef>
+                  <a:spcPts val="0"/>
+                </a:spcBef>
+                <a:spcAft>
+                  <a:spcPts val="0"/>
+                </a:spcAft>
+                <a:buClrTx/>
+                <a:buSzTx/>
+                <a:buFontTx/>
+                <a:buNone/>
+                <a:tabLst/>
+                <a:defRPr/>
+              </a:pPr>
+              <a:endParaRPr kumimoji="0" lang="en-US" sz="1800" b="0" i="0" u="none" strike="noStrike" kern="1200" cap="none" spc="0" normalizeH="0" baseline="0" noProof="0">
+                <a:ln>
+                  <a:noFill/>
+                </a:ln>
+                <a:solidFill>
+                  <a:srgbClr val="282F39"/>
+                </a:solidFill>
+                <a:effectLst/>
+                <a:uLnTx/>
+                <a:uFillTx/>
+                <a:latin typeface="Calibri" panose="020F0502020204030204"/>
+                <a:ea typeface="+mn-ea"/>
+                <a:cs typeface="+mn-cs"/>
+              </a:endParaRPr>
+            </a:p>
+          </p:txBody>
+        </p:sp>
+        <p:sp>
+          <p:nvSpPr>
+            <p:cNvPr id="6" name="Freeform 9">
+              <a:extLst>
+                <a:ext uri="{FF2B5EF4-FFF2-40B4-BE49-F238E27FC236}">
+                  <a16:creationId xmlns:a16="http://schemas.microsoft.com/office/drawing/2014/main" xmlns="" id="{22D9E2C5-1D1E-440E-949C-C90D898003E9}"/>
+                </a:ext>
+              </a:extLst>
+            </p:cNvPr>
+            <p:cNvSpPr>
+              <a:spLocks/>
+            </p:cNvSpPr>
+            <p:nvPr/>
+          </p:nvSpPr>
+          <p:spPr bwMode="auto">
+            <a:xfrm>
+              <a:off x="1875629" y="2528392"/>
+              <a:ext cx="1177275" cy="1542666"/>
+            </a:xfrm>
+            <a:custGeom>
+              <a:avLst/>
+              <a:gdLst>
+                <a:gd name="T0" fmla="*/ 156 w 254"/>
+                <a:gd name="T1" fmla="*/ 0 h 309"/>
+                <a:gd name="T2" fmla="*/ 254 w 254"/>
+                <a:gd name="T3" fmla="*/ 62 h 309"/>
+                <a:gd name="T4" fmla="*/ 98 w 254"/>
+                <a:gd name="T5" fmla="*/ 309 h 309"/>
+                <a:gd name="T6" fmla="*/ 0 w 254"/>
+                <a:gd name="T7" fmla="*/ 247 h 309"/>
+                <a:gd name="T8" fmla="*/ 156 w 254"/>
+                <a:gd name="T9" fmla="*/ 0 h 309"/>
+              </a:gdLst>
+              <a:ahLst/>
+              <a:cxnLst>
+                <a:cxn ang="0">
+                  <a:pos x="T0" y="T1"/>
+                </a:cxn>
+                <a:cxn ang="0">
+                  <a:pos x="T2" y="T3"/>
+                </a:cxn>
+                <a:cxn ang="0">
+                  <a:pos x="T4" y="T5"/>
+                </a:cxn>
+                <a:cxn ang="0">
+                  <a:pos x="T6" y="T7"/>
+                </a:cxn>
+                <a:cxn ang="0">
+                  <a:pos x="T8" y="T9"/>
+                </a:cxn>
+              </a:cxnLst>
+              <a:rect l="0" t="0" r="r" b="b"/>
+              <a:pathLst>
+                <a:path w="254" h="309">
+                  <a:moveTo>
+                    <a:pt x="156" y="0"/>
+                  </a:moveTo>
+                  <a:cubicBezTo>
+                    <a:pt x="189" y="21"/>
+                    <a:pt x="221" y="41"/>
+                    <a:pt x="254" y="62"/>
+                  </a:cubicBezTo>
+                  <a:cubicBezTo>
+                    <a:pt x="202" y="144"/>
+                    <a:pt x="150" y="226"/>
+                    <a:pt x="98" y="309"/>
+                  </a:cubicBezTo>
+                  <a:cubicBezTo>
+                    <a:pt x="65" y="288"/>
+                    <a:pt x="33" y="268"/>
+                    <a:pt x="0" y="247"/>
+                  </a:cubicBezTo>
+                  <a:cubicBezTo>
+                    <a:pt x="52" y="165"/>
+                    <a:pt x="104" y="83"/>
+                    <a:pt x="156" y="0"/>
+                  </a:cubicBezTo>
+                  <a:close/>
+                </a:path>
+              </a:pathLst>
+            </a:custGeom>
+            <a:solidFill>
+              <a:schemeClr val="accent2"/>
+            </a:solidFill>
+            <a:ln>
+              <a:noFill/>
+            </a:ln>
+            <a:extLst>
+              <a:ext uri="{91240B29-F687-4F45-9708-019B960494DF}">
+                <a14:hiddenLine xmlns:a14="http://schemas.microsoft.com/office/drawing/2010/main" xmlns="" w="9525">
+                  <a:solidFill>
+                    <a:srgbClr val="000000"/>
+                  </a:solidFill>
+                  <a:round/>
+                  <a:headEnd/>
+                  <a:tailEnd/>
+                </a14:hiddenLine>
+              </a:ext>
+            </a:extLst>
+          </p:spPr>
+          <p:txBody>
+            <a:bodyPr vert="horz" wrap="square" lIns="91440" tIns="45720" rIns="91440" bIns="45720" numCol="1" anchor="t" anchorCtr="0" compatLnSpc="1">
+              <a:prstTxWarp prst="textNoShape">
+                <a:avLst/>
+              </a:prstTxWarp>
+            </a:bodyPr>
+            <a:lstStyle/>
+            <a:p>
+              <a:pPr marL="0" marR="0" lvl="0" indent="0" algn="l" defTabSz="914400" rtl="0" eaLnBrk="1" fontAlgn="auto" latinLnBrk="0" hangingPunct="1">
+                <a:lnSpc>
+                  <a:spcPct val="100000"/>
+                </a:lnSpc>
+                <a:spcBef>
+                  <a:spcPts val="0"/>
+                </a:spcBef>
+                <a:spcAft>
+                  <a:spcPts val="0"/>
+                </a:spcAft>
+                <a:buClrTx/>
+                <a:buSzTx/>
+                <a:buFontTx/>
+                <a:buNone/>
+                <a:tabLst/>
+                <a:defRPr/>
+              </a:pPr>
+              <a:endParaRPr kumimoji="0" lang="en-US" sz="1800" b="0" i="0" u="none" strike="noStrike" kern="1200" cap="none" spc="0" normalizeH="0" baseline="0" noProof="0">
+                <a:ln>
+                  <a:noFill/>
+                </a:ln>
+                <a:solidFill>
+                  <a:srgbClr val="282F39"/>
+                </a:solidFill>
+                <a:effectLst/>
+                <a:uLnTx/>
+                <a:uFillTx/>
+                <a:latin typeface="Calibri" panose="020F0502020204030204"/>
+                <a:ea typeface="+mn-ea"/>
+                <a:cs typeface="+mn-cs"/>
+              </a:endParaRPr>
+            </a:p>
+          </p:txBody>
+        </p:sp>
+        <p:sp>
+          <p:nvSpPr>
+            <p:cNvPr id="7" name="Freeform 10">
+              <a:extLst>
+                <a:ext uri="{FF2B5EF4-FFF2-40B4-BE49-F238E27FC236}">
+                  <a16:creationId xmlns:a16="http://schemas.microsoft.com/office/drawing/2014/main" xmlns="" id="{EF5FEBE8-012E-4173-AA56-887197085CBA}"/>
+                </a:ext>
+              </a:extLst>
+            </p:cNvPr>
+            <p:cNvSpPr>
+              <a:spLocks/>
+            </p:cNvSpPr>
+            <p:nvPr/>
+          </p:nvSpPr>
+          <p:spPr bwMode="auto">
+            <a:xfrm>
+              <a:off x="2959135" y="4408868"/>
+              <a:ext cx="604263" cy="805116"/>
+            </a:xfrm>
+            <a:custGeom>
+              <a:avLst/>
+              <a:gdLst>
+                <a:gd name="T0" fmla="*/ 30 w 132"/>
+                <a:gd name="T1" fmla="*/ 162 h 162"/>
+                <a:gd name="T2" fmla="*/ 6 w 132"/>
+                <a:gd name="T3" fmla="*/ 147 h 162"/>
+                <a:gd name="T4" fmla="*/ 7 w 132"/>
+                <a:gd name="T5" fmla="*/ 119 h 162"/>
+                <a:gd name="T6" fmla="*/ 78 w 132"/>
+                <a:gd name="T7" fmla="*/ 16 h 162"/>
+                <a:gd name="T8" fmla="*/ 117 w 132"/>
+                <a:gd name="T9" fmla="*/ 8 h 162"/>
+                <a:gd name="T10" fmla="*/ 124 w 132"/>
+                <a:gd name="T11" fmla="*/ 46 h 162"/>
+                <a:gd name="T12" fmla="*/ 70 w 132"/>
+                <a:gd name="T13" fmla="*/ 125 h 162"/>
+                <a:gd name="T14" fmla="*/ 54 w 132"/>
+                <a:gd name="T15" fmla="*/ 149 h 162"/>
+                <a:gd name="T16" fmla="*/ 30 w 132"/>
+                <a:gd name="T17" fmla="*/ 162 h 162"/>
+              </a:gdLst>
+              <a:ahLst/>
+              <a:cxnLst>
+                <a:cxn ang="0">
+                  <a:pos x="T0" y="T1"/>
+                </a:cxn>
+                <a:cxn ang="0">
+                  <a:pos x="T2" y="T3"/>
+                </a:cxn>
+                <a:cxn ang="0">
+                  <a:pos x="T4" y="T5"/>
+                </a:cxn>
+                <a:cxn ang="0">
+                  <a:pos x="T6" y="T7"/>
+                </a:cxn>
+                <a:cxn ang="0">
+                  <a:pos x="T8" y="T9"/>
+                </a:cxn>
+                <a:cxn ang="0">
+                  <a:pos x="T10" y="T11"/>
+                </a:cxn>
+                <a:cxn ang="0">
+                  <a:pos x="T12" y="T13"/>
+                </a:cxn>
+                <a:cxn ang="0">
+                  <a:pos x="T14" y="T15"/>
+                </a:cxn>
+                <a:cxn ang="0">
+                  <a:pos x="T16" y="T17"/>
+                </a:cxn>
+              </a:cxnLst>
+              <a:rect l="0" t="0" r="r" b="b"/>
+              <a:pathLst>
+                <a:path w="132" h="162">
+                  <a:moveTo>
+                    <a:pt x="30" y="162"/>
+                  </a:moveTo>
+                  <a:cubicBezTo>
+                    <a:pt x="19" y="162"/>
+                    <a:pt x="11" y="156"/>
+                    <a:pt x="6" y="147"/>
+                  </a:cubicBezTo>
+                  <a:cubicBezTo>
+                    <a:pt x="0" y="138"/>
+                    <a:pt x="1" y="128"/>
+                    <a:pt x="7" y="119"/>
+                  </a:cubicBezTo>
+                  <a:cubicBezTo>
+                    <a:pt x="31" y="85"/>
+                    <a:pt x="54" y="50"/>
+                    <a:pt x="78" y="16"/>
+                  </a:cubicBezTo>
+                  <a:cubicBezTo>
+                    <a:pt x="86" y="3"/>
+                    <a:pt x="104" y="0"/>
+                    <a:pt x="117" y="8"/>
+                  </a:cubicBezTo>
+                  <a:cubicBezTo>
+                    <a:pt x="129" y="17"/>
+                    <a:pt x="132" y="34"/>
+                    <a:pt x="124" y="46"/>
+                  </a:cubicBezTo>
+                  <a:cubicBezTo>
+                    <a:pt x="106" y="73"/>
+                    <a:pt x="88" y="99"/>
+                    <a:pt x="70" y="125"/>
+                  </a:cubicBezTo>
+                  <a:cubicBezTo>
+                    <a:pt x="65" y="133"/>
+                    <a:pt x="59" y="141"/>
+                    <a:pt x="54" y="149"/>
+                  </a:cubicBezTo>
+                  <a:cubicBezTo>
+                    <a:pt x="48" y="157"/>
+                    <a:pt x="41" y="162"/>
+                    <a:pt x="30" y="162"/>
+                  </a:cubicBezTo>
+                  <a:close/>
+                </a:path>
+              </a:pathLst>
+            </a:custGeom>
+            <a:solidFill>
+              <a:schemeClr val="accent4"/>
+            </a:solidFill>
+            <a:ln>
+              <a:noFill/>
+            </a:ln>
+          </p:spPr>
+          <p:txBody>
+            <a:bodyPr vert="horz" wrap="square" lIns="91440" tIns="45720" rIns="91440" bIns="45720" numCol="1" anchor="t" anchorCtr="0" compatLnSpc="1">
+              <a:prstTxWarp prst="textNoShape">
+                <a:avLst/>
+              </a:prstTxWarp>
+            </a:bodyPr>
+            <a:lstStyle/>
+            <a:p>
+              <a:pPr marL="0" marR="0" lvl="0" indent="0" algn="l" defTabSz="914400" rtl="0" eaLnBrk="1" fontAlgn="auto" latinLnBrk="0" hangingPunct="1">
+                <a:lnSpc>
+                  <a:spcPct val="100000"/>
+                </a:lnSpc>
+                <a:spcBef>
+                  <a:spcPts val="0"/>
+                </a:spcBef>
+                <a:spcAft>
+                  <a:spcPts val="0"/>
+                </a:spcAft>
+                <a:buClrTx/>
+                <a:buSzTx/>
+                <a:buFontTx/>
+                <a:buNone/>
+                <a:tabLst/>
+                <a:defRPr/>
+              </a:pPr>
+              <a:endParaRPr kumimoji="0" lang="en-US" sz="1800" b="0" i="0" u="none" strike="noStrike" kern="1200" cap="none" spc="0" normalizeH="0" baseline="0" noProof="0">
+                <a:ln>
+                  <a:noFill/>
+                </a:ln>
+                <a:solidFill>
+                  <a:srgbClr val="282F39"/>
+                </a:solidFill>
+                <a:effectLst/>
+                <a:uLnTx/>
+                <a:uFillTx/>
+                <a:latin typeface="Calibri" panose="020F0502020204030204"/>
+                <a:ea typeface="+mn-ea"/>
+                <a:cs typeface="+mn-cs"/>
+              </a:endParaRPr>
+            </a:p>
+          </p:txBody>
+        </p:sp>
+        <p:sp>
+          <p:nvSpPr>
+            <p:cNvPr id="8" name="Freeform 11">
+              <a:extLst>
+                <a:ext uri="{FF2B5EF4-FFF2-40B4-BE49-F238E27FC236}">
+                  <a16:creationId xmlns:a16="http://schemas.microsoft.com/office/drawing/2014/main" xmlns="" id="{99771485-D4A8-473C-8DFF-A4C3E46360CE}"/>
+                </a:ext>
+              </a:extLst>
+            </p:cNvPr>
+            <p:cNvSpPr>
+              <a:spLocks/>
+            </p:cNvSpPr>
+            <p:nvPr/>
+          </p:nvSpPr>
+          <p:spPr bwMode="auto">
+            <a:xfrm>
+              <a:off x="3271685" y="4718525"/>
+              <a:ext cx="541753" cy="658731"/>
+            </a:xfrm>
+            <a:custGeom>
+              <a:avLst/>
+              <a:gdLst>
+                <a:gd name="T0" fmla="*/ 36 w 118"/>
+                <a:gd name="T1" fmla="*/ 133 h 133"/>
+                <a:gd name="T2" fmla="*/ 8 w 118"/>
+                <a:gd name="T3" fmla="*/ 95 h 133"/>
+                <a:gd name="T4" fmla="*/ 20 w 118"/>
+                <a:gd name="T5" fmla="*/ 77 h 133"/>
+                <a:gd name="T6" fmla="*/ 65 w 118"/>
+                <a:gd name="T7" fmla="*/ 12 h 133"/>
+                <a:gd name="T8" fmla="*/ 88 w 118"/>
+                <a:gd name="T9" fmla="*/ 1 h 133"/>
+                <a:gd name="T10" fmla="*/ 112 w 118"/>
+                <a:gd name="T11" fmla="*/ 18 h 133"/>
+                <a:gd name="T12" fmla="*/ 105 w 118"/>
+                <a:gd name="T13" fmla="*/ 51 h 133"/>
+                <a:gd name="T14" fmla="*/ 67 w 118"/>
+                <a:gd name="T15" fmla="*/ 105 h 133"/>
+                <a:gd name="T16" fmla="*/ 57 w 118"/>
+                <a:gd name="T17" fmla="*/ 121 h 133"/>
+                <a:gd name="T18" fmla="*/ 36 w 118"/>
+                <a:gd name="T19" fmla="*/ 133 h 133"/>
+              </a:gdLst>
+              <a:ahLst/>
+              <a:cxnLst>
+                <a:cxn ang="0">
+                  <a:pos x="T0" y="T1"/>
+                </a:cxn>
+                <a:cxn ang="0">
+                  <a:pos x="T2" y="T3"/>
+                </a:cxn>
+                <a:cxn ang="0">
+                  <a:pos x="T4" y="T5"/>
+                </a:cxn>
+                <a:cxn ang="0">
+                  <a:pos x="T6" y="T7"/>
+                </a:cxn>
+                <a:cxn ang="0">
+                  <a:pos x="T8" y="T9"/>
+                </a:cxn>
+                <a:cxn ang="0">
+                  <a:pos x="T10" y="T11"/>
+                </a:cxn>
+                <a:cxn ang="0">
+                  <a:pos x="T12" y="T13"/>
+                </a:cxn>
+                <a:cxn ang="0">
+                  <a:pos x="T14" y="T15"/>
+                </a:cxn>
+                <a:cxn ang="0">
+                  <a:pos x="T16" y="T17"/>
+                </a:cxn>
+                <a:cxn ang="0">
+                  <a:pos x="T18" y="T19"/>
+                </a:cxn>
+              </a:cxnLst>
+              <a:rect l="0" t="0" r="r" b="b"/>
+              <a:pathLst>
+                <a:path w="118" h="133">
+                  <a:moveTo>
+                    <a:pt x="36" y="133"/>
+                  </a:moveTo>
+                  <a:cubicBezTo>
+                    <a:pt x="13" y="133"/>
+                    <a:pt x="0" y="113"/>
+                    <a:pt x="8" y="95"/>
+                  </a:cubicBezTo>
+                  <a:cubicBezTo>
+                    <a:pt x="11" y="88"/>
+                    <a:pt x="16" y="83"/>
+                    <a:pt x="20" y="77"/>
+                  </a:cubicBezTo>
+                  <a:cubicBezTo>
+                    <a:pt x="35" y="55"/>
+                    <a:pt x="50" y="34"/>
+                    <a:pt x="65" y="12"/>
+                  </a:cubicBezTo>
+                  <a:cubicBezTo>
+                    <a:pt x="70" y="4"/>
+                    <a:pt x="79" y="0"/>
+                    <a:pt x="88" y="1"/>
+                  </a:cubicBezTo>
+                  <a:cubicBezTo>
+                    <a:pt x="99" y="2"/>
+                    <a:pt x="107" y="8"/>
+                    <a:pt x="112" y="18"/>
+                  </a:cubicBezTo>
+                  <a:cubicBezTo>
+                    <a:pt x="118" y="31"/>
+                    <a:pt x="112" y="41"/>
+                    <a:pt x="105" y="51"/>
+                  </a:cubicBezTo>
+                  <a:cubicBezTo>
+                    <a:pt x="93" y="69"/>
+                    <a:pt x="80" y="87"/>
+                    <a:pt x="67" y="105"/>
+                  </a:cubicBezTo>
+                  <a:cubicBezTo>
+                    <a:pt x="64" y="110"/>
+                    <a:pt x="61" y="116"/>
+                    <a:pt x="57" y="121"/>
+                  </a:cubicBezTo>
+                  <a:cubicBezTo>
+                    <a:pt x="51" y="129"/>
+                    <a:pt x="44" y="133"/>
+                    <a:pt x="36" y="133"/>
+                  </a:cubicBezTo>
+                  <a:close/>
+                </a:path>
+              </a:pathLst>
+            </a:custGeom>
+            <a:solidFill>
+              <a:schemeClr val="accent4"/>
+            </a:solidFill>
+            <a:ln>
+              <a:noFill/>
+            </a:ln>
+          </p:spPr>
+          <p:txBody>
+            <a:bodyPr vert="horz" wrap="square" lIns="91440" tIns="45720" rIns="91440" bIns="45720" numCol="1" anchor="t" anchorCtr="0" compatLnSpc="1">
+              <a:prstTxWarp prst="textNoShape">
+                <a:avLst/>
+              </a:prstTxWarp>
+            </a:bodyPr>
+            <a:lstStyle/>
+            <a:p>
+              <a:pPr marL="0" marR="0" lvl="0" indent="0" algn="l" defTabSz="914400" rtl="0" eaLnBrk="1" fontAlgn="auto" latinLnBrk="0" hangingPunct="1">
+                <a:lnSpc>
+                  <a:spcPct val="100000"/>
+                </a:lnSpc>
+                <a:spcBef>
+                  <a:spcPts val="0"/>
+                </a:spcBef>
+                <a:spcAft>
+                  <a:spcPts val="0"/>
+                </a:spcAft>
+                <a:buClrTx/>
+                <a:buSzTx/>
+                <a:buFontTx/>
+                <a:buNone/>
+                <a:tabLst/>
+                <a:defRPr/>
+              </a:pPr>
+              <a:endParaRPr kumimoji="0" lang="en-US" sz="1800" b="0" i="0" u="none" strike="noStrike" kern="1200" cap="none" spc="0" normalizeH="0" baseline="0" noProof="0">
+                <a:ln>
+                  <a:noFill/>
+                </a:ln>
+                <a:solidFill>
+                  <a:srgbClr val="282F39"/>
+                </a:solidFill>
+                <a:effectLst/>
+                <a:uLnTx/>
+                <a:uFillTx/>
+                <a:latin typeface="Calibri" panose="020F0502020204030204"/>
+                <a:ea typeface="+mn-ea"/>
+                <a:cs typeface="+mn-cs"/>
+              </a:endParaRPr>
+            </a:p>
+          </p:txBody>
+        </p:sp>
+        <p:sp>
+          <p:nvSpPr>
+            <p:cNvPr id="9" name="Freeform 12">
+              <a:extLst>
+                <a:ext uri="{FF2B5EF4-FFF2-40B4-BE49-F238E27FC236}">
+                  <a16:creationId xmlns:a16="http://schemas.microsoft.com/office/drawing/2014/main" xmlns="" id="{6DF16085-9BEC-4EF0-BF67-5178E73B516C}"/>
+                </a:ext>
+              </a:extLst>
+            </p:cNvPr>
+            <p:cNvSpPr>
+              <a:spLocks/>
+            </p:cNvSpPr>
+            <p:nvPr/>
+          </p:nvSpPr>
+          <p:spPr bwMode="auto">
+            <a:xfrm>
+              <a:off x="2698680" y="4408868"/>
+              <a:ext cx="416733" cy="534868"/>
+            </a:xfrm>
+            <a:custGeom>
+              <a:avLst/>
+              <a:gdLst>
+                <a:gd name="T0" fmla="*/ 91 w 92"/>
+                <a:gd name="T1" fmla="*/ 28 h 107"/>
+                <a:gd name="T2" fmla="*/ 84 w 92"/>
+                <a:gd name="T3" fmla="*/ 47 h 107"/>
+                <a:gd name="T4" fmla="*/ 53 w 92"/>
+                <a:gd name="T5" fmla="*/ 92 h 107"/>
+                <a:gd name="T6" fmla="*/ 19 w 92"/>
+                <a:gd name="T7" fmla="*/ 101 h 107"/>
+                <a:gd name="T8" fmla="*/ 4 w 92"/>
+                <a:gd name="T9" fmla="*/ 70 h 107"/>
+                <a:gd name="T10" fmla="*/ 17 w 92"/>
+                <a:gd name="T11" fmla="*/ 48 h 107"/>
+                <a:gd name="T12" fmla="*/ 41 w 92"/>
+                <a:gd name="T13" fmla="*/ 13 h 107"/>
+                <a:gd name="T14" fmla="*/ 67 w 92"/>
+                <a:gd name="T15" fmla="*/ 1 h 107"/>
+                <a:gd name="T16" fmla="*/ 90 w 92"/>
+                <a:gd name="T17" fmla="*/ 21 h 107"/>
+                <a:gd name="T18" fmla="*/ 91 w 92"/>
+                <a:gd name="T19" fmla="*/ 28 h 107"/>
+              </a:gdLst>
+              <a:ahLst/>
+              <a:cxnLst>
+                <a:cxn ang="0">
+                  <a:pos x="T0" y="T1"/>
+                </a:cxn>
+                <a:cxn ang="0">
+                  <a:pos x="T2" y="T3"/>
+                </a:cxn>
+                <a:cxn ang="0">
+                  <a:pos x="T4" y="T5"/>
+                </a:cxn>
+                <a:cxn ang="0">
+                  <a:pos x="T6" y="T7"/>
+                </a:cxn>
+                <a:cxn ang="0">
+                  <a:pos x="T8" y="T9"/>
+                </a:cxn>
+                <a:cxn ang="0">
+                  <a:pos x="T10" y="T11"/>
+                </a:cxn>
+                <a:cxn ang="0">
+                  <a:pos x="T12" y="T13"/>
+                </a:cxn>
+                <a:cxn ang="0">
+                  <a:pos x="T14" y="T15"/>
+                </a:cxn>
+                <a:cxn ang="0">
+                  <a:pos x="T16" y="T17"/>
+                </a:cxn>
+                <a:cxn ang="0">
+                  <a:pos x="T18" y="T19"/>
+                </a:cxn>
+              </a:cxnLst>
+              <a:rect l="0" t="0" r="r" b="b"/>
+              <a:pathLst>
+                <a:path w="92" h="107">
+                  <a:moveTo>
+                    <a:pt x="91" y="28"/>
+                  </a:moveTo>
+                  <a:cubicBezTo>
+                    <a:pt x="92" y="35"/>
+                    <a:pt x="88" y="41"/>
+                    <a:pt x="84" y="47"/>
+                  </a:cubicBezTo>
+                  <a:cubicBezTo>
+                    <a:pt x="74" y="62"/>
+                    <a:pt x="64" y="77"/>
+                    <a:pt x="53" y="92"/>
+                  </a:cubicBezTo>
+                  <a:cubicBezTo>
+                    <a:pt x="46" y="103"/>
+                    <a:pt x="32" y="107"/>
+                    <a:pt x="19" y="101"/>
+                  </a:cubicBezTo>
+                  <a:cubicBezTo>
+                    <a:pt x="8" y="96"/>
+                    <a:pt x="0" y="82"/>
+                    <a:pt x="4" y="70"/>
+                  </a:cubicBezTo>
+                  <a:cubicBezTo>
+                    <a:pt x="7" y="62"/>
+                    <a:pt x="12" y="55"/>
+                    <a:pt x="17" y="48"/>
+                  </a:cubicBezTo>
+                  <a:cubicBezTo>
+                    <a:pt x="24" y="36"/>
+                    <a:pt x="33" y="25"/>
+                    <a:pt x="41" y="13"/>
+                  </a:cubicBezTo>
+                  <a:cubicBezTo>
+                    <a:pt x="48" y="4"/>
+                    <a:pt x="56" y="0"/>
+                    <a:pt x="67" y="1"/>
+                  </a:cubicBezTo>
+                  <a:cubicBezTo>
+                    <a:pt x="79" y="3"/>
+                    <a:pt x="87" y="10"/>
+                    <a:pt x="90" y="21"/>
+                  </a:cubicBezTo>
+                  <a:cubicBezTo>
+                    <a:pt x="91" y="24"/>
+                    <a:pt x="91" y="26"/>
+                    <a:pt x="91" y="28"/>
+                  </a:cubicBezTo>
+                  <a:close/>
+                </a:path>
+              </a:pathLst>
+            </a:custGeom>
+            <a:solidFill>
+              <a:schemeClr val="accent4"/>
+            </a:solidFill>
+            <a:ln>
+              <a:noFill/>
+            </a:ln>
+          </p:spPr>
+          <p:txBody>
+            <a:bodyPr vert="horz" wrap="square" lIns="91440" tIns="45720" rIns="91440" bIns="45720" numCol="1" anchor="t" anchorCtr="0" compatLnSpc="1">
+              <a:prstTxWarp prst="textNoShape">
+                <a:avLst/>
+              </a:prstTxWarp>
+            </a:bodyPr>
+            <a:lstStyle/>
+            <a:p>
+              <a:pPr marL="0" marR="0" lvl="0" indent="0" algn="l" defTabSz="914400" rtl="0" eaLnBrk="1" fontAlgn="auto" latinLnBrk="0" hangingPunct="1">
+                <a:lnSpc>
+                  <a:spcPct val="100000"/>
+                </a:lnSpc>
+                <a:spcBef>
+                  <a:spcPts val="0"/>
+                </a:spcBef>
+                <a:spcAft>
+                  <a:spcPts val="0"/>
+                </a:spcAft>
+                <a:buClrTx/>
+                <a:buSzTx/>
+                <a:buFontTx/>
+                <a:buNone/>
+                <a:tabLst/>
+                <a:defRPr/>
+              </a:pPr>
+              <a:endParaRPr kumimoji="0" lang="en-US" sz="1800" b="0" i="0" u="none" strike="noStrike" kern="1200" cap="none" spc="0" normalizeH="0" baseline="0" noProof="0">
+                <a:ln>
+                  <a:noFill/>
+                </a:ln>
+                <a:solidFill>
+                  <a:srgbClr val="282F39"/>
+                </a:solidFill>
+                <a:effectLst/>
+                <a:uLnTx/>
+                <a:uFillTx/>
+                <a:latin typeface="Calibri" panose="020F0502020204030204"/>
+                <a:ea typeface="+mn-ea"/>
+                <a:cs typeface="+mn-cs"/>
+              </a:endParaRPr>
+            </a:p>
+          </p:txBody>
+        </p:sp>
+        <p:sp>
+          <p:nvSpPr>
+            <p:cNvPr id="10" name="Freeform 13">
+              <a:extLst>
+                <a:ext uri="{FF2B5EF4-FFF2-40B4-BE49-F238E27FC236}">
+                  <a16:creationId xmlns:a16="http://schemas.microsoft.com/office/drawing/2014/main" xmlns="" id="{7150699D-F850-4A13-8145-9A81EA2086B2}"/>
+                </a:ext>
+              </a:extLst>
+            </p:cNvPr>
+            <p:cNvSpPr>
+              <a:spLocks/>
+            </p:cNvSpPr>
+            <p:nvPr/>
+          </p:nvSpPr>
+          <p:spPr bwMode="auto">
+            <a:xfrm>
+              <a:off x="3646745" y="5067596"/>
+              <a:ext cx="333387" cy="439153"/>
+            </a:xfrm>
+            <a:custGeom>
+              <a:avLst/>
+              <a:gdLst>
+                <a:gd name="T0" fmla="*/ 72 w 73"/>
+                <a:gd name="T1" fmla="*/ 26 h 88"/>
+                <a:gd name="T2" fmla="*/ 63 w 73"/>
+                <a:gd name="T3" fmla="*/ 45 h 88"/>
+                <a:gd name="T4" fmla="*/ 43 w 73"/>
+                <a:gd name="T5" fmla="*/ 74 h 88"/>
+                <a:gd name="T6" fmla="*/ 5 w 73"/>
+                <a:gd name="T7" fmla="*/ 72 h 88"/>
+                <a:gd name="T8" fmla="*/ 6 w 73"/>
+                <a:gd name="T9" fmla="*/ 48 h 88"/>
+                <a:gd name="T10" fmla="*/ 32 w 73"/>
+                <a:gd name="T11" fmla="*/ 12 h 88"/>
+                <a:gd name="T12" fmla="*/ 56 w 73"/>
+                <a:gd name="T13" fmla="*/ 3 h 88"/>
+                <a:gd name="T14" fmla="*/ 72 w 73"/>
+                <a:gd name="T15" fmla="*/ 26 h 88"/>
+              </a:gdLst>
+              <a:ahLst/>
+              <a:cxnLst>
+                <a:cxn ang="0">
+                  <a:pos x="T0" y="T1"/>
+                </a:cxn>
+                <a:cxn ang="0">
+                  <a:pos x="T2" y="T3"/>
+                </a:cxn>
+                <a:cxn ang="0">
+                  <a:pos x="T4" y="T5"/>
+                </a:cxn>
+                <a:cxn ang="0">
+                  <a:pos x="T6" y="T7"/>
+                </a:cxn>
+                <a:cxn ang="0">
+                  <a:pos x="T8" y="T9"/>
+                </a:cxn>
+                <a:cxn ang="0">
+                  <a:pos x="T10" y="T11"/>
+                </a:cxn>
+                <a:cxn ang="0">
+                  <a:pos x="T12" y="T13"/>
+                </a:cxn>
+                <a:cxn ang="0">
+                  <a:pos x="T14" y="T15"/>
+                </a:cxn>
+              </a:cxnLst>
+              <a:rect l="0" t="0" r="r" b="b"/>
+              <a:pathLst>
+                <a:path w="73" h="88">
+                  <a:moveTo>
+                    <a:pt x="72" y="26"/>
+                  </a:moveTo>
+                  <a:cubicBezTo>
+                    <a:pt x="73" y="33"/>
+                    <a:pt x="67" y="39"/>
+                    <a:pt x="63" y="45"/>
+                  </a:cubicBezTo>
+                  <a:cubicBezTo>
+                    <a:pt x="57" y="55"/>
+                    <a:pt x="50" y="64"/>
+                    <a:pt x="43" y="74"/>
+                  </a:cubicBezTo>
+                  <a:cubicBezTo>
+                    <a:pt x="33" y="88"/>
+                    <a:pt x="13" y="87"/>
+                    <a:pt x="5" y="72"/>
+                  </a:cubicBezTo>
+                  <a:cubicBezTo>
+                    <a:pt x="0" y="64"/>
+                    <a:pt x="1" y="56"/>
+                    <a:pt x="6" y="48"/>
+                  </a:cubicBezTo>
+                  <a:cubicBezTo>
+                    <a:pt x="15" y="36"/>
+                    <a:pt x="23" y="24"/>
+                    <a:pt x="32" y="12"/>
+                  </a:cubicBezTo>
+                  <a:cubicBezTo>
+                    <a:pt x="38" y="3"/>
+                    <a:pt x="47" y="0"/>
+                    <a:pt x="56" y="3"/>
+                  </a:cubicBezTo>
+                  <a:cubicBezTo>
+                    <a:pt x="67" y="6"/>
+                    <a:pt x="72" y="14"/>
+                    <a:pt x="72" y="26"/>
+                  </a:cubicBezTo>
+                  <a:close/>
+                </a:path>
+              </a:pathLst>
+            </a:custGeom>
+            <a:solidFill>
+              <a:schemeClr val="accent4"/>
+            </a:solidFill>
+            <a:ln>
+              <a:noFill/>
+            </a:ln>
+          </p:spPr>
+          <p:txBody>
+            <a:bodyPr vert="horz" wrap="square" lIns="91440" tIns="45720" rIns="91440" bIns="45720" numCol="1" anchor="t" anchorCtr="0" compatLnSpc="1">
+              <a:prstTxWarp prst="textNoShape">
+                <a:avLst/>
+              </a:prstTxWarp>
+            </a:bodyPr>
+            <a:lstStyle/>
+            <a:p>
+              <a:pPr marL="0" marR="0" lvl="0" indent="0" algn="l" defTabSz="914400" rtl="0" eaLnBrk="1" fontAlgn="auto" latinLnBrk="0" hangingPunct="1">
+                <a:lnSpc>
+                  <a:spcPct val="100000"/>
+                </a:lnSpc>
+                <a:spcBef>
+                  <a:spcPts val="0"/>
+                </a:spcBef>
+                <a:spcAft>
+                  <a:spcPts val="0"/>
+                </a:spcAft>
+                <a:buClrTx/>
+                <a:buSzTx/>
+                <a:buFontTx/>
+                <a:buNone/>
+                <a:tabLst/>
+                <a:defRPr/>
+              </a:pPr>
+              <a:endParaRPr kumimoji="0" lang="en-US" sz="1800" b="0" i="0" u="none" strike="noStrike" kern="1200" cap="none" spc="0" normalizeH="0" baseline="0" noProof="0">
+                <a:ln>
+                  <a:noFill/>
+                </a:ln>
+                <a:solidFill>
+                  <a:srgbClr val="282F39"/>
+                </a:solidFill>
+                <a:effectLst/>
+                <a:uLnTx/>
+                <a:uFillTx/>
+                <a:latin typeface="Calibri" panose="020F0502020204030204"/>
+                <a:ea typeface="+mn-ea"/>
+                <a:cs typeface="+mn-cs"/>
+              </a:endParaRPr>
+            </a:p>
+          </p:txBody>
+        </p:sp>
+      </p:grpSp>
+      <p:sp>
+        <p:nvSpPr>
+          <p:cNvPr id="11" name="TextBox 10">
+            <a:extLst>
+              <a:ext uri="{FF2B5EF4-FFF2-40B4-BE49-F238E27FC236}">
+                <a16:creationId xmlns:a16="http://schemas.microsoft.com/office/drawing/2014/main" xmlns="" id="{DF691C40-340A-44BC-A6B3-C3A20A9ED913}"/>
+              </a:ext>
+            </a:extLst>
+          </p:cNvPr>
+          <p:cNvSpPr txBox="1"/>
+          <p:nvPr/>
+        </p:nvSpPr>
+        <p:spPr>
+          <a:xfrm>
+            <a:off x="2514600" y="5562600"/>
+            <a:ext cx="3443037" cy="923330"/>
+          </a:xfrm>
+          <a:prstGeom prst="rect">
+            <a:avLst/>
+          </a:prstGeom>
+          <a:noFill/>
+        </p:spPr>
+        <p:txBody>
+          <a:bodyPr wrap="square" rtlCol="0" anchor="ctr">
+            <a:spAutoFit/>
+          </a:bodyPr>
+          <a:lstStyle/>
+          <a:p>
+            <a:pPr algn="ctr"/>
+            <a:r>
+              <a:rPr lang="en-US" altLang="ko-KR" sz="5400" dirty="0">
+                <a:solidFill>
+                  <a:schemeClr val="bg1"/>
+                </a:solidFill>
+                <a:cs typeface="Arial" pitchFamily="34" charset="0"/>
+              </a:rPr>
+              <a:t>Thank You</a:t>
+            </a:r>
+            <a:endParaRPr lang="ko-KR" altLang="en-US" sz="5400" dirty="0">
+              <a:solidFill>
+                <a:schemeClr val="bg1"/>
+              </a:solidFill>
+              <a:cs typeface="Arial" pitchFamily="34" charset="0"/>
+            </a:endParaRPr>
+          </a:p>
+        </p:txBody>
+      </p:sp>
+    </p:spTree>
   </p:cSld>
   <p:clrMapOvr>
     <a:masterClrMapping/>

--- a/Introduction.pptx
+++ b/Introduction.pptx
@@ -6,12 +6,12 @@
   </p:sldMasterIdLst>
   <p:sldIdLst>
     <p:sldId id="261" r:id="rId2"/>
-    <p:sldId id="262" r:id="rId3"/>
-    <p:sldId id="264" r:id="rId4"/>
-    <p:sldId id="268" r:id="rId5"/>
+    <p:sldId id="270" r:id="rId3"/>
+    <p:sldId id="262" r:id="rId4"/>
+    <p:sldId id="264" r:id="rId5"/>
     <p:sldId id="265" r:id="rId6"/>
-    <p:sldId id="266" r:id="rId7"/>
-    <p:sldId id="269" r:id="rId8"/>
+    <p:sldId id="268" r:id="rId7"/>
+    <p:sldId id="266" r:id="rId8"/>
   </p:sldIdLst>
   <p:sldSz cx="9144000" cy="6858000" type="screen4x3"/>
   <p:notesSz cx="6858000" cy="9144000"/>
@@ -295,7 +295,7 @@
             <a:fld id="{01B41F80-CB50-44AE-8443-B6A662D174DC}" type="datetimeFigureOut">
               <a:rPr lang="en-US" smtClean="0"/>
               <a:pPr/>
-              <a:t>11/16/2019</a:t>
+              <a:t>11/29/2019</a:t>
             </a:fld>
             <a:endParaRPr lang="en-US"/>
           </a:p>
@@ -462,7 +462,7 @@
             <a:fld id="{01B41F80-CB50-44AE-8443-B6A662D174DC}" type="datetimeFigureOut">
               <a:rPr lang="en-US" smtClean="0"/>
               <a:pPr/>
-              <a:t>11/16/2019</a:t>
+              <a:t>11/29/2019</a:t>
             </a:fld>
             <a:endParaRPr lang="en-US"/>
           </a:p>
@@ -639,7 +639,7 @@
             <a:fld id="{01B41F80-CB50-44AE-8443-B6A662D174DC}" type="datetimeFigureOut">
               <a:rPr lang="en-US" smtClean="0"/>
               <a:pPr/>
-              <a:t>11/16/2019</a:t>
+              <a:t>11/29/2019</a:t>
             </a:fld>
             <a:endParaRPr lang="en-US"/>
           </a:p>
@@ -732,7 +732,7 @@
           <p:cNvPr id="220" name="Rectangle 219">
             <a:extLst>
               <a:ext uri="{FF2B5EF4-FFF2-40B4-BE49-F238E27FC236}">
-                <a16:creationId xmlns:a16="http://schemas.microsoft.com/office/drawing/2014/main" xmlns="" id="{E970CBB1-3F25-44EF-A6B8-2219DE80F1E6}"/>
+                <a16:creationId xmlns="" xmlns:a16="http://schemas.microsoft.com/office/drawing/2014/main" id="{E970CBB1-3F25-44EF-A6B8-2219DE80F1E6}"/>
               </a:ext>
             </a:extLst>
           </p:cNvPr>
@@ -786,7 +786,7 @@
           <p:cNvPr id="221" name="Arc 220">
             <a:extLst>
               <a:ext uri="{FF2B5EF4-FFF2-40B4-BE49-F238E27FC236}">
-                <a16:creationId xmlns:a16="http://schemas.microsoft.com/office/drawing/2014/main" xmlns="" id="{32E2B889-41FC-4724-93F6-48A4DEF90230}"/>
+                <a16:creationId xmlns="" xmlns:a16="http://schemas.microsoft.com/office/drawing/2014/main" id="{32E2B889-41FC-4724-93F6-48A4DEF90230}"/>
               </a:ext>
             </a:extLst>
           </p:cNvPr>
@@ -838,7 +838,7 @@
     </p:spTree>
     <p:extLst>
       <p:ext uri="{BB962C8B-B14F-4D97-AF65-F5344CB8AC3E}">
-        <p14:creationId xmlns:p14="http://schemas.microsoft.com/office/powerpoint/2010/main" xmlns="" val="936750200"/>
+        <p14:creationId xmlns:p14="http://schemas.microsoft.com/office/powerpoint/2010/main" val="936750200"/>
       </p:ext>
     </p:extLst>
   </p:cSld>
@@ -884,7 +884,7 @@
           <p:cNvPr id="2" name="Graphic 2">
             <a:extLst>
               <a:ext uri="{FF2B5EF4-FFF2-40B4-BE49-F238E27FC236}">
-                <a16:creationId xmlns:a16="http://schemas.microsoft.com/office/drawing/2014/main" xmlns="" id="{C6032FB9-BC74-4D22-9490-C57A3761EB46}"/>
+                <a16:creationId xmlns="" xmlns:a16="http://schemas.microsoft.com/office/drawing/2014/main" id="{C6032FB9-BC74-4D22-9490-C57A3761EB46}"/>
               </a:ext>
             </a:extLst>
           </p:cNvPr>
@@ -1106,7 +1106,7 @@
     </p:spTree>
     <p:extLst>
       <p:ext uri="{BB962C8B-B14F-4D97-AF65-F5344CB8AC3E}">
-        <p14:creationId xmlns:p14="http://schemas.microsoft.com/office/powerpoint/2010/main" xmlns="" val="2395023768"/>
+        <p14:creationId xmlns:p14="http://schemas.microsoft.com/office/powerpoint/2010/main" val="2395023768"/>
       </p:ext>
     </p:extLst>
   </p:cSld>
@@ -1226,7 +1226,7 @@
             <a:fld id="{01B41F80-CB50-44AE-8443-B6A662D174DC}" type="datetimeFigureOut">
               <a:rPr lang="en-US" smtClean="0"/>
               <a:pPr/>
-              <a:t>11/16/2019</a:t>
+              <a:t>11/29/2019</a:t>
             </a:fld>
             <a:endParaRPr lang="en-US"/>
           </a:p>
@@ -1469,7 +1469,7 @@
             <a:fld id="{01B41F80-CB50-44AE-8443-B6A662D174DC}" type="datetimeFigureOut">
               <a:rPr lang="en-US" smtClean="0"/>
               <a:pPr/>
-              <a:t>11/16/2019</a:t>
+              <a:t>11/29/2019</a:t>
             </a:fld>
             <a:endParaRPr lang="en-US"/>
           </a:p>
@@ -1754,7 +1754,7 @@
             <a:fld id="{01B41F80-CB50-44AE-8443-B6A662D174DC}" type="datetimeFigureOut">
               <a:rPr lang="en-US" smtClean="0"/>
               <a:pPr/>
-              <a:t>11/16/2019</a:t>
+              <a:t>11/29/2019</a:t>
             </a:fld>
             <a:endParaRPr lang="en-US"/>
           </a:p>
@@ -2173,7 +2173,7 @@
             <a:fld id="{01B41F80-CB50-44AE-8443-B6A662D174DC}" type="datetimeFigureOut">
               <a:rPr lang="en-US" smtClean="0"/>
               <a:pPr/>
-              <a:t>11/16/2019</a:t>
+              <a:t>11/29/2019</a:t>
             </a:fld>
             <a:endParaRPr lang="en-US"/>
           </a:p>
@@ -2288,7 +2288,7 @@
             <a:fld id="{01B41F80-CB50-44AE-8443-B6A662D174DC}" type="datetimeFigureOut">
               <a:rPr lang="en-US" smtClean="0"/>
               <a:pPr/>
-              <a:t>11/16/2019</a:t>
+              <a:t>11/29/2019</a:t>
             </a:fld>
             <a:endParaRPr lang="en-US"/>
           </a:p>
@@ -2380,7 +2380,7 @@
             <a:fld id="{01B41F80-CB50-44AE-8443-B6A662D174DC}" type="datetimeFigureOut">
               <a:rPr lang="en-US" smtClean="0"/>
               <a:pPr/>
-              <a:t>11/16/2019</a:t>
+              <a:t>11/29/2019</a:t>
             </a:fld>
             <a:endParaRPr lang="en-US"/>
           </a:p>
@@ -2654,7 +2654,7 @@
             <a:fld id="{01B41F80-CB50-44AE-8443-B6A662D174DC}" type="datetimeFigureOut">
               <a:rPr lang="en-US" smtClean="0"/>
               <a:pPr/>
-              <a:t>11/16/2019</a:t>
+              <a:t>11/29/2019</a:t>
             </a:fld>
             <a:endParaRPr lang="en-US"/>
           </a:p>
@@ -2904,7 +2904,7 @@
             <a:fld id="{01B41F80-CB50-44AE-8443-B6A662D174DC}" type="datetimeFigureOut">
               <a:rPr lang="en-US" smtClean="0"/>
               <a:pPr/>
-              <a:t>11/16/2019</a:t>
+              <a:t>11/29/2019</a:t>
             </a:fld>
             <a:endParaRPr lang="en-US"/>
           </a:p>
@@ -3114,7 +3114,7 @@
             <a:fld id="{01B41F80-CB50-44AE-8443-B6A662D174DC}" type="datetimeFigureOut">
               <a:rPr lang="en-US" smtClean="0"/>
               <a:pPr/>
-              <a:t>11/16/2019</a:t>
+              <a:t>11/29/2019</a:t>
             </a:fld>
             <a:endParaRPr lang="en-US"/>
           </a:p>
@@ -3682,7 +3682,7 @@
     </p:spTree>
     <p:extLst>
       <p:ext uri="{BB962C8B-B14F-4D97-AF65-F5344CB8AC3E}">
-        <p14:creationId xmlns:p14="http://schemas.microsoft.com/office/powerpoint/2010/main" xmlns="" val="4032476198"/>
+        <p14:creationId xmlns:p14="http://schemas.microsoft.com/office/powerpoint/2010/main" val="4032476198"/>
       </p:ext>
     </p:extLst>
   </p:cSld>
@@ -3700,6 +3700,2257 @@
 </file>
 
 <file path=ppt/slides/slide2.xml><?xml version="1.0" encoding="utf-8"?>
+<p:sld xmlns:a="http://schemas.openxmlformats.org/drawingml/2006/main" xmlns:r="http://schemas.openxmlformats.org/officeDocument/2006/relationships" xmlns:p="http://schemas.openxmlformats.org/presentationml/2006/main">
+  <p:cSld>
+    <p:bg>
+      <p:bgPr>
+        <a:blipFill dpi="0" rotWithShape="1">
+          <a:blip r:embed="rId3">
+            <a:lum/>
+          </a:blip>
+          <a:srcRect/>
+          <a:stretch>
+            <a:fillRect/>
+          </a:stretch>
+        </a:blipFill>
+        <a:effectLst/>
+      </p:bgPr>
+    </p:bg>
+    <p:spTree>
+      <p:nvGrpSpPr>
+        <p:cNvPr id="1" name=""/>
+        <p:cNvGrpSpPr/>
+        <p:nvPr/>
+      </p:nvGrpSpPr>
+      <p:grpSpPr>
+        <a:xfrm>
+          <a:off x="0" y="0"/>
+          <a:ext cx="0" cy="0"/>
+          <a:chOff x="0" y="0"/>
+          <a:chExt cx="0" cy="0"/>
+        </a:xfrm>
+      </p:grpSpPr>
+      <p:sp>
+        <p:nvSpPr>
+          <p:cNvPr id="19" name="Oval 18">
+            <a:extLst>
+              <a:ext uri="{FF2B5EF4-FFF2-40B4-BE49-F238E27FC236}">
+                <a16:creationId xmlns:a16="http://schemas.microsoft.com/office/drawing/2014/main" xmlns="" id="{CE75301D-8D72-4138-8F5D-E9E34FB49D51}"/>
+              </a:ext>
+            </a:extLst>
+          </p:cNvPr>
+          <p:cNvSpPr/>
+          <p:nvPr/>
+        </p:nvSpPr>
+        <p:spPr>
+          <a:xfrm>
+            <a:off x="5426726" y="5654584"/>
+            <a:ext cx="2109223" cy="179680"/>
+          </a:xfrm>
+          <a:prstGeom prst="ellipse">
+            <a:avLst/>
+          </a:prstGeom>
+          <a:solidFill>
+            <a:schemeClr val="tx2">
+              <a:alpha val="40000"/>
+            </a:schemeClr>
+          </a:solidFill>
+          <a:ln>
+            <a:noFill/>
+          </a:ln>
+        </p:spPr>
+        <p:style>
+          <a:lnRef idx="2">
+            <a:schemeClr val="accent1">
+              <a:shade val="50000"/>
+            </a:schemeClr>
+          </a:lnRef>
+          <a:fillRef idx="1">
+            <a:schemeClr val="accent1"/>
+          </a:fillRef>
+          <a:effectRef idx="0">
+            <a:schemeClr val="accent1"/>
+          </a:effectRef>
+          <a:fontRef idx="minor">
+            <a:schemeClr val="lt1"/>
+          </a:fontRef>
+        </p:style>
+        <p:txBody>
+          <a:bodyPr rtlCol="0" anchor="ctr"/>
+          <a:lstStyle/>
+          <a:p>
+            <a:pPr marL="0" marR="0" lvl="0" indent="0" algn="ctr" defTabSz="914400" rtl="0" eaLnBrk="1" fontAlgn="auto" latinLnBrk="0" hangingPunct="1">
+              <a:lnSpc>
+                <a:spcPct val="100000"/>
+              </a:lnSpc>
+              <a:spcBef>
+                <a:spcPts val="0"/>
+              </a:spcBef>
+              <a:spcAft>
+                <a:spcPts val="0"/>
+              </a:spcAft>
+              <a:buClrTx/>
+              <a:buSzTx/>
+              <a:buFontTx/>
+              <a:buNone/>
+              <a:tabLst/>
+              <a:defRPr/>
+            </a:pPr>
+            <a:endParaRPr kumimoji="0" lang="en-US" sz="1800" b="0" i="0" u="none" strike="noStrike" kern="1200" cap="none" spc="0" normalizeH="0" baseline="0" noProof="0" dirty="0">
+              <a:ln>
+                <a:noFill/>
+              </a:ln>
+              <a:solidFill>
+                <a:srgbClr val="FFFFFF"/>
+              </a:solidFill>
+              <a:effectLst/>
+              <a:uLnTx/>
+              <a:uFillTx/>
+              <a:latin typeface="Calibri" panose="020F0502020204030204"/>
+              <a:ea typeface="+mn-ea"/>
+              <a:cs typeface="+mn-cs"/>
+            </a:endParaRPr>
+          </a:p>
+        </p:txBody>
+      </p:sp>
+      <p:sp>
+        <p:nvSpPr>
+          <p:cNvPr id="2" name="TextBox 1">
+            <a:extLst>
+              <a:ext uri="{FF2B5EF4-FFF2-40B4-BE49-F238E27FC236}">
+                <a16:creationId xmlns:a16="http://schemas.microsoft.com/office/drawing/2014/main" xmlns="" id="{DB0A9C50-B290-4C30-A65A-9D7AB111D154}"/>
+              </a:ext>
+            </a:extLst>
+          </p:cNvPr>
+          <p:cNvSpPr txBox="1"/>
+          <p:nvPr/>
+        </p:nvSpPr>
+        <p:spPr>
+          <a:xfrm>
+            <a:off x="3054574" y="247431"/>
+            <a:ext cx="3257550" cy="784830"/>
+          </a:xfrm>
+          <a:prstGeom prst="rect">
+            <a:avLst/>
+          </a:prstGeom>
+          <a:noFill/>
+        </p:spPr>
+        <p:txBody>
+          <a:bodyPr wrap="square" rtlCol="0">
+            <a:spAutoFit/>
+          </a:bodyPr>
+          <a:lstStyle/>
+          <a:p>
+            <a:pPr marL="0" marR="0" lvl="0" indent="0" algn="ctr" defTabSz="914400" rtl="0" eaLnBrk="1" fontAlgn="auto" latinLnBrk="0" hangingPunct="1">
+              <a:lnSpc>
+                <a:spcPct val="100000"/>
+              </a:lnSpc>
+              <a:spcBef>
+                <a:spcPts val="0"/>
+              </a:spcBef>
+              <a:spcAft>
+                <a:spcPts val="0"/>
+              </a:spcAft>
+              <a:buClrTx/>
+              <a:buSzTx/>
+              <a:buFontTx/>
+              <a:buNone/>
+              <a:tabLst/>
+              <a:defRPr/>
+            </a:pPr>
+            <a:r>
+              <a:rPr kumimoji="0" lang="en-US" sz="4500" b="0" i="0" u="none" strike="noStrike" kern="1200" cap="none" spc="0" normalizeH="0" baseline="0" noProof="0" dirty="0" smtClean="0">
+                <a:ln>
+                  <a:noFill/>
+                </a:ln>
+                <a:solidFill>
+                  <a:srgbClr val="FFFFFF"/>
+                </a:solidFill>
+                <a:effectLst/>
+                <a:uLnTx/>
+                <a:uFillTx/>
+                <a:latin typeface="Noto Sans" panose="020B0502040504020204" pitchFamily="34"/>
+                <a:ea typeface="Noto Sans" panose="020B0502040504020204" pitchFamily="34"/>
+                <a:cs typeface="Noto Sans" panose="020B0502040504020204" pitchFamily="34"/>
+              </a:rPr>
+              <a:t>Myself</a:t>
+            </a:r>
+            <a:endParaRPr kumimoji="0" lang="en-GB" sz="4500" b="0" i="0" u="none" strike="noStrike" kern="1200" cap="none" spc="0" normalizeH="0" baseline="0" noProof="0" dirty="0">
+              <a:ln>
+                <a:noFill/>
+              </a:ln>
+              <a:solidFill>
+                <a:srgbClr val="FFFFFF"/>
+              </a:solidFill>
+              <a:effectLst/>
+              <a:uLnTx/>
+              <a:uFillTx/>
+              <a:latin typeface="Noto Sans" panose="020B0502040504020204" pitchFamily="34"/>
+              <a:ea typeface="Noto Sans" panose="020B0502040504020204" pitchFamily="34"/>
+              <a:cs typeface="Noto Sans" panose="020B0502040504020204" pitchFamily="34"/>
+            </a:endParaRPr>
+          </a:p>
+        </p:txBody>
+      </p:sp>
+      <p:grpSp>
+        <p:nvGrpSpPr>
+          <p:cNvPr id="34" name="Group 33"/>
+          <p:cNvGrpSpPr/>
+          <p:nvPr/>
+        </p:nvGrpSpPr>
+        <p:grpSpPr>
+          <a:xfrm>
+            <a:off x="4441726" y="1388239"/>
+            <a:ext cx="4045300" cy="4308307"/>
+            <a:chOff x="2244725" y="2692929"/>
+            <a:chExt cx="3076575" cy="2457450"/>
+          </a:xfrm>
+        </p:grpSpPr>
+        <p:sp>
+          <p:nvSpPr>
+            <p:cNvPr id="23" name="Freeform 14"/>
+            <p:cNvSpPr>
+              <a:spLocks/>
+            </p:cNvSpPr>
+            <p:nvPr/>
+          </p:nvSpPr>
+          <p:spPr bwMode="auto">
+            <a:xfrm>
+              <a:off x="2244725" y="4442354"/>
+              <a:ext cx="3076575" cy="369888"/>
+            </a:xfrm>
+            <a:custGeom>
+              <a:avLst/>
+              <a:gdLst>
+                <a:gd name="T0" fmla="*/ 373 w 966"/>
+                <a:gd name="T1" fmla="*/ 116 h 116"/>
+                <a:gd name="T2" fmla="*/ 145 w 966"/>
+                <a:gd name="T3" fmla="*/ 116 h 116"/>
+                <a:gd name="T4" fmla="*/ 36 w 966"/>
+                <a:gd name="T5" fmla="*/ 116 h 116"/>
+                <a:gd name="T6" fmla="*/ 2 w 966"/>
+                <a:gd name="T7" fmla="*/ 89 h 116"/>
+                <a:gd name="T8" fmla="*/ 0 w 966"/>
+                <a:gd name="T9" fmla="*/ 75 h 116"/>
+                <a:gd name="T10" fmla="*/ 0 w 966"/>
+                <a:gd name="T11" fmla="*/ 0 h 116"/>
+                <a:gd name="T12" fmla="*/ 943 w 966"/>
+                <a:gd name="T13" fmla="*/ 0 h 116"/>
+                <a:gd name="T14" fmla="*/ 966 w 966"/>
+                <a:gd name="T15" fmla="*/ 0 h 116"/>
+                <a:gd name="T16" fmla="*/ 966 w 966"/>
+                <a:gd name="T17" fmla="*/ 79 h 116"/>
+                <a:gd name="T18" fmla="*/ 928 w 966"/>
+                <a:gd name="T19" fmla="*/ 116 h 116"/>
+                <a:gd name="T20" fmla="*/ 600 w 966"/>
+                <a:gd name="T21" fmla="*/ 116 h 116"/>
+                <a:gd name="T22" fmla="*/ 592 w 966"/>
+                <a:gd name="T23" fmla="*/ 116 h 116"/>
+                <a:gd name="T24" fmla="*/ 585 w 966"/>
+                <a:gd name="T25" fmla="*/ 116 h 116"/>
+                <a:gd name="T26" fmla="*/ 383 w 966"/>
+                <a:gd name="T27" fmla="*/ 116 h 116"/>
+                <a:gd name="T28" fmla="*/ 373 w 966"/>
+                <a:gd name="T29" fmla="*/ 116 h 116"/>
+              </a:gdLst>
+              <a:ahLst/>
+              <a:cxnLst>
+                <a:cxn ang="0">
+                  <a:pos x="T0" y="T1"/>
+                </a:cxn>
+                <a:cxn ang="0">
+                  <a:pos x="T2" y="T3"/>
+                </a:cxn>
+                <a:cxn ang="0">
+                  <a:pos x="T4" y="T5"/>
+                </a:cxn>
+                <a:cxn ang="0">
+                  <a:pos x="T6" y="T7"/>
+                </a:cxn>
+                <a:cxn ang="0">
+                  <a:pos x="T8" y="T9"/>
+                </a:cxn>
+                <a:cxn ang="0">
+                  <a:pos x="T10" y="T11"/>
+                </a:cxn>
+                <a:cxn ang="0">
+                  <a:pos x="T12" y="T13"/>
+                </a:cxn>
+                <a:cxn ang="0">
+                  <a:pos x="T14" y="T15"/>
+                </a:cxn>
+                <a:cxn ang="0">
+                  <a:pos x="T16" y="T17"/>
+                </a:cxn>
+                <a:cxn ang="0">
+                  <a:pos x="T18" y="T19"/>
+                </a:cxn>
+                <a:cxn ang="0">
+                  <a:pos x="T20" y="T21"/>
+                </a:cxn>
+                <a:cxn ang="0">
+                  <a:pos x="T22" y="T23"/>
+                </a:cxn>
+                <a:cxn ang="0">
+                  <a:pos x="T24" y="T25"/>
+                </a:cxn>
+                <a:cxn ang="0">
+                  <a:pos x="T26" y="T27"/>
+                </a:cxn>
+                <a:cxn ang="0">
+                  <a:pos x="T28" y="T29"/>
+                </a:cxn>
+              </a:cxnLst>
+              <a:rect l="0" t="0" r="r" b="b"/>
+              <a:pathLst>
+                <a:path w="966" h="116">
+                  <a:moveTo>
+                    <a:pt x="373" y="116"/>
+                  </a:moveTo>
+                  <a:cubicBezTo>
+                    <a:pt x="297" y="116"/>
+                    <a:pt x="221" y="116"/>
+                    <a:pt x="145" y="116"/>
+                  </a:cubicBezTo>
+                  <a:cubicBezTo>
+                    <a:pt x="109" y="116"/>
+                    <a:pt x="72" y="116"/>
+                    <a:pt x="36" y="116"/>
+                  </a:cubicBezTo>
+                  <a:cubicBezTo>
+                    <a:pt x="21" y="116"/>
+                    <a:pt x="5" y="104"/>
+                    <a:pt x="2" y="89"/>
+                  </a:cubicBezTo>
+                  <a:cubicBezTo>
+                    <a:pt x="0" y="84"/>
+                    <a:pt x="0" y="80"/>
+                    <a:pt x="0" y="75"/>
+                  </a:cubicBezTo>
+                  <a:cubicBezTo>
+                    <a:pt x="0" y="52"/>
+                    <a:pt x="0" y="0"/>
+                    <a:pt x="0" y="0"/>
+                  </a:cubicBezTo>
+                  <a:cubicBezTo>
+                    <a:pt x="0" y="0"/>
+                    <a:pt x="631" y="0"/>
+                    <a:pt x="943" y="0"/>
+                  </a:cubicBezTo>
+                  <a:cubicBezTo>
+                    <a:pt x="950" y="0"/>
+                    <a:pt x="959" y="0"/>
+                    <a:pt x="966" y="0"/>
+                  </a:cubicBezTo>
+                  <a:cubicBezTo>
+                    <a:pt x="966" y="0"/>
+                    <a:pt x="966" y="56"/>
+                    <a:pt x="966" y="79"/>
+                  </a:cubicBezTo>
+                  <a:cubicBezTo>
+                    <a:pt x="966" y="100"/>
+                    <a:pt x="949" y="116"/>
+                    <a:pt x="928" y="116"/>
+                  </a:cubicBezTo>
+                  <a:cubicBezTo>
+                    <a:pt x="819" y="116"/>
+                    <a:pt x="709" y="116"/>
+                    <a:pt x="600" y="116"/>
+                  </a:cubicBezTo>
+                  <a:cubicBezTo>
+                    <a:pt x="598" y="116"/>
+                    <a:pt x="595" y="116"/>
+                    <a:pt x="592" y="116"/>
+                  </a:cubicBezTo>
+                  <a:cubicBezTo>
+                    <a:pt x="590" y="116"/>
+                    <a:pt x="587" y="116"/>
+                    <a:pt x="585" y="116"/>
+                  </a:cubicBezTo>
+                  <a:cubicBezTo>
+                    <a:pt x="517" y="116"/>
+                    <a:pt x="450" y="116"/>
+                    <a:pt x="383" y="116"/>
+                  </a:cubicBezTo>
+                  <a:lnTo>
+                    <a:pt x="373" y="116"/>
+                  </a:lnTo>
+                  <a:close/>
+                </a:path>
+              </a:pathLst>
+            </a:custGeom>
+            <a:solidFill>
+              <a:srgbClr val="F5F6F8"/>
+            </a:solidFill>
+            <a:ln>
+              <a:noFill/>
+            </a:ln>
+            <a:extLst>
+              <a:ext uri="{91240B29-F687-4F45-9708-019B960494DF}">
+                <a14:hiddenLine xmlns:a14="http://schemas.microsoft.com/office/drawing/2010/main" w="9525">
+                  <a:solidFill>
+                    <a:srgbClr val="000000"/>
+                  </a:solidFill>
+                  <a:round/>
+                  <a:headEnd/>
+                  <a:tailEnd/>
+                </a14:hiddenLine>
+              </a:ext>
+            </a:extLst>
+          </p:spPr>
+          <p:txBody>
+            <a:bodyPr vert="horz" wrap="square" lIns="91440" tIns="45720" rIns="91440" bIns="45720" numCol="1" anchor="t" anchorCtr="0" compatLnSpc="1">
+              <a:prstTxWarp prst="textNoShape">
+                <a:avLst/>
+              </a:prstTxWarp>
+            </a:bodyPr>
+            <a:lstStyle/>
+            <a:p>
+              <a:pPr marL="0" marR="0" lvl="0" indent="0" algn="l" defTabSz="914400" rtl="0" eaLnBrk="1" fontAlgn="auto" latinLnBrk="0" hangingPunct="1">
+                <a:lnSpc>
+                  <a:spcPct val="100000"/>
+                </a:lnSpc>
+                <a:spcBef>
+                  <a:spcPts val="0"/>
+                </a:spcBef>
+                <a:spcAft>
+                  <a:spcPts val="0"/>
+                </a:spcAft>
+                <a:buClrTx/>
+                <a:buSzTx/>
+                <a:buFontTx/>
+                <a:buNone/>
+                <a:tabLst/>
+                <a:defRPr/>
+              </a:pPr>
+              <a:endParaRPr kumimoji="0" lang="en-US" sz="1800" b="0" i="0" u="none" strike="noStrike" kern="1200" cap="none" spc="0" normalizeH="0" baseline="0" noProof="0">
+                <a:ln>
+                  <a:noFill/>
+                </a:ln>
+                <a:solidFill>
+                  <a:srgbClr val="282F39"/>
+                </a:solidFill>
+                <a:effectLst/>
+                <a:uLnTx/>
+                <a:uFillTx/>
+                <a:latin typeface="Calibri" panose="020F0502020204030204"/>
+                <a:ea typeface="+mn-ea"/>
+                <a:cs typeface="+mn-cs"/>
+              </a:endParaRPr>
+            </a:p>
+          </p:txBody>
+        </p:sp>
+        <p:sp>
+          <p:nvSpPr>
+            <p:cNvPr id="24" name="Freeform 15"/>
+            <p:cNvSpPr>
+              <a:spLocks noEditPoints="1"/>
+            </p:cNvSpPr>
+            <p:nvPr/>
+          </p:nvSpPr>
+          <p:spPr bwMode="auto">
+            <a:xfrm>
+              <a:off x="2244725" y="2692929"/>
+              <a:ext cx="3076575" cy="1749425"/>
+            </a:xfrm>
+            <a:custGeom>
+              <a:avLst/>
+              <a:gdLst>
+                <a:gd name="T0" fmla="*/ 966 w 966"/>
+                <a:gd name="T1" fmla="*/ 549 h 549"/>
+                <a:gd name="T2" fmla="*/ 943 w 966"/>
+                <a:gd name="T3" fmla="*/ 549 h 549"/>
+                <a:gd name="T4" fmla="*/ 0 w 966"/>
+                <a:gd name="T5" fmla="*/ 549 h 549"/>
+                <a:gd name="T6" fmla="*/ 0 w 966"/>
+                <a:gd name="T7" fmla="*/ 108 h 549"/>
+                <a:gd name="T8" fmla="*/ 1 w 966"/>
+                <a:gd name="T9" fmla="*/ 39 h 549"/>
+                <a:gd name="T10" fmla="*/ 14 w 966"/>
+                <a:gd name="T11" fmla="*/ 9 h 549"/>
+                <a:gd name="T12" fmla="*/ 39 w 966"/>
+                <a:gd name="T13" fmla="*/ 1 h 549"/>
+                <a:gd name="T14" fmla="*/ 806 w 966"/>
+                <a:gd name="T15" fmla="*/ 1 h 549"/>
+                <a:gd name="T16" fmla="*/ 926 w 966"/>
+                <a:gd name="T17" fmla="*/ 1 h 549"/>
+                <a:gd name="T18" fmla="*/ 966 w 966"/>
+                <a:gd name="T19" fmla="*/ 41 h 549"/>
+                <a:gd name="T20" fmla="*/ 966 w 966"/>
+                <a:gd name="T21" fmla="*/ 549 h 549"/>
+                <a:gd name="T22" fmla="*/ 483 w 966"/>
+                <a:gd name="T23" fmla="*/ 511 h 549"/>
+                <a:gd name="T24" fmla="*/ 923 w 966"/>
+                <a:gd name="T25" fmla="*/ 511 h 549"/>
+                <a:gd name="T26" fmla="*/ 928 w 966"/>
+                <a:gd name="T27" fmla="*/ 506 h 549"/>
+                <a:gd name="T28" fmla="*/ 928 w 966"/>
+                <a:gd name="T29" fmla="*/ 45 h 549"/>
+                <a:gd name="T30" fmla="*/ 922 w 966"/>
+                <a:gd name="T31" fmla="*/ 38 h 549"/>
+                <a:gd name="T32" fmla="*/ 44 w 966"/>
+                <a:gd name="T33" fmla="*/ 38 h 549"/>
+                <a:gd name="T34" fmla="*/ 38 w 966"/>
+                <a:gd name="T35" fmla="*/ 45 h 549"/>
+                <a:gd name="T36" fmla="*/ 38 w 966"/>
+                <a:gd name="T37" fmla="*/ 505 h 549"/>
+                <a:gd name="T38" fmla="*/ 44 w 966"/>
+                <a:gd name="T39" fmla="*/ 511 h 549"/>
+                <a:gd name="T40" fmla="*/ 483 w 966"/>
+                <a:gd name="T41" fmla="*/ 511 h 549"/>
+              </a:gdLst>
+              <a:ahLst/>
+              <a:cxnLst>
+                <a:cxn ang="0">
+                  <a:pos x="T0" y="T1"/>
+                </a:cxn>
+                <a:cxn ang="0">
+                  <a:pos x="T2" y="T3"/>
+                </a:cxn>
+                <a:cxn ang="0">
+                  <a:pos x="T4" y="T5"/>
+                </a:cxn>
+                <a:cxn ang="0">
+                  <a:pos x="T6" y="T7"/>
+                </a:cxn>
+                <a:cxn ang="0">
+                  <a:pos x="T8" y="T9"/>
+                </a:cxn>
+                <a:cxn ang="0">
+                  <a:pos x="T10" y="T11"/>
+                </a:cxn>
+                <a:cxn ang="0">
+                  <a:pos x="T12" y="T13"/>
+                </a:cxn>
+                <a:cxn ang="0">
+                  <a:pos x="T14" y="T15"/>
+                </a:cxn>
+                <a:cxn ang="0">
+                  <a:pos x="T16" y="T17"/>
+                </a:cxn>
+                <a:cxn ang="0">
+                  <a:pos x="T18" y="T19"/>
+                </a:cxn>
+                <a:cxn ang="0">
+                  <a:pos x="T20" y="T21"/>
+                </a:cxn>
+                <a:cxn ang="0">
+                  <a:pos x="T22" y="T23"/>
+                </a:cxn>
+                <a:cxn ang="0">
+                  <a:pos x="T24" y="T25"/>
+                </a:cxn>
+                <a:cxn ang="0">
+                  <a:pos x="T26" y="T27"/>
+                </a:cxn>
+                <a:cxn ang="0">
+                  <a:pos x="T28" y="T29"/>
+                </a:cxn>
+                <a:cxn ang="0">
+                  <a:pos x="T30" y="T31"/>
+                </a:cxn>
+                <a:cxn ang="0">
+                  <a:pos x="T32" y="T33"/>
+                </a:cxn>
+                <a:cxn ang="0">
+                  <a:pos x="T34" y="T35"/>
+                </a:cxn>
+                <a:cxn ang="0">
+                  <a:pos x="T36" y="T37"/>
+                </a:cxn>
+                <a:cxn ang="0">
+                  <a:pos x="T38" y="T39"/>
+                </a:cxn>
+                <a:cxn ang="0">
+                  <a:pos x="T40" y="T41"/>
+                </a:cxn>
+              </a:cxnLst>
+              <a:rect l="0" t="0" r="r" b="b"/>
+              <a:pathLst>
+                <a:path w="966" h="549">
+                  <a:moveTo>
+                    <a:pt x="966" y="549"/>
+                  </a:moveTo>
+                  <a:cubicBezTo>
+                    <a:pt x="959" y="549"/>
+                    <a:pt x="950" y="549"/>
+                    <a:pt x="943" y="549"/>
+                  </a:cubicBezTo>
+                  <a:cubicBezTo>
+                    <a:pt x="631" y="549"/>
+                    <a:pt x="0" y="549"/>
+                    <a:pt x="0" y="549"/>
+                  </a:cubicBezTo>
+                  <a:cubicBezTo>
+                    <a:pt x="0" y="549"/>
+                    <a:pt x="0" y="254"/>
+                    <a:pt x="0" y="108"/>
+                  </a:cubicBezTo>
+                  <a:cubicBezTo>
+                    <a:pt x="0" y="85"/>
+                    <a:pt x="1" y="62"/>
+                    <a:pt x="1" y="39"/>
+                  </a:cubicBezTo>
+                  <a:cubicBezTo>
+                    <a:pt x="2" y="27"/>
+                    <a:pt x="4" y="17"/>
+                    <a:pt x="14" y="9"/>
+                  </a:cubicBezTo>
+                  <a:cubicBezTo>
+                    <a:pt x="21" y="3"/>
+                    <a:pt x="30" y="1"/>
+                    <a:pt x="39" y="1"/>
+                  </a:cubicBezTo>
+                  <a:cubicBezTo>
+                    <a:pt x="295" y="1"/>
+                    <a:pt x="550" y="1"/>
+                    <a:pt x="806" y="1"/>
+                  </a:cubicBezTo>
+                  <a:cubicBezTo>
+                    <a:pt x="846" y="1"/>
+                    <a:pt x="886" y="2"/>
+                    <a:pt x="926" y="1"/>
+                  </a:cubicBezTo>
+                  <a:cubicBezTo>
+                    <a:pt x="949" y="0"/>
+                    <a:pt x="966" y="19"/>
+                    <a:pt x="966" y="41"/>
+                  </a:cubicBezTo>
+                  <a:cubicBezTo>
+                    <a:pt x="966" y="209"/>
+                    <a:pt x="966" y="549"/>
+                    <a:pt x="966" y="549"/>
+                  </a:cubicBezTo>
+                  <a:close/>
+                  <a:moveTo>
+                    <a:pt x="483" y="511"/>
+                  </a:moveTo>
+                  <a:cubicBezTo>
+                    <a:pt x="630" y="511"/>
+                    <a:pt x="776" y="511"/>
+                    <a:pt x="923" y="511"/>
+                  </a:cubicBezTo>
+                  <a:cubicBezTo>
+                    <a:pt x="926" y="511"/>
+                    <a:pt x="928" y="511"/>
+                    <a:pt x="928" y="506"/>
+                  </a:cubicBezTo>
+                  <a:cubicBezTo>
+                    <a:pt x="928" y="352"/>
+                    <a:pt x="928" y="199"/>
+                    <a:pt x="928" y="45"/>
+                  </a:cubicBezTo>
+                  <a:cubicBezTo>
+                    <a:pt x="928" y="37"/>
+                    <a:pt x="929" y="38"/>
+                    <a:pt x="922" y="38"/>
+                  </a:cubicBezTo>
+                  <a:cubicBezTo>
+                    <a:pt x="629" y="38"/>
+                    <a:pt x="337" y="38"/>
+                    <a:pt x="44" y="38"/>
+                  </a:cubicBezTo>
+                  <a:cubicBezTo>
+                    <a:pt x="37" y="38"/>
+                    <a:pt x="38" y="37"/>
+                    <a:pt x="38" y="45"/>
+                  </a:cubicBezTo>
+                  <a:cubicBezTo>
+                    <a:pt x="38" y="198"/>
+                    <a:pt x="38" y="351"/>
+                    <a:pt x="38" y="505"/>
+                  </a:cubicBezTo>
+                  <a:cubicBezTo>
+                    <a:pt x="38" y="511"/>
+                    <a:pt x="38" y="511"/>
+                    <a:pt x="44" y="511"/>
+                  </a:cubicBezTo>
+                  <a:cubicBezTo>
+                    <a:pt x="190" y="511"/>
+                    <a:pt x="337" y="511"/>
+                    <a:pt x="483" y="511"/>
+                  </a:cubicBezTo>
+                  <a:close/>
+                </a:path>
+              </a:pathLst>
+            </a:custGeom>
+            <a:solidFill>
+              <a:schemeClr val="bg2"/>
+            </a:solidFill>
+            <a:ln>
+              <a:noFill/>
+            </a:ln>
+          </p:spPr>
+          <p:txBody>
+            <a:bodyPr vert="horz" wrap="square" lIns="91440" tIns="45720" rIns="91440" bIns="45720" numCol="1" anchor="t" anchorCtr="0" compatLnSpc="1">
+              <a:prstTxWarp prst="textNoShape">
+                <a:avLst/>
+              </a:prstTxWarp>
+            </a:bodyPr>
+            <a:lstStyle/>
+            <a:p>
+              <a:pPr marL="0" marR="0" lvl="0" indent="0" algn="l" defTabSz="914400" rtl="0" eaLnBrk="1" fontAlgn="auto" latinLnBrk="0" hangingPunct="1">
+                <a:lnSpc>
+                  <a:spcPct val="100000"/>
+                </a:lnSpc>
+                <a:spcBef>
+                  <a:spcPts val="0"/>
+                </a:spcBef>
+                <a:spcAft>
+                  <a:spcPts val="0"/>
+                </a:spcAft>
+                <a:buClrTx/>
+                <a:buSzTx/>
+                <a:buFontTx/>
+                <a:buNone/>
+                <a:tabLst/>
+                <a:defRPr/>
+              </a:pPr>
+              <a:endParaRPr kumimoji="0" lang="en-US" sz="1800" b="0" i="0" u="none" strike="noStrike" kern="1200" cap="none" spc="0" normalizeH="0" baseline="0" noProof="0">
+                <a:ln>
+                  <a:noFill/>
+                </a:ln>
+                <a:solidFill>
+                  <a:srgbClr val="282F39"/>
+                </a:solidFill>
+                <a:effectLst/>
+                <a:uLnTx/>
+                <a:uFillTx/>
+                <a:latin typeface="Calibri" panose="020F0502020204030204"/>
+                <a:ea typeface="+mn-ea"/>
+                <a:cs typeface="+mn-cs"/>
+              </a:endParaRPr>
+            </a:p>
+          </p:txBody>
+        </p:sp>
+        <p:sp>
+          <p:nvSpPr>
+            <p:cNvPr id="25" name="Freeform 16"/>
+            <p:cNvSpPr>
+              <a:spLocks/>
+            </p:cNvSpPr>
+            <p:nvPr/>
+          </p:nvSpPr>
+          <p:spPr bwMode="auto">
+            <a:xfrm>
+              <a:off x="3251200" y="4894792"/>
+              <a:ext cx="1060450" cy="249238"/>
+            </a:xfrm>
+            <a:custGeom>
+              <a:avLst/>
+              <a:gdLst>
+                <a:gd name="T0" fmla="*/ 278 w 333"/>
+                <a:gd name="T1" fmla="*/ 0 h 78"/>
+                <a:gd name="T2" fmla="*/ 282 w 333"/>
+                <a:gd name="T3" fmla="*/ 34 h 78"/>
+                <a:gd name="T4" fmla="*/ 288 w 333"/>
+                <a:gd name="T5" fmla="*/ 60 h 78"/>
+                <a:gd name="T6" fmla="*/ 298 w 333"/>
+                <a:gd name="T7" fmla="*/ 67 h 78"/>
+                <a:gd name="T8" fmla="*/ 329 w 333"/>
+                <a:gd name="T9" fmla="*/ 74 h 78"/>
+                <a:gd name="T10" fmla="*/ 333 w 333"/>
+                <a:gd name="T11" fmla="*/ 76 h 78"/>
+                <a:gd name="T12" fmla="*/ 329 w 333"/>
+                <a:gd name="T13" fmla="*/ 77 h 78"/>
+                <a:gd name="T14" fmla="*/ 221 w 333"/>
+                <a:gd name="T15" fmla="*/ 77 h 78"/>
+                <a:gd name="T16" fmla="*/ 6 w 333"/>
+                <a:gd name="T17" fmla="*/ 77 h 78"/>
+                <a:gd name="T18" fmla="*/ 0 w 333"/>
+                <a:gd name="T19" fmla="*/ 76 h 78"/>
+                <a:gd name="T20" fmla="*/ 5 w 333"/>
+                <a:gd name="T21" fmla="*/ 74 h 78"/>
+                <a:gd name="T22" fmla="*/ 35 w 333"/>
+                <a:gd name="T23" fmla="*/ 67 h 78"/>
+                <a:gd name="T24" fmla="*/ 49 w 333"/>
+                <a:gd name="T25" fmla="*/ 50 h 78"/>
+                <a:gd name="T26" fmla="*/ 56 w 333"/>
+                <a:gd name="T27" fmla="*/ 0 h 78"/>
+                <a:gd name="T28" fmla="*/ 66 w 333"/>
+                <a:gd name="T29" fmla="*/ 0 h 78"/>
+                <a:gd name="T30" fmla="*/ 278 w 333"/>
+                <a:gd name="T31" fmla="*/ 0 h 78"/>
+              </a:gdLst>
+              <a:ahLst/>
+              <a:cxnLst>
+                <a:cxn ang="0">
+                  <a:pos x="T0" y="T1"/>
+                </a:cxn>
+                <a:cxn ang="0">
+                  <a:pos x="T2" y="T3"/>
+                </a:cxn>
+                <a:cxn ang="0">
+                  <a:pos x="T4" y="T5"/>
+                </a:cxn>
+                <a:cxn ang="0">
+                  <a:pos x="T6" y="T7"/>
+                </a:cxn>
+                <a:cxn ang="0">
+                  <a:pos x="T8" y="T9"/>
+                </a:cxn>
+                <a:cxn ang="0">
+                  <a:pos x="T10" y="T11"/>
+                </a:cxn>
+                <a:cxn ang="0">
+                  <a:pos x="T12" y="T13"/>
+                </a:cxn>
+                <a:cxn ang="0">
+                  <a:pos x="T14" y="T15"/>
+                </a:cxn>
+                <a:cxn ang="0">
+                  <a:pos x="T16" y="T17"/>
+                </a:cxn>
+                <a:cxn ang="0">
+                  <a:pos x="T18" y="T19"/>
+                </a:cxn>
+                <a:cxn ang="0">
+                  <a:pos x="T20" y="T21"/>
+                </a:cxn>
+                <a:cxn ang="0">
+                  <a:pos x="T22" y="T23"/>
+                </a:cxn>
+                <a:cxn ang="0">
+                  <a:pos x="T24" y="T25"/>
+                </a:cxn>
+                <a:cxn ang="0">
+                  <a:pos x="T26" y="T27"/>
+                </a:cxn>
+                <a:cxn ang="0">
+                  <a:pos x="T28" y="T29"/>
+                </a:cxn>
+                <a:cxn ang="0">
+                  <a:pos x="T30" y="T31"/>
+                </a:cxn>
+              </a:cxnLst>
+              <a:rect l="0" t="0" r="r" b="b"/>
+              <a:pathLst>
+                <a:path w="333" h="78">
+                  <a:moveTo>
+                    <a:pt x="278" y="0"/>
+                  </a:moveTo>
+                  <a:cubicBezTo>
+                    <a:pt x="280" y="12"/>
+                    <a:pt x="280" y="23"/>
+                    <a:pt x="282" y="34"/>
+                  </a:cubicBezTo>
+                  <a:cubicBezTo>
+                    <a:pt x="283" y="43"/>
+                    <a:pt x="285" y="51"/>
+                    <a:pt x="288" y="60"/>
+                  </a:cubicBezTo>
+                  <a:cubicBezTo>
+                    <a:pt x="290" y="64"/>
+                    <a:pt x="293" y="67"/>
+                    <a:pt x="298" y="67"/>
+                  </a:cubicBezTo>
+                  <a:cubicBezTo>
+                    <a:pt x="309" y="68"/>
+                    <a:pt x="319" y="72"/>
+                    <a:pt x="329" y="74"/>
+                  </a:cubicBezTo>
+                  <a:cubicBezTo>
+                    <a:pt x="331" y="74"/>
+                    <a:pt x="333" y="74"/>
+                    <a:pt x="333" y="76"/>
+                  </a:cubicBezTo>
+                  <a:cubicBezTo>
+                    <a:pt x="333" y="78"/>
+                    <a:pt x="330" y="77"/>
+                    <a:pt x="329" y="77"/>
+                  </a:cubicBezTo>
+                  <a:cubicBezTo>
+                    <a:pt x="293" y="77"/>
+                    <a:pt x="257" y="77"/>
+                    <a:pt x="221" y="77"/>
+                  </a:cubicBezTo>
+                  <a:cubicBezTo>
+                    <a:pt x="149" y="77"/>
+                    <a:pt x="78" y="77"/>
+                    <a:pt x="6" y="77"/>
+                  </a:cubicBezTo>
+                  <a:cubicBezTo>
+                    <a:pt x="4" y="77"/>
+                    <a:pt x="2" y="78"/>
+                    <a:pt x="0" y="76"/>
+                  </a:cubicBezTo>
+                  <a:cubicBezTo>
+                    <a:pt x="1" y="74"/>
+                    <a:pt x="3" y="74"/>
+                    <a:pt x="5" y="74"/>
+                  </a:cubicBezTo>
+                  <a:cubicBezTo>
+                    <a:pt x="15" y="72"/>
+                    <a:pt x="25" y="69"/>
+                    <a:pt x="35" y="67"/>
+                  </a:cubicBezTo>
+                  <a:cubicBezTo>
+                    <a:pt x="44" y="66"/>
+                    <a:pt x="46" y="61"/>
+                    <a:pt x="49" y="50"/>
+                  </a:cubicBezTo>
+                  <a:cubicBezTo>
+                    <a:pt x="52" y="35"/>
+                    <a:pt x="56" y="0"/>
+                    <a:pt x="56" y="0"/>
+                  </a:cubicBezTo>
+                  <a:cubicBezTo>
+                    <a:pt x="66" y="0"/>
+                    <a:pt x="66" y="0"/>
+                    <a:pt x="66" y="0"/>
+                  </a:cubicBezTo>
+                  <a:cubicBezTo>
+                    <a:pt x="66" y="0"/>
+                    <a:pt x="207" y="0"/>
+                    <a:pt x="278" y="0"/>
+                  </a:cubicBezTo>
+                  <a:close/>
+                </a:path>
+              </a:pathLst>
+            </a:custGeom>
+            <a:solidFill>
+              <a:srgbClr val="F5F6F8"/>
+            </a:solidFill>
+            <a:ln>
+              <a:noFill/>
+            </a:ln>
+            <a:extLst>
+              <a:ext uri="{91240B29-F687-4F45-9708-019B960494DF}">
+                <a14:hiddenLine xmlns:a14="http://schemas.microsoft.com/office/drawing/2010/main" w="9525">
+                  <a:solidFill>
+                    <a:srgbClr val="000000"/>
+                  </a:solidFill>
+                  <a:round/>
+                  <a:headEnd/>
+                  <a:tailEnd/>
+                </a14:hiddenLine>
+              </a:ext>
+            </a:extLst>
+          </p:spPr>
+          <p:txBody>
+            <a:bodyPr vert="horz" wrap="square" lIns="91440" tIns="45720" rIns="91440" bIns="45720" numCol="1" anchor="t" anchorCtr="0" compatLnSpc="1">
+              <a:prstTxWarp prst="textNoShape">
+                <a:avLst/>
+              </a:prstTxWarp>
+            </a:bodyPr>
+            <a:lstStyle/>
+            <a:p>
+              <a:pPr marL="0" marR="0" lvl="0" indent="0" algn="l" defTabSz="914400" rtl="0" eaLnBrk="1" fontAlgn="auto" latinLnBrk="0" hangingPunct="1">
+                <a:lnSpc>
+                  <a:spcPct val="100000"/>
+                </a:lnSpc>
+                <a:spcBef>
+                  <a:spcPts val="0"/>
+                </a:spcBef>
+                <a:spcAft>
+                  <a:spcPts val="0"/>
+                </a:spcAft>
+                <a:buClrTx/>
+                <a:buSzTx/>
+                <a:buFontTx/>
+                <a:buNone/>
+                <a:tabLst/>
+                <a:defRPr/>
+              </a:pPr>
+              <a:endParaRPr kumimoji="0" lang="en-US" sz="1800" b="0" i="0" u="none" strike="noStrike" kern="1200" cap="none" spc="0" normalizeH="0" baseline="0" noProof="0">
+                <a:ln>
+                  <a:noFill/>
+                </a:ln>
+                <a:solidFill>
+                  <a:srgbClr val="282F39"/>
+                </a:solidFill>
+                <a:effectLst/>
+                <a:uLnTx/>
+                <a:uFillTx/>
+                <a:latin typeface="Calibri" panose="020F0502020204030204"/>
+                <a:ea typeface="+mn-ea"/>
+                <a:cs typeface="+mn-cs"/>
+              </a:endParaRPr>
+            </a:p>
+          </p:txBody>
+        </p:sp>
+        <p:sp>
+          <p:nvSpPr>
+            <p:cNvPr id="26" name="Freeform 17"/>
+            <p:cNvSpPr>
+              <a:spLocks/>
+            </p:cNvSpPr>
+            <p:nvPr/>
+          </p:nvSpPr>
+          <p:spPr bwMode="auto">
+            <a:xfrm>
+              <a:off x="3429000" y="4812242"/>
+              <a:ext cx="708025" cy="82550"/>
+            </a:xfrm>
+            <a:custGeom>
+              <a:avLst/>
+              <a:gdLst>
+                <a:gd name="T0" fmla="*/ 222 w 222"/>
+                <a:gd name="T1" fmla="*/ 26 h 26"/>
+                <a:gd name="T2" fmla="*/ 10 w 222"/>
+                <a:gd name="T3" fmla="*/ 26 h 26"/>
+                <a:gd name="T4" fmla="*/ 0 w 222"/>
+                <a:gd name="T5" fmla="*/ 26 h 26"/>
+                <a:gd name="T6" fmla="*/ 1 w 222"/>
+                <a:gd name="T7" fmla="*/ 0 h 26"/>
+                <a:gd name="T8" fmla="*/ 11 w 222"/>
+                <a:gd name="T9" fmla="*/ 0 h 26"/>
+                <a:gd name="T10" fmla="*/ 213 w 222"/>
+                <a:gd name="T11" fmla="*/ 0 h 26"/>
+                <a:gd name="T12" fmla="*/ 220 w 222"/>
+                <a:gd name="T13" fmla="*/ 0 h 26"/>
+                <a:gd name="T14" fmla="*/ 222 w 222"/>
+                <a:gd name="T15" fmla="*/ 26 h 26"/>
+              </a:gdLst>
+              <a:ahLst/>
+              <a:cxnLst>
+                <a:cxn ang="0">
+                  <a:pos x="T0" y="T1"/>
+                </a:cxn>
+                <a:cxn ang="0">
+                  <a:pos x="T2" y="T3"/>
+                </a:cxn>
+                <a:cxn ang="0">
+                  <a:pos x="T4" y="T5"/>
+                </a:cxn>
+                <a:cxn ang="0">
+                  <a:pos x="T6" y="T7"/>
+                </a:cxn>
+                <a:cxn ang="0">
+                  <a:pos x="T8" y="T9"/>
+                </a:cxn>
+                <a:cxn ang="0">
+                  <a:pos x="T10" y="T11"/>
+                </a:cxn>
+                <a:cxn ang="0">
+                  <a:pos x="T12" y="T13"/>
+                </a:cxn>
+                <a:cxn ang="0">
+                  <a:pos x="T14" y="T15"/>
+                </a:cxn>
+              </a:cxnLst>
+              <a:rect l="0" t="0" r="r" b="b"/>
+              <a:pathLst>
+                <a:path w="222" h="26">
+                  <a:moveTo>
+                    <a:pt x="222" y="26"/>
+                  </a:moveTo>
+                  <a:cubicBezTo>
+                    <a:pt x="151" y="26"/>
+                    <a:pt x="10" y="26"/>
+                    <a:pt x="10" y="26"/>
+                  </a:cubicBezTo>
+                  <a:cubicBezTo>
+                    <a:pt x="0" y="26"/>
+                    <a:pt x="0" y="26"/>
+                    <a:pt x="0" y="26"/>
+                  </a:cubicBezTo>
+                  <a:cubicBezTo>
+                    <a:pt x="0" y="17"/>
+                    <a:pt x="1" y="9"/>
+                    <a:pt x="1" y="0"/>
+                  </a:cubicBezTo>
+                  <a:cubicBezTo>
+                    <a:pt x="11" y="0"/>
+                    <a:pt x="11" y="0"/>
+                    <a:pt x="11" y="0"/>
+                  </a:cubicBezTo>
+                  <a:cubicBezTo>
+                    <a:pt x="11" y="0"/>
+                    <a:pt x="145" y="0"/>
+                    <a:pt x="213" y="0"/>
+                  </a:cubicBezTo>
+                  <a:cubicBezTo>
+                    <a:pt x="215" y="0"/>
+                    <a:pt x="218" y="0"/>
+                    <a:pt x="220" y="0"/>
+                  </a:cubicBezTo>
+                  <a:lnTo>
+                    <a:pt x="222" y="26"/>
+                  </a:lnTo>
+                  <a:close/>
+                </a:path>
+              </a:pathLst>
+            </a:custGeom>
+            <a:solidFill>
+              <a:schemeClr val="bg1">
+                <a:lumMod val="85000"/>
+              </a:schemeClr>
+            </a:solidFill>
+            <a:ln>
+              <a:noFill/>
+            </a:ln>
+          </p:spPr>
+          <p:txBody>
+            <a:bodyPr vert="horz" wrap="square" lIns="91440" tIns="45720" rIns="91440" bIns="45720" numCol="1" anchor="t" anchorCtr="0" compatLnSpc="1">
+              <a:prstTxWarp prst="textNoShape">
+                <a:avLst/>
+              </a:prstTxWarp>
+            </a:bodyPr>
+            <a:lstStyle/>
+            <a:p>
+              <a:pPr marL="0" marR="0" lvl="0" indent="0" algn="l" defTabSz="914400" rtl="0" eaLnBrk="1" fontAlgn="auto" latinLnBrk="0" hangingPunct="1">
+                <a:lnSpc>
+                  <a:spcPct val="100000"/>
+                </a:lnSpc>
+                <a:spcBef>
+                  <a:spcPts val="0"/>
+                </a:spcBef>
+                <a:spcAft>
+                  <a:spcPts val="0"/>
+                </a:spcAft>
+                <a:buClrTx/>
+                <a:buSzTx/>
+                <a:buFontTx/>
+                <a:buNone/>
+                <a:tabLst/>
+                <a:defRPr/>
+              </a:pPr>
+              <a:endParaRPr kumimoji="0" lang="en-US" sz="1800" b="0" i="0" u="none" strike="noStrike" kern="1200" cap="none" spc="0" normalizeH="0" baseline="0" noProof="0">
+                <a:ln>
+                  <a:noFill/>
+                </a:ln>
+                <a:solidFill>
+                  <a:srgbClr val="282F39"/>
+                </a:solidFill>
+                <a:effectLst/>
+                <a:uLnTx/>
+                <a:uFillTx/>
+                <a:latin typeface="Calibri" panose="020F0502020204030204"/>
+                <a:ea typeface="+mn-ea"/>
+                <a:cs typeface="+mn-cs"/>
+              </a:endParaRPr>
+            </a:p>
+          </p:txBody>
+        </p:sp>
+        <p:sp>
+          <p:nvSpPr>
+            <p:cNvPr id="27" name="Freeform 18"/>
+            <p:cNvSpPr>
+              <a:spLocks/>
+            </p:cNvSpPr>
+            <p:nvPr/>
+          </p:nvSpPr>
+          <p:spPr bwMode="auto">
+            <a:xfrm>
+              <a:off x="3251200" y="5134504"/>
+              <a:ext cx="1060450" cy="15875"/>
+            </a:xfrm>
+            <a:custGeom>
+              <a:avLst/>
+              <a:gdLst>
+                <a:gd name="T0" fmla="*/ 167 w 333"/>
+                <a:gd name="T1" fmla="*/ 2 h 5"/>
+                <a:gd name="T2" fmla="*/ 331 w 333"/>
+                <a:gd name="T3" fmla="*/ 2 h 5"/>
+                <a:gd name="T4" fmla="*/ 333 w 333"/>
+                <a:gd name="T5" fmla="*/ 3 h 5"/>
+                <a:gd name="T6" fmla="*/ 331 w 333"/>
+                <a:gd name="T7" fmla="*/ 5 h 5"/>
+                <a:gd name="T8" fmla="*/ 324 w 333"/>
+                <a:gd name="T9" fmla="*/ 5 h 5"/>
+                <a:gd name="T10" fmla="*/ 6 w 333"/>
+                <a:gd name="T11" fmla="*/ 5 h 5"/>
+                <a:gd name="T12" fmla="*/ 0 w 333"/>
+                <a:gd name="T13" fmla="*/ 3 h 5"/>
+                <a:gd name="T14" fmla="*/ 6 w 333"/>
+                <a:gd name="T15" fmla="*/ 2 h 5"/>
+                <a:gd name="T16" fmla="*/ 167 w 333"/>
+                <a:gd name="T17" fmla="*/ 2 h 5"/>
+                <a:gd name="T18" fmla="*/ 167 w 333"/>
+                <a:gd name="T19" fmla="*/ 2 h 5"/>
+              </a:gdLst>
+              <a:ahLst/>
+              <a:cxnLst>
+                <a:cxn ang="0">
+                  <a:pos x="T0" y="T1"/>
+                </a:cxn>
+                <a:cxn ang="0">
+                  <a:pos x="T2" y="T3"/>
+                </a:cxn>
+                <a:cxn ang="0">
+                  <a:pos x="T4" y="T5"/>
+                </a:cxn>
+                <a:cxn ang="0">
+                  <a:pos x="T6" y="T7"/>
+                </a:cxn>
+                <a:cxn ang="0">
+                  <a:pos x="T8" y="T9"/>
+                </a:cxn>
+                <a:cxn ang="0">
+                  <a:pos x="T10" y="T11"/>
+                </a:cxn>
+                <a:cxn ang="0">
+                  <a:pos x="T12" y="T13"/>
+                </a:cxn>
+                <a:cxn ang="0">
+                  <a:pos x="T14" y="T15"/>
+                </a:cxn>
+                <a:cxn ang="0">
+                  <a:pos x="T16" y="T17"/>
+                </a:cxn>
+                <a:cxn ang="0">
+                  <a:pos x="T18" y="T19"/>
+                </a:cxn>
+              </a:cxnLst>
+              <a:rect l="0" t="0" r="r" b="b"/>
+              <a:pathLst>
+                <a:path w="333" h="5">
+                  <a:moveTo>
+                    <a:pt x="167" y="2"/>
+                  </a:moveTo>
+                  <a:cubicBezTo>
+                    <a:pt x="222" y="2"/>
+                    <a:pt x="276" y="2"/>
+                    <a:pt x="331" y="2"/>
+                  </a:cubicBezTo>
+                  <a:cubicBezTo>
+                    <a:pt x="332" y="2"/>
+                    <a:pt x="333" y="1"/>
+                    <a:pt x="333" y="3"/>
+                  </a:cubicBezTo>
+                  <a:cubicBezTo>
+                    <a:pt x="333" y="4"/>
+                    <a:pt x="332" y="5"/>
+                    <a:pt x="331" y="5"/>
+                  </a:cubicBezTo>
+                  <a:cubicBezTo>
+                    <a:pt x="328" y="5"/>
+                    <a:pt x="326" y="5"/>
+                    <a:pt x="324" y="5"/>
+                  </a:cubicBezTo>
+                  <a:cubicBezTo>
+                    <a:pt x="218" y="5"/>
+                    <a:pt x="112" y="5"/>
+                    <a:pt x="6" y="5"/>
+                  </a:cubicBezTo>
+                  <a:cubicBezTo>
+                    <a:pt x="4" y="5"/>
+                    <a:pt x="0" y="5"/>
+                    <a:pt x="0" y="3"/>
+                  </a:cubicBezTo>
+                  <a:cubicBezTo>
+                    <a:pt x="0" y="0"/>
+                    <a:pt x="4" y="2"/>
+                    <a:pt x="6" y="2"/>
+                  </a:cubicBezTo>
+                  <a:cubicBezTo>
+                    <a:pt x="60" y="2"/>
+                    <a:pt x="114" y="2"/>
+                    <a:pt x="167" y="2"/>
+                  </a:cubicBezTo>
+                  <a:cubicBezTo>
+                    <a:pt x="167" y="2"/>
+                    <a:pt x="167" y="2"/>
+                    <a:pt x="167" y="2"/>
+                  </a:cubicBezTo>
+                  <a:close/>
+                </a:path>
+              </a:pathLst>
+            </a:custGeom>
+            <a:solidFill>
+              <a:schemeClr val="bg2">
+                <a:lumMod val="75000"/>
+              </a:schemeClr>
+            </a:solidFill>
+            <a:ln>
+              <a:noFill/>
+            </a:ln>
+          </p:spPr>
+          <p:txBody>
+            <a:bodyPr vert="horz" wrap="square" lIns="91440" tIns="45720" rIns="91440" bIns="45720" numCol="1" anchor="t" anchorCtr="0" compatLnSpc="1">
+              <a:prstTxWarp prst="textNoShape">
+                <a:avLst/>
+              </a:prstTxWarp>
+            </a:bodyPr>
+            <a:lstStyle/>
+            <a:p>
+              <a:pPr marL="0" marR="0" lvl="0" indent="0" algn="l" defTabSz="914400" rtl="0" eaLnBrk="1" fontAlgn="auto" latinLnBrk="0" hangingPunct="1">
+                <a:lnSpc>
+                  <a:spcPct val="100000"/>
+                </a:lnSpc>
+                <a:spcBef>
+                  <a:spcPts val="0"/>
+                </a:spcBef>
+                <a:spcAft>
+                  <a:spcPts val="0"/>
+                </a:spcAft>
+                <a:buClrTx/>
+                <a:buSzTx/>
+                <a:buFontTx/>
+                <a:buNone/>
+                <a:tabLst/>
+                <a:defRPr/>
+              </a:pPr>
+              <a:endParaRPr kumimoji="0" lang="en-US" sz="1800" b="0" i="0" u="none" strike="noStrike" kern="1200" cap="none" spc="0" normalizeH="0" baseline="0" noProof="0">
+                <a:ln>
+                  <a:noFill/>
+                </a:ln>
+                <a:solidFill>
+                  <a:srgbClr val="282F39"/>
+                </a:solidFill>
+                <a:effectLst/>
+                <a:uLnTx/>
+                <a:uFillTx/>
+                <a:latin typeface="Calibri" panose="020F0502020204030204"/>
+                <a:ea typeface="+mn-ea"/>
+                <a:cs typeface="+mn-cs"/>
+              </a:endParaRPr>
+            </a:p>
+          </p:txBody>
+        </p:sp>
+      </p:grpSp>
+      <p:sp>
+        <p:nvSpPr>
+          <p:cNvPr id="35" name="TextBox 34">
+            <a:extLst>
+              <a:ext uri="{FF2B5EF4-FFF2-40B4-BE49-F238E27FC236}">
+                <a16:creationId xmlns:a16="http://schemas.microsoft.com/office/drawing/2014/main" xmlns="" id="{68EB6B5D-84A6-4EA6-9AB4-A42F13EA240B}"/>
+              </a:ext>
+            </a:extLst>
+          </p:cNvPr>
+          <p:cNvSpPr txBox="1"/>
+          <p:nvPr/>
+        </p:nvSpPr>
+        <p:spPr>
+          <a:xfrm>
+            <a:off x="5056557" y="2443492"/>
+            <a:ext cx="2811463" cy="1631216"/>
+          </a:xfrm>
+          <a:prstGeom prst="rect">
+            <a:avLst/>
+          </a:prstGeom>
+          <a:noFill/>
+        </p:spPr>
+        <p:txBody>
+          <a:bodyPr wrap="square" rtlCol="0">
+            <a:spAutoFit/>
+          </a:bodyPr>
+          <a:lstStyle/>
+          <a:p>
+            <a:pPr marL="0" marR="0" lvl="0" indent="0" algn="ctr" defTabSz="914400" rtl="0" eaLnBrk="1" fontAlgn="auto" latinLnBrk="0" hangingPunct="1">
+              <a:lnSpc>
+                <a:spcPct val="100000"/>
+              </a:lnSpc>
+              <a:spcBef>
+                <a:spcPts val="0"/>
+              </a:spcBef>
+              <a:spcAft>
+                <a:spcPts val="0"/>
+              </a:spcAft>
+              <a:buClrTx/>
+              <a:buSzTx/>
+              <a:buFontTx/>
+              <a:buNone/>
+              <a:tabLst/>
+              <a:defRPr/>
+            </a:pPr>
+            <a:r>
+              <a:rPr kumimoji="0" lang="en-GB" sz="5000" b="0" i="0" u="none" strike="noStrike" kern="1200" cap="none" spc="0" normalizeH="0" baseline="0" noProof="0" dirty="0">
+                <a:ln>
+                  <a:noFill/>
+                </a:ln>
+                <a:solidFill>
+                  <a:srgbClr val="FCB414"/>
+                </a:solidFill>
+                <a:effectLst/>
+                <a:uLnTx/>
+                <a:uFillTx/>
+                <a:latin typeface="Noto Sans" panose="020B0502040504020204" pitchFamily="34"/>
+                <a:ea typeface="Noto Sans" panose="020B0502040504020204" pitchFamily="34"/>
+                <a:cs typeface="Noto Sans" panose="020B0502040504020204" pitchFamily="34"/>
+              </a:rPr>
+              <a:t>YOUR  IMAGE</a:t>
+            </a:r>
+          </a:p>
+        </p:txBody>
+      </p:sp>
+      <p:sp>
+        <p:nvSpPr>
+          <p:cNvPr id="14" name="TextBox 13">
+            <a:extLst>
+              <a:ext uri="{FF2B5EF4-FFF2-40B4-BE49-F238E27FC236}">
+                <a16:creationId xmlns:a16="http://schemas.microsoft.com/office/drawing/2014/main" xmlns="" id="{8016977A-112F-4154-95F5-0608714FBFEE}"/>
+              </a:ext>
+            </a:extLst>
+          </p:cNvPr>
+          <p:cNvSpPr txBox="1"/>
+          <p:nvPr/>
+        </p:nvSpPr>
+        <p:spPr>
+          <a:xfrm>
+            <a:off x="941994" y="2466155"/>
+            <a:ext cx="2944206" cy="553998"/>
+          </a:xfrm>
+          <a:prstGeom prst="rect">
+            <a:avLst/>
+          </a:prstGeom>
+          <a:noFill/>
+        </p:spPr>
+        <p:txBody>
+          <a:bodyPr wrap="square" rtlCol="0">
+            <a:spAutoFit/>
+          </a:bodyPr>
+          <a:lstStyle/>
+          <a:p>
+            <a:pPr marL="0" marR="0" lvl="0" indent="0" defTabSz="914400" rtl="0" eaLnBrk="1" fontAlgn="auto" latinLnBrk="0" hangingPunct="1">
+              <a:lnSpc>
+                <a:spcPct val="100000"/>
+              </a:lnSpc>
+              <a:spcBef>
+                <a:spcPts val="0"/>
+              </a:spcBef>
+              <a:spcAft>
+                <a:spcPts val="0"/>
+              </a:spcAft>
+              <a:buClrTx/>
+              <a:buSzTx/>
+              <a:buFontTx/>
+              <a:buNone/>
+              <a:tabLst/>
+              <a:defRPr/>
+            </a:pPr>
+            <a:r>
+              <a:rPr kumimoji="0" lang="en-US" sz="1500" b="1" i="0" u="none" strike="noStrike" kern="1200" cap="none" spc="0" normalizeH="0" baseline="0" noProof="0" dirty="0" smtClean="0">
+                <a:ln>
+                  <a:noFill/>
+                </a:ln>
+                <a:solidFill>
+                  <a:srgbClr val="FFFFFF"/>
+                </a:solidFill>
+                <a:effectLst/>
+                <a:uLnTx/>
+                <a:uFillTx/>
+                <a:latin typeface="Open Sans" panose="020B0606030504020204" pitchFamily="34" charset="0"/>
+              </a:rPr>
+              <a:t>Post</a:t>
+            </a:r>
+            <a:r>
+              <a:rPr kumimoji="0" lang="en-US" sz="1500" b="1" i="0" u="none" strike="noStrike" kern="1200" cap="none" spc="0" normalizeH="0" noProof="0" dirty="0" smtClean="0">
+                <a:ln>
+                  <a:noFill/>
+                </a:ln>
+                <a:solidFill>
+                  <a:srgbClr val="FFFFFF"/>
+                </a:solidFill>
+                <a:effectLst/>
+                <a:uLnTx/>
+                <a:uFillTx/>
+                <a:latin typeface="Open Sans" panose="020B0606030504020204" pitchFamily="34" charset="0"/>
+              </a:rPr>
+              <a:t> </a:t>
+            </a:r>
+            <a:r>
+              <a:rPr kumimoji="0" lang="en-US" sz="1500" b="1" i="0" u="none" strike="noStrike" kern="1200" cap="none" spc="0" normalizeH="0" baseline="0" noProof="0" dirty="0" smtClean="0">
+                <a:ln>
+                  <a:noFill/>
+                </a:ln>
+                <a:solidFill>
+                  <a:srgbClr val="FFFFFF"/>
+                </a:solidFill>
+                <a:effectLst/>
+                <a:uLnTx/>
+                <a:uFillTx/>
+                <a:latin typeface="Open Sans" panose="020B0606030504020204" pitchFamily="34" charset="0"/>
+              </a:rPr>
+              <a:t>graduation in Computer science. </a:t>
+            </a:r>
+            <a:endParaRPr kumimoji="0" lang="en-GB" sz="1500" b="1" i="0" u="none" strike="noStrike" kern="1200" cap="none" spc="0" normalizeH="0" baseline="0" noProof="0" dirty="0">
+              <a:ln>
+                <a:noFill/>
+              </a:ln>
+              <a:solidFill>
+                <a:srgbClr val="FFFFFF"/>
+              </a:solidFill>
+              <a:effectLst/>
+              <a:uLnTx/>
+              <a:uFillTx/>
+              <a:latin typeface="Noto Sans" panose="020B0502040504020204" pitchFamily="34"/>
+              <a:ea typeface="Noto Sans" panose="020B0502040504020204" pitchFamily="34"/>
+              <a:cs typeface="Noto Sans" panose="020B0502040504020204" pitchFamily="34"/>
+            </a:endParaRPr>
+          </a:p>
+        </p:txBody>
+      </p:sp>
+      <p:sp>
+        <p:nvSpPr>
+          <p:cNvPr id="15" name="TextBox 14">
+            <a:extLst>
+              <a:ext uri="{FF2B5EF4-FFF2-40B4-BE49-F238E27FC236}">
+                <a16:creationId xmlns:a16="http://schemas.microsoft.com/office/drawing/2014/main" xmlns="" id="{8016977A-112F-4154-95F5-0608714FBFEE}"/>
+              </a:ext>
+            </a:extLst>
+          </p:cNvPr>
+          <p:cNvSpPr txBox="1"/>
+          <p:nvPr/>
+        </p:nvSpPr>
+        <p:spPr>
+          <a:xfrm>
+            <a:off x="941994" y="3609155"/>
+            <a:ext cx="3172806" cy="784830"/>
+          </a:xfrm>
+          <a:prstGeom prst="rect">
+            <a:avLst/>
+          </a:prstGeom>
+          <a:noFill/>
+        </p:spPr>
+        <p:txBody>
+          <a:bodyPr wrap="square" rtlCol="0">
+            <a:spAutoFit/>
+          </a:bodyPr>
+          <a:lstStyle/>
+          <a:p>
+            <a:pPr marL="0" marR="0" lvl="0" indent="0" defTabSz="914400" rtl="0" eaLnBrk="1" fontAlgn="auto" latinLnBrk="0" hangingPunct="1">
+              <a:lnSpc>
+                <a:spcPct val="100000"/>
+              </a:lnSpc>
+              <a:spcBef>
+                <a:spcPts val="0"/>
+              </a:spcBef>
+              <a:spcAft>
+                <a:spcPts val="0"/>
+              </a:spcAft>
+              <a:buClrTx/>
+              <a:buSzTx/>
+              <a:buFontTx/>
+              <a:buNone/>
+              <a:tabLst/>
+              <a:defRPr/>
+            </a:pPr>
+            <a:r>
+              <a:rPr kumimoji="0" lang="en-US" sz="1500" b="1" i="0" u="none" strike="noStrike" kern="1200" cap="none" spc="0" normalizeH="0" baseline="0" noProof="0" dirty="0" smtClean="0">
+                <a:ln>
+                  <a:noFill/>
+                </a:ln>
+                <a:solidFill>
+                  <a:srgbClr val="FFFFFF"/>
+                </a:solidFill>
+                <a:effectLst/>
+                <a:uLnTx/>
+                <a:uFillTx/>
+                <a:latin typeface="Open Sans" panose="020B0606030504020204" pitchFamily="34" charset="0"/>
+              </a:rPr>
+              <a:t>Worked with diversified domains like Healthcare, Life sciences, Banking, Digital, Retail,</a:t>
+            </a:r>
+            <a:r>
+              <a:rPr kumimoji="0" lang="en-US" sz="1500" b="1" i="0" u="none" strike="noStrike" kern="1200" cap="none" spc="0" normalizeH="0" noProof="0" dirty="0" smtClean="0">
+                <a:ln>
+                  <a:noFill/>
+                </a:ln>
+                <a:solidFill>
+                  <a:srgbClr val="FFFFFF"/>
+                </a:solidFill>
+                <a:effectLst/>
+                <a:uLnTx/>
+                <a:uFillTx/>
+                <a:latin typeface="Open Sans" panose="020B0606030504020204" pitchFamily="34" charset="0"/>
+              </a:rPr>
+              <a:t> Gaming</a:t>
+            </a:r>
+            <a:r>
+              <a:rPr kumimoji="0" lang="en-US" sz="1500" b="1" i="0" u="none" strike="noStrike" kern="1200" cap="none" spc="0" normalizeH="0" baseline="0" noProof="0" dirty="0" smtClean="0">
+                <a:ln>
+                  <a:noFill/>
+                </a:ln>
+                <a:solidFill>
+                  <a:srgbClr val="FFFFFF"/>
+                </a:solidFill>
+                <a:effectLst/>
+                <a:uLnTx/>
+                <a:uFillTx/>
+                <a:latin typeface="Open Sans" panose="020B0606030504020204" pitchFamily="34" charset="0"/>
+              </a:rPr>
+              <a:t> </a:t>
+            </a:r>
+            <a:endParaRPr kumimoji="0" lang="en-GB" sz="1500" b="1" i="0" u="none" strike="noStrike" kern="1200" cap="none" spc="0" normalizeH="0" baseline="0" noProof="0" dirty="0">
+              <a:ln>
+                <a:noFill/>
+              </a:ln>
+              <a:solidFill>
+                <a:srgbClr val="FFFFFF"/>
+              </a:solidFill>
+              <a:effectLst/>
+              <a:uLnTx/>
+              <a:uFillTx/>
+              <a:latin typeface="Noto Sans" panose="020B0502040504020204" pitchFamily="34"/>
+              <a:ea typeface="Noto Sans" panose="020B0502040504020204" pitchFamily="34"/>
+              <a:cs typeface="Noto Sans" panose="020B0502040504020204" pitchFamily="34"/>
+            </a:endParaRPr>
+          </a:p>
+        </p:txBody>
+      </p:sp>
+      <p:sp>
+        <p:nvSpPr>
+          <p:cNvPr id="16" name="Oval 15"/>
+          <p:cNvSpPr/>
+          <p:nvPr/>
+        </p:nvSpPr>
+        <p:spPr>
+          <a:xfrm>
+            <a:off x="335857" y="1293799"/>
+            <a:ext cx="379775" cy="506366"/>
+          </a:xfrm>
+          <a:prstGeom prst="ellipse">
+            <a:avLst/>
+          </a:prstGeom>
+          <a:ln/>
+        </p:spPr>
+        <p:style>
+          <a:lnRef idx="1">
+            <a:schemeClr val="accent2"/>
+          </a:lnRef>
+          <a:fillRef idx="3">
+            <a:schemeClr val="accent2"/>
+          </a:fillRef>
+          <a:effectRef idx="2">
+            <a:schemeClr val="accent2"/>
+          </a:effectRef>
+          <a:fontRef idx="minor">
+            <a:schemeClr val="lt1"/>
+          </a:fontRef>
+        </p:style>
+        <p:txBody>
+          <a:bodyPr rtlCol="0" anchor="ctr"/>
+          <a:lstStyle/>
+          <a:p>
+            <a:pPr marL="0" marR="0" lvl="0" indent="0" algn="ctr" defTabSz="914400" rtl="0" eaLnBrk="1" fontAlgn="auto" latinLnBrk="0" hangingPunct="1">
+              <a:lnSpc>
+                <a:spcPct val="100000"/>
+              </a:lnSpc>
+              <a:spcBef>
+                <a:spcPts val="0"/>
+              </a:spcBef>
+              <a:spcAft>
+                <a:spcPts val="0"/>
+              </a:spcAft>
+              <a:buClrTx/>
+              <a:buSzTx/>
+              <a:buFontTx/>
+              <a:buNone/>
+              <a:tabLst/>
+              <a:defRPr/>
+            </a:pPr>
+            <a:r>
+              <a:rPr kumimoji="0" lang="en-US" sz="1800" b="1" i="0" u="none" strike="noStrike" kern="1200" cap="none" spc="0" normalizeH="0" baseline="0" noProof="0" dirty="0">
+                <a:ln>
+                  <a:noFill/>
+                </a:ln>
+                <a:solidFill>
+                  <a:srgbClr val="FFFFFF"/>
+                </a:solidFill>
+                <a:effectLst/>
+                <a:uLnTx/>
+                <a:uFillTx/>
+                <a:latin typeface="Calibri" panose="020F0502020204030204"/>
+                <a:ea typeface="+mn-ea"/>
+                <a:cs typeface="+mn-cs"/>
+              </a:rPr>
+              <a:t>1</a:t>
+            </a:r>
+          </a:p>
+        </p:txBody>
+      </p:sp>
+      <p:sp>
+        <p:nvSpPr>
+          <p:cNvPr id="17" name="Oval 16"/>
+          <p:cNvSpPr/>
+          <p:nvPr/>
+        </p:nvSpPr>
+        <p:spPr>
+          <a:xfrm>
+            <a:off x="335857" y="2481249"/>
+            <a:ext cx="379775" cy="506366"/>
+          </a:xfrm>
+          <a:prstGeom prst="ellipse">
+            <a:avLst/>
+          </a:prstGeom>
+          <a:ln/>
+        </p:spPr>
+        <p:style>
+          <a:lnRef idx="0">
+            <a:schemeClr val="accent4"/>
+          </a:lnRef>
+          <a:fillRef idx="3">
+            <a:schemeClr val="accent4"/>
+          </a:fillRef>
+          <a:effectRef idx="3">
+            <a:schemeClr val="accent4"/>
+          </a:effectRef>
+          <a:fontRef idx="minor">
+            <a:schemeClr val="lt1"/>
+          </a:fontRef>
+        </p:style>
+        <p:txBody>
+          <a:bodyPr rtlCol="0" anchor="ctr"/>
+          <a:lstStyle/>
+          <a:p>
+            <a:pPr marL="0" marR="0" lvl="0" indent="0" algn="ctr" defTabSz="914400" rtl="0" eaLnBrk="1" fontAlgn="auto" latinLnBrk="0" hangingPunct="1">
+              <a:lnSpc>
+                <a:spcPct val="100000"/>
+              </a:lnSpc>
+              <a:spcBef>
+                <a:spcPts val="0"/>
+              </a:spcBef>
+              <a:spcAft>
+                <a:spcPts val="0"/>
+              </a:spcAft>
+              <a:buClrTx/>
+              <a:buSzTx/>
+              <a:buFontTx/>
+              <a:buNone/>
+              <a:tabLst/>
+              <a:defRPr/>
+            </a:pPr>
+            <a:r>
+              <a:rPr kumimoji="0" lang="en-US" sz="1800" b="1" i="0" u="none" strike="noStrike" kern="1200" cap="none" spc="0" normalizeH="0" baseline="0" noProof="0" dirty="0">
+                <a:ln>
+                  <a:noFill/>
+                </a:ln>
+                <a:solidFill>
+                  <a:srgbClr val="FFFFFF"/>
+                </a:solidFill>
+                <a:effectLst/>
+                <a:uLnTx/>
+                <a:uFillTx/>
+                <a:latin typeface="Calibri" panose="020F0502020204030204"/>
+                <a:ea typeface="+mn-ea"/>
+                <a:cs typeface="+mn-cs"/>
+              </a:rPr>
+              <a:t>2</a:t>
+            </a:r>
+          </a:p>
+        </p:txBody>
+      </p:sp>
+      <p:sp>
+        <p:nvSpPr>
+          <p:cNvPr id="18" name="Oval 17"/>
+          <p:cNvSpPr/>
+          <p:nvPr/>
+        </p:nvSpPr>
+        <p:spPr>
+          <a:xfrm>
+            <a:off x="335857" y="3706799"/>
+            <a:ext cx="379775" cy="506366"/>
+          </a:xfrm>
+          <a:prstGeom prst="ellipse">
+            <a:avLst/>
+          </a:prstGeom>
+          <a:ln/>
+        </p:spPr>
+        <p:style>
+          <a:lnRef idx="1">
+            <a:schemeClr val="accent1"/>
+          </a:lnRef>
+          <a:fillRef idx="3">
+            <a:schemeClr val="accent1"/>
+          </a:fillRef>
+          <a:effectRef idx="2">
+            <a:schemeClr val="accent1"/>
+          </a:effectRef>
+          <a:fontRef idx="minor">
+            <a:schemeClr val="lt1"/>
+          </a:fontRef>
+        </p:style>
+        <p:txBody>
+          <a:bodyPr rtlCol="0" anchor="ctr"/>
+          <a:lstStyle/>
+          <a:p>
+            <a:pPr marL="0" marR="0" lvl="0" indent="0" algn="ctr" defTabSz="914400" rtl="0" eaLnBrk="1" fontAlgn="auto" latinLnBrk="0" hangingPunct="1">
+              <a:lnSpc>
+                <a:spcPct val="100000"/>
+              </a:lnSpc>
+              <a:spcBef>
+                <a:spcPts val="0"/>
+              </a:spcBef>
+              <a:spcAft>
+                <a:spcPts val="0"/>
+              </a:spcAft>
+              <a:buClrTx/>
+              <a:buSzTx/>
+              <a:buFontTx/>
+              <a:buNone/>
+              <a:tabLst/>
+              <a:defRPr/>
+            </a:pPr>
+            <a:r>
+              <a:rPr kumimoji="0" lang="en-US" sz="1800" b="1" i="0" u="none" strike="noStrike" kern="1200" cap="none" spc="0" normalizeH="0" baseline="0" noProof="0" dirty="0">
+                <a:ln>
+                  <a:noFill/>
+                </a:ln>
+                <a:solidFill>
+                  <a:srgbClr val="FFFFFF"/>
+                </a:solidFill>
+                <a:effectLst/>
+                <a:uLnTx/>
+                <a:uFillTx/>
+                <a:latin typeface="Calibri" panose="020F0502020204030204"/>
+                <a:ea typeface="+mn-ea"/>
+                <a:cs typeface="+mn-cs"/>
+              </a:rPr>
+              <a:t>3</a:t>
+            </a:r>
+          </a:p>
+        </p:txBody>
+      </p:sp>
+      <p:pic>
+        <p:nvPicPr>
+          <p:cNvPr id="4" name="Picture 3"/>
+          <p:cNvPicPr>
+            <a:picLocks noChangeAspect="1"/>
+          </p:cNvPicPr>
+          <p:nvPr/>
+        </p:nvPicPr>
+        <p:blipFill>
+          <a:blip r:embed="rId4" cstate="print">
+            <a:extLst>
+              <a:ext uri="{28A0092B-C50C-407E-A947-70E740481C1C}">
+                <a14:useLocalDpi xmlns:a14="http://schemas.microsoft.com/office/drawing/2010/main" val="0"/>
+              </a:ext>
+            </a:extLst>
+          </a:blip>
+          <a:stretch>
+            <a:fillRect/>
+          </a:stretch>
+        </p:blipFill>
+        <p:spPr>
+          <a:xfrm>
+            <a:off x="4683349" y="1601271"/>
+            <a:ext cx="3612193" cy="2611894"/>
+          </a:xfrm>
+          <a:prstGeom prst="rect">
+            <a:avLst/>
+          </a:prstGeom>
+        </p:spPr>
+      </p:pic>
+      <p:sp>
+        <p:nvSpPr>
+          <p:cNvPr id="30" name="TextBox 29">
+            <a:extLst>
+              <a:ext uri="{FF2B5EF4-FFF2-40B4-BE49-F238E27FC236}">
+                <a16:creationId xmlns:a16="http://schemas.microsoft.com/office/drawing/2014/main" xmlns="" id="{8016977A-112F-4154-95F5-0608714FBFEE}"/>
+              </a:ext>
+            </a:extLst>
+          </p:cNvPr>
+          <p:cNvSpPr txBox="1"/>
+          <p:nvPr/>
+        </p:nvSpPr>
+        <p:spPr>
+          <a:xfrm>
+            <a:off x="899679" y="4654478"/>
+            <a:ext cx="3138921" cy="784830"/>
+          </a:xfrm>
+          <a:prstGeom prst="rect">
+            <a:avLst/>
+          </a:prstGeom>
+          <a:noFill/>
+        </p:spPr>
+        <p:txBody>
+          <a:bodyPr wrap="square" rtlCol="0">
+            <a:spAutoFit/>
+          </a:bodyPr>
+          <a:lstStyle/>
+          <a:p>
+            <a:pPr marL="0" marR="0" lvl="0" indent="0" defTabSz="914400" rtl="0" eaLnBrk="1" fontAlgn="auto" latinLnBrk="0" hangingPunct="1">
+              <a:lnSpc>
+                <a:spcPct val="100000"/>
+              </a:lnSpc>
+              <a:spcBef>
+                <a:spcPts val="0"/>
+              </a:spcBef>
+              <a:spcAft>
+                <a:spcPts val="0"/>
+              </a:spcAft>
+              <a:buClrTx/>
+              <a:buSzTx/>
+              <a:buFontTx/>
+              <a:buNone/>
+              <a:tabLst/>
+              <a:defRPr/>
+            </a:pPr>
+            <a:r>
+              <a:rPr kumimoji="0" lang="en-US" sz="1500" b="1" i="0" u="none" strike="noStrike" kern="1200" cap="none" spc="0" normalizeH="0" baseline="0" noProof="0" dirty="0" smtClean="0">
+                <a:ln>
+                  <a:noFill/>
+                </a:ln>
+                <a:solidFill>
+                  <a:srgbClr val="FFFFFF"/>
+                </a:solidFill>
+                <a:effectLst/>
+                <a:uLnTx/>
+                <a:uFillTx/>
+                <a:latin typeface="Open Sans" panose="020B0606030504020204" pitchFamily="34" charset="0"/>
+              </a:rPr>
+              <a:t>Experience in  Desktop, Distributed, Cloud, Gaming, Data analytics</a:t>
+            </a:r>
+            <a:endParaRPr kumimoji="0" lang="en-GB" sz="1500" b="1" i="0" u="none" strike="noStrike" kern="1200" cap="none" spc="0" normalizeH="0" baseline="0" noProof="0" dirty="0">
+              <a:ln>
+                <a:noFill/>
+              </a:ln>
+              <a:solidFill>
+                <a:srgbClr val="FFFFFF"/>
+              </a:solidFill>
+              <a:effectLst/>
+              <a:uLnTx/>
+              <a:uFillTx/>
+              <a:latin typeface="Noto Sans" panose="020B0502040504020204" pitchFamily="34"/>
+              <a:ea typeface="Noto Sans" panose="020B0502040504020204" pitchFamily="34"/>
+              <a:cs typeface="Noto Sans" panose="020B0502040504020204" pitchFamily="34"/>
+            </a:endParaRPr>
+          </a:p>
+        </p:txBody>
+      </p:sp>
+      <p:sp>
+        <p:nvSpPr>
+          <p:cNvPr id="32" name="Oval 31"/>
+          <p:cNvSpPr/>
+          <p:nvPr/>
+        </p:nvSpPr>
+        <p:spPr>
+          <a:xfrm>
+            <a:off x="335857" y="4904522"/>
+            <a:ext cx="379775" cy="506366"/>
+          </a:xfrm>
+          <a:prstGeom prst="ellipse">
+            <a:avLst/>
+          </a:prstGeom>
+          <a:ln/>
+        </p:spPr>
+        <p:style>
+          <a:lnRef idx="1">
+            <a:schemeClr val="accent3"/>
+          </a:lnRef>
+          <a:fillRef idx="3">
+            <a:schemeClr val="accent3"/>
+          </a:fillRef>
+          <a:effectRef idx="2">
+            <a:schemeClr val="accent3"/>
+          </a:effectRef>
+          <a:fontRef idx="minor">
+            <a:schemeClr val="lt1"/>
+          </a:fontRef>
+        </p:style>
+        <p:txBody>
+          <a:bodyPr rtlCol="0" anchor="ctr"/>
+          <a:lstStyle/>
+          <a:p>
+            <a:pPr marL="0" marR="0" lvl="0" indent="0" algn="ctr" defTabSz="914400" rtl="0" eaLnBrk="1" fontAlgn="auto" latinLnBrk="0" hangingPunct="1">
+              <a:lnSpc>
+                <a:spcPct val="100000"/>
+              </a:lnSpc>
+              <a:spcBef>
+                <a:spcPts val="0"/>
+              </a:spcBef>
+              <a:spcAft>
+                <a:spcPts val="0"/>
+              </a:spcAft>
+              <a:buClrTx/>
+              <a:buSzTx/>
+              <a:buFontTx/>
+              <a:buNone/>
+              <a:tabLst/>
+              <a:defRPr/>
+            </a:pPr>
+            <a:r>
+              <a:rPr kumimoji="0" lang="en-US" sz="1800" b="1" i="0" u="none" strike="noStrike" kern="1200" cap="none" spc="0" normalizeH="0" baseline="0" noProof="0" dirty="0" smtClean="0">
+                <a:ln>
+                  <a:noFill/>
+                </a:ln>
+                <a:solidFill>
+                  <a:srgbClr val="FFFFFF"/>
+                </a:solidFill>
+                <a:effectLst/>
+                <a:uLnTx/>
+                <a:uFillTx/>
+                <a:latin typeface="Calibri" panose="020F0502020204030204"/>
+                <a:ea typeface="+mn-ea"/>
+                <a:cs typeface="+mn-cs"/>
+              </a:rPr>
+              <a:t>4</a:t>
+            </a:r>
+            <a:endParaRPr kumimoji="0" lang="en-US" sz="1800" b="1" i="0" u="none" strike="noStrike" kern="1200" cap="none" spc="0" normalizeH="0" baseline="0" noProof="0" dirty="0">
+              <a:ln>
+                <a:noFill/>
+              </a:ln>
+              <a:solidFill>
+                <a:srgbClr val="FFFFFF"/>
+              </a:solidFill>
+              <a:effectLst/>
+              <a:uLnTx/>
+              <a:uFillTx/>
+              <a:latin typeface="Calibri" panose="020F0502020204030204"/>
+              <a:ea typeface="+mn-ea"/>
+              <a:cs typeface="+mn-cs"/>
+            </a:endParaRPr>
+          </a:p>
+        </p:txBody>
+      </p:sp>
+      <p:sp>
+        <p:nvSpPr>
+          <p:cNvPr id="13" name="TextBox 12">
+            <a:extLst>
+              <a:ext uri="{FF2B5EF4-FFF2-40B4-BE49-F238E27FC236}">
+                <a16:creationId xmlns:a16="http://schemas.microsoft.com/office/drawing/2014/main" xmlns="" id="{8016977A-112F-4154-95F5-0608714FBFEE}"/>
+              </a:ext>
+            </a:extLst>
+          </p:cNvPr>
+          <p:cNvSpPr txBox="1"/>
+          <p:nvPr/>
+        </p:nvSpPr>
+        <p:spPr>
+          <a:xfrm>
+            <a:off x="941994" y="1208855"/>
+            <a:ext cx="3172806" cy="784830"/>
+          </a:xfrm>
+          <a:prstGeom prst="rect">
+            <a:avLst/>
+          </a:prstGeom>
+          <a:noFill/>
+        </p:spPr>
+        <p:txBody>
+          <a:bodyPr wrap="square" rtlCol="0">
+            <a:spAutoFit/>
+          </a:bodyPr>
+          <a:lstStyle/>
+          <a:p>
+            <a:pPr marL="0" marR="0" lvl="0" indent="0" defTabSz="914400" rtl="0" eaLnBrk="1" fontAlgn="auto" latinLnBrk="0" hangingPunct="1">
+              <a:lnSpc>
+                <a:spcPct val="100000"/>
+              </a:lnSpc>
+              <a:spcBef>
+                <a:spcPts val="0"/>
+              </a:spcBef>
+              <a:spcAft>
+                <a:spcPts val="0"/>
+              </a:spcAft>
+              <a:buClrTx/>
+              <a:buSzTx/>
+              <a:buFontTx/>
+              <a:buNone/>
+              <a:tabLst/>
+              <a:defRPr/>
+            </a:pPr>
+            <a:r>
+              <a:rPr kumimoji="0" lang="en-US" sz="1500" b="1" i="0" u="none" strike="noStrike" kern="1200" cap="none" spc="0" normalizeH="0" baseline="0" noProof="0" dirty="0" smtClean="0">
+                <a:ln>
+                  <a:noFill/>
+                </a:ln>
+                <a:solidFill>
+                  <a:srgbClr val="FFFFFF"/>
+                </a:solidFill>
+                <a:effectLst/>
+                <a:uLnTx/>
+                <a:uFillTx/>
+                <a:latin typeface="Open Sans" panose="020B0606030504020204" pitchFamily="34" charset="0"/>
+              </a:rPr>
+              <a:t>Over 15 years of experience as Enterprise Architect and Data Scientist</a:t>
+            </a:r>
+            <a:endParaRPr kumimoji="0" lang="en-GB" sz="1500" b="1" i="0" u="none" strike="noStrike" kern="1200" cap="none" spc="0" normalizeH="0" baseline="0" noProof="0" dirty="0">
+              <a:ln>
+                <a:noFill/>
+              </a:ln>
+              <a:solidFill>
+                <a:srgbClr val="FFFFFF"/>
+              </a:solidFill>
+              <a:effectLst/>
+              <a:uLnTx/>
+              <a:uFillTx/>
+              <a:latin typeface="Noto Sans" panose="020B0502040504020204" pitchFamily="34"/>
+              <a:ea typeface="Noto Sans" panose="020B0502040504020204" pitchFamily="34"/>
+              <a:cs typeface="Noto Sans" panose="020B0502040504020204" pitchFamily="34"/>
+            </a:endParaRPr>
+          </a:p>
+        </p:txBody>
+      </p:sp>
+      <p:sp>
+        <p:nvSpPr>
+          <p:cNvPr id="29" name="TextBox 28">
+            <a:extLst>
+              <a:ext uri="{FF2B5EF4-FFF2-40B4-BE49-F238E27FC236}">
+                <a16:creationId xmlns:a16="http://schemas.microsoft.com/office/drawing/2014/main" xmlns="" id="{8016977A-112F-4154-95F5-0608714FBFEE}"/>
+              </a:ext>
+            </a:extLst>
+          </p:cNvPr>
+          <p:cNvSpPr txBox="1"/>
+          <p:nvPr/>
+        </p:nvSpPr>
+        <p:spPr>
+          <a:xfrm>
+            <a:off x="954231" y="5654584"/>
+            <a:ext cx="3138921" cy="784830"/>
+          </a:xfrm>
+          <a:prstGeom prst="rect">
+            <a:avLst/>
+          </a:prstGeom>
+          <a:noFill/>
+        </p:spPr>
+        <p:txBody>
+          <a:bodyPr wrap="square" rtlCol="0">
+            <a:spAutoFit/>
+          </a:bodyPr>
+          <a:lstStyle/>
+          <a:p>
+            <a:pPr marL="0" marR="0" lvl="0" indent="0" defTabSz="914400" rtl="0" eaLnBrk="1" fontAlgn="auto" latinLnBrk="0" hangingPunct="1">
+              <a:lnSpc>
+                <a:spcPct val="100000"/>
+              </a:lnSpc>
+              <a:spcBef>
+                <a:spcPts val="0"/>
+              </a:spcBef>
+              <a:spcAft>
+                <a:spcPts val="0"/>
+              </a:spcAft>
+              <a:buClrTx/>
+              <a:buSzTx/>
+              <a:buFontTx/>
+              <a:buNone/>
+              <a:tabLst/>
+              <a:defRPr/>
+            </a:pPr>
+            <a:r>
+              <a:rPr kumimoji="0" lang="en-US" sz="1500" b="1" i="0" u="none" strike="noStrike" kern="1200" cap="none" spc="0" normalizeH="0" baseline="0" noProof="0" dirty="0" smtClean="0">
+                <a:ln>
+                  <a:noFill/>
+                </a:ln>
+                <a:solidFill>
+                  <a:srgbClr val="FFFFFF"/>
+                </a:solidFill>
+                <a:effectLst/>
+                <a:uLnTx/>
+                <a:uFillTx/>
+                <a:latin typeface="Open Sans" panose="020B0606030504020204" pitchFamily="34" charset="0"/>
+              </a:rPr>
+              <a:t>Worked with  MNCs like Apple, Infosys, Electronic</a:t>
+            </a:r>
+            <a:r>
+              <a:rPr kumimoji="0" lang="en-US" sz="1500" b="1" i="0" u="none" strike="noStrike" kern="1200" cap="none" spc="0" normalizeH="0" noProof="0" dirty="0" smtClean="0">
+                <a:ln>
+                  <a:noFill/>
+                </a:ln>
+                <a:solidFill>
+                  <a:srgbClr val="FFFFFF"/>
+                </a:solidFill>
+                <a:effectLst/>
+                <a:uLnTx/>
+                <a:uFillTx/>
+                <a:latin typeface="Open Sans" panose="020B0606030504020204" pitchFamily="34" charset="0"/>
+              </a:rPr>
+              <a:t> Arts, JPMorgan &amp; Chase etc..</a:t>
+            </a:r>
+            <a:endParaRPr kumimoji="0" lang="en-GB" sz="1500" b="1" i="0" u="none" strike="noStrike" kern="1200" cap="none" spc="0" normalizeH="0" baseline="0" noProof="0" dirty="0">
+              <a:ln>
+                <a:noFill/>
+              </a:ln>
+              <a:solidFill>
+                <a:srgbClr val="FFFFFF"/>
+              </a:solidFill>
+              <a:effectLst/>
+              <a:uLnTx/>
+              <a:uFillTx/>
+              <a:latin typeface="Noto Sans" panose="020B0502040504020204" pitchFamily="34"/>
+              <a:ea typeface="Noto Sans" panose="020B0502040504020204" pitchFamily="34"/>
+              <a:cs typeface="Noto Sans" panose="020B0502040504020204" pitchFamily="34"/>
+            </a:endParaRPr>
+          </a:p>
+        </p:txBody>
+      </p:sp>
+      <p:sp>
+        <p:nvSpPr>
+          <p:cNvPr id="31" name="Oval 30"/>
+          <p:cNvSpPr/>
+          <p:nvPr/>
+        </p:nvSpPr>
+        <p:spPr>
+          <a:xfrm>
+            <a:off x="335857" y="5904628"/>
+            <a:ext cx="379775" cy="506366"/>
+          </a:xfrm>
+          <a:prstGeom prst="ellipse">
+            <a:avLst/>
+          </a:prstGeom>
+          <a:ln/>
+        </p:spPr>
+        <p:style>
+          <a:lnRef idx="0">
+            <a:schemeClr val="accent6"/>
+          </a:lnRef>
+          <a:fillRef idx="3">
+            <a:schemeClr val="accent6"/>
+          </a:fillRef>
+          <a:effectRef idx="3">
+            <a:schemeClr val="accent6"/>
+          </a:effectRef>
+          <a:fontRef idx="minor">
+            <a:schemeClr val="lt1"/>
+          </a:fontRef>
+        </p:style>
+        <p:txBody>
+          <a:bodyPr rtlCol="0" anchor="ctr"/>
+          <a:lstStyle/>
+          <a:p>
+            <a:pPr marL="0" marR="0" lvl="0" indent="0" algn="ctr" defTabSz="914400" rtl="0" eaLnBrk="1" fontAlgn="auto" latinLnBrk="0" hangingPunct="1">
+              <a:lnSpc>
+                <a:spcPct val="100000"/>
+              </a:lnSpc>
+              <a:spcBef>
+                <a:spcPts val="0"/>
+              </a:spcBef>
+              <a:spcAft>
+                <a:spcPts val="0"/>
+              </a:spcAft>
+              <a:buClrTx/>
+              <a:buSzTx/>
+              <a:buFontTx/>
+              <a:buNone/>
+              <a:tabLst/>
+              <a:defRPr/>
+            </a:pPr>
+            <a:r>
+              <a:rPr lang="en-US" b="1" dirty="0">
+                <a:solidFill>
+                  <a:srgbClr val="FFFFFF"/>
+                </a:solidFill>
+                <a:latin typeface="Calibri" panose="020F0502020204030204"/>
+              </a:rPr>
+              <a:t>5</a:t>
+            </a:r>
+            <a:endParaRPr kumimoji="0" lang="en-US" sz="1800" b="1" i="0" u="none" strike="noStrike" kern="1200" cap="none" spc="0" normalizeH="0" baseline="0" noProof="0" dirty="0">
+              <a:ln>
+                <a:noFill/>
+              </a:ln>
+              <a:solidFill>
+                <a:srgbClr val="FFFFFF"/>
+              </a:solidFill>
+              <a:effectLst/>
+              <a:uLnTx/>
+              <a:uFillTx/>
+              <a:latin typeface="Calibri" panose="020F0502020204030204"/>
+              <a:ea typeface="+mn-ea"/>
+              <a:cs typeface="+mn-cs"/>
+            </a:endParaRPr>
+          </a:p>
+        </p:txBody>
+      </p:sp>
+    </p:spTree>
+    <p:extLst>
+      <p:ext uri="{BB962C8B-B14F-4D97-AF65-F5344CB8AC3E}">
+        <p14:creationId xmlns:p14="http://schemas.microsoft.com/office/powerpoint/2010/main" val="1800394237"/>
+      </p:ext>
+    </p:extLst>
+  </p:cSld>
+  <p:clrMapOvr>
+    <a:overrideClrMapping bg1="lt1" tx1="dk1" bg2="lt2" tx2="dk2" accent1="accent1" accent2="accent2" accent3="accent3" accent4="accent4" accent5="accent5" accent6="accent6" hlink="hlink" folHlink="folHlink"/>
+  </p:clrMapOvr>
+  <p:timing>
+    <p:tnLst>
+      <p:par>
+        <p:cTn id="1" dur="indefinite" restart="never" nodeType="tmRoot"/>
+      </p:par>
+    </p:tnLst>
+  </p:timing>
+</p:sld>
+</file>
+
+<file path=ppt/slides/slide3.xml><?xml version="1.0" encoding="utf-8"?>
 <p:sld xmlns:a="http://schemas.openxmlformats.org/drawingml/2006/main" xmlns:r="http://schemas.openxmlformats.org/officeDocument/2006/relationships" xmlns:p="http://schemas.openxmlformats.org/presentationml/2006/main">
   <p:cSld>
     <p:spTree>
@@ -4287,7 +6538,7 @@
     </p:spTree>
     <p:extLst>
       <p:ext uri="{BB962C8B-B14F-4D97-AF65-F5344CB8AC3E}">
-        <p14:creationId xmlns:p14="http://schemas.microsoft.com/office/powerpoint/2010/main" xmlns="" val="4032476198"/>
+        <p14:creationId xmlns:p14="http://schemas.microsoft.com/office/powerpoint/2010/main" val="4032476198"/>
       </p:ext>
     </p:extLst>
   </p:cSld>
@@ -4394,7 +6645,7 @@
 </p:sld>
 </file>
 
-<file path=ppt/slides/slide3.xml><?xml version="1.0" encoding="utf-8"?>
+<file path=ppt/slides/slide4.xml><?xml version="1.0" encoding="utf-8"?>
 <p:sld xmlns:a="http://schemas.openxmlformats.org/drawingml/2006/main" xmlns:r="http://schemas.openxmlformats.org/officeDocument/2006/relationships" xmlns:p="http://schemas.openxmlformats.org/presentationml/2006/main">
   <p:cSld>
     <p:spTree>
@@ -5115,7 +7366,7 @@
     </p:spTree>
     <p:extLst>
       <p:ext uri="{BB962C8B-B14F-4D97-AF65-F5344CB8AC3E}">
-        <p14:creationId xmlns:p14="http://schemas.microsoft.com/office/powerpoint/2010/main" xmlns="" val="4032476198"/>
+        <p14:creationId xmlns:p14="http://schemas.microsoft.com/office/powerpoint/2010/main" val="4032476198"/>
       </p:ext>
     </p:extLst>
   </p:cSld>
@@ -5132,7 +7383,229 @@
 </p:sld>
 </file>
 
-<file path=ppt/slides/slide4.xml><?xml version="1.0" encoding="utf-8"?>
+<file path=ppt/slides/slide5.xml><?xml version="1.0" encoding="utf-8"?>
+<p:sld xmlns:a="http://schemas.openxmlformats.org/drawingml/2006/main" xmlns:r="http://schemas.openxmlformats.org/officeDocument/2006/relationships" xmlns:p="http://schemas.openxmlformats.org/presentationml/2006/main">
+  <p:cSld>
+    <p:spTree>
+      <p:nvGrpSpPr>
+        <p:cNvPr id="1" name=""/>
+        <p:cNvGrpSpPr/>
+        <p:nvPr/>
+      </p:nvGrpSpPr>
+      <p:grpSpPr>
+        <a:xfrm>
+          <a:off x="0" y="0"/>
+          <a:ext cx="0" cy="0"/>
+          <a:chOff x="0" y="0"/>
+          <a:chExt cx="0" cy="0"/>
+        </a:xfrm>
+      </p:grpSpPr>
+      <p:cxnSp>
+        <p:nvCxnSpPr>
+          <p:cNvPr id="8" name="Straight Connector 7"/>
+          <p:cNvCxnSpPr/>
+          <p:nvPr/>
+        </p:nvCxnSpPr>
+        <p:spPr>
+          <a:xfrm>
+            <a:off x="0" y="1447800"/>
+            <a:ext cx="9144000" cy="1588"/>
+          </a:xfrm>
+          <a:prstGeom prst="line">
+            <a:avLst/>
+          </a:prstGeom>
+          <a:ln>
+            <a:solidFill>
+              <a:schemeClr val="tx1"/>
+            </a:solidFill>
+          </a:ln>
+        </p:spPr>
+        <p:style>
+          <a:lnRef idx="1">
+            <a:schemeClr val="accent1"/>
+          </a:lnRef>
+          <a:fillRef idx="0">
+            <a:schemeClr val="accent1"/>
+          </a:fillRef>
+          <a:effectRef idx="0">
+            <a:schemeClr val="accent1"/>
+          </a:effectRef>
+          <a:fontRef idx="minor">
+            <a:schemeClr val="tx1"/>
+          </a:fontRef>
+        </p:style>
+      </p:cxnSp>
+      <p:sp>
+        <p:nvSpPr>
+          <p:cNvPr id="11" name="Title 1"/>
+          <p:cNvSpPr txBox="1">
+            <a:spLocks/>
+          </p:cNvSpPr>
+          <p:nvPr/>
+        </p:nvSpPr>
+        <p:spPr>
+          <a:xfrm>
+            <a:off x="457200" y="274638"/>
+            <a:ext cx="8229600" cy="1143000"/>
+          </a:xfrm>
+          <a:prstGeom prst="rect">
+            <a:avLst/>
+          </a:prstGeom>
+        </p:spPr>
+        <p:txBody>
+          <a:bodyPr/>
+          <a:lstStyle/>
+          <a:p>
+            <a:pPr marL="0" marR="0" lvl="0" indent="0" algn="ctr" defTabSz="914400" rtl="0" eaLnBrk="1" fontAlgn="auto" latinLnBrk="0" hangingPunct="1">
+              <a:lnSpc>
+                <a:spcPct val="100000"/>
+              </a:lnSpc>
+              <a:spcBef>
+                <a:spcPct val="0"/>
+              </a:spcBef>
+              <a:spcAft>
+                <a:spcPts val="0"/>
+              </a:spcAft>
+              <a:buClrTx/>
+              <a:buSzTx/>
+              <a:buFontTx/>
+              <a:buNone/>
+              <a:tabLst/>
+              <a:defRPr/>
+            </a:pPr>
+            <a:r>
+              <a:rPr kumimoji="0" lang="en-US" sz="4400" b="0" i="0" u="none" strike="noStrike" kern="1200" cap="none" spc="0" normalizeH="0" baseline="0" noProof="0" dirty="0" smtClean="0">
+                <a:ln>
+                  <a:noFill/>
+                </a:ln>
+                <a:solidFill>
+                  <a:schemeClr val="bg1"/>
+                </a:solidFill>
+                <a:effectLst/>
+                <a:uLnTx/>
+                <a:uFillTx/>
+                <a:latin typeface="+mj-lt"/>
+                <a:ea typeface="+mj-ea"/>
+                <a:cs typeface="+mj-cs"/>
+              </a:rPr>
+              <a:t>Introduction</a:t>
+            </a:r>
+            <a:endParaRPr kumimoji="0" lang="en-US" sz="4400" b="0" i="0" u="none" strike="noStrike" kern="1200" cap="none" spc="0" normalizeH="0" baseline="0" noProof="0" dirty="0">
+              <a:ln>
+                <a:noFill/>
+              </a:ln>
+              <a:solidFill>
+                <a:schemeClr val="bg1"/>
+              </a:solidFill>
+              <a:effectLst/>
+              <a:uLnTx/>
+              <a:uFillTx/>
+              <a:latin typeface="+mj-lt"/>
+              <a:ea typeface="+mj-ea"/>
+              <a:cs typeface="+mj-cs"/>
+            </a:endParaRPr>
+          </a:p>
+        </p:txBody>
+      </p:sp>
+      <p:pic>
+        <p:nvPicPr>
+          <p:cNvPr id="6" name="Picture 2" descr="C:\Users\hi\Downloads\IMG-20191028-WA0009.jpg"/>
+          <p:cNvPicPr>
+            <a:picLocks noChangeAspect="1" noChangeArrowheads="1"/>
+          </p:cNvPicPr>
+          <p:nvPr/>
+        </p:nvPicPr>
+        <p:blipFill>
+          <a:blip r:embed="rId2"/>
+          <a:srcRect/>
+          <a:stretch>
+            <a:fillRect/>
+          </a:stretch>
+        </p:blipFill>
+        <p:spPr bwMode="auto">
+          <a:xfrm>
+            <a:off x="543327" y="1600201"/>
+            <a:ext cx="7867994" cy="4419600"/>
+          </a:xfrm>
+          <a:prstGeom prst="rect">
+            <a:avLst/>
+          </a:prstGeom>
+          <a:noFill/>
+        </p:spPr>
+      </p:pic>
+      <p:pic>
+        <p:nvPicPr>
+          <p:cNvPr id="7" name="Picture 9" descr="C:\Users\hi\Desktop\1.png"/>
+          <p:cNvPicPr>
+            <a:picLocks noChangeAspect="1" noChangeArrowheads="1"/>
+          </p:cNvPicPr>
+          <p:nvPr/>
+        </p:nvPicPr>
+        <p:blipFill>
+          <a:blip r:embed="rId3"/>
+          <a:srcRect/>
+          <a:stretch>
+            <a:fillRect/>
+          </a:stretch>
+        </p:blipFill>
+        <p:spPr bwMode="auto">
+          <a:xfrm>
+            <a:off x="7772400" y="5867400"/>
+            <a:ext cx="523875" cy="523875"/>
+          </a:xfrm>
+          <a:prstGeom prst="rect">
+            <a:avLst/>
+          </a:prstGeom>
+          <a:noFill/>
+        </p:spPr>
+      </p:pic>
+      <p:pic>
+        <p:nvPicPr>
+          <p:cNvPr id="10" name="Picture 10" descr="C:\Users\hi\Desktop\2.png"/>
+          <p:cNvPicPr>
+            <a:picLocks noChangeAspect="1" noChangeArrowheads="1"/>
+          </p:cNvPicPr>
+          <p:nvPr/>
+        </p:nvPicPr>
+        <p:blipFill>
+          <a:blip r:embed="rId4"/>
+          <a:srcRect/>
+          <a:stretch>
+            <a:fillRect/>
+          </a:stretch>
+        </p:blipFill>
+        <p:spPr bwMode="auto">
+          <a:xfrm>
+            <a:off x="6096000" y="6353175"/>
+            <a:ext cx="2324100" cy="504825"/>
+          </a:xfrm>
+          <a:prstGeom prst="rect">
+            <a:avLst/>
+          </a:prstGeom>
+          <a:noFill/>
+        </p:spPr>
+      </p:pic>
+    </p:spTree>
+    <p:extLst>
+      <p:ext uri="{BB962C8B-B14F-4D97-AF65-F5344CB8AC3E}">
+        <p14:creationId xmlns:p14="http://schemas.microsoft.com/office/powerpoint/2010/main" val="4032476198"/>
+      </p:ext>
+    </p:extLst>
+  </p:cSld>
+  <p:clrMapOvr>
+    <a:masterClrMapping/>
+  </p:clrMapOvr>
+  <p:timing>
+    <p:tnLst>
+      <p:par>
+        <p:cTn id="1" dur="indefinite" restart="never" nodeType="tmRoot"/>
+      </p:par>
+    </p:tnLst>
+  </p:timing>
+</p:sld>
+</file>
+
+<file path=ppt/slides/slide6.xml><?xml version="1.0" encoding="utf-8"?>
 <p:sld xmlns:a="http://schemas.openxmlformats.org/drawingml/2006/main" xmlns:r="http://schemas.openxmlformats.org/officeDocument/2006/relationships" xmlns:p="http://schemas.openxmlformats.org/presentationml/2006/main">
   <p:cSld>
     <p:spTree>
@@ -5313,7 +7786,7 @@
           <p:cNvPr id="9" name="Freeform 5">
             <a:extLst>
               <a:ext uri="{FF2B5EF4-FFF2-40B4-BE49-F238E27FC236}">
-                <a16:creationId xmlns="" xmlns:a16="http://schemas.microsoft.com/office/drawing/2014/main" id="{768FB9FD-508C-45FB-B9A4-5A199142D858}"/>
+                <a16:creationId xmlns:a16="http://schemas.microsoft.com/office/drawing/2014/main" xmlns="" id="{768FB9FD-508C-45FB-B9A4-5A199142D858}"/>
               </a:ext>
             </a:extLst>
           </p:cNvPr>
@@ -5531,7 +8004,7 @@
           <p:cNvPr id="10" name="Freeform 9">
             <a:extLst>
               <a:ext uri="{FF2B5EF4-FFF2-40B4-BE49-F238E27FC236}">
-                <a16:creationId xmlns="" xmlns:a16="http://schemas.microsoft.com/office/drawing/2014/main" id="{AD7D17C0-A22A-4CE5-84C6-BED275614EBE}"/>
+                <a16:creationId xmlns:a16="http://schemas.microsoft.com/office/drawing/2014/main" xmlns="" id="{AD7D17C0-A22A-4CE5-84C6-BED275614EBE}"/>
               </a:ext>
             </a:extLst>
           </p:cNvPr>
@@ -5681,7 +8154,7 @@
           <p:cNvPr id="11" name="Freeform 9">
             <a:extLst>
               <a:ext uri="{FF2B5EF4-FFF2-40B4-BE49-F238E27FC236}">
-                <a16:creationId xmlns="" xmlns:a16="http://schemas.microsoft.com/office/drawing/2014/main" id="{3B8477D8-C61C-4124-90F8-8E57DF85ABA7}"/>
+                <a16:creationId xmlns:a16="http://schemas.microsoft.com/office/drawing/2014/main" xmlns="" id="{3B8477D8-C61C-4124-90F8-8E57DF85ABA7}"/>
               </a:ext>
             </a:extLst>
           </p:cNvPr>
@@ -5831,7 +8304,7 @@
           <p:cNvPr id="12" name="Freeform 5">
             <a:extLst>
               <a:ext uri="{FF2B5EF4-FFF2-40B4-BE49-F238E27FC236}">
-                <a16:creationId xmlns="" xmlns:a16="http://schemas.microsoft.com/office/drawing/2014/main" id="{67F0108F-9039-4399-9773-91DE2C3041A0}"/>
+                <a16:creationId xmlns:a16="http://schemas.microsoft.com/office/drawing/2014/main" xmlns="" id="{67F0108F-9039-4399-9773-91DE2C3041A0}"/>
               </a:ext>
             </a:extLst>
           </p:cNvPr>
@@ -6049,7 +8522,7 @@
           <p:cNvPr id="13" name="Freeform 9">
             <a:extLst>
               <a:ext uri="{FF2B5EF4-FFF2-40B4-BE49-F238E27FC236}">
-                <a16:creationId xmlns="" xmlns:a16="http://schemas.microsoft.com/office/drawing/2014/main" id="{320A28BC-AE81-4C0B-AB73-E7F89498D279}"/>
+                <a16:creationId xmlns:a16="http://schemas.microsoft.com/office/drawing/2014/main" xmlns="" id="{320A28BC-AE81-4C0B-AB73-E7F89498D279}"/>
               </a:ext>
             </a:extLst>
           </p:cNvPr>
@@ -6199,7 +8672,7 @@
           <p:cNvPr id="14" name="Freeform 9">
             <a:extLst>
               <a:ext uri="{FF2B5EF4-FFF2-40B4-BE49-F238E27FC236}">
-                <a16:creationId xmlns="" xmlns:a16="http://schemas.microsoft.com/office/drawing/2014/main" id="{C3A22756-C715-4C00-916F-5C1529273802}"/>
+                <a16:creationId xmlns:a16="http://schemas.microsoft.com/office/drawing/2014/main" xmlns="" id="{C3A22756-C715-4C00-916F-5C1529273802}"/>
               </a:ext>
             </a:extLst>
           </p:cNvPr>
@@ -6349,7 +8822,7 @@
           <p:cNvPr id="15" name="Freeform 9">
             <a:extLst>
               <a:ext uri="{FF2B5EF4-FFF2-40B4-BE49-F238E27FC236}">
-                <a16:creationId xmlns="" xmlns:a16="http://schemas.microsoft.com/office/drawing/2014/main" id="{A29FB220-28A5-4D27-ADA3-21E1B897EF58}"/>
+                <a16:creationId xmlns:a16="http://schemas.microsoft.com/office/drawing/2014/main" xmlns="" id="{A29FB220-28A5-4D27-ADA3-21E1B897EF58}"/>
               </a:ext>
             </a:extLst>
           </p:cNvPr>
@@ -6499,7 +8972,7 @@
           <p:cNvPr id="16" name="Freeform 9">
             <a:extLst>
               <a:ext uri="{FF2B5EF4-FFF2-40B4-BE49-F238E27FC236}">
-                <a16:creationId xmlns="" xmlns:a16="http://schemas.microsoft.com/office/drawing/2014/main" id="{BC83BD00-A1EF-4D37-AAC7-5990B201595C}"/>
+                <a16:creationId xmlns:a16="http://schemas.microsoft.com/office/drawing/2014/main" xmlns="" id="{BC83BD00-A1EF-4D37-AAC7-5990B201595C}"/>
               </a:ext>
             </a:extLst>
           </p:cNvPr>
@@ -6649,7 +9122,7 @@
           <p:cNvPr id="17" name="Oval 16">
             <a:extLst>
               <a:ext uri="{FF2B5EF4-FFF2-40B4-BE49-F238E27FC236}">
-                <a16:creationId xmlns="" xmlns:a16="http://schemas.microsoft.com/office/drawing/2014/main" id="{B234739F-137F-4F62-9B52-DCFB13D83C1C}"/>
+                <a16:creationId xmlns:a16="http://schemas.microsoft.com/office/drawing/2014/main" xmlns="" id="{B234739F-137F-4F62-9B52-DCFB13D83C1C}"/>
               </a:ext>
             </a:extLst>
           </p:cNvPr>
@@ -6710,7 +9183,7 @@
           <p:cNvPr id="18" name="Oval 17">
             <a:extLst>
               <a:ext uri="{FF2B5EF4-FFF2-40B4-BE49-F238E27FC236}">
-                <a16:creationId xmlns="" xmlns:a16="http://schemas.microsoft.com/office/drawing/2014/main" id="{5636EE2E-9B2C-48F7-83F4-AB4F1F6244B3}"/>
+                <a16:creationId xmlns:a16="http://schemas.microsoft.com/office/drawing/2014/main" xmlns="" id="{5636EE2E-9B2C-48F7-83F4-AB4F1F6244B3}"/>
               </a:ext>
             </a:extLst>
           </p:cNvPr>
@@ -6771,7 +9244,7 @@
           <p:cNvPr id="19" name="Oval 18">
             <a:extLst>
               <a:ext uri="{FF2B5EF4-FFF2-40B4-BE49-F238E27FC236}">
-                <a16:creationId xmlns="" xmlns:a16="http://schemas.microsoft.com/office/drawing/2014/main" id="{D104A93C-8179-48EB-AABC-80CB03EBE7B2}"/>
+                <a16:creationId xmlns:a16="http://schemas.microsoft.com/office/drawing/2014/main" xmlns="" id="{D104A93C-8179-48EB-AABC-80CB03EBE7B2}"/>
               </a:ext>
             </a:extLst>
           </p:cNvPr>
@@ -6832,7 +9305,7 @@
           <p:cNvPr id="20" name="Oval 19">
             <a:extLst>
               <a:ext uri="{FF2B5EF4-FFF2-40B4-BE49-F238E27FC236}">
-                <a16:creationId xmlns="" xmlns:a16="http://schemas.microsoft.com/office/drawing/2014/main" id="{A9A48D46-CBA8-4B56-91FF-07438AF0E3FF}"/>
+                <a16:creationId xmlns:a16="http://schemas.microsoft.com/office/drawing/2014/main" xmlns="" id="{A9A48D46-CBA8-4B56-91FF-07438AF0E3FF}"/>
               </a:ext>
             </a:extLst>
           </p:cNvPr>
@@ -6893,7 +9366,7 @@
           <p:cNvPr id="21" name="Oval 20">
             <a:extLst>
               <a:ext uri="{FF2B5EF4-FFF2-40B4-BE49-F238E27FC236}">
-                <a16:creationId xmlns="" xmlns:a16="http://schemas.microsoft.com/office/drawing/2014/main" id="{811A07DF-A3C0-42E0-90E8-C6F5026DD306}"/>
+                <a16:creationId xmlns:a16="http://schemas.microsoft.com/office/drawing/2014/main" xmlns="" id="{811A07DF-A3C0-42E0-90E8-C6F5026DD306}"/>
               </a:ext>
             </a:extLst>
           </p:cNvPr>
@@ -6954,7 +9427,7 @@
           <p:cNvPr id="22" name="Oval 21">
             <a:extLst>
               <a:ext uri="{FF2B5EF4-FFF2-40B4-BE49-F238E27FC236}">
-                <a16:creationId xmlns="" xmlns:a16="http://schemas.microsoft.com/office/drawing/2014/main" id="{0B0341B7-8D48-478C-B9E3-628E56FFD7F9}"/>
+                <a16:creationId xmlns:a16="http://schemas.microsoft.com/office/drawing/2014/main" xmlns="" id="{0B0341B7-8D48-478C-B9E3-628E56FFD7F9}"/>
               </a:ext>
             </a:extLst>
           </p:cNvPr>
@@ -7015,7 +9488,7 @@
           <p:cNvPr id="23" name="Oval 22">
             <a:extLst>
               <a:ext uri="{FF2B5EF4-FFF2-40B4-BE49-F238E27FC236}">
-                <a16:creationId xmlns="" xmlns:a16="http://schemas.microsoft.com/office/drawing/2014/main" id="{DE87EE82-E6FC-4E13-8748-4212CE5C8594}"/>
+                <a16:creationId xmlns:a16="http://schemas.microsoft.com/office/drawing/2014/main" xmlns="" id="{DE87EE82-E6FC-4E13-8748-4212CE5C8594}"/>
               </a:ext>
             </a:extLst>
           </p:cNvPr>
@@ -7076,7 +9549,7 @@
           <p:cNvPr id="24" name="Oval 23">
             <a:extLst>
               <a:ext uri="{FF2B5EF4-FFF2-40B4-BE49-F238E27FC236}">
-                <a16:creationId xmlns="" xmlns:a16="http://schemas.microsoft.com/office/drawing/2014/main" id="{00A0E844-2ADE-4280-A67B-DEFE37A04949}"/>
+                <a16:creationId xmlns:a16="http://schemas.microsoft.com/office/drawing/2014/main" xmlns="" id="{00A0E844-2ADE-4280-A67B-DEFE37A04949}"/>
               </a:ext>
             </a:extLst>
           </p:cNvPr>
@@ -7137,7 +9610,7 @@
           <p:cNvPr id="25" name="TextBox 24">
             <a:extLst>
               <a:ext uri="{FF2B5EF4-FFF2-40B4-BE49-F238E27FC236}">
-                <a16:creationId xmlns="" xmlns:a16="http://schemas.microsoft.com/office/drawing/2014/main" id="{C6498E4F-91B4-4D6C-8874-BADEA5D6EF9C}"/>
+                <a16:creationId xmlns:a16="http://schemas.microsoft.com/office/drawing/2014/main" xmlns="" id="{C6498E4F-91B4-4D6C-8874-BADEA5D6EF9C}"/>
               </a:ext>
             </a:extLst>
           </p:cNvPr>
@@ -7202,7 +9675,7 @@
           <p:cNvPr id="26" name="TextBox 25">
             <a:extLst>
               <a:ext uri="{FF2B5EF4-FFF2-40B4-BE49-F238E27FC236}">
-                <a16:creationId xmlns="" xmlns:a16="http://schemas.microsoft.com/office/drawing/2014/main" id="{9733E881-F96F-4ED4-B46F-556D8861301E}"/>
+                <a16:creationId xmlns:a16="http://schemas.microsoft.com/office/drawing/2014/main" xmlns="" id="{9733E881-F96F-4ED4-B46F-556D8861301E}"/>
               </a:ext>
             </a:extLst>
           </p:cNvPr>
@@ -7261,7 +9734,7 @@
           <p:cNvPr id="27" name="TextBox 26">
             <a:extLst>
               <a:ext uri="{FF2B5EF4-FFF2-40B4-BE49-F238E27FC236}">
-                <a16:creationId xmlns="" xmlns:a16="http://schemas.microsoft.com/office/drawing/2014/main" id="{D15115CF-F0E3-449F-88AB-FE290723C434}"/>
+                <a16:creationId xmlns:a16="http://schemas.microsoft.com/office/drawing/2014/main" xmlns="" id="{D15115CF-F0E3-449F-88AB-FE290723C434}"/>
               </a:ext>
             </a:extLst>
           </p:cNvPr>
@@ -7357,7 +9830,7 @@
           <p:cNvPr id="28" name="TextBox 27">
             <a:extLst>
               <a:ext uri="{FF2B5EF4-FFF2-40B4-BE49-F238E27FC236}">
-                <a16:creationId xmlns="" xmlns:a16="http://schemas.microsoft.com/office/drawing/2014/main" id="{E5E54607-3BEC-458E-B4FE-7DB065A67E2C}"/>
+                <a16:creationId xmlns:a16="http://schemas.microsoft.com/office/drawing/2014/main" xmlns="" id="{E5E54607-3BEC-458E-B4FE-7DB065A67E2C}"/>
               </a:ext>
             </a:extLst>
           </p:cNvPr>
@@ -7436,7 +9909,7 @@
           <p:cNvPr id="29" name="TextBox 28">
             <a:extLst>
               <a:ext uri="{FF2B5EF4-FFF2-40B4-BE49-F238E27FC236}">
-                <a16:creationId xmlns="" xmlns:a16="http://schemas.microsoft.com/office/drawing/2014/main" id="{BCA5FBD4-D95A-432E-AEEB-614C3B9DA45B}"/>
+                <a16:creationId xmlns:a16="http://schemas.microsoft.com/office/drawing/2014/main" xmlns="" id="{BCA5FBD4-D95A-432E-AEEB-614C3B9DA45B}"/>
               </a:ext>
             </a:extLst>
           </p:cNvPr>
@@ -7513,7 +9986,7 @@
           <p:cNvPr id="30" name="TextBox 29">
             <a:extLst>
               <a:ext uri="{FF2B5EF4-FFF2-40B4-BE49-F238E27FC236}">
-                <a16:creationId xmlns="" xmlns:a16="http://schemas.microsoft.com/office/drawing/2014/main" id="{EEC460DC-FAB8-413E-B445-7D5FEAAA4BE3}"/>
+                <a16:creationId xmlns:a16="http://schemas.microsoft.com/office/drawing/2014/main" xmlns="" id="{EEC460DC-FAB8-413E-B445-7D5FEAAA4BE3}"/>
               </a:ext>
             </a:extLst>
           </p:cNvPr>
@@ -7566,7 +10039,7 @@
           <p:cNvPr id="31" name="TextBox 30">
             <a:extLst>
               <a:ext uri="{FF2B5EF4-FFF2-40B4-BE49-F238E27FC236}">
-                <a16:creationId xmlns="" xmlns:a16="http://schemas.microsoft.com/office/drawing/2014/main" id="{BF88C297-16B0-4D4B-8967-03E94E623EA4}"/>
+                <a16:creationId xmlns:a16="http://schemas.microsoft.com/office/drawing/2014/main" xmlns="" id="{BF88C297-16B0-4D4B-8967-03E94E623EA4}"/>
               </a:ext>
             </a:extLst>
           </p:cNvPr>
@@ -7645,7 +10118,7 @@
           <p:cNvPr id="32" name="TextBox 31">
             <a:extLst>
               <a:ext uri="{FF2B5EF4-FFF2-40B4-BE49-F238E27FC236}">
-                <a16:creationId xmlns="" xmlns:a16="http://schemas.microsoft.com/office/drawing/2014/main" id="{103E2CD6-3F36-4312-8299-A62A8CECD383}"/>
+                <a16:creationId xmlns:a16="http://schemas.microsoft.com/office/drawing/2014/main" xmlns="" id="{103E2CD6-3F36-4312-8299-A62A8CECD383}"/>
               </a:ext>
             </a:extLst>
           </p:cNvPr>
@@ -7790,7 +10263,7 @@
           <p:cNvPr id="33" name="TextBox 32">
             <a:extLst>
               <a:ext uri="{FF2B5EF4-FFF2-40B4-BE49-F238E27FC236}">
-                <a16:creationId xmlns="" xmlns:a16="http://schemas.microsoft.com/office/drawing/2014/main" id="{57B49B69-B9A3-40BA-8CA5-3E250C770847}"/>
+                <a16:creationId xmlns:a16="http://schemas.microsoft.com/office/drawing/2014/main" xmlns="" id="{57B49B69-B9A3-40BA-8CA5-3E250C770847}"/>
               </a:ext>
             </a:extLst>
           </p:cNvPr>
@@ -7869,7 +10342,7 @@
           <p:cNvPr id="34" name="TextBox 33">
             <a:extLst>
               <a:ext uri="{FF2B5EF4-FFF2-40B4-BE49-F238E27FC236}">
-                <a16:creationId xmlns="" xmlns:a16="http://schemas.microsoft.com/office/drawing/2014/main" id="{8C5DCBA2-575B-4A72-881F-2E187D3FF7CA}"/>
+                <a16:creationId xmlns:a16="http://schemas.microsoft.com/office/drawing/2014/main" xmlns="" id="{8C5DCBA2-575B-4A72-881F-2E187D3FF7CA}"/>
               </a:ext>
             </a:extLst>
           </p:cNvPr>
@@ -7946,7 +10419,7 @@
     </p:spTree>
     <p:extLst>
       <p:ext uri="{BB962C8B-B14F-4D97-AF65-F5344CB8AC3E}">
-        <p14:creationId xmlns:p14="http://schemas.microsoft.com/office/powerpoint/2010/main" xmlns="" val="4032476198"/>
+        <p14:creationId xmlns:p14="http://schemas.microsoft.com/office/powerpoint/2010/main" val="4032476198"/>
       </p:ext>
     </p:extLst>
   </p:cSld>
@@ -7963,7 +10436,7 @@
 </p:sld>
 </file>
 
-<file path=ppt/slides/slide5.xml><?xml version="1.0" encoding="utf-8"?>
+<file path=ppt/slides/slide7.xml><?xml version="1.0" encoding="utf-8"?>
 <p:sld xmlns:a="http://schemas.openxmlformats.org/drawingml/2006/main" xmlns:r="http://schemas.openxmlformats.org/officeDocument/2006/relationships" xmlns:p="http://schemas.openxmlformats.org/presentationml/2006/main">
   <p:cSld>
     <p:spTree>
@@ -7980,234 +10453,12 @@
           <a:chExt cx="0" cy="0"/>
         </a:xfrm>
       </p:grpSpPr>
-      <p:cxnSp>
-        <p:nvCxnSpPr>
-          <p:cNvPr id="8" name="Straight Connector 7"/>
-          <p:cNvCxnSpPr/>
-          <p:nvPr/>
-        </p:nvCxnSpPr>
-        <p:spPr>
-          <a:xfrm>
-            <a:off x="0" y="1447800"/>
-            <a:ext cx="9144000" cy="1588"/>
-          </a:xfrm>
-          <a:prstGeom prst="line">
-            <a:avLst/>
-          </a:prstGeom>
-          <a:ln>
-            <a:solidFill>
-              <a:schemeClr val="tx1"/>
-            </a:solidFill>
-          </a:ln>
-        </p:spPr>
-        <p:style>
-          <a:lnRef idx="1">
-            <a:schemeClr val="accent1"/>
-          </a:lnRef>
-          <a:fillRef idx="0">
-            <a:schemeClr val="accent1"/>
-          </a:fillRef>
-          <a:effectRef idx="0">
-            <a:schemeClr val="accent1"/>
-          </a:effectRef>
-          <a:fontRef idx="minor">
-            <a:schemeClr val="tx1"/>
-          </a:fontRef>
-        </p:style>
-      </p:cxnSp>
-      <p:sp>
-        <p:nvSpPr>
-          <p:cNvPr id="11" name="Title 1"/>
-          <p:cNvSpPr txBox="1">
-            <a:spLocks/>
-          </p:cNvSpPr>
-          <p:nvPr/>
-        </p:nvSpPr>
-        <p:spPr>
-          <a:xfrm>
-            <a:off x="457200" y="274638"/>
-            <a:ext cx="8229600" cy="1143000"/>
-          </a:xfrm>
-          <a:prstGeom prst="rect">
-            <a:avLst/>
-          </a:prstGeom>
-        </p:spPr>
-        <p:txBody>
-          <a:bodyPr/>
-          <a:lstStyle/>
-          <a:p>
-            <a:pPr marL="0" marR="0" lvl="0" indent="0" algn="ctr" defTabSz="914400" rtl="0" eaLnBrk="1" fontAlgn="auto" latinLnBrk="0" hangingPunct="1">
-              <a:lnSpc>
-                <a:spcPct val="100000"/>
-              </a:lnSpc>
-              <a:spcBef>
-                <a:spcPct val="0"/>
-              </a:spcBef>
-              <a:spcAft>
-                <a:spcPts val="0"/>
-              </a:spcAft>
-              <a:buClrTx/>
-              <a:buSzTx/>
-              <a:buFontTx/>
-              <a:buNone/>
-              <a:tabLst/>
-              <a:defRPr/>
-            </a:pPr>
-            <a:r>
-              <a:rPr kumimoji="0" lang="en-US" sz="4400" b="0" i="0" u="none" strike="noStrike" kern="1200" cap="none" spc="0" normalizeH="0" baseline="0" noProof="0" dirty="0" smtClean="0">
-                <a:ln>
-                  <a:noFill/>
-                </a:ln>
-                <a:solidFill>
-                  <a:schemeClr val="bg1"/>
-                </a:solidFill>
-                <a:effectLst/>
-                <a:uLnTx/>
-                <a:uFillTx/>
-                <a:latin typeface="+mj-lt"/>
-                <a:ea typeface="+mj-ea"/>
-                <a:cs typeface="+mj-cs"/>
-              </a:rPr>
-              <a:t>Introduction</a:t>
-            </a:r>
-            <a:endParaRPr kumimoji="0" lang="en-US" sz="4400" b="0" i="0" u="none" strike="noStrike" kern="1200" cap="none" spc="0" normalizeH="0" baseline="0" noProof="0" dirty="0">
-              <a:ln>
-                <a:noFill/>
-              </a:ln>
-              <a:solidFill>
-                <a:schemeClr val="bg1"/>
-              </a:solidFill>
-              <a:effectLst/>
-              <a:uLnTx/>
-              <a:uFillTx/>
-              <a:latin typeface="+mj-lt"/>
-              <a:ea typeface="+mj-ea"/>
-              <a:cs typeface="+mj-cs"/>
-            </a:endParaRPr>
-          </a:p>
-        </p:txBody>
-      </p:sp>
-      <p:pic>
-        <p:nvPicPr>
-          <p:cNvPr id="6" name="Picture 2" descr="C:\Users\hi\Downloads\IMG-20191028-WA0009.jpg"/>
-          <p:cNvPicPr>
-            <a:picLocks noChangeAspect="1" noChangeArrowheads="1"/>
-          </p:cNvPicPr>
-          <p:nvPr/>
-        </p:nvPicPr>
-        <p:blipFill>
-          <a:blip r:embed="rId2"/>
-          <a:srcRect/>
-          <a:stretch>
-            <a:fillRect/>
-          </a:stretch>
-        </p:blipFill>
-        <p:spPr bwMode="auto">
-          <a:xfrm>
-            <a:off x="543327" y="1600201"/>
-            <a:ext cx="7867994" cy="4419600"/>
-          </a:xfrm>
-          <a:prstGeom prst="rect">
-            <a:avLst/>
-          </a:prstGeom>
-          <a:noFill/>
-        </p:spPr>
-      </p:pic>
-      <p:pic>
-        <p:nvPicPr>
-          <p:cNvPr id="7" name="Picture 9" descr="C:\Users\hi\Desktop\1.png"/>
-          <p:cNvPicPr>
-            <a:picLocks noChangeAspect="1" noChangeArrowheads="1"/>
-          </p:cNvPicPr>
-          <p:nvPr/>
-        </p:nvPicPr>
-        <p:blipFill>
-          <a:blip r:embed="rId3"/>
-          <a:srcRect/>
-          <a:stretch>
-            <a:fillRect/>
-          </a:stretch>
-        </p:blipFill>
-        <p:spPr bwMode="auto">
-          <a:xfrm>
-            <a:off x="7772400" y="5867400"/>
-            <a:ext cx="523875" cy="523875"/>
-          </a:xfrm>
-          <a:prstGeom prst="rect">
-            <a:avLst/>
-          </a:prstGeom>
-          <a:noFill/>
-        </p:spPr>
-      </p:pic>
-      <p:pic>
-        <p:nvPicPr>
-          <p:cNvPr id="10" name="Picture 10" descr="C:\Users\hi\Desktop\2.png"/>
-          <p:cNvPicPr>
-            <a:picLocks noChangeAspect="1" noChangeArrowheads="1"/>
-          </p:cNvPicPr>
-          <p:nvPr/>
-        </p:nvPicPr>
-        <p:blipFill>
-          <a:blip r:embed="rId4"/>
-          <a:srcRect/>
-          <a:stretch>
-            <a:fillRect/>
-          </a:stretch>
-        </p:blipFill>
-        <p:spPr bwMode="auto">
-          <a:xfrm>
-            <a:off x="6096000" y="6353175"/>
-            <a:ext cx="2324100" cy="504825"/>
-          </a:xfrm>
-          <a:prstGeom prst="rect">
-            <a:avLst/>
-          </a:prstGeom>
-          <a:noFill/>
-        </p:spPr>
-      </p:pic>
-    </p:spTree>
-    <p:extLst>
-      <p:ext uri="{BB962C8B-B14F-4D97-AF65-F5344CB8AC3E}">
-        <p14:creationId xmlns:p14="http://schemas.microsoft.com/office/powerpoint/2010/main" xmlns="" val="4032476198"/>
-      </p:ext>
-    </p:extLst>
-  </p:cSld>
-  <p:clrMapOvr>
-    <a:masterClrMapping/>
-  </p:clrMapOvr>
-  <p:timing>
-    <p:tnLst>
-      <p:par>
-        <p:cTn id="1" dur="indefinite" restart="never" nodeType="tmRoot"/>
-      </p:par>
-    </p:tnLst>
-  </p:timing>
-</p:sld>
-</file>
-
-<file path=ppt/slides/slide6.xml><?xml version="1.0" encoding="utf-8"?>
-<p:sld xmlns:a="http://schemas.openxmlformats.org/drawingml/2006/main" xmlns:r="http://schemas.openxmlformats.org/officeDocument/2006/relationships" xmlns:p="http://schemas.openxmlformats.org/presentationml/2006/main">
-  <p:cSld>
-    <p:spTree>
-      <p:nvGrpSpPr>
-        <p:cNvPr id="1" name=""/>
-        <p:cNvGrpSpPr/>
-        <p:nvPr/>
-      </p:nvGrpSpPr>
-      <p:grpSpPr>
-        <a:xfrm>
-          <a:off x="0" y="0"/>
-          <a:ext cx="0" cy="0"/>
-          <a:chOff x="0" y="0"/>
-          <a:chExt cx="0" cy="0"/>
-        </a:xfrm>
-      </p:grpSpPr>
       <p:sp>
         <p:nvSpPr>
           <p:cNvPr id="4" name="TextBox 3">
             <a:extLst>
               <a:ext uri="{FF2B5EF4-FFF2-40B4-BE49-F238E27FC236}">
-                <a16:creationId xmlns:a16="http://schemas.microsoft.com/office/drawing/2014/main" xmlns="" id="{DF691C40-340A-44BC-A6B3-C3A20A9ED913}"/>
+                <a16:creationId xmlns="" xmlns:a16="http://schemas.microsoft.com/office/drawing/2014/main" id="{DF691C40-340A-44BC-A6B3-C3A20A9ED913}"/>
               </a:ext>
             </a:extLst>
           </p:cNvPr>
@@ -8308,2183 +10559,9 @@
     </p:spTree>
     <p:extLst>
       <p:ext uri="{BB962C8B-B14F-4D97-AF65-F5344CB8AC3E}">
-        <p14:creationId xmlns:p14="http://schemas.microsoft.com/office/powerpoint/2010/main" xmlns="" val="2582224218"/>
+        <p14:creationId xmlns:p14="http://schemas.microsoft.com/office/powerpoint/2010/main" val="2582224218"/>
       </p:ext>
     </p:extLst>
-  </p:cSld>
-  <p:clrMapOvr>
-    <a:masterClrMapping/>
-  </p:clrMapOvr>
-  <p:timing>
-    <p:tnLst>
-      <p:par>
-        <p:cTn id="1" dur="indefinite" restart="never" nodeType="tmRoot"/>
-      </p:par>
-    </p:tnLst>
-  </p:timing>
-</p:sld>
-</file>
-
-<file path=ppt/slides/slide7.xml><?xml version="1.0" encoding="utf-8"?>
-<p:sld xmlns:a="http://schemas.openxmlformats.org/drawingml/2006/main" xmlns:r="http://schemas.openxmlformats.org/officeDocument/2006/relationships" xmlns:p="http://schemas.openxmlformats.org/presentationml/2006/main">
-  <p:cSld>
-    <p:spTree>
-      <p:nvGrpSpPr>
-        <p:cNvPr id="1" name=""/>
-        <p:cNvGrpSpPr/>
-        <p:nvPr/>
-      </p:nvGrpSpPr>
-      <p:grpSpPr>
-        <a:xfrm>
-          <a:off x="0" y="0"/>
-          <a:ext cx="0" cy="0"/>
-          <a:chOff x="0" y="0"/>
-          <a:chExt cx="0" cy="0"/>
-        </a:xfrm>
-      </p:grpSpPr>
-      <p:grpSp>
-        <p:nvGrpSpPr>
-          <p:cNvPr id="2" name="Group 1">
-            <a:extLst>
-              <a:ext uri="{FF2B5EF4-FFF2-40B4-BE49-F238E27FC236}">
-                <a16:creationId xmlns:a16="http://schemas.microsoft.com/office/drawing/2014/main" xmlns="" id="{02F57185-A285-4D92-B8BA-00F8775D5B18}"/>
-              </a:ext>
-            </a:extLst>
-          </p:cNvPr>
-          <p:cNvGrpSpPr/>
-          <p:nvPr/>
-        </p:nvGrpSpPr>
-        <p:grpSpPr>
-          <a:xfrm>
-            <a:off x="1447800" y="1905000"/>
-            <a:ext cx="5421336" cy="3505226"/>
-            <a:chOff x="1875629" y="2488979"/>
-            <a:chExt cx="4667412" cy="3017770"/>
-          </a:xfrm>
-        </p:grpSpPr>
-        <p:sp>
-          <p:nvSpPr>
-            <p:cNvPr id="3" name="Freeform 6">
-              <a:extLst>
-                <a:ext uri="{FF2B5EF4-FFF2-40B4-BE49-F238E27FC236}">
-                  <a16:creationId xmlns:a16="http://schemas.microsoft.com/office/drawing/2014/main" xmlns="" id="{2F738D6F-C3CA-4BE9-BDC0-B06998C6E892}"/>
-                </a:ext>
-              </a:extLst>
-            </p:cNvPr>
-            <p:cNvSpPr>
-              <a:spLocks/>
-            </p:cNvSpPr>
-            <p:nvPr/>
-          </p:nvSpPr>
-          <p:spPr bwMode="auto">
-            <a:xfrm>
-              <a:off x="2511150" y="3040735"/>
-              <a:ext cx="3062989" cy="2426604"/>
-            </a:xfrm>
-            <a:custGeom>
-              <a:avLst/>
-              <a:gdLst>
-                <a:gd name="T0" fmla="*/ 323 w 664"/>
-                <a:gd name="T1" fmla="*/ 471 h 486"/>
-                <a:gd name="T2" fmla="*/ 332 w 664"/>
-                <a:gd name="T3" fmla="*/ 458 h 486"/>
-                <a:gd name="T4" fmla="*/ 302 w 664"/>
-                <a:gd name="T5" fmla="*/ 385 h 486"/>
-                <a:gd name="T6" fmla="*/ 299 w 664"/>
-                <a:gd name="T7" fmla="*/ 384 h 486"/>
-                <a:gd name="T8" fmla="*/ 293 w 664"/>
-                <a:gd name="T9" fmla="*/ 334 h 486"/>
-                <a:gd name="T10" fmla="*/ 248 w 664"/>
-                <a:gd name="T11" fmla="*/ 312 h 486"/>
-                <a:gd name="T12" fmla="*/ 212 w 664"/>
-                <a:gd name="T13" fmla="*/ 256 h 486"/>
-                <a:gd name="T14" fmla="*/ 150 w 664"/>
-                <a:gd name="T15" fmla="*/ 282 h 486"/>
-                <a:gd name="T16" fmla="*/ 63 w 664"/>
-                <a:gd name="T17" fmla="*/ 271 h 486"/>
-                <a:gd name="T18" fmla="*/ 44 w 664"/>
-                <a:gd name="T19" fmla="*/ 246 h 486"/>
-                <a:gd name="T20" fmla="*/ 2 w 664"/>
-                <a:gd name="T21" fmla="*/ 191 h 486"/>
-                <a:gd name="T22" fmla="*/ 2 w 664"/>
-                <a:gd name="T23" fmla="*/ 183 h 486"/>
-                <a:gd name="T24" fmla="*/ 67 w 664"/>
-                <a:gd name="T25" fmla="*/ 80 h 486"/>
-                <a:gd name="T26" fmla="*/ 116 w 664"/>
-                <a:gd name="T27" fmla="*/ 3 h 486"/>
-                <a:gd name="T28" fmla="*/ 122 w 664"/>
-                <a:gd name="T29" fmla="*/ 2 h 486"/>
-                <a:gd name="T30" fmla="*/ 155 w 664"/>
-                <a:gd name="T31" fmla="*/ 19 h 486"/>
-                <a:gd name="T32" fmla="*/ 181 w 664"/>
-                <a:gd name="T33" fmla="*/ 26 h 486"/>
-                <a:gd name="T34" fmla="*/ 217 w 664"/>
-                <a:gd name="T35" fmla="*/ 32 h 486"/>
-                <a:gd name="T36" fmla="*/ 223 w 664"/>
-                <a:gd name="T37" fmla="*/ 33 h 486"/>
-                <a:gd name="T38" fmla="*/ 214 w 664"/>
-                <a:gd name="T39" fmla="*/ 44 h 486"/>
-                <a:gd name="T40" fmla="*/ 170 w 664"/>
-                <a:gd name="T41" fmla="*/ 102 h 486"/>
-                <a:gd name="T42" fmla="*/ 171 w 664"/>
-                <a:gd name="T43" fmla="*/ 151 h 486"/>
-                <a:gd name="T44" fmla="*/ 217 w 664"/>
-                <a:gd name="T45" fmla="*/ 166 h 486"/>
-                <a:gd name="T46" fmla="*/ 245 w 664"/>
-                <a:gd name="T47" fmla="*/ 152 h 486"/>
-                <a:gd name="T48" fmla="*/ 308 w 664"/>
-                <a:gd name="T49" fmla="*/ 119 h 486"/>
-                <a:gd name="T50" fmla="*/ 353 w 664"/>
-                <a:gd name="T51" fmla="*/ 96 h 486"/>
-                <a:gd name="T52" fmla="*/ 372 w 664"/>
-                <a:gd name="T53" fmla="*/ 97 h 486"/>
-                <a:gd name="T54" fmla="*/ 538 w 664"/>
-                <a:gd name="T55" fmla="*/ 205 h 486"/>
-                <a:gd name="T56" fmla="*/ 647 w 664"/>
-                <a:gd name="T57" fmla="*/ 275 h 486"/>
-                <a:gd name="T58" fmla="*/ 663 w 664"/>
-                <a:gd name="T59" fmla="*/ 308 h 486"/>
-                <a:gd name="T60" fmla="*/ 643 w 664"/>
-                <a:gd name="T61" fmla="*/ 334 h 486"/>
-                <a:gd name="T62" fmla="*/ 612 w 664"/>
-                <a:gd name="T63" fmla="*/ 331 h 486"/>
-                <a:gd name="T64" fmla="*/ 483 w 664"/>
-                <a:gd name="T65" fmla="*/ 254 h 486"/>
-                <a:gd name="T66" fmla="*/ 463 w 664"/>
-                <a:gd name="T67" fmla="*/ 242 h 486"/>
-                <a:gd name="T68" fmla="*/ 448 w 664"/>
-                <a:gd name="T69" fmla="*/ 247 h 486"/>
-                <a:gd name="T70" fmla="*/ 451 w 664"/>
-                <a:gd name="T71" fmla="*/ 262 h 486"/>
-                <a:gd name="T72" fmla="*/ 496 w 664"/>
-                <a:gd name="T73" fmla="*/ 289 h 486"/>
-                <a:gd name="T74" fmla="*/ 527 w 664"/>
-                <a:gd name="T75" fmla="*/ 307 h 486"/>
-                <a:gd name="T76" fmla="*/ 571 w 664"/>
-                <a:gd name="T77" fmla="*/ 333 h 486"/>
-                <a:gd name="T78" fmla="*/ 588 w 664"/>
-                <a:gd name="T79" fmla="*/ 344 h 486"/>
-                <a:gd name="T80" fmla="*/ 586 w 664"/>
-                <a:gd name="T81" fmla="*/ 384 h 486"/>
-                <a:gd name="T82" fmla="*/ 544 w 664"/>
-                <a:gd name="T83" fmla="*/ 388 h 486"/>
-                <a:gd name="T84" fmla="*/ 455 w 664"/>
-                <a:gd name="T85" fmla="*/ 339 h 486"/>
-                <a:gd name="T86" fmla="*/ 428 w 664"/>
-                <a:gd name="T87" fmla="*/ 325 h 486"/>
-                <a:gd name="T88" fmla="*/ 411 w 664"/>
-                <a:gd name="T89" fmla="*/ 329 h 486"/>
-                <a:gd name="T90" fmla="*/ 416 w 664"/>
-                <a:gd name="T91" fmla="*/ 345 h 486"/>
-                <a:gd name="T92" fmla="*/ 482 w 664"/>
-                <a:gd name="T93" fmla="*/ 381 h 486"/>
-                <a:gd name="T94" fmla="*/ 522 w 664"/>
-                <a:gd name="T95" fmla="*/ 404 h 486"/>
-                <a:gd name="T96" fmla="*/ 529 w 664"/>
-                <a:gd name="T97" fmla="*/ 433 h 486"/>
-                <a:gd name="T98" fmla="*/ 486 w 664"/>
-                <a:gd name="T99" fmla="*/ 450 h 486"/>
-                <a:gd name="T100" fmla="*/ 461 w 664"/>
-                <a:gd name="T101" fmla="*/ 438 h 486"/>
-                <a:gd name="T102" fmla="*/ 407 w 664"/>
-                <a:gd name="T103" fmla="*/ 410 h 486"/>
-                <a:gd name="T104" fmla="*/ 393 w 664"/>
-                <a:gd name="T105" fmla="*/ 403 h 486"/>
-                <a:gd name="T106" fmla="*/ 376 w 664"/>
-                <a:gd name="T107" fmla="*/ 407 h 486"/>
-                <a:gd name="T108" fmla="*/ 382 w 664"/>
-                <a:gd name="T109" fmla="*/ 424 h 486"/>
-                <a:gd name="T110" fmla="*/ 435 w 664"/>
-                <a:gd name="T111" fmla="*/ 451 h 486"/>
-                <a:gd name="T112" fmla="*/ 464 w 664"/>
-                <a:gd name="T113" fmla="*/ 466 h 486"/>
-                <a:gd name="T114" fmla="*/ 441 w 664"/>
-                <a:gd name="T115" fmla="*/ 479 h 486"/>
-                <a:gd name="T116" fmla="*/ 387 w 664"/>
-                <a:gd name="T117" fmla="*/ 481 h 486"/>
-                <a:gd name="T118" fmla="*/ 335 w 664"/>
-                <a:gd name="T119" fmla="*/ 473 h 486"/>
-                <a:gd name="T120" fmla="*/ 323 w 664"/>
-                <a:gd name="T121" fmla="*/ 471 h 486"/>
-              </a:gdLst>
-              <a:ahLst/>
-              <a:cxnLst>
-                <a:cxn ang="0">
-                  <a:pos x="T0" y="T1"/>
-                </a:cxn>
-                <a:cxn ang="0">
-                  <a:pos x="T2" y="T3"/>
-                </a:cxn>
-                <a:cxn ang="0">
-                  <a:pos x="T4" y="T5"/>
-                </a:cxn>
-                <a:cxn ang="0">
-                  <a:pos x="T6" y="T7"/>
-                </a:cxn>
-                <a:cxn ang="0">
-                  <a:pos x="T8" y="T9"/>
-                </a:cxn>
-                <a:cxn ang="0">
-                  <a:pos x="T10" y="T11"/>
-                </a:cxn>
-                <a:cxn ang="0">
-                  <a:pos x="T12" y="T13"/>
-                </a:cxn>
-                <a:cxn ang="0">
-                  <a:pos x="T14" y="T15"/>
-                </a:cxn>
-                <a:cxn ang="0">
-                  <a:pos x="T16" y="T17"/>
-                </a:cxn>
-                <a:cxn ang="0">
-                  <a:pos x="T18" y="T19"/>
-                </a:cxn>
-                <a:cxn ang="0">
-                  <a:pos x="T20" y="T21"/>
-                </a:cxn>
-                <a:cxn ang="0">
-                  <a:pos x="T22" y="T23"/>
-                </a:cxn>
-                <a:cxn ang="0">
-                  <a:pos x="T24" y="T25"/>
-                </a:cxn>
-                <a:cxn ang="0">
-                  <a:pos x="T26" y="T27"/>
-                </a:cxn>
-                <a:cxn ang="0">
-                  <a:pos x="T28" y="T29"/>
-                </a:cxn>
-                <a:cxn ang="0">
-                  <a:pos x="T30" y="T31"/>
-                </a:cxn>
-                <a:cxn ang="0">
-                  <a:pos x="T32" y="T33"/>
-                </a:cxn>
-                <a:cxn ang="0">
-                  <a:pos x="T34" y="T35"/>
-                </a:cxn>
-                <a:cxn ang="0">
-                  <a:pos x="T36" y="T37"/>
-                </a:cxn>
-                <a:cxn ang="0">
-                  <a:pos x="T38" y="T39"/>
-                </a:cxn>
-                <a:cxn ang="0">
-                  <a:pos x="T40" y="T41"/>
-                </a:cxn>
-                <a:cxn ang="0">
-                  <a:pos x="T42" y="T43"/>
-                </a:cxn>
-                <a:cxn ang="0">
-                  <a:pos x="T44" y="T45"/>
-                </a:cxn>
-                <a:cxn ang="0">
-                  <a:pos x="T46" y="T47"/>
-                </a:cxn>
-                <a:cxn ang="0">
-                  <a:pos x="T48" y="T49"/>
-                </a:cxn>
-                <a:cxn ang="0">
-                  <a:pos x="T50" y="T51"/>
-                </a:cxn>
-                <a:cxn ang="0">
-                  <a:pos x="T52" y="T53"/>
-                </a:cxn>
-                <a:cxn ang="0">
-                  <a:pos x="T54" y="T55"/>
-                </a:cxn>
-                <a:cxn ang="0">
-                  <a:pos x="T56" y="T57"/>
-                </a:cxn>
-                <a:cxn ang="0">
-                  <a:pos x="T58" y="T59"/>
-                </a:cxn>
-                <a:cxn ang="0">
-                  <a:pos x="T60" y="T61"/>
-                </a:cxn>
-                <a:cxn ang="0">
-                  <a:pos x="T62" y="T63"/>
-                </a:cxn>
-                <a:cxn ang="0">
-                  <a:pos x="T64" y="T65"/>
-                </a:cxn>
-                <a:cxn ang="0">
-                  <a:pos x="T66" y="T67"/>
-                </a:cxn>
-                <a:cxn ang="0">
-                  <a:pos x="T68" y="T69"/>
-                </a:cxn>
-                <a:cxn ang="0">
-                  <a:pos x="T70" y="T71"/>
-                </a:cxn>
-                <a:cxn ang="0">
-                  <a:pos x="T72" y="T73"/>
-                </a:cxn>
-                <a:cxn ang="0">
-                  <a:pos x="T74" y="T75"/>
-                </a:cxn>
-                <a:cxn ang="0">
-                  <a:pos x="T76" y="T77"/>
-                </a:cxn>
-                <a:cxn ang="0">
-                  <a:pos x="T78" y="T79"/>
-                </a:cxn>
-                <a:cxn ang="0">
-                  <a:pos x="T80" y="T81"/>
-                </a:cxn>
-                <a:cxn ang="0">
-                  <a:pos x="T82" y="T83"/>
-                </a:cxn>
-                <a:cxn ang="0">
-                  <a:pos x="T84" y="T85"/>
-                </a:cxn>
-                <a:cxn ang="0">
-                  <a:pos x="T86" y="T87"/>
-                </a:cxn>
-                <a:cxn ang="0">
-                  <a:pos x="T88" y="T89"/>
-                </a:cxn>
-                <a:cxn ang="0">
-                  <a:pos x="T90" y="T91"/>
-                </a:cxn>
-                <a:cxn ang="0">
-                  <a:pos x="T92" y="T93"/>
-                </a:cxn>
-                <a:cxn ang="0">
-                  <a:pos x="T94" y="T95"/>
-                </a:cxn>
-                <a:cxn ang="0">
-                  <a:pos x="T96" y="T97"/>
-                </a:cxn>
-                <a:cxn ang="0">
-                  <a:pos x="T98" y="T99"/>
-                </a:cxn>
-                <a:cxn ang="0">
-                  <a:pos x="T100" y="T101"/>
-                </a:cxn>
-                <a:cxn ang="0">
-                  <a:pos x="T102" y="T103"/>
-                </a:cxn>
-                <a:cxn ang="0">
-                  <a:pos x="T104" y="T105"/>
-                </a:cxn>
-                <a:cxn ang="0">
-                  <a:pos x="T106" y="T107"/>
-                </a:cxn>
-                <a:cxn ang="0">
-                  <a:pos x="T108" y="T109"/>
-                </a:cxn>
-                <a:cxn ang="0">
-                  <a:pos x="T110" y="T111"/>
-                </a:cxn>
-                <a:cxn ang="0">
-                  <a:pos x="T112" y="T113"/>
-                </a:cxn>
-                <a:cxn ang="0">
-                  <a:pos x="T114" y="T115"/>
-                </a:cxn>
-                <a:cxn ang="0">
-                  <a:pos x="T116" y="T117"/>
-                </a:cxn>
-                <a:cxn ang="0">
-                  <a:pos x="T118" y="T119"/>
-                </a:cxn>
-                <a:cxn ang="0">
-                  <a:pos x="T120" y="T121"/>
-                </a:cxn>
-              </a:cxnLst>
-              <a:rect l="0" t="0" r="r" b="b"/>
-              <a:pathLst>
-                <a:path w="664" h="486">
-                  <a:moveTo>
-                    <a:pt x="323" y="471"/>
-                  </a:moveTo>
-                  <a:cubicBezTo>
-                    <a:pt x="326" y="467"/>
-                    <a:pt x="329" y="462"/>
-                    <a:pt x="332" y="458"/>
-                  </a:cubicBezTo>
-                  <a:cubicBezTo>
-                    <a:pt x="352" y="431"/>
-                    <a:pt x="338" y="391"/>
-                    <a:pt x="302" y="385"/>
-                  </a:cubicBezTo>
-                  <a:cubicBezTo>
-                    <a:pt x="301" y="385"/>
-                    <a:pt x="300" y="384"/>
-                    <a:pt x="299" y="384"/>
-                  </a:cubicBezTo>
-                  <a:cubicBezTo>
-                    <a:pt x="306" y="366"/>
-                    <a:pt x="304" y="349"/>
-                    <a:pt x="293" y="334"/>
-                  </a:cubicBezTo>
-                  <a:cubicBezTo>
-                    <a:pt x="282" y="319"/>
-                    <a:pt x="267" y="312"/>
-                    <a:pt x="248" y="312"/>
-                  </a:cubicBezTo>
-                  <a:cubicBezTo>
-                    <a:pt x="250" y="285"/>
-                    <a:pt x="239" y="264"/>
-                    <a:pt x="212" y="256"/>
-                  </a:cubicBezTo>
-                  <a:cubicBezTo>
-                    <a:pt x="185" y="247"/>
-                    <a:pt x="165" y="258"/>
-                    <a:pt x="150" y="282"/>
-                  </a:cubicBezTo>
-                  <a:cubicBezTo>
-                    <a:pt x="132" y="246"/>
-                    <a:pt x="87" y="242"/>
-                    <a:pt x="63" y="271"/>
-                  </a:cubicBezTo>
-                  <a:cubicBezTo>
-                    <a:pt x="56" y="262"/>
-                    <a:pt x="50" y="254"/>
-                    <a:pt x="44" y="246"/>
-                  </a:cubicBezTo>
-                  <a:cubicBezTo>
-                    <a:pt x="30" y="227"/>
-                    <a:pt x="16" y="209"/>
-                    <a:pt x="2" y="191"/>
-                  </a:cubicBezTo>
-                  <a:cubicBezTo>
-                    <a:pt x="0" y="188"/>
-                    <a:pt x="0" y="186"/>
-                    <a:pt x="2" y="183"/>
-                  </a:cubicBezTo>
-                  <a:cubicBezTo>
-                    <a:pt x="24" y="149"/>
-                    <a:pt x="45" y="115"/>
-                    <a:pt x="67" y="80"/>
-                  </a:cubicBezTo>
-                  <a:cubicBezTo>
-                    <a:pt x="83" y="54"/>
-                    <a:pt x="99" y="29"/>
-                    <a:pt x="116" y="3"/>
-                  </a:cubicBezTo>
-                  <a:cubicBezTo>
-                    <a:pt x="118" y="0"/>
-                    <a:pt x="120" y="1"/>
-                    <a:pt x="122" y="2"/>
-                  </a:cubicBezTo>
-                  <a:cubicBezTo>
-                    <a:pt x="133" y="8"/>
-                    <a:pt x="143" y="14"/>
-                    <a:pt x="155" y="19"/>
-                  </a:cubicBezTo>
-                  <a:cubicBezTo>
-                    <a:pt x="163" y="22"/>
-                    <a:pt x="172" y="24"/>
-                    <a:pt x="181" y="26"/>
-                  </a:cubicBezTo>
-                  <a:cubicBezTo>
-                    <a:pt x="193" y="28"/>
-                    <a:pt x="205" y="30"/>
-                    <a:pt x="217" y="32"/>
-                  </a:cubicBezTo>
-                  <a:cubicBezTo>
-                    <a:pt x="219" y="32"/>
-                    <a:pt x="220" y="32"/>
-                    <a:pt x="223" y="33"/>
-                  </a:cubicBezTo>
-                  <a:cubicBezTo>
-                    <a:pt x="220" y="37"/>
-                    <a:pt x="217" y="41"/>
-                    <a:pt x="214" y="44"/>
-                  </a:cubicBezTo>
-                  <a:cubicBezTo>
-                    <a:pt x="199" y="64"/>
-                    <a:pt x="184" y="83"/>
-                    <a:pt x="170" y="102"/>
-                  </a:cubicBezTo>
-                  <a:cubicBezTo>
-                    <a:pt x="159" y="117"/>
-                    <a:pt x="160" y="137"/>
-                    <a:pt x="171" y="151"/>
-                  </a:cubicBezTo>
-                  <a:cubicBezTo>
-                    <a:pt x="181" y="165"/>
-                    <a:pt x="202" y="172"/>
-                    <a:pt x="217" y="166"/>
-                  </a:cubicBezTo>
-                  <a:cubicBezTo>
-                    <a:pt x="226" y="162"/>
-                    <a:pt x="236" y="157"/>
-                    <a:pt x="245" y="152"/>
-                  </a:cubicBezTo>
-                  <a:cubicBezTo>
-                    <a:pt x="266" y="141"/>
-                    <a:pt x="287" y="130"/>
-                    <a:pt x="308" y="119"/>
-                  </a:cubicBezTo>
-                  <a:cubicBezTo>
-                    <a:pt x="323" y="111"/>
-                    <a:pt x="338" y="104"/>
-                    <a:pt x="353" y="96"/>
-                  </a:cubicBezTo>
-                  <a:cubicBezTo>
-                    <a:pt x="360" y="92"/>
-                    <a:pt x="366" y="93"/>
-                    <a:pt x="372" y="97"/>
-                  </a:cubicBezTo>
-                  <a:cubicBezTo>
-                    <a:pt x="428" y="133"/>
-                    <a:pt x="483" y="169"/>
-                    <a:pt x="538" y="205"/>
-                  </a:cubicBezTo>
-                  <a:cubicBezTo>
-                    <a:pt x="575" y="228"/>
-                    <a:pt x="611" y="252"/>
-                    <a:pt x="647" y="275"/>
-                  </a:cubicBezTo>
-                  <a:cubicBezTo>
-                    <a:pt x="659" y="283"/>
-                    <a:pt x="664" y="294"/>
-                    <a:pt x="663" y="308"/>
-                  </a:cubicBezTo>
-                  <a:cubicBezTo>
-                    <a:pt x="662" y="320"/>
-                    <a:pt x="655" y="329"/>
-                    <a:pt x="643" y="334"/>
-                  </a:cubicBezTo>
-                  <a:cubicBezTo>
-                    <a:pt x="632" y="339"/>
-                    <a:pt x="622" y="337"/>
-                    <a:pt x="612" y="331"/>
-                  </a:cubicBezTo>
-                  <a:cubicBezTo>
-                    <a:pt x="569" y="306"/>
-                    <a:pt x="526" y="280"/>
-                    <a:pt x="483" y="254"/>
-                  </a:cubicBezTo>
-                  <a:cubicBezTo>
-                    <a:pt x="477" y="250"/>
-                    <a:pt x="470" y="246"/>
-                    <a:pt x="463" y="242"/>
-                  </a:cubicBezTo>
-                  <a:cubicBezTo>
-                    <a:pt x="457" y="239"/>
-                    <a:pt x="451" y="241"/>
-                    <a:pt x="448" y="247"/>
-                  </a:cubicBezTo>
-                  <a:cubicBezTo>
-                    <a:pt x="445" y="252"/>
-                    <a:pt x="446" y="259"/>
-                    <a:pt x="451" y="262"/>
-                  </a:cubicBezTo>
-                  <a:cubicBezTo>
-                    <a:pt x="466" y="271"/>
-                    <a:pt x="481" y="280"/>
-                    <a:pt x="496" y="289"/>
-                  </a:cubicBezTo>
-                  <a:cubicBezTo>
-                    <a:pt x="506" y="295"/>
-                    <a:pt x="516" y="301"/>
-                    <a:pt x="527" y="307"/>
-                  </a:cubicBezTo>
-                  <a:cubicBezTo>
-                    <a:pt x="541" y="316"/>
-                    <a:pt x="556" y="325"/>
-                    <a:pt x="571" y="333"/>
-                  </a:cubicBezTo>
-                  <a:cubicBezTo>
-                    <a:pt x="577" y="337"/>
-                    <a:pt x="583" y="340"/>
-                    <a:pt x="588" y="344"/>
-                  </a:cubicBezTo>
-                  <a:cubicBezTo>
-                    <a:pt x="600" y="354"/>
-                    <a:pt x="601" y="372"/>
-                    <a:pt x="586" y="384"/>
-                  </a:cubicBezTo>
-                  <a:cubicBezTo>
-                    <a:pt x="573" y="394"/>
-                    <a:pt x="559" y="396"/>
-                    <a:pt x="544" y="388"/>
-                  </a:cubicBezTo>
-                  <a:cubicBezTo>
-                    <a:pt x="514" y="372"/>
-                    <a:pt x="484" y="355"/>
-                    <a:pt x="455" y="339"/>
-                  </a:cubicBezTo>
-                  <a:cubicBezTo>
-                    <a:pt x="446" y="334"/>
-                    <a:pt x="437" y="329"/>
-                    <a:pt x="428" y="325"/>
-                  </a:cubicBezTo>
-                  <a:cubicBezTo>
-                    <a:pt x="421" y="321"/>
-                    <a:pt x="414" y="323"/>
-                    <a:pt x="411" y="329"/>
-                  </a:cubicBezTo>
-                  <a:cubicBezTo>
-                    <a:pt x="407" y="335"/>
-                    <a:pt x="410" y="341"/>
-                    <a:pt x="416" y="345"/>
-                  </a:cubicBezTo>
-                  <a:cubicBezTo>
-                    <a:pt x="438" y="357"/>
-                    <a:pt x="460" y="369"/>
-                    <a:pt x="482" y="381"/>
-                  </a:cubicBezTo>
-                  <a:cubicBezTo>
-                    <a:pt x="496" y="389"/>
-                    <a:pt x="509" y="396"/>
-                    <a:pt x="522" y="404"/>
-                  </a:cubicBezTo>
-                  <a:cubicBezTo>
-                    <a:pt x="531" y="410"/>
-                    <a:pt x="534" y="423"/>
-                    <a:pt x="529" y="433"/>
-                  </a:cubicBezTo>
-                  <a:cubicBezTo>
-                    <a:pt x="519" y="449"/>
-                    <a:pt x="503" y="456"/>
-                    <a:pt x="486" y="450"/>
-                  </a:cubicBezTo>
-                  <a:cubicBezTo>
-                    <a:pt x="478" y="447"/>
-                    <a:pt x="469" y="442"/>
-                    <a:pt x="461" y="438"/>
-                  </a:cubicBezTo>
-                  <a:cubicBezTo>
-                    <a:pt x="443" y="429"/>
-                    <a:pt x="425" y="419"/>
-                    <a:pt x="407" y="410"/>
-                  </a:cubicBezTo>
-                  <a:cubicBezTo>
-                    <a:pt x="402" y="408"/>
-                    <a:pt x="398" y="406"/>
-                    <a:pt x="393" y="403"/>
-                  </a:cubicBezTo>
-                  <a:cubicBezTo>
-                    <a:pt x="386" y="400"/>
-                    <a:pt x="379" y="401"/>
-                    <a:pt x="376" y="407"/>
-                  </a:cubicBezTo>
-                  <a:cubicBezTo>
-                    <a:pt x="372" y="413"/>
-                    <a:pt x="375" y="420"/>
-                    <a:pt x="382" y="424"/>
-                  </a:cubicBezTo>
-                  <a:cubicBezTo>
-                    <a:pt x="399" y="433"/>
-                    <a:pt x="417" y="442"/>
-                    <a:pt x="435" y="451"/>
-                  </a:cubicBezTo>
-                  <a:cubicBezTo>
-                    <a:pt x="445" y="456"/>
-                    <a:pt x="454" y="461"/>
-                    <a:pt x="464" y="466"/>
-                  </a:cubicBezTo>
-                  <a:cubicBezTo>
-                    <a:pt x="457" y="472"/>
-                    <a:pt x="449" y="476"/>
-                    <a:pt x="441" y="479"/>
-                  </a:cubicBezTo>
-                  <a:cubicBezTo>
-                    <a:pt x="423" y="486"/>
-                    <a:pt x="405" y="484"/>
-                    <a:pt x="387" y="481"/>
-                  </a:cubicBezTo>
-                  <a:cubicBezTo>
-                    <a:pt x="370" y="479"/>
-                    <a:pt x="352" y="476"/>
-                    <a:pt x="335" y="473"/>
-                  </a:cubicBezTo>
-                  <a:cubicBezTo>
-                    <a:pt x="331" y="473"/>
-                    <a:pt x="327" y="472"/>
-                    <a:pt x="323" y="471"/>
-                  </a:cubicBezTo>
-                  <a:close/>
-                </a:path>
-              </a:pathLst>
-            </a:custGeom>
-            <a:solidFill>
-              <a:schemeClr val="accent2"/>
-            </a:solidFill>
-            <a:ln>
-              <a:noFill/>
-            </a:ln>
-            <a:extLst>
-              <a:ext uri="{91240B29-F687-4F45-9708-019B960494DF}">
-                <a14:hiddenLine xmlns:a14="http://schemas.microsoft.com/office/drawing/2010/main" xmlns="" w="9525">
-                  <a:solidFill>
-                    <a:srgbClr val="000000"/>
-                  </a:solidFill>
-                  <a:round/>
-                  <a:headEnd/>
-                  <a:tailEnd/>
-                </a14:hiddenLine>
-              </a:ext>
-            </a:extLst>
-          </p:spPr>
-          <p:txBody>
-            <a:bodyPr vert="horz" wrap="square" lIns="91440" tIns="45720" rIns="91440" bIns="45720" numCol="1" anchor="t" anchorCtr="0" compatLnSpc="1">
-              <a:prstTxWarp prst="textNoShape">
-                <a:avLst/>
-              </a:prstTxWarp>
-            </a:bodyPr>
-            <a:lstStyle/>
-            <a:p>
-              <a:pPr marL="0" marR="0" lvl="0" indent="0" algn="l" defTabSz="914400" rtl="0" eaLnBrk="1" fontAlgn="auto" latinLnBrk="0" hangingPunct="1">
-                <a:lnSpc>
-                  <a:spcPct val="100000"/>
-                </a:lnSpc>
-                <a:spcBef>
-                  <a:spcPts val="0"/>
-                </a:spcBef>
-                <a:spcAft>
-                  <a:spcPts val="0"/>
-                </a:spcAft>
-                <a:buClrTx/>
-                <a:buSzTx/>
-                <a:buFontTx/>
-                <a:buNone/>
-                <a:tabLst/>
-                <a:defRPr/>
-              </a:pPr>
-              <a:endParaRPr kumimoji="0" lang="en-US" sz="1800" b="0" i="0" u="none" strike="noStrike" kern="1200" cap="none" spc="0" normalizeH="0" baseline="0" noProof="0" dirty="0">
-                <a:ln>
-                  <a:noFill/>
-                </a:ln>
-                <a:solidFill>
-                  <a:srgbClr val="282F39"/>
-                </a:solidFill>
-                <a:effectLst/>
-                <a:uLnTx/>
-                <a:uFillTx/>
-                <a:latin typeface="Calibri" panose="020F0502020204030204"/>
-                <a:ea typeface="+mn-ea"/>
-                <a:cs typeface="+mn-cs"/>
-              </a:endParaRPr>
-            </a:p>
-          </p:txBody>
-        </p:sp>
-        <p:sp>
-          <p:nvSpPr>
-            <p:cNvPr id="4" name="Freeform 7">
-              <a:extLst>
-                <a:ext uri="{FF2B5EF4-FFF2-40B4-BE49-F238E27FC236}">
-                  <a16:creationId xmlns:a16="http://schemas.microsoft.com/office/drawing/2014/main" xmlns="" id="{2B800FA1-78EE-45EF-9E28-46BDFC6E0112}"/>
-                </a:ext>
-              </a:extLst>
-            </p:cNvPr>
-            <p:cNvSpPr>
-              <a:spLocks/>
-            </p:cNvSpPr>
-            <p:nvPr/>
-          </p:nvSpPr>
-          <p:spPr bwMode="auto">
-            <a:xfrm>
-              <a:off x="3365454" y="2978805"/>
-              <a:ext cx="2583746" cy="1373761"/>
-            </a:xfrm>
-            <a:custGeom>
-              <a:avLst/>
-              <a:gdLst>
-                <a:gd name="T0" fmla="*/ 486 w 561"/>
-                <a:gd name="T1" fmla="*/ 275 h 275"/>
-                <a:gd name="T2" fmla="*/ 413 w 561"/>
-                <a:gd name="T3" fmla="*/ 228 h 275"/>
-                <a:gd name="T4" fmla="*/ 330 w 561"/>
-                <a:gd name="T5" fmla="*/ 174 h 275"/>
-                <a:gd name="T6" fmla="*/ 229 w 561"/>
-                <a:gd name="T7" fmla="*/ 109 h 275"/>
-                <a:gd name="T8" fmla="*/ 203 w 561"/>
-                <a:gd name="T9" fmla="*/ 92 h 275"/>
-                <a:gd name="T10" fmla="*/ 154 w 561"/>
-                <a:gd name="T11" fmla="*/ 90 h 275"/>
-                <a:gd name="T12" fmla="*/ 78 w 561"/>
-                <a:gd name="T13" fmla="*/ 130 h 275"/>
-                <a:gd name="T14" fmla="*/ 32 w 561"/>
-                <a:gd name="T15" fmla="*/ 154 h 275"/>
-                <a:gd name="T16" fmla="*/ 7 w 561"/>
-                <a:gd name="T17" fmla="*/ 151 h 275"/>
-                <a:gd name="T18" fmla="*/ 7 w 561"/>
-                <a:gd name="T19" fmla="*/ 126 h 275"/>
-                <a:gd name="T20" fmla="*/ 57 w 561"/>
-                <a:gd name="T21" fmla="*/ 61 h 275"/>
-                <a:gd name="T22" fmla="*/ 82 w 561"/>
-                <a:gd name="T23" fmla="*/ 33 h 275"/>
-                <a:gd name="T24" fmla="*/ 117 w 561"/>
-                <a:gd name="T25" fmla="*/ 20 h 275"/>
-                <a:gd name="T26" fmla="*/ 158 w 561"/>
-                <a:gd name="T27" fmla="*/ 12 h 275"/>
-                <a:gd name="T28" fmla="*/ 260 w 561"/>
-                <a:gd name="T29" fmla="*/ 3 h 275"/>
-                <a:gd name="T30" fmla="*/ 309 w 561"/>
-                <a:gd name="T31" fmla="*/ 11 h 275"/>
-                <a:gd name="T32" fmla="*/ 380 w 561"/>
-                <a:gd name="T33" fmla="*/ 25 h 275"/>
-                <a:gd name="T34" fmla="*/ 405 w 561"/>
-                <a:gd name="T35" fmla="*/ 22 h 275"/>
-                <a:gd name="T36" fmla="*/ 432 w 561"/>
-                <a:gd name="T37" fmla="*/ 10 h 275"/>
-                <a:gd name="T38" fmla="*/ 440 w 561"/>
-                <a:gd name="T39" fmla="*/ 12 h 275"/>
-                <a:gd name="T40" fmla="*/ 481 w 561"/>
-                <a:gd name="T41" fmla="*/ 78 h 275"/>
-                <a:gd name="T42" fmla="*/ 535 w 561"/>
-                <a:gd name="T43" fmla="*/ 164 h 275"/>
-                <a:gd name="T44" fmla="*/ 559 w 561"/>
-                <a:gd name="T45" fmla="*/ 201 h 275"/>
-                <a:gd name="T46" fmla="*/ 559 w 561"/>
-                <a:gd name="T47" fmla="*/ 207 h 275"/>
-                <a:gd name="T48" fmla="*/ 487 w 561"/>
-                <a:gd name="T49" fmla="*/ 275 h 275"/>
-                <a:gd name="T50" fmla="*/ 486 w 561"/>
-                <a:gd name="T51" fmla="*/ 275 h 275"/>
-              </a:gdLst>
-              <a:ahLst/>
-              <a:cxnLst>
-                <a:cxn ang="0">
-                  <a:pos x="T0" y="T1"/>
-                </a:cxn>
-                <a:cxn ang="0">
-                  <a:pos x="T2" y="T3"/>
-                </a:cxn>
-                <a:cxn ang="0">
-                  <a:pos x="T4" y="T5"/>
-                </a:cxn>
-                <a:cxn ang="0">
-                  <a:pos x="T6" y="T7"/>
-                </a:cxn>
-                <a:cxn ang="0">
-                  <a:pos x="T8" y="T9"/>
-                </a:cxn>
-                <a:cxn ang="0">
-                  <a:pos x="T10" y="T11"/>
-                </a:cxn>
-                <a:cxn ang="0">
-                  <a:pos x="T12" y="T13"/>
-                </a:cxn>
-                <a:cxn ang="0">
-                  <a:pos x="T14" y="T15"/>
-                </a:cxn>
-                <a:cxn ang="0">
-                  <a:pos x="T16" y="T17"/>
-                </a:cxn>
-                <a:cxn ang="0">
-                  <a:pos x="T18" y="T19"/>
-                </a:cxn>
-                <a:cxn ang="0">
-                  <a:pos x="T20" y="T21"/>
-                </a:cxn>
-                <a:cxn ang="0">
-                  <a:pos x="T22" y="T23"/>
-                </a:cxn>
-                <a:cxn ang="0">
-                  <a:pos x="T24" y="T25"/>
-                </a:cxn>
-                <a:cxn ang="0">
-                  <a:pos x="T26" y="T27"/>
-                </a:cxn>
-                <a:cxn ang="0">
-                  <a:pos x="T28" y="T29"/>
-                </a:cxn>
-                <a:cxn ang="0">
-                  <a:pos x="T30" y="T31"/>
-                </a:cxn>
-                <a:cxn ang="0">
-                  <a:pos x="T32" y="T33"/>
-                </a:cxn>
-                <a:cxn ang="0">
-                  <a:pos x="T34" y="T35"/>
-                </a:cxn>
-                <a:cxn ang="0">
-                  <a:pos x="T36" y="T37"/>
-                </a:cxn>
-                <a:cxn ang="0">
-                  <a:pos x="T38" y="T39"/>
-                </a:cxn>
-                <a:cxn ang="0">
-                  <a:pos x="T40" y="T41"/>
-                </a:cxn>
-                <a:cxn ang="0">
-                  <a:pos x="T42" y="T43"/>
-                </a:cxn>
-                <a:cxn ang="0">
-                  <a:pos x="T44" y="T45"/>
-                </a:cxn>
-                <a:cxn ang="0">
-                  <a:pos x="T46" y="T47"/>
-                </a:cxn>
-                <a:cxn ang="0">
-                  <a:pos x="T48" y="T49"/>
-                </a:cxn>
-                <a:cxn ang="0">
-                  <a:pos x="T50" y="T51"/>
-                </a:cxn>
-              </a:cxnLst>
-              <a:rect l="0" t="0" r="r" b="b"/>
-              <a:pathLst>
-                <a:path w="561" h="275">
-                  <a:moveTo>
-                    <a:pt x="486" y="275"/>
-                  </a:moveTo>
-                  <a:cubicBezTo>
-                    <a:pt x="461" y="259"/>
-                    <a:pt x="437" y="244"/>
-                    <a:pt x="413" y="228"/>
-                  </a:cubicBezTo>
-                  <a:cubicBezTo>
-                    <a:pt x="385" y="210"/>
-                    <a:pt x="357" y="192"/>
-                    <a:pt x="330" y="174"/>
-                  </a:cubicBezTo>
-                  <a:cubicBezTo>
-                    <a:pt x="296" y="152"/>
-                    <a:pt x="263" y="131"/>
-                    <a:pt x="229" y="109"/>
-                  </a:cubicBezTo>
-                  <a:cubicBezTo>
-                    <a:pt x="220" y="103"/>
-                    <a:pt x="211" y="98"/>
-                    <a:pt x="203" y="92"/>
-                  </a:cubicBezTo>
-                  <a:cubicBezTo>
-                    <a:pt x="187" y="81"/>
-                    <a:pt x="171" y="81"/>
-                    <a:pt x="154" y="90"/>
-                  </a:cubicBezTo>
-                  <a:cubicBezTo>
-                    <a:pt x="129" y="104"/>
-                    <a:pt x="103" y="117"/>
-                    <a:pt x="78" y="130"/>
-                  </a:cubicBezTo>
-                  <a:cubicBezTo>
-                    <a:pt x="63" y="138"/>
-                    <a:pt x="47" y="146"/>
-                    <a:pt x="32" y="154"/>
-                  </a:cubicBezTo>
-                  <a:cubicBezTo>
-                    <a:pt x="23" y="159"/>
-                    <a:pt x="13" y="158"/>
-                    <a:pt x="7" y="151"/>
-                  </a:cubicBezTo>
-                  <a:cubicBezTo>
-                    <a:pt x="0" y="144"/>
-                    <a:pt x="0" y="134"/>
-                    <a:pt x="7" y="126"/>
-                  </a:cubicBezTo>
-                  <a:cubicBezTo>
-                    <a:pt x="23" y="104"/>
-                    <a:pt x="40" y="83"/>
-                    <a:pt x="57" y="61"/>
-                  </a:cubicBezTo>
-                  <a:cubicBezTo>
-                    <a:pt x="64" y="51"/>
-                    <a:pt x="72" y="41"/>
-                    <a:pt x="82" y="33"/>
-                  </a:cubicBezTo>
-                  <a:cubicBezTo>
-                    <a:pt x="93" y="26"/>
-                    <a:pt x="105" y="22"/>
-                    <a:pt x="117" y="20"/>
-                  </a:cubicBezTo>
-                  <a:cubicBezTo>
-                    <a:pt x="131" y="18"/>
-                    <a:pt x="145" y="15"/>
-                    <a:pt x="158" y="12"/>
-                  </a:cubicBezTo>
-                  <a:cubicBezTo>
-                    <a:pt x="192" y="5"/>
-                    <a:pt x="225" y="0"/>
-                    <a:pt x="260" y="3"/>
-                  </a:cubicBezTo>
-                  <a:cubicBezTo>
-                    <a:pt x="276" y="5"/>
-                    <a:pt x="293" y="8"/>
-                    <a:pt x="309" y="11"/>
-                  </a:cubicBezTo>
-                  <a:cubicBezTo>
-                    <a:pt x="332" y="15"/>
-                    <a:pt x="356" y="21"/>
-                    <a:pt x="380" y="25"/>
-                  </a:cubicBezTo>
-                  <a:cubicBezTo>
-                    <a:pt x="388" y="27"/>
-                    <a:pt x="397" y="26"/>
-                    <a:pt x="405" y="22"/>
-                  </a:cubicBezTo>
-                  <a:cubicBezTo>
-                    <a:pt x="414" y="18"/>
-                    <a:pt x="423" y="14"/>
-                    <a:pt x="432" y="10"/>
-                  </a:cubicBezTo>
-                  <a:cubicBezTo>
-                    <a:pt x="435" y="8"/>
-                    <a:pt x="438" y="9"/>
-                    <a:pt x="440" y="12"/>
-                  </a:cubicBezTo>
-                  <a:cubicBezTo>
-                    <a:pt x="454" y="34"/>
-                    <a:pt x="468" y="56"/>
-                    <a:pt x="481" y="78"/>
-                  </a:cubicBezTo>
-                  <a:cubicBezTo>
-                    <a:pt x="499" y="107"/>
-                    <a:pt x="517" y="135"/>
-                    <a:pt x="535" y="164"/>
-                  </a:cubicBezTo>
-                  <a:cubicBezTo>
-                    <a:pt x="543" y="176"/>
-                    <a:pt x="551" y="188"/>
-                    <a:pt x="559" y="201"/>
-                  </a:cubicBezTo>
-                  <a:cubicBezTo>
-                    <a:pt x="560" y="203"/>
-                    <a:pt x="561" y="205"/>
-                    <a:pt x="559" y="207"/>
-                  </a:cubicBezTo>
-                  <a:cubicBezTo>
-                    <a:pt x="535" y="230"/>
-                    <a:pt x="511" y="252"/>
-                    <a:pt x="487" y="275"/>
-                  </a:cubicBezTo>
-                  <a:cubicBezTo>
-                    <a:pt x="486" y="275"/>
-                    <a:pt x="486" y="275"/>
-                    <a:pt x="486" y="275"/>
-                  </a:cubicBezTo>
-                  <a:close/>
-                </a:path>
-              </a:pathLst>
-            </a:custGeom>
-            <a:solidFill>
-              <a:schemeClr val="accent4"/>
-            </a:solidFill>
-            <a:ln>
-              <a:noFill/>
-            </a:ln>
-          </p:spPr>
-          <p:txBody>
-            <a:bodyPr vert="horz" wrap="square" lIns="91440" tIns="45720" rIns="91440" bIns="45720" numCol="1" anchor="t" anchorCtr="0" compatLnSpc="1">
-              <a:prstTxWarp prst="textNoShape">
-                <a:avLst/>
-              </a:prstTxWarp>
-            </a:bodyPr>
-            <a:lstStyle/>
-            <a:p>
-              <a:pPr marL="0" marR="0" lvl="0" indent="0" algn="l" defTabSz="914400" rtl="0" eaLnBrk="1" fontAlgn="auto" latinLnBrk="0" hangingPunct="1">
-                <a:lnSpc>
-                  <a:spcPct val="100000"/>
-                </a:lnSpc>
-                <a:spcBef>
-                  <a:spcPts val="0"/>
-                </a:spcBef>
-                <a:spcAft>
-                  <a:spcPts val="0"/>
-                </a:spcAft>
-                <a:buClrTx/>
-                <a:buSzTx/>
-                <a:buFontTx/>
-                <a:buNone/>
-                <a:tabLst/>
-                <a:defRPr/>
-              </a:pPr>
-              <a:endParaRPr kumimoji="0" lang="en-US" sz="1800" b="0" i="0" u="none" strike="noStrike" kern="1200" cap="none" spc="0" normalizeH="0" baseline="0" noProof="0" dirty="0">
-                <a:ln>
-                  <a:noFill/>
-                </a:ln>
-                <a:solidFill>
-                  <a:srgbClr val="282F39"/>
-                </a:solidFill>
-                <a:effectLst/>
-                <a:uLnTx/>
-                <a:uFillTx/>
-                <a:latin typeface="Calibri" panose="020F0502020204030204"/>
-                <a:ea typeface="+mn-ea"/>
-                <a:cs typeface="+mn-cs"/>
-              </a:endParaRPr>
-            </a:p>
-          </p:txBody>
-        </p:sp>
-        <p:sp>
-          <p:nvSpPr>
-            <p:cNvPr id="5" name="Freeform 8">
-              <a:extLst>
-                <a:ext uri="{FF2B5EF4-FFF2-40B4-BE49-F238E27FC236}">
-                  <a16:creationId xmlns:a16="http://schemas.microsoft.com/office/drawing/2014/main" xmlns="" id="{DB5D56FA-A606-4E29-9CD7-95A53B5F3308}"/>
-                </a:ext>
-              </a:extLst>
-            </p:cNvPr>
-            <p:cNvSpPr>
-              <a:spLocks/>
-            </p:cNvSpPr>
-            <p:nvPr/>
-          </p:nvSpPr>
-          <p:spPr bwMode="auto">
-            <a:xfrm>
-              <a:off x="5376188" y="2488979"/>
-              <a:ext cx="1166853" cy="1542666"/>
-            </a:xfrm>
-            <a:custGeom>
-              <a:avLst/>
-              <a:gdLst>
-                <a:gd name="T0" fmla="*/ 99 w 254"/>
-                <a:gd name="T1" fmla="*/ 0 h 309"/>
-                <a:gd name="T2" fmla="*/ 254 w 254"/>
-                <a:gd name="T3" fmla="*/ 246 h 309"/>
-                <a:gd name="T4" fmla="*/ 234 w 254"/>
-                <a:gd name="T5" fmla="*/ 259 h 309"/>
-                <a:gd name="T6" fmla="*/ 160 w 254"/>
-                <a:gd name="T7" fmla="*/ 307 h 309"/>
-                <a:gd name="T8" fmla="*/ 154 w 254"/>
-                <a:gd name="T9" fmla="*/ 306 h 309"/>
-                <a:gd name="T10" fmla="*/ 71 w 254"/>
-                <a:gd name="T11" fmla="*/ 175 h 309"/>
-                <a:gd name="T12" fmla="*/ 22 w 254"/>
-                <a:gd name="T13" fmla="*/ 96 h 309"/>
-                <a:gd name="T14" fmla="*/ 2 w 254"/>
-                <a:gd name="T15" fmla="*/ 66 h 309"/>
-                <a:gd name="T16" fmla="*/ 3 w 254"/>
-                <a:gd name="T17" fmla="*/ 60 h 309"/>
-                <a:gd name="T18" fmla="*/ 52 w 254"/>
-                <a:gd name="T19" fmla="*/ 29 h 309"/>
-                <a:gd name="T20" fmla="*/ 90 w 254"/>
-                <a:gd name="T21" fmla="*/ 4 h 309"/>
-                <a:gd name="T22" fmla="*/ 99 w 254"/>
-                <a:gd name="T23" fmla="*/ 0 h 309"/>
-              </a:gdLst>
-              <a:ahLst/>
-              <a:cxnLst>
-                <a:cxn ang="0">
-                  <a:pos x="T0" y="T1"/>
-                </a:cxn>
-                <a:cxn ang="0">
-                  <a:pos x="T2" y="T3"/>
-                </a:cxn>
-                <a:cxn ang="0">
-                  <a:pos x="T4" y="T5"/>
-                </a:cxn>
-                <a:cxn ang="0">
-                  <a:pos x="T6" y="T7"/>
-                </a:cxn>
-                <a:cxn ang="0">
-                  <a:pos x="T8" y="T9"/>
-                </a:cxn>
-                <a:cxn ang="0">
-                  <a:pos x="T10" y="T11"/>
-                </a:cxn>
-                <a:cxn ang="0">
-                  <a:pos x="T12" y="T13"/>
-                </a:cxn>
-                <a:cxn ang="0">
-                  <a:pos x="T14" y="T15"/>
-                </a:cxn>
-                <a:cxn ang="0">
-                  <a:pos x="T16" y="T17"/>
-                </a:cxn>
-                <a:cxn ang="0">
-                  <a:pos x="T18" y="T19"/>
-                </a:cxn>
-                <a:cxn ang="0">
-                  <a:pos x="T20" y="T21"/>
-                </a:cxn>
-                <a:cxn ang="0">
-                  <a:pos x="T22" y="T23"/>
-                </a:cxn>
-              </a:cxnLst>
-              <a:rect l="0" t="0" r="r" b="b"/>
-              <a:pathLst>
-                <a:path w="254" h="309">
-                  <a:moveTo>
-                    <a:pt x="99" y="0"/>
-                  </a:moveTo>
-                  <a:cubicBezTo>
-                    <a:pt x="151" y="82"/>
-                    <a:pt x="203" y="164"/>
-                    <a:pt x="254" y="246"/>
-                  </a:cubicBezTo>
-                  <a:cubicBezTo>
-                    <a:pt x="248" y="250"/>
-                    <a:pt x="241" y="255"/>
-                    <a:pt x="234" y="259"/>
-                  </a:cubicBezTo>
-                  <a:cubicBezTo>
-                    <a:pt x="210" y="275"/>
-                    <a:pt x="185" y="291"/>
-                    <a:pt x="160" y="307"/>
-                  </a:cubicBezTo>
-                  <a:cubicBezTo>
-                    <a:pt x="157" y="308"/>
-                    <a:pt x="156" y="309"/>
-                    <a:pt x="154" y="306"/>
-                  </a:cubicBezTo>
-                  <a:cubicBezTo>
-                    <a:pt x="126" y="262"/>
-                    <a:pt x="99" y="219"/>
-                    <a:pt x="71" y="175"/>
-                  </a:cubicBezTo>
-                  <a:cubicBezTo>
-                    <a:pt x="55" y="149"/>
-                    <a:pt x="38" y="123"/>
-                    <a:pt x="22" y="96"/>
-                  </a:cubicBezTo>
-                  <a:cubicBezTo>
-                    <a:pt x="15" y="86"/>
-                    <a:pt x="9" y="76"/>
-                    <a:pt x="2" y="66"/>
-                  </a:cubicBezTo>
-                  <a:cubicBezTo>
-                    <a:pt x="0" y="63"/>
-                    <a:pt x="1" y="62"/>
-                    <a:pt x="3" y="60"/>
-                  </a:cubicBezTo>
-                  <a:cubicBezTo>
-                    <a:pt x="19" y="50"/>
-                    <a:pt x="36" y="39"/>
-                    <a:pt x="52" y="29"/>
-                  </a:cubicBezTo>
-                  <a:cubicBezTo>
-                    <a:pt x="65" y="21"/>
-                    <a:pt x="77" y="13"/>
-                    <a:pt x="90" y="4"/>
-                  </a:cubicBezTo>
-                  <a:cubicBezTo>
-                    <a:pt x="93" y="3"/>
-                    <a:pt x="96" y="1"/>
-                    <a:pt x="99" y="0"/>
-                  </a:cubicBezTo>
-                  <a:close/>
-                </a:path>
-              </a:pathLst>
-            </a:custGeom>
-            <a:solidFill>
-              <a:schemeClr val="accent4"/>
-            </a:solidFill>
-            <a:ln>
-              <a:noFill/>
-            </a:ln>
-          </p:spPr>
-          <p:txBody>
-            <a:bodyPr vert="horz" wrap="square" lIns="91440" tIns="45720" rIns="91440" bIns="45720" numCol="1" anchor="t" anchorCtr="0" compatLnSpc="1">
-              <a:prstTxWarp prst="textNoShape">
-                <a:avLst/>
-              </a:prstTxWarp>
-            </a:bodyPr>
-            <a:lstStyle/>
-            <a:p>
-              <a:pPr marL="0" marR="0" lvl="0" indent="0" algn="l" defTabSz="914400" rtl="0" eaLnBrk="1" fontAlgn="auto" latinLnBrk="0" hangingPunct="1">
-                <a:lnSpc>
-                  <a:spcPct val="100000"/>
-                </a:lnSpc>
-                <a:spcBef>
-                  <a:spcPts val="0"/>
-                </a:spcBef>
-                <a:spcAft>
-                  <a:spcPts val="0"/>
-                </a:spcAft>
-                <a:buClrTx/>
-                <a:buSzTx/>
-                <a:buFontTx/>
-                <a:buNone/>
-                <a:tabLst/>
-                <a:defRPr/>
-              </a:pPr>
-              <a:endParaRPr kumimoji="0" lang="en-US" sz="1800" b="0" i="0" u="none" strike="noStrike" kern="1200" cap="none" spc="0" normalizeH="0" baseline="0" noProof="0">
-                <a:ln>
-                  <a:noFill/>
-                </a:ln>
-                <a:solidFill>
-                  <a:srgbClr val="282F39"/>
-                </a:solidFill>
-                <a:effectLst/>
-                <a:uLnTx/>
-                <a:uFillTx/>
-                <a:latin typeface="Calibri" panose="020F0502020204030204"/>
-                <a:ea typeface="+mn-ea"/>
-                <a:cs typeface="+mn-cs"/>
-              </a:endParaRPr>
-            </a:p>
-          </p:txBody>
-        </p:sp>
-        <p:sp>
-          <p:nvSpPr>
-            <p:cNvPr id="6" name="Freeform 9">
-              <a:extLst>
-                <a:ext uri="{FF2B5EF4-FFF2-40B4-BE49-F238E27FC236}">
-                  <a16:creationId xmlns:a16="http://schemas.microsoft.com/office/drawing/2014/main" xmlns="" id="{22D9E2C5-1D1E-440E-949C-C90D898003E9}"/>
-                </a:ext>
-              </a:extLst>
-            </p:cNvPr>
-            <p:cNvSpPr>
-              <a:spLocks/>
-            </p:cNvSpPr>
-            <p:nvPr/>
-          </p:nvSpPr>
-          <p:spPr bwMode="auto">
-            <a:xfrm>
-              <a:off x="1875629" y="2528392"/>
-              <a:ext cx="1177275" cy="1542666"/>
-            </a:xfrm>
-            <a:custGeom>
-              <a:avLst/>
-              <a:gdLst>
-                <a:gd name="T0" fmla="*/ 156 w 254"/>
-                <a:gd name="T1" fmla="*/ 0 h 309"/>
-                <a:gd name="T2" fmla="*/ 254 w 254"/>
-                <a:gd name="T3" fmla="*/ 62 h 309"/>
-                <a:gd name="T4" fmla="*/ 98 w 254"/>
-                <a:gd name="T5" fmla="*/ 309 h 309"/>
-                <a:gd name="T6" fmla="*/ 0 w 254"/>
-                <a:gd name="T7" fmla="*/ 247 h 309"/>
-                <a:gd name="T8" fmla="*/ 156 w 254"/>
-                <a:gd name="T9" fmla="*/ 0 h 309"/>
-              </a:gdLst>
-              <a:ahLst/>
-              <a:cxnLst>
-                <a:cxn ang="0">
-                  <a:pos x="T0" y="T1"/>
-                </a:cxn>
-                <a:cxn ang="0">
-                  <a:pos x="T2" y="T3"/>
-                </a:cxn>
-                <a:cxn ang="0">
-                  <a:pos x="T4" y="T5"/>
-                </a:cxn>
-                <a:cxn ang="0">
-                  <a:pos x="T6" y="T7"/>
-                </a:cxn>
-                <a:cxn ang="0">
-                  <a:pos x="T8" y="T9"/>
-                </a:cxn>
-              </a:cxnLst>
-              <a:rect l="0" t="0" r="r" b="b"/>
-              <a:pathLst>
-                <a:path w="254" h="309">
-                  <a:moveTo>
-                    <a:pt x="156" y="0"/>
-                  </a:moveTo>
-                  <a:cubicBezTo>
-                    <a:pt x="189" y="21"/>
-                    <a:pt x="221" y="41"/>
-                    <a:pt x="254" y="62"/>
-                  </a:cubicBezTo>
-                  <a:cubicBezTo>
-                    <a:pt x="202" y="144"/>
-                    <a:pt x="150" y="226"/>
-                    <a:pt x="98" y="309"/>
-                  </a:cubicBezTo>
-                  <a:cubicBezTo>
-                    <a:pt x="65" y="288"/>
-                    <a:pt x="33" y="268"/>
-                    <a:pt x="0" y="247"/>
-                  </a:cubicBezTo>
-                  <a:cubicBezTo>
-                    <a:pt x="52" y="165"/>
-                    <a:pt x="104" y="83"/>
-                    <a:pt x="156" y="0"/>
-                  </a:cubicBezTo>
-                  <a:close/>
-                </a:path>
-              </a:pathLst>
-            </a:custGeom>
-            <a:solidFill>
-              <a:schemeClr val="accent2"/>
-            </a:solidFill>
-            <a:ln>
-              <a:noFill/>
-            </a:ln>
-            <a:extLst>
-              <a:ext uri="{91240B29-F687-4F45-9708-019B960494DF}">
-                <a14:hiddenLine xmlns:a14="http://schemas.microsoft.com/office/drawing/2010/main" xmlns="" w="9525">
-                  <a:solidFill>
-                    <a:srgbClr val="000000"/>
-                  </a:solidFill>
-                  <a:round/>
-                  <a:headEnd/>
-                  <a:tailEnd/>
-                </a14:hiddenLine>
-              </a:ext>
-            </a:extLst>
-          </p:spPr>
-          <p:txBody>
-            <a:bodyPr vert="horz" wrap="square" lIns="91440" tIns="45720" rIns="91440" bIns="45720" numCol="1" anchor="t" anchorCtr="0" compatLnSpc="1">
-              <a:prstTxWarp prst="textNoShape">
-                <a:avLst/>
-              </a:prstTxWarp>
-            </a:bodyPr>
-            <a:lstStyle/>
-            <a:p>
-              <a:pPr marL="0" marR="0" lvl="0" indent="0" algn="l" defTabSz="914400" rtl="0" eaLnBrk="1" fontAlgn="auto" latinLnBrk="0" hangingPunct="1">
-                <a:lnSpc>
-                  <a:spcPct val="100000"/>
-                </a:lnSpc>
-                <a:spcBef>
-                  <a:spcPts val="0"/>
-                </a:spcBef>
-                <a:spcAft>
-                  <a:spcPts val="0"/>
-                </a:spcAft>
-                <a:buClrTx/>
-                <a:buSzTx/>
-                <a:buFontTx/>
-                <a:buNone/>
-                <a:tabLst/>
-                <a:defRPr/>
-              </a:pPr>
-              <a:endParaRPr kumimoji="0" lang="en-US" sz="1800" b="0" i="0" u="none" strike="noStrike" kern="1200" cap="none" spc="0" normalizeH="0" baseline="0" noProof="0">
-                <a:ln>
-                  <a:noFill/>
-                </a:ln>
-                <a:solidFill>
-                  <a:srgbClr val="282F39"/>
-                </a:solidFill>
-                <a:effectLst/>
-                <a:uLnTx/>
-                <a:uFillTx/>
-                <a:latin typeface="Calibri" panose="020F0502020204030204"/>
-                <a:ea typeface="+mn-ea"/>
-                <a:cs typeface="+mn-cs"/>
-              </a:endParaRPr>
-            </a:p>
-          </p:txBody>
-        </p:sp>
-        <p:sp>
-          <p:nvSpPr>
-            <p:cNvPr id="7" name="Freeform 10">
-              <a:extLst>
-                <a:ext uri="{FF2B5EF4-FFF2-40B4-BE49-F238E27FC236}">
-                  <a16:creationId xmlns:a16="http://schemas.microsoft.com/office/drawing/2014/main" xmlns="" id="{EF5FEBE8-012E-4173-AA56-887197085CBA}"/>
-                </a:ext>
-              </a:extLst>
-            </p:cNvPr>
-            <p:cNvSpPr>
-              <a:spLocks/>
-            </p:cNvSpPr>
-            <p:nvPr/>
-          </p:nvSpPr>
-          <p:spPr bwMode="auto">
-            <a:xfrm>
-              <a:off x="2959135" y="4408868"/>
-              <a:ext cx="604263" cy="805116"/>
-            </a:xfrm>
-            <a:custGeom>
-              <a:avLst/>
-              <a:gdLst>
-                <a:gd name="T0" fmla="*/ 30 w 132"/>
-                <a:gd name="T1" fmla="*/ 162 h 162"/>
-                <a:gd name="T2" fmla="*/ 6 w 132"/>
-                <a:gd name="T3" fmla="*/ 147 h 162"/>
-                <a:gd name="T4" fmla="*/ 7 w 132"/>
-                <a:gd name="T5" fmla="*/ 119 h 162"/>
-                <a:gd name="T6" fmla="*/ 78 w 132"/>
-                <a:gd name="T7" fmla="*/ 16 h 162"/>
-                <a:gd name="T8" fmla="*/ 117 w 132"/>
-                <a:gd name="T9" fmla="*/ 8 h 162"/>
-                <a:gd name="T10" fmla="*/ 124 w 132"/>
-                <a:gd name="T11" fmla="*/ 46 h 162"/>
-                <a:gd name="T12" fmla="*/ 70 w 132"/>
-                <a:gd name="T13" fmla="*/ 125 h 162"/>
-                <a:gd name="T14" fmla="*/ 54 w 132"/>
-                <a:gd name="T15" fmla="*/ 149 h 162"/>
-                <a:gd name="T16" fmla="*/ 30 w 132"/>
-                <a:gd name="T17" fmla="*/ 162 h 162"/>
-              </a:gdLst>
-              <a:ahLst/>
-              <a:cxnLst>
-                <a:cxn ang="0">
-                  <a:pos x="T0" y="T1"/>
-                </a:cxn>
-                <a:cxn ang="0">
-                  <a:pos x="T2" y="T3"/>
-                </a:cxn>
-                <a:cxn ang="0">
-                  <a:pos x="T4" y="T5"/>
-                </a:cxn>
-                <a:cxn ang="0">
-                  <a:pos x="T6" y="T7"/>
-                </a:cxn>
-                <a:cxn ang="0">
-                  <a:pos x="T8" y="T9"/>
-                </a:cxn>
-                <a:cxn ang="0">
-                  <a:pos x="T10" y="T11"/>
-                </a:cxn>
-                <a:cxn ang="0">
-                  <a:pos x="T12" y="T13"/>
-                </a:cxn>
-                <a:cxn ang="0">
-                  <a:pos x="T14" y="T15"/>
-                </a:cxn>
-                <a:cxn ang="0">
-                  <a:pos x="T16" y="T17"/>
-                </a:cxn>
-              </a:cxnLst>
-              <a:rect l="0" t="0" r="r" b="b"/>
-              <a:pathLst>
-                <a:path w="132" h="162">
-                  <a:moveTo>
-                    <a:pt x="30" y="162"/>
-                  </a:moveTo>
-                  <a:cubicBezTo>
-                    <a:pt x="19" y="162"/>
-                    <a:pt x="11" y="156"/>
-                    <a:pt x="6" y="147"/>
-                  </a:cubicBezTo>
-                  <a:cubicBezTo>
-                    <a:pt x="0" y="138"/>
-                    <a:pt x="1" y="128"/>
-                    <a:pt x="7" y="119"/>
-                  </a:cubicBezTo>
-                  <a:cubicBezTo>
-                    <a:pt x="31" y="85"/>
-                    <a:pt x="54" y="50"/>
-                    <a:pt x="78" y="16"/>
-                  </a:cubicBezTo>
-                  <a:cubicBezTo>
-                    <a:pt x="86" y="3"/>
-                    <a:pt x="104" y="0"/>
-                    <a:pt x="117" y="8"/>
-                  </a:cubicBezTo>
-                  <a:cubicBezTo>
-                    <a:pt x="129" y="17"/>
-                    <a:pt x="132" y="34"/>
-                    <a:pt x="124" y="46"/>
-                  </a:cubicBezTo>
-                  <a:cubicBezTo>
-                    <a:pt x="106" y="73"/>
-                    <a:pt x="88" y="99"/>
-                    <a:pt x="70" y="125"/>
-                  </a:cubicBezTo>
-                  <a:cubicBezTo>
-                    <a:pt x="65" y="133"/>
-                    <a:pt x="59" y="141"/>
-                    <a:pt x="54" y="149"/>
-                  </a:cubicBezTo>
-                  <a:cubicBezTo>
-                    <a:pt x="48" y="157"/>
-                    <a:pt x="41" y="162"/>
-                    <a:pt x="30" y="162"/>
-                  </a:cubicBezTo>
-                  <a:close/>
-                </a:path>
-              </a:pathLst>
-            </a:custGeom>
-            <a:solidFill>
-              <a:schemeClr val="accent4"/>
-            </a:solidFill>
-            <a:ln>
-              <a:noFill/>
-            </a:ln>
-          </p:spPr>
-          <p:txBody>
-            <a:bodyPr vert="horz" wrap="square" lIns="91440" tIns="45720" rIns="91440" bIns="45720" numCol="1" anchor="t" anchorCtr="0" compatLnSpc="1">
-              <a:prstTxWarp prst="textNoShape">
-                <a:avLst/>
-              </a:prstTxWarp>
-            </a:bodyPr>
-            <a:lstStyle/>
-            <a:p>
-              <a:pPr marL="0" marR="0" lvl="0" indent="0" algn="l" defTabSz="914400" rtl="0" eaLnBrk="1" fontAlgn="auto" latinLnBrk="0" hangingPunct="1">
-                <a:lnSpc>
-                  <a:spcPct val="100000"/>
-                </a:lnSpc>
-                <a:spcBef>
-                  <a:spcPts val="0"/>
-                </a:spcBef>
-                <a:spcAft>
-                  <a:spcPts val="0"/>
-                </a:spcAft>
-                <a:buClrTx/>
-                <a:buSzTx/>
-                <a:buFontTx/>
-                <a:buNone/>
-                <a:tabLst/>
-                <a:defRPr/>
-              </a:pPr>
-              <a:endParaRPr kumimoji="0" lang="en-US" sz="1800" b="0" i="0" u="none" strike="noStrike" kern="1200" cap="none" spc="0" normalizeH="0" baseline="0" noProof="0">
-                <a:ln>
-                  <a:noFill/>
-                </a:ln>
-                <a:solidFill>
-                  <a:srgbClr val="282F39"/>
-                </a:solidFill>
-                <a:effectLst/>
-                <a:uLnTx/>
-                <a:uFillTx/>
-                <a:latin typeface="Calibri" panose="020F0502020204030204"/>
-                <a:ea typeface="+mn-ea"/>
-                <a:cs typeface="+mn-cs"/>
-              </a:endParaRPr>
-            </a:p>
-          </p:txBody>
-        </p:sp>
-        <p:sp>
-          <p:nvSpPr>
-            <p:cNvPr id="8" name="Freeform 11">
-              <a:extLst>
-                <a:ext uri="{FF2B5EF4-FFF2-40B4-BE49-F238E27FC236}">
-                  <a16:creationId xmlns:a16="http://schemas.microsoft.com/office/drawing/2014/main" xmlns="" id="{99771485-D4A8-473C-8DFF-A4C3E46360CE}"/>
-                </a:ext>
-              </a:extLst>
-            </p:cNvPr>
-            <p:cNvSpPr>
-              <a:spLocks/>
-            </p:cNvSpPr>
-            <p:nvPr/>
-          </p:nvSpPr>
-          <p:spPr bwMode="auto">
-            <a:xfrm>
-              <a:off x="3271685" y="4718525"/>
-              <a:ext cx="541753" cy="658731"/>
-            </a:xfrm>
-            <a:custGeom>
-              <a:avLst/>
-              <a:gdLst>
-                <a:gd name="T0" fmla="*/ 36 w 118"/>
-                <a:gd name="T1" fmla="*/ 133 h 133"/>
-                <a:gd name="T2" fmla="*/ 8 w 118"/>
-                <a:gd name="T3" fmla="*/ 95 h 133"/>
-                <a:gd name="T4" fmla="*/ 20 w 118"/>
-                <a:gd name="T5" fmla="*/ 77 h 133"/>
-                <a:gd name="T6" fmla="*/ 65 w 118"/>
-                <a:gd name="T7" fmla="*/ 12 h 133"/>
-                <a:gd name="T8" fmla="*/ 88 w 118"/>
-                <a:gd name="T9" fmla="*/ 1 h 133"/>
-                <a:gd name="T10" fmla="*/ 112 w 118"/>
-                <a:gd name="T11" fmla="*/ 18 h 133"/>
-                <a:gd name="T12" fmla="*/ 105 w 118"/>
-                <a:gd name="T13" fmla="*/ 51 h 133"/>
-                <a:gd name="T14" fmla="*/ 67 w 118"/>
-                <a:gd name="T15" fmla="*/ 105 h 133"/>
-                <a:gd name="T16" fmla="*/ 57 w 118"/>
-                <a:gd name="T17" fmla="*/ 121 h 133"/>
-                <a:gd name="T18" fmla="*/ 36 w 118"/>
-                <a:gd name="T19" fmla="*/ 133 h 133"/>
-              </a:gdLst>
-              <a:ahLst/>
-              <a:cxnLst>
-                <a:cxn ang="0">
-                  <a:pos x="T0" y="T1"/>
-                </a:cxn>
-                <a:cxn ang="0">
-                  <a:pos x="T2" y="T3"/>
-                </a:cxn>
-                <a:cxn ang="0">
-                  <a:pos x="T4" y="T5"/>
-                </a:cxn>
-                <a:cxn ang="0">
-                  <a:pos x="T6" y="T7"/>
-                </a:cxn>
-                <a:cxn ang="0">
-                  <a:pos x="T8" y="T9"/>
-                </a:cxn>
-                <a:cxn ang="0">
-                  <a:pos x="T10" y="T11"/>
-                </a:cxn>
-                <a:cxn ang="0">
-                  <a:pos x="T12" y="T13"/>
-                </a:cxn>
-                <a:cxn ang="0">
-                  <a:pos x="T14" y="T15"/>
-                </a:cxn>
-                <a:cxn ang="0">
-                  <a:pos x="T16" y="T17"/>
-                </a:cxn>
-                <a:cxn ang="0">
-                  <a:pos x="T18" y="T19"/>
-                </a:cxn>
-              </a:cxnLst>
-              <a:rect l="0" t="0" r="r" b="b"/>
-              <a:pathLst>
-                <a:path w="118" h="133">
-                  <a:moveTo>
-                    <a:pt x="36" y="133"/>
-                  </a:moveTo>
-                  <a:cubicBezTo>
-                    <a:pt x="13" y="133"/>
-                    <a:pt x="0" y="113"/>
-                    <a:pt x="8" y="95"/>
-                  </a:cubicBezTo>
-                  <a:cubicBezTo>
-                    <a:pt x="11" y="88"/>
-                    <a:pt x="16" y="83"/>
-                    <a:pt x="20" y="77"/>
-                  </a:cubicBezTo>
-                  <a:cubicBezTo>
-                    <a:pt x="35" y="55"/>
-                    <a:pt x="50" y="34"/>
-                    <a:pt x="65" y="12"/>
-                  </a:cubicBezTo>
-                  <a:cubicBezTo>
-                    <a:pt x="70" y="4"/>
-                    <a:pt x="79" y="0"/>
-                    <a:pt x="88" y="1"/>
-                  </a:cubicBezTo>
-                  <a:cubicBezTo>
-                    <a:pt x="99" y="2"/>
-                    <a:pt x="107" y="8"/>
-                    <a:pt x="112" y="18"/>
-                  </a:cubicBezTo>
-                  <a:cubicBezTo>
-                    <a:pt x="118" y="31"/>
-                    <a:pt x="112" y="41"/>
-                    <a:pt x="105" y="51"/>
-                  </a:cubicBezTo>
-                  <a:cubicBezTo>
-                    <a:pt x="93" y="69"/>
-                    <a:pt x="80" y="87"/>
-                    <a:pt x="67" y="105"/>
-                  </a:cubicBezTo>
-                  <a:cubicBezTo>
-                    <a:pt x="64" y="110"/>
-                    <a:pt x="61" y="116"/>
-                    <a:pt x="57" y="121"/>
-                  </a:cubicBezTo>
-                  <a:cubicBezTo>
-                    <a:pt x="51" y="129"/>
-                    <a:pt x="44" y="133"/>
-                    <a:pt x="36" y="133"/>
-                  </a:cubicBezTo>
-                  <a:close/>
-                </a:path>
-              </a:pathLst>
-            </a:custGeom>
-            <a:solidFill>
-              <a:schemeClr val="accent4"/>
-            </a:solidFill>
-            <a:ln>
-              <a:noFill/>
-            </a:ln>
-          </p:spPr>
-          <p:txBody>
-            <a:bodyPr vert="horz" wrap="square" lIns="91440" tIns="45720" rIns="91440" bIns="45720" numCol="1" anchor="t" anchorCtr="0" compatLnSpc="1">
-              <a:prstTxWarp prst="textNoShape">
-                <a:avLst/>
-              </a:prstTxWarp>
-            </a:bodyPr>
-            <a:lstStyle/>
-            <a:p>
-              <a:pPr marL="0" marR="0" lvl="0" indent="0" algn="l" defTabSz="914400" rtl="0" eaLnBrk="1" fontAlgn="auto" latinLnBrk="0" hangingPunct="1">
-                <a:lnSpc>
-                  <a:spcPct val="100000"/>
-                </a:lnSpc>
-                <a:spcBef>
-                  <a:spcPts val="0"/>
-                </a:spcBef>
-                <a:spcAft>
-                  <a:spcPts val="0"/>
-                </a:spcAft>
-                <a:buClrTx/>
-                <a:buSzTx/>
-                <a:buFontTx/>
-                <a:buNone/>
-                <a:tabLst/>
-                <a:defRPr/>
-              </a:pPr>
-              <a:endParaRPr kumimoji="0" lang="en-US" sz="1800" b="0" i="0" u="none" strike="noStrike" kern="1200" cap="none" spc="0" normalizeH="0" baseline="0" noProof="0">
-                <a:ln>
-                  <a:noFill/>
-                </a:ln>
-                <a:solidFill>
-                  <a:srgbClr val="282F39"/>
-                </a:solidFill>
-                <a:effectLst/>
-                <a:uLnTx/>
-                <a:uFillTx/>
-                <a:latin typeface="Calibri" panose="020F0502020204030204"/>
-                <a:ea typeface="+mn-ea"/>
-                <a:cs typeface="+mn-cs"/>
-              </a:endParaRPr>
-            </a:p>
-          </p:txBody>
-        </p:sp>
-        <p:sp>
-          <p:nvSpPr>
-            <p:cNvPr id="9" name="Freeform 12">
-              <a:extLst>
-                <a:ext uri="{FF2B5EF4-FFF2-40B4-BE49-F238E27FC236}">
-                  <a16:creationId xmlns:a16="http://schemas.microsoft.com/office/drawing/2014/main" xmlns="" id="{6DF16085-9BEC-4EF0-BF67-5178E73B516C}"/>
-                </a:ext>
-              </a:extLst>
-            </p:cNvPr>
-            <p:cNvSpPr>
-              <a:spLocks/>
-            </p:cNvSpPr>
-            <p:nvPr/>
-          </p:nvSpPr>
-          <p:spPr bwMode="auto">
-            <a:xfrm>
-              <a:off x="2698680" y="4408868"/>
-              <a:ext cx="416733" cy="534868"/>
-            </a:xfrm>
-            <a:custGeom>
-              <a:avLst/>
-              <a:gdLst>
-                <a:gd name="T0" fmla="*/ 91 w 92"/>
-                <a:gd name="T1" fmla="*/ 28 h 107"/>
-                <a:gd name="T2" fmla="*/ 84 w 92"/>
-                <a:gd name="T3" fmla="*/ 47 h 107"/>
-                <a:gd name="T4" fmla="*/ 53 w 92"/>
-                <a:gd name="T5" fmla="*/ 92 h 107"/>
-                <a:gd name="T6" fmla="*/ 19 w 92"/>
-                <a:gd name="T7" fmla="*/ 101 h 107"/>
-                <a:gd name="T8" fmla="*/ 4 w 92"/>
-                <a:gd name="T9" fmla="*/ 70 h 107"/>
-                <a:gd name="T10" fmla="*/ 17 w 92"/>
-                <a:gd name="T11" fmla="*/ 48 h 107"/>
-                <a:gd name="T12" fmla="*/ 41 w 92"/>
-                <a:gd name="T13" fmla="*/ 13 h 107"/>
-                <a:gd name="T14" fmla="*/ 67 w 92"/>
-                <a:gd name="T15" fmla="*/ 1 h 107"/>
-                <a:gd name="T16" fmla="*/ 90 w 92"/>
-                <a:gd name="T17" fmla="*/ 21 h 107"/>
-                <a:gd name="T18" fmla="*/ 91 w 92"/>
-                <a:gd name="T19" fmla="*/ 28 h 107"/>
-              </a:gdLst>
-              <a:ahLst/>
-              <a:cxnLst>
-                <a:cxn ang="0">
-                  <a:pos x="T0" y="T1"/>
-                </a:cxn>
-                <a:cxn ang="0">
-                  <a:pos x="T2" y="T3"/>
-                </a:cxn>
-                <a:cxn ang="0">
-                  <a:pos x="T4" y="T5"/>
-                </a:cxn>
-                <a:cxn ang="0">
-                  <a:pos x="T6" y="T7"/>
-                </a:cxn>
-                <a:cxn ang="0">
-                  <a:pos x="T8" y="T9"/>
-                </a:cxn>
-                <a:cxn ang="0">
-                  <a:pos x="T10" y="T11"/>
-                </a:cxn>
-                <a:cxn ang="0">
-                  <a:pos x="T12" y="T13"/>
-                </a:cxn>
-                <a:cxn ang="0">
-                  <a:pos x="T14" y="T15"/>
-                </a:cxn>
-                <a:cxn ang="0">
-                  <a:pos x="T16" y="T17"/>
-                </a:cxn>
-                <a:cxn ang="0">
-                  <a:pos x="T18" y="T19"/>
-                </a:cxn>
-              </a:cxnLst>
-              <a:rect l="0" t="0" r="r" b="b"/>
-              <a:pathLst>
-                <a:path w="92" h="107">
-                  <a:moveTo>
-                    <a:pt x="91" y="28"/>
-                  </a:moveTo>
-                  <a:cubicBezTo>
-                    <a:pt x="92" y="35"/>
-                    <a:pt x="88" y="41"/>
-                    <a:pt x="84" y="47"/>
-                  </a:cubicBezTo>
-                  <a:cubicBezTo>
-                    <a:pt x="74" y="62"/>
-                    <a:pt x="64" y="77"/>
-                    <a:pt x="53" y="92"/>
-                  </a:cubicBezTo>
-                  <a:cubicBezTo>
-                    <a:pt x="46" y="103"/>
-                    <a:pt x="32" y="107"/>
-                    <a:pt x="19" y="101"/>
-                  </a:cubicBezTo>
-                  <a:cubicBezTo>
-                    <a:pt x="8" y="96"/>
-                    <a:pt x="0" y="82"/>
-                    <a:pt x="4" y="70"/>
-                  </a:cubicBezTo>
-                  <a:cubicBezTo>
-                    <a:pt x="7" y="62"/>
-                    <a:pt x="12" y="55"/>
-                    <a:pt x="17" y="48"/>
-                  </a:cubicBezTo>
-                  <a:cubicBezTo>
-                    <a:pt x="24" y="36"/>
-                    <a:pt x="33" y="25"/>
-                    <a:pt x="41" y="13"/>
-                  </a:cubicBezTo>
-                  <a:cubicBezTo>
-                    <a:pt x="48" y="4"/>
-                    <a:pt x="56" y="0"/>
-                    <a:pt x="67" y="1"/>
-                  </a:cubicBezTo>
-                  <a:cubicBezTo>
-                    <a:pt x="79" y="3"/>
-                    <a:pt x="87" y="10"/>
-                    <a:pt x="90" y="21"/>
-                  </a:cubicBezTo>
-                  <a:cubicBezTo>
-                    <a:pt x="91" y="24"/>
-                    <a:pt x="91" y="26"/>
-                    <a:pt x="91" y="28"/>
-                  </a:cubicBezTo>
-                  <a:close/>
-                </a:path>
-              </a:pathLst>
-            </a:custGeom>
-            <a:solidFill>
-              <a:schemeClr val="accent4"/>
-            </a:solidFill>
-            <a:ln>
-              <a:noFill/>
-            </a:ln>
-          </p:spPr>
-          <p:txBody>
-            <a:bodyPr vert="horz" wrap="square" lIns="91440" tIns="45720" rIns="91440" bIns="45720" numCol="1" anchor="t" anchorCtr="0" compatLnSpc="1">
-              <a:prstTxWarp prst="textNoShape">
-                <a:avLst/>
-              </a:prstTxWarp>
-            </a:bodyPr>
-            <a:lstStyle/>
-            <a:p>
-              <a:pPr marL="0" marR="0" lvl="0" indent="0" algn="l" defTabSz="914400" rtl="0" eaLnBrk="1" fontAlgn="auto" latinLnBrk="0" hangingPunct="1">
-                <a:lnSpc>
-                  <a:spcPct val="100000"/>
-                </a:lnSpc>
-                <a:spcBef>
-                  <a:spcPts val="0"/>
-                </a:spcBef>
-                <a:spcAft>
-                  <a:spcPts val="0"/>
-                </a:spcAft>
-                <a:buClrTx/>
-                <a:buSzTx/>
-                <a:buFontTx/>
-                <a:buNone/>
-                <a:tabLst/>
-                <a:defRPr/>
-              </a:pPr>
-              <a:endParaRPr kumimoji="0" lang="en-US" sz="1800" b="0" i="0" u="none" strike="noStrike" kern="1200" cap="none" spc="0" normalizeH="0" baseline="0" noProof="0">
-                <a:ln>
-                  <a:noFill/>
-                </a:ln>
-                <a:solidFill>
-                  <a:srgbClr val="282F39"/>
-                </a:solidFill>
-                <a:effectLst/>
-                <a:uLnTx/>
-                <a:uFillTx/>
-                <a:latin typeface="Calibri" panose="020F0502020204030204"/>
-                <a:ea typeface="+mn-ea"/>
-                <a:cs typeface="+mn-cs"/>
-              </a:endParaRPr>
-            </a:p>
-          </p:txBody>
-        </p:sp>
-        <p:sp>
-          <p:nvSpPr>
-            <p:cNvPr id="10" name="Freeform 13">
-              <a:extLst>
-                <a:ext uri="{FF2B5EF4-FFF2-40B4-BE49-F238E27FC236}">
-                  <a16:creationId xmlns:a16="http://schemas.microsoft.com/office/drawing/2014/main" xmlns="" id="{7150699D-F850-4A13-8145-9A81EA2086B2}"/>
-                </a:ext>
-              </a:extLst>
-            </p:cNvPr>
-            <p:cNvSpPr>
-              <a:spLocks/>
-            </p:cNvSpPr>
-            <p:nvPr/>
-          </p:nvSpPr>
-          <p:spPr bwMode="auto">
-            <a:xfrm>
-              <a:off x="3646745" y="5067596"/>
-              <a:ext cx="333387" cy="439153"/>
-            </a:xfrm>
-            <a:custGeom>
-              <a:avLst/>
-              <a:gdLst>
-                <a:gd name="T0" fmla="*/ 72 w 73"/>
-                <a:gd name="T1" fmla="*/ 26 h 88"/>
-                <a:gd name="T2" fmla="*/ 63 w 73"/>
-                <a:gd name="T3" fmla="*/ 45 h 88"/>
-                <a:gd name="T4" fmla="*/ 43 w 73"/>
-                <a:gd name="T5" fmla="*/ 74 h 88"/>
-                <a:gd name="T6" fmla="*/ 5 w 73"/>
-                <a:gd name="T7" fmla="*/ 72 h 88"/>
-                <a:gd name="T8" fmla="*/ 6 w 73"/>
-                <a:gd name="T9" fmla="*/ 48 h 88"/>
-                <a:gd name="T10" fmla="*/ 32 w 73"/>
-                <a:gd name="T11" fmla="*/ 12 h 88"/>
-                <a:gd name="T12" fmla="*/ 56 w 73"/>
-                <a:gd name="T13" fmla="*/ 3 h 88"/>
-                <a:gd name="T14" fmla="*/ 72 w 73"/>
-                <a:gd name="T15" fmla="*/ 26 h 88"/>
-              </a:gdLst>
-              <a:ahLst/>
-              <a:cxnLst>
-                <a:cxn ang="0">
-                  <a:pos x="T0" y="T1"/>
-                </a:cxn>
-                <a:cxn ang="0">
-                  <a:pos x="T2" y="T3"/>
-                </a:cxn>
-                <a:cxn ang="0">
-                  <a:pos x="T4" y="T5"/>
-                </a:cxn>
-                <a:cxn ang="0">
-                  <a:pos x="T6" y="T7"/>
-                </a:cxn>
-                <a:cxn ang="0">
-                  <a:pos x="T8" y="T9"/>
-                </a:cxn>
-                <a:cxn ang="0">
-                  <a:pos x="T10" y="T11"/>
-                </a:cxn>
-                <a:cxn ang="0">
-                  <a:pos x="T12" y="T13"/>
-                </a:cxn>
-                <a:cxn ang="0">
-                  <a:pos x="T14" y="T15"/>
-                </a:cxn>
-              </a:cxnLst>
-              <a:rect l="0" t="0" r="r" b="b"/>
-              <a:pathLst>
-                <a:path w="73" h="88">
-                  <a:moveTo>
-                    <a:pt x="72" y="26"/>
-                  </a:moveTo>
-                  <a:cubicBezTo>
-                    <a:pt x="73" y="33"/>
-                    <a:pt x="67" y="39"/>
-                    <a:pt x="63" y="45"/>
-                  </a:cubicBezTo>
-                  <a:cubicBezTo>
-                    <a:pt x="57" y="55"/>
-                    <a:pt x="50" y="64"/>
-                    <a:pt x="43" y="74"/>
-                  </a:cubicBezTo>
-                  <a:cubicBezTo>
-                    <a:pt x="33" y="88"/>
-                    <a:pt x="13" y="87"/>
-                    <a:pt x="5" y="72"/>
-                  </a:cubicBezTo>
-                  <a:cubicBezTo>
-                    <a:pt x="0" y="64"/>
-                    <a:pt x="1" y="56"/>
-                    <a:pt x="6" y="48"/>
-                  </a:cubicBezTo>
-                  <a:cubicBezTo>
-                    <a:pt x="15" y="36"/>
-                    <a:pt x="23" y="24"/>
-                    <a:pt x="32" y="12"/>
-                  </a:cubicBezTo>
-                  <a:cubicBezTo>
-                    <a:pt x="38" y="3"/>
-                    <a:pt x="47" y="0"/>
-                    <a:pt x="56" y="3"/>
-                  </a:cubicBezTo>
-                  <a:cubicBezTo>
-                    <a:pt x="67" y="6"/>
-                    <a:pt x="72" y="14"/>
-                    <a:pt x="72" y="26"/>
-                  </a:cubicBezTo>
-                  <a:close/>
-                </a:path>
-              </a:pathLst>
-            </a:custGeom>
-            <a:solidFill>
-              <a:schemeClr val="accent4"/>
-            </a:solidFill>
-            <a:ln>
-              <a:noFill/>
-            </a:ln>
-          </p:spPr>
-          <p:txBody>
-            <a:bodyPr vert="horz" wrap="square" lIns="91440" tIns="45720" rIns="91440" bIns="45720" numCol="1" anchor="t" anchorCtr="0" compatLnSpc="1">
-              <a:prstTxWarp prst="textNoShape">
-                <a:avLst/>
-              </a:prstTxWarp>
-            </a:bodyPr>
-            <a:lstStyle/>
-            <a:p>
-              <a:pPr marL="0" marR="0" lvl="0" indent="0" algn="l" defTabSz="914400" rtl="0" eaLnBrk="1" fontAlgn="auto" latinLnBrk="0" hangingPunct="1">
-                <a:lnSpc>
-                  <a:spcPct val="100000"/>
-                </a:lnSpc>
-                <a:spcBef>
-                  <a:spcPts val="0"/>
-                </a:spcBef>
-                <a:spcAft>
-                  <a:spcPts val="0"/>
-                </a:spcAft>
-                <a:buClrTx/>
-                <a:buSzTx/>
-                <a:buFontTx/>
-                <a:buNone/>
-                <a:tabLst/>
-                <a:defRPr/>
-              </a:pPr>
-              <a:endParaRPr kumimoji="0" lang="en-US" sz="1800" b="0" i="0" u="none" strike="noStrike" kern="1200" cap="none" spc="0" normalizeH="0" baseline="0" noProof="0">
-                <a:ln>
-                  <a:noFill/>
-                </a:ln>
-                <a:solidFill>
-                  <a:srgbClr val="282F39"/>
-                </a:solidFill>
-                <a:effectLst/>
-                <a:uLnTx/>
-                <a:uFillTx/>
-                <a:latin typeface="Calibri" panose="020F0502020204030204"/>
-                <a:ea typeface="+mn-ea"/>
-                <a:cs typeface="+mn-cs"/>
-              </a:endParaRPr>
-            </a:p>
-          </p:txBody>
-        </p:sp>
-      </p:grpSp>
-      <p:sp>
-        <p:nvSpPr>
-          <p:cNvPr id="11" name="TextBox 10">
-            <a:extLst>
-              <a:ext uri="{FF2B5EF4-FFF2-40B4-BE49-F238E27FC236}">
-                <a16:creationId xmlns:a16="http://schemas.microsoft.com/office/drawing/2014/main" xmlns="" id="{DF691C40-340A-44BC-A6B3-C3A20A9ED913}"/>
-              </a:ext>
-            </a:extLst>
-          </p:cNvPr>
-          <p:cNvSpPr txBox="1"/>
-          <p:nvPr/>
-        </p:nvSpPr>
-        <p:spPr>
-          <a:xfrm>
-            <a:off x="2514600" y="5562600"/>
-            <a:ext cx="3443037" cy="923330"/>
-          </a:xfrm>
-          <a:prstGeom prst="rect">
-            <a:avLst/>
-          </a:prstGeom>
-          <a:noFill/>
-        </p:spPr>
-        <p:txBody>
-          <a:bodyPr wrap="square" rtlCol="0" anchor="ctr">
-            <a:spAutoFit/>
-          </a:bodyPr>
-          <a:lstStyle/>
-          <a:p>
-            <a:pPr algn="ctr"/>
-            <a:r>
-              <a:rPr lang="en-US" altLang="ko-KR" sz="5400" dirty="0">
-                <a:solidFill>
-                  <a:schemeClr val="bg1"/>
-                </a:solidFill>
-                <a:cs typeface="Arial" pitchFamily="34" charset="0"/>
-              </a:rPr>
-              <a:t>Thank You</a:t>
-            </a:r>
-            <a:endParaRPr lang="ko-KR" altLang="en-US" sz="5400" dirty="0">
-              <a:solidFill>
-                <a:schemeClr val="bg1"/>
-              </a:solidFill>
-              <a:cs typeface="Arial" pitchFamily="34" charset="0"/>
-            </a:endParaRPr>
-          </a:p>
-        </p:txBody>
-      </p:sp>
-    </p:spTree>
   </p:cSld>
   <p:clrMapOvr>
     <a:masterClrMapping/>
@@ -10780,4 +10857,47 @@
   <a:objectDefaults/>
   <a:extraClrSchemeLst/>
 </a:theme>
+</file>
+
+<file path=ppt/theme/themeOverride1.xml><?xml version="1.0" encoding="utf-8"?>
+<a:themeOverride xmlns:a="http://schemas.openxmlformats.org/drawingml/2006/main">
+  <a:clrScheme name="Office">
+    <a:dk1>
+      <a:sysClr val="windowText" lastClr="000000"/>
+    </a:dk1>
+    <a:lt1>
+      <a:sysClr val="window" lastClr="FFFFFF"/>
+    </a:lt1>
+    <a:dk2>
+      <a:srgbClr val="1F497D"/>
+    </a:dk2>
+    <a:lt2>
+      <a:srgbClr val="EEECE1"/>
+    </a:lt2>
+    <a:accent1>
+      <a:srgbClr val="4F81BD"/>
+    </a:accent1>
+    <a:accent2>
+      <a:srgbClr val="C0504D"/>
+    </a:accent2>
+    <a:accent3>
+      <a:srgbClr val="9BBB59"/>
+    </a:accent3>
+    <a:accent4>
+      <a:srgbClr val="8064A2"/>
+    </a:accent4>
+    <a:accent5>
+      <a:srgbClr val="4BACC6"/>
+    </a:accent5>
+    <a:accent6>
+      <a:srgbClr val="F79646"/>
+    </a:accent6>
+    <a:hlink>
+      <a:srgbClr val="0000FF"/>
+    </a:hlink>
+    <a:folHlink>
+      <a:srgbClr val="800080"/>
+    </a:folHlink>
+  </a:clrScheme>
+</a:themeOverride>
 </file>
--- a/Introduction.pptx
+++ b/Introduction.pptx
@@ -6,12 +6,14 @@
   </p:sldMasterIdLst>
   <p:sldIdLst>
     <p:sldId id="261" r:id="rId2"/>
-    <p:sldId id="270" r:id="rId3"/>
-    <p:sldId id="262" r:id="rId4"/>
-    <p:sldId id="264" r:id="rId5"/>
-    <p:sldId id="265" r:id="rId6"/>
-    <p:sldId id="268" r:id="rId7"/>
-    <p:sldId id="266" r:id="rId8"/>
+    <p:sldId id="272" r:id="rId3"/>
+    <p:sldId id="274" r:id="rId4"/>
+    <p:sldId id="273" r:id="rId5"/>
+    <p:sldId id="262" r:id="rId6"/>
+    <p:sldId id="264" r:id="rId7"/>
+    <p:sldId id="265" r:id="rId8"/>
+    <p:sldId id="268" r:id="rId9"/>
+    <p:sldId id="266" r:id="rId10"/>
   </p:sldIdLst>
   <p:sldSz cx="9144000" cy="6858000" type="screen4x3"/>
   <p:notesSz cx="6858000" cy="9144000"/>
@@ -295,7 +297,7 @@
             <a:fld id="{01B41F80-CB50-44AE-8443-B6A662D174DC}" type="datetimeFigureOut">
               <a:rPr lang="en-US" smtClean="0"/>
               <a:pPr/>
-              <a:t>11/29/2019</a:t>
+              <a:t>12/2/2019</a:t>
             </a:fld>
             <a:endParaRPr lang="en-US"/>
           </a:p>
@@ -462,7 +464,7 @@
             <a:fld id="{01B41F80-CB50-44AE-8443-B6A662D174DC}" type="datetimeFigureOut">
               <a:rPr lang="en-US" smtClean="0"/>
               <a:pPr/>
-              <a:t>11/29/2019</a:t>
+              <a:t>12/2/2019</a:t>
             </a:fld>
             <a:endParaRPr lang="en-US"/>
           </a:p>
@@ -639,7 +641,7 @@
             <a:fld id="{01B41F80-CB50-44AE-8443-B6A662D174DC}" type="datetimeFigureOut">
               <a:rPr lang="en-US" smtClean="0"/>
               <a:pPr/>
-              <a:t>11/29/2019</a:t>
+              <a:t>12/2/2019</a:t>
             </a:fld>
             <a:endParaRPr lang="en-US"/>
           </a:p>
@@ -1226,7 +1228,7 @@
             <a:fld id="{01B41F80-CB50-44AE-8443-B6A662D174DC}" type="datetimeFigureOut">
               <a:rPr lang="en-US" smtClean="0"/>
               <a:pPr/>
-              <a:t>11/29/2019</a:t>
+              <a:t>12/2/2019</a:t>
             </a:fld>
             <a:endParaRPr lang="en-US"/>
           </a:p>
@@ -1469,7 +1471,7 @@
             <a:fld id="{01B41F80-CB50-44AE-8443-B6A662D174DC}" type="datetimeFigureOut">
               <a:rPr lang="en-US" smtClean="0"/>
               <a:pPr/>
-              <a:t>11/29/2019</a:t>
+              <a:t>12/2/2019</a:t>
             </a:fld>
             <a:endParaRPr lang="en-US"/>
           </a:p>
@@ -1754,7 +1756,7 @@
             <a:fld id="{01B41F80-CB50-44AE-8443-B6A662D174DC}" type="datetimeFigureOut">
               <a:rPr lang="en-US" smtClean="0"/>
               <a:pPr/>
-              <a:t>11/29/2019</a:t>
+              <a:t>12/2/2019</a:t>
             </a:fld>
             <a:endParaRPr lang="en-US"/>
           </a:p>
@@ -2173,7 +2175,7 @@
             <a:fld id="{01B41F80-CB50-44AE-8443-B6A662D174DC}" type="datetimeFigureOut">
               <a:rPr lang="en-US" smtClean="0"/>
               <a:pPr/>
-              <a:t>11/29/2019</a:t>
+              <a:t>12/2/2019</a:t>
             </a:fld>
             <a:endParaRPr lang="en-US"/>
           </a:p>
@@ -2288,7 +2290,7 @@
             <a:fld id="{01B41F80-CB50-44AE-8443-B6A662D174DC}" type="datetimeFigureOut">
               <a:rPr lang="en-US" smtClean="0"/>
               <a:pPr/>
-              <a:t>11/29/2019</a:t>
+              <a:t>12/2/2019</a:t>
             </a:fld>
             <a:endParaRPr lang="en-US"/>
           </a:p>
@@ -2380,7 +2382,7 @@
             <a:fld id="{01B41F80-CB50-44AE-8443-B6A662D174DC}" type="datetimeFigureOut">
               <a:rPr lang="en-US" smtClean="0"/>
               <a:pPr/>
-              <a:t>11/29/2019</a:t>
+              <a:t>12/2/2019</a:t>
             </a:fld>
             <a:endParaRPr lang="en-US"/>
           </a:p>
@@ -2654,7 +2656,7 @@
             <a:fld id="{01B41F80-CB50-44AE-8443-B6A662D174DC}" type="datetimeFigureOut">
               <a:rPr lang="en-US" smtClean="0"/>
               <a:pPr/>
-              <a:t>11/29/2019</a:t>
+              <a:t>12/2/2019</a:t>
             </a:fld>
             <a:endParaRPr lang="en-US"/>
           </a:p>
@@ -2904,7 +2906,7 @@
             <a:fld id="{01B41F80-CB50-44AE-8443-B6A662D174DC}" type="datetimeFigureOut">
               <a:rPr lang="en-US" smtClean="0"/>
               <a:pPr/>
-              <a:t>11/29/2019</a:t>
+              <a:t>12/2/2019</a:t>
             </a:fld>
             <a:endParaRPr lang="en-US"/>
           </a:p>
@@ -3114,7 +3116,7 @@
             <a:fld id="{01B41F80-CB50-44AE-8443-B6A662D174DC}" type="datetimeFigureOut">
               <a:rPr lang="en-US" smtClean="0"/>
               <a:pPr/>
-              <a:t>11/29/2019</a:t>
+              <a:t>12/2/2019</a:t>
             </a:fld>
             <a:endParaRPr lang="en-US"/>
           </a:p>
@@ -3702,20 +3704,6 @@
 <file path=ppt/slides/slide2.xml><?xml version="1.0" encoding="utf-8"?>
 <p:sld xmlns:a="http://schemas.openxmlformats.org/drawingml/2006/main" xmlns:r="http://schemas.openxmlformats.org/officeDocument/2006/relationships" xmlns:p="http://schemas.openxmlformats.org/presentationml/2006/main">
   <p:cSld>
-    <p:bg>
-      <p:bgPr>
-        <a:blipFill dpi="0" rotWithShape="1">
-          <a:blip r:embed="rId3">
-            <a:lum/>
-          </a:blip>
-          <a:srcRect/>
-          <a:stretch>
-            <a:fillRect/>
-          </a:stretch>
-        </a:blipFill>
-        <a:effectLst/>
-      </p:bgPr>
-    </p:bg>
     <p:spTree>
       <p:nvGrpSpPr>
         <p:cNvPr id="1" name=""/>
@@ -3732,10 +3720,155 @@
       </p:grpSpPr>
       <p:sp>
         <p:nvSpPr>
-          <p:cNvPr id="19" name="Oval 18">
+          <p:cNvPr id="238" name="Title 1"/>
+          <p:cNvSpPr txBox="1">
+            <a:spLocks/>
+          </p:cNvSpPr>
+          <p:nvPr/>
+        </p:nvSpPr>
+        <p:spPr>
+          <a:xfrm>
+            <a:off x="457200" y="274638"/>
+            <a:ext cx="8229600" cy="1143000"/>
+          </a:xfrm>
+          <a:prstGeom prst="rect">
+            <a:avLst/>
+          </a:prstGeom>
+          <a:ln>
+            <a:noFill/>
+          </a:ln>
+        </p:spPr>
+        <p:txBody>
+          <a:bodyPr>
+            <a:normAutofit/>
+          </a:bodyPr>
+          <a:lstStyle/>
+          <a:p>
+            <a:pPr marL="0" marR="0" lvl="0" indent="0" algn="ctr" defTabSz="914400" rtl="0" eaLnBrk="1" fontAlgn="auto" latinLnBrk="0" hangingPunct="1">
+              <a:lnSpc>
+                <a:spcPct val="100000"/>
+              </a:lnSpc>
+              <a:spcBef>
+                <a:spcPct val="0"/>
+              </a:spcBef>
+              <a:spcAft>
+                <a:spcPts val="0"/>
+              </a:spcAft>
+              <a:buClrTx/>
+              <a:buSzTx/>
+              <a:buFontTx/>
+              <a:buNone/>
+              <a:tabLst/>
+              <a:defRPr/>
+            </a:pPr>
+            <a:r>
+              <a:rPr kumimoji="0" lang="en-US" sz="4400" b="0" i="0" u="none" strike="noStrike" kern="1200" cap="none" spc="0" normalizeH="0" baseline="0" noProof="0" dirty="0" smtClean="0">
+                <a:ln>
+                  <a:noFill/>
+                </a:ln>
+                <a:solidFill>
+                  <a:schemeClr val="bg1"/>
+                </a:solidFill>
+                <a:effectLst/>
+                <a:uLnTx/>
+                <a:uFillTx/>
+                <a:latin typeface="+mj-lt"/>
+                <a:ea typeface="+mj-ea"/>
+                <a:cs typeface="+mj-cs"/>
+              </a:rPr>
+              <a:t>Vision</a:t>
+            </a:r>
+          </a:p>
+        </p:txBody>
+      </p:sp>
+      <p:cxnSp>
+        <p:nvCxnSpPr>
+          <p:cNvPr id="240" name="Straight Connector 239"/>
+          <p:cNvCxnSpPr/>
+          <p:nvPr/>
+        </p:nvCxnSpPr>
+        <p:spPr>
+          <a:xfrm>
+            <a:off x="0" y="1447800"/>
+            <a:ext cx="9144000" cy="1588"/>
+          </a:xfrm>
+          <a:prstGeom prst="line">
+            <a:avLst/>
+          </a:prstGeom>
+        </p:spPr>
+        <p:style>
+          <a:lnRef idx="1">
+            <a:schemeClr val="accent1"/>
+          </a:lnRef>
+          <a:fillRef idx="0">
+            <a:schemeClr val="accent1"/>
+          </a:fillRef>
+          <a:effectRef idx="0">
+            <a:schemeClr val="accent1"/>
+          </a:effectRef>
+          <a:fontRef idx="minor">
+            <a:schemeClr val="tx1"/>
+          </a:fontRef>
+        </p:style>
+      </p:cxnSp>
+      <p:pic>
+        <p:nvPicPr>
+          <p:cNvPr id="6" name="Picture 9" descr="C:\Users\hi\Desktop\1.png"/>
+          <p:cNvPicPr>
+            <a:picLocks noChangeAspect="1" noChangeArrowheads="1"/>
+          </p:cNvPicPr>
+          <p:nvPr/>
+        </p:nvPicPr>
+        <p:blipFill>
+          <a:blip r:embed="rId2"/>
+          <a:srcRect/>
+          <a:stretch>
+            <a:fillRect/>
+          </a:stretch>
+        </p:blipFill>
+        <p:spPr bwMode="auto">
+          <a:xfrm>
+            <a:off x="7772402" y="5867404"/>
+            <a:ext cx="523875" cy="523875"/>
+          </a:xfrm>
+          <a:prstGeom prst="rect">
+            <a:avLst/>
+          </a:prstGeom>
+          <a:noFill/>
+        </p:spPr>
+      </p:pic>
+      <p:pic>
+        <p:nvPicPr>
+          <p:cNvPr id="7" name="Picture 10" descr="C:\Users\hi\Desktop\2.png"/>
+          <p:cNvPicPr>
+            <a:picLocks noChangeAspect="1" noChangeArrowheads="1"/>
+          </p:cNvPicPr>
+          <p:nvPr/>
+        </p:nvPicPr>
+        <p:blipFill>
+          <a:blip r:embed="rId3"/>
+          <a:srcRect/>
+          <a:stretch>
+            <a:fillRect/>
+          </a:stretch>
+        </p:blipFill>
+        <p:spPr bwMode="auto">
+          <a:xfrm>
+            <a:off x="6096000" y="6353179"/>
+            <a:ext cx="2324100" cy="504825"/>
+          </a:xfrm>
+          <a:prstGeom prst="rect">
+            <a:avLst/>
+          </a:prstGeom>
+          <a:noFill/>
+        </p:spPr>
+      </p:pic>
+      <p:sp>
+        <p:nvSpPr>
+          <p:cNvPr id="8" name="Oval 7">
             <a:extLst>
               <a:ext uri="{FF2B5EF4-FFF2-40B4-BE49-F238E27FC236}">
-                <a16:creationId xmlns:a16="http://schemas.microsoft.com/office/drawing/2014/main" xmlns="" id="{CE75301D-8D72-4138-8F5D-E9E34FB49D51}"/>
+                <a16:creationId xmlns="" xmlns:a16="http://schemas.microsoft.com/office/drawing/2014/main" id="{B8D28336-9E4A-4CEB-AC8A-4C3A1CD2138F}"/>
               </a:ext>
             </a:extLst>
           </p:cNvPr>
@@ -3744,15 +3877,4196 @@
         </p:nvSpPr>
         <p:spPr>
           <a:xfrm>
-            <a:off x="5426726" y="5654584"/>
-            <a:ext cx="2109223" cy="179680"/>
+            <a:off x="2193016" y="2666055"/>
+            <a:ext cx="825500" cy="1100666"/>
+          </a:xfrm>
+          <a:prstGeom prst="ellipse">
+            <a:avLst/>
+          </a:prstGeom>
+          <a:solidFill>
+            <a:schemeClr val="tx1"/>
+          </a:solidFill>
+          <a:ln>
+            <a:noFill/>
+          </a:ln>
+        </p:spPr>
+        <p:style>
+          <a:lnRef idx="2">
+            <a:schemeClr val="accent1">
+              <a:shade val="50000"/>
+            </a:schemeClr>
+          </a:lnRef>
+          <a:fillRef idx="1">
+            <a:schemeClr val="accent1"/>
+          </a:fillRef>
+          <a:effectRef idx="0">
+            <a:schemeClr val="accent1"/>
+          </a:effectRef>
+          <a:fontRef idx="minor">
+            <a:schemeClr val="lt1"/>
+          </a:fontRef>
+        </p:style>
+        <p:txBody>
+          <a:bodyPr rtlCol="0" anchor="ctr"/>
+          <a:lstStyle/>
+          <a:p>
+            <a:pPr algn="ctr"/>
+            <a:endParaRPr lang="en-US"/>
+          </a:p>
+        </p:txBody>
+      </p:sp>
+      <p:grpSp>
+        <p:nvGrpSpPr>
+          <p:cNvPr id="10" name="Group 9"/>
+          <p:cNvGrpSpPr/>
+          <p:nvPr/>
+        </p:nvGrpSpPr>
+        <p:grpSpPr>
+          <a:xfrm>
+            <a:off x="558799" y="2106131"/>
+            <a:ext cx="3268433" cy="2278375"/>
+            <a:chOff x="1282700" y="2735575"/>
+            <a:chExt cx="3340100" cy="1746250"/>
+          </a:xfrm>
+        </p:grpSpPr>
+        <p:sp>
+          <p:nvSpPr>
+            <p:cNvPr id="11" name="Freeform 5"/>
+            <p:cNvSpPr>
+              <a:spLocks noEditPoints="1"/>
+            </p:cNvSpPr>
+            <p:nvPr/>
+          </p:nvSpPr>
+          <p:spPr bwMode="auto">
+            <a:xfrm>
+              <a:off x="2359025" y="3007038"/>
+              <a:ext cx="1190625" cy="1200150"/>
+            </a:xfrm>
+            <a:custGeom>
+              <a:avLst/>
+              <a:gdLst>
+                <a:gd name="T0" fmla="*/ 2 w 374"/>
+                <a:gd name="T1" fmla="*/ 188 h 376"/>
+                <a:gd name="T2" fmla="*/ 180 w 374"/>
+                <a:gd name="T3" fmla="*/ 4 h 376"/>
+                <a:gd name="T4" fmla="*/ 371 w 374"/>
+                <a:gd name="T5" fmla="*/ 182 h 376"/>
+                <a:gd name="T6" fmla="*/ 193 w 374"/>
+                <a:gd name="T7" fmla="*/ 373 h 376"/>
+                <a:gd name="T8" fmla="*/ 2 w 374"/>
+                <a:gd name="T9" fmla="*/ 188 h 376"/>
+                <a:gd name="T10" fmla="*/ 72 w 374"/>
+                <a:gd name="T11" fmla="*/ 145 h 376"/>
+                <a:gd name="T12" fmla="*/ 143 w 374"/>
+                <a:gd name="T13" fmla="*/ 303 h 376"/>
+                <a:gd name="T14" fmla="*/ 298 w 374"/>
+                <a:gd name="T15" fmla="*/ 238 h 376"/>
+                <a:gd name="T16" fmla="*/ 243 w 374"/>
+                <a:gd name="T17" fmla="*/ 80 h 376"/>
+                <a:gd name="T18" fmla="*/ 155 w 374"/>
+                <a:gd name="T19" fmla="*/ 70 h 376"/>
+                <a:gd name="T20" fmla="*/ 120 w 374"/>
+                <a:gd name="T21" fmla="*/ 87 h 376"/>
+                <a:gd name="T22" fmla="*/ 163 w 374"/>
+                <a:gd name="T23" fmla="*/ 95 h 376"/>
+                <a:gd name="T24" fmla="*/ 189 w 374"/>
+                <a:gd name="T25" fmla="*/ 131 h 376"/>
+                <a:gd name="T26" fmla="*/ 155 w 374"/>
+                <a:gd name="T27" fmla="*/ 199 h 376"/>
+                <a:gd name="T28" fmla="*/ 121 w 374"/>
+                <a:gd name="T29" fmla="*/ 202 h 376"/>
+                <a:gd name="T30" fmla="*/ 72 w 374"/>
+                <a:gd name="T31" fmla="*/ 145 h 376"/>
+              </a:gdLst>
+              <a:ahLst/>
+              <a:cxnLst>
+                <a:cxn ang="0">
+                  <a:pos x="T0" y="T1"/>
+                </a:cxn>
+                <a:cxn ang="0">
+                  <a:pos x="T2" y="T3"/>
+                </a:cxn>
+                <a:cxn ang="0">
+                  <a:pos x="T4" y="T5"/>
+                </a:cxn>
+                <a:cxn ang="0">
+                  <a:pos x="T6" y="T7"/>
+                </a:cxn>
+                <a:cxn ang="0">
+                  <a:pos x="T8" y="T9"/>
+                </a:cxn>
+                <a:cxn ang="0">
+                  <a:pos x="T10" y="T11"/>
+                </a:cxn>
+                <a:cxn ang="0">
+                  <a:pos x="T12" y="T13"/>
+                </a:cxn>
+                <a:cxn ang="0">
+                  <a:pos x="T14" y="T15"/>
+                </a:cxn>
+                <a:cxn ang="0">
+                  <a:pos x="T16" y="T17"/>
+                </a:cxn>
+                <a:cxn ang="0">
+                  <a:pos x="T18" y="T19"/>
+                </a:cxn>
+                <a:cxn ang="0">
+                  <a:pos x="T20" y="T21"/>
+                </a:cxn>
+                <a:cxn ang="0">
+                  <a:pos x="T22" y="T23"/>
+                </a:cxn>
+                <a:cxn ang="0">
+                  <a:pos x="T24" y="T25"/>
+                </a:cxn>
+                <a:cxn ang="0">
+                  <a:pos x="T26" y="T27"/>
+                </a:cxn>
+                <a:cxn ang="0">
+                  <a:pos x="T28" y="T29"/>
+                </a:cxn>
+                <a:cxn ang="0">
+                  <a:pos x="T30" y="T31"/>
+                </a:cxn>
+              </a:cxnLst>
+              <a:rect l="0" t="0" r="r" b="b"/>
+              <a:pathLst>
+                <a:path w="374" h="376">
+                  <a:moveTo>
+                    <a:pt x="2" y="188"/>
+                  </a:moveTo>
+                  <a:cubicBezTo>
+                    <a:pt x="1" y="86"/>
+                    <a:pt x="85" y="6"/>
+                    <a:pt x="180" y="4"/>
+                  </a:cubicBezTo>
+                  <a:cubicBezTo>
+                    <a:pt x="289" y="0"/>
+                    <a:pt x="369" y="88"/>
+                    <a:pt x="371" y="182"/>
+                  </a:cubicBezTo>
+                  <a:cubicBezTo>
+                    <a:pt x="374" y="291"/>
+                    <a:pt x="286" y="370"/>
+                    <a:pt x="193" y="373"/>
+                  </a:cubicBezTo>
+                  <a:cubicBezTo>
+                    <a:pt x="85" y="376"/>
+                    <a:pt x="0" y="288"/>
+                    <a:pt x="2" y="188"/>
+                  </a:cubicBezTo>
+                  <a:close/>
+                  <a:moveTo>
+                    <a:pt x="72" y="145"/>
+                  </a:moveTo>
+                  <a:cubicBezTo>
+                    <a:pt x="48" y="213"/>
+                    <a:pt x="83" y="280"/>
+                    <a:pt x="143" y="303"/>
+                  </a:cubicBezTo>
+                  <a:cubicBezTo>
+                    <a:pt x="202" y="325"/>
+                    <a:pt x="270" y="301"/>
+                    <a:pt x="298" y="238"/>
+                  </a:cubicBezTo>
+                  <a:cubicBezTo>
+                    <a:pt x="323" y="184"/>
+                    <a:pt x="305" y="113"/>
+                    <a:pt x="243" y="80"/>
+                  </a:cubicBezTo>
+                  <a:cubicBezTo>
+                    <a:pt x="215" y="65"/>
+                    <a:pt x="185" y="62"/>
+                    <a:pt x="155" y="70"/>
+                  </a:cubicBezTo>
+                  <a:cubicBezTo>
+                    <a:pt x="142" y="74"/>
+                    <a:pt x="130" y="78"/>
+                    <a:pt x="120" y="87"/>
+                  </a:cubicBezTo>
+                  <a:cubicBezTo>
+                    <a:pt x="135" y="84"/>
+                    <a:pt x="150" y="86"/>
+                    <a:pt x="163" y="95"/>
+                  </a:cubicBezTo>
+                  <a:cubicBezTo>
+                    <a:pt x="177" y="103"/>
+                    <a:pt x="186" y="115"/>
+                    <a:pt x="189" y="131"/>
+                  </a:cubicBezTo>
+                  <a:cubicBezTo>
+                    <a:pt x="195" y="159"/>
+                    <a:pt x="183" y="186"/>
+                    <a:pt x="155" y="199"/>
+                  </a:cubicBezTo>
+                  <a:cubicBezTo>
+                    <a:pt x="144" y="203"/>
+                    <a:pt x="132" y="205"/>
+                    <a:pt x="121" y="202"/>
+                  </a:cubicBezTo>
+                  <a:cubicBezTo>
+                    <a:pt x="91" y="195"/>
+                    <a:pt x="76" y="175"/>
+                    <a:pt x="72" y="145"/>
+                  </a:cubicBezTo>
+                  <a:close/>
+                </a:path>
+              </a:pathLst>
+            </a:custGeom>
+            <a:solidFill>
+              <a:schemeClr val="accent3">
+                <a:lumMod val="60000"/>
+                <a:lumOff val="40000"/>
+              </a:schemeClr>
+            </a:solidFill>
+            <a:ln>
+              <a:noFill/>
+            </a:ln>
+          </p:spPr>
+          <p:txBody>
+            <a:bodyPr vert="horz" wrap="square" lIns="91440" tIns="45720" rIns="91440" bIns="45720" numCol="1" anchor="t" anchorCtr="0" compatLnSpc="1">
+              <a:prstTxWarp prst="textNoShape">
+                <a:avLst/>
+              </a:prstTxWarp>
+            </a:bodyPr>
+            <a:lstStyle/>
+            <a:p>
+              <a:endParaRPr lang="en-US" dirty="0"/>
+            </a:p>
+          </p:txBody>
+        </p:sp>
+        <p:sp>
+          <p:nvSpPr>
+            <p:cNvPr id="12" name="Freeform 6"/>
+            <p:cNvSpPr>
+              <a:spLocks noEditPoints="1"/>
+            </p:cNvSpPr>
+            <p:nvPr/>
+          </p:nvSpPr>
+          <p:spPr bwMode="auto">
+            <a:xfrm>
+              <a:off x="1282700" y="2735575"/>
+              <a:ext cx="3340100" cy="1746250"/>
+            </a:xfrm>
+            <a:custGeom>
+              <a:avLst/>
+              <a:gdLst>
+                <a:gd name="T0" fmla="*/ 1039 w 1049"/>
+                <a:gd name="T1" fmla="*/ 250 h 547"/>
+                <a:gd name="T2" fmla="*/ 958 w 1049"/>
+                <a:gd name="T3" fmla="*/ 170 h 547"/>
+                <a:gd name="T4" fmla="*/ 852 w 1049"/>
+                <a:gd name="T5" fmla="*/ 94 h 547"/>
+                <a:gd name="T6" fmla="*/ 765 w 1049"/>
+                <a:gd name="T7" fmla="*/ 49 h 547"/>
+                <a:gd name="T8" fmla="*/ 697 w 1049"/>
+                <a:gd name="T9" fmla="*/ 25 h 547"/>
+                <a:gd name="T10" fmla="*/ 636 w 1049"/>
+                <a:gd name="T11" fmla="*/ 11 h 547"/>
+                <a:gd name="T12" fmla="*/ 557 w 1049"/>
+                <a:gd name="T13" fmla="*/ 1 h 547"/>
+                <a:gd name="T14" fmla="*/ 532 w 1049"/>
+                <a:gd name="T15" fmla="*/ 0 h 547"/>
+                <a:gd name="T16" fmla="*/ 525 w 1049"/>
+                <a:gd name="T17" fmla="*/ 0 h 547"/>
+                <a:gd name="T18" fmla="*/ 525 w 1049"/>
+                <a:gd name="T19" fmla="*/ 0 h 547"/>
+                <a:gd name="T20" fmla="*/ 517 w 1049"/>
+                <a:gd name="T21" fmla="*/ 0 h 547"/>
+                <a:gd name="T22" fmla="*/ 492 w 1049"/>
+                <a:gd name="T23" fmla="*/ 1 h 547"/>
+                <a:gd name="T24" fmla="*/ 413 w 1049"/>
+                <a:gd name="T25" fmla="*/ 11 h 547"/>
+                <a:gd name="T26" fmla="*/ 352 w 1049"/>
+                <a:gd name="T27" fmla="*/ 25 h 547"/>
+                <a:gd name="T28" fmla="*/ 284 w 1049"/>
+                <a:gd name="T29" fmla="*/ 49 h 547"/>
+                <a:gd name="T30" fmla="*/ 197 w 1049"/>
+                <a:gd name="T31" fmla="*/ 94 h 547"/>
+                <a:gd name="T32" fmla="*/ 91 w 1049"/>
+                <a:gd name="T33" fmla="*/ 170 h 547"/>
+                <a:gd name="T34" fmla="*/ 10 w 1049"/>
+                <a:gd name="T35" fmla="*/ 250 h 547"/>
+                <a:gd name="T36" fmla="*/ 10 w 1049"/>
+                <a:gd name="T37" fmla="*/ 296 h 547"/>
+                <a:gd name="T38" fmla="*/ 36 w 1049"/>
+                <a:gd name="T39" fmla="*/ 325 h 547"/>
+                <a:gd name="T40" fmla="*/ 138 w 1049"/>
+                <a:gd name="T41" fmla="*/ 414 h 547"/>
+                <a:gd name="T42" fmla="*/ 270 w 1049"/>
+                <a:gd name="T43" fmla="*/ 491 h 547"/>
+                <a:gd name="T44" fmla="*/ 347 w 1049"/>
+                <a:gd name="T45" fmla="*/ 520 h 547"/>
+                <a:gd name="T46" fmla="*/ 393 w 1049"/>
+                <a:gd name="T47" fmla="*/ 532 h 547"/>
+                <a:gd name="T48" fmla="*/ 450 w 1049"/>
+                <a:gd name="T49" fmla="*/ 542 h 547"/>
+                <a:gd name="T50" fmla="*/ 500 w 1049"/>
+                <a:gd name="T51" fmla="*/ 546 h 547"/>
+                <a:gd name="T52" fmla="*/ 525 w 1049"/>
+                <a:gd name="T53" fmla="*/ 547 h 547"/>
+                <a:gd name="T54" fmla="*/ 525 w 1049"/>
+                <a:gd name="T55" fmla="*/ 547 h 547"/>
+                <a:gd name="T56" fmla="*/ 549 w 1049"/>
+                <a:gd name="T57" fmla="*/ 546 h 547"/>
+                <a:gd name="T58" fmla="*/ 599 w 1049"/>
+                <a:gd name="T59" fmla="*/ 542 h 547"/>
+                <a:gd name="T60" fmla="*/ 656 w 1049"/>
+                <a:gd name="T61" fmla="*/ 532 h 547"/>
+                <a:gd name="T62" fmla="*/ 702 w 1049"/>
+                <a:gd name="T63" fmla="*/ 520 h 547"/>
+                <a:gd name="T64" fmla="*/ 779 w 1049"/>
+                <a:gd name="T65" fmla="*/ 491 h 547"/>
+                <a:gd name="T66" fmla="*/ 911 w 1049"/>
+                <a:gd name="T67" fmla="*/ 414 h 547"/>
+                <a:gd name="T68" fmla="*/ 1013 w 1049"/>
+                <a:gd name="T69" fmla="*/ 325 h 547"/>
+                <a:gd name="T70" fmla="*/ 1039 w 1049"/>
+                <a:gd name="T71" fmla="*/ 296 h 547"/>
+                <a:gd name="T72" fmla="*/ 1039 w 1049"/>
+                <a:gd name="T73" fmla="*/ 250 h 547"/>
+                <a:gd name="T74" fmla="*/ 86 w 1049"/>
+                <a:gd name="T75" fmla="*/ 273 h 547"/>
+                <a:gd name="T76" fmla="*/ 360 w 1049"/>
+                <a:gd name="T77" fmla="*/ 98 h 547"/>
+                <a:gd name="T78" fmla="*/ 286 w 1049"/>
+                <a:gd name="T79" fmla="*/ 273 h 547"/>
+                <a:gd name="T80" fmla="*/ 360 w 1049"/>
+                <a:gd name="T81" fmla="*/ 448 h 547"/>
+                <a:gd name="T82" fmla="*/ 86 w 1049"/>
+                <a:gd name="T83" fmla="*/ 273 h 547"/>
+                <a:gd name="T84" fmla="*/ 525 w 1049"/>
+                <a:gd name="T85" fmla="*/ 458 h 547"/>
+                <a:gd name="T86" fmla="*/ 525 w 1049"/>
+                <a:gd name="T87" fmla="*/ 458 h 547"/>
+                <a:gd name="T88" fmla="*/ 340 w 1049"/>
+                <a:gd name="T89" fmla="*/ 273 h 547"/>
+                <a:gd name="T90" fmla="*/ 518 w 1049"/>
+                <a:gd name="T91" fmla="*/ 89 h 547"/>
+                <a:gd name="T92" fmla="*/ 525 w 1049"/>
+                <a:gd name="T93" fmla="*/ 89 h 547"/>
+                <a:gd name="T94" fmla="*/ 525 w 1049"/>
+                <a:gd name="T95" fmla="*/ 89 h 547"/>
+                <a:gd name="T96" fmla="*/ 531 w 1049"/>
+                <a:gd name="T97" fmla="*/ 89 h 547"/>
+                <a:gd name="T98" fmla="*/ 709 w 1049"/>
+                <a:gd name="T99" fmla="*/ 273 h 547"/>
+                <a:gd name="T100" fmla="*/ 525 w 1049"/>
+                <a:gd name="T101" fmla="*/ 458 h 547"/>
+                <a:gd name="T102" fmla="*/ 689 w 1049"/>
+                <a:gd name="T103" fmla="*/ 448 h 547"/>
+                <a:gd name="T104" fmla="*/ 763 w 1049"/>
+                <a:gd name="T105" fmla="*/ 273 h 547"/>
+                <a:gd name="T106" fmla="*/ 689 w 1049"/>
+                <a:gd name="T107" fmla="*/ 98 h 547"/>
+                <a:gd name="T108" fmla="*/ 963 w 1049"/>
+                <a:gd name="T109" fmla="*/ 273 h 547"/>
+                <a:gd name="T110" fmla="*/ 689 w 1049"/>
+                <a:gd name="T111" fmla="*/ 448 h 547"/>
+              </a:gdLst>
+              <a:ahLst/>
+              <a:cxnLst>
+                <a:cxn ang="0">
+                  <a:pos x="T0" y="T1"/>
+                </a:cxn>
+                <a:cxn ang="0">
+                  <a:pos x="T2" y="T3"/>
+                </a:cxn>
+                <a:cxn ang="0">
+                  <a:pos x="T4" y="T5"/>
+                </a:cxn>
+                <a:cxn ang="0">
+                  <a:pos x="T6" y="T7"/>
+                </a:cxn>
+                <a:cxn ang="0">
+                  <a:pos x="T8" y="T9"/>
+                </a:cxn>
+                <a:cxn ang="0">
+                  <a:pos x="T10" y="T11"/>
+                </a:cxn>
+                <a:cxn ang="0">
+                  <a:pos x="T12" y="T13"/>
+                </a:cxn>
+                <a:cxn ang="0">
+                  <a:pos x="T14" y="T15"/>
+                </a:cxn>
+                <a:cxn ang="0">
+                  <a:pos x="T16" y="T17"/>
+                </a:cxn>
+                <a:cxn ang="0">
+                  <a:pos x="T18" y="T19"/>
+                </a:cxn>
+                <a:cxn ang="0">
+                  <a:pos x="T20" y="T21"/>
+                </a:cxn>
+                <a:cxn ang="0">
+                  <a:pos x="T22" y="T23"/>
+                </a:cxn>
+                <a:cxn ang="0">
+                  <a:pos x="T24" y="T25"/>
+                </a:cxn>
+                <a:cxn ang="0">
+                  <a:pos x="T26" y="T27"/>
+                </a:cxn>
+                <a:cxn ang="0">
+                  <a:pos x="T28" y="T29"/>
+                </a:cxn>
+                <a:cxn ang="0">
+                  <a:pos x="T30" y="T31"/>
+                </a:cxn>
+                <a:cxn ang="0">
+                  <a:pos x="T32" y="T33"/>
+                </a:cxn>
+                <a:cxn ang="0">
+                  <a:pos x="T34" y="T35"/>
+                </a:cxn>
+                <a:cxn ang="0">
+                  <a:pos x="T36" y="T37"/>
+                </a:cxn>
+                <a:cxn ang="0">
+                  <a:pos x="T38" y="T39"/>
+                </a:cxn>
+                <a:cxn ang="0">
+                  <a:pos x="T40" y="T41"/>
+                </a:cxn>
+                <a:cxn ang="0">
+                  <a:pos x="T42" y="T43"/>
+                </a:cxn>
+                <a:cxn ang="0">
+                  <a:pos x="T44" y="T45"/>
+                </a:cxn>
+                <a:cxn ang="0">
+                  <a:pos x="T46" y="T47"/>
+                </a:cxn>
+                <a:cxn ang="0">
+                  <a:pos x="T48" y="T49"/>
+                </a:cxn>
+                <a:cxn ang="0">
+                  <a:pos x="T50" y="T51"/>
+                </a:cxn>
+                <a:cxn ang="0">
+                  <a:pos x="T52" y="T53"/>
+                </a:cxn>
+                <a:cxn ang="0">
+                  <a:pos x="T54" y="T55"/>
+                </a:cxn>
+                <a:cxn ang="0">
+                  <a:pos x="T56" y="T57"/>
+                </a:cxn>
+                <a:cxn ang="0">
+                  <a:pos x="T58" y="T59"/>
+                </a:cxn>
+                <a:cxn ang="0">
+                  <a:pos x="T60" y="T61"/>
+                </a:cxn>
+                <a:cxn ang="0">
+                  <a:pos x="T62" y="T63"/>
+                </a:cxn>
+                <a:cxn ang="0">
+                  <a:pos x="T64" y="T65"/>
+                </a:cxn>
+                <a:cxn ang="0">
+                  <a:pos x="T66" y="T67"/>
+                </a:cxn>
+                <a:cxn ang="0">
+                  <a:pos x="T68" y="T69"/>
+                </a:cxn>
+                <a:cxn ang="0">
+                  <a:pos x="T70" y="T71"/>
+                </a:cxn>
+                <a:cxn ang="0">
+                  <a:pos x="T72" y="T73"/>
+                </a:cxn>
+                <a:cxn ang="0">
+                  <a:pos x="T74" y="T75"/>
+                </a:cxn>
+                <a:cxn ang="0">
+                  <a:pos x="T76" y="T77"/>
+                </a:cxn>
+                <a:cxn ang="0">
+                  <a:pos x="T78" y="T79"/>
+                </a:cxn>
+                <a:cxn ang="0">
+                  <a:pos x="T80" y="T81"/>
+                </a:cxn>
+                <a:cxn ang="0">
+                  <a:pos x="T82" y="T83"/>
+                </a:cxn>
+                <a:cxn ang="0">
+                  <a:pos x="T84" y="T85"/>
+                </a:cxn>
+                <a:cxn ang="0">
+                  <a:pos x="T86" y="T87"/>
+                </a:cxn>
+                <a:cxn ang="0">
+                  <a:pos x="T88" y="T89"/>
+                </a:cxn>
+                <a:cxn ang="0">
+                  <a:pos x="T90" y="T91"/>
+                </a:cxn>
+                <a:cxn ang="0">
+                  <a:pos x="T92" y="T93"/>
+                </a:cxn>
+                <a:cxn ang="0">
+                  <a:pos x="T94" y="T95"/>
+                </a:cxn>
+                <a:cxn ang="0">
+                  <a:pos x="T96" y="T97"/>
+                </a:cxn>
+                <a:cxn ang="0">
+                  <a:pos x="T98" y="T99"/>
+                </a:cxn>
+                <a:cxn ang="0">
+                  <a:pos x="T100" y="T101"/>
+                </a:cxn>
+                <a:cxn ang="0">
+                  <a:pos x="T102" y="T103"/>
+                </a:cxn>
+                <a:cxn ang="0">
+                  <a:pos x="T104" y="T105"/>
+                </a:cxn>
+                <a:cxn ang="0">
+                  <a:pos x="T106" y="T107"/>
+                </a:cxn>
+                <a:cxn ang="0">
+                  <a:pos x="T108" y="T109"/>
+                </a:cxn>
+                <a:cxn ang="0">
+                  <a:pos x="T110" y="T111"/>
+                </a:cxn>
+              </a:cxnLst>
+              <a:rect l="0" t="0" r="r" b="b"/>
+              <a:pathLst>
+                <a:path w="1049" h="547">
+                  <a:moveTo>
+                    <a:pt x="1039" y="250"/>
+                  </a:moveTo>
+                  <a:cubicBezTo>
+                    <a:pt x="1014" y="221"/>
+                    <a:pt x="987" y="195"/>
+                    <a:pt x="958" y="170"/>
+                  </a:cubicBezTo>
+                  <a:cubicBezTo>
+                    <a:pt x="925" y="141"/>
+                    <a:pt x="890" y="116"/>
+                    <a:pt x="852" y="94"/>
+                  </a:cubicBezTo>
+                  <a:cubicBezTo>
+                    <a:pt x="824" y="77"/>
+                    <a:pt x="795" y="62"/>
+                    <a:pt x="765" y="49"/>
+                  </a:cubicBezTo>
+                  <a:cubicBezTo>
+                    <a:pt x="743" y="40"/>
+                    <a:pt x="720" y="32"/>
+                    <a:pt x="697" y="25"/>
+                  </a:cubicBezTo>
+                  <a:cubicBezTo>
+                    <a:pt x="677" y="19"/>
+                    <a:pt x="656" y="15"/>
+                    <a:pt x="636" y="11"/>
+                  </a:cubicBezTo>
+                  <a:cubicBezTo>
+                    <a:pt x="610" y="5"/>
+                    <a:pt x="584" y="2"/>
+                    <a:pt x="557" y="1"/>
+                  </a:cubicBezTo>
+                  <a:cubicBezTo>
+                    <a:pt x="549" y="0"/>
+                    <a:pt x="540" y="0"/>
+                    <a:pt x="532" y="0"/>
+                  </a:cubicBezTo>
+                  <a:cubicBezTo>
+                    <a:pt x="532" y="0"/>
+                    <a:pt x="529" y="0"/>
+                    <a:pt x="525" y="0"/>
+                  </a:cubicBezTo>
+                  <a:cubicBezTo>
+                    <a:pt x="525" y="0"/>
+                    <a:pt x="525" y="0"/>
+                    <a:pt x="525" y="0"/>
+                  </a:cubicBezTo>
+                  <a:cubicBezTo>
+                    <a:pt x="520" y="0"/>
+                    <a:pt x="517" y="0"/>
+                    <a:pt x="517" y="0"/>
+                  </a:cubicBezTo>
+                  <a:cubicBezTo>
+                    <a:pt x="509" y="0"/>
+                    <a:pt x="500" y="0"/>
+                    <a:pt x="492" y="1"/>
+                  </a:cubicBezTo>
+                  <a:cubicBezTo>
+                    <a:pt x="466" y="2"/>
+                    <a:pt x="439" y="5"/>
+                    <a:pt x="413" y="11"/>
+                  </a:cubicBezTo>
+                  <a:cubicBezTo>
+                    <a:pt x="393" y="15"/>
+                    <a:pt x="372" y="19"/>
+                    <a:pt x="352" y="25"/>
+                  </a:cubicBezTo>
+                  <a:cubicBezTo>
+                    <a:pt x="329" y="32"/>
+                    <a:pt x="306" y="40"/>
+                    <a:pt x="284" y="49"/>
+                  </a:cubicBezTo>
+                  <a:cubicBezTo>
+                    <a:pt x="254" y="62"/>
+                    <a:pt x="225" y="77"/>
+                    <a:pt x="197" y="94"/>
+                  </a:cubicBezTo>
+                  <a:cubicBezTo>
+                    <a:pt x="159" y="116"/>
+                    <a:pt x="124" y="141"/>
+                    <a:pt x="91" y="170"/>
+                  </a:cubicBezTo>
+                  <a:cubicBezTo>
+                    <a:pt x="62" y="195"/>
+                    <a:pt x="35" y="221"/>
+                    <a:pt x="10" y="250"/>
+                  </a:cubicBezTo>
+                  <a:cubicBezTo>
+                    <a:pt x="0" y="263"/>
+                    <a:pt x="0" y="283"/>
+                    <a:pt x="10" y="296"/>
+                  </a:cubicBezTo>
+                  <a:cubicBezTo>
+                    <a:pt x="19" y="306"/>
+                    <a:pt x="27" y="316"/>
+                    <a:pt x="36" y="325"/>
+                  </a:cubicBezTo>
+                  <a:cubicBezTo>
+                    <a:pt x="67" y="358"/>
+                    <a:pt x="101" y="388"/>
+                    <a:pt x="138" y="414"/>
+                  </a:cubicBezTo>
+                  <a:cubicBezTo>
+                    <a:pt x="179" y="444"/>
+                    <a:pt x="223" y="471"/>
+                    <a:pt x="270" y="491"/>
+                  </a:cubicBezTo>
+                  <a:cubicBezTo>
+                    <a:pt x="275" y="494"/>
+                    <a:pt x="331" y="515"/>
+                    <a:pt x="347" y="520"/>
+                  </a:cubicBezTo>
+                  <a:cubicBezTo>
+                    <a:pt x="362" y="524"/>
+                    <a:pt x="377" y="529"/>
+                    <a:pt x="393" y="532"/>
+                  </a:cubicBezTo>
+                  <a:cubicBezTo>
+                    <a:pt x="412" y="536"/>
+                    <a:pt x="431" y="539"/>
+                    <a:pt x="450" y="542"/>
+                  </a:cubicBezTo>
+                  <a:cubicBezTo>
+                    <a:pt x="467" y="544"/>
+                    <a:pt x="483" y="546"/>
+                    <a:pt x="500" y="546"/>
+                  </a:cubicBezTo>
+                  <a:cubicBezTo>
+                    <a:pt x="508" y="547"/>
+                    <a:pt x="516" y="547"/>
+                    <a:pt x="525" y="547"/>
+                  </a:cubicBezTo>
+                  <a:cubicBezTo>
+                    <a:pt x="525" y="547"/>
+                    <a:pt x="525" y="547"/>
+                    <a:pt x="525" y="547"/>
+                  </a:cubicBezTo>
+                  <a:cubicBezTo>
+                    <a:pt x="533" y="547"/>
+                    <a:pt x="541" y="547"/>
+                    <a:pt x="549" y="546"/>
+                  </a:cubicBezTo>
+                  <a:cubicBezTo>
+                    <a:pt x="566" y="546"/>
+                    <a:pt x="582" y="544"/>
+                    <a:pt x="599" y="542"/>
+                  </a:cubicBezTo>
+                  <a:cubicBezTo>
+                    <a:pt x="618" y="539"/>
+                    <a:pt x="637" y="536"/>
+                    <a:pt x="656" y="532"/>
+                  </a:cubicBezTo>
+                  <a:cubicBezTo>
+                    <a:pt x="672" y="529"/>
+                    <a:pt x="687" y="524"/>
+                    <a:pt x="702" y="520"/>
+                  </a:cubicBezTo>
+                  <a:cubicBezTo>
+                    <a:pt x="718" y="515"/>
+                    <a:pt x="774" y="494"/>
+                    <a:pt x="779" y="491"/>
+                  </a:cubicBezTo>
+                  <a:cubicBezTo>
+                    <a:pt x="826" y="471"/>
+                    <a:pt x="870" y="444"/>
+                    <a:pt x="911" y="414"/>
+                  </a:cubicBezTo>
+                  <a:cubicBezTo>
+                    <a:pt x="948" y="388"/>
+                    <a:pt x="982" y="358"/>
+                    <a:pt x="1013" y="325"/>
+                  </a:cubicBezTo>
+                  <a:cubicBezTo>
+                    <a:pt x="1022" y="316"/>
+                    <a:pt x="1031" y="306"/>
+                    <a:pt x="1039" y="296"/>
+                  </a:cubicBezTo>
+                  <a:cubicBezTo>
+                    <a:pt x="1049" y="283"/>
+                    <a:pt x="1049" y="263"/>
+                    <a:pt x="1039" y="250"/>
+                  </a:cubicBezTo>
+                  <a:close/>
+                  <a:moveTo>
+                    <a:pt x="86" y="273"/>
+                  </a:moveTo>
+                  <a:cubicBezTo>
+                    <a:pt x="164" y="193"/>
+                    <a:pt x="254" y="133"/>
+                    <a:pt x="360" y="98"/>
+                  </a:cubicBezTo>
+                  <a:cubicBezTo>
+                    <a:pt x="312" y="147"/>
+                    <a:pt x="286" y="205"/>
+                    <a:pt x="286" y="273"/>
+                  </a:cubicBezTo>
+                  <a:cubicBezTo>
+                    <a:pt x="286" y="342"/>
+                    <a:pt x="312" y="399"/>
+                    <a:pt x="360" y="448"/>
+                  </a:cubicBezTo>
+                  <a:cubicBezTo>
+                    <a:pt x="254" y="414"/>
+                    <a:pt x="164" y="353"/>
+                    <a:pt x="86" y="273"/>
+                  </a:cubicBezTo>
+                  <a:close/>
+                  <a:moveTo>
+                    <a:pt x="525" y="458"/>
+                  </a:moveTo>
+                  <a:cubicBezTo>
+                    <a:pt x="525" y="458"/>
+                    <a:pt x="525" y="458"/>
+                    <a:pt x="525" y="458"/>
+                  </a:cubicBezTo>
+                  <a:cubicBezTo>
+                    <a:pt x="420" y="458"/>
+                    <a:pt x="338" y="371"/>
+                    <a:pt x="340" y="273"/>
+                  </a:cubicBezTo>
+                  <a:cubicBezTo>
+                    <a:pt x="339" y="171"/>
+                    <a:pt x="423" y="91"/>
+                    <a:pt x="518" y="89"/>
+                  </a:cubicBezTo>
+                  <a:cubicBezTo>
+                    <a:pt x="520" y="89"/>
+                    <a:pt x="522" y="89"/>
+                    <a:pt x="525" y="89"/>
+                  </a:cubicBezTo>
+                  <a:cubicBezTo>
+                    <a:pt x="525" y="89"/>
+                    <a:pt x="525" y="89"/>
+                    <a:pt x="525" y="89"/>
+                  </a:cubicBezTo>
+                  <a:cubicBezTo>
+                    <a:pt x="527" y="89"/>
+                    <a:pt x="529" y="89"/>
+                    <a:pt x="531" y="89"/>
+                  </a:cubicBezTo>
+                  <a:cubicBezTo>
+                    <a:pt x="626" y="91"/>
+                    <a:pt x="710" y="171"/>
+                    <a:pt x="709" y="273"/>
+                  </a:cubicBezTo>
+                  <a:cubicBezTo>
+                    <a:pt x="711" y="371"/>
+                    <a:pt x="629" y="458"/>
+                    <a:pt x="525" y="458"/>
+                  </a:cubicBezTo>
+                  <a:close/>
+                  <a:moveTo>
+                    <a:pt x="689" y="448"/>
+                  </a:moveTo>
+                  <a:cubicBezTo>
+                    <a:pt x="737" y="399"/>
+                    <a:pt x="763" y="342"/>
+                    <a:pt x="763" y="273"/>
+                  </a:cubicBezTo>
+                  <a:cubicBezTo>
+                    <a:pt x="763" y="205"/>
+                    <a:pt x="737" y="147"/>
+                    <a:pt x="689" y="98"/>
+                  </a:cubicBezTo>
+                  <a:cubicBezTo>
+                    <a:pt x="795" y="133"/>
+                    <a:pt x="885" y="193"/>
+                    <a:pt x="963" y="273"/>
+                  </a:cubicBezTo>
+                  <a:cubicBezTo>
+                    <a:pt x="885" y="353"/>
+                    <a:pt x="795" y="414"/>
+                    <a:pt x="689" y="448"/>
+                  </a:cubicBezTo>
+                  <a:close/>
+                </a:path>
+              </a:pathLst>
+            </a:custGeom>
+            <a:solidFill>
+              <a:schemeClr val="tx1"/>
+            </a:solidFill>
+            <a:ln>
+              <a:noFill/>
+            </a:ln>
+          </p:spPr>
+          <p:txBody>
+            <a:bodyPr vert="horz" wrap="square" lIns="91440" tIns="45720" rIns="91440" bIns="45720" numCol="1" anchor="t" anchorCtr="0" compatLnSpc="1">
+              <a:prstTxWarp prst="textNoShape">
+                <a:avLst/>
+              </a:prstTxWarp>
+            </a:bodyPr>
+            <a:lstStyle/>
+            <a:p>
+              <a:endParaRPr lang="en-US" dirty="0"/>
+            </a:p>
+          </p:txBody>
+        </p:sp>
+      </p:grpSp>
+      <p:sp>
+        <p:nvSpPr>
+          <p:cNvPr id="13" name="TextBox 12">
+            <a:extLst>
+              <a:ext uri="{FF2B5EF4-FFF2-40B4-BE49-F238E27FC236}">
+                <a16:creationId xmlns="" xmlns:a16="http://schemas.microsoft.com/office/drawing/2014/main" id="{8016977A-112F-4154-95F5-0608714FBFEE}"/>
+              </a:ext>
+            </a:extLst>
+          </p:cNvPr>
+          <p:cNvSpPr txBox="1"/>
+          <p:nvPr/>
+        </p:nvSpPr>
+        <p:spPr>
+          <a:xfrm>
+            <a:off x="4572000" y="2004336"/>
+            <a:ext cx="4114800" cy="1631216"/>
+          </a:xfrm>
+          <a:prstGeom prst="rect">
+            <a:avLst/>
+          </a:prstGeom>
+        </p:spPr>
+        <p:style>
+          <a:lnRef idx="0">
+            <a:schemeClr val="accent1"/>
+          </a:lnRef>
+          <a:fillRef idx="3">
+            <a:schemeClr val="accent1"/>
+          </a:fillRef>
+          <a:effectRef idx="3">
+            <a:schemeClr val="accent1"/>
+          </a:effectRef>
+          <a:fontRef idx="minor">
+            <a:schemeClr val="lt1"/>
+          </a:fontRef>
+        </p:style>
+        <p:txBody>
+          <a:bodyPr wrap="square" rtlCol="0">
+            <a:spAutoFit/>
+          </a:bodyPr>
+          <a:lstStyle/>
+          <a:p>
+            <a:pPr lvl="0">
+              <a:defRPr/>
+            </a:pPr>
+            <a:r>
+              <a:rPr lang="en-US" sz="2000" dirty="0" smtClean="0">
+                <a:latin typeface="Open Sans" panose="020B0606030504020204" pitchFamily="34" charset="0"/>
+              </a:rPr>
+              <a:t>To </a:t>
+            </a:r>
+            <a:r>
+              <a:rPr lang="en-US" sz="2000" dirty="0">
+                <a:latin typeface="Open Sans" panose="020B0606030504020204" pitchFamily="34" charset="0"/>
+              </a:rPr>
+              <a:t>become a trustworthy partner to </a:t>
+            </a:r>
+            <a:r>
+              <a:rPr lang="en-US" sz="2000" dirty="0" smtClean="0">
+                <a:latin typeface="Open Sans" panose="020B0606030504020204" pitchFamily="34" charset="0"/>
+              </a:rPr>
+              <a:t>the global </a:t>
+            </a:r>
+            <a:r>
+              <a:rPr lang="en-US" sz="2000" dirty="0">
+                <a:latin typeface="Open Sans" panose="020B0606030504020204" pitchFamily="34" charset="0"/>
+              </a:rPr>
+              <a:t>business leaders / education </a:t>
+            </a:r>
+            <a:r>
+              <a:rPr lang="en-US" sz="2000" dirty="0" smtClean="0">
+                <a:latin typeface="Open Sans" panose="020B0606030504020204" pitchFamily="34" charset="0"/>
+              </a:rPr>
+              <a:t>institutions to </a:t>
+            </a:r>
+            <a:r>
+              <a:rPr lang="en-US" sz="2000" dirty="0">
+                <a:latin typeface="Open Sans" panose="020B0606030504020204" pitchFamily="34" charset="0"/>
+              </a:rPr>
+              <a:t>upgrade the technical skillset of their </a:t>
+            </a:r>
+            <a:r>
+              <a:rPr lang="en-US" sz="2000" dirty="0" smtClean="0">
+                <a:latin typeface="Open Sans" panose="020B0606030504020204" pitchFamily="34" charset="0"/>
+              </a:rPr>
+              <a:t>human </a:t>
+            </a:r>
+            <a:r>
+              <a:rPr lang="en-US" sz="2000" dirty="0">
+                <a:latin typeface="Open Sans" panose="020B0606030504020204" pitchFamily="34" charset="0"/>
+              </a:rPr>
+              <a:t>resources</a:t>
+            </a:r>
+            <a:endParaRPr kumimoji="0" lang="en-GB" sz="2000" i="0" u="none" strike="noStrike" kern="1200" cap="none" spc="0" normalizeH="0" baseline="0" noProof="0" dirty="0">
+              <a:ln>
+                <a:noFill/>
+              </a:ln>
+              <a:effectLst/>
+              <a:uLnTx/>
+              <a:uFillTx/>
+              <a:latin typeface="Noto Sans" panose="020B0502040504020204" pitchFamily="34"/>
+              <a:ea typeface="Noto Sans" panose="020B0502040504020204" pitchFamily="34"/>
+              <a:cs typeface="Noto Sans" panose="020B0502040504020204" pitchFamily="34"/>
+            </a:endParaRPr>
+          </a:p>
+        </p:txBody>
+      </p:sp>
+      <p:sp>
+        <p:nvSpPr>
+          <p:cNvPr id="14" name="Oval 13">
+            <a:extLst>
+              <a:ext uri="{FF2B5EF4-FFF2-40B4-BE49-F238E27FC236}">
+                <a16:creationId xmlns="" xmlns:a16="http://schemas.microsoft.com/office/drawing/2014/main" id="{D9910EDC-8DAE-4076-ADE4-51A7C782CC59}"/>
+              </a:ext>
+            </a:extLst>
+          </p:cNvPr>
+          <p:cNvSpPr/>
+          <p:nvPr/>
+        </p:nvSpPr>
+        <p:spPr>
+          <a:xfrm>
+            <a:off x="1425425" y="4875149"/>
+            <a:ext cx="2360682" cy="312636"/>
           </a:xfrm>
           <a:prstGeom prst="ellipse">
             <a:avLst/>
           </a:prstGeom>
           <a:solidFill>
             <a:schemeClr val="tx2">
-              <a:alpha val="40000"/>
+              <a:alpha val="10000"/>
+            </a:schemeClr>
+          </a:solidFill>
+          <a:ln>
+            <a:noFill/>
+          </a:ln>
+        </p:spPr>
+        <p:style>
+          <a:lnRef idx="2">
+            <a:schemeClr val="accent1">
+              <a:shade val="50000"/>
+            </a:schemeClr>
+          </a:lnRef>
+          <a:fillRef idx="1">
+            <a:schemeClr val="accent1"/>
+          </a:fillRef>
+          <a:effectRef idx="0">
+            <a:schemeClr val="accent1"/>
+          </a:effectRef>
+          <a:fontRef idx="minor">
+            <a:schemeClr val="lt1"/>
+          </a:fontRef>
+        </p:style>
+        <p:txBody>
+          <a:bodyPr rtlCol="0" anchor="ctr"/>
+          <a:lstStyle/>
+          <a:p>
+            <a:pPr algn="ctr"/>
+            <a:endParaRPr lang="en-US" dirty="0"/>
+          </a:p>
+        </p:txBody>
+      </p:sp>
+      <p:sp>
+        <p:nvSpPr>
+          <p:cNvPr id="16" name="TextBox 15">
+            <a:extLst>
+              <a:ext uri="{FF2B5EF4-FFF2-40B4-BE49-F238E27FC236}">
+                <a16:creationId xmlns="" xmlns:a16="http://schemas.microsoft.com/office/drawing/2014/main" id="{04DAF261-087E-4B2B-AC75-A2F8F1966964}"/>
+              </a:ext>
+            </a:extLst>
+          </p:cNvPr>
+          <p:cNvSpPr txBox="1"/>
+          <p:nvPr/>
+        </p:nvSpPr>
+        <p:spPr>
+          <a:xfrm>
+            <a:off x="0" y="6292734"/>
+            <a:ext cx="9144000" cy="369332"/>
+          </a:xfrm>
+          <a:prstGeom prst="rect">
+            <a:avLst/>
+          </a:prstGeom>
+          <a:noFill/>
+        </p:spPr>
+        <p:txBody>
+          <a:bodyPr wrap="square" rtlCol="0">
+            <a:spAutoFit/>
+          </a:bodyPr>
+          <a:lstStyle/>
+          <a:p>
+            <a:pPr marL="0" marR="0" lvl="0" indent="0" algn="ctr" defTabSz="914400" rtl="0" eaLnBrk="1" fontAlgn="auto" latinLnBrk="0" hangingPunct="1">
+              <a:lnSpc>
+                <a:spcPct val="100000"/>
+              </a:lnSpc>
+              <a:spcBef>
+                <a:spcPts val="0"/>
+              </a:spcBef>
+              <a:spcAft>
+                <a:spcPts val="0"/>
+              </a:spcAft>
+              <a:buClrTx/>
+              <a:buSzTx/>
+              <a:buFontTx/>
+              <a:buNone/>
+              <a:tabLst/>
+              <a:defRPr/>
+            </a:pPr>
+            <a:r>
+              <a:rPr kumimoji="0" lang="en-GB" sz="1800" b="0" i="0" u="none" strike="noStrike" kern="1200" cap="none" spc="0" normalizeH="0" baseline="0" noProof="0" dirty="0">
+                <a:ln>
+                  <a:noFill/>
+                </a:ln>
+                <a:solidFill>
+                  <a:schemeClr val="bg1">
+                    <a:lumMod val="65000"/>
+                  </a:schemeClr>
+                </a:solidFill>
+                <a:effectLst/>
+                <a:uLnTx/>
+                <a:uFillTx/>
+                <a:latin typeface="Noto Sans" panose="020B0502040504020204" pitchFamily="34"/>
+                <a:ea typeface="Noto Sans" panose="020B0502040504020204" pitchFamily="34"/>
+                <a:cs typeface="Noto Sans" panose="020B0502040504020204" pitchFamily="34"/>
+              </a:rPr>
+              <a:t>www.yourwebsite.com</a:t>
+            </a:r>
+          </a:p>
+        </p:txBody>
+      </p:sp>
+    </p:spTree>
+    <p:extLst>
+      <p:ext uri="{BB962C8B-B14F-4D97-AF65-F5344CB8AC3E}">
+        <p14:creationId xmlns:p14="http://schemas.microsoft.com/office/powerpoint/2010/main" val="1082790314"/>
+      </p:ext>
+    </p:extLst>
+  </p:cSld>
+  <p:clrMapOvr>
+    <a:masterClrMapping/>
+  </p:clrMapOvr>
+  <p:timing>
+    <p:tnLst>
+      <p:par>
+        <p:cTn id="1" dur="indefinite" restart="never" nodeType="tmRoot"/>
+      </p:par>
+    </p:tnLst>
+  </p:timing>
+</p:sld>
+</file>
+
+<file path=ppt/slides/slide3.xml><?xml version="1.0" encoding="utf-8"?>
+<p:sld xmlns:a="http://schemas.openxmlformats.org/drawingml/2006/main" xmlns:r="http://schemas.openxmlformats.org/officeDocument/2006/relationships" xmlns:p="http://schemas.openxmlformats.org/presentationml/2006/main">
+  <p:cSld>
+    <p:spTree>
+      <p:nvGrpSpPr>
+        <p:cNvPr id="1" name=""/>
+        <p:cNvGrpSpPr/>
+        <p:nvPr/>
+      </p:nvGrpSpPr>
+      <p:grpSpPr>
+        <a:xfrm>
+          <a:off x="0" y="0"/>
+          <a:ext cx="0" cy="0"/>
+          <a:chOff x="0" y="0"/>
+          <a:chExt cx="0" cy="0"/>
+        </a:xfrm>
+      </p:grpSpPr>
+      <p:sp>
+        <p:nvSpPr>
+          <p:cNvPr id="238" name="Title 1"/>
+          <p:cNvSpPr txBox="1">
+            <a:spLocks/>
+          </p:cNvSpPr>
+          <p:nvPr/>
+        </p:nvSpPr>
+        <p:spPr>
+          <a:xfrm>
+            <a:off x="457200" y="274638"/>
+            <a:ext cx="8229600" cy="1143000"/>
+          </a:xfrm>
+          <a:prstGeom prst="rect">
+            <a:avLst/>
+          </a:prstGeom>
+          <a:ln>
+            <a:noFill/>
+          </a:ln>
+        </p:spPr>
+        <p:txBody>
+          <a:bodyPr>
+            <a:normAutofit/>
+          </a:bodyPr>
+          <a:lstStyle/>
+          <a:p>
+            <a:pPr marL="0" marR="0" lvl="0" indent="0" algn="ctr" defTabSz="914400" rtl="0" eaLnBrk="1" fontAlgn="auto" latinLnBrk="0" hangingPunct="1">
+              <a:lnSpc>
+                <a:spcPct val="100000"/>
+              </a:lnSpc>
+              <a:spcBef>
+                <a:spcPct val="0"/>
+              </a:spcBef>
+              <a:spcAft>
+                <a:spcPts val="0"/>
+              </a:spcAft>
+              <a:buClrTx/>
+              <a:buSzTx/>
+              <a:buFontTx/>
+              <a:buNone/>
+              <a:tabLst/>
+              <a:defRPr/>
+            </a:pPr>
+            <a:r>
+              <a:rPr kumimoji="0" lang="en-US" sz="4400" b="0" i="0" u="none" strike="noStrike" kern="1200" cap="none" spc="0" normalizeH="0" baseline="0" noProof="0" dirty="0" smtClean="0">
+                <a:ln>
+                  <a:noFill/>
+                </a:ln>
+                <a:solidFill>
+                  <a:schemeClr val="bg1"/>
+                </a:solidFill>
+                <a:effectLst/>
+                <a:uLnTx/>
+                <a:uFillTx/>
+                <a:latin typeface="+mj-lt"/>
+                <a:ea typeface="+mj-ea"/>
+                <a:cs typeface="+mj-cs"/>
+              </a:rPr>
+              <a:t>Goal</a:t>
+            </a:r>
+            <a:endParaRPr kumimoji="0" lang="en-US" sz="4400" b="0" i="0" u="none" strike="noStrike" kern="1200" cap="none" spc="0" normalizeH="0" baseline="0" noProof="0" dirty="0" smtClean="0">
+              <a:ln>
+                <a:noFill/>
+              </a:ln>
+              <a:solidFill>
+                <a:schemeClr val="bg1"/>
+              </a:solidFill>
+              <a:effectLst/>
+              <a:uLnTx/>
+              <a:uFillTx/>
+              <a:latin typeface="+mj-lt"/>
+              <a:ea typeface="+mj-ea"/>
+              <a:cs typeface="+mj-cs"/>
+            </a:endParaRPr>
+          </a:p>
+        </p:txBody>
+      </p:sp>
+      <p:cxnSp>
+        <p:nvCxnSpPr>
+          <p:cNvPr id="240" name="Straight Connector 239"/>
+          <p:cNvCxnSpPr/>
+          <p:nvPr/>
+        </p:nvCxnSpPr>
+        <p:spPr>
+          <a:xfrm>
+            <a:off x="0" y="1447800"/>
+            <a:ext cx="9144000" cy="1588"/>
+          </a:xfrm>
+          <a:prstGeom prst="line">
+            <a:avLst/>
+          </a:prstGeom>
+        </p:spPr>
+        <p:style>
+          <a:lnRef idx="1">
+            <a:schemeClr val="accent1"/>
+          </a:lnRef>
+          <a:fillRef idx="0">
+            <a:schemeClr val="accent1"/>
+          </a:fillRef>
+          <a:effectRef idx="0">
+            <a:schemeClr val="accent1"/>
+          </a:effectRef>
+          <a:fontRef idx="minor">
+            <a:schemeClr val="tx1"/>
+          </a:fontRef>
+        </p:style>
+      </p:cxnSp>
+      <p:pic>
+        <p:nvPicPr>
+          <p:cNvPr id="6" name="Picture 9" descr="C:\Users\hi\Desktop\1.png"/>
+          <p:cNvPicPr>
+            <a:picLocks noChangeAspect="1" noChangeArrowheads="1"/>
+          </p:cNvPicPr>
+          <p:nvPr/>
+        </p:nvPicPr>
+        <p:blipFill>
+          <a:blip r:embed="rId2"/>
+          <a:srcRect/>
+          <a:stretch>
+            <a:fillRect/>
+          </a:stretch>
+        </p:blipFill>
+        <p:spPr bwMode="auto">
+          <a:xfrm>
+            <a:off x="7772402" y="5867404"/>
+            <a:ext cx="523875" cy="523875"/>
+          </a:xfrm>
+          <a:prstGeom prst="rect">
+            <a:avLst/>
+          </a:prstGeom>
+          <a:noFill/>
+        </p:spPr>
+      </p:pic>
+      <p:pic>
+        <p:nvPicPr>
+          <p:cNvPr id="7" name="Picture 10" descr="C:\Users\hi\Desktop\2.png"/>
+          <p:cNvPicPr>
+            <a:picLocks noChangeAspect="1" noChangeArrowheads="1"/>
+          </p:cNvPicPr>
+          <p:nvPr/>
+        </p:nvPicPr>
+        <p:blipFill>
+          <a:blip r:embed="rId3"/>
+          <a:srcRect/>
+          <a:stretch>
+            <a:fillRect/>
+          </a:stretch>
+        </p:blipFill>
+        <p:spPr bwMode="auto">
+          <a:xfrm>
+            <a:off x="6096000" y="6353179"/>
+            <a:ext cx="2324100" cy="504825"/>
+          </a:xfrm>
+          <a:prstGeom prst="rect">
+            <a:avLst/>
+          </a:prstGeom>
+          <a:noFill/>
+        </p:spPr>
+      </p:pic>
+      <p:sp>
+        <p:nvSpPr>
+          <p:cNvPr id="13" name="TextBox 12">
+            <a:extLst>
+              <a:ext uri="{FF2B5EF4-FFF2-40B4-BE49-F238E27FC236}">
+                <a16:creationId xmlns="" xmlns:a16="http://schemas.microsoft.com/office/drawing/2014/main" id="{8016977A-112F-4154-95F5-0608714FBFEE}"/>
+              </a:ext>
+            </a:extLst>
+          </p:cNvPr>
+          <p:cNvSpPr txBox="1"/>
+          <p:nvPr/>
+        </p:nvSpPr>
+        <p:spPr>
+          <a:xfrm>
+            <a:off x="4572000" y="2004336"/>
+            <a:ext cx="4114800" cy="2246769"/>
+          </a:xfrm>
+          <a:prstGeom prst="rect">
+            <a:avLst/>
+          </a:prstGeom>
+          <a:ln/>
+        </p:spPr>
+        <p:style>
+          <a:lnRef idx="0">
+            <a:schemeClr val="accent1"/>
+          </a:lnRef>
+          <a:fillRef idx="3">
+            <a:schemeClr val="accent1"/>
+          </a:fillRef>
+          <a:effectRef idx="3">
+            <a:schemeClr val="accent1"/>
+          </a:effectRef>
+          <a:fontRef idx="minor">
+            <a:schemeClr val="lt1"/>
+          </a:fontRef>
+        </p:style>
+        <p:txBody>
+          <a:bodyPr wrap="square" rtlCol="0">
+            <a:spAutoFit/>
+          </a:bodyPr>
+          <a:lstStyle/>
+          <a:p>
+            <a:pPr lvl="0">
+              <a:defRPr/>
+            </a:pPr>
+            <a:r>
+              <a:rPr lang="en-US" sz="2000" dirty="0">
+                <a:latin typeface="Open Sans" panose="020B0606030504020204" pitchFamily="34" charset="0"/>
+              </a:rPr>
+              <a:t>Our  mission is to empower every computer graduate / working professional </a:t>
+            </a:r>
+            <a:r>
+              <a:rPr lang="en-US" sz="2000" dirty="0" smtClean="0">
+                <a:latin typeface="Open Sans" panose="020B0606030504020204" pitchFamily="34" charset="0"/>
+              </a:rPr>
+              <a:t>in </a:t>
+            </a:r>
+            <a:r>
+              <a:rPr lang="en-US" sz="2000" dirty="0">
+                <a:latin typeface="Open Sans" panose="020B0606030504020204" pitchFamily="34" charset="0"/>
+              </a:rPr>
+              <a:t>this rapid changing </a:t>
+            </a:r>
+            <a:r>
+              <a:rPr lang="en-US" sz="2000" dirty="0" smtClean="0">
+                <a:latin typeface="Open Sans" panose="020B0606030504020204" pitchFamily="34" charset="0"/>
+              </a:rPr>
+              <a:t>competitive </a:t>
+            </a:r>
+            <a:r>
+              <a:rPr lang="en-US" sz="2000" dirty="0">
+                <a:latin typeface="Open Sans" panose="020B0606030504020204" pitchFamily="34" charset="0"/>
+              </a:rPr>
+              <a:t>world, with the ability to </a:t>
+            </a:r>
+            <a:r>
+              <a:rPr lang="en-US" sz="2000" dirty="0" smtClean="0">
+                <a:latin typeface="Open Sans" panose="020B0606030504020204" pitchFamily="34" charset="0"/>
+              </a:rPr>
+              <a:t>solve the </a:t>
+            </a:r>
+            <a:r>
+              <a:rPr lang="en-US" sz="2000" dirty="0">
+                <a:latin typeface="Open Sans" panose="020B0606030504020204" pitchFamily="34" charset="0"/>
+              </a:rPr>
+              <a:t>business problems using the advanced AI and ML technologies.</a:t>
+            </a:r>
+            <a:endParaRPr kumimoji="0" lang="en-GB" sz="2000" i="0" u="none" strike="noStrike" kern="1200" cap="none" spc="0" normalizeH="0" baseline="0" noProof="0" dirty="0">
+              <a:ln>
+                <a:noFill/>
+              </a:ln>
+              <a:effectLst/>
+              <a:uLnTx/>
+              <a:uFillTx/>
+              <a:latin typeface="Noto Sans" panose="020B0502040504020204" pitchFamily="34"/>
+              <a:ea typeface="Noto Sans" panose="020B0502040504020204" pitchFamily="34"/>
+              <a:cs typeface="Noto Sans" panose="020B0502040504020204" pitchFamily="34"/>
+            </a:endParaRPr>
+          </a:p>
+        </p:txBody>
+      </p:sp>
+      <p:sp>
+        <p:nvSpPr>
+          <p:cNvPr id="14" name="Oval 13">
+            <a:extLst>
+              <a:ext uri="{FF2B5EF4-FFF2-40B4-BE49-F238E27FC236}">
+                <a16:creationId xmlns="" xmlns:a16="http://schemas.microsoft.com/office/drawing/2014/main" id="{D9910EDC-8DAE-4076-ADE4-51A7C782CC59}"/>
+              </a:ext>
+            </a:extLst>
+          </p:cNvPr>
+          <p:cNvSpPr/>
+          <p:nvPr/>
+        </p:nvSpPr>
+        <p:spPr>
+          <a:xfrm>
+            <a:off x="1425425" y="4875149"/>
+            <a:ext cx="2360682" cy="312636"/>
+          </a:xfrm>
+          <a:prstGeom prst="ellipse">
+            <a:avLst/>
+          </a:prstGeom>
+          <a:solidFill>
+            <a:schemeClr val="tx2">
+              <a:alpha val="10000"/>
+            </a:schemeClr>
+          </a:solidFill>
+          <a:ln>
+            <a:noFill/>
+          </a:ln>
+        </p:spPr>
+        <p:style>
+          <a:lnRef idx="2">
+            <a:schemeClr val="accent1">
+              <a:shade val="50000"/>
+            </a:schemeClr>
+          </a:lnRef>
+          <a:fillRef idx="1">
+            <a:schemeClr val="accent1"/>
+          </a:fillRef>
+          <a:effectRef idx="0">
+            <a:schemeClr val="accent1"/>
+          </a:effectRef>
+          <a:fontRef idx="minor">
+            <a:schemeClr val="lt1"/>
+          </a:fontRef>
+        </p:style>
+        <p:txBody>
+          <a:bodyPr rtlCol="0" anchor="ctr"/>
+          <a:lstStyle/>
+          <a:p>
+            <a:pPr algn="ctr"/>
+            <a:endParaRPr lang="en-US" dirty="0"/>
+          </a:p>
+        </p:txBody>
+      </p:sp>
+      <p:sp>
+        <p:nvSpPr>
+          <p:cNvPr id="16" name="TextBox 15">
+            <a:extLst>
+              <a:ext uri="{FF2B5EF4-FFF2-40B4-BE49-F238E27FC236}">
+                <a16:creationId xmlns="" xmlns:a16="http://schemas.microsoft.com/office/drawing/2014/main" id="{04DAF261-087E-4B2B-AC75-A2F8F1966964}"/>
+              </a:ext>
+            </a:extLst>
+          </p:cNvPr>
+          <p:cNvSpPr txBox="1"/>
+          <p:nvPr/>
+        </p:nvSpPr>
+        <p:spPr>
+          <a:xfrm>
+            <a:off x="0" y="6292734"/>
+            <a:ext cx="9144000" cy="369332"/>
+          </a:xfrm>
+          <a:prstGeom prst="rect">
+            <a:avLst/>
+          </a:prstGeom>
+          <a:noFill/>
+        </p:spPr>
+        <p:txBody>
+          <a:bodyPr wrap="square" rtlCol="0">
+            <a:spAutoFit/>
+          </a:bodyPr>
+          <a:lstStyle/>
+          <a:p>
+            <a:pPr marL="0" marR="0" lvl="0" indent="0" algn="ctr" defTabSz="914400" rtl="0" eaLnBrk="1" fontAlgn="auto" latinLnBrk="0" hangingPunct="1">
+              <a:lnSpc>
+                <a:spcPct val="100000"/>
+              </a:lnSpc>
+              <a:spcBef>
+                <a:spcPts val="0"/>
+              </a:spcBef>
+              <a:spcAft>
+                <a:spcPts val="0"/>
+              </a:spcAft>
+              <a:buClrTx/>
+              <a:buSzTx/>
+              <a:buFontTx/>
+              <a:buNone/>
+              <a:tabLst/>
+              <a:defRPr/>
+            </a:pPr>
+            <a:r>
+              <a:rPr kumimoji="0" lang="en-GB" sz="1800" b="0" i="0" u="none" strike="noStrike" kern="1200" cap="none" spc="0" normalizeH="0" baseline="0" noProof="0" dirty="0">
+                <a:ln>
+                  <a:noFill/>
+                </a:ln>
+                <a:solidFill>
+                  <a:schemeClr val="bg1">
+                    <a:lumMod val="65000"/>
+                  </a:schemeClr>
+                </a:solidFill>
+                <a:effectLst/>
+                <a:uLnTx/>
+                <a:uFillTx/>
+                <a:latin typeface="Noto Sans" panose="020B0502040504020204" pitchFamily="34"/>
+                <a:ea typeface="Noto Sans" panose="020B0502040504020204" pitchFamily="34"/>
+                <a:cs typeface="Noto Sans" panose="020B0502040504020204" pitchFamily="34"/>
+              </a:rPr>
+              <a:t>www.yourwebsite.com</a:t>
+            </a:r>
+          </a:p>
+        </p:txBody>
+      </p:sp>
+      <p:grpSp>
+        <p:nvGrpSpPr>
+          <p:cNvPr id="20" name="Group 19"/>
+          <p:cNvGrpSpPr/>
+          <p:nvPr/>
+        </p:nvGrpSpPr>
+        <p:grpSpPr>
+          <a:xfrm>
+            <a:off x="378175" y="2129517"/>
+            <a:ext cx="3508025" cy="3231560"/>
+            <a:chOff x="1111250" y="2736547"/>
+            <a:chExt cx="3473207" cy="3016554"/>
+          </a:xfrm>
+        </p:grpSpPr>
+        <p:sp>
+          <p:nvSpPr>
+            <p:cNvPr id="21" name="Freeform 20"/>
+            <p:cNvSpPr>
+              <a:spLocks/>
+            </p:cNvSpPr>
+            <p:nvPr/>
+          </p:nvSpPr>
+          <p:spPr bwMode="auto">
+            <a:xfrm>
+              <a:off x="1199068" y="3392988"/>
+              <a:ext cx="3385389" cy="2360113"/>
+            </a:xfrm>
+            <a:custGeom>
+              <a:avLst/>
+              <a:gdLst>
+                <a:gd name="T0" fmla="*/ 642 w 768"/>
+                <a:gd name="T1" fmla="*/ 101 h 535"/>
+                <a:gd name="T2" fmla="*/ 603 w 768"/>
+                <a:gd name="T3" fmla="*/ 72 h 535"/>
+                <a:gd name="T4" fmla="*/ 768 w 768"/>
+                <a:gd name="T5" fmla="*/ 0 h 535"/>
+                <a:gd name="T6" fmla="*/ 748 w 768"/>
+                <a:gd name="T7" fmla="*/ 179 h 535"/>
+                <a:gd name="T8" fmla="*/ 728 w 768"/>
+                <a:gd name="T9" fmla="*/ 165 h 535"/>
+                <a:gd name="T10" fmla="*/ 711 w 768"/>
+                <a:gd name="T11" fmla="*/ 152 h 535"/>
+                <a:gd name="T12" fmla="*/ 706 w 768"/>
+                <a:gd name="T13" fmla="*/ 153 h 535"/>
+                <a:gd name="T14" fmla="*/ 634 w 768"/>
+                <a:gd name="T15" fmla="*/ 247 h 535"/>
+                <a:gd name="T16" fmla="*/ 560 w 768"/>
+                <a:gd name="T17" fmla="*/ 343 h 535"/>
+                <a:gd name="T18" fmla="*/ 548 w 768"/>
+                <a:gd name="T19" fmla="*/ 359 h 535"/>
+                <a:gd name="T20" fmla="*/ 540 w 768"/>
+                <a:gd name="T21" fmla="*/ 364 h 535"/>
+                <a:gd name="T22" fmla="*/ 480 w 768"/>
+                <a:gd name="T23" fmla="*/ 372 h 535"/>
+                <a:gd name="T24" fmla="*/ 430 w 768"/>
+                <a:gd name="T25" fmla="*/ 380 h 535"/>
+                <a:gd name="T26" fmla="*/ 365 w 768"/>
+                <a:gd name="T27" fmla="*/ 389 h 535"/>
+                <a:gd name="T28" fmla="*/ 318 w 768"/>
+                <a:gd name="T29" fmla="*/ 406 h 535"/>
+                <a:gd name="T30" fmla="*/ 257 w 768"/>
+                <a:gd name="T31" fmla="*/ 433 h 535"/>
+                <a:gd name="T32" fmla="*/ 190 w 768"/>
+                <a:gd name="T33" fmla="*/ 464 h 535"/>
+                <a:gd name="T34" fmla="*/ 131 w 768"/>
+                <a:gd name="T35" fmla="*/ 491 h 535"/>
+                <a:gd name="T36" fmla="*/ 78 w 768"/>
+                <a:gd name="T37" fmla="*/ 515 h 535"/>
+                <a:gd name="T38" fmla="*/ 37 w 768"/>
+                <a:gd name="T39" fmla="*/ 534 h 535"/>
+                <a:gd name="T40" fmla="*/ 32 w 768"/>
+                <a:gd name="T41" fmla="*/ 532 h 535"/>
+                <a:gd name="T42" fmla="*/ 1 w 768"/>
+                <a:gd name="T43" fmla="*/ 465 h 535"/>
+                <a:gd name="T44" fmla="*/ 3 w 768"/>
+                <a:gd name="T45" fmla="*/ 459 h 535"/>
+                <a:gd name="T46" fmla="*/ 70 w 768"/>
+                <a:gd name="T47" fmla="*/ 428 h 535"/>
+                <a:gd name="T48" fmla="*/ 121 w 768"/>
+                <a:gd name="T49" fmla="*/ 405 h 535"/>
+                <a:gd name="T50" fmla="*/ 203 w 768"/>
+                <a:gd name="T51" fmla="*/ 368 h 535"/>
+                <a:gd name="T52" fmla="*/ 294 w 768"/>
+                <a:gd name="T53" fmla="*/ 326 h 535"/>
+                <a:gd name="T54" fmla="*/ 319 w 768"/>
+                <a:gd name="T55" fmla="*/ 315 h 535"/>
+                <a:gd name="T56" fmla="*/ 341 w 768"/>
+                <a:gd name="T57" fmla="*/ 310 h 535"/>
+                <a:gd name="T58" fmla="*/ 397 w 768"/>
+                <a:gd name="T59" fmla="*/ 301 h 535"/>
+                <a:gd name="T60" fmla="*/ 447 w 768"/>
+                <a:gd name="T61" fmla="*/ 294 h 535"/>
+                <a:gd name="T62" fmla="*/ 498 w 768"/>
+                <a:gd name="T63" fmla="*/ 286 h 535"/>
+                <a:gd name="T64" fmla="*/ 502 w 768"/>
+                <a:gd name="T65" fmla="*/ 283 h 535"/>
+                <a:gd name="T66" fmla="*/ 556 w 768"/>
+                <a:gd name="T67" fmla="*/ 214 h 535"/>
+                <a:gd name="T68" fmla="*/ 626 w 768"/>
+                <a:gd name="T69" fmla="*/ 122 h 535"/>
+                <a:gd name="T70" fmla="*/ 642 w 768"/>
+                <a:gd name="T71" fmla="*/ 101 h 535"/>
+              </a:gdLst>
+              <a:ahLst/>
+              <a:cxnLst>
+                <a:cxn ang="0">
+                  <a:pos x="T0" y="T1"/>
+                </a:cxn>
+                <a:cxn ang="0">
+                  <a:pos x="T2" y="T3"/>
+                </a:cxn>
+                <a:cxn ang="0">
+                  <a:pos x="T4" y="T5"/>
+                </a:cxn>
+                <a:cxn ang="0">
+                  <a:pos x="T6" y="T7"/>
+                </a:cxn>
+                <a:cxn ang="0">
+                  <a:pos x="T8" y="T9"/>
+                </a:cxn>
+                <a:cxn ang="0">
+                  <a:pos x="T10" y="T11"/>
+                </a:cxn>
+                <a:cxn ang="0">
+                  <a:pos x="T12" y="T13"/>
+                </a:cxn>
+                <a:cxn ang="0">
+                  <a:pos x="T14" y="T15"/>
+                </a:cxn>
+                <a:cxn ang="0">
+                  <a:pos x="T16" y="T17"/>
+                </a:cxn>
+                <a:cxn ang="0">
+                  <a:pos x="T18" y="T19"/>
+                </a:cxn>
+                <a:cxn ang="0">
+                  <a:pos x="T20" y="T21"/>
+                </a:cxn>
+                <a:cxn ang="0">
+                  <a:pos x="T22" y="T23"/>
+                </a:cxn>
+                <a:cxn ang="0">
+                  <a:pos x="T24" y="T25"/>
+                </a:cxn>
+                <a:cxn ang="0">
+                  <a:pos x="T26" y="T27"/>
+                </a:cxn>
+                <a:cxn ang="0">
+                  <a:pos x="T28" y="T29"/>
+                </a:cxn>
+                <a:cxn ang="0">
+                  <a:pos x="T30" y="T31"/>
+                </a:cxn>
+                <a:cxn ang="0">
+                  <a:pos x="T32" y="T33"/>
+                </a:cxn>
+                <a:cxn ang="0">
+                  <a:pos x="T34" y="T35"/>
+                </a:cxn>
+                <a:cxn ang="0">
+                  <a:pos x="T36" y="T37"/>
+                </a:cxn>
+                <a:cxn ang="0">
+                  <a:pos x="T38" y="T39"/>
+                </a:cxn>
+                <a:cxn ang="0">
+                  <a:pos x="T40" y="T41"/>
+                </a:cxn>
+                <a:cxn ang="0">
+                  <a:pos x="T42" y="T43"/>
+                </a:cxn>
+                <a:cxn ang="0">
+                  <a:pos x="T44" y="T45"/>
+                </a:cxn>
+                <a:cxn ang="0">
+                  <a:pos x="T46" y="T47"/>
+                </a:cxn>
+                <a:cxn ang="0">
+                  <a:pos x="T48" y="T49"/>
+                </a:cxn>
+                <a:cxn ang="0">
+                  <a:pos x="T50" y="T51"/>
+                </a:cxn>
+                <a:cxn ang="0">
+                  <a:pos x="T52" y="T53"/>
+                </a:cxn>
+                <a:cxn ang="0">
+                  <a:pos x="T54" y="T55"/>
+                </a:cxn>
+                <a:cxn ang="0">
+                  <a:pos x="T56" y="T57"/>
+                </a:cxn>
+                <a:cxn ang="0">
+                  <a:pos x="T58" y="T59"/>
+                </a:cxn>
+                <a:cxn ang="0">
+                  <a:pos x="T60" y="T61"/>
+                </a:cxn>
+                <a:cxn ang="0">
+                  <a:pos x="T62" y="T63"/>
+                </a:cxn>
+                <a:cxn ang="0">
+                  <a:pos x="T64" y="T65"/>
+                </a:cxn>
+                <a:cxn ang="0">
+                  <a:pos x="T66" y="T67"/>
+                </a:cxn>
+                <a:cxn ang="0">
+                  <a:pos x="T68" y="T69"/>
+                </a:cxn>
+                <a:cxn ang="0">
+                  <a:pos x="T70" y="T71"/>
+                </a:cxn>
+              </a:cxnLst>
+              <a:rect l="0" t="0" r="r" b="b"/>
+              <a:pathLst>
+                <a:path w="768" h="535">
+                  <a:moveTo>
+                    <a:pt x="642" y="101"/>
+                  </a:moveTo>
+                  <a:cubicBezTo>
+                    <a:pt x="629" y="91"/>
+                    <a:pt x="616" y="82"/>
+                    <a:pt x="603" y="72"/>
+                  </a:cubicBezTo>
+                  <a:cubicBezTo>
+                    <a:pt x="658" y="48"/>
+                    <a:pt x="713" y="24"/>
+                    <a:pt x="768" y="0"/>
+                  </a:cubicBezTo>
+                  <a:cubicBezTo>
+                    <a:pt x="761" y="60"/>
+                    <a:pt x="755" y="119"/>
+                    <a:pt x="748" y="179"/>
+                  </a:cubicBezTo>
+                  <a:cubicBezTo>
+                    <a:pt x="741" y="174"/>
+                    <a:pt x="734" y="169"/>
+                    <a:pt x="728" y="165"/>
+                  </a:cubicBezTo>
+                  <a:cubicBezTo>
+                    <a:pt x="723" y="160"/>
+                    <a:pt x="717" y="156"/>
+                    <a:pt x="711" y="152"/>
+                  </a:cubicBezTo>
+                  <a:cubicBezTo>
+                    <a:pt x="709" y="150"/>
+                    <a:pt x="708" y="151"/>
+                    <a:pt x="706" y="153"/>
+                  </a:cubicBezTo>
+                  <a:cubicBezTo>
+                    <a:pt x="682" y="184"/>
+                    <a:pt x="658" y="215"/>
+                    <a:pt x="634" y="247"/>
+                  </a:cubicBezTo>
+                  <a:cubicBezTo>
+                    <a:pt x="610" y="279"/>
+                    <a:pt x="585" y="311"/>
+                    <a:pt x="560" y="343"/>
+                  </a:cubicBezTo>
+                  <a:cubicBezTo>
+                    <a:pt x="556" y="348"/>
+                    <a:pt x="552" y="354"/>
+                    <a:pt x="548" y="359"/>
+                  </a:cubicBezTo>
+                  <a:cubicBezTo>
+                    <a:pt x="546" y="361"/>
+                    <a:pt x="543" y="363"/>
+                    <a:pt x="540" y="364"/>
+                  </a:cubicBezTo>
+                  <a:cubicBezTo>
+                    <a:pt x="520" y="367"/>
+                    <a:pt x="500" y="370"/>
+                    <a:pt x="480" y="372"/>
+                  </a:cubicBezTo>
+                  <a:cubicBezTo>
+                    <a:pt x="463" y="375"/>
+                    <a:pt x="446" y="377"/>
+                    <a:pt x="430" y="380"/>
+                  </a:cubicBezTo>
+                  <a:cubicBezTo>
+                    <a:pt x="408" y="383"/>
+                    <a:pt x="387" y="388"/>
+                    <a:pt x="365" y="389"/>
+                  </a:cubicBezTo>
+                  <a:cubicBezTo>
+                    <a:pt x="348" y="391"/>
+                    <a:pt x="333" y="399"/>
+                    <a:pt x="318" y="406"/>
+                  </a:cubicBezTo>
+                  <a:cubicBezTo>
+                    <a:pt x="297" y="415"/>
+                    <a:pt x="277" y="424"/>
+                    <a:pt x="257" y="433"/>
+                  </a:cubicBezTo>
+                  <a:cubicBezTo>
+                    <a:pt x="235" y="444"/>
+                    <a:pt x="213" y="454"/>
+                    <a:pt x="190" y="464"/>
+                  </a:cubicBezTo>
+                  <a:cubicBezTo>
+                    <a:pt x="171" y="473"/>
+                    <a:pt x="151" y="482"/>
+                    <a:pt x="131" y="491"/>
+                  </a:cubicBezTo>
+                  <a:cubicBezTo>
+                    <a:pt x="113" y="499"/>
+                    <a:pt x="96" y="507"/>
+                    <a:pt x="78" y="515"/>
+                  </a:cubicBezTo>
+                  <a:cubicBezTo>
+                    <a:pt x="64" y="522"/>
+                    <a:pt x="51" y="528"/>
+                    <a:pt x="37" y="534"/>
+                  </a:cubicBezTo>
+                  <a:cubicBezTo>
+                    <a:pt x="34" y="535"/>
+                    <a:pt x="33" y="535"/>
+                    <a:pt x="32" y="532"/>
+                  </a:cubicBezTo>
+                  <a:cubicBezTo>
+                    <a:pt x="22" y="509"/>
+                    <a:pt x="11" y="487"/>
+                    <a:pt x="1" y="465"/>
+                  </a:cubicBezTo>
+                  <a:cubicBezTo>
+                    <a:pt x="0" y="462"/>
+                    <a:pt x="0" y="461"/>
+                    <a:pt x="3" y="459"/>
+                  </a:cubicBezTo>
+                  <a:cubicBezTo>
+                    <a:pt x="25" y="449"/>
+                    <a:pt x="48" y="439"/>
+                    <a:pt x="70" y="428"/>
+                  </a:cubicBezTo>
+                  <a:cubicBezTo>
+                    <a:pt x="87" y="421"/>
+                    <a:pt x="104" y="413"/>
+                    <a:pt x="121" y="405"/>
+                  </a:cubicBezTo>
+                  <a:cubicBezTo>
+                    <a:pt x="148" y="393"/>
+                    <a:pt x="175" y="380"/>
+                    <a:pt x="203" y="368"/>
+                  </a:cubicBezTo>
+                  <a:cubicBezTo>
+                    <a:pt x="233" y="354"/>
+                    <a:pt x="264" y="340"/>
+                    <a:pt x="294" y="326"/>
+                  </a:cubicBezTo>
+                  <a:cubicBezTo>
+                    <a:pt x="302" y="323"/>
+                    <a:pt x="311" y="318"/>
+                    <a:pt x="319" y="315"/>
+                  </a:cubicBezTo>
+                  <a:cubicBezTo>
+                    <a:pt x="326" y="313"/>
+                    <a:pt x="334" y="311"/>
+                    <a:pt x="341" y="310"/>
+                  </a:cubicBezTo>
+                  <a:cubicBezTo>
+                    <a:pt x="360" y="307"/>
+                    <a:pt x="378" y="304"/>
+                    <a:pt x="397" y="301"/>
+                  </a:cubicBezTo>
+                  <a:cubicBezTo>
+                    <a:pt x="413" y="299"/>
+                    <a:pt x="430" y="297"/>
+                    <a:pt x="447" y="294"/>
+                  </a:cubicBezTo>
+                  <a:cubicBezTo>
+                    <a:pt x="464" y="292"/>
+                    <a:pt x="481" y="289"/>
+                    <a:pt x="498" y="286"/>
+                  </a:cubicBezTo>
+                  <a:cubicBezTo>
+                    <a:pt x="499" y="286"/>
+                    <a:pt x="501" y="284"/>
+                    <a:pt x="502" y="283"/>
+                  </a:cubicBezTo>
+                  <a:cubicBezTo>
+                    <a:pt x="520" y="260"/>
+                    <a:pt x="538" y="237"/>
+                    <a:pt x="556" y="214"/>
+                  </a:cubicBezTo>
+                  <a:cubicBezTo>
+                    <a:pt x="579" y="183"/>
+                    <a:pt x="603" y="153"/>
+                    <a:pt x="626" y="122"/>
+                  </a:cubicBezTo>
+                  <a:cubicBezTo>
+                    <a:pt x="631" y="115"/>
+                    <a:pt x="637" y="108"/>
+                    <a:pt x="642" y="101"/>
+                  </a:cubicBezTo>
+                  <a:close/>
+                </a:path>
+              </a:pathLst>
+            </a:custGeom>
+            <a:solidFill>
+              <a:schemeClr val="accent2"/>
+            </a:solidFill>
+            <a:ln>
+              <a:noFill/>
+            </a:ln>
+            <a:extLst>
+              <a:ext uri="{91240B29-F687-4F45-9708-019B960494DF}">
+                <a14:hiddenLine xmlns:a14="http://schemas.microsoft.com/office/drawing/2010/main" w="9525">
+                  <a:solidFill>
+                    <a:srgbClr val="000000"/>
+                  </a:solidFill>
+                  <a:round/>
+                  <a:headEnd/>
+                  <a:tailEnd/>
+                </a14:hiddenLine>
+              </a:ext>
+            </a:extLst>
+          </p:spPr>
+          <p:txBody>
+            <a:bodyPr vert="horz" wrap="square" lIns="91440" tIns="45720" rIns="91440" bIns="45720" numCol="1" anchor="t" anchorCtr="0" compatLnSpc="1">
+              <a:prstTxWarp prst="textNoShape">
+                <a:avLst/>
+              </a:prstTxWarp>
+            </a:bodyPr>
+            <a:lstStyle>
+              <a:defPPr>
+                <a:defRPr lang="en-US"/>
+              </a:defPPr>
+              <a:lvl1pPr marL="0" algn="l" defTabSz="914400" rtl="0" eaLnBrk="1" latinLnBrk="0" hangingPunct="1">
+                <a:defRPr sz="1800" kern="1200">
+                  <a:solidFill>
+                    <a:schemeClr val="tx1"/>
+                  </a:solidFill>
+                  <a:latin typeface="+mn-lt"/>
+                  <a:ea typeface="+mn-ea"/>
+                  <a:cs typeface="+mn-cs"/>
+                </a:defRPr>
+              </a:lvl1pPr>
+              <a:lvl2pPr marL="457200" algn="l" defTabSz="914400" rtl="0" eaLnBrk="1" latinLnBrk="0" hangingPunct="1">
+                <a:defRPr sz="1800" kern="1200">
+                  <a:solidFill>
+                    <a:schemeClr val="tx1"/>
+                  </a:solidFill>
+                  <a:latin typeface="+mn-lt"/>
+                  <a:ea typeface="+mn-ea"/>
+                  <a:cs typeface="+mn-cs"/>
+                </a:defRPr>
+              </a:lvl2pPr>
+              <a:lvl3pPr marL="914400" algn="l" defTabSz="914400" rtl="0" eaLnBrk="1" latinLnBrk="0" hangingPunct="1">
+                <a:defRPr sz="1800" kern="1200">
+                  <a:solidFill>
+                    <a:schemeClr val="tx1"/>
+                  </a:solidFill>
+                  <a:latin typeface="+mn-lt"/>
+                  <a:ea typeface="+mn-ea"/>
+                  <a:cs typeface="+mn-cs"/>
+                </a:defRPr>
+              </a:lvl3pPr>
+              <a:lvl4pPr marL="1371600" algn="l" defTabSz="914400" rtl="0" eaLnBrk="1" latinLnBrk="0" hangingPunct="1">
+                <a:defRPr sz="1800" kern="1200">
+                  <a:solidFill>
+                    <a:schemeClr val="tx1"/>
+                  </a:solidFill>
+                  <a:latin typeface="+mn-lt"/>
+                  <a:ea typeface="+mn-ea"/>
+                  <a:cs typeface="+mn-cs"/>
+                </a:defRPr>
+              </a:lvl4pPr>
+              <a:lvl5pPr marL="1828800" algn="l" defTabSz="914400" rtl="0" eaLnBrk="1" latinLnBrk="0" hangingPunct="1">
+                <a:defRPr sz="1800" kern="1200">
+                  <a:solidFill>
+                    <a:schemeClr val="tx1"/>
+                  </a:solidFill>
+                  <a:latin typeface="+mn-lt"/>
+                  <a:ea typeface="+mn-ea"/>
+                  <a:cs typeface="+mn-cs"/>
+                </a:defRPr>
+              </a:lvl5pPr>
+              <a:lvl6pPr marL="2286000" algn="l" defTabSz="914400" rtl="0" eaLnBrk="1" latinLnBrk="0" hangingPunct="1">
+                <a:defRPr sz="1800" kern="1200">
+                  <a:solidFill>
+                    <a:schemeClr val="tx1"/>
+                  </a:solidFill>
+                  <a:latin typeface="+mn-lt"/>
+                  <a:ea typeface="+mn-ea"/>
+                  <a:cs typeface="+mn-cs"/>
+                </a:defRPr>
+              </a:lvl6pPr>
+              <a:lvl7pPr marL="2743200" algn="l" defTabSz="914400" rtl="0" eaLnBrk="1" latinLnBrk="0" hangingPunct="1">
+                <a:defRPr sz="1800" kern="1200">
+                  <a:solidFill>
+                    <a:schemeClr val="tx1"/>
+                  </a:solidFill>
+                  <a:latin typeface="+mn-lt"/>
+                  <a:ea typeface="+mn-ea"/>
+                  <a:cs typeface="+mn-cs"/>
+                </a:defRPr>
+              </a:lvl7pPr>
+              <a:lvl8pPr marL="3200400" algn="l" defTabSz="914400" rtl="0" eaLnBrk="1" latinLnBrk="0" hangingPunct="1">
+                <a:defRPr sz="1800" kern="1200">
+                  <a:solidFill>
+                    <a:schemeClr val="tx1"/>
+                  </a:solidFill>
+                  <a:latin typeface="+mn-lt"/>
+                  <a:ea typeface="+mn-ea"/>
+                  <a:cs typeface="+mn-cs"/>
+                </a:defRPr>
+              </a:lvl8pPr>
+              <a:lvl9pPr marL="3657600" algn="l" defTabSz="914400" rtl="0" eaLnBrk="1" latinLnBrk="0" hangingPunct="1">
+                <a:defRPr sz="1800" kern="1200">
+                  <a:solidFill>
+                    <a:schemeClr val="tx1"/>
+                  </a:solidFill>
+                  <a:latin typeface="+mn-lt"/>
+                  <a:ea typeface="+mn-ea"/>
+                  <a:cs typeface="+mn-cs"/>
+                </a:defRPr>
+              </a:lvl9pPr>
+            </a:lstStyle>
+            <a:p>
+              <a:pPr marL="0" marR="0" lvl="0" indent="0" algn="l" defTabSz="914400" rtl="0" eaLnBrk="1" fontAlgn="auto" latinLnBrk="0" hangingPunct="1">
+                <a:lnSpc>
+                  <a:spcPct val="100000"/>
+                </a:lnSpc>
+                <a:spcBef>
+                  <a:spcPts val="0"/>
+                </a:spcBef>
+                <a:spcAft>
+                  <a:spcPts val="0"/>
+                </a:spcAft>
+                <a:buClrTx/>
+                <a:buSzTx/>
+                <a:buFontTx/>
+                <a:buNone/>
+                <a:tabLst/>
+                <a:defRPr/>
+              </a:pPr>
+              <a:endParaRPr kumimoji="0" lang="en-US" sz="1800" b="0" i="0" u="none" strike="noStrike" kern="1200" cap="none" spc="0" normalizeH="0" baseline="0" noProof="0">
+                <a:ln>
+                  <a:noFill/>
+                </a:ln>
+                <a:solidFill>
+                  <a:srgbClr val="282F39"/>
+                </a:solidFill>
+                <a:effectLst/>
+                <a:uLnTx/>
+                <a:uFillTx/>
+                <a:latin typeface="Calibri" panose="020F0502020204030204"/>
+                <a:ea typeface="+mn-ea"/>
+                <a:cs typeface="+mn-cs"/>
+              </a:endParaRPr>
+            </a:p>
+          </p:txBody>
+        </p:sp>
+        <p:sp>
+          <p:nvSpPr>
+            <p:cNvPr id="22" name="Freeform 21"/>
+            <p:cNvSpPr>
+              <a:spLocks/>
+            </p:cNvSpPr>
+            <p:nvPr/>
+          </p:nvSpPr>
+          <p:spPr bwMode="auto">
+            <a:xfrm>
+              <a:off x="2689782" y="2736547"/>
+              <a:ext cx="1159199" cy="1918826"/>
+            </a:xfrm>
+            <a:custGeom>
+              <a:avLst/>
+              <a:gdLst>
+                <a:gd name="T0" fmla="*/ 30 w 263"/>
+                <a:gd name="T1" fmla="*/ 255 h 435"/>
+                <a:gd name="T2" fmla="*/ 19 w 263"/>
+                <a:gd name="T3" fmla="*/ 304 h 435"/>
+                <a:gd name="T4" fmla="*/ 1 w 263"/>
+                <a:gd name="T5" fmla="*/ 248 h 435"/>
+                <a:gd name="T6" fmla="*/ 34 w 263"/>
+                <a:gd name="T7" fmla="*/ 202 h 435"/>
+                <a:gd name="T8" fmla="*/ 48 w 263"/>
+                <a:gd name="T9" fmla="*/ 175 h 435"/>
+                <a:gd name="T10" fmla="*/ 40 w 263"/>
+                <a:gd name="T11" fmla="*/ 122 h 435"/>
+                <a:gd name="T12" fmla="*/ 93 w 263"/>
+                <a:gd name="T13" fmla="*/ 150 h 435"/>
+                <a:gd name="T14" fmla="*/ 88 w 263"/>
+                <a:gd name="T15" fmla="*/ 186 h 435"/>
+                <a:gd name="T16" fmla="*/ 129 w 263"/>
+                <a:gd name="T17" fmla="*/ 188 h 435"/>
+                <a:gd name="T18" fmla="*/ 154 w 263"/>
+                <a:gd name="T19" fmla="*/ 174 h 435"/>
+                <a:gd name="T20" fmla="*/ 158 w 263"/>
+                <a:gd name="T21" fmla="*/ 15 h 435"/>
+                <a:gd name="T22" fmla="*/ 178 w 263"/>
+                <a:gd name="T23" fmla="*/ 13 h 435"/>
+                <a:gd name="T24" fmla="*/ 255 w 263"/>
+                <a:gd name="T25" fmla="*/ 22 h 435"/>
+                <a:gd name="T26" fmla="*/ 252 w 263"/>
+                <a:gd name="T27" fmla="*/ 38 h 435"/>
+                <a:gd name="T28" fmla="*/ 243 w 263"/>
+                <a:gd name="T29" fmla="*/ 55 h 435"/>
+                <a:gd name="T30" fmla="*/ 263 w 263"/>
+                <a:gd name="T31" fmla="*/ 84 h 435"/>
+                <a:gd name="T32" fmla="*/ 183 w 263"/>
+                <a:gd name="T33" fmla="*/ 84 h 435"/>
+                <a:gd name="T34" fmla="*/ 178 w 263"/>
+                <a:gd name="T35" fmla="*/ 157 h 435"/>
+                <a:gd name="T36" fmla="*/ 190 w 263"/>
+                <a:gd name="T37" fmla="*/ 174 h 435"/>
+                <a:gd name="T38" fmla="*/ 178 w 263"/>
+                <a:gd name="T39" fmla="*/ 199 h 435"/>
+                <a:gd name="T40" fmla="*/ 169 w 263"/>
+                <a:gd name="T41" fmla="*/ 225 h 435"/>
+                <a:gd name="T42" fmla="*/ 158 w 263"/>
+                <a:gd name="T43" fmla="*/ 205 h 435"/>
+                <a:gd name="T44" fmla="*/ 135 w 263"/>
+                <a:gd name="T45" fmla="*/ 217 h 435"/>
+                <a:gd name="T46" fmla="*/ 91 w 263"/>
+                <a:gd name="T47" fmla="*/ 217 h 435"/>
+                <a:gd name="T48" fmla="*/ 95 w 263"/>
+                <a:gd name="T49" fmla="*/ 276 h 435"/>
+                <a:gd name="T50" fmla="*/ 102 w 263"/>
+                <a:gd name="T51" fmla="*/ 292 h 435"/>
+                <a:gd name="T52" fmla="*/ 149 w 263"/>
+                <a:gd name="T53" fmla="*/ 312 h 435"/>
+                <a:gd name="T54" fmla="*/ 171 w 263"/>
+                <a:gd name="T55" fmla="*/ 381 h 435"/>
+                <a:gd name="T56" fmla="*/ 140 w 263"/>
+                <a:gd name="T57" fmla="*/ 364 h 435"/>
+                <a:gd name="T58" fmla="*/ 120 w 263"/>
+                <a:gd name="T59" fmla="*/ 330 h 435"/>
+                <a:gd name="T60" fmla="*/ 89 w 263"/>
+                <a:gd name="T61" fmla="*/ 321 h 435"/>
+                <a:gd name="T62" fmla="*/ 92 w 263"/>
+                <a:gd name="T63" fmla="*/ 365 h 435"/>
+                <a:gd name="T64" fmla="*/ 63 w 263"/>
+                <a:gd name="T65" fmla="*/ 423 h 435"/>
+                <a:gd name="T66" fmla="*/ 35 w 263"/>
+                <a:gd name="T67" fmla="*/ 408 h 435"/>
+                <a:gd name="T68" fmla="*/ 60 w 263"/>
+                <a:gd name="T69" fmla="*/ 359 h 435"/>
+                <a:gd name="T70" fmla="*/ 53 w 263"/>
+                <a:gd name="T71" fmla="*/ 320 h 435"/>
+                <a:gd name="T72" fmla="*/ 41 w 263"/>
+                <a:gd name="T73" fmla="*/ 242 h 435"/>
+              </a:gdLst>
+              <a:ahLst/>
+              <a:cxnLst>
+                <a:cxn ang="0">
+                  <a:pos x="T0" y="T1"/>
+                </a:cxn>
+                <a:cxn ang="0">
+                  <a:pos x="T2" y="T3"/>
+                </a:cxn>
+                <a:cxn ang="0">
+                  <a:pos x="T4" y="T5"/>
+                </a:cxn>
+                <a:cxn ang="0">
+                  <a:pos x="T6" y="T7"/>
+                </a:cxn>
+                <a:cxn ang="0">
+                  <a:pos x="T8" y="T9"/>
+                </a:cxn>
+                <a:cxn ang="0">
+                  <a:pos x="T10" y="T11"/>
+                </a:cxn>
+                <a:cxn ang="0">
+                  <a:pos x="T12" y="T13"/>
+                </a:cxn>
+                <a:cxn ang="0">
+                  <a:pos x="T14" y="T15"/>
+                </a:cxn>
+                <a:cxn ang="0">
+                  <a:pos x="T16" y="T17"/>
+                </a:cxn>
+                <a:cxn ang="0">
+                  <a:pos x="T18" y="T19"/>
+                </a:cxn>
+                <a:cxn ang="0">
+                  <a:pos x="T20" y="T21"/>
+                </a:cxn>
+                <a:cxn ang="0">
+                  <a:pos x="T22" y="T23"/>
+                </a:cxn>
+                <a:cxn ang="0">
+                  <a:pos x="T24" y="T25"/>
+                </a:cxn>
+                <a:cxn ang="0">
+                  <a:pos x="T26" y="T27"/>
+                </a:cxn>
+                <a:cxn ang="0">
+                  <a:pos x="T28" y="T29"/>
+                </a:cxn>
+                <a:cxn ang="0">
+                  <a:pos x="T30" y="T31"/>
+                </a:cxn>
+                <a:cxn ang="0">
+                  <a:pos x="T32" y="T33"/>
+                </a:cxn>
+                <a:cxn ang="0">
+                  <a:pos x="T34" y="T35"/>
+                </a:cxn>
+                <a:cxn ang="0">
+                  <a:pos x="T36" y="T37"/>
+                </a:cxn>
+                <a:cxn ang="0">
+                  <a:pos x="T38" y="T39"/>
+                </a:cxn>
+                <a:cxn ang="0">
+                  <a:pos x="T40" y="T41"/>
+                </a:cxn>
+                <a:cxn ang="0">
+                  <a:pos x="T42" y="T43"/>
+                </a:cxn>
+                <a:cxn ang="0">
+                  <a:pos x="T44" y="T45"/>
+                </a:cxn>
+                <a:cxn ang="0">
+                  <a:pos x="T46" y="T47"/>
+                </a:cxn>
+                <a:cxn ang="0">
+                  <a:pos x="T48" y="T49"/>
+                </a:cxn>
+                <a:cxn ang="0">
+                  <a:pos x="T50" y="T51"/>
+                </a:cxn>
+                <a:cxn ang="0">
+                  <a:pos x="T52" y="T53"/>
+                </a:cxn>
+                <a:cxn ang="0">
+                  <a:pos x="T54" y="T55"/>
+                </a:cxn>
+                <a:cxn ang="0">
+                  <a:pos x="T56" y="T57"/>
+                </a:cxn>
+                <a:cxn ang="0">
+                  <a:pos x="T58" y="T59"/>
+                </a:cxn>
+                <a:cxn ang="0">
+                  <a:pos x="T60" y="T61"/>
+                </a:cxn>
+                <a:cxn ang="0">
+                  <a:pos x="T62" y="T63"/>
+                </a:cxn>
+                <a:cxn ang="0">
+                  <a:pos x="T64" y="T65"/>
+                </a:cxn>
+                <a:cxn ang="0">
+                  <a:pos x="T66" y="T67"/>
+                </a:cxn>
+                <a:cxn ang="0">
+                  <a:pos x="T68" y="T69"/>
+                </a:cxn>
+                <a:cxn ang="0">
+                  <a:pos x="T70" y="T71"/>
+                </a:cxn>
+                <a:cxn ang="0">
+                  <a:pos x="T72" y="T73"/>
+                </a:cxn>
+              </a:cxnLst>
+              <a:rect l="0" t="0" r="r" b="b"/>
+              <a:pathLst>
+                <a:path w="263" h="435">
+                  <a:moveTo>
+                    <a:pt x="40" y="239"/>
+                  </a:moveTo>
+                  <a:cubicBezTo>
+                    <a:pt x="33" y="241"/>
+                    <a:pt x="29" y="249"/>
+                    <a:pt x="30" y="255"/>
+                  </a:cubicBezTo>
+                  <a:cubicBezTo>
+                    <a:pt x="31" y="267"/>
+                    <a:pt x="32" y="278"/>
+                    <a:pt x="32" y="290"/>
+                  </a:cubicBezTo>
+                  <a:cubicBezTo>
+                    <a:pt x="32" y="298"/>
+                    <a:pt x="27" y="304"/>
+                    <a:pt x="19" y="304"/>
+                  </a:cubicBezTo>
+                  <a:cubicBezTo>
+                    <a:pt x="11" y="305"/>
+                    <a:pt x="5" y="300"/>
+                    <a:pt x="4" y="291"/>
+                  </a:cubicBezTo>
+                  <a:cubicBezTo>
+                    <a:pt x="3" y="277"/>
+                    <a:pt x="3" y="262"/>
+                    <a:pt x="1" y="248"/>
+                  </a:cubicBezTo>
+                  <a:cubicBezTo>
+                    <a:pt x="0" y="240"/>
+                    <a:pt x="2" y="235"/>
+                    <a:pt x="7" y="230"/>
+                  </a:cubicBezTo>
+                  <a:cubicBezTo>
+                    <a:pt x="17" y="221"/>
+                    <a:pt x="25" y="211"/>
+                    <a:pt x="34" y="202"/>
+                  </a:cubicBezTo>
+                  <a:cubicBezTo>
+                    <a:pt x="36" y="200"/>
+                    <a:pt x="37" y="199"/>
+                    <a:pt x="37" y="197"/>
+                  </a:cubicBezTo>
+                  <a:cubicBezTo>
+                    <a:pt x="38" y="189"/>
+                    <a:pt x="40" y="181"/>
+                    <a:pt x="48" y="175"/>
+                  </a:cubicBezTo>
+                  <a:cubicBezTo>
+                    <a:pt x="35" y="168"/>
+                    <a:pt x="29" y="157"/>
+                    <a:pt x="30" y="143"/>
+                  </a:cubicBezTo>
+                  <a:cubicBezTo>
+                    <a:pt x="30" y="135"/>
+                    <a:pt x="34" y="128"/>
+                    <a:pt x="40" y="122"/>
+                  </a:cubicBezTo>
+                  <a:cubicBezTo>
+                    <a:pt x="52" y="111"/>
+                    <a:pt x="72" y="111"/>
+                    <a:pt x="84" y="123"/>
+                  </a:cubicBezTo>
+                  <a:cubicBezTo>
+                    <a:pt x="91" y="131"/>
+                    <a:pt x="94" y="139"/>
+                    <a:pt x="93" y="150"/>
+                  </a:cubicBezTo>
+                  <a:cubicBezTo>
+                    <a:pt x="92" y="160"/>
+                    <a:pt x="86" y="168"/>
+                    <a:pt x="78" y="173"/>
+                  </a:cubicBezTo>
+                  <a:cubicBezTo>
+                    <a:pt x="82" y="178"/>
+                    <a:pt x="84" y="182"/>
+                    <a:pt x="88" y="186"/>
+                  </a:cubicBezTo>
+                  <a:cubicBezTo>
+                    <a:pt x="88" y="187"/>
+                    <a:pt x="90" y="188"/>
+                    <a:pt x="92" y="188"/>
+                  </a:cubicBezTo>
+                  <a:cubicBezTo>
+                    <a:pt x="104" y="188"/>
+                    <a:pt x="117" y="188"/>
+                    <a:pt x="129" y="188"/>
+                  </a:cubicBezTo>
+                  <a:cubicBezTo>
+                    <a:pt x="131" y="188"/>
+                    <a:pt x="133" y="187"/>
+                    <a:pt x="135" y="186"/>
+                  </a:cubicBezTo>
+                  <a:cubicBezTo>
+                    <a:pt x="141" y="182"/>
+                    <a:pt x="147" y="178"/>
+                    <a:pt x="154" y="174"/>
+                  </a:cubicBezTo>
+                  <a:cubicBezTo>
+                    <a:pt x="157" y="172"/>
+                    <a:pt x="158" y="169"/>
+                    <a:pt x="158" y="165"/>
+                  </a:cubicBezTo>
+                  <a:cubicBezTo>
+                    <a:pt x="158" y="115"/>
+                    <a:pt x="158" y="65"/>
+                    <a:pt x="158" y="15"/>
+                  </a:cubicBezTo>
+                  <a:cubicBezTo>
+                    <a:pt x="158" y="11"/>
+                    <a:pt x="159" y="6"/>
+                    <a:pt x="163" y="4"/>
+                  </a:cubicBezTo>
+                  <a:cubicBezTo>
+                    <a:pt x="170" y="0"/>
+                    <a:pt x="178" y="4"/>
+                    <a:pt x="178" y="13"/>
+                  </a:cubicBezTo>
+                  <a:cubicBezTo>
+                    <a:pt x="179" y="22"/>
+                    <a:pt x="179" y="22"/>
+                    <a:pt x="187" y="22"/>
+                  </a:cubicBezTo>
+                  <a:cubicBezTo>
+                    <a:pt x="210" y="22"/>
+                    <a:pt x="232" y="22"/>
+                    <a:pt x="255" y="22"/>
+                  </a:cubicBezTo>
+                  <a:cubicBezTo>
+                    <a:pt x="257" y="22"/>
+                    <a:pt x="259" y="22"/>
+                    <a:pt x="263" y="22"/>
+                  </a:cubicBezTo>
+                  <a:cubicBezTo>
+                    <a:pt x="259" y="28"/>
+                    <a:pt x="255" y="33"/>
+                    <a:pt x="252" y="38"/>
+                  </a:cubicBezTo>
+                  <a:cubicBezTo>
+                    <a:pt x="249" y="42"/>
+                    <a:pt x="246" y="46"/>
+                    <a:pt x="244" y="49"/>
+                  </a:cubicBezTo>
+                  <a:cubicBezTo>
+                    <a:pt x="242" y="51"/>
+                    <a:pt x="242" y="53"/>
+                    <a:pt x="243" y="55"/>
+                  </a:cubicBezTo>
+                  <a:cubicBezTo>
+                    <a:pt x="249" y="63"/>
+                    <a:pt x="254" y="71"/>
+                    <a:pt x="260" y="79"/>
+                  </a:cubicBezTo>
+                  <a:cubicBezTo>
+                    <a:pt x="261" y="80"/>
+                    <a:pt x="262" y="82"/>
+                    <a:pt x="263" y="84"/>
+                  </a:cubicBezTo>
+                  <a:cubicBezTo>
+                    <a:pt x="260" y="84"/>
+                    <a:pt x="259" y="84"/>
+                    <a:pt x="257" y="84"/>
+                  </a:cubicBezTo>
+                  <a:cubicBezTo>
+                    <a:pt x="232" y="84"/>
+                    <a:pt x="208" y="84"/>
+                    <a:pt x="183" y="84"/>
+                  </a:cubicBezTo>
+                  <a:cubicBezTo>
+                    <a:pt x="179" y="84"/>
+                    <a:pt x="178" y="85"/>
+                    <a:pt x="178" y="89"/>
+                  </a:cubicBezTo>
+                  <a:cubicBezTo>
+                    <a:pt x="178" y="112"/>
+                    <a:pt x="178" y="134"/>
+                    <a:pt x="178" y="157"/>
+                  </a:cubicBezTo>
+                  <a:cubicBezTo>
+                    <a:pt x="178" y="160"/>
+                    <a:pt x="179" y="161"/>
+                    <a:pt x="182" y="163"/>
+                  </a:cubicBezTo>
+                  <a:cubicBezTo>
+                    <a:pt x="187" y="164"/>
+                    <a:pt x="190" y="168"/>
+                    <a:pt x="190" y="174"/>
+                  </a:cubicBezTo>
+                  <a:cubicBezTo>
+                    <a:pt x="191" y="180"/>
+                    <a:pt x="189" y="185"/>
+                    <a:pt x="184" y="188"/>
+                  </a:cubicBezTo>
+                  <a:cubicBezTo>
+                    <a:pt x="179" y="190"/>
+                    <a:pt x="178" y="194"/>
+                    <a:pt x="178" y="199"/>
+                  </a:cubicBezTo>
+                  <a:cubicBezTo>
+                    <a:pt x="178" y="204"/>
+                    <a:pt x="178" y="210"/>
+                    <a:pt x="178" y="215"/>
+                  </a:cubicBezTo>
+                  <a:cubicBezTo>
+                    <a:pt x="178" y="222"/>
+                    <a:pt x="175" y="225"/>
+                    <a:pt x="169" y="225"/>
+                  </a:cubicBezTo>
+                  <a:cubicBezTo>
+                    <a:pt x="163" y="226"/>
+                    <a:pt x="159" y="222"/>
+                    <a:pt x="158" y="216"/>
+                  </a:cubicBezTo>
+                  <a:cubicBezTo>
+                    <a:pt x="158" y="213"/>
+                    <a:pt x="158" y="210"/>
+                    <a:pt x="158" y="205"/>
+                  </a:cubicBezTo>
+                  <a:cubicBezTo>
+                    <a:pt x="153" y="209"/>
+                    <a:pt x="149" y="212"/>
+                    <a:pt x="144" y="214"/>
+                  </a:cubicBezTo>
+                  <a:cubicBezTo>
+                    <a:pt x="142" y="216"/>
+                    <a:pt x="138" y="217"/>
+                    <a:pt x="135" y="217"/>
+                  </a:cubicBezTo>
+                  <a:cubicBezTo>
+                    <a:pt x="122" y="217"/>
+                    <a:pt x="109" y="217"/>
+                    <a:pt x="96" y="216"/>
+                  </a:cubicBezTo>
+                  <a:cubicBezTo>
+                    <a:pt x="94" y="216"/>
+                    <a:pt x="93" y="217"/>
+                    <a:pt x="91" y="217"/>
+                  </a:cubicBezTo>
+                  <a:cubicBezTo>
+                    <a:pt x="92" y="225"/>
+                    <a:pt x="92" y="234"/>
+                    <a:pt x="93" y="243"/>
+                  </a:cubicBezTo>
+                  <a:cubicBezTo>
+                    <a:pt x="94" y="254"/>
+                    <a:pt x="94" y="265"/>
+                    <a:pt x="95" y="276"/>
+                  </a:cubicBezTo>
+                  <a:cubicBezTo>
+                    <a:pt x="96" y="279"/>
+                    <a:pt x="96" y="282"/>
+                    <a:pt x="96" y="285"/>
+                  </a:cubicBezTo>
+                  <a:cubicBezTo>
+                    <a:pt x="96" y="289"/>
+                    <a:pt x="99" y="290"/>
+                    <a:pt x="102" y="292"/>
+                  </a:cubicBezTo>
+                  <a:cubicBezTo>
+                    <a:pt x="115" y="295"/>
+                    <a:pt x="128" y="299"/>
+                    <a:pt x="140" y="303"/>
+                  </a:cubicBezTo>
+                  <a:cubicBezTo>
+                    <a:pt x="143" y="305"/>
+                    <a:pt x="147" y="309"/>
+                    <a:pt x="149" y="312"/>
+                  </a:cubicBezTo>
+                  <a:cubicBezTo>
+                    <a:pt x="157" y="328"/>
+                    <a:pt x="165" y="344"/>
+                    <a:pt x="174" y="360"/>
+                  </a:cubicBezTo>
+                  <a:cubicBezTo>
+                    <a:pt x="178" y="367"/>
+                    <a:pt x="177" y="376"/>
+                    <a:pt x="171" y="381"/>
+                  </a:cubicBezTo>
+                  <a:cubicBezTo>
+                    <a:pt x="165" y="385"/>
+                    <a:pt x="155" y="386"/>
+                    <a:pt x="150" y="380"/>
+                  </a:cubicBezTo>
+                  <a:cubicBezTo>
+                    <a:pt x="146" y="375"/>
+                    <a:pt x="144" y="370"/>
+                    <a:pt x="140" y="364"/>
+                  </a:cubicBezTo>
+                  <a:cubicBezTo>
+                    <a:pt x="135" y="354"/>
+                    <a:pt x="130" y="344"/>
+                    <a:pt x="125" y="335"/>
+                  </a:cubicBezTo>
+                  <a:cubicBezTo>
+                    <a:pt x="124" y="333"/>
+                    <a:pt x="122" y="330"/>
+                    <a:pt x="120" y="330"/>
+                  </a:cubicBezTo>
+                  <a:cubicBezTo>
+                    <a:pt x="110" y="327"/>
+                    <a:pt x="101" y="324"/>
+                    <a:pt x="91" y="321"/>
+                  </a:cubicBezTo>
+                  <a:cubicBezTo>
+                    <a:pt x="91" y="321"/>
+                    <a:pt x="90" y="321"/>
+                    <a:pt x="89" y="321"/>
+                  </a:cubicBezTo>
+                  <a:cubicBezTo>
+                    <a:pt x="89" y="327"/>
+                    <a:pt x="90" y="334"/>
+                    <a:pt x="90" y="340"/>
+                  </a:cubicBezTo>
+                  <a:cubicBezTo>
+                    <a:pt x="91" y="348"/>
+                    <a:pt x="93" y="357"/>
+                    <a:pt x="92" y="365"/>
+                  </a:cubicBezTo>
+                  <a:cubicBezTo>
+                    <a:pt x="91" y="371"/>
+                    <a:pt x="88" y="378"/>
+                    <a:pt x="85" y="383"/>
+                  </a:cubicBezTo>
+                  <a:cubicBezTo>
+                    <a:pt x="78" y="397"/>
+                    <a:pt x="70" y="410"/>
+                    <a:pt x="63" y="423"/>
+                  </a:cubicBezTo>
+                  <a:cubicBezTo>
+                    <a:pt x="58" y="432"/>
+                    <a:pt x="49" y="435"/>
+                    <a:pt x="41" y="431"/>
+                  </a:cubicBezTo>
+                  <a:cubicBezTo>
+                    <a:pt x="33" y="426"/>
+                    <a:pt x="30" y="417"/>
+                    <a:pt x="35" y="408"/>
+                  </a:cubicBezTo>
+                  <a:cubicBezTo>
+                    <a:pt x="43" y="394"/>
+                    <a:pt x="51" y="379"/>
+                    <a:pt x="59" y="365"/>
+                  </a:cubicBezTo>
+                  <a:cubicBezTo>
+                    <a:pt x="60" y="363"/>
+                    <a:pt x="60" y="361"/>
+                    <a:pt x="60" y="359"/>
+                  </a:cubicBezTo>
+                  <a:cubicBezTo>
+                    <a:pt x="60" y="349"/>
+                    <a:pt x="59" y="340"/>
+                    <a:pt x="58" y="330"/>
+                  </a:cubicBezTo>
+                  <a:cubicBezTo>
+                    <a:pt x="58" y="326"/>
+                    <a:pt x="57" y="323"/>
+                    <a:pt x="53" y="320"/>
+                  </a:cubicBezTo>
+                  <a:cubicBezTo>
+                    <a:pt x="48" y="316"/>
+                    <a:pt x="46" y="309"/>
+                    <a:pt x="45" y="302"/>
+                  </a:cubicBezTo>
+                  <a:cubicBezTo>
+                    <a:pt x="44" y="282"/>
+                    <a:pt x="42" y="262"/>
+                    <a:pt x="41" y="242"/>
+                  </a:cubicBezTo>
+                  <a:cubicBezTo>
+                    <a:pt x="41" y="241"/>
+                    <a:pt x="41" y="240"/>
+                    <a:pt x="40" y="239"/>
+                  </a:cubicBezTo>
+                  <a:close/>
+                </a:path>
+              </a:pathLst>
+            </a:custGeom>
+            <a:solidFill>
+              <a:schemeClr val="accent4"/>
+            </a:solidFill>
+            <a:ln>
+              <a:noFill/>
+            </a:ln>
+            <a:extLst>
+              <a:ext uri="{91240B29-F687-4F45-9708-019B960494DF}">
+                <a14:hiddenLine xmlns:a14="http://schemas.microsoft.com/office/drawing/2010/main" w="9525">
+                  <a:solidFill>
+                    <a:srgbClr val="000000"/>
+                  </a:solidFill>
+                  <a:round/>
+                  <a:headEnd/>
+                  <a:tailEnd/>
+                </a14:hiddenLine>
+              </a:ext>
+            </a:extLst>
+          </p:spPr>
+          <p:txBody>
+            <a:bodyPr vert="horz" wrap="square" lIns="91440" tIns="45720" rIns="91440" bIns="45720" numCol="1" anchor="t" anchorCtr="0" compatLnSpc="1">
+              <a:prstTxWarp prst="textNoShape">
+                <a:avLst/>
+              </a:prstTxWarp>
+            </a:bodyPr>
+            <a:lstStyle>
+              <a:defPPr>
+                <a:defRPr lang="en-US"/>
+              </a:defPPr>
+              <a:lvl1pPr marL="0" algn="l" defTabSz="914400" rtl="0" eaLnBrk="1" latinLnBrk="0" hangingPunct="1">
+                <a:defRPr sz="1800" kern="1200">
+                  <a:solidFill>
+                    <a:schemeClr val="tx1"/>
+                  </a:solidFill>
+                  <a:latin typeface="+mn-lt"/>
+                  <a:ea typeface="+mn-ea"/>
+                  <a:cs typeface="+mn-cs"/>
+                </a:defRPr>
+              </a:lvl1pPr>
+              <a:lvl2pPr marL="457200" algn="l" defTabSz="914400" rtl="0" eaLnBrk="1" latinLnBrk="0" hangingPunct="1">
+                <a:defRPr sz="1800" kern="1200">
+                  <a:solidFill>
+                    <a:schemeClr val="tx1"/>
+                  </a:solidFill>
+                  <a:latin typeface="+mn-lt"/>
+                  <a:ea typeface="+mn-ea"/>
+                  <a:cs typeface="+mn-cs"/>
+                </a:defRPr>
+              </a:lvl2pPr>
+              <a:lvl3pPr marL="914400" algn="l" defTabSz="914400" rtl="0" eaLnBrk="1" latinLnBrk="0" hangingPunct="1">
+                <a:defRPr sz="1800" kern="1200">
+                  <a:solidFill>
+                    <a:schemeClr val="tx1"/>
+                  </a:solidFill>
+                  <a:latin typeface="+mn-lt"/>
+                  <a:ea typeface="+mn-ea"/>
+                  <a:cs typeface="+mn-cs"/>
+                </a:defRPr>
+              </a:lvl3pPr>
+              <a:lvl4pPr marL="1371600" algn="l" defTabSz="914400" rtl="0" eaLnBrk="1" latinLnBrk="0" hangingPunct="1">
+                <a:defRPr sz="1800" kern="1200">
+                  <a:solidFill>
+                    <a:schemeClr val="tx1"/>
+                  </a:solidFill>
+                  <a:latin typeface="+mn-lt"/>
+                  <a:ea typeface="+mn-ea"/>
+                  <a:cs typeface="+mn-cs"/>
+                </a:defRPr>
+              </a:lvl4pPr>
+              <a:lvl5pPr marL="1828800" algn="l" defTabSz="914400" rtl="0" eaLnBrk="1" latinLnBrk="0" hangingPunct="1">
+                <a:defRPr sz="1800" kern="1200">
+                  <a:solidFill>
+                    <a:schemeClr val="tx1"/>
+                  </a:solidFill>
+                  <a:latin typeface="+mn-lt"/>
+                  <a:ea typeface="+mn-ea"/>
+                  <a:cs typeface="+mn-cs"/>
+                </a:defRPr>
+              </a:lvl5pPr>
+              <a:lvl6pPr marL="2286000" algn="l" defTabSz="914400" rtl="0" eaLnBrk="1" latinLnBrk="0" hangingPunct="1">
+                <a:defRPr sz="1800" kern="1200">
+                  <a:solidFill>
+                    <a:schemeClr val="tx1"/>
+                  </a:solidFill>
+                  <a:latin typeface="+mn-lt"/>
+                  <a:ea typeface="+mn-ea"/>
+                  <a:cs typeface="+mn-cs"/>
+                </a:defRPr>
+              </a:lvl6pPr>
+              <a:lvl7pPr marL="2743200" algn="l" defTabSz="914400" rtl="0" eaLnBrk="1" latinLnBrk="0" hangingPunct="1">
+                <a:defRPr sz="1800" kern="1200">
+                  <a:solidFill>
+                    <a:schemeClr val="tx1"/>
+                  </a:solidFill>
+                  <a:latin typeface="+mn-lt"/>
+                  <a:ea typeface="+mn-ea"/>
+                  <a:cs typeface="+mn-cs"/>
+                </a:defRPr>
+              </a:lvl7pPr>
+              <a:lvl8pPr marL="3200400" algn="l" defTabSz="914400" rtl="0" eaLnBrk="1" latinLnBrk="0" hangingPunct="1">
+                <a:defRPr sz="1800" kern="1200">
+                  <a:solidFill>
+                    <a:schemeClr val="tx1"/>
+                  </a:solidFill>
+                  <a:latin typeface="+mn-lt"/>
+                  <a:ea typeface="+mn-ea"/>
+                  <a:cs typeface="+mn-cs"/>
+                </a:defRPr>
+              </a:lvl8pPr>
+              <a:lvl9pPr marL="3657600" algn="l" defTabSz="914400" rtl="0" eaLnBrk="1" latinLnBrk="0" hangingPunct="1">
+                <a:defRPr sz="1800" kern="1200">
+                  <a:solidFill>
+                    <a:schemeClr val="tx1"/>
+                  </a:solidFill>
+                  <a:latin typeface="+mn-lt"/>
+                  <a:ea typeface="+mn-ea"/>
+                  <a:cs typeface="+mn-cs"/>
+                </a:defRPr>
+              </a:lvl9pPr>
+            </a:lstStyle>
+            <a:p>
+              <a:pPr marL="0" marR="0" lvl="0" indent="0" algn="l" defTabSz="914400" rtl="0" eaLnBrk="1" fontAlgn="auto" latinLnBrk="0" hangingPunct="1">
+                <a:lnSpc>
+                  <a:spcPct val="100000"/>
+                </a:lnSpc>
+                <a:spcBef>
+                  <a:spcPts val="0"/>
+                </a:spcBef>
+                <a:spcAft>
+                  <a:spcPts val="0"/>
+                </a:spcAft>
+                <a:buClrTx/>
+                <a:buSzTx/>
+                <a:buFontTx/>
+                <a:buNone/>
+                <a:tabLst/>
+                <a:defRPr/>
+              </a:pPr>
+              <a:endParaRPr kumimoji="0" lang="en-US" sz="1800" b="0" i="0" u="none" strike="noStrike" kern="1200" cap="none" spc="0" normalizeH="0" baseline="0" noProof="0">
+                <a:ln>
+                  <a:noFill/>
+                </a:ln>
+                <a:solidFill>
+                  <a:srgbClr val="282F39"/>
+                </a:solidFill>
+                <a:effectLst/>
+                <a:uLnTx/>
+                <a:uFillTx/>
+                <a:latin typeface="Calibri" panose="020F0502020204030204"/>
+                <a:ea typeface="+mn-ea"/>
+                <a:cs typeface="+mn-cs"/>
+              </a:endParaRPr>
+            </a:p>
+          </p:txBody>
+        </p:sp>
+        <p:sp>
+          <p:nvSpPr>
+            <p:cNvPr id="23" name="Freeform 22"/>
+            <p:cNvSpPr>
+              <a:spLocks/>
+            </p:cNvSpPr>
+            <p:nvPr/>
+          </p:nvSpPr>
+          <p:spPr bwMode="auto">
+            <a:xfrm>
+              <a:off x="1111250" y="4178960"/>
+              <a:ext cx="656441" cy="1124072"/>
+            </a:xfrm>
+            <a:custGeom>
+              <a:avLst/>
+              <a:gdLst>
+                <a:gd name="T0" fmla="*/ 72 w 149"/>
+                <a:gd name="T1" fmla="*/ 163 h 255"/>
+                <a:gd name="T2" fmla="*/ 74 w 149"/>
+                <a:gd name="T3" fmla="*/ 182 h 255"/>
+                <a:gd name="T4" fmla="*/ 75 w 149"/>
+                <a:gd name="T5" fmla="*/ 198 h 255"/>
+                <a:gd name="T6" fmla="*/ 71 w 149"/>
+                <a:gd name="T7" fmla="*/ 211 h 255"/>
+                <a:gd name="T8" fmla="*/ 54 w 149"/>
+                <a:gd name="T9" fmla="*/ 244 h 255"/>
+                <a:gd name="T10" fmla="*/ 35 w 149"/>
+                <a:gd name="T11" fmla="*/ 250 h 255"/>
+                <a:gd name="T12" fmla="*/ 33 w 149"/>
+                <a:gd name="T13" fmla="*/ 232 h 255"/>
+                <a:gd name="T14" fmla="*/ 49 w 149"/>
+                <a:gd name="T15" fmla="*/ 199 h 255"/>
+                <a:gd name="T16" fmla="*/ 51 w 149"/>
+                <a:gd name="T17" fmla="*/ 193 h 255"/>
+                <a:gd name="T18" fmla="*/ 48 w 149"/>
+                <a:gd name="T19" fmla="*/ 170 h 255"/>
+                <a:gd name="T20" fmla="*/ 45 w 149"/>
+                <a:gd name="T21" fmla="*/ 165 h 255"/>
+                <a:gd name="T22" fmla="*/ 37 w 149"/>
+                <a:gd name="T23" fmla="*/ 149 h 255"/>
+                <a:gd name="T24" fmla="*/ 33 w 149"/>
+                <a:gd name="T25" fmla="*/ 106 h 255"/>
+                <a:gd name="T26" fmla="*/ 32 w 149"/>
+                <a:gd name="T27" fmla="*/ 101 h 255"/>
+                <a:gd name="T28" fmla="*/ 24 w 149"/>
+                <a:gd name="T29" fmla="*/ 116 h 255"/>
+                <a:gd name="T30" fmla="*/ 27 w 149"/>
+                <a:gd name="T31" fmla="*/ 141 h 255"/>
+                <a:gd name="T32" fmla="*/ 11 w 149"/>
+                <a:gd name="T33" fmla="*/ 152 h 255"/>
+                <a:gd name="T34" fmla="*/ 5 w 149"/>
+                <a:gd name="T35" fmla="*/ 141 h 255"/>
+                <a:gd name="T36" fmla="*/ 2 w 149"/>
+                <a:gd name="T37" fmla="*/ 114 h 255"/>
+                <a:gd name="T38" fmla="*/ 9 w 149"/>
+                <a:gd name="T39" fmla="*/ 91 h 255"/>
+                <a:gd name="T40" fmla="*/ 27 w 149"/>
+                <a:gd name="T41" fmla="*/ 72 h 255"/>
+                <a:gd name="T42" fmla="*/ 29 w 149"/>
+                <a:gd name="T43" fmla="*/ 68 h 255"/>
+                <a:gd name="T44" fmla="*/ 36 w 149"/>
+                <a:gd name="T45" fmla="*/ 51 h 255"/>
+                <a:gd name="T46" fmla="*/ 22 w 149"/>
+                <a:gd name="T47" fmla="*/ 23 h 255"/>
+                <a:gd name="T48" fmla="*/ 34 w 149"/>
+                <a:gd name="T49" fmla="*/ 7 h 255"/>
+                <a:gd name="T50" fmla="*/ 68 w 149"/>
+                <a:gd name="T51" fmla="*/ 16 h 255"/>
+                <a:gd name="T52" fmla="*/ 60 w 149"/>
+                <a:gd name="T53" fmla="*/ 48 h 255"/>
+                <a:gd name="T54" fmla="*/ 68 w 149"/>
+                <a:gd name="T55" fmla="*/ 59 h 255"/>
+                <a:gd name="T56" fmla="*/ 71 w 149"/>
+                <a:gd name="T57" fmla="*/ 60 h 255"/>
+                <a:gd name="T58" fmla="*/ 100 w 149"/>
+                <a:gd name="T59" fmla="*/ 60 h 255"/>
+                <a:gd name="T60" fmla="*/ 105 w 149"/>
+                <a:gd name="T61" fmla="*/ 58 h 255"/>
+                <a:gd name="T62" fmla="*/ 129 w 149"/>
+                <a:gd name="T63" fmla="*/ 40 h 255"/>
+                <a:gd name="T64" fmla="*/ 146 w 149"/>
+                <a:gd name="T65" fmla="*/ 42 h 255"/>
+                <a:gd name="T66" fmla="*/ 143 w 149"/>
+                <a:gd name="T67" fmla="*/ 58 h 255"/>
+                <a:gd name="T68" fmla="*/ 112 w 149"/>
+                <a:gd name="T69" fmla="*/ 80 h 255"/>
+                <a:gd name="T70" fmla="*/ 106 w 149"/>
+                <a:gd name="T71" fmla="*/ 82 h 255"/>
+                <a:gd name="T72" fmla="*/ 77 w 149"/>
+                <a:gd name="T73" fmla="*/ 82 h 255"/>
+                <a:gd name="T74" fmla="*/ 71 w 149"/>
+                <a:gd name="T75" fmla="*/ 82 h 255"/>
+                <a:gd name="T76" fmla="*/ 73 w 149"/>
+                <a:gd name="T77" fmla="*/ 105 h 255"/>
+                <a:gd name="T78" fmla="*/ 76 w 149"/>
+                <a:gd name="T79" fmla="*/ 133 h 255"/>
+                <a:gd name="T80" fmla="*/ 82 w 149"/>
+                <a:gd name="T81" fmla="*/ 141 h 255"/>
+                <a:gd name="T82" fmla="*/ 109 w 149"/>
+                <a:gd name="T83" fmla="*/ 149 h 255"/>
+                <a:gd name="T84" fmla="*/ 118 w 149"/>
+                <a:gd name="T85" fmla="*/ 155 h 255"/>
+                <a:gd name="T86" fmla="*/ 140 w 149"/>
+                <a:gd name="T87" fmla="*/ 193 h 255"/>
+                <a:gd name="T88" fmla="*/ 135 w 149"/>
+                <a:gd name="T89" fmla="*/ 210 h 255"/>
+                <a:gd name="T90" fmla="*/ 118 w 149"/>
+                <a:gd name="T91" fmla="*/ 205 h 255"/>
+                <a:gd name="T92" fmla="*/ 101 w 149"/>
+                <a:gd name="T93" fmla="*/ 174 h 255"/>
+                <a:gd name="T94" fmla="*/ 97 w 149"/>
+                <a:gd name="T95" fmla="*/ 171 h 255"/>
+                <a:gd name="T96" fmla="*/ 72 w 149"/>
+                <a:gd name="T97" fmla="*/ 163 h 255"/>
+              </a:gdLst>
+              <a:ahLst/>
+              <a:cxnLst>
+                <a:cxn ang="0">
+                  <a:pos x="T0" y="T1"/>
+                </a:cxn>
+                <a:cxn ang="0">
+                  <a:pos x="T2" y="T3"/>
+                </a:cxn>
+                <a:cxn ang="0">
+                  <a:pos x="T4" y="T5"/>
+                </a:cxn>
+                <a:cxn ang="0">
+                  <a:pos x="T6" y="T7"/>
+                </a:cxn>
+                <a:cxn ang="0">
+                  <a:pos x="T8" y="T9"/>
+                </a:cxn>
+                <a:cxn ang="0">
+                  <a:pos x="T10" y="T11"/>
+                </a:cxn>
+                <a:cxn ang="0">
+                  <a:pos x="T12" y="T13"/>
+                </a:cxn>
+                <a:cxn ang="0">
+                  <a:pos x="T14" y="T15"/>
+                </a:cxn>
+                <a:cxn ang="0">
+                  <a:pos x="T16" y="T17"/>
+                </a:cxn>
+                <a:cxn ang="0">
+                  <a:pos x="T18" y="T19"/>
+                </a:cxn>
+                <a:cxn ang="0">
+                  <a:pos x="T20" y="T21"/>
+                </a:cxn>
+                <a:cxn ang="0">
+                  <a:pos x="T22" y="T23"/>
+                </a:cxn>
+                <a:cxn ang="0">
+                  <a:pos x="T24" y="T25"/>
+                </a:cxn>
+                <a:cxn ang="0">
+                  <a:pos x="T26" y="T27"/>
+                </a:cxn>
+                <a:cxn ang="0">
+                  <a:pos x="T28" y="T29"/>
+                </a:cxn>
+                <a:cxn ang="0">
+                  <a:pos x="T30" y="T31"/>
+                </a:cxn>
+                <a:cxn ang="0">
+                  <a:pos x="T32" y="T33"/>
+                </a:cxn>
+                <a:cxn ang="0">
+                  <a:pos x="T34" y="T35"/>
+                </a:cxn>
+                <a:cxn ang="0">
+                  <a:pos x="T36" y="T37"/>
+                </a:cxn>
+                <a:cxn ang="0">
+                  <a:pos x="T38" y="T39"/>
+                </a:cxn>
+                <a:cxn ang="0">
+                  <a:pos x="T40" y="T41"/>
+                </a:cxn>
+                <a:cxn ang="0">
+                  <a:pos x="T42" y="T43"/>
+                </a:cxn>
+                <a:cxn ang="0">
+                  <a:pos x="T44" y="T45"/>
+                </a:cxn>
+                <a:cxn ang="0">
+                  <a:pos x="T46" y="T47"/>
+                </a:cxn>
+                <a:cxn ang="0">
+                  <a:pos x="T48" y="T49"/>
+                </a:cxn>
+                <a:cxn ang="0">
+                  <a:pos x="T50" y="T51"/>
+                </a:cxn>
+                <a:cxn ang="0">
+                  <a:pos x="T52" y="T53"/>
+                </a:cxn>
+                <a:cxn ang="0">
+                  <a:pos x="T54" y="T55"/>
+                </a:cxn>
+                <a:cxn ang="0">
+                  <a:pos x="T56" y="T57"/>
+                </a:cxn>
+                <a:cxn ang="0">
+                  <a:pos x="T58" y="T59"/>
+                </a:cxn>
+                <a:cxn ang="0">
+                  <a:pos x="T60" y="T61"/>
+                </a:cxn>
+                <a:cxn ang="0">
+                  <a:pos x="T62" y="T63"/>
+                </a:cxn>
+                <a:cxn ang="0">
+                  <a:pos x="T64" y="T65"/>
+                </a:cxn>
+                <a:cxn ang="0">
+                  <a:pos x="T66" y="T67"/>
+                </a:cxn>
+                <a:cxn ang="0">
+                  <a:pos x="T68" y="T69"/>
+                </a:cxn>
+                <a:cxn ang="0">
+                  <a:pos x="T70" y="T71"/>
+                </a:cxn>
+                <a:cxn ang="0">
+                  <a:pos x="T72" y="T73"/>
+                </a:cxn>
+                <a:cxn ang="0">
+                  <a:pos x="T74" y="T75"/>
+                </a:cxn>
+                <a:cxn ang="0">
+                  <a:pos x="T76" y="T77"/>
+                </a:cxn>
+                <a:cxn ang="0">
+                  <a:pos x="T78" y="T79"/>
+                </a:cxn>
+                <a:cxn ang="0">
+                  <a:pos x="T80" y="T81"/>
+                </a:cxn>
+                <a:cxn ang="0">
+                  <a:pos x="T82" y="T83"/>
+                </a:cxn>
+                <a:cxn ang="0">
+                  <a:pos x="T84" y="T85"/>
+                </a:cxn>
+                <a:cxn ang="0">
+                  <a:pos x="T86" y="T87"/>
+                </a:cxn>
+                <a:cxn ang="0">
+                  <a:pos x="T88" y="T89"/>
+                </a:cxn>
+                <a:cxn ang="0">
+                  <a:pos x="T90" y="T91"/>
+                </a:cxn>
+                <a:cxn ang="0">
+                  <a:pos x="T92" y="T93"/>
+                </a:cxn>
+                <a:cxn ang="0">
+                  <a:pos x="T94" y="T95"/>
+                </a:cxn>
+                <a:cxn ang="0">
+                  <a:pos x="T96" y="T97"/>
+                </a:cxn>
+              </a:cxnLst>
+              <a:rect l="0" t="0" r="r" b="b"/>
+              <a:pathLst>
+                <a:path w="149" h="255">
+                  <a:moveTo>
+                    <a:pt x="72" y="163"/>
+                  </a:moveTo>
+                  <a:cubicBezTo>
+                    <a:pt x="72" y="170"/>
+                    <a:pt x="73" y="176"/>
+                    <a:pt x="74" y="182"/>
+                  </a:cubicBezTo>
+                  <a:cubicBezTo>
+                    <a:pt x="74" y="187"/>
+                    <a:pt x="76" y="193"/>
+                    <a:pt x="75" y="198"/>
+                  </a:cubicBezTo>
+                  <a:cubicBezTo>
+                    <a:pt x="75" y="203"/>
+                    <a:pt x="73" y="207"/>
+                    <a:pt x="71" y="211"/>
+                  </a:cubicBezTo>
+                  <a:cubicBezTo>
+                    <a:pt x="66" y="222"/>
+                    <a:pt x="60" y="233"/>
+                    <a:pt x="54" y="244"/>
+                  </a:cubicBezTo>
+                  <a:cubicBezTo>
+                    <a:pt x="50" y="252"/>
+                    <a:pt x="42" y="255"/>
+                    <a:pt x="35" y="250"/>
+                  </a:cubicBezTo>
+                  <a:cubicBezTo>
+                    <a:pt x="30" y="246"/>
+                    <a:pt x="29" y="239"/>
+                    <a:pt x="33" y="232"/>
+                  </a:cubicBezTo>
+                  <a:cubicBezTo>
+                    <a:pt x="38" y="221"/>
+                    <a:pt x="44" y="210"/>
+                    <a:pt x="49" y="199"/>
+                  </a:cubicBezTo>
+                  <a:cubicBezTo>
+                    <a:pt x="50" y="197"/>
+                    <a:pt x="51" y="195"/>
+                    <a:pt x="51" y="193"/>
+                  </a:cubicBezTo>
+                  <a:cubicBezTo>
+                    <a:pt x="50" y="185"/>
+                    <a:pt x="49" y="177"/>
+                    <a:pt x="48" y="170"/>
+                  </a:cubicBezTo>
+                  <a:cubicBezTo>
+                    <a:pt x="48" y="168"/>
+                    <a:pt x="47" y="166"/>
+                    <a:pt x="45" y="165"/>
+                  </a:cubicBezTo>
+                  <a:cubicBezTo>
+                    <a:pt x="40" y="161"/>
+                    <a:pt x="38" y="155"/>
+                    <a:pt x="37" y="149"/>
+                  </a:cubicBezTo>
+                  <a:cubicBezTo>
+                    <a:pt x="36" y="134"/>
+                    <a:pt x="35" y="120"/>
+                    <a:pt x="33" y="106"/>
+                  </a:cubicBezTo>
+                  <a:cubicBezTo>
+                    <a:pt x="33" y="105"/>
+                    <a:pt x="32" y="103"/>
+                    <a:pt x="32" y="101"/>
+                  </a:cubicBezTo>
+                  <a:cubicBezTo>
+                    <a:pt x="27" y="105"/>
+                    <a:pt x="23" y="109"/>
+                    <a:pt x="24" y="116"/>
+                  </a:cubicBezTo>
+                  <a:cubicBezTo>
+                    <a:pt x="26" y="124"/>
+                    <a:pt x="26" y="132"/>
+                    <a:pt x="27" y="141"/>
+                  </a:cubicBezTo>
+                  <a:cubicBezTo>
+                    <a:pt x="28" y="150"/>
+                    <a:pt x="20" y="155"/>
+                    <a:pt x="11" y="152"/>
+                  </a:cubicBezTo>
+                  <a:cubicBezTo>
+                    <a:pt x="7" y="150"/>
+                    <a:pt x="5" y="146"/>
+                    <a:pt x="5" y="141"/>
+                  </a:cubicBezTo>
+                  <a:cubicBezTo>
+                    <a:pt x="4" y="132"/>
+                    <a:pt x="4" y="123"/>
+                    <a:pt x="2" y="114"/>
+                  </a:cubicBezTo>
+                  <a:cubicBezTo>
+                    <a:pt x="0" y="104"/>
+                    <a:pt x="3" y="98"/>
+                    <a:pt x="9" y="91"/>
+                  </a:cubicBezTo>
+                  <a:cubicBezTo>
+                    <a:pt x="16" y="85"/>
+                    <a:pt x="21" y="79"/>
+                    <a:pt x="27" y="72"/>
+                  </a:cubicBezTo>
+                  <a:cubicBezTo>
+                    <a:pt x="28" y="71"/>
+                    <a:pt x="29" y="69"/>
+                    <a:pt x="29" y="68"/>
+                  </a:cubicBezTo>
+                  <a:cubicBezTo>
+                    <a:pt x="29" y="61"/>
+                    <a:pt x="32" y="56"/>
+                    <a:pt x="36" y="51"/>
+                  </a:cubicBezTo>
+                  <a:cubicBezTo>
+                    <a:pt x="26" y="45"/>
+                    <a:pt x="20" y="36"/>
+                    <a:pt x="22" y="23"/>
+                  </a:cubicBezTo>
+                  <a:cubicBezTo>
+                    <a:pt x="24" y="16"/>
+                    <a:pt x="28" y="10"/>
+                    <a:pt x="34" y="7"/>
+                  </a:cubicBezTo>
+                  <a:cubicBezTo>
+                    <a:pt x="45" y="0"/>
+                    <a:pt x="62" y="4"/>
+                    <a:pt x="68" y="16"/>
+                  </a:cubicBezTo>
+                  <a:cubicBezTo>
+                    <a:pt x="75" y="29"/>
+                    <a:pt x="71" y="43"/>
+                    <a:pt x="60" y="48"/>
+                  </a:cubicBezTo>
+                  <a:cubicBezTo>
+                    <a:pt x="62" y="52"/>
+                    <a:pt x="65" y="56"/>
+                    <a:pt x="68" y="59"/>
+                  </a:cubicBezTo>
+                  <a:cubicBezTo>
+                    <a:pt x="69" y="60"/>
+                    <a:pt x="70" y="60"/>
+                    <a:pt x="71" y="60"/>
+                  </a:cubicBezTo>
+                  <a:cubicBezTo>
+                    <a:pt x="81" y="60"/>
+                    <a:pt x="90" y="60"/>
+                    <a:pt x="100" y="60"/>
+                  </a:cubicBezTo>
+                  <a:cubicBezTo>
+                    <a:pt x="101" y="60"/>
+                    <a:pt x="103" y="59"/>
+                    <a:pt x="105" y="58"/>
+                  </a:cubicBezTo>
+                  <a:cubicBezTo>
+                    <a:pt x="113" y="52"/>
+                    <a:pt x="121" y="46"/>
+                    <a:pt x="129" y="40"/>
+                  </a:cubicBezTo>
+                  <a:cubicBezTo>
+                    <a:pt x="135" y="36"/>
+                    <a:pt x="142" y="37"/>
+                    <a:pt x="146" y="42"/>
+                  </a:cubicBezTo>
+                  <a:cubicBezTo>
+                    <a:pt x="149" y="46"/>
+                    <a:pt x="149" y="54"/>
+                    <a:pt x="143" y="58"/>
+                  </a:cubicBezTo>
+                  <a:cubicBezTo>
+                    <a:pt x="132" y="65"/>
+                    <a:pt x="122" y="73"/>
+                    <a:pt x="112" y="80"/>
+                  </a:cubicBezTo>
+                  <a:cubicBezTo>
+                    <a:pt x="110" y="81"/>
+                    <a:pt x="108" y="82"/>
+                    <a:pt x="106" y="82"/>
+                  </a:cubicBezTo>
+                  <a:cubicBezTo>
+                    <a:pt x="96" y="82"/>
+                    <a:pt x="87" y="82"/>
+                    <a:pt x="77" y="82"/>
+                  </a:cubicBezTo>
+                  <a:cubicBezTo>
+                    <a:pt x="76" y="82"/>
+                    <a:pt x="74" y="82"/>
+                    <a:pt x="71" y="82"/>
+                  </a:cubicBezTo>
+                  <a:cubicBezTo>
+                    <a:pt x="72" y="90"/>
+                    <a:pt x="73" y="98"/>
+                    <a:pt x="73" y="105"/>
+                  </a:cubicBezTo>
+                  <a:cubicBezTo>
+                    <a:pt x="74" y="114"/>
+                    <a:pt x="75" y="124"/>
+                    <a:pt x="76" y="133"/>
+                  </a:cubicBezTo>
+                  <a:cubicBezTo>
+                    <a:pt x="77" y="137"/>
+                    <a:pt x="77" y="140"/>
+                    <a:pt x="82" y="141"/>
+                  </a:cubicBezTo>
+                  <a:cubicBezTo>
+                    <a:pt x="91" y="143"/>
+                    <a:pt x="100" y="146"/>
+                    <a:pt x="109" y="149"/>
+                  </a:cubicBezTo>
+                  <a:cubicBezTo>
+                    <a:pt x="112" y="150"/>
+                    <a:pt x="116" y="152"/>
+                    <a:pt x="118" y="155"/>
+                  </a:cubicBezTo>
+                  <a:cubicBezTo>
+                    <a:pt x="125" y="168"/>
+                    <a:pt x="132" y="181"/>
+                    <a:pt x="140" y="193"/>
+                  </a:cubicBezTo>
+                  <a:cubicBezTo>
+                    <a:pt x="143" y="200"/>
+                    <a:pt x="141" y="207"/>
+                    <a:pt x="135" y="210"/>
+                  </a:cubicBezTo>
+                  <a:cubicBezTo>
+                    <a:pt x="129" y="214"/>
+                    <a:pt x="122" y="212"/>
+                    <a:pt x="118" y="205"/>
+                  </a:cubicBezTo>
+                  <a:cubicBezTo>
+                    <a:pt x="112" y="195"/>
+                    <a:pt x="107" y="185"/>
+                    <a:pt x="101" y="174"/>
+                  </a:cubicBezTo>
+                  <a:cubicBezTo>
+                    <a:pt x="100" y="173"/>
+                    <a:pt x="99" y="171"/>
+                    <a:pt x="97" y="171"/>
+                  </a:cubicBezTo>
+                  <a:cubicBezTo>
+                    <a:pt x="89" y="168"/>
+                    <a:pt x="81" y="166"/>
+                    <a:pt x="72" y="163"/>
+                  </a:cubicBezTo>
+                  <a:close/>
+                </a:path>
+              </a:pathLst>
+            </a:custGeom>
+            <a:solidFill>
+              <a:schemeClr val="bg1"/>
+            </a:solidFill>
+            <a:ln>
+              <a:noFill/>
+            </a:ln>
+            <a:extLst>
+              <a:ext uri="{91240B29-F687-4F45-9708-019B960494DF}">
+                <a14:hiddenLine xmlns:a14="http://schemas.microsoft.com/office/drawing/2010/main" w="9525">
+                  <a:solidFill>
+                    <a:srgbClr val="000000"/>
+                  </a:solidFill>
+                  <a:round/>
+                  <a:headEnd/>
+                  <a:tailEnd/>
+                </a14:hiddenLine>
+              </a:ext>
+            </a:extLst>
+          </p:spPr>
+          <p:txBody>
+            <a:bodyPr vert="horz" wrap="square" lIns="91440" tIns="45720" rIns="91440" bIns="45720" numCol="1" anchor="t" anchorCtr="0" compatLnSpc="1">
+              <a:prstTxWarp prst="textNoShape">
+                <a:avLst/>
+              </a:prstTxWarp>
+            </a:bodyPr>
+            <a:lstStyle>
+              <a:defPPr>
+                <a:defRPr lang="en-US"/>
+              </a:defPPr>
+              <a:lvl1pPr marL="0" algn="l" defTabSz="914400" rtl="0" eaLnBrk="1" latinLnBrk="0" hangingPunct="1">
+                <a:defRPr sz="1800" kern="1200">
+                  <a:solidFill>
+                    <a:schemeClr val="tx1"/>
+                  </a:solidFill>
+                  <a:latin typeface="+mn-lt"/>
+                  <a:ea typeface="+mn-ea"/>
+                  <a:cs typeface="+mn-cs"/>
+                </a:defRPr>
+              </a:lvl1pPr>
+              <a:lvl2pPr marL="457200" algn="l" defTabSz="914400" rtl="0" eaLnBrk="1" latinLnBrk="0" hangingPunct="1">
+                <a:defRPr sz="1800" kern="1200">
+                  <a:solidFill>
+                    <a:schemeClr val="tx1"/>
+                  </a:solidFill>
+                  <a:latin typeface="+mn-lt"/>
+                  <a:ea typeface="+mn-ea"/>
+                  <a:cs typeface="+mn-cs"/>
+                </a:defRPr>
+              </a:lvl2pPr>
+              <a:lvl3pPr marL="914400" algn="l" defTabSz="914400" rtl="0" eaLnBrk="1" latinLnBrk="0" hangingPunct="1">
+                <a:defRPr sz="1800" kern="1200">
+                  <a:solidFill>
+                    <a:schemeClr val="tx1"/>
+                  </a:solidFill>
+                  <a:latin typeface="+mn-lt"/>
+                  <a:ea typeface="+mn-ea"/>
+                  <a:cs typeface="+mn-cs"/>
+                </a:defRPr>
+              </a:lvl3pPr>
+              <a:lvl4pPr marL="1371600" algn="l" defTabSz="914400" rtl="0" eaLnBrk="1" latinLnBrk="0" hangingPunct="1">
+                <a:defRPr sz="1800" kern="1200">
+                  <a:solidFill>
+                    <a:schemeClr val="tx1"/>
+                  </a:solidFill>
+                  <a:latin typeface="+mn-lt"/>
+                  <a:ea typeface="+mn-ea"/>
+                  <a:cs typeface="+mn-cs"/>
+                </a:defRPr>
+              </a:lvl4pPr>
+              <a:lvl5pPr marL="1828800" algn="l" defTabSz="914400" rtl="0" eaLnBrk="1" latinLnBrk="0" hangingPunct="1">
+                <a:defRPr sz="1800" kern="1200">
+                  <a:solidFill>
+                    <a:schemeClr val="tx1"/>
+                  </a:solidFill>
+                  <a:latin typeface="+mn-lt"/>
+                  <a:ea typeface="+mn-ea"/>
+                  <a:cs typeface="+mn-cs"/>
+                </a:defRPr>
+              </a:lvl5pPr>
+              <a:lvl6pPr marL="2286000" algn="l" defTabSz="914400" rtl="0" eaLnBrk="1" latinLnBrk="0" hangingPunct="1">
+                <a:defRPr sz="1800" kern="1200">
+                  <a:solidFill>
+                    <a:schemeClr val="tx1"/>
+                  </a:solidFill>
+                  <a:latin typeface="+mn-lt"/>
+                  <a:ea typeface="+mn-ea"/>
+                  <a:cs typeface="+mn-cs"/>
+                </a:defRPr>
+              </a:lvl6pPr>
+              <a:lvl7pPr marL="2743200" algn="l" defTabSz="914400" rtl="0" eaLnBrk="1" latinLnBrk="0" hangingPunct="1">
+                <a:defRPr sz="1800" kern="1200">
+                  <a:solidFill>
+                    <a:schemeClr val="tx1"/>
+                  </a:solidFill>
+                  <a:latin typeface="+mn-lt"/>
+                  <a:ea typeface="+mn-ea"/>
+                  <a:cs typeface="+mn-cs"/>
+                </a:defRPr>
+              </a:lvl7pPr>
+              <a:lvl8pPr marL="3200400" algn="l" defTabSz="914400" rtl="0" eaLnBrk="1" latinLnBrk="0" hangingPunct="1">
+                <a:defRPr sz="1800" kern="1200">
+                  <a:solidFill>
+                    <a:schemeClr val="tx1"/>
+                  </a:solidFill>
+                  <a:latin typeface="+mn-lt"/>
+                  <a:ea typeface="+mn-ea"/>
+                  <a:cs typeface="+mn-cs"/>
+                </a:defRPr>
+              </a:lvl8pPr>
+              <a:lvl9pPr marL="3657600" algn="l" defTabSz="914400" rtl="0" eaLnBrk="1" latinLnBrk="0" hangingPunct="1">
+                <a:defRPr sz="1800" kern="1200">
+                  <a:solidFill>
+                    <a:schemeClr val="tx1"/>
+                  </a:solidFill>
+                  <a:latin typeface="+mn-lt"/>
+                  <a:ea typeface="+mn-ea"/>
+                  <a:cs typeface="+mn-cs"/>
+                </a:defRPr>
+              </a:lvl9pPr>
+            </a:lstStyle>
+            <a:p>
+              <a:pPr marL="0" marR="0" lvl="0" indent="0" algn="l" defTabSz="914400" rtl="0" eaLnBrk="1" fontAlgn="auto" latinLnBrk="0" hangingPunct="1">
+                <a:lnSpc>
+                  <a:spcPct val="100000"/>
+                </a:lnSpc>
+                <a:spcBef>
+                  <a:spcPts val="0"/>
+                </a:spcBef>
+                <a:spcAft>
+                  <a:spcPts val="0"/>
+                </a:spcAft>
+                <a:buClrTx/>
+                <a:buSzTx/>
+                <a:buFontTx/>
+                <a:buNone/>
+                <a:tabLst/>
+                <a:defRPr/>
+              </a:pPr>
+              <a:endParaRPr kumimoji="0" lang="en-US" sz="1800" b="0" i="0" u="none" strike="noStrike" kern="1200" cap="none" spc="0" normalizeH="0" baseline="0" noProof="0">
+                <a:ln>
+                  <a:noFill/>
+                </a:ln>
+                <a:solidFill>
+                  <a:srgbClr val="282F39"/>
+                </a:solidFill>
+                <a:effectLst/>
+                <a:uLnTx/>
+                <a:uFillTx/>
+                <a:latin typeface="Calibri" panose="020F0502020204030204"/>
+                <a:ea typeface="+mn-ea"/>
+                <a:cs typeface="+mn-cs"/>
+              </a:endParaRPr>
+            </a:p>
+          </p:txBody>
+        </p:sp>
+        <p:sp>
+          <p:nvSpPr>
+            <p:cNvPr id="24" name="Freeform 23"/>
+            <p:cNvSpPr>
+              <a:spLocks/>
+            </p:cNvSpPr>
+            <p:nvPr/>
+          </p:nvSpPr>
+          <p:spPr bwMode="auto">
+            <a:xfrm>
+              <a:off x="1837946" y="3856228"/>
+              <a:ext cx="656441" cy="1121877"/>
+            </a:xfrm>
+            <a:custGeom>
+              <a:avLst/>
+              <a:gdLst>
+                <a:gd name="T0" fmla="*/ 59 w 149"/>
+                <a:gd name="T1" fmla="*/ 48 h 254"/>
+                <a:gd name="T2" fmla="*/ 67 w 149"/>
+                <a:gd name="T3" fmla="*/ 58 h 254"/>
+                <a:gd name="T4" fmla="*/ 71 w 149"/>
+                <a:gd name="T5" fmla="*/ 59 h 254"/>
+                <a:gd name="T6" fmla="*/ 98 w 149"/>
+                <a:gd name="T7" fmla="*/ 59 h 254"/>
+                <a:gd name="T8" fmla="*/ 105 w 149"/>
+                <a:gd name="T9" fmla="*/ 56 h 254"/>
+                <a:gd name="T10" fmla="*/ 129 w 149"/>
+                <a:gd name="T11" fmla="*/ 39 h 254"/>
+                <a:gd name="T12" fmla="*/ 145 w 149"/>
+                <a:gd name="T13" fmla="*/ 41 h 254"/>
+                <a:gd name="T14" fmla="*/ 142 w 149"/>
+                <a:gd name="T15" fmla="*/ 57 h 254"/>
+                <a:gd name="T16" fmla="*/ 112 w 149"/>
+                <a:gd name="T17" fmla="*/ 78 h 254"/>
+                <a:gd name="T18" fmla="*/ 104 w 149"/>
+                <a:gd name="T19" fmla="*/ 81 h 254"/>
+                <a:gd name="T20" fmla="*/ 75 w 149"/>
+                <a:gd name="T21" fmla="*/ 81 h 254"/>
+                <a:gd name="T22" fmla="*/ 71 w 149"/>
+                <a:gd name="T23" fmla="*/ 86 h 254"/>
+                <a:gd name="T24" fmla="*/ 75 w 149"/>
+                <a:gd name="T25" fmla="*/ 134 h 254"/>
+                <a:gd name="T26" fmla="*/ 81 w 149"/>
+                <a:gd name="T27" fmla="*/ 140 h 254"/>
+                <a:gd name="T28" fmla="*/ 105 w 149"/>
+                <a:gd name="T29" fmla="*/ 146 h 254"/>
+                <a:gd name="T30" fmla="*/ 119 w 149"/>
+                <a:gd name="T31" fmla="*/ 157 h 254"/>
+                <a:gd name="T32" fmla="*/ 139 w 149"/>
+                <a:gd name="T33" fmla="*/ 192 h 254"/>
+                <a:gd name="T34" fmla="*/ 134 w 149"/>
+                <a:gd name="T35" fmla="*/ 209 h 254"/>
+                <a:gd name="T36" fmla="*/ 118 w 149"/>
+                <a:gd name="T37" fmla="*/ 204 h 254"/>
+                <a:gd name="T38" fmla="*/ 100 w 149"/>
+                <a:gd name="T39" fmla="*/ 173 h 254"/>
+                <a:gd name="T40" fmla="*/ 95 w 149"/>
+                <a:gd name="T41" fmla="*/ 169 h 254"/>
+                <a:gd name="T42" fmla="*/ 71 w 149"/>
+                <a:gd name="T43" fmla="*/ 162 h 254"/>
+                <a:gd name="T44" fmla="*/ 73 w 149"/>
+                <a:gd name="T45" fmla="*/ 183 h 254"/>
+                <a:gd name="T46" fmla="*/ 74 w 149"/>
+                <a:gd name="T47" fmla="*/ 199 h 254"/>
+                <a:gd name="T48" fmla="*/ 67 w 149"/>
+                <a:gd name="T49" fmla="*/ 215 h 254"/>
+                <a:gd name="T50" fmla="*/ 54 w 149"/>
+                <a:gd name="T51" fmla="*/ 242 h 254"/>
+                <a:gd name="T52" fmla="*/ 33 w 149"/>
+                <a:gd name="T53" fmla="*/ 248 h 254"/>
+                <a:gd name="T54" fmla="*/ 32 w 149"/>
+                <a:gd name="T55" fmla="*/ 230 h 254"/>
+                <a:gd name="T56" fmla="*/ 49 w 149"/>
+                <a:gd name="T57" fmla="*/ 198 h 254"/>
+                <a:gd name="T58" fmla="*/ 50 w 149"/>
+                <a:gd name="T59" fmla="*/ 192 h 254"/>
+                <a:gd name="T60" fmla="*/ 47 w 149"/>
+                <a:gd name="T61" fmla="*/ 169 h 254"/>
+                <a:gd name="T62" fmla="*/ 44 w 149"/>
+                <a:gd name="T63" fmla="*/ 164 h 254"/>
+                <a:gd name="T64" fmla="*/ 37 w 149"/>
+                <a:gd name="T65" fmla="*/ 149 h 254"/>
+                <a:gd name="T66" fmla="*/ 31 w 149"/>
+                <a:gd name="T67" fmla="*/ 102 h 254"/>
+                <a:gd name="T68" fmla="*/ 31 w 149"/>
+                <a:gd name="T69" fmla="*/ 100 h 254"/>
+                <a:gd name="T70" fmla="*/ 23 w 149"/>
+                <a:gd name="T71" fmla="*/ 113 h 254"/>
+                <a:gd name="T72" fmla="*/ 26 w 149"/>
+                <a:gd name="T73" fmla="*/ 138 h 254"/>
+                <a:gd name="T74" fmla="*/ 16 w 149"/>
+                <a:gd name="T75" fmla="*/ 151 h 254"/>
+                <a:gd name="T76" fmla="*/ 4 w 149"/>
+                <a:gd name="T77" fmla="*/ 141 h 254"/>
+                <a:gd name="T78" fmla="*/ 0 w 149"/>
+                <a:gd name="T79" fmla="*/ 103 h 254"/>
+                <a:gd name="T80" fmla="*/ 2 w 149"/>
+                <a:gd name="T81" fmla="*/ 98 h 254"/>
+                <a:gd name="T82" fmla="*/ 26 w 149"/>
+                <a:gd name="T83" fmla="*/ 71 h 254"/>
+                <a:gd name="T84" fmla="*/ 28 w 149"/>
+                <a:gd name="T85" fmla="*/ 67 h 254"/>
+                <a:gd name="T86" fmla="*/ 35 w 149"/>
+                <a:gd name="T87" fmla="*/ 50 h 254"/>
+                <a:gd name="T88" fmla="*/ 21 w 149"/>
+                <a:gd name="T89" fmla="*/ 28 h 254"/>
+                <a:gd name="T90" fmla="*/ 28 w 149"/>
+                <a:gd name="T91" fmla="*/ 9 h 254"/>
+                <a:gd name="T92" fmla="*/ 63 w 149"/>
+                <a:gd name="T93" fmla="*/ 9 h 254"/>
+                <a:gd name="T94" fmla="*/ 59 w 149"/>
+                <a:gd name="T95" fmla="*/ 48 h 254"/>
+              </a:gdLst>
+              <a:ahLst/>
+              <a:cxnLst>
+                <a:cxn ang="0">
+                  <a:pos x="T0" y="T1"/>
+                </a:cxn>
+                <a:cxn ang="0">
+                  <a:pos x="T2" y="T3"/>
+                </a:cxn>
+                <a:cxn ang="0">
+                  <a:pos x="T4" y="T5"/>
+                </a:cxn>
+                <a:cxn ang="0">
+                  <a:pos x="T6" y="T7"/>
+                </a:cxn>
+                <a:cxn ang="0">
+                  <a:pos x="T8" y="T9"/>
+                </a:cxn>
+                <a:cxn ang="0">
+                  <a:pos x="T10" y="T11"/>
+                </a:cxn>
+                <a:cxn ang="0">
+                  <a:pos x="T12" y="T13"/>
+                </a:cxn>
+                <a:cxn ang="0">
+                  <a:pos x="T14" y="T15"/>
+                </a:cxn>
+                <a:cxn ang="0">
+                  <a:pos x="T16" y="T17"/>
+                </a:cxn>
+                <a:cxn ang="0">
+                  <a:pos x="T18" y="T19"/>
+                </a:cxn>
+                <a:cxn ang="0">
+                  <a:pos x="T20" y="T21"/>
+                </a:cxn>
+                <a:cxn ang="0">
+                  <a:pos x="T22" y="T23"/>
+                </a:cxn>
+                <a:cxn ang="0">
+                  <a:pos x="T24" y="T25"/>
+                </a:cxn>
+                <a:cxn ang="0">
+                  <a:pos x="T26" y="T27"/>
+                </a:cxn>
+                <a:cxn ang="0">
+                  <a:pos x="T28" y="T29"/>
+                </a:cxn>
+                <a:cxn ang="0">
+                  <a:pos x="T30" y="T31"/>
+                </a:cxn>
+                <a:cxn ang="0">
+                  <a:pos x="T32" y="T33"/>
+                </a:cxn>
+                <a:cxn ang="0">
+                  <a:pos x="T34" y="T35"/>
+                </a:cxn>
+                <a:cxn ang="0">
+                  <a:pos x="T36" y="T37"/>
+                </a:cxn>
+                <a:cxn ang="0">
+                  <a:pos x="T38" y="T39"/>
+                </a:cxn>
+                <a:cxn ang="0">
+                  <a:pos x="T40" y="T41"/>
+                </a:cxn>
+                <a:cxn ang="0">
+                  <a:pos x="T42" y="T43"/>
+                </a:cxn>
+                <a:cxn ang="0">
+                  <a:pos x="T44" y="T45"/>
+                </a:cxn>
+                <a:cxn ang="0">
+                  <a:pos x="T46" y="T47"/>
+                </a:cxn>
+                <a:cxn ang="0">
+                  <a:pos x="T48" y="T49"/>
+                </a:cxn>
+                <a:cxn ang="0">
+                  <a:pos x="T50" y="T51"/>
+                </a:cxn>
+                <a:cxn ang="0">
+                  <a:pos x="T52" y="T53"/>
+                </a:cxn>
+                <a:cxn ang="0">
+                  <a:pos x="T54" y="T55"/>
+                </a:cxn>
+                <a:cxn ang="0">
+                  <a:pos x="T56" y="T57"/>
+                </a:cxn>
+                <a:cxn ang="0">
+                  <a:pos x="T58" y="T59"/>
+                </a:cxn>
+                <a:cxn ang="0">
+                  <a:pos x="T60" y="T61"/>
+                </a:cxn>
+                <a:cxn ang="0">
+                  <a:pos x="T62" y="T63"/>
+                </a:cxn>
+                <a:cxn ang="0">
+                  <a:pos x="T64" y="T65"/>
+                </a:cxn>
+                <a:cxn ang="0">
+                  <a:pos x="T66" y="T67"/>
+                </a:cxn>
+                <a:cxn ang="0">
+                  <a:pos x="T68" y="T69"/>
+                </a:cxn>
+                <a:cxn ang="0">
+                  <a:pos x="T70" y="T71"/>
+                </a:cxn>
+                <a:cxn ang="0">
+                  <a:pos x="T72" y="T73"/>
+                </a:cxn>
+                <a:cxn ang="0">
+                  <a:pos x="T74" y="T75"/>
+                </a:cxn>
+                <a:cxn ang="0">
+                  <a:pos x="T76" y="T77"/>
+                </a:cxn>
+                <a:cxn ang="0">
+                  <a:pos x="T78" y="T79"/>
+                </a:cxn>
+                <a:cxn ang="0">
+                  <a:pos x="T80" y="T81"/>
+                </a:cxn>
+                <a:cxn ang="0">
+                  <a:pos x="T82" y="T83"/>
+                </a:cxn>
+                <a:cxn ang="0">
+                  <a:pos x="T84" y="T85"/>
+                </a:cxn>
+                <a:cxn ang="0">
+                  <a:pos x="T86" y="T87"/>
+                </a:cxn>
+                <a:cxn ang="0">
+                  <a:pos x="T88" y="T89"/>
+                </a:cxn>
+                <a:cxn ang="0">
+                  <a:pos x="T90" y="T91"/>
+                </a:cxn>
+                <a:cxn ang="0">
+                  <a:pos x="T92" y="T93"/>
+                </a:cxn>
+                <a:cxn ang="0">
+                  <a:pos x="T94" y="T95"/>
+                </a:cxn>
+              </a:cxnLst>
+              <a:rect l="0" t="0" r="r" b="b"/>
+              <a:pathLst>
+                <a:path w="149" h="254">
+                  <a:moveTo>
+                    <a:pt x="59" y="48"/>
+                  </a:moveTo>
+                  <a:cubicBezTo>
+                    <a:pt x="62" y="51"/>
+                    <a:pt x="64" y="55"/>
+                    <a:pt x="67" y="58"/>
+                  </a:cubicBezTo>
+                  <a:cubicBezTo>
+                    <a:pt x="68" y="59"/>
+                    <a:pt x="69" y="59"/>
+                    <a:pt x="71" y="59"/>
+                  </a:cubicBezTo>
+                  <a:cubicBezTo>
+                    <a:pt x="80" y="59"/>
+                    <a:pt x="89" y="59"/>
+                    <a:pt x="98" y="59"/>
+                  </a:cubicBezTo>
+                  <a:cubicBezTo>
+                    <a:pt x="101" y="59"/>
+                    <a:pt x="103" y="57"/>
+                    <a:pt x="105" y="56"/>
+                  </a:cubicBezTo>
+                  <a:cubicBezTo>
+                    <a:pt x="113" y="51"/>
+                    <a:pt x="121" y="45"/>
+                    <a:pt x="129" y="39"/>
+                  </a:cubicBezTo>
+                  <a:cubicBezTo>
+                    <a:pt x="134" y="35"/>
+                    <a:pt x="141" y="36"/>
+                    <a:pt x="145" y="41"/>
+                  </a:cubicBezTo>
+                  <a:cubicBezTo>
+                    <a:pt x="149" y="46"/>
+                    <a:pt x="147" y="53"/>
+                    <a:pt x="142" y="57"/>
+                  </a:cubicBezTo>
+                  <a:cubicBezTo>
+                    <a:pt x="132" y="64"/>
+                    <a:pt x="122" y="71"/>
+                    <a:pt x="112" y="78"/>
+                  </a:cubicBezTo>
+                  <a:cubicBezTo>
+                    <a:pt x="110" y="80"/>
+                    <a:pt x="107" y="80"/>
+                    <a:pt x="104" y="81"/>
+                  </a:cubicBezTo>
+                  <a:cubicBezTo>
+                    <a:pt x="95" y="81"/>
+                    <a:pt x="85" y="81"/>
+                    <a:pt x="75" y="81"/>
+                  </a:cubicBezTo>
+                  <a:cubicBezTo>
+                    <a:pt x="72" y="81"/>
+                    <a:pt x="70" y="82"/>
+                    <a:pt x="71" y="86"/>
+                  </a:cubicBezTo>
+                  <a:cubicBezTo>
+                    <a:pt x="73" y="102"/>
+                    <a:pt x="74" y="118"/>
+                    <a:pt x="75" y="134"/>
+                  </a:cubicBezTo>
+                  <a:cubicBezTo>
+                    <a:pt x="76" y="138"/>
+                    <a:pt x="78" y="139"/>
+                    <a:pt x="81" y="140"/>
+                  </a:cubicBezTo>
+                  <a:cubicBezTo>
+                    <a:pt x="89" y="142"/>
+                    <a:pt x="97" y="145"/>
+                    <a:pt x="105" y="146"/>
+                  </a:cubicBezTo>
+                  <a:cubicBezTo>
+                    <a:pt x="111" y="148"/>
+                    <a:pt x="116" y="151"/>
+                    <a:pt x="119" y="157"/>
+                  </a:cubicBezTo>
+                  <a:cubicBezTo>
+                    <a:pt x="125" y="169"/>
+                    <a:pt x="132" y="181"/>
+                    <a:pt x="139" y="192"/>
+                  </a:cubicBezTo>
+                  <a:cubicBezTo>
+                    <a:pt x="142" y="199"/>
+                    <a:pt x="140" y="206"/>
+                    <a:pt x="134" y="209"/>
+                  </a:cubicBezTo>
+                  <a:cubicBezTo>
+                    <a:pt x="129" y="212"/>
+                    <a:pt x="121" y="210"/>
+                    <a:pt x="118" y="204"/>
+                  </a:cubicBezTo>
+                  <a:cubicBezTo>
+                    <a:pt x="112" y="194"/>
+                    <a:pt x="106" y="184"/>
+                    <a:pt x="100" y="173"/>
+                  </a:cubicBezTo>
+                  <a:cubicBezTo>
+                    <a:pt x="99" y="172"/>
+                    <a:pt x="97" y="170"/>
+                    <a:pt x="95" y="169"/>
+                  </a:cubicBezTo>
+                  <a:cubicBezTo>
+                    <a:pt x="88" y="167"/>
+                    <a:pt x="80" y="165"/>
+                    <a:pt x="71" y="162"/>
+                  </a:cubicBezTo>
+                  <a:cubicBezTo>
+                    <a:pt x="72" y="170"/>
+                    <a:pt x="72" y="177"/>
+                    <a:pt x="73" y="183"/>
+                  </a:cubicBezTo>
+                  <a:cubicBezTo>
+                    <a:pt x="74" y="189"/>
+                    <a:pt x="75" y="194"/>
+                    <a:pt x="74" y="199"/>
+                  </a:cubicBezTo>
+                  <a:cubicBezTo>
+                    <a:pt x="73" y="205"/>
+                    <a:pt x="70" y="210"/>
+                    <a:pt x="67" y="215"/>
+                  </a:cubicBezTo>
+                  <a:cubicBezTo>
+                    <a:pt x="63" y="224"/>
+                    <a:pt x="58" y="233"/>
+                    <a:pt x="54" y="242"/>
+                  </a:cubicBezTo>
+                  <a:cubicBezTo>
+                    <a:pt x="49" y="251"/>
+                    <a:pt x="40" y="254"/>
+                    <a:pt x="33" y="248"/>
+                  </a:cubicBezTo>
+                  <a:cubicBezTo>
+                    <a:pt x="29" y="244"/>
+                    <a:pt x="28" y="237"/>
+                    <a:pt x="32" y="230"/>
+                  </a:cubicBezTo>
+                  <a:cubicBezTo>
+                    <a:pt x="38" y="219"/>
+                    <a:pt x="43" y="209"/>
+                    <a:pt x="49" y="198"/>
+                  </a:cubicBezTo>
+                  <a:cubicBezTo>
+                    <a:pt x="49" y="196"/>
+                    <a:pt x="50" y="194"/>
+                    <a:pt x="50" y="192"/>
+                  </a:cubicBezTo>
+                  <a:cubicBezTo>
+                    <a:pt x="49" y="184"/>
+                    <a:pt x="48" y="177"/>
+                    <a:pt x="47" y="169"/>
+                  </a:cubicBezTo>
+                  <a:cubicBezTo>
+                    <a:pt x="47" y="168"/>
+                    <a:pt x="46" y="165"/>
+                    <a:pt x="44" y="164"/>
+                  </a:cubicBezTo>
+                  <a:cubicBezTo>
+                    <a:pt x="40" y="160"/>
+                    <a:pt x="37" y="155"/>
+                    <a:pt x="37" y="149"/>
+                  </a:cubicBezTo>
+                  <a:cubicBezTo>
+                    <a:pt x="35" y="133"/>
+                    <a:pt x="33" y="118"/>
+                    <a:pt x="31" y="102"/>
+                  </a:cubicBezTo>
+                  <a:cubicBezTo>
+                    <a:pt x="31" y="102"/>
+                    <a:pt x="31" y="101"/>
+                    <a:pt x="31" y="100"/>
+                  </a:cubicBezTo>
+                  <a:cubicBezTo>
+                    <a:pt x="25" y="103"/>
+                    <a:pt x="23" y="108"/>
+                    <a:pt x="23" y="113"/>
+                  </a:cubicBezTo>
+                  <a:cubicBezTo>
+                    <a:pt x="24" y="121"/>
+                    <a:pt x="25" y="130"/>
+                    <a:pt x="26" y="138"/>
+                  </a:cubicBezTo>
+                  <a:cubicBezTo>
+                    <a:pt x="27" y="146"/>
+                    <a:pt x="23" y="151"/>
+                    <a:pt x="16" y="151"/>
+                  </a:cubicBezTo>
+                  <a:cubicBezTo>
+                    <a:pt x="10" y="152"/>
+                    <a:pt x="5" y="148"/>
+                    <a:pt x="4" y="141"/>
+                  </a:cubicBezTo>
+                  <a:cubicBezTo>
+                    <a:pt x="3" y="128"/>
+                    <a:pt x="1" y="116"/>
+                    <a:pt x="0" y="103"/>
+                  </a:cubicBezTo>
+                  <a:cubicBezTo>
+                    <a:pt x="0" y="101"/>
+                    <a:pt x="1" y="99"/>
+                    <a:pt x="2" y="98"/>
+                  </a:cubicBezTo>
+                  <a:cubicBezTo>
+                    <a:pt x="10" y="89"/>
+                    <a:pt x="18" y="80"/>
+                    <a:pt x="26" y="71"/>
+                  </a:cubicBezTo>
+                  <a:cubicBezTo>
+                    <a:pt x="27" y="70"/>
+                    <a:pt x="28" y="69"/>
+                    <a:pt x="28" y="67"/>
+                  </a:cubicBezTo>
+                  <a:cubicBezTo>
+                    <a:pt x="30" y="57"/>
+                    <a:pt x="30" y="57"/>
+                    <a:pt x="35" y="50"/>
+                  </a:cubicBezTo>
+                  <a:cubicBezTo>
+                    <a:pt x="27" y="45"/>
+                    <a:pt x="21" y="38"/>
+                    <a:pt x="21" y="28"/>
+                  </a:cubicBezTo>
+                  <a:cubicBezTo>
+                    <a:pt x="21" y="21"/>
+                    <a:pt x="23" y="15"/>
+                    <a:pt x="28" y="9"/>
+                  </a:cubicBezTo>
+                  <a:cubicBezTo>
+                    <a:pt x="37" y="0"/>
+                    <a:pt x="53" y="0"/>
+                    <a:pt x="63" y="9"/>
+                  </a:cubicBezTo>
+                  <a:cubicBezTo>
+                    <a:pt x="74" y="19"/>
+                    <a:pt x="73" y="35"/>
+                    <a:pt x="59" y="48"/>
+                  </a:cubicBezTo>
+                  <a:close/>
+                </a:path>
+              </a:pathLst>
+            </a:custGeom>
+            <a:solidFill>
+              <a:schemeClr val="bg1"/>
+            </a:solidFill>
+            <a:ln>
+              <a:noFill/>
+            </a:ln>
+            <a:extLst>
+              <a:ext uri="{91240B29-F687-4F45-9708-019B960494DF}">
+                <a14:hiddenLine xmlns:a14="http://schemas.microsoft.com/office/drawing/2010/main" w="9525">
+                  <a:solidFill>
+                    <a:srgbClr val="000000"/>
+                  </a:solidFill>
+                  <a:round/>
+                  <a:headEnd/>
+                  <a:tailEnd/>
+                </a14:hiddenLine>
+              </a:ext>
+            </a:extLst>
+          </p:spPr>
+          <p:txBody>
+            <a:bodyPr vert="horz" wrap="square" lIns="91440" tIns="45720" rIns="91440" bIns="45720" numCol="1" anchor="t" anchorCtr="0" compatLnSpc="1">
+              <a:prstTxWarp prst="textNoShape">
+                <a:avLst/>
+              </a:prstTxWarp>
+            </a:bodyPr>
+            <a:lstStyle>
+              <a:defPPr>
+                <a:defRPr lang="en-US"/>
+              </a:defPPr>
+              <a:lvl1pPr marL="0" algn="l" defTabSz="914400" rtl="0" eaLnBrk="1" latinLnBrk="0" hangingPunct="1">
+                <a:defRPr sz="1800" kern="1200">
+                  <a:solidFill>
+                    <a:schemeClr val="tx1"/>
+                  </a:solidFill>
+                  <a:latin typeface="+mn-lt"/>
+                  <a:ea typeface="+mn-ea"/>
+                  <a:cs typeface="+mn-cs"/>
+                </a:defRPr>
+              </a:lvl1pPr>
+              <a:lvl2pPr marL="457200" algn="l" defTabSz="914400" rtl="0" eaLnBrk="1" latinLnBrk="0" hangingPunct="1">
+                <a:defRPr sz="1800" kern="1200">
+                  <a:solidFill>
+                    <a:schemeClr val="tx1"/>
+                  </a:solidFill>
+                  <a:latin typeface="+mn-lt"/>
+                  <a:ea typeface="+mn-ea"/>
+                  <a:cs typeface="+mn-cs"/>
+                </a:defRPr>
+              </a:lvl2pPr>
+              <a:lvl3pPr marL="914400" algn="l" defTabSz="914400" rtl="0" eaLnBrk="1" latinLnBrk="0" hangingPunct="1">
+                <a:defRPr sz="1800" kern="1200">
+                  <a:solidFill>
+                    <a:schemeClr val="tx1"/>
+                  </a:solidFill>
+                  <a:latin typeface="+mn-lt"/>
+                  <a:ea typeface="+mn-ea"/>
+                  <a:cs typeface="+mn-cs"/>
+                </a:defRPr>
+              </a:lvl3pPr>
+              <a:lvl4pPr marL="1371600" algn="l" defTabSz="914400" rtl="0" eaLnBrk="1" latinLnBrk="0" hangingPunct="1">
+                <a:defRPr sz="1800" kern="1200">
+                  <a:solidFill>
+                    <a:schemeClr val="tx1"/>
+                  </a:solidFill>
+                  <a:latin typeface="+mn-lt"/>
+                  <a:ea typeface="+mn-ea"/>
+                  <a:cs typeface="+mn-cs"/>
+                </a:defRPr>
+              </a:lvl4pPr>
+              <a:lvl5pPr marL="1828800" algn="l" defTabSz="914400" rtl="0" eaLnBrk="1" latinLnBrk="0" hangingPunct="1">
+                <a:defRPr sz="1800" kern="1200">
+                  <a:solidFill>
+                    <a:schemeClr val="tx1"/>
+                  </a:solidFill>
+                  <a:latin typeface="+mn-lt"/>
+                  <a:ea typeface="+mn-ea"/>
+                  <a:cs typeface="+mn-cs"/>
+                </a:defRPr>
+              </a:lvl5pPr>
+              <a:lvl6pPr marL="2286000" algn="l" defTabSz="914400" rtl="0" eaLnBrk="1" latinLnBrk="0" hangingPunct="1">
+                <a:defRPr sz="1800" kern="1200">
+                  <a:solidFill>
+                    <a:schemeClr val="tx1"/>
+                  </a:solidFill>
+                  <a:latin typeface="+mn-lt"/>
+                  <a:ea typeface="+mn-ea"/>
+                  <a:cs typeface="+mn-cs"/>
+                </a:defRPr>
+              </a:lvl6pPr>
+              <a:lvl7pPr marL="2743200" algn="l" defTabSz="914400" rtl="0" eaLnBrk="1" latinLnBrk="0" hangingPunct="1">
+                <a:defRPr sz="1800" kern="1200">
+                  <a:solidFill>
+                    <a:schemeClr val="tx1"/>
+                  </a:solidFill>
+                  <a:latin typeface="+mn-lt"/>
+                  <a:ea typeface="+mn-ea"/>
+                  <a:cs typeface="+mn-cs"/>
+                </a:defRPr>
+              </a:lvl7pPr>
+              <a:lvl8pPr marL="3200400" algn="l" defTabSz="914400" rtl="0" eaLnBrk="1" latinLnBrk="0" hangingPunct="1">
+                <a:defRPr sz="1800" kern="1200">
+                  <a:solidFill>
+                    <a:schemeClr val="tx1"/>
+                  </a:solidFill>
+                  <a:latin typeface="+mn-lt"/>
+                  <a:ea typeface="+mn-ea"/>
+                  <a:cs typeface="+mn-cs"/>
+                </a:defRPr>
+              </a:lvl8pPr>
+              <a:lvl9pPr marL="3657600" algn="l" defTabSz="914400" rtl="0" eaLnBrk="1" latinLnBrk="0" hangingPunct="1">
+                <a:defRPr sz="1800" kern="1200">
+                  <a:solidFill>
+                    <a:schemeClr val="tx1"/>
+                  </a:solidFill>
+                  <a:latin typeface="+mn-lt"/>
+                  <a:ea typeface="+mn-ea"/>
+                  <a:cs typeface="+mn-cs"/>
+                </a:defRPr>
+              </a:lvl9pPr>
+            </a:lstStyle>
+            <a:p>
+              <a:pPr marL="0" marR="0" lvl="0" indent="0" algn="l" defTabSz="914400" rtl="0" eaLnBrk="1" fontAlgn="auto" latinLnBrk="0" hangingPunct="1">
+                <a:lnSpc>
+                  <a:spcPct val="100000"/>
+                </a:lnSpc>
+                <a:spcBef>
+                  <a:spcPts val="0"/>
+                </a:spcBef>
+                <a:spcAft>
+                  <a:spcPts val="0"/>
+                </a:spcAft>
+                <a:buClrTx/>
+                <a:buSzTx/>
+                <a:buFontTx/>
+                <a:buNone/>
+                <a:tabLst/>
+                <a:defRPr/>
+              </a:pPr>
+              <a:endParaRPr kumimoji="0" lang="en-US" sz="1800" b="0" i="0" u="none" strike="noStrike" kern="1200" cap="none" spc="0" normalizeH="0" baseline="0" noProof="0">
+                <a:ln>
+                  <a:noFill/>
+                </a:ln>
+                <a:solidFill>
+                  <a:srgbClr val="282F39"/>
+                </a:solidFill>
+                <a:effectLst/>
+                <a:uLnTx/>
+                <a:uFillTx/>
+                <a:latin typeface="Calibri" panose="020F0502020204030204"/>
+                <a:ea typeface="+mn-ea"/>
+                <a:cs typeface="+mn-cs"/>
+              </a:endParaRPr>
+            </a:p>
+          </p:txBody>
+        </p:sp>
+      </p:grpSp>
+    </p:spTree>
+    <p:extLst>
+      <p:ext uri="{BB962C8B-B14F-4D97-AF65-F5344CB8AC3E}">
+        <p14:creationId xmlns:p14="http://schemas.microsoft.com/office/powerpoint/2010/main" val="2327279358"/>
+      </p:ext>
+    </p:extLst>
+  </p:cSld>
+  <p:clrMapOvr>
+    <a:masterClrMapping/>
+  </p:clrMapOvr>
+  <p:timing>
+    <p:tnLst>
+      <p:par>
+        <p:cTn id="1" dur="indefinite" restart="never" nodeType="tmRoot"/>
+      </p:par>
+    </p:tnLst>
+  </p:timing>
+</p:sld>
+</file>
+
+<file path=ppt/slides/slide4.xml><?xml version="1.0" encoding="utf-8"?>
+<p:sld xmlns:a="http://schemas.openxmlformats.org/drawingml/2006/main" xmlns:r="http://schemas.openxmlformats.org/officeDocument/2006/relationships" xmlns:p="http://schemas.openxmlformats.org/presentationml/2006/main">
+  <p:cSld>
+    <p:spTree>
+      <p:nvGrpSpPr>
+        <p:cNvPr id="1" name=""/>
+        <p:cNvGrpSpPr/>
+        <p:nvPr/>
+      </p:nvGrpSpPr>
+      <p:grpSpPr>
+        <a:xfrm>
+          <a:off x="0" y="0"/>
+          <a:ext cx="0" cy="0"/>
+          <a:chOff x="0" y="0"/>
+          <a:chExt cx="0" cy="0"/>
+        </a:xfrm>
+      </p:grpSpPr>
+      <p:sp>
+        <p:nvSpPr>
+          <p:cNvPr id="30" name="Oval 29">
+            <a:extLst>
+              <a:ext uri="{FF2B5EF4-FFF2-40B4-BE49-F238E27FC236}">
+                <a16:creationId xmlns:a16="http://schemas.microsoft.com/office/drawing/2014/main" xmlns="" id="{D095E435-37F2-4A65-BD1E-4855AB426075}"/>
+              </a:ext>
+            </a:extLst>
+          </p:cNvPr>
+          <p:cNvSpPr/>
+          <p:nvPr/>
+        </p:nvSpPr>
+        <p:spPr>
+          <a:xfrm>
+            <a:off x="1218996" y="5006341"/>
+            <a:ext cx="2360682" cy="312636"/>
+          </a:xfrm>
+          <a:prstGeom prst="ellipse">
+            <a:avLst/>
+          </a:prstGeom>
+          <a:solidFill>
+            <a:schemeClr val="tx2">
+              <a:alpha val="30000"/>
             </a:schemeClr>
           </a:solidFill>
           <a:ln>
@@ -3813,145 +8127,134 @@
           </a:p>
         </p:txBody>
       </p:sp>
-      <p:sp>
-        <p:nvSpPr>
-          <p:cNvPr id="2" name="TextBox 1">
+      <p:grpSp>
+        <p:nvGrpSpPr>
+          <p:cNvPr id="5" name="Group 4">
             <a:extLst>
               <a:ext uri="{FF2B5EF4-FFF2-40B4-BE49-F238E27FC236}">
-                <a16:creationId xmlns:a16="http://schemas.microsoft.com/office/drawing/2014/main" xmlns="" id="{DB0A9C50-B290-4C30-A65A-9D7AB111D154}"/>
+                <a16:creationId xmlns:a16="http://schemas.microsoft.com/office/drawing/2014/main" xmlns="" id="{73B40DBA-D408-4D78-BB87-630C01DB9C71}"/>
               </a:ext>
             </a:extLst>
           </p:cNvPr>
-          <p:cNvSpPr txBox="1"/>
-          <p:nvPr/>
-        </p:nvSpPr>
-        <p:spPr>
-          <a:xfrm>
-            <a:off x="3054574" y="247431"/>
-            <a:ext cx="3257550" cy="784830"/>
-          </a:xfrm>
-          <a:prstGeom prst="rect">
-            <a:avLst/>
-          </a:prstGeom>
-          <a:noFill/>
-        </p:spPr>
-        <p:txBody>
-          <a:bodyPr wrap="square" rtlCol="0">
-            <a:spAutoFit/>
-          </a:bodyPr>
-          <a:lstStyle/>
-          <a:p>
-            <a:pPr marL="0" marR="0" lvl="0" indent="0" algn="ctr" defTabSz="914400" rtl="0" eaLnBrk="1" fontAlgn="auto" latinLnBrk="0" hangingPunct="1">
-              <a:lnSpc>
-                <a:spcPct val="100000"/>
-              </a:lnSpc>
-              <a:spcBef>
-                <a:spcPts val="0"/>
-              </a:spcBef>
-              <a:spcAft>
-                <a:spcPts val="0"/>
-              </a:spcAft>
-              <a:buClrTx/>
-              <a:buSzTx/>
-              <a:buFontTx/>
-              <a:buNone/>
-              <a:tabLst/>
-              <a:defRPr/>
-            </a:pPr>
-            <a:r>
-              <a:rPr kumimoji="0" lang="en-US" sz="4500" b="0" i="0" u="none" strike="noStrike" kern="1200" cap="none" spc="0" normalizeH="0" baseline="0" noProof="0" dirty="0" smtClean="0">
-                <a:ln>
-                  <a:noFill/>
-                </a:ln>
-                <a:solidFill>
-                  <a:srgbClr val="FFFFFF"/>
-                </a:solidFill>
-                <a:effectLst/>
-                <a:uLnTx/>
-                <a:uFillTx/>
-                <a:latin typeface="Noto Sans" panose="020B0502040504020204" pitchFamily="34"/>
-                <a:ea typeface="Noto Sans" panose="020B0502040504020204" pitchFamily="34"/>
-                <a:cs typeface="Noto Sans" panose="020B0502040504020204" pitchFamily="34"/>
-              </a:rPr>
-              <a:t>Myself</a:t>
-            </a:r>
-            <a:endParaRPr kumimoji="0" lang="en-GB" sz="4500" b="0" i="0" u="none" strike="noStrike" kern="1200" cap="none" spc="0" normalizeH="0" baseline="0" noProof="0" dirty="0">
-              <a:ln>
-                <a:noFill/>
-              </a:ln>
-              <a:solidFill>
-                <a:srgbClr val="FFFFFF"/>
-              </a:solidFill>
-              <a:effectLst/>
-              <a:uLnTx/>
-              <a:uFillTx/>
-              <a:latin typeface="Noto Sans" panose="020B0502040504020204" pitchFamily="34"/>
-              <a:ea typeface="Noto Sans" panose="020B0502040504020204" pitchFamily="34"/>
-              <a:cs typeface="Noto Sans" panose="020B0502040504020204" pitchFamily="34"/>
-            </a:endParaRPr>
-          </a:p>
-        </p:txBody>
-      </p:sp>
-      <p:grpSp>
-        <p:nvGrpSpPr>
-          <p:cNvPr id="34" name="Group 33"/>
           <p:cNvGrpSpPr/>
           <p:nvPr/>
         </p:nvGrpSpPr>
         <p:grpSpPr>
           <a:xfrm>
-            <a:off x="4441726" y="1388239"/>
-            <a:ext cx="4045300" cy="4308307"/>
-            <a:chOff x="2244725" y="2692929"/>
-            <a:chExt cx="3076575" cy="2457450"/>
+            <a:off x="641476" y="1459837"/>
+            <a:ext cx="2237211" cy="3752745"/>
+            <a:chOff x="1944652" y="1372234"/>
+            <a:chExt cx="2982948" cy="3752745"/>
           </a:xfrm>
         </p:grpSpPr>
         <p:sp>
           <p:nvSpPr>
-            <p:cNvPr id="23" name="Freeform 14"/>
+            <p:cNvPr id="6" name="Freeform 5"/>
             <p:cNvSpPr>
-              <a:spLocks/>
+              <a:spLocks noEditPoints="1"/>
             </p:cNvSpPr>
             <p:nvPr/>
           </p:nvSpPr>
           <p:spPr bwMode="auto">
             <a:xfrm>
-              <a:off x="2244725" y="4442354"/>
-              <a:ext cx="3076575" cy="369888"/>
+              <a:off x="2039451" y="1372234"/>
+              <a:ext cx="2888149" cy="3146020"/>
             </a:xfrm>
             <a:custGeom>
               <a:avLst/>
               <a:gdLst>
-                <a:gd name="T0" fmla="*/ 373 w 966"/>
-                <a:gd name="T1" fmla="*/ 116 h 116"/>
-                <a:gd name="T2" fmla="*/ 145 w 966"/>
-                <a:gd name="T3" fmla="*/ 116 h 116"/>
-                <a:gd name="T4" fmla="*/ 36 w 966"/>
-                <a:gd name="T5" fmla="*/ 116 h 116"/>
-                <a:gd name="T6" fmla="*/ 2 w 966"/>
-                <a:gd name="T7" fmla="*/ 89 h 116"/>
-                <a:gd name="T8" fmla="*/ 0 w 966"/>
-                <a:gd name="T9" fmla="*/ 75 h 116"/>
-                <a:gd name="T10" fmla="*/ 0 w 966"/>
-                <a:gd name="T11" fmla="*/ 0 h 116"/>
-                <a:gd name="T12" fmla="*/ 943 w 966"/>
-                <a:gd name="T13" fmla="*/ 0 h 116"/>
-                <a:gd name="T14" fmla="*/ 966 w 966"/>
-                <a:gd name="T15" fmla="*/ 0 h 116"/>
-                <a:gd name="T16" fmla="*/ 966 w 966"/>
-                <a:gd name="T17" fmla="*/ 79 h 116"/>
-                <a:gd name="T18" fmla="*/ 928 w 966"/>
-                <a:gd name="T19" fmla="*/ 116 h 116"/>
-                <a:gd name="T20" fmla="*/ 600 w 966"/>
-                <a:gd name="T21" fmla="*/ 116 h 116"/>
-                <a:gd name="T22" fmla="*/ 592 w 966"/>
-                <a:gd name="T23" fmla="*/ 116 h 116"/>
-                <a:gd name="T24" fmla="*/ 585 w 966"/>
-                <a:gd name="T25" fmla="*/ 116 h 116"/>
-                <a:gd name="T26" fmla="*/ 383 w 966"/>
-                <a:gd name="T27" fmla="*/ 116 h 116"/>
-                <a:gd name="T28" fmla="*/ 373 w 966"/>
-                <a:gd name="T29" fmla="*/ 116 h 116"/>
+                <a:gd name="T0" fmla="*/ 356 w 473"/>
+                <a:gd name="T1" fmla="*/ 7 h 516"/>
+                <a:gd name="T2" fmla="*/ 338 w 473"/>
+                <a:gd name="T3" fmla="*/ 24 h 516"/>
+                <a:gd name="T4" fmla="*/ 325 w 473"/>
+                <a:gd name="T5" fmla="*/ 49 h 516"/>
+                <a:gd name="T6" fmla="*/ 328 w 473"/>
+                <a:gd name="T7" fmla="*/ 55 h 516"/>
+                <a:gd name="T8" fmla="*/ 416 w 473"/>
+                <a:gd name="T9" fmla="*/ 140 h 516"/>
+                <a:gd name="T10" fmla="*/ 464 w 473"/>
+                <a:gd name="T11" fmla="*/ 211 h 516"/>
+                <a:gd name="T12" fmla="*/ 468 w 473"/>
+                <a:gd name="T13" fmla="*/ 219 h 516"/>
+                <a:gd name="T14" fmla="*/ 456 w 473"/>
+                <a:gd name="T15" fmla="*/ 245 h 516"/>
+                <a:gd name="T16" fmla="*/ 448 w 473"/>
+                <a:gd name="T17" fmla="*/ 254 h 516"/>
+                <a:gd name="T18" fmla="*/ 433 w 473"/>
+                <a:gd name="T19" fmla="*/ 268 h 516"/>
+                <a:gd name="T20" fmla="*/ 390 w 473"/>
+                <a:gd name="T21" fmla="*/ 261 h 516"/>
+                <a:gd name="T22" fmla="*/ 354 w 473"/>
+                <a:gd name="T23" fmla="*/ 239 h 516"/>
+                <a:gd name="T24" fmla="*/ 338 w 473"/>
+                <a:gd name="T25" fmla="*/ 233 h 516"/>
+                <a:gd name="T26" fmla="*/ 323 w 473"/>
+                <a:gd name="T27" fmla="*/ 235 h 516"/>
+                <a:gd name="T28" fmla="*/ 291 w 473"/>
+                <a:gd name="T29" fmla="*/ 245 h 516"/>
+                <a:gd name="T30" fmla="*/ 254 w 473"/>
+                <a:gd name="T31" fmla="*/ 233 h 516"/>
+                <a:gd name="T32" fmla="*/ 252 w 473"/>
+                <a:gd name="T33" fmla="*/ 232 h 516"/>
+                <a:gd name="T34" fmla="*/ 251 w 473"/>
+                <a:gd name="T35" fmla="*/ 232 h 516"/>
+                <a:gd name="T36" fmla="*/ 250 w 473"/>
+                <a:gd name="T37" fmla="*/ 254 h 516"/>
+                <a:gd name="T38" fmla="*/ 271 w 473"/>
+                <a:gd name="T39" fmla="*/ 305 h 516"/>
+                <a:gd name="T40" fmla="*/ 317 w 473"/>
+                <a:gd name="T41" fmla="*/ 366 h 516"/>
+                <a:gd name="T42" fmla="*/ 340 w 473"/>
+                <a:gd name="T43" fmla="*/ 403 h 516"/>
+                <a:gd name="T44" fmla="*/ 358 w 473"/>
+                <a:gd name="T45" fmla="*/ 481 h 516"/>
+                <a:gd name="T46" fmla="*/ 353 w 473"/>
+                <a:gd name="T47" fmla="*/ 516 h 516"/>
+                <a:gd name="T48" fmla="*/ 347 w 473"/>
+                <a:gd name="T49" fmla="*/ 516 h 516"/>
+                <a:gd name="T50" fmla="*/ 34 w 473"/>
+                <a:gd name="T51" fmla="*/ 516 h 516"/>
+                <a:gd name="T52" fmla="*/ 27 w 473"/>
+                <a:gd name="T53" fmla="*/ 510 h 516"/>
+                <a:gd name="T54" fmla="*/ 17 w 473"/>
+                <a:gd name="T55" fmla="*/ 467 h 516"/>
+                <a:gd name="T56" fmla="*/ 9 w 473"/>
+                <a:gd name="T57" fmla="*/ 427 h 516"/>
+                <a:gd name="T58" fmla="*/ 2 w 473"/>
+                <a:gd name="T59" fmla="*/ 315 h 516"/>
+                <a:gd name="T60" fmla="*/ 10 w 473"/>
+                <a:gd name="T61" fmla="*/ 254 h 516"/>
+                <a:gd name="T62" fmla="*/ 50 w 473"/>
+                <a:gd name="T63" fmla="*/ 156 h 516"/>
+                <a:gd name="T64" fmla="*/ 193 w 473"/>
+                <a:gd name="T65" fmla="*/ 49 h 516"/>
+                <a:gd name="T66" fmla="*/ 236 w 473"/>
+                <a:gd name="T67" fmla="*/ 37 h 516"/>
+                <a:gd name="T68" fmla="*/ 261 w 473"/>
+                <a:gd name="T69" fmla="*/ 32 h 516"/>
+                <a:gd name="T70" fmla="*/ 265 w 473"/>
+                <a:gd name="T71" fmla="*/ 30 h 516"/>
+                <a:gd name="T72" fmla="*/ 330 w 473"/>
+                <a:gd name="T73" fmla="*/ 3 h 516"/>
+                <a:gd name="T74" fmla="*/ 356 w 473"/>
+                <a:gd name="T75" fmla="*/ 7 h 516"/>
+                <a:gd name="T76" fmla="*/ 309 w 473"/>
+                <a:gd name="T77" fmla="*/ 126 h 516"/>
+                <a:gd name="T78" fmla="*/ 312 w 473"/>
+                <a:gd name="T79" fmla="*/ 124 h 516"/>
+                <a:gd name="T80" fmla="*/ 333 w 473"/>
+                <a:gd name="T81" fmla="*/ 127 h 516"/>
+                <a:gd name="T82" fmla="*/ 341 w 473"/>
+                <a:gd name="T83" fmla="*/ 132 h 516"/>
+                <a:gd name="T84" fmla="*/ 352 w 473"/>
+                <a:gd name="T85" fmla="*/ 129 h 516"/>
+                <a:gd name="T86" fmla="*/ 350 w 473"/>
+                <a:gd name="T87" fmla="*/ 119 h 516"/>
+                <a:gd name="T88" fmla="*/ 344 w 473"/>
+                <a:gd name="T89" fmla="*/ 114 h 516"/>
+                <a:gd name="T90" fmla="*/ 309 w 473"/>
+                <a:gd name="T91" fmla="*/ 126 h 516"/>
               </a:gdLst>
               <a:ahLst/>
               <a:cxnLst>
@@ -4000,104 +8303,350 @@
                 <a:cxn ang="0">
                   <a:pos x="T28" y="T29"/>
                 </a:cxn>
+                <a:cxn ang="0">
+                  <a:pos x="T30" y="T31"/>
+                </a:cxn>
+                <a:cxn ang="0">
+                  <a:pos x="T32" y="T33"/>
+                </a:cxn>
+                <a:cxn ang="0">
+                  <a:pos x="T34" y="T35"/>
+                </a:cxn>
+                <a:cxn ang="0">
+                  <a:pos x="T36" y="T37"/>
+                </a:cxn>
+                <a:cxn ang="0">
+                  <a:pos x="T38" y="T39"/>
+                </a:cxn>
+                <a:cxn ang="0">
+                  <a:pos x="T40" y="T41"/>
+                </a:cxn>
+                <a:cxn ang="0">
+                  <a:pos x="T42" y="T43"/>
+                </a:cxn>
+                <a:cxn ang="0">
+                  <a:pos x="T44" y="T45"/>
+                </a:cxn>
+                <a:cxn ang="0">
+                  <a:pos x="T46" y="T47"/>
+                </a:cxn>
+                <a:cxn ang="0">
+                  <a:pos x="T48" y="T49"/>
+                </a:cxn>
+                <a:cxn ang="0">
+                  <a:pos x="T50" y="T51"/>
+                </a:cxn>
+                <a:cxn ang="0">
+                  <a:pos x="T52" y="T53"/>
+                </a:cxn>
+                <a:cxn ang="0">
+                  <a:pos x="T54" y="T55"/>
+                </a:cxn>
+                <a:cxn ang="0">
+                  <a:pos x="T56" y="T57"/>
+                </a:cxn>
+                <a:cxn ang="0">
+                  <a:pos x="T58" y="T59"/>
+                </a:cxn>
+                <a:cxn ang="0">
+                  <a:pos x="T60" y="T61"/>
+                </a:cxn>
+                <a:cxn ang="0">
+                  <a:pos x="T62" y="T63"/>
+                </a:cxn>
+                <a:cxn ang="0">
+                  <a:pos x="T64" y="T65"/>
+                </a:cxn>
+                <a:cxn ang="0">
+                  <a:pos x="T66" y="T67"/>
+                </a:cxn>
+                <a:cxn ang="0">
+                  <a:pos x="T68" y="T69"/>
+                </a:cxn>
+                <a:cxn ang="0">
+                  <a:pos x="T70" y="T71"/>
+                </a:cxn>
+                <a:cxn ang="0">
+                  <a:pos x="T72" y="T73"/>
+                </a:cxn>
+                <a:cxn ang="0">
+                  <a:pos x="T74" y="T75"/>
+                </a:cxn>
+                <a:cxn ang="0">
+                  <a:pos x="T76" y="T77"/>
+                </a:cxn>
+                <a:cxn ang="0">
+                  <a:pos x="T78" y="T79"/>
+                </a:cxn>
+                <a:cxn ang="0">
+                  <a:pos x="T80" y="T81"/>
+                </a:cxn>
+                <a:cxn ang="0">
+                  <a:pos x="T82" y="T83"/>
+                </a:cxn>
+                <a:cxn ang="0">
+                  <a:pos x="T84" y="T85"/>
+                </a:cxn>
+                <a:cxn ang="0">
+                  <a:pos x="T86" y="T87"/>
+                </a:cxn>
+                <a:cxn ang="0">
+                  <a:pos x="T88" y="T89"/>
+                </a:cxn>
+                <a:cxn ang="0">
+                  <a:pos x="T90" y="T91"/>
+                </a:cxn>
               </a:cxnLst>
               <a:rect l="0" t="0" r="r" b="b"/>
               <a:pathLst>
-                <a:path w="966" h="116">
+                <a:path w="473" h="516">
                   <a:moveTo>
-                    <a:pt x="373" y="116"/>
+                    <a:pt x="356" y="7"/>
                   </a:moveTo>
                   <a:cubicBezTo>
-                    <a:pt x="297" y="116"/>
-                    <a:pt x="221" y="116"/>
-                    <a:pt x="145" y="116"/>
-                  </a:cubicBezTo>
-                  <a:cubicBezTo>
-                    <a:pt x="109" y="116"/>
-                    <a:pt x="72" y="116"/>
-                    <a:pt x="36" y="116"/>
-                  </a:cubicBezTo>
-                  <a:cubicBezTo>
-                    <a:pt x="21" y="116"/>
-                    <a:pt x="5" y="104"/>
-                    <a:pt x="2" y="89"/>
-                  </a:cubicBezTo>
-                  <a:cubicBezTo>
-                    <a:pt x="0" y="84"/>
-                    <a:pt x="0" y="80"/>
-                    <a:pt x="0" y="75"/>
-                  </a:cubicBezTo>
-                  <a:cubicBezTo>
-                    <a:pt x="0" y="52"/>
-                    <a:pt x="0" y="0"/>
-                    <a:pt x="0" y="0"/>
-                  </a:cubicBezTo>
-                  <a:cubicBezTo>
-                    <a:pt x="0" y="0"/>
-                    <a:pt x="631" y="0"/>
-                    <a:pt x="943" y="0"/>
-                  </a:cubicBezTo>
-                  <a:cubicBezTo>
-                    <a:pt x="950" y="0"/>
-                    <a:pt x="959" y="0"/>
-                    <a:pt x="966" y="0"/>
-                  </a:cubicBezTo>
-                  <a:cubicBezTo>
-                    <a:pt x="966" y="0"/>
-                    <a:pt x="966" y="56"/>
-                    <a:pt x="966" y="79"/>
-                  </a:cubicBezTo>
-                  <a:cubicBezTo>
-                    <a:pt x="966" y="100"/>
-                    <a:pt x="949" y="116"/>
-                    <a:pt x="928" y="116"/>
-                  </a:cubicBezTo>
-                  <a:cubicBezTo>
-                    <a:pt x="819" y="116"/>
-                    <a:pt x="709" y="116"/>
-                    <a:pt x="600" y="116"/>
-                  </a:cubicBezTo>
-                  <a:cubicBezTo>
-                    <a:pt x="598" y="116"/>
-                    <a:pt x="595" y="116"/>
-                    <a:pt x="592" y="116"/>
-                  </a:cubicBezTo>
-                  <a:cubicBezTo>
-                    <a:pt x="590" y="116"/>
-                    <a:pt x="587" y="116"/>
-                    <a:pt x="585" y="116"/>
-                  </a:cubicBezTo>
-                  <a:cubicBezTo>
-                    <a:pt x="517" y="116"/>
-                    <a:pt x="450" y="116"/>
-                    <a:pt x="383" y="116"/>
-                  </a:cubicBezTo>
-                  <a:lnTo>
-                    <a:pt x="373" y="116"/>
-                  </a:lnTo>
+                    <a:pt x="349" y="13"/>
+                    <a:pt x="343" y="18"/>
+                    <a:pt x="338" y="24"/>
+                  </a:cubicBezTo>
+                  <a:cubicBezTo>
+                    <a:pt x="331" y="31"/>
+                    <a:pt x="327" y="40"/>
+                    <a:pt x="325" y="49"/>
+                  </a:cubicBezTo>
+                  <a:cubicBezTo>
+                    <a:pt x="324" y="52"/>
+                    <a:pt x="325" y="54"/>
+                    <a:pt x="328" y="55"/>
+                  </a:cubicBezTo>
+                  <a:cubicBezTo>
+                    <a:pt x="361" y="79"/>
+                    <a:pt x="390" y="108"/>
+                    <a:pt x="416" y="140"/>
+                  </a:cubicBezTo>
+                  <a:cubicBezTo>
+                    <a:pt x="435" y="162"/>
+                    <a:pt x="451" y="185"/>
+                    <a:pt x="464" y="211"/>
+                  </a:cubicBezTo>
+                  <a:cubicBezTo>
+                    <a:pt x="465" y="214"/>
+                    <a:pt x="467" y="216"/>
+                    <a:pt x="468" y="219"/>
+                  </a:cubicBezTo>
+                  <a:cubicBezTo>
+                    <a:pt x="473" y="231"/>
+                    <a:pt x="469" y="240"/>
+                    <a:pt x="456" y="245"/>
+                  </a:cubicBezTo>
+                  <a:cubicBezTo>
+                    <a:pt x="452" y="247"/>
+                    <a:pt x="449" y="249"/>
+                    <a:pt x="448" y="254"/>
+                  </a:cubicBezTo>
+                  <a:cubicBezTo>
+                    <a:pt x="447" y="263"/>
+                    <a:pt x="440" y="266"/>
+                    <a:pt x="433" y="268"/>
+                  </a:cubicBezTo>
+                  <a:cubicBezTo>
+                    <a:pt x="418" y="273"/>
+                    <a:pt x="403" y="269"/>
+                    <a:pt x="390" y="261"/>
+                  </a:cubicBezTo>
+                  <a:cubicBezTo>
+                    <a:pt x="378" y="254"/>
+                    <a:pt x="366" y="246"/>
+                    <a:pt x="354" y="239"/>
+                  </a:cubicBezTo>
+                  <a:cubicBezTo>
+                    <a:pt x="349" y="236"/>
+                    <a:pt x="344" y="233"/>
+                    <a:pt x="338" y="233"/>
+                  </a:cubicBezTo>
+                  <a:cubicBezTo>
+                    <a:pt x="334" y="232"/>
+                    <a:pt x="328" y="233"/>
+                    <a:pt x="323" y="235"/>
+                  </a:cubicBezTo>
+                  <a:cubicBezTo>
+                    <a:pt x="313" y="240"/>
+                    <a:pt x="302" y="244"/>
+                    <a:pt x="291" y="245"/>
+                  </a:cubicBezTo>
+                  <a:cubicBezTo>
+                    <a:pt x="277" y="246"/>
+                    <a:pt x="265" y="241"/>
+                    <a:pt x="254" y="233"/>
+                  </a:cubicBezTo>
+                  <a:cubicBezTo>
+                    <a:pt x="253" y="233"/>
+                    <a:pt x="253" y="232"/>
+                    <a:pt x="252" y="232"/>
+                  </a:cubicBezTo>
+                  <a:cubicBezTo>
+                    <a:pt x="252" y="232"/>
+                    <a:pt x="252" y="232"/>
+                    <a:pt x="251" y="232"/>
+                  </a:cubicBezTo>
+                  <a:cubicBezTo>
+                    <a:pt x="249" y="239"/>
+                    <a:pt x="249" y="246"/>
+                    <a:pt x="250" y="254"/>
+                  </a:cubicBezTo>
+                  <a:cubicBezTo>
+                    <a:pt x="252" y="273"/>
+                    <a:pt x="260" y="290"/>
+                    <a:pt x="271" y="305"/>
+                  </a:cubicBezTo>
+                  <a:cubicBezTo>
+                    <a:pt x="286" y="326"/>
+                    <a:pt x="302" y="346"/>
+                    <a:pt x="317" y="366"/>
+                  </a:cubicBezTo>
+                  <a:cubicBezTo>
+                    <a:pt x="325" y="378"/>
+                    <a:pt x="333" y="391"/>
+                    <a:pt x="340" y="403"/>
+                  </a:cubicBezTo>
+                  <a:cubicBezTo>
+                    <a:pt x="354" y="427"/>
+                    <a:pt x="359" y="453"/>
+                    <a:pt x="358" y="481"/>
+                  </a:cubicBezTo>
+                  <a:cubicBezTo>
+                    <a:pt x="358" y="492"/>
+                    <a:pt x="355" y="504"/>
+                    <a:pt x="353" y="516"/>
+                  </a:cubicBezTo>
+                  <a:cubicBezTo>
+                    <a:pt x="350" y="516"/>
+                    <a:pt x="349" y="516"/>
+                    <a:pt x="347" y="516"/>
+                  </a:cubicBezTo>
+                  <a:cubicBezTo>
+                    <a:pt x="243" y="516"/>
+                    <a:pt x="138" y="516"/>
+                    <a:pt x="34" y="516"/>
+                  </a:cubicBezTo>
+                  <a:cubicBezTo>
+                    <a:pt x="30" y="516"/>
+                    <a:pt x="28" y="515"/>
+                    <a:pt x="27" y="510"/>
+                  </a:cubicBezTo>
+                  <a:cubicBezTo>
+                    <a:pt x="24" y="496"/>
+                    <a:pt x="20" y="482"/>
+                    <a:pt x="17" y="467"/>
+                  </a:cubicBezTo>
+                  <a:cubicBezTo>
+                    <a:pt x="14" y="454"/>
+                    <a:pt x="11" y="440"/>
+                    <a:pt x="9" y="427"/>
+                  </a:cubicBezTo>
+                  <a:cubicBezTo>
+                    <a:pt x="3" y="390"/>
+                    <a:pt x="0" y="353"/>
+                    <a:pt x="2" y="315"/>
+                  </a:cubicBezTo>
+                  <a:cubicBezTo>
+                    <a:pt x="3" y="295"/>
+                    <a:pt x="5" y="274"/>
+                    <a:pt x="10" y="254"/>
+                  </a:cubicBezTo>
+                  <a:cubicBezTo>
+                    <a:pt x="17" y="219"/>
+                    <a:pt x="30" y="186"/>
+                    <a:pt x="50" y="156"/>
+                  </a:cubicBezTo>
+                  <a:cubicBezTo>
+                    <a:pt x="59" y="143"/>
+                    <a:pt x="106" y="84"/>
+                    <a:pt x="193" y="49"/>
+                  </a:cubicBezTo>
+                  <a:cubicBezTo>
+                    <a:pt x="207" y="44"/>
+                    <a:pt x="221" y="41"/>
+                    <a:pt x="236" y="37"/>
+                  </a:cubicBezTo>
+                  <a:cubicBezTo>
+                    <a:pt x="244" y="35"/>
+                    <a:pt x="253" y="34"/>
+                    <a:pt x="261" y="32"/>
+                  </a:cubicBezTo>
+                  <a:cubicBezTo>
+                    <a:pt x="262" y="32"/>
+                    <a:pt x="264" y="31"/>
+                    <a:pt x="265" y="30"/>
+                  </a:cubicBezTo>
+                  <a:cubicBezTo>
+                    <a:pt x="282" y="9"/>
+                    <a:pt x="304" y="0"/>
+                    <a:pt x="330" y="3"/>
+                  </a:cubicBezTo>
+                  <a:cubicBezTo>
+                    <a:pt x="338" y="4"/>
+                    <a:pt x="346" y="6"/>
+                    <a:pt x="356" y="7"/>
+                  </a:cubicBezTo>
+                  <a:close/>
+                  <a:moveTo>
+                    <a:pt x="309" y="126"/>
+                  </a:moveTo>
+                  <a:cubicBezTo>
+                    <a:pt x="311" y="125"/>
+                    <a:pt x="311" y="125"/>
+                    <a:pt x="312" y="124"/>
+                  </a:cubicBezTo>
+                  <a:cubicBezTo>
+                    <a:pt x="320" y="119"/>
+                    <a:pt x="326" y="121"/>
+                    <a:pt x="333" y="127"/>
+                  </a:cubicBezTo>
+                  <a:cubicBezTo>
+                    <a:pt x="335" y="129"/>
+                    <a:pt x="338" y="131"/>
+                    <a:pt x="341" y="132"/>
+                  </a:cubicBezTo>
+                  <a:cubicBezTo>
+                    <a:pt x="346" y="134"/>
+                    <a:pt x="350" y="132"/>
+                    <a:pt x="352" y="129"/>
+                  </a:cubicBezTo>
+                  <a:cubicBezTo>
+                    <a:pt x="355" y="125"/>
+                    <a:pt x="353" y="121"/>
+                    <a:pt x="350" y="119"/>
+                  </a:cubicBezTo>
+                  <a:cubicBezTo>
+                    <a:pt x="349" y="117"/>
+                    <a:pt x="347" y="115"/>
+                    <a:pt x="344" y="114"/>
+                  </a:cubicBezTo>
+                  <a:cubicBezTo>
+                    <a:pt x="334" y="110"/>
+                    <a:pt x="316" y="115"/>
+                    <a:pt x="309" y="126"/>
+                  </a:cubicBezTo>
                   <a:close/>
                 </a:path>
               </a:pathLst>
             </a:custGeom>
-            <a:solidFill>
-              <a:srgbClr val="F5F6F8"/>
-            </a:solidFill>
-            <a:ln>
-              <a:noFill/>
-            </a:ln>
-            <a:extLst>
-              <a:ext uri="{91240B29-F687-4F45-9708-019B960494DF}">
-                <a14:hiddenLine xmlns:a14="http://schemas.microsoft.com/office/drawing/2010/main" w="9525">
-                  <a:solidFill>
-                    <a:srgbClr val="000000"/>
-                  </a:solidFill>
-                  <a:round/>
-                  <a:headEnd/>
-                  <a:tailEnd/>
-                </a14:hiddenLine>
-              </a:ext>
-            </a:extLst>
+            <a:ln/>
           </p:spPr>
+          <p:style>
+            <a:lnRef idx="3">
+              <a:schemeClr val="lt1"/>
+            </a:lnRef>
+            <a:fillRef idx="1">
+              <a:schemeClr val="dk1"/>
+            </a:fillRef>
+            <a:effectRef idx="1">
+              <a:schemeClr val="dk1"/>
+            </a:effectRef>
+            <a:fontRef idx="minor">
+              <a:schemeClr val="lt1"/>
+            </a:fontRef>
+          </p:style>
           <p:txBody>
             <a:bodyPr vert="horz" wrap="square" lIns="91440" tIns="45720" rIns="91440" bIns="45720" numCol="1" anchor="t" anchorCtr="0" compatLnSpc="1">
               <a:prstTxWarp prst="textNoShape">
@@ -4142,62 +8691,36 @@
         </p:sp>
         <p:sp>
           <p:nvSpPr>
-            <p:cNvPr id="24" name="Freeform 15"/>
+            <p:cNvPr id="8" name="Freeform 7"/>
             <p:cNvSpPr>
-              <a:spLocks noEditPoints="1"/>
+              <a:spLocks/>
             </p:cNvSpPr>
             <p:nvPr/>
           </p:nvSpPr>
           <p:spPr bwMode="auto">
             <a:xfrm>
-              <a:off x="2244725" y="2692929"/>
-              <a:ext cx="3076575" cy="1749425"/>
+              <a:off x="3926456" y="2042698"/>
+              <a:ext cx="282142" cy="145621"/>
             </a:xfrm>
             <a:custGeom>
               <a:avLst/>
               <a:gdLst>
-                <a:gd name="T0" fmla="*/ 966 w 966"/>
-                <a:gd name="T1" fmla="*/ 549 h 549"/>
-                <a:gd name="T2" fmla="*/ 943 w 966"/>
-                <a:gd name="T3" fmla="*/ 549 h 549"/>
-                <a:gd name="T4" fmla="*/ 0 w 966"/>
-                <a:gd name="T5" fmla="*/ 549 h 549"/>
-                <a:gd name="T6" fmla="*/ 0 w 966"/>
-                <a:gd name="T7" fmla="*/ 108 h 549"/>
-                <a:gd name="T8" fmla="*/ 1 w 966"/>
-                <a:gd name="T9" fmla="*/ 39 h 549"/>
-                <a:gd name="T10" fmla="*/ 14 w 966"/>
-                <a:gd name="T11" fmla="*/ 9 h 549"/>
-                <a:gd name="T12" fmla="*/ 39 w 966"/>
-                <a:gd name="T13" fmla="*/ 1 h 549"/>
-                <a:gd name="T14" fmla="*/ 806 w 966"/>
-                <a:gd name="T15" fmla="*/ 1 h 549"/>
-                <a:gd name="T16" fmla="*/ 926 w 966"/>
-                <a:gd name="T17" fmla="*/ 1 h 549"/>
-                <a:gd name="T18" fmla="*/ 966 w 966"/>
-                <a:gd name="T19" fmla="*/ 41 h 549"/>
-                <a:gd name="T20" fmla="*/ 966 w 966"/>
-                <a:gd name="T21" fmla="*/ 549 h 549"/>
-                <a:gd name="T22" fmla="*/ 483 w 966"/>
-                <a:gd name="T23" fmla="*/ 511 h 549"/>
-                <a:gd name="T24" fmla="*/ 923 w 966"/>
-                <a:gd name="T25" fmla="*/ 511 h 549"/>
-                <a:gd name="T26" fmla="*/ 928 w 966"/>
-                <a:gd name="T27" fmla="*/ 506 h 549"/>
-                <a:gd name="T28" fmla="*/ 928 w 966"/>
-                <a:gd name="T29" fmla="*/ 45 h 549"/>
-                <a:gd name="T30" fmla="*/ 922 w 966"/>
-                <a:gd name="T31" fmla="*/ 38 h 549"/>
-                <a:gd name="T32" fmla="*/ 44 w 966"/>
-                <a:gd name="T33" fmla="*/ 38 h 549"/>
-                <a:gd name="T34" fmla="*/ 38 w 966"/>
-                <a:gd name="T35" fmla="*/ 45 h 549"/>
-                <a:gd name="T36" fmla="*/ 38 w 966"/>
-                <a:gd name="T37" fmla="*/ 505 h 549"/>
-                <a:gd name="T38" fmla="*/ 44 w 966"/>
-                <a:gd name="T39" fmla="*/ 511 h 549"/>
-                <a:gd name="T40" fmla="*/ 483 w 966"/>
-                <a:gd name="T41" fmla="*/ 511 h 549"/>
+                <a:gd name="T0" fmla="*/ 0 w 46"/>
+                <a:gd name="T1" fmla="*/ 16 h 24"/>
+                <a:gd name="T2" fmla="*/ 35 w 46"/>
+                <a:gd name="T3" fmla="*/ 4 h 24"/>
+                <a:gd name="T4" fmla="*/ 41 w 46"/>
+                <a:gd name="T5" fmla="*/ 9 h 24"/>
+                <a:gd name="T6" fmla="*/ 43 w 46"/>
+                <a:gd name="T7" fmla="*/ 19 h 24"/>
+                <a:gd name="T8" fmla="*/ 32 w 46"/>
+                <a:gd name="T9" fmla="*/ 22 h 24"/>
+                <a:gd name="T10" fmla="*/ 24 w 46"/>
+                <a:gd name="T11" fmla="*/ 17 h 24"/>
+                <a:gd name="T12" fmla="*/ 3 w 46"/>
+                <a:gd name="T13" fmla="*/ 14 h 24"/>
+                <a:gd name="T14" fmla="*/ 0 w 46"/>
+                <a:gd name="T15" fmla="*/ 16 h 24"/>
               </a:gdLst>
               <a:ahLst/>
               <a:cxnLst>
@@ -4225,157 +8748,54 @@
                 <a:cxn ang="0">
                   <a:pos x="T14" y="T15"/>
                 </a:cxn>
-                <a:cxn ang="0">
-                  <a:pos x="T16" y="T17"/>
-                </a:cxn>
-                <a:cxn ang="0">
-                  <a:pos x="T18" y="T19"/>
-                </a:cxn>
-                <a:cxn ang="0">
-                  <a:pos x="T20" y="T21"/>
-                </a:cxn>
-                <a:cxn ang="0">
-                  <a:pos x="T22" y="T23"/>
-                </a:cxn>
-                <a:cxn ang="0">
-                  <a:pos x="T24" y="T25"/>
-                </a:cxn>
-                <a:cxn ang="0">
-                  <a:pos x="T26" y="T27"/>
-                </a:cxn>
-                <a:cxn ang="0">
-                  <a:pos x="T28" y="T29"/>
-                </a:cxn>
-                <a:cxn ang="0">
-                  <a:pos x="T30" y="T31"/>
-                </a:cxn>
-                <a:cxn ang="0">
-                  <a:pos x="T32" y="T33"/>
-                </a:cxn>
-                <a:cxn ang="0">
-                  <a:pos x="T34" y="T35"/>
-                </a:cxn>
-                <a:cxn ang="0">
-                  <a:pos x="T36" y="T37"/>
-                </a:cxn>
-                <a:cxn ang="0">
-                  <a:pos x="T38" y="T39"/>
-                </a:cxn>
-                <a:cxn ang="0">
-                  <a:pos x="T40" y="T41"/>
-                </a:cxn>
               </a:cxnLst>
               <a:rect l="0" t="0" r="r" b="b"/>
               <a:pathLst>
-                <a:path w="966" h="549">
+                <a:path w="46" h="24">
                   <a:moveTo>
-                    <a:pt x="966" y="549"/>
+                    <a:pt x="0" y="16"/>
                   </a:moveTo>
                   <a:cubicBezTo>
-                    <a:pt x="959" y="549"/>
-                    <a:pt x="950" y="549"/>
-                    <a:pt x="943" y="549"/>
-                  </a:cubicBezTo>
-                  <a:cubicBezTo>
-                    <a:pt x="631" y="549"/>
-                    <a:pt x="0" y="549"/>
-                    <a:pt x="0" y="549"/>
-                  </a:cubicBezTo>
-                  <a:cubicBezTo>
-                    <a:pt x="0" y="549"/>
-                    <a:pt x="0" y="254"/>
-                    <a:pt x="0" y="108"/>
-                  </a:cubicBezTo>
-                  <a:cubicBezTo>
-                    <a:pt x="0" y="85"/>
-                    <a:pt x="1" y="62"/>
-                    <a:pt x="1" y="39"/>
-                  </a:cubicBezTo>
-                  <a:cubicBezTo>
-                    <a:pt x="2" y="27"/>
-                    <a:pt x="4" y="17"/>
-                    <a:pt x="14" y="9"/>
-                  </a:cubicBezTo>
-                  <a:cubicBezTo>
-                    <a:pt x="21" y="3"/>
-                    <a:pt x="30" y="1"/>
-                    <a:pt x="39" y="1"/>
-                  </a:cubicBezTo>
-                  <a:cubicBezTo>
-                    <a:pt x="295" y="1"/>
-                    <a:pt x="550" y="1"/>
-                    <a:pt x="806" y="1"/>
-                  </a:cubicBezTo>
-                  <a:cubicBezTo>
-                    <a:pt x="846" y="1"/>
-                    <a:pt x="886" y="2"/>
-                    <a:pt x="926" y="1"/>
-                  </a:cubicBezTo>
-                  <a:cubicBezTo>
-                    <a:pt x="949" y="0"/>
-                    <a:pt x="966" y="19"/>
-                    <a:pt x="966" y="41"/>
-                  </a:cubicBezTo>
-                  <a:cubicBezTo>
-                    <a:pt x="966" y="209"/>
-                    <a:pt x="966" y="549"/>
-                    <a:pt x="966" y="549"/>
-                  </a:cubicBezTo>
-                  <a:close/>
-                  <a:moveTo>
-                    <a:pt x="483" y="511"/>
-                  </a:moveTo>
-                  <a:cubicBezTo>
-                    <a:pt x="630" y="511"/>
-                    <a:pt x="776" y="511"/>
-                    <a:pt x="923" y="511"/>
-                  </a:cubicBezTo>
-                  <a:cubicBezTo>
-                    <a:pt x="926" y="511"/>
-                    <a:pt x="928" y="511"/>
-                    <a:pt x="928" y="506"/>
-                  </a:cubicBezTo>
-                  <a:cubicBezTo>
-                    <a:pt x="928" y="352"/>
-                    <a:pt x="928" y="199"/>
-                    <a:pt x="928" y="45"/>
-                  </a:cubicBezTo>
-                  <a:cubicBezTo>
-                    <a:pt x="928" y="37"/>
-                    <a:pt x="929" y="38"/>
-                    <a:pt x="922" y="38"/>
-                  </a:cubicBezTo>
-                  <a:cubicBezTo>
-                    <a:pt x="629" y="38"/>
-                    <a:pt x="337" y="38"/>
-                    <a:pt x="44" y="38"/>
-                  </a:cubicBezTo>
-                  <a:cubicBezTo>
-                    <a:pt x="37" y="38"/>
-                    <a:pt x="38" y="37"/>
-                    <a:pt x="38" y="45"/>
-                  </a:cubicBezTo>
-                  <a:cubicBezTo>
-                    <a:pt x="38" y="198"/>
-                    <a:pt x="38" y="351"/>
-                    <a:pt x="38" y="505"/>
-                  </a:cubicBezTo>
-                  <a:cubicBezTo>
-                    <a:pt x="38" y="511"/>
-                    <a:pt x="38" y="511"/>
-                    <a:pt x="44" y="511"/>
-                  </a:cubicBezTo>
-                  <a:cubicBezTo>
-                    <a:pt x="190" y="511"/>
-                    <a:pt x="337" y="511"/>
-                    <a:pt x="483" y="511"/>
+                    <a:pt x="7" y="5"/>
+                    <a:pt x="25" y="0"/>
+                    <a:pt x="35" y="4"/>
+                  </a:cubicBezTo>
+                  <a:cubicBezTo>
+                    <a:pt x="38" y="5"/>
+                    <a:pt x="40" y="7"/>
+                    <a:pt x="41" y="9"/>
+                  </a:cubicBezTo>
+                  <a:cubicBezTo>
+                    <a:pt x="44" y="11"/>
+                    <a:pt x="46" y="15"/>
+                    <a:pt x="43" y="19"/>
+                  </a:cubicBezTo>
+                  <a:cubicBezTo>
+                    <a:pt x="41" y="22"/>
+                    <a:pt x="37" y="24"/>
+                    <a:pt x="32" y="22"/>
+                  </a:cubicBezTo>
+                  <a:cubicBezTo>
+                    <a:pt x="29" y="21"/>
+                    <a:pt x="26" y="19"/>
+                    <a:pt x="24" y="17"/>
+                  </a:cubicBezTo>
+                  <a:cubicBezTo>
+                    <a:pt x="17" y="11"/>
+                    <a:pt x="11" y="9"/>
+                    <a:pt x="3" y="14"/>
+                  </a:cubicBezTo>
+                  <a:cubicBezTo>
+                    <a:pt x="2" y="15"/>
+                    <a:pt x="2" y="15"/>
+                    <a:pt x="0" y="16"/>
                   </a:cubicBezTo>
                   <a:close/>
                 </a:path>
               </a:pathLst>
             </a:custGeom>
             <a:solidFill>
-              <a:schemeClr val="bg2"/>
+              <a:schemeClr val="tx1"/>
             </a:solidFill>
             <a:ln>
               <a:noFill/>
@@ -4425,217 +8845,45 @@
         </p:sp>
         <p:sp>
           <p:nvSpPr>
-            <p:cNvPr id="25" name="Freeform 16"/>
-            <p:cNvSpPr>
-              <a:spLocks/>
-            </p:cNvSpPr>
+            <p:cNvPr id="3" name="Rectangle: Rounded Corners 2">
+              <a:extLst>
+                <a:ext uri="{FF2B5EF4-FFF2-40B4-BE49-F238E27FC236}">
+                  <a16:creationId xmlns:a16="http://schemas.microsoft.com/office/drawing/2014/main" xmlns="" id="{1CBF1C52-CB46-4BF6-A27A-B43D3999BE1D}"/>
+                </a:ext>
+              </a:extLst>
+            </p:cNvPr>
+            <p:cNvSpPr/>
             <p:nvPr/>
           </p:nvSpPr>
-          <p:spPr bwMode="auto">
+          <p:spPr>
             <a:xfrm>
-              <a:off x="3251200" y="4894792"/>
-              <a:ext cx="1060450" cy="249238"/>
+              <a:off x="1944652" y="4642609"/>
+              <a:ext cx="2508929" cy="482370"/>
             </a:xfrm>
-            <a:custGeom>
+            <a:prstGeom prst="roundRect">
               <a:avLst/>
-              <a:gdLst>
-                <a:gd name="T0" fmla="*/ 278 w 333"/>
-                <a:gd name="T1" fmla="*/ 0 h 78"/>
-                <a:gd name="T2" fmla="*/ 282 w 333"/>
-                <a:gd name="T3" fmla="*/ 34 h 78"/>
-                <a:gd name="T4" fmla="*/ 288 w 333"/>
-                <a:gd name="T5" fmla="*/ 60 h 78"/>
-                <a:gd name="T6" fmla="*/ 298 w 333"/>
-                <a:gd name="T7" fmla="*/ 67 h 78"/>
-                <a:gd name="T8" fmla="*/ 329 w 333"/>
-                <a:gd name="T9" fmla="*/ 74 h 78"/>
-                <a:gd name="T10" fmla="*/ 333 w 333"/>
-                <a:gd name="T11" fmla="*/ 76 h 78"/>
-                <a:gd name="T12" fmla="*/ 329 w 333"/>
-                <a:gd name="T13" fmla="*/ 77 h 78"/>
-                <a:gd name="T14" fmla="*/ 221 w 333"/>
-                <a:gd name="T15" fmla="*/ 77 h 78"/>
-                <a:gd name="T16" fmla="*/ 6 w 333"/>
-                <a:gd name="T17" fmla="*/ 77 h 78"/>
-                <a:gd name="T18" fmla="*/ 0 w 333"/>
-                <a:gd name="T19" fmla="*/ 76 h 78"/>
-                <a:gd name="T20" fmla="*/ 5 w 333"/>
-                <a:gd name="T21" fmla="*/ 74 h 78"/>
-                <a:gd name="T22" fmla="*/ 35 w 333"/>
-                <a:gd name="T23" fmla="*/ 67 h 78"/>
-                <a:gd name="T24" fmla="*/ 49 w 333"/>
-                <a:gd name="T25" fmla="*/ 50 h 78"/>
-                <a:gd name="T26" fmla="*/ 56 w 333"/>
-                <a:gd name="T27" fmla="*/ 0 h 78"/>
-                <a:gd name="T28" fmla="*/ 66 w 333"/>
-                <a:gd name="T29" fmla="*/ 0 h 78"/>
-                <a:gd name="T30" fmla="*/ 278 w 333"/>
-                <a:gd name="T31" fmla="*/ 0 h 78"/>
-              </a:gdLst>
-              <a:ahLst/>
-              <a:cxnLst>
-                <a:cxn ang="0">
-                  <a:pos x="T0" y="T1"/>
-                </a:cxn>
-                <a:cxn ang="0">
-                  <a:pos x="T2" y="T3"/>
-                </a:cxn>
-                <a:cxn ang="0">
-                  <a:pos x="T4" y="T5"/>
-                </a:cxn>
-                <a:cxn ang="0">
-                  <a:pos x="T6" y="T7"/>
-                </a:cxn>
-                <a:cxn ang="0">
-                  <a:pos x="T8" y="T9"/>
-                </a:cxn>
-                <a:cxn ang="0">
-                  <a:pos x="T10" y="T11"/>
-                </a:cxn>
-                <a:cxn ang="0">
-                  <a:pos x="T12" y="T13"/>
-                </a:cxn>
-                <a:cxn ang="0">
-                  <a:pos x="T14" y="T15"/>
-                </a:cxn>
-                <a:cxn ang="0">
-                  <a:pos x="T16" y="T17"/>
-                </a:cxn>
-                <a:cxn ang="0">
-                  <a:pos x="T18" y="T19"/>
-                </a:cxn>
-                <a:cxn ang="0">
-                  <a:pos x="T20" y="T21"/>
-                </a:cxn>
-                <a:cxn ang="0">
-                  <a:pos x="T22" y="T23"/>
-                </a:cxn>
-                <a:cxn ang="0">
-                  <a:pos x="T24" y="T25"/>
-                </a:cxn>
-                <a:cxn ang="0">
-                  <a:pos x="T26" y="T27"/>
-                </a:cxn>
-                <a:cxn ang="0">
-                  <a:pos x="T28" y="T29"/>
-                </a:cxn>
-                <a:cxn ang="0">
-                  <a:pos x="T30" y="T31"/>
-                </a:cxn>
-              </a:cxnLst>
-              <a:rect l="0" t="0" r="r" b="b"/>
-              <a:pathLst>
-                <a:path w="333" h="78">
-                  <a:moveTo>
-                    <a:pt x="278" y="0"/>
-                  </a:moveTo>
-                  <a:cubicBezTo>
-                    <a:pt x="280" y="12"/>
-                    <a:pt x="280" y="23"/>
-                    <a:pt x="282" y="34"/>
-                  </a:cubicBezTo>
-                  <a:cubicBezTo>
-                    <a:pt x="283" y="43"/>
-                    <a:pt x="285" y="51"/>
-                    <a:pt x="288" y="60"/>
-                  </a:cubicBezTo>
-                  <a:cubicBezTo>
-                    <a:pt x="290" y="64"/>
-                    <a:pt x="293" y="67"/>
-                    <a:pt x="298" y="67"/>
-                  </a:cubicBezTo>
-                  <a:cubicBezTo>
-                    <a:pt x="309" y="68"/>
-                    <a:pt x="319" y="72"/>
-                    <a:pt x="329" y="74"/>
-                  </a:cubicBezTo>
-                  <a:cubicBezTo>
-                    <a:pt x="331" y="74"/>
-                    <a:pt x="333" y="74"/>
-                    <a:pt x="333" y="76"/>
-                  </a:cubicBezTo>
-                  <a:cubicBezTo>
-                    <a:pt x="333" y="78"/>
-                    <a:pt x="330" y="77"/>
-                    <a:pt x="329" y="77"/>
-                  </a:cubicBezTo>
-                  <a:cubicBezTo>
-                    <a:pt x="293" y="77"/>
-                    <a:pt x="257" y="77"/>
-                    <a:pt x="221" y="77"/>
-                  </a:cubicBezTo>
-                  <a:cubicBezTo>
-                    <a:pt x="149" y="77"/>
-                    <a:pt x="78" y="77"/>
-                    <a:pt x="6" y="77"/>
-                  </a:cubicBezTo>
-                  <a:cubicBezTo>
-                    <a:pt x="4" y="77"/>
-                    <a:pt x="2" y="78"/>
-                    <a:pt x="0" y="76"/>
-                  </a:cubicBezTo>
-                  <a:cubicBezTo>
-                    <a:pt x="1" y="74"/>
-                    <a:pt x="3" y="74"/>
-                    <a:pt x="5" y="74"/>
-                  </a:cubicBezTo>
-                  <a:cubicBezTo>
-                    <a:pt x="15" y="72"/>
-                    <a:pt x="25" y="69"/>
-                    <a:pt x="35" y="67"/>
-                  </a:cubicBezTo>
-                  <a:cubicBezTo>
-                    <a:pt x="44" y="66"/>
-                    <a:pt x="46" y="61"/>
-                    <a:pt x="49" y="50"/>
-                  </a:cubicBezTo>
-                  <a:cubicBezTo>
-                    <a:pt x="52" y="35"/>
-                    <a:pt x="56" y="0"/>
-                    <a:pt x="56" y="0"/>
-                  </a:cubicBezTo>
-                  <a:cubicBezTo>
-                    <a:pt x="66" y="0"/>
-                    <a:pt x="66" y="0"/>
-                    <a:pt x="66" y="0"/>
-                  </a:cubicBezTo>
-                  <a:cubicBezTo>
-                    <a:pt x="66" y="0"/>
-                    <a:pt x="207" y="0"/>
-                    <a:pt x="278" y="0"/>
-                  </a:cubicBezTo>
-                  <a:close/>
-                </a:path>
-              </a:pathLst>
-            </a:custGeom>
-            <a:solidFill>
-              <a:srgbClr val="F5F6F8"/>
-            </a:solidFill>
-            <a:ln>
-              <a:noFill/>
-            </a:ln>
-            <a:extLst>
-              <a:ext uri="{91240B29-F687-4F45-9708-019B960494DF}">
-                <a14:hiddenLine xmlns:a14="http://schemas.microsoft.com/office/drawing/2010/main" w="9525">
-                  <a:solidFill>
-                    <a:srgbClr val="000000"/>
-                  </a:solidFill>
-                  <a:round/>
-                  <a:headEnd/>
-                  <a:tailEnd/>
-                </a14:hiddenLine>
-              </a:ext>
-            </a:extLst>
+            </a:prstGeom>
+            <a:ln/>
           </p:spPr>
+          <p:style>
+            <a:lnRef idx="2">
+              <a:schemeClr val="accent1"/>
+            </a:lnRef>
+            <a:fillRef idx="1">
+              <a:schemeClr val="lt1"/>
+            </a:fillRef>
+            <a:effectRef idx="0">
+              <a:schemeClr val="accent1"/>
+            </a:effectRef>
+            <a:fontRef idx="minor">
+              <a:schemeClr val="dk1"/>
+            </a:fontRef>
+          </p:style>
           <p:txBody>
-            <a:bodyPr vert="horz" wrap="square" lIns="91440" tIns="45720" rIns="91440" bIns="45720" numCol="1" anchor="t" anchorCtr="0" compatLnSpc="1">
-              <a:prstTxWarp prst="textNoShape">
-                <a:avLst/>
-              </a:prstTxWarp>
-            </a:bodyPr>
+            <a:bodyPr rtlCol="0" anchor="ctr"/>
             <a:lstStyle/>
             <a:p>
-              <a:pPr marL="0" marR="0" lvl="0" indent="0" algn="l" defTabSz="914400" rtl="0" eaLnBrk="1" fontAlgn="auto" latinLnBrk="0" hangingPunct="1">
+              <a:pPr marL="0" marR="0" lvl="0" indent="0" algn="ctr" defTabSz="914400" rtl="0" eaLnBrk="1" fontAlgn="auto" latinLnBrk="0" hangingPunct="1">
                 <a:lnSpc>
                   <a:spcPct val="100000"/>
                 </a:lnSpc>
@@ -4657,337 +8905,7 @@
                   <a:noFill/>
                 </a:ln>
                 <a:solidFill>
-                  <a:srgbClr val="282F39"/>
-                </a:solidFill>
-                <a:effectLst/>
-                <a:uLnTx/>
-                <a:uFillTx/>
-                <a:latin typeface="Calibri" panose="020F0502020204030204"/>
-                <a:ea typeface="+mn-ea"/>
-                <a:cs typeface="+mn-cs"/>
-              </a:endParaRPr>
-            </a:p>
-          </p:txBody>
-        </p:sp>
-        <p:sp>
-          <p:nvSpPr>
-            <p:cNvPr id="26" name="Freeform 17"/>
-            <p:cNvSpPr>
-              <a:spLocks/>
-            </p:cNvSpPr>
-            <p:nvPr/>
-          </p:nvSpPr>
-          <p:spPr bwMode="auto">
-            <a:xfrm>
-              <a:off x="3429000" y="4812242"/>
-              <a:ext cx="708025" cy="82550"/>
-            </a:xfrm>
-            <a:custGeom>
-              <a:avLst/>
-              <a:gdLst>
-                <a:gd name="T0" fmla="*/ 222 w 222"/>
-                <a:gd name="T1" fmla="*/ 26 h 26"/>
-                <a:gd name="T2" fmla="*/ 10 w 222"/>
-                <a:gd name="T3" fmla="*/ 26 h 26"/>
-                <a:gd name="T4" fmla="*/ 0 w 222"/>
-                <a:gd name="T5" fmla="*/ 26 h 26"/>
-                <a:gd name="T6" fmla="*/ 1 w 222"/>
-                <a:gd name="T7" fmla="*/ 0 h 26"/>
-                <a:gd name="T8" fmla="*/ 11 w 222"/>
-                <a:gd name="T9" fmla="*/ 0 h 26"/>
-                <a:gd name="T10" fmla="*/ 213 w 222"/>
-                <a:gd name="T11" fmla="*/ 0 h 26"/>
-                <a:gd name="T12" fmla="*/ 220 w 222"/>
-                <a:gd name="T13" fmla="*/ 0 h 26"/>
-                <a:gd name="T14" fmla="*/ 222 w 222"/>
-                <a:gd name="T15" fmla="*/ 26 h 26"/>
-              </a:gdLst>
-              <a:ahLst/>
-              <a:cxnLst>
-                <a:cxn ang="0">
-                  <a:pos x="T0" y="T1"/>
-                </a:cxn>
-                <a:cxn ang="0">
-                  <a:pos x="T2" y="T3"/>
-                </a:cxn>
-                <a:cxn ang="0">
-                  <a:pos x="T4" y="T5"/>
-                </a:cxn>
-                <a:cxn ang="0">
-                  <a:pos x="T6" y="T7"/>
-                </a:cxn>
-                <a:cxn ang="0">
-                  <a:pos x="T8" y="T9"/>
-                </a:cxn>
-                <a:cxn ang="0">
-                  <a:pos x="T10" y="T11"/>
-                </a:cxn>
-                <a:cxn ang="0">
-                  <a:pos x="T12" y="T13"/>
-                </a:cxn>
-                <a:cxn ang="0">
-                  <a:pos x="T14" y="T15"/>
-                </a:cxn>
-              </a:cxnLst>
-              <a:rect l="0" t="0" r="r" b="b"/>
-              <a:pathLst>
-                <a:path w="222" h="26">
-                  <a:moveTo>
-                    <a:pt x="222" y="26"/>
-                  </a:moveTo>
-                  <a:cubicBezTo>
-                    <a:pt x="151" y="26"/>
-                    <a:pt x="10" y="26"/>
-                    <a:pt x="10" y="26"/>
-                  </a:cubicBezTo>
-                  <a:cubicBezTo>
-                    <a:pt x="0" y="26"/>
-                    <a:pt x="0" y="26"/>
-                    <a:pt x="0" y="26"/>
-                  </a:cubicBezTo>
-                  <a:cubicBezTo>
-                    <a:pt x="0" y="17"/>
-                    <a:pt x="1" y="9"/>
-                    <a:pt x="1" y="0"/>
-                  </a:cubicBezTo>
-                  <a:cubicBezTo>
-                    <a:pt x="11" y="0"/>
-                    <a:pt x="11" y="0"/>
-                    <a:pt x="11" y="0"/>
-                  </a:cubicBezTo>
-                  <a:cubicBezTo>
-                    <a:pt x="11" y="0"/>
-                    <a:pt x="145" y="0"/>
-                    <a:pt x="213" y="0"/>
-                  </a:cubicBezTo>
-                  <a:cubicBezTo>
-                    <a:pt x="215" y="0"/>
-                    <a:pt x="218" y="0"/>
-                    <a:pt x="220" y="0"/>
-                  </a:cubicBezTo>
-                  <a:lnTo>
-                    <a:pt x="222" y="26"/>
-                  </a:lnTo>
-                  <a:close/>
-                </a:path>
-              </a:pathLst>
-            </a:custGeom>
-            <a:solidFill>
-              <a:schemeClr val="bg1">
-                <a:lumMod val="85000"/>
-              </a:schemeClr>
-            </a:solidFill>
-            <a:ln>
-              <a:noFill/>
-            </a:ln>
-          </p:spPr>
-          <p:txBody>
-            <a:bodyPr vert="horz" wrap="square" lIns="91440" tIns="45720" rIns="91440" bIns="45720" numCol="1" anchor="t" anchorCtr="0" compatLnSpc="1">
-              <a:prstTxWarp prst="textNoShape">
-                <a:avLst/>
-              </a:prstTxWarp>
-            </a:bodyPr>
-            <a:lstStyle/>
-            <a:p>
-              <a:pPr marL="0" marR="0" lvl="0" indent="0" algn="l" defTabSz="914400" rtl="0" eaLnBrk="1" fontAlgn="auto" latinLnBrk="0" hangingPunct="1">
-                <a:lnSpc>
-                  <a:spcPct val="100000"/>
-                </a:lnSpc>
-                <a:spcBef>
-                  <a:spcPts val="0"/>
-                </a:spcBef>
-                <a:spcAft>
-                  <a:spcPts val="0"/>
-                </a:spcAft>
-                <a:buClrTx/>
-                <a:buSzTx/>
-                <a:buFontTx/>
-                <a:buNone/>
-                <a:tabLst/>
-                <a:defRPr/>
-              </a:pPr>
-              <a:endParaRPr kumimoji="0" lang="en-US" sz="1800" b="0" i="0" u="none" strike="noStrike" kern="1200" cap="none" spc="0" normalizeH="0" baseline="0" noProof="0">
-                <a:ln>
-                  <a:noFill/>
-                </a:ln>
-                <a:solidFill>
-                  <a:srgbClr val="282F39"/>
-                </a:solidFill>
-                <a:effectLst/>
-                <a:uLnTx/>
-                <a:uFillTx/>
-                <a:latin typeface="Calibri" panose="020F0502020204030204"/>
-                <a:ea typeface="+mn-ea"/>
-                <a:cs typeface="+mn-cs"/>
-              </a:endParaRPr>
-            </a:p>
-          </p:txBody>
-        </p:sp>
-        <p:sp>
-          <p:nvSpPr>
-            <p:cNvPr id="27" name="Freeform 18"/>
-            <p:cNvSpPr>
-              <a:spLocks/>
-            </p:cNvSpPr>
-            <p:nvPr/>
-          </p:nvSpPr>
-          <p:spPr bwMode="auto">
-            <a:xfrm>
-              <a:off x="3251200" y="5134504"/>
-              <a:ext cx="1060450" cy="15875"/>
-            </a:xfrm>
-            <a:custGeom>
-              <a:avLst/>
-              <a:gdLst>
-                <a:gd name="T0" fmla="*/ 167 w 333"/>
-                <a:gd name="T1" fmla="*/ 2 h 5"/>
-                <a:gd name="T2" fmla="*/ 331 w 333"/>
-                <a:gd name="T3" fmla="*/ 2 h 5"/>
-                <a:gd name="T4" fmla="*/ 333 w 333"/>
-                <a:gd name="T5" fmla="*/ 3 h 5"/>
-                <a:gd name="T6" fmla="*/ 331 w 333"/>
-                <a:gd name="T7" fmla="*/ 5 h 5"/>
-                <a:gd name="T8" fmla="*/ 324 w 333"/>
-                <a:gd name="T9" fmla="*/ 5 h 5"/>
-                <a:gd name="T10" fmla="*/ 6 w 333"/>
-                <a:gd name="T11" fmla="*/ 5 h 5"/>
-                <a:gd name="T12" fmla="*/ 0 w 333"/>
-                <a:gd name="T13" fmla="*/ 3 h 5"/>
-                <a:gd name="T14" fmla="*/ 6 w 333"/>
-                <a:gd name="T15" fmla="*/ 2 h 5"/>
-                <a:gd name="T16" fmla="*/ 167 w 333"/>
-                <a:gd name="T17" fmla="*/ 2 h 5"/>
-                <a:gd name="T18" fmla="*/ 167 w 333"/>
-                <a:gd name="T19" fmla="*/ 2 h 5"/>
-              </a:gdLst>
-              <a:ahLst/>
-              <a:cxnLst>
-                <a:cxn ang="0">
-                  <a:pos x="T0" y="T1"/>
-                </a:cxn>
-                <a:cxn ang="0">
-                  <a:pos x="T2" y="T3"/>
-                </a:cxn>
-                <a:cxn ang="0">
-                  <a:pos x="T4" y="T5"/>
-                </a:cxn>
-                <a:cxn ang="0">
-                  <a:pos x="T6" y="T7"/>
-                </a:cxn>
-                <a:cxn ang="0">
-                  <a:pos x="T8" y="T9"/>
-                </a:cxn>
-                <a:cxn ang="0">
-                  <a:pos x="T10" y="T11"/>
-                </a:cxn>
-                <a:cxn ang="0">
-                  <a:pos x="T12" y="T13"/>
-                </a:cxn>
-                <a:cxn ang="0">
-                  <a:pos x="T14" y="T15"/>
-                </a:cxn>
-                <a:cxn ang="0">
-                  <a:pos x="T16" y="T17"/>
-                </a:cxn>
-                <a:cxn ang="0">
-                  <a:pos x="T18" y="T19"/>
-                </a:cxn>
-              </a:cxnLst>
-              <a:rect l="0" t="0" r="r" b="b"/>
-              <a:pathLst>
-                <a:path w="333" h="5">
-                  <a:moveTo>
-                    <a:pt x="167" y="2"/>
-                  </a:moveTo>
-                  <a:cubicBezTo>
-                    <a:pt x="222" y="2"/>
-                    <a:pt x="276" y="2"/>
-                    <a:pt x="331" y="2"/>
-                  </a:cubicBezTo>
-                  <a:cubicBezTo>
-                    <a:pt x="332" y="2"/>
-                    <a:pt x="333" y="1"/>
-                    <a:pt x="333" y="3"/>
-                  </a:cubicBezTo>
-                  <a:cubicBezTo>
-                    <a:pt x="333" y="4"/>
-                    <a:pt x="332" y="5"/>
-                    <a:pt x="331" y="5"/>
-                  </a:cubicBezTo>
-                  <a:cubicBezTo>
-                    <a:pt x="328" y="5"/>
-                    <a:pt x="326" y="5"/>
-                    <a:pt x="324" y="5"/>
-                  </a:cubicBezTo>
-                  <a:cubicBezTo>
-                    <a:pt x="218" y="5"/>
-                    <a:pt x="112" y="5"/>
-                    <a:pt x="6" y="5"/>
-                  </a:cubicBezTo>
-                  <a:cubicBezTo>
-                    <a:pt x="4" y="5"/>
-                    <a:pt x="0" y="5"/>
-                    <a:pt x="0" y="3"/>
-                  </a:cubicBezTo>
-                  <a:cubicBezTo>
-                    <a:pt x="0" y="0"/>
-                    <a:pt x="4" y="2"/>
-                    <a:pt x="6" y="2"/>
-                  </a:cubicBezTo>
-                  <a:cubicBezTo>
-                    <a:pt x="60" y="2"/>
-                    <a:pt x="114" y="2"/>
-                    <a:pt x="167" y="2"/>
-                  </a:cubicBezTo>
-                  <a:cubicBezTo>
-                    <a:pt x="167" y="2"/>
-                    <a:pt x="167" y="2"/>
-                    <a:pt x="167" y="2"/>
-                  </a:cubicBezTo>
-                  <a:close/>
-                </a:path>
-              </a:pathLst>
-            </a:custGeom>
-            <a:solidFill>
-              <a:schemeClr val="bg2">
-                <a:lumMod val="75000"/>
-              </a:schemeClr>
-            </a:solidFill>
-            <a:ln>
-              <a:noFill/>
-            </a:ln>
-          </p:spPr>
-          <p:txBody>
-            <a:bodyPr vert="horz" wrap="square" lIns="91440" tIns="45720" rIns="91440" bIns="45720" numCol="1" anchor="t" anchorCtr="0" compatLnSpc="1">
-              <a:prstTxWarp prst="textNoShape">
-                <a:avLst/>
-              </a:prstTxWarp>
-            </a:bodyPr>
-            <a:lstStyle/>
-            <a:p>
-              <a:pPr marL="0" marR="0" lvl="0" indent="0" algn="l" defTabSz="914400" rtl="0" eaLnBrk="1" fontAlgn="auto" latinLnBrk="0" hangingPunct="1">
-                <a:lnSpc>
-                  <a:spcPct val="100000"/>
-                </a:lnSpc>
-                <a:spcBef>
-                  <a:spcPts val="0"/>
-                </a:spcBef>
-                <a:spcAft>
-                  <a:spcPts val="0"/>
-                </a:spcAft>
-                <a:buClrTx/>
-                <a:buSzTx/>
-                <a:buFontTx/>
-                <a:buNone/>
-                <a:tabLst/>
-                <a:defRPr/>
-              </a:pPr>
-              <a:endParaRPr kumimoji="0" lang="en-US" sz="1800" b="0" i="0" u="none" strike="noStrike" kern="1200" cap="none" spc="0" normalizeH="0" baseline="0" noProof="0">
-                <a:ln>
-                  <a:noFill/>
-                </a:ln>
-                <a:solidFill>
-                  <a:srgbClr val="282F39"/>
+                  <a:srgbClr val="FFFFFF"/>
                 </a:solidFill>
                 <a:effectLst/>
                 <a:uLnTx/>
@@ -5002,29 +8920,27 @@
       </p:grpSp>
       <p:sp>
         <p:nvSpPr>
-          <p:cNvPr id="35" name="TextBox 34">
-            <a:extLst>
-              <a:ext uri="{FF2B5EF4-FFF2-40B4-BE49-F238E27FC236}">
-                <a16:creationId xmlns:a16="http://schemas.microsoft.com/office/drawing/2014/main" xmlns="" id="{68EB6B5D-84A6-4EA6-9AB4-A42F13EA240B}"/>
-              </a:ext>
-            </a:extLst>
-          </p:cNvPr>
-          <p:cNvSpPr txBox="1"/>
+          <p:cNvPr id="14" name="Title 1"/>
+          <p:cNvSpPr txBox="1">
+            <a:spLocks/>
+          </p:cNvSpPr>
           <p:nvPr/>
         </p:nvSpPr>
         <p:spPr>
           <a:xfrm>
-            <a:off x="5056557" y="2443492"/>
-            <a:ext cx="2811463" cy="1631216"/>
+            <a:off x="457200" y="274638"/>
+            <a:ext cx="8229600" cy="1143000"/>
           </a:xfrm>
           <a:prstGeom prst="rect">
             <a:avLst/>
           </a:prstGeom>
-          <a:noFill/>
+          <a:ln>
+            <a:noFill/>
+          </a:ln>
         </p:spPr>
         <p:txBody>
-          <a:bodyPr wrap="square" rtlCol="0">
-            <a:spAutoFit/>
+          <a:bodyPr>
+            <a:normAutofit/>
           </a:bodyPr>
           <a:lstStyle/>
           <a:p>
@@ -5033,7 +8949,7 @@
                 <a:spcPct val="100000"/>
               </a:lnSpc>
               <a:spcBef>
-                <a:spcPts val="0"/>
+                <a:spcPct val="0"/>
               </a:spcBef>
               <a:spcAft>
                 <a:spcPts val="0"/>
@@ -5046,405 +8962,114 @@
               <a:defRPr/>
             </a:pPr>
             <a:r>
-              <a:rPr kumimoji="0" lang="en-GB" sz="5000" b="0" i="0" u="none" strike="noStrike" kern="1200" cap="none" spc="0" normalizeH="0" baseline="0" noProof="0" dirty="0">
+              <a:rPr kumimoji="0" lang="en-US" sz="4400" b="0" i="0" u="none" strike="noStrike" kern="1200" cap="none" spc="0" normalizeH="0" baseline="0" noProof="0" dirty="0" smtClean="0">
                 <a:ln>
                   <a:noFill/>
                 </a:ln>
                 <a:solidFill>
-                  <a:srgbClr val="FCB414"/>
+                  <a:schemeClr val="bg1"/>
                 </a:solidFill>
                 <a:effectLst/>
                 <a:uLnTx/>
                 <a:uFillTx/>
-                <a:latin typeface="Noto Sans" panose="020B0502040504020204" pitchFamily="34"/>
-                <a:ea typeface="Noto Sans" panose="020B0502040504020204" pitchFamily="34"/>
-                <a:cs typeface="Noto Sans" panose="020B0502040504020204" pitchFamily="34"/>
+                <a:latin typeface="+mj-lt"/>
+                <a:ea typeface="+mj-ea"/>
+                <a:cs typeface="+mj-cs"/>
               </a:rPr>
-              <a:t>YOUR  IMAGE</a:t>
-            </a:r>
+              <a:t>Strategy</a:t>
+            </a:r>
+            <a:endParaRPr kumimoji="0" lang="en-US" sz="4400" b="0" i="0" u="none" strike="noStrike" kern="1200" cap="none" spc="0" normalizeH="0" baseline="0" noProof="0" dirty="0" smtClean="0">
+              <a:ln>
+                <a:noFill/>
+              </a:ln>
+              <a:solidFill>
+                <a:schemeClr val="bg1"/>
+              </a:solidFill>
+              <a:effectLst/>
+              <a:uLnTx/>
+              <a:uFillTx/>
+              <a:latin typeface="+mj-lt"/>
+              <a:ea typeface="+mj-ea"/>
+              <a:cs typeface="+mj-cs"/>
+            </a:endParaRPr>
           </a:p>
         </p:txBody>
       </p:sp>
-      <p:sp>
-        <p:nvSpPr>
-          <p:cNvPr id="14" name="TextBox 13">
-            <a:extLst>
-              <a:ext uri="{FF2B5EF4-FFF2-40B4-BE49-F238E27FC236}">
-                <a16:creationId xmlns:a16="http://schemas.microsoft.com/office/drawing/2014/main" xmlns="" id="{8016977A-112F-4154-95F5-0608714FBFEE}"/>
-              </a:ext>
-            </a:extLst>
-          </p:cNvPr>
-          <p:cNvSpPr txBox="1"/>
+      <p:pic>
+        <p:nvPicPr>
+          <p:cNvPr id="15" name="Picture 9" descr="C:\Users\hi\Desktop\1.png"/>
+          <p:cNvPicPr>
+            <a:picLocks noChangeAspect="1" noChangeArrowheads="1"/>
+          </p:cNvPicPr>
           <p:nvPr/>
-        </p:nvSpPr>
-        <p:spPr>
+        </p:nvPicPr>
+        <p:blipFill>
+          <a:blip r:embed="rId2"/>
+          <a:srcRect/>
+          <a:stretch>
+            <a:fillRect/>
+          </a:stretch>
+        </p:blipFill>
+        <p:spPr bwMode="auto">
           <a:xfrm>
-            <a:off x="941994" y="2466155"/>
-            <a:ext cx="2944206" cy="553998"/>
+            <a:off x="7772400" y="5867400"/>
+            <a:ext cx="523875" cy="523875"/>
           </a:xfrm>
           <a:prstGeom prst="rect">
             <a:avLst/>
           </a:prstGeom>
           <a:noFill/>
         </p:spPr>
-        <p:txBody>
-          <a:bodyPr wrap="square" rtlCol="0">
-            <a:spAutoFit/>
-          </a:bodyPr>
-          <a:lstStyle/>
-          <a:p>
-            <a:pPr marL="0" marR="0" lvl="0" indent="0" defTabSz="914400" rtl="0" eaLnBrk="1" fontAlgn="auto" latinLnBrk="0" hangingPunct="1">
-              <a:lnSpc>
-                <a:spcPct val="100000"/>
-              </a:lnSpc>
-              <a:spcBef>
-                <a:spcPts val="0"/>
-              </a:spcBef>
-              <a:spcAft>
-                <a:spcPts val="0"/>
-              </a:spcAft>
-              <a:buClrTx/>
-              <a:buSzTx/>
-              <a:buFontTx/>
-              <a:buNone/>
-              <a:tabLst/>
-              <a:defRPr/>
-            </a:pPr>
-            <a:r>
-              <a:rPr kumimoji="0" lang="en-US" sz="1500" b="1" i="0" u="none" strike="noStrike" kern="1200" cap="none" spc="0" normalizeH="0" baseline="0" noProof="0" dirty="0" smtClean="0">
-                <a:ln>
-                  <a:noFill/>
-                </a:ln>
-                <a:solidFill>
-                  <a:srgbClr val="FFFFFF"/>
-                </a:solidFill>
-                <a:effectLst/>
-                <a:uLnTx/>
-                <a:uFillTx/>
-                <a:latin typeface="Open Sans" panose="020B0606030504020204" pitchFamily="34" charset="0"/>
-              </a:rPr>
-              <a:t>Post</a:t>
-            </a:r>
-            <a:r>
-              <a:rPr kumimoji="0" lang="en-US" sz="1500" b="1" i="0" u="none" strike="noStrike" kern="1200" cap="none" spc="0" normalizeH="0" noProof="0" dirty="0" smtClean="0">
-                <a:ln>
-                  <a:noFill/>
-                </a:ln>
-                <a:solidFill>
-                  <a:srgbClr val="FFFFFF"/>
-                </a:solidFill>
-                <a:effectLst/>
-                <a:uLnTx/>
-                <a:uFillTx/>
-                <a:latin typeface="Open Sans" panose="020B0606030504020204" pitchFamily="34" charset="0"/>
-              </a:rPr>
-              <a:t> </a:t>
-            </a:r>
-            <a:r>
-              <a:rPr kumimoji="0" lang="en-US" sz="1500" b="1" i="0" u="none" strike="noStrike" kern="1200" cap="none" spc="0" normalizeH="0" baseline="0" noProof="0" dirty="0" smtClean="0">
-                <a:ln>
-                  <a:noFill/>
-                </a:ln>
-                <a:solidFill>
-                  <a:srgbClr val="FFFFFF"/>
-                </a:solidFill>
-                <a:effectLst/>
-                <a:uLnTx/>
-                <a:uFillTx/>
-                <a:latin typeface="Open Sans" panose="020B0606030504020204" pitchFamily="34" charset="0"/>
-              </a:rPr>
-              <a:t>graduation in Computer science. </a:t>
-            </a:r>
-            <a:endParaRPr kumimoji="0" lang="en-GB" sz="1500" b="1" i="0" u="none" strike="noStrike" kern="1200" cap="none" spc="0" normalizeH="0" baseline="0" noProof="0" dirty="0">
-              <a:ln>
-                <a:noFill/>
-              </a:ln>
-              <a:solidFill>
-                <a:srgbClr val="FFFFFF"/>
-              </a:solidFill>
-              <a:effectLst/>
-              <a:uLnTx/>
-              <a:uFillTx/>
-              <a:latin typeface="Noto Sans" panose="020B0502040504020204" pitchFamily="34"/>
-              <a:ea typeface="Noto Sans" panose="020B0502040504020204" pitchFamily="34"/>
-              <a:cs typeface="Noto Sans" panose="020B0502040504020204" pitchFamily="34"/>
-            </a:endParaRPr>
-          </a:p>
-        </p:txBody>
-      </p:sp>
-      <p:sp>
-        <p:nvSpPr>
-          <p:cNvPr id="15" name="TextBox 14">
-            <a:extLst>
-              <a:ext uri="{FF2B5EF4-FFF2-40B4-BE49-F238E27FC236}">
-                <a16:creationId xmlns:a16="http://schemas.microsoft.com/office/drawing/2014/main" xmlns="" id="{8016977A-112F-4154-95F5-0608714FBFEE}"/>
-              </a:ext>
-            </a:extLst>
-          </p:cNvPr>
-          <p:cNvSpPr txBox="1"/>
+      </p:pic>
+      <p:pic>
+        <p:nvPicPr>
+          <p:cNvPr id="16" name="Picture 10" descr="C:\Users\hi\Desktop\2.png"/>
+          <p:cNvPicPr>
+            <a:picLocks noChangeAspect="1" noChangeArrowheads="1"/>
+          </p:cNvPicPr>
           <p:nvPr/>
-        </p:nvSpPr>
-        <p:spPr>
+        </p:nvPicPr>
+        <p:blipFill>
+          <a:blip r:embed="rId3"/>
+          <a:srcRect/>
+          <a:stretch>
+            <a:fillRect/>
+          </a:stretch>
+        </p:blipFill>
+        <p:spPr bwMode="auto">
           <a:xfrm>
-            <a:off x="941994" y="3609155"/>
-            <a:ext cx="3172806" cy="784830"/>
+            <a:off x="6096000" y="6353175"/>
+            <a:ext cx="2324100" cy="504825"/>
           </a:xfrm>
           <a:prstGeom prst="rect">
             <a:avLst/>
           </a:prstGeom>
           <a:noFill/>
         </p:spPr>
-        <p:txBody>
-          <a:bodyPr wrap="square" rtlCol="0">
-            <a:spAutoFit/>
-          </a:bodyPr>
-          <a:lstStyle/>
-          <a:p>
-            <a:pPr marL="0" marR="0" lvl="0" indent="0" defTabSz="914400" rtl="0" eaLnBrk="1" fontAlgn="auto" latinLnBrk="0" hangingPunct="1">
-              <a:lnSpc>
-                <a:spcPct val="100000"/>
-              </a:lnSpc>
-              <a:spcBef>
-                <a:spcPts val="0"/>
-              </a:spcBef>
-              <a:spcAft>
-                <a:spcPts val="0"/>
-              </a:spcAft>
-              <a:buClrTx/>
-              <a:buSzTx/>
-              <a:buFontTx/>
-              <a:buNone/>
-              <a:tabLst/>
-              <a:defRPr/>
-            </a:pPr>
-            <a:r>
-              <a:rPr kumimoji="0" lang="en-US" sz="1500" b="1" i="0" u="none" strike="noStrike" kern="1200" cap="none" spc="0" normalizeH="0" baseline="0" noProof="0" dirty="0" smtClean="0">
-                <a:ln>
-                  <a:noFill/>
-                </a:ln>
-                <a:solidFill>
-                  <a:srgbClr val="FFFFFF"/>
-                </a:solidFill>
-                <a:effectLst/>
-                <a:uLnTx/>
-                <a:uFillTx/>
-                <a:latin typeface="Open Sans" panose="020B0606030504020204" pitchFamily="34" charset="0"/>
-              </a:rPr>
-              <a:t>Worked with diversified domains like Healthcare, Life sciences, Banking, Digital, Retail,</a:t>
-            </a:r>
-            <a:r>
-              <a:rPr kumimoji="0" lang="en-US" sz="1500" b="1" i="0" u="none" strike="noStrike" kern="1200" cap="none" spc="0" normalizeH="0" noProof="0" dirty="0" smtClean="0">
-                <a:ln>
-                  <a:noFill/>
-                </a:ln>
-                <a:solidFill>
-                  <a:srgbClr val="FFFFFF"/>
-                </a:solidFill>
-                <a:effectLst/>
-                <a:uLnTx/>
-                <a:uFillTx/>
-                <a:latin typeface="Open Sans" panose="020B0606030504020204" pitchFamily="34" charset="0"/>
-              </a:rPr>
-              <a:t> Gaming</a:t>
-            </a:r>
-            <a:r>
-              <a:rPr kumimoji="0" lang="en-US" sz="1500" b="1" i="0" u="none" strike="noStrike" kern="1200" cap="none" spc="0" normalizeH="0" baseline="0" noProof="0" dirty="0" smtClean="0">
-                <a:ln>
-                  <a:noFill/>
-                </a:ln>
-                <a:solidFill>
-                  <a:srgbClr val="FFFFFF"/>
-                </a:solidFill>
-                <a:effectLst/>
-                <a:uLnTx/>
-                <a:uFillTx/>
-                <a:latin typeface="Open Sans" panose="020B0606030504020204" pitchFamily="34" charset="0"/>
-              </a:rPr>
-              <a:t> </a:t>
-            </a:r>
-            <a:endParaRPr kumimoji="0" lang="en-GB" sz="1500" b="1" i="0" u="none" strike="noStrike" kern="1200" cap="none" spc="0" normalizeH="0" baseline="0" noProof="0" dirty="0">
-              <a:ln>
-                <a:noFill/>
-              </a:ln>
-              <a:solidFill>
-                <a:srgbClr val="FFFFFF"/>
-              </a:solidFill>
-              <a:effectLst/>
-              <a:uLnTx/>
-              <a:uFillTx/>
-              <a:latin typeface="Noto Sans" panose="020B0502040504020204" pitchFamily="34"/>
-              <a:ea typeface="Noto Sans" panose="020B0502040504020204" pitchFamily="34"/>
-              <a:cs typeface="Noto Sans" panose="020B0502040504020204" pitchFamily="34"/>
-            </a:endParaRPr>
-          </a:p>
-        </p:txBody>
-      </p:sp>
+      </p:pic>
       <p:sp>
         <p:nvSpPr>
-          <p:cNvPr id="16" name="Oval 15"/>
-          <p:cNvSpPr/>
+          <p:cNvPr id="4" name="TextBox 3"/>
+          <p:cNvSpPr txBox="1"/>
           <p:nvPr/>
         </p:nvSpPr>
         <p:spPr>
           <a:xfrm>
-            <a:off x="335857" y="1293799"/>
-            <a:ext cx="379775" cy="506366"/>
+            <a:off x="3200400" y="1372235"/>
+            <a:ext cx="5715000" cy="3139321"/>
           </a:xfrm>
-          <a:prstGeom prst="ellipse">
+          <a:prstGeom prst="rect">
             <a:avLst/>
           </a:prstGeom>
-          <a:ln/>
-        </p:spPr>
-        <p:style>
-          <a:lnRef idx="1">
-            <a:schemeClr val="accent2"/>
-          </a:lnRef>
-          <a:fillRef idx="3">
-            <a:schemeClr val="accent2"/>
-          </a:fillRef>
-          <a:effectRef idx="2">
-            <a:schemeClr val="accent2"/>
-          </a:effectRef>
-          <a:fontRef idx="minor">
-            <a:schemeClr val="lt1"/>
-          </a:fontRef>
-        </p:style>
-        <p:txBody>
-          <a:bodyPr rtlCol="0" anchor="ctr"/>
-          <a:lstStyle/>
-          <a:p>
-            <a:pPr marL="0" marR="0" lvl="0" indent="0" algn="ctr" defTabSz="914400" rtl="0" eaLnBrk="1" fontAlgn="auto" latinLnBrk="0" hangingPunct="1">
-              <a:lnSpc>
-                <a:spcPct val="100000"/>
-              </a:lnSpc>
-              <a:spcBef>
-                <a:spcPts val="0"/>
-              </a:spcBef>
-              <a:spcAft>
-                <a:spcPts val="0"/>
-              </a:spcAft>
-              <a:buClrTx/>
-              <a:buSzTx/>
-              <a:buFontTx/>
-              <a:buNone/>
-              <a:tabLst/>
-              <a:defRPr/>
-            </a:pPr>
-            <a:r>
-              <a:rPr kumimoji="0" lang="en-US" sz="1800" b="1" i="0" u="none" strike="noStrike" kern="1200" cap="none" spc="0" normalizeH="0" baseline="0" noProof="0" dirty="0">
-                <a:ln>
-                  <a:noFill/>
-                </a:ln>
-                <a:solidFill>
-                  <a:srgbClr val="FFFFFF"/>
-                </a:solidFill>
-                <a:effectLst/>
-                <a:uLnTx/>
-                <a:uFillTx/>
-                <a:latin typeface="Calibri" panose="020F0502020204030204"/>
-                <a:ea typeface="+mn-ea"/>
-                <a:cs typeface="+mn-cs"/>
-              </a:rPr>
-              <a:t>1</a:t>
-            </a:r>
-          </a:p>
-        </p:txBody>
-      </p:sp>
-      <p:sp>
-        <p:nvSpPr>
-          <p:cNvPr id="17" name="Oval 16"/>
-          <p:cNvSpPr/>
-          <p:nvPr/>
-        </p:nvSpPr>
-        <p:spPr>
-          <a:xfrm>
-            <a:off x="335857" y="2481249"/>
-            <a:ext cx="379775" cy="506366"/>
-          </a:xfrm>
-          <a:prstGeom prst="ellipse">
-            <a:avLst/>
-          </a:prstGeom>
-          <a:ln/>
         </p:spPr>
         <p:style>
           <a:lnRef idx="0">
-            <a:schemeClr val="accent4"/>
-          </a:lnRef>
-          <a:fillRef idx="3">
-            <a:schemeClr val="accent4"/>
-          </a:fillRef>
-          <a:effectRef idx="3">
-            <a:schemeClr val="accent4"/>
-          </a:effectRef>
-          <a:fontRef idx="minor">
-            <a:schemeClr val="lt1"/>
-          </a:fontRef>
-        </p:style>
-        <p:txBody>
-          <a:bodyPr rtlCol="0" anchor="ctr"/>
-          <a:lstStyle/>
-          <a:p>
-            <a:pPr marL="0" marR="0" lvl="0" indent="0" algn="ctr" defTabSz="914400" rtl="0" eaLnBrk="1" fontAlgn="auto" latinLnBrk="0" hangingPunct="1">
-              <a:lnSpc>
-                <a:spcPct val="100000"/>
-              </a:lnSpc>
-              <a:spcBef>
-                <a:spcPts val="0"/>
-              </a:spcBef>
-              <a:spcAft>
-                <a:spcPts val="0"/>
-              </a:spcAft>
-              <a:buClrTx/>
-              <a:buSzTx/>
-              <a:buFontTx/>
-              <a:buNone/>
-              <a:tabLst/>
-              <a:defRPr/>
-            </a:pPr>
-            <a:r>
-              <a:rPr kumimoji="0" lang="en-US" sz="1800" b="1" i="0" u="none" strike="noStrike" kern="1200" cap="none" spc="0" normalizeH="0" baseline="0" noProof="0" dirty="0">
-                <a:ln>
-                  <a:noFill/>
-                </a:ln>
-                <a:solidFill>
-                  <a:srgbClr val="FFFFFF"/>
-                </a:solidFill>
-                <a:effectLst/>
-                <a:uLnTx/>
-                <a:uFillTx/>
-                <a:latin typeface="Calibri" panose="020F0502020204030204"/>
-                <a:ea typeface="+mn-ea"/>
-                <a:cs typeface="+mn-cs"/>
-              </a:rPr>
-              <a:t>2</a:t>
-            </a:r>
-          </a:p>
-        </p:txBody>
-      </p:sp>
-      <p:sp>
-        <p:nvSpPr>
-          <p:cNvPr id="18" name="Oval 17"/>
-          <p:cNvSpPr/>
-          <p:nvPr/>
-        </p:nvSpPr>
-        <p:spPr>
-          <a:xfrm>
-            <a:off x="335857" y="3706799"/>
-            <a:ext cx="379775" cy="506366"/>
-          </a:xfrm>
-          <a:prstGeom prst="ellipse">
-            <a:avLst/>
-          </a:prstGeom>
-          <a:ln/>
-        </p:spPr>
-        <p:style>
-          <a:lnRef idx="1">
             <a:schemeClr val="accent1"/>
           </a:lnRef>
           <a:fillRef idx="3">
             <a:schemeClr val="accent1"/>
           </a:fillRef>
-          <a:effectRef idx="2">
+          <a:effectRef idx="3">
             <a:schemeClr val="accent1"/>
           </a:effectRef>
           <a:fontRef idx="minor">
@@ -5452,505 +9077,278 @@
           </a:fontRef>
         </p:style>
         <p:txBody>
-          <a:bodyPr rtlCol="0" anchor="ctr"/>
-          <a:lstStyle/>
-          <a:p>
-            <a:pPr marL="0" marR="0" lvl="0" indent="0" algn="ctr" defTabSz="914400" rtl="0" eaLnBrk="1" fontAlgn="auto" latinLnBrk="0" hangingPunct="1">
-              <a:lnSpc>
-                <a:spcPct val="100000"/>
-              </a:lnSpc>
-              <a:spcBef>
-                <a:spcPts val="0"/>
-              </a:spcBef>
-              <a:spcAft>
-                <a:spcPts val="0"/>
-              </a:spcAft>
-              <a:buClrTx/>
-              <a:buSzTx/>
-              <a:buFontTx/>
-              <a:buNone/>
-              <a:tabLst/>
-              <a:defRPr/>
-            </a:pPr>
-            <a:r>
-              <a:rPr kumimoji="0" lang="en-US" sz="1800" b="1" i="0" u="none" strike="noStrike" kern="1200" cap="none" spc="0" normalizeH="0" baseline="0" noProof="0" dirty="0">
-                <a:ln>
-                  <a:noFill/>
-                </a:ln>
-                <a:solidFill>
-                  <a:srgbClr val="FFFFFF"/>
-                </a:solidFill>
-                <a:effectLst/>
-                <a:uLnTx/>
-                <a:uFillTx/>
-                <a:latin typeface="Calibri" panose="020F0502020204030204"/>
-                <a:ea typeface="+mn-ea"/>
-                <a:cs typeface="+mn-cs"/>
-              </a:rPr>
-              <a:t>3</a:t>
-            </a:r>
-          </a:p>
-        </p:txBody>
-      </p:sp>
-      <p:pic>
-        <p:nvPicPr>
-          <p:cNvPr id="4" name="Picture 3"/>
-          <p:cNvPicPr>
-            <a:picLocks noChangeAspect="1"/>
-          </p:cNvPicPr>
-          <p:nvPr/>
-        </p:nvPicPr>
-        <p:blipFill>
-          <a:blip r:embed="rId4" cstate="print">
-            <a:extLst>
-              <a:ext uri="{28A0092B-C50C-407E-A947-70E740481C1C}">
-                <a14:useLocalDpi xmlns:a14="http://schemas.microsoft.com/office/drawing/2010/main" val="0"/>
-              </a:ext>
-            </a:extLst>
-          </a:blip>
-          <a:stretch>
-            <a:fillRect/>
-          </a:stretch>
-        </p:blipFill>
-        <p:spPr>
-          <a:xfrm>
-            <a:off x="4683349" y="1601271"/>
-            <a:ext cx="3612193" cy="2611894"/>
-          </a:xfrm>
-          <a:prstGeom prst="rect">
-            <a:avLst/>
-          </a:prstGeom>
-        </p:spPr>
-      </p:pic>
-      <p:sp>
-        <p:nvSpPr>
-          <p:cNvPr id="30" name="TextBox 29">
-            <a:extLst>
-              <a:ext uri="{FF2B5EF4-FFF2-40B4-BE49-F238E27FC236}">
-                <a16:creationId xmlns:a16="http://schemas.microsoft.com/office/drawing/2014/main" xmlns="" id="{8016977A-112F-4154-95F5-0608714FBFEE}"/>
-              </a:ext>
-            </a:extLst>
-          </p:cNvPr>
-          <p:cNvSpPr txBox="1"/>
-          <p:nvPr/>
-        </p:nvSpPr>
-        <p:spPr>
-          <a:xfrm>
-            <a:off x="899679" y="4654478"/>
-            <a:ext cx="3138921" cy="784830"/>
-          </a:xfrm>
-          <a:prstGeom prst="rect">
-            <a:avLst/>
-          </a:prstGeom>
-          <a:noFill/>
-        </p:spPr>
-        <p:txBody>
           <a:bodyPr wrap="square" rtlCol="0">
             <a:spAutoFit/>
           </a:bodyPr>
           <a:lstStyle/>
           <a:p>
-            <a:pPr marL="0" marR="0" lvl="0" indent="0" defTabSz="914400" rtl="0" eaLnBrk="1" fontAlgn="auto" latinLnBrk="0" hangingPunct="1">
-              <a:lnSpc>
-                <a:spcPct val="100000"/>
-              </a:lnSpc>
-              <a:spcBef>
-                <a:spcPts val="0"/>
-              </a:spcBef>
-              <a:spcAft>
-                <a:spcPts val="0"/>
-              </a:spcAft>
-              <a:buClrTx/>
-              <a:buSzTx/>
-              <a:buFontTx/>
-              <a:buNone/>
-              <a:tabLst/>
-              <a:defRPr/>
+            <a:r>
+              <a:rPr lang="en-US" dirty="0" smtClean="0">
+                <a:solidFill>
+                  <a:schemeClr val="bg1"/>
+                </a:solidFill>
+              </a:rPr>
+              <a:t>To up skill </a:t>
+            </a:r>
+            <a:r>
+              <a:rPr lang="en-US" dirty="0">
+                <a:solidFill>
+                  <a:schemeClr val="bg1"/>
+                </a:solidFill>
+              </a:rPr>
+              <a:t>your technical knowledge : </a:t>
+            </a:r>
+            <a:endParaRPr lang="en-US" dirty="0" smtClean="0">
+              <a:solidFill>
+                <a:schemeClr val="bg1"/>
+              </a:solidFill>
+            </a:endParaRPr>
+          </a:p>
+          <a:p>
+            <a:endParaRPr lang="en-US" dirty="0">
+              <a:solidFill>
+                <a:schemeClr val="bg1"/>
+              </a:solidFill>
+            </a:endParaRPr>
+          </a:p>
+          <a:p>
+            <a:pPr marL="285750" indent="-285750">
+              <a:buFont typeface="Arial" pitchFamily="34" charset="0"/>
+              <a:buChar char="•"/>
             </a:pPr>
             <a:r>
-              <a:rPr kumimoji="0" lang="en-US" sz="1500" b="1" i="0" u="none" strike="noStrike" kern="1200" cap="none" spc="0" normalizeH="0" baseline="0" noProof="0" dirty="0" smtClean="0">
-                <a:ln>
-                  <a:noFill/>
-                </a:ln>
+              <a:rPr lang="en-US" dirty="0" smtClean="0">
                 <a:solidFill>
-                  <a:srgbClr val="FFFFFF"/>
+                  <a:schemeClr val="bg1"/>
                 </a:solidFill>
-                <a:effectLst/>
-                <a:uLnTx/>
-                <a:uFillTx/>
-                <a:latin typeface="Open Sans" panose="020B0606030504020204" pitchFamily="34" charset="0"/>
               </a:rPr>
-              <a:t>Experience in  Desktop, Distributed, Cloud, Gaming, Data analytics</a:t>
-            </a:r>
-            <a:endParaRPr kumimoji="0" lang="en-GB" sz="1500" b="1" i="0" u="none" strike="noStrike" kern="1200" cap="none" spc="0" normalizeH="0" baseline="0" noProof="0" dirty="0">
-              <a:ln>
-                <a:noFill/>
-              </a:ln>
-              <a:solidFill>
-                <a:srgbClr val="FFFFFF"/>
-              </a:solidFill>
-              <a:effectLst/>
-              <a:uLnTx/>
-              <a:uFillTx/>
-              <a:latin typeface="Noto Sans" panose="020B0502040504020204" pitchFamily="34"/>
-              <a:ea typeface="Noto Sans" panose="020B0502040504020204" pitchFamily="34"/>
-              <a:cs typeface="Noto Sans" panose="020B0502040504020204" pitchFamily="34"/>
-            </a:endParaRPr>
-          </a:p>
-        </p:txBody>
-      </p:sp>
-      <p:sp>
-        <p:nvSpPr>
-          <p:cNvPr id="32" name="Oval 31"/>
-          <p:cNvSpPr/>
-          <p:nvPr/>
-        </p:nvSpPr>
-        <p:spPr>
-          <a:xfrm>
-            <a:off x="335857" y="4904522"/>
-            <a:ext cx="379775" cy="506366"/>
-          </a:xfrm>
-          <a:prstGeom prst="ellipse">
-            <a:avLst/>
-          </a:prstGeom>
-          <a:ln/>
-        </p:spPr>
-        <p:style>
-          <a:lnRef idx="1">
-            <a:schemeClr val="accent3"/>
-          </a:lnRef>
-          <a:fillRef idx="3">
-            <a:schemeClr val="accent3"/>
-          </a:fillRef>
-          <a:effectRef idx="2">
-            <a:schemeClr val="accent3"/>
-          </a:effectRef>
-          <a:fontRef idx="minor">
-            <a:schemeClr val="lt1"/>
-          </a:fontRef>
-        </p:style>
-        <p:txBody>
-          <a:bodyPr rtlCol="0" anchor="ctr"/>
-          <a:lstStyle/>
-          <a:p>
-            <a:pPr marL="0" marR="0" lvl="0" indent="0" algn="ctr" defTabSz="914400" rtl="0" eaLnBrk="1" fontAlgn="auto" latinLnBrk="0" hangingPunct="1">
-              <a:lnSpc>
-                <a:spcPct val="100000"/>
-              </a:lnSpc>
-              <a:spcBef>
-                <a:spcPts val="0"/>
-              </a:spcBef>
-              <a:spcAft>
-                <a:spcPts val="0"/>
-              </a:spcAft>
-              <a:buClrTx/>
-              <a:buSzTx/>
-              <a:buFontTx/>
-              <a:buNone/>
-              <a:tabLst/>
-              <a:defRPr/>
+              <a:t>Interactive </a:t>
+            </a:r>
+            <a:r>
+              <a:rPr lang="en-US" dirty="0">
+                <a:solidFill>
+                  <a:schemeClr val="bg1"/>
+                </a:solidFill>
+              </a:rPr>
+              <a:t>training over traditional </a:t>
+            </a:r>
+            <a:r>
+              <a:rPr lang="en-US" dirty="0" smtClean="0">
+                <a:solidFill>
+                  <a:schemeClr val="bg1"/>
+                </a:solidFill>
+              </a:rPr>
+              <a:t>teaching.</a:t>
+            </a:r>
+          </a:p>
+          <a:p>
+            <a:pPr marL="285750" indent="-285750">
+              <a:buFont typeface="Arial" pitchFamily="34" charset="0"/>
+              <a:buChar char="•"/>
             </a:pPr>
             <a:r>
-              <a:rPr kumimoji="0" lang="en-US" sz="1800" b="1" i="0" u="none" strike="noStrike" kern="1200" cap="none" spc="0" normalizeH="0" baseline="0" noProof="0" dirty="0" smtClean="0">
-                <a:ln>
-                  <a:noFill/>
-                </a:ln>
+              <a:rPr lang="en-US" dirty="0" smtClean="0">
                 <a:solidFill>
-                  <a:srgbClr val="FFFFFF"/>
+                  <a:schemeClr val="bg1"/>
                 </a:solidFill>
-                <a:effectLst/>
-                <a:uLnTx/>
-                <a:uFillTx/>
-                <a:latin typeface="Calibri" panose="020F0502020204030204"/>
-                <a:ea typeface="+mn-ea"/>
-                <a:cs typeface="+mn-cs"/>
               </a:rPr>
-              <a:t>4</a:t>
-            </a:r>
-            <a:endParaRPr kumimoji="0" lang="en-US" sz="1800" b="1" i="0" u="none" strike="noStrike" kern="1200" cap="none" spc="0" normalizeH="0" baseline="0" noProof="0" dirty="0">
-              <a:ln>
-                <a:noFill/>
-              </a:ln>
-              <a:solidFill>
-                <a:srgbClr val="FFFFFF"/>
-              </a:solidFill>
-              <a:effectLst/>
-              <a:uLnTx/>
-              <a:uFillTx/>
-              <a:latin typeface="Calibri" panose="020F0502020204030204"/>
-              <a:ea typeface="+mn-ea"/>
-              <a:cs typeface="+mn-cs"/>
-            </a:endParaRPr>
-          </a:p>
-        </p:txBody>
-      </p:sp>
-      <p:sp>
-        <p:nvSpPr>
-          <p:cNvPr id="13" name="TextBox 12">
-            <a:extLst>
-              <a:ext uri="{FF2B5EF4-FFF2-40B4-BE49-F238E27FC236}">
-                <a16:creationId xmlns:a16="http://schemas.microsoft.com/office/drawing/2014/main" xmlns="" id="{8016977A-112F-4154-95F5-0608714FBFEE}"/>
-              </a:ext>
-            </a:extLst>
-          </p:cNvPr>
-          <p:cNvSpPr txBox="1"/>
-          <p:nvPr/>
-        </p:nvSpPr>
-        <p:spPr>
-          <a:xfrm>
-            <a:off x="941994" y="1208855"/>
-            <a:ext cx="3172806" cy="784830"/>
-          </a:xfrm>
-          <a:prstGeom prst="rect">
-            <a:avLst/>
-          </a:prstGeom>
-          <a:noFill/>
-        </p:spPr>
-        <p:txBody>
-          <a:bodyPr wrap="square" rtlCol="0">
-            <a:spAutoFit/>
-          </a:bodyPr>
-          <a:lstStyle/>
-          <a:p>
-            <a:pPr marL="0" marR="0" lvl="0" indent="0" defTabSz="914400" rtl="0" eaLnBrk="1" fontAlgn="auto" latinLnBrk="0" hangingPunct="1">
-              <a:lnSpc>
-                <a:spcPct val="100000"/>
-              </a:lnSpc>
-              <a:spcBef>
-                <a:spcPts val="0"/>
-              </a:spcBef>
-              <a:spcAft>
-                <a:spcPts val="0"/>
-              </a:spcAft>
-              <a:buClrTx/>
-              <a:buSzTx/>
-              <a:buFontTx/>
-              <a:buNone/>
-              <a:tabLst/>
-              <a:defRPr/>
+              <a:t>Real </a:t>
+            </a:r>
+            <a:r>
+              <a:rPr lang="en-US" dirty="0">
+                <a:solidFill>
+                  <a:schemeClr val="bg1"/>
+                </a:solidFill>
+              </a:rPr>
+              <a:t>time data scientists, who are industry experts in multiple </a:t>
+            </a:r>
+            <a:r>
+              <a:rPr lang="en-US" dirty="0" smtClean="0">
+                <a:solidFill>
+                  <a:schemeClr val="bg1"/>
+                </a:solidFill>
+              </a:rPr>
+              <a:t>domains.</a:t>
+            </a:r>
+          </a:p>
+          <a:p>
+            <a:pPr marL="285750" indent="-285750">
+              <a:buFont typeface="Arial" pitchFamily="34" charset="0"/>
+              <a:buChar char="•"/>
             </a:pPr>
             <a:r>
-              <a:rPr kumimoji="0" lang="en-US" sz="1500" b="1" i="0" u="none" strike="noStrike" kern="1200" cap="none" spc="0" normalizeH="0" baseline="0" noProof="0" dirty="0" smtClean="0">
-                <a:ln>
-                  <a:noFill/>
-                </a:ln>
+              <a:rPr lang="en-US" dirty="0" smtClean="0">
                 <a:solidFill>
-                  <a:srgbClr val="FFFFFF"/>
+                  <a:schemeClr val="bg1"/>
                 </a:solidFill>
-                <a:effectLst/>
-                <a:uLnTx/>
-                <a:uFillTx/>
-                <a:latin typeface="Open Sans" panose="020B0606030504020204" pitchFamily="34" charset="0"/>
               </a:rPr>
-              <a:t>Over 15 years of experience as Enterprise Architect and Data Scientist</a:t>
-            </a:r>
-            <a:endParaRPr kumimoji="0" lang="en-GB" sz="1500" b="1" i="0" u="none" strike="noStrike" kern="1200" cap="none" spc="0" normalizeH="0" baseline="0" noProof="0" dirty="0">
-              <a:ln>
-                <a:noFill/>
-              </a:ln>
-              <a:solidFill>
-                <a:srgbClr val="FFFFFF"/>
-              </a:solidFill>
-              <a:effectLst/>
-              <a:uLnTx/>
-              <a:uFillTx/>
-              <a:latin typeface="Noto Sans" panose="020B0502040504020204" pitchFamily="34"/>
-              <a:ea typeface="Noto Sans" panose="020B0502040504020204" pitchFamily="34"/>
-              <a:cs typeface="Noto Sans" panose="020B0502040504020204" pitchFamily="34"/>
-            </a:endParaRPr>
-          </a:p>
-        </p:txBody>
-      </p:sp>
-      <p:sp>
-        <p:nvSpPr>
-          <p:cNvPr id="29" name="TextBox 28">
-            <a:extLst>
-              <a:ext uri="{FF2B5EF4-FFF2-40B4-BE49-F238E27FC236}">
-                <a16:creationId xmlns:a16="http://schemas.microsoft.com/office/drawing/2014/main" xmlns="" id="{8016977A-112F-4154-95F5-0608714FBFEE}"/>
-              </a:ext>
-            </a:extLst>
-          </p:cNvPr>
-          <p:cNvSpPr txBox="1"/>
-          <p:nvPr/>
-        </p:nvSpPr>
-        <p:spPr>
-          <a:xfrm>
-            <a:off x="954231" y="5654584"/>
-            <a:ext cx="3138921" cy="784830"/>
-          </a:xfrm>
-          <a:prstGeom prst="rect">
-            <a:avLst/>
-          </a:prstGeom>
-          <a:noFill/>
-        </p:spPr>
-        <p:txBody>
-          <a:bodyPr wrap="square" rtlCol="0">
-            <a:spAutoFit/>
-          </a:bodyPr>
-          <a:lstStyle/>
-          <a:p>
-            <a:pPr marL="0" marR="0" lvl="0" indent="0" defTabSz="914400" rtl="0" eaLnBrk="1" fontAlgn="auto" latinLnBrk="0" hangingPunct="1">
-              <a:lnSpc>
-                <a:spcPct val="100000"/>
-              </a:lnSpc>
-              <a:spcBef>
-                <a:spcPts val="0"/>
-              </a:spcBef>
-              <a:spcAft>
-                <a:spcPts val="0"/>
-              </a:spcAft>
-              <a:buClrTx/>
-              <a:buSzTx/>
-              <a:buFontTx/>
-              <a:buNone/>
-              <a:tabLst/>
-              <a:defRPr/>
+              <a:t>Collaborative development </a:t>
+            </a:r>
+            <a:r>
+              <a:rPr lang="en-US" dirty="0">
+                <a:solidFill>
+                  <a:schemeClr val="bg1"/>
+                </a:solidFill>
+              </a:rPr>
+              <a:t>with In-house / open </a:t>
+            </a:r>
+            <a:r>
+              <a:rPr lang="en-US" dirty="0" smtClean="0">
+                <a:solidFill>
+                  <a:schemeClr val="bg1"/>
+                </a:solidFill>
+              </a:rPr>
+              <a:t>source AI/ML </a:t>
+            </a:r>
+            <a:r>
+              <a:rPr lang="en-US" dirty="0">
+                <a:solidFill>
+                  <a:schemeClr val="bg1"/>
+                </a:solidFill>
+              </a:rPr>
+              <a:t>project teams, </a:t>
+            </a:r>
+            <a:r>
+              <a:rPr lang="en-US" dirty="0" smtClean="0">
+                <a:solidFill>
+                  <a:schemeClr val="bg1"/>
+                </a:solidFill>
+              </a:rPr>
+              <a:t>for </a:t>
+            </a:r>
+            <a:r>
+              <a:rPr lang="en-US" dirty="0">
+                <a:solidFill>
+                  <a:schemeClr val="bg1"/>
+                </a:solidFill>
+              </a:rPr>
+              <a:t>better </a:t>
+            </a:r>
+            <a:r>
+              <a:rPr lang="en-US" dirty="0" smtClean="0">
+                <a:solidFill>
+                  <a:schemeClr val="bg1"/>
+                </a:solidFill>
+              </a:rPr>
+              <a:t>real-time experience.</a:t>
+            </a:r>
+          </a:p>
+          <a:p>
+            <a:pPr marL="285750" indent="-285750">
+              <a:buFont typeface="Arial" pitchFamily="34" charset="0"/>
+              <a:buChar char="•"/>
             </a:pPr>
             <a:r>
-              <a:rPr kumimoji="0" lang="en-US" sz="1500" b="1" i="0" u="none" strike="noStrike" kern="1200" cap="none" spc="0" normalizeH="0" baseline="0" noProof="0" dirty="0" smtClean="0">
-                <a:ln>
-                  <a:noFill/>
-                </a:ln>
+              <a:rPr lang="en-US" dirty="0" smtClean="0">
                 <a:solidFill>
-                  <a:srgbClr val="FFFFFF"/>
+                  <a:schemeClr val="bg1"/>
                 </a:solidFill>
-                <a:effectLst/>
-                <a:uLnTx/>
-                <a:uFillTx/>
-                <a:latin typeface="Open Sans" panose="020B0606030504020204" pitchFamily="34" charset="0"/>
               </a:rPr>
-              <a:t>Worked with  MNCs like Apple, Infosys, Electronic</a:t>
-            </a:r>
-            <a:r>
-              <a:rPr kumimoji="0" lang="en-US" sz="1500" b="1" i="0" u="none" strike="noStrike" kern="1200" cap="none" spc="0" normalizeH="0" noProof="0" dirty="0" smtClean="0">
-                <a:ln>
-                  <a:noFill/>
-                </a:ln>
+              <a:t>Concurrent </a:t>
+            </a:r>
+            <a:r>
+              <a:rPr lang="en-US" dirty="0">
                 <a:solidFill>
-                  <a:srgbClr val="FFFFFF"/>
+                  <a:schemeClr val="bg1"/>
                 </a:solidFill>
-                <a:effectLst/>
-                <a:uLnTx/>
-                <a:uFillTx/>
-                <a:latin typeface="Open Sans" panose="020B0606030504020204" pitchFamily="34" charset="0"/>
               </a:rPr>
-              <a:t> Arts, JPMorgan &amp; Chase etc..</a:t>
-            </a:r>
-            <a:endParaRPr kumimoji="0" lang="en-GB" sz="1500" b="1" i="0" u="none" strike="noStrike" kern="1200" cap="none" spc="0" normalizeH="0" baseline="0" noProof="0" dirty="0">
-              <a:ln>
-                <a:noFill/>
-              </a:ln>
-              <a:solidFill>
-                <a:srgbClr val="FFFFFF"/>
-              </a:solidFill>
-              <a:effectLst/>
-              <a:uLnTx/>
-              <a:uFillTx/>
-              <a:latin typeface="Noto Sans" panose="020B0502040504020204" pitchFamily="34"/>
-              <a:ea typeface="Noto Sans" panose="020B0502040504020204" pitchFamily="34"/>
-              <a:cs typeface="Noto Sans" panose="020B0502040504020204" pitchFamily="34"/>
-            </a:endParaRPr>
-          </a:p>
-        </p:txBody>
-      </p:sp>
-      <p:sp>
-        <p:nvSpPr>
-          <p:cNvPr id="31" name="Oval 30"/>
-          <p:cNvSpPr/>
-          <p:nvPr/>
-        </p:nvSpPr>
-        <p:spPr>
-          <a:xfrm>
-            <a:off x="335857" y="5904628"/>
-            <a:ext cx="379775" cy="506366"/>
-          </a:xfrm>
-          <a:prstGeom prst="ellipse">
-            <a:avLst/>
-          </a:prstGeom>
-          <a:ln/>
-        </p:spPr>
-        <p:style>
-          <a:lnRef idx="0">
-            <a:schemeClr val="accent6"/>
-          </a:lnRef>
-          <a:fillRef idx="3">
-            <a:schemeClr val="accent6"/>
-          </a:fillRef>
-          <a:effectRef idx="3">
-            <a:schemeClr val="accent6"/>
-          </a:effectRef>
-          <a:fontRef idx="minor">
-            <a:schemeClr val="lt1"/>
-          </a:fontRef>
-        </p:style>
-        <p:txBody>
-          <a:bodyPr rtlCol="0" anchor="ctr"/>
-          <a:lstStyle/>
-          <a:p>
-            <a:pPr marL="0" marR="0" lvl="0" indent="0" algn="ctr" defTabSz="914400" rtl="0" eaLnBrk="1" fontAlgn="auto" latinLnBrk="0" hangingPunct="1">
-              <a:lnSpc>
-                <a:spcPct val="100000"/>
-              </a:lnSpc>
-              <a:spcBef>
-                <a:spcPts val="0"/>
-              </a:spcBef>
-              <a:spcAft>
-                <a:spcPts val="0"/>
-              </a:spcAft>
-              <a:buClrTx/>
-              <a:buSzTx/>
-              <a:buFontTx/>
-              <a:buNone/>
-              <a:tabLst/>
-              <a:defRPr/>
+              <a:t>upgrade of trending technologies with the </a:t>
+            </a:r>
+            <a:r>
+              <a:rPr lang="en-US" dirty="0" smtClean="0">
+                <a:solidFill>
+                  <a:schemeClr val="bg1"/>
+                </a:solidFill>
+              </a:rPr>
+              <a:t>industry.</a:t>
+            </a:r>
+          </a:p>
+          <a:p>
+            <a:pPr marL="285750" indent="-285750">
+              <a:buFont typeface="Arial" pitchFamily="34" charset="0"/>
+              <a:buChar char="•"/>
             </a:pPr>
             <a:r>
-              <a:rPr lang="en-US" b="1" dirty="0">
+              <a:rPr lang="en-US" dirty="0" smtClean="0">
                 <a:solidFill>
-                  <a:srgbClr val="FFFFFF"/>
+                  <a:schemeClr val="bg1"/>
                 </a:solidFill>
-                <a:latin typeface="Calibri" panose="020F0502020204030204"/>
               </a:rPr>
-              <a:t>5</a:t>
-            </a:r>
-            <a:endParaRPr kumimoji="0" lang="en-US" sz="1800" b="1" i="0" u="none" strike="noStrike" kern="1200" cap="none" spc="0" normalizeH="0" baseline="0" noProof="0" dirty="0">
-              <a:ln>
-                <a:noFill/>
-              </a:ln>
-              <a:solidFill>
-                <a:srgbClr val="FFFFFF"/>
-              </a:solidFill>
-              <a:effectLst/>
-              <a:uLnTx/>
-              <a:uFillTx/>
-              <a:latin typeface="Calibri" panose="020F0502020204030204"/>
-              <a:ea typeface="+mn-ea"/>
-              <a:cs typeface="+mn-cs"/>
-            </a:endParaRPr>
+              <a:t>Periodic </a:t>
+            </a:r>
+            <a:r>
+              <a:rPr lang="en-US" dirty="0">
+                <a:solidFill>
+                  <a:schemeClr val="bg1"/>
+                </a:solidFill>
+              </a:rPr>
+              <a:t>knowledge checkup programs. </a:t>
+            </a:r>
+            <a:r>
+              <a:rPr lang="en-US" dirty="0" smtClean="0">
+                <a:solidFill>
+                  <a:schemeClr val="bg1"/>
+                </a:solidFill>
+              </a:rPr>
+              <a:t>(</a:t>
+            </a:r>
+            <a:r>
+              <a:rPr lang="en-US" dirty="0">
+                <a:solidFill>
+                  <a:schemeClr val="bg1"/>
+                </a:solidFill>
+              </a:rPr>
+              <a:t>Daily / </a:t>
+            </a:r>
+            <a:r>
+              <a:rPr lang="en-US" dirty="0" smtClean="0">
+                <a:solidFill>
+                  <a:schemeClr val="bg1"/>
+                </a:solidFill>
+              </a:rPr>
+              <a:t>Weekly </a:t>
+            </a:r>
+            <a:r>
+              <a:rPr lang="en-US" dirty="0">
+                <a:solidFill>
+                  <a:schemeClr val="bg1"/>
+                </a:solidFill>
+              </a:rPr>
+              <a:t>/ Bi-weekly / Monthly h</a:t>
+            </a:r>
+            <a:r>
+              <a:rPr lang="en-US" dirty="0" smtClean="0">
+                <a:solidFill>
+                  <a:schemeClr val="bg1"/>
+                </a:solidFill>
+              </a:rPr>
+              <a:t>ackathons while </a:t>
+            </a:r>
+            <a:r>
+              <a:rPr lang="en-US" dirty="0">
+                <a:solidFill>
+                  <a:schemeClr val="bg1"/>
+                </a:solidFill>
+              </a:rPr>
+              <a:t>training)</a:t>
+            </a:r>
           </a:p>
         </p:txBody>
       </p:sp>
     </p:spTree>
     <p:extLst>
       <p:ext uri="{BB962C8B-B14F-4D97-AF65-F5344CB8AC3E}">
-        <p14:creationId xmlns:p14="http://schemas.microsoft.com/office/powerpoint/2010/main" val="1800394237"/>
+        <p14:creationId xmlns:p14="http://schemas.microsoft.com/office/powerpoint/2010/main" val="3979362947"/>
       </p:ext>
     </p:extLst>
   </p:cSld>
   <p:clrMapOvr>
-    <a:overrideClrMapping bg1="lt1" tx1="dk1" bg2="lt2" tx2="dk2" accent1="accent1" accent2="accent2" accent3="accent3" accent4="accent4" accent5="accent5" accent6="accent6" hlink="hlink" folHlink="folHlink"/>
+    <a:masterClrMapping/>
   </p:clrMapOvr>
-  <p:timing>
-    <p:tnLst>
-      <p:par>
-        <p:cTn id="1" dur="indefinite" restart="never" nodeType="tmRoot"/>
-      </p:par>
-    </p:tnLst>
-  </p:timing>
 </p:sld>
 </file>
 
-<file path=ppt/slides/slide3.xml><?xml version="1.0" encoding="utf-8"?>
+<file path=ppt/slides/slide5.xml><?xml version="1.0" encoding="utf-8"?>
 <p:sld xmlns:a="http://schemas.openxmlformats.org/drawingml/2006/main" xmlns:r="http://schemas.openxmlformats.org/officeDocument/2006/relationships" xmlns:p="http://schemas.openxmlformats.org/presentationml/2006/main">
   <p:cSld>
     <p:spTree>
@@ -6645,7 +10043,7 @@
 </p:sld>
 </file>
 
-<file path=ppt/slides/slide4.xml><?xml version="1.0" encoding="utf-8"?>
+<file path=ppt/slides/slide6.xml><?xml version="1.0" encoding="utf-8"?>
 <p:sld xmlns:a="http://schemas.openxmlformats.org/drawingml/2006/main" xmlns:r="http://schemas.openxmlformats.org/officeDocument/2006/relationships" xmlns:p="http://schemas.openxmlformats.org/presentationml/2006/main">
   <p:cSld>
     <p:spTree>
@@ -7383,7 +10781,7 @@
 </p:sld>
 </file>
 
-<file path=ppt/slides/slide5.xml><?xml version="1.0" encoding="utf-8"?>
+<file path=ppt/slides/slide7.xml><?xml version="1.0" encoding="utf-8"?>
 <p:sld xmlns:a="http://schemas.openxmlformats.org/drawingml/2006/main" xmlns:r="http://schemas.openxmlformats.org/officeDocument/2006/relationships" xmlns:p="http://schemas.openxmlformats.org/presentationml/2006/main">
   <p:cSld>
     <p:spTree>
@@ -7605,7 +11003,7 @@
 </p:sld>
 </file>
 
-<file path=ppt/slides/slide6.xml><?xml version="1.0" encoding="utf-8"?>
+<file path=ppt/slides/slide8.xml><?xml version="1.0" encoding="utf-8"?>
 <p:sld xmlns:a="http://schemas.openxmlformats.org/drawingml/2006/main" xmlns:r="http://schemas.openxmlformats.org/officeDocument/2006/relationships" xmlns:p="http://schemas.openxmlformats.org/presentationml/2006/main">
   <p:cSld>
     <p:spTree>
@@ -10436,7 +13834,7 @@
 </p:sld>
 </file>
 
-<file path=ppt/slides/slide7.xml><?xml version="1.0" encoding="utf-8"?>
+<file path=ppt/slides/slide9.xml><?xml version="1.0" encoding="utf-8"?>
 <p:sld xmlns:a="http://schemas.openxmlformats.org/drawingml/2006/main" xmlns:r="http://schemas.openxmlformats.org/officeDocument/2006/relationships" xmlns:p="http://schemas.openxmlformats.org/presentationml/2006/main">
   <p:cSld>
     <p:spTree>
@@ -10857,47 +14255,4 @@
   <a:objectDefaults/>
   <a:extraClrSchemeLst/>
 </a:theme>
-</file>
-
-<file path=ppt/theme/themeOverride1.xml><?xml version="1.0" encoding="utf-8"?>
-<a:themeOverride xmlns:a="http://schemas.openxmlformats.org/drawingml/2006/main">
-  <a:clrScheme name="Office">
-    <a:dk1>
-      <a:sysClr val="windowText" lastClr="000000"/>
-    </a:dk1>
-    <a:lt1>
-      <a:sysClr val="window" lastClr="FFFFFF"/>
-    </a:lt1>
-    <a:dk2>
-      <a:srgbClr val="1F497D"/>
-    </a:dk2>
-    <a:lt2>
-      <a:srgbClr val="EEECE1"/>
-    </a:lt2>
-    <a:accent1>
-      <a:srgbClr val="4F81BD"/>
-    </a:accent1>
-    <a:accent2>
-      <a:srgbClr val="C0504D"/>
-    </a:accent2>
-    <a:accent3>
-      <a:srgbClr val="9BBB59"/>
-    </a:accent3>
-    <a:accent4>
-      <a:srgbClr val="8064A2"/>
-    </a:accent4>
-    <a:accent5>
-      <a:srgbClr val="4BACC6"/>
-    </a:accent5>
-    <a:accent6>
-      <a:srgbClr val="F79646"/>
-    </a:accent6>
-    <a:hlink>
-      <a:srgbClr val="0000FF"/>
-    </a:hlink>
-    <a:folHlink>
-      <a:srgbClr val="800080"/>
-    </a:folHlink>
-  </a:clrScheme>
-</a:themeOverride>
 </file>